--- a/Presentation/final_presentation.pptx
+++ b/Presentation/final_presentation.pptx
@@ -113,6 +113,11 @@
       </a:defRPr>
     </a:lvl9pPr>
   </p:defaultTextStyle>
+  <p:extLst>
+    <p:ext uri="{EFAFB233-063F-42B5-8137-9DF3F51BA10A}">
+      <p15:sldGuideLst xmlns:p15="http://schemas.microsoft.com/office/powerpoint/2012/main"/>
+    </p:ext>
+  </p:extLst>
 </p:presentation>
 </file>
 
@@ -3423,433 +3428,12 @@
           <a:chExt cx="0" cy="0"/>
         </a:xfrm>
       </p:grpSpPr>
-      <p:sp>
-        <p:nvSpPr>
-          <p:cNvPr id="6" name="Title 1">
+      <p:pic>
+        <p:nvPicPr>
+          <p:cNvPr id="3" name="תמונה 2">
             <a:extLst>
               <a:ext uri="{FF2B5EF4-FFF2-40B4-BE49-F238E27FC236}">
-                <a16:creationId xmlns:a16="http://schemas.microsoft.com/office/drawing/2014/main" id="{A8410A9A-055A-4A51-8124-374CDCC72C66}"/>
-              </a:ext>
-            </a:extLst>
-          </p:cNvPr>
-          <p:cNvSpPr>
-            <a:spLocks noGrp="1"/>
-          </p:cNvSpPr>
-          <p:nvPr>
-            <p:ph type="ctrTitle"/>
-          </p:nvPr>
-        </p:nvSpPr>
-        <p:spPr>
-          <a:xfrm>
-            <a:off x="0" y="1728663"/>
-            <a:ext cx="9144000" cy="2387600"/>
-          </a:xfrm>
-          <a:prstGeom prst="rect">
-            <a:avLst/>
-          </a:prstGeom>
-        </p:spPr>
-        <p:txBody>
-          <a:bodyPr vert="horz" lIns="91440" tIns="45720" rIns="91440" bIns="45720" rtlCol="1" anchor="ctr">
-            <a:normAutofit fontScale="90000"/>
-          </a:bodyPr>
-          <a:lstStyle>
-            <a:lvl1pPr algn="ctr" defTabSz="914400" rtl="1" eaLnBrk="1" latinLnBrk="0" hangingPunct="1">
-              <a:spcBef>
-                <a:spcPct val="0"/>
-              </a:spcBef>
-              <a:buNone/>
-              <a:defRPr sz="4400" kern="1200">
-                <a:solidFill>
-                  <a:schemeClr val="tx1"/>
-                </a:solidFill>
-                <a:latin typeface="+mj-lt"/>
-                <a:ea typeface="+mj-ea"/>
-                <a:cs typeface="+mj-cs"/>
-              </a:defRPr>
-            </a:lvl1pPr>
-          </a:lstStyle>
-          <a:p>
-            <a:pPr rtl="0"/>
-            <a:br>
-              <a:rPr lang="en-US" sz="2400" dirty="0">
-                <a:solidFill>
-                  <a:srgbClr val="002060"/>
-                </a:solidFill>
-              </a:rPr>
-            </a:br>
-            <a:br>
-              <a:rPr lang="en-US" sz="2400" dirty="0">
-                <a:solidFill>
-                  <a:srgbClr val="002060"/>
-                </a:solidFill>
-              </a:rPr>
-            </a:br>
-            <a:r>
-              <a:rPr lang="en-US" sz="2400" dirty="0">
-                <a:solidFill>
-                  <a:srgbClr val="002060"/>
-                </a:solidFill>
-              </a:rPr>
-              <a:t>final Presentation</a:t>
-            </a:r>
-            <a:br>
-              <a:rPr lang="en-US" sz="2400" dirty="0">
-                <a:solidFill>
-                  <a:srgbClr val="002060"/>
-                </a:solidFill>
-              </a:rPr>
-            </a:br>
-            <a:br>
-              <a:rPr lang="en-US" sz="2000" dirty="0">
-                <a:solidFill>
-                  <a:srgbClr val="002060"/>
-                </a:solidFill>
-              </a:rPr>
-            </a:br>
-            <a:r>
-              <a:rPr lang="en-US" sz="3600" b="1" dirty="0">
-                <a:solidFill>
-                  <a:srgbClr val="002060"/>
-                </a:solidFill>
-              </a:rPr>
-              <a:t>solving Sudoku using machine learning and AI tools</a:t>
-            </a:r>
-            <a:br>
-              <a:rPr lang="en-US" b="1" dirty="0"/>
-            </a:br>
-            <a:endParaRPr lang="en-US" dirty="0">
-              <a:solidFill>
-                <a:srgbClr val="002060"/>
-              </a:solidFill>
-            </a:endParaRPr>
-          </a:p>
-        </p:txBody>
-      </p:sp>
-      <p:sp>
-        <p:nvSpPr>
-          <p:cNvPr id="12" name="Subtitle 2">
-            <a:extLst>
-              <a:ext uri="{FF2B5EF4-FFF2-40B4-BE49-F238E27FC236}">
-                <a16:creationId xmlns:a16="http://schemas.microsoft.com/office/drawing/2014/main" id="{6961FCF5-6042-4780-ADCE-A5B527A09F2D}"/>
-              </a:ext>
-            </a:extLst>
-          </p:cNvPr>
-          <p:cNvSpPr>
-            <a:spLocks noGrp="1"/>
-          </p:cNvSpPr>
-          <p:nvPr>
-            <p:ph type="subTitle" idx="1"/>
-          </p:nvPr>
-        </p:nvSpPr>
-        <p:spPr>
-          <a:xfrm>
-            <a:off x="585539" y="3841282"/>
-            <a:ext cx="8446168" cy="1655763"/>
-          </a:xfrm>
-          <a:prstGeom prst="rect">
-            <a:avLst/>
-          </a:prstGeom>
-        </p:spPr>
-        <p:txBody>
-          <a:bodyPr vert="horz" lIns="91440" tIns="45720" rIns="91440" bIns="45720" rtlCol="1" anchor="t">
-            <a:noAutofit/>
-          </a:bodyPr>
-          <a:lstStyle>
-            <a:lvl1pPr marL="0" indent="0" algn="ctr" defTabSz="914400" rtl="1" eaLnBrk="1" latinLnBrk="0" hangingPunct="1">
-              <a:spcBef>
-                <a:spcPct val="20000"/>
-              </a:spcBef>
-              <a:buFont typeface="Arial" panose="020B0604020202020204" pitchFamily="34" charset="0"/>
-              <a:buNone/>
-              <a:defRPr sz="3200" kern="1200">
-                <a:solidFill>
-                  <a:schemeClr val="tx1">
-                    <a:tint val="75000"/>
-                  </a:schemeClr>
-                </a:solidFill>
-                <a:latin typeface="+mn-lt"/>
-                <a:ea typeface="+mn-ea"/>
-                <a:cs typeface="+mn-cs"/>
-              </a:defRPr>
-            </a:lvl1pPr>
-            <a:lvl2pPr marL="457200" indent="0" algn="ctr" defTabSz="914400" rtl="1" eaLnBrk="1" latinLnBrk="0" hangingPunct="1">
-              <a:spcBef>
-                <a:spcPct val="20000"/>
-              </a:spcBef>
-              <a:buFont typeface="Arial" panose="020B0604020202020204" pitchFamily="34" charset="0"/>
-              <a:buNone/>
-              <a:defRPr sz="2800" kern="1200">
-                <a:solidFill>
-                  <a:schemeClr val="tx1">
-                    <a:tint val="75000"/>
-                  </a:schemeClr>
-                </a:solidFill>
-                <a:latin typeface="+mn-lt"/>
-                <a:ea typeface="+mn-ea"/>
-                <a:cs typeface="+mn-cs"/>
-              </a:defRPr>
-            </a:lvl2pPr>
-            <a:lvl3pPr marL="914400" indent="0" algn="ctr" defTabSz="914400" rtl="1" eaLnBrk="1" latinLnBrk="0" hangingPunct="1">
-              <a:spcBef>
-                <a:spcPct val="20000"/>
-              </a:spcBef>
-              <a:buFont typeface="Arial" panose="020B0604020202020204" pitchFamily="34" charset="0"/>
-              <a:buNone/>
-              <a:defRPr sz="2400" kern="1200">
-                <a:solidFill>
-                  <a:schemeClr val="tx1">
-                    <a:tint val="75000"/>
-                  </a:schemeClr>
-                </a:solidFill>
-                <a:latin typeface="+mn-lt"/>
-                <a:ea typeface="+mn-ea"/>
-                <a:cs typeface="+mn-cs"/>
-              </a:defRPr>
-            </a:lvl3pPr>
-            <a:lvl4pPr marL="1371600" indent="0" algn="ctr" defTabSz="914400" rtl="1" eaLnBrk="1" latinLnBrk="0" hangingPunct="1">
-              <a:spcBef>
-                <a:spcPct val="20000"/>
-              </a:spcBef>
-              <a:buFont typeface="Arial" panose="020B0604020202020204" pitchFamily="34" charset="0"/>
-              <a:buNone/>
-              <a:defRPr sz="2000" kern="1200">
-                <a:solidFill>
-                  <a:schemeClr val="tx1">
-                    <a:tint val="75000"/>
-                  </a:schemeClr>
-                </a:solidFill>
-                <a:latin typeface="+mn-lt"/>
-                <a:ea typeface="+mn-ea"/>
-                <a:cs typeface="+mn-cs"/>
-              </a:defRPr>
-            </a:lvl4pPr>
-            <a:lvl5pPr marL="1828800" indent="0" algn="ctr" defTabSz="914400" rtl="1" eaLnBrk="1" latinLnBrk="0" hangingPunct="1">
-              <a:spcBef>
-                <a:spcPct val="20000"/>
-              </a:spcBef>
-              <a:buFont typeface="Arial" panose="020B0604020202020204" pitchFamily="34" charset="0"/>
-              <a:buNone/>
-              <a:defRPr sz="2000" kern="1200">
-                <a:solidFill>
-                  <a:schemeClr val="tx1">
-                    <a:tint val="75000"/>
-                  </a:schemeClr>
-                </a:solidFill>
-                <a:latin typeface="+mn-lt"/>
-                <a:ea typeface="+mn-ea"/>
-                <a:cs typeface="+mn-cs"/>
-              </a:defRPr>
-            </a:lvl5pPr>
-            <a:lvl6pPr marL="2286000" indent="0" algn="ctr" defTabSz="914400" rtl="1" eaLnBrk="1" latinLnBrk="0" hangingPunct="1">
-              <a:spcBef>
-                <a:spcPct val="20000"/>
-              </a:spcBef>
-              <a:buFont typeface="Arial" panose="020B0604020202020204" pitchFamily="34" charset="0"/>
-              <a:buNone/>
-              <a:defRPr sz="2000" kern="1200">
-                <a:solidFill>
-                  <a:schemeClr val="tx1">
-                    <a:tint val="75000"/>
-                  </a:schemeClr>
-                </a:solidFill>
-                <a:latin typeface="+mn-lt"/>
-                <a:ea typeface="+mn-ea"/>
-                <a:cs typeface="+mn-cs"/>
-              </a:defRPr>
-            </a:lvl6pPr>
-            <a:lvl7pPr marL="2743200" indent="0" algn="ctr" defTabSz="914400" rtl="1" eaLnBrk="1" latinLnBrk="0" hangingPunct="1">
-              <a:spcBef>
-                <a:spcPct val="20000"/>
-              </a:spcBef>
-              <a:buFont typeface="Arial" panose="020B0604020202020204" pitchFamily="34" charset="0"/>
-              <a:buNone/>
-              <a:defRPr sz="2000" kern="1200">
-                <a:solidFill>
-                  <a:schemeClr val="tx1">
-                    <a:tint val="75000"/>
-                  </a:schemeClr>
-                </a:solidFill>
-                <a:latin typeface="+mn-lt"/>
-                <a:ea typeface="+mn-ea"/>
-                <a:cs typeface="+mn-cs"/>
-              </a:defRPr>
-            </a:lvl7pPr>
-            <a:lvl8pPr marL="3200400" indent="0" algn="ctr" defTabSz="914400" rtl="1" eaLnBrk="1" latinLnBrk="0" hangingPunct="1">
-              <a:spcBef>
-                <a:spcPct val="20000"/>
-              </a:spcBef>
-              <a:buFont typeface="Arial" panose="020B0604020202020204" pitchFamily="34" charset="0"/>
-              <a:buNone/>
-              <a:defRPr sz="2000" kern="1200">
-                <a:solidFill>
-                  <a:schemeClr val="tx1">
-                    <a:tint val="75000"/>
-                  </a:schemeClr>
-                </a:solidFill>
-                <a:latin typeface="+mn-lt"/>
-                <a:ea typeface="+mn-ea"/>
-                <a:cs typeface="+mn-cs"/>
-              </a:defRPr>
-            </a:lvl8pPr>
-            <a:lvl9pPr marL="3657600" indent="0" algn="ctr" defTabSz="914400" rtl="1" eaLnBrk="1" latinLnBrk="0" hangingPunct="1">
-              <a:spcBef>
-                <a:spcPct val="20000"/>
-              </a:spcBef>
-              <a:buFont typeface="Arial" panose="020B0604020202020204" pitchFamily="34" charset="0"/>
-              <a:buNone/>
-              <a:defRPr sz="2000" kern="1200">
-                <a:solidFill>
-                  <a:schemeClr val="tx1">
-                    <a:tint val="75000"/>
-                  </a:schemeClr>
-                </a:solidFill>
-                <a:latin typeface="+mn-lt"/>
-                <a:ea typeface="+mn-ea"/>
-                <a:cs typeface="+mn-cs"/>
-              </a:defRPr>
-            </a:lvl9pPr>
-          </a:lstStyle>
-          <a:p>
-            <a:pPr algn="l" rtl="0"/>
-            <a:r>
-              <a:rPr lang="en-US" sz="2400" u="sng" dirty="0">
-                <a:solidFill>
-                  <a:srgbClr val="002060"/>
-                </a:solidFill>
-              </a:rPr>
-              <a:t>Students:</a:t>
-            </a:r>
-            <a:r>
-              <a:rPr lang="en-US" sz="2400" dirty="0">
-                <a:solidFill>
-                  <a:srgbClr val="002060"/>
-                </a:solidFill>
-              </a:rPr>
-              <a:t> Chen </a:t>
-            </a:r>
-            <a:r>
-              <a:rPr lang="en-US" sz="2400" dirty="0" err="1">
-                <a:solidFill>
-                  <a:srgbClr val="002060"/>
-                </a:solidFill>
-              </a:rPr>
-              <a:t>Dudai</a:t>
-            </a:r>
-            <a:r>
-              <a:rPr lang="en-US" sz="2400" dirty="0">
-                <a:solidFill>
-                  <a:srgbClr val="002060"/>
-                </a:solidFill>
-              </a:rPr>
-              <a:t>, Barak Mamistvalov</a:t>
-            </a:r>
-          </a:p>
-          <a:p>
-            <a:pPr algn="l" rtl="0"/>
-            <a:r>
-              <a:rPr lang="en-US" sz="2400" u="sng" dirty="0">
-                <a:solidFill>
-                  <a:srgbClr val="002060"/>
-                </a:solidFill>
-              </a:rPr>
-              <a:t>Supervisors</a:t>
-            </a:r>
-            <a:r>
-              <a:rPr lang="en-US" sz="2400" dirty="0">
-                <a:solidFill>
-                  <a:srgbClr val="002060"/>
-                </a:solidFill>
-              </a:rPr>
-              <a:t>: Ron Dorfman, Tom </a:t>
-            </a:r>
-            <a:r>
-              <a:rPr lang="en-US" sz="2400" dirty="0">
-                <a:solidFill>
-                  <a:srgbClr val="002060"/>
-                </a:solidFill>
-                <a:highlight>
-                  <a:srgbClr val="FFFF00"/>
-                </a:highlight>
-              </a:rPr>
-              <a:t>Jurgenson</a:t>
-            </a:r>
-          </a:p>
-          <a:p>
-            <a:pPr algn="l" rtl="0"/>
-            <a:endParaRPr lang="en-US" sz="1800" dirty="0"/>
-          </a:p>
-          <a:p>
-            <a:pPr algn="l" rtl="0"/>
-            <a:endParaRPr lang="en-US" sz="1800" dirty="0"/>
-          </a:p>
-          <a:p>
-            <a:pPr algn="l" rtl="0"/>
-            <a:endParaRPr lang="he-IL" sz="1800" dirty="0"/>
-          </a:p>
-          <a:p>
-            <a:pPr algn="l" rtl="0"/>
-            <a:r>
-              <a:rPr lang="en-US" sz="2000" dirty="0">
-                <a:solidFill>
-                  <a:srgbClr val="002060"/>
-                </a:solidFill>
-                <a:cs typeface="+mj-cs"/>
-              </a:rPr>
-              <a:t>Semester:  Winter,  2020</a:t>
-            </a:r>
-          </a:p>
-          <a:p>
-            <a:pPr algn="l" rtl="0"/>
-            <a:r>
-              <a:rPr lang="en-US" sz="2000" dirty="0">
-                <a:solidFill>
-                  <a:srgbClr val="002060"/>
-                </a:solidFill>
-                <a:highlight>
-                  <a:srgbClr val="FFFF00"/>
-                </a:highlight>
-                <a:cs typeface="+mj-cs"/>
-              </a:rPr>
-              <a:t>Date:  12/9/2020</a:t>
-            </a:r>
-            <a:endParaRPr lang="he-IL" sz="2000" dirty="0">
-              <a:solidFill>
-                <a:srgbClr val="002060"/>
-              </a:solidFill>
-              <a:highlight>
-                <a:srgbClr val="FFFF00"/>
-              </a:highlight>
-              <a:cs typeface="Times New Roman"/>
-            </a:endParaRPr>
-          </a:p>
-          <a:p>
-            <a:pPr algn="l" rtl="0"/>
-            <a:endParaRPr lang="he-IL" sz="2400" dirty="0"/>
-          </a:p>
-          <a:p>
-            <a:pPr algn="l" rtl="0"/>
-            <a:endParaRPr lang="en-US" sz="2400" dirty="0"/>
-          </a:p>
-          <a:p>
-            <a:pPr algn="l" rtl="0"/>
-            <a:endParaRPr lang="en-US" sz="2400" dirty="0"/>
-          </a:p>
-          <a:p>
-            <a:pPr algn="l" rtl="0"/>
-            <a:endParaRPr lang="en-US" sz="2400" dirty="0"/>
-          </a:p>
-          <a:p>
-            <a:pPr algn="l" rtl="0"/>
-            <a:endParaRPr lang="en-US" sz="2400" dirty="0"/>
-          </a:p>
-        </p:txBody>
-      </p:sp>
-      <p:pic>
-        <p:nvPicPr>
-          <p:cNvPr id="14" name="תמונה 13">
-            <a:extLst>
-              <a:ext uri="{FF2B5EF4-FFF2-40B4-BE49-F238E27FC236}">
-                <a16:creationId xmlns:a16="http://schemas.microsoft.com/office/drawing/2014/main" id="{07AEAAB5-9DAA-43FC-94DB-C940B649F645}"/>
+                <a16:creationId xmlns:a16="http://schemas.microsoft.com/office/drawing/2014/main" id="{C2E3D0F5-2800-4538-9B5F-798DF545BAF8}"/>
               </a:ext>
             </a:extLst>
           </p:cNvPr>
@@ -3866,14 +3450,472 @@
         </p:blipFill>
         <p:spPr>
           <a:xfrm>
-            <a:off x="1464430" y="2"/>
-            <a:ext cx="6440227" cy="2049163"/>
+            <a:off x="1677100" y="467047"/>
+            <a:ext cx="5789799" cy="1545284"/>
           </a:xfrm>
           <a:prstGeom prst="rect">
             <a:avLst/>
           </a:prstGeom>
         </p:spPr>
       </p:pic>
+      <p:sp>
+        <p:nvSpPr>
+          <p:cNvPr id="6" name="Title 1">
+            <a:extLst>
+              <a:ext uri="{FF2B5EF4-FFF2-40B4-BE49-F238E27FC236}">
+                <a16:creationId xmlns:a16="http://schemas.microsoft.com/office/drawing/2014/main" id="{A8410A9A-055A-4A51-8124-374CDCC72C66}"/>
+              </a:ext>
+            </a:extLst>
+          </p:cNvPr>
+          <p:cNvSpPr>
+            <a:spLocks noGrp="1"/>
+          </p:cNvSpPr>
+          <p:nvPr>
+            <p:ph type="ctrTitle"/>
+          </p:nvPr>
+        </p:nvSpPr>
+        <p:spPr>
+          <a:xfrm>
+            <a:off x="0" y="1728663"/>
+            <a:ext cx="9144000" cy="2387600"/>
+          </a:xfrm>
+          <a:prstGeom prst="rect">
+            <a:avLst/>
+          </a:prstGeom>
+        </p:spPr>
+        <p:txBody>
+          <a:bodyPr vert="horz" lIns="91440" tIns="45720" rIns="91440" bIns="45720" rtlCol="1" anchor="ctr">
+            <a:noAutofit/>
+          </a:bodyPr>
+          <a:lstStyle>
+            <a:lvl1pPr algn="ctr" defTabSz="914400" rtl="1" eaLnBrk="1" latinLnBrk="0" hangingPunct="1">
+              <a:spcBef>
+                <a:spcPct val="0"/>
+              </a:spcBef>
+              <a:buNone/>
+              <a:defRPr sz="4400" kern="1200">
+                <a:solidFill>
+                  <a:schemeClr val="tx1"/>
+                </a:solidFill>
+                <a:latin typeface="+mj-lt"/>
+                <a:ea typeface="+mj-ea"/>
+                <a:cs typeface="+mj-cs"/>
+              </a:defRPr>
+            </a:lvl1pPr>
+          </a:lstStyle>
+          <a:p>
+            <a:pPr rtl="0"/>
+            <a:br>
+              <a:rPr lang="en-US" sz="2800" dirty="0">
+                <a:solidFill>
+                  <a:schemeClr val="accent1">
+                    <a:lumMod val="75000"/>
+                  </a:schemeClr>
+                </a:solidFill>
+              </a:rPr>
+            </a:br>
+            <a:r>
+              <a:rPr lang="en-US" sz="2800" dirty="0">
+                <a:solidFill>
+                  <a:schemeClr val="accent1">
+                    <a:lumMod val="75000"/>
+                  </a:schemeClr>
+                </a:solidFill>
+              </a:rPr>
+              <a:t>Final Presentation</a:t>
+            </a:r>
+            <a:br>
+              <a:rPr lang="en-US" sz="2800" dirty="0">
+                <a:solidFill>
+                  <a:schemeClr val="accent1">
+                    <a:lumMod val="75000"/>
+                  </a:schemeClr>
+                </a:solidFill>
+              </a:rPr>
+            </a:br>
+            <a:br>
+              <a:rPr lang="en-US" sz="2800" dirty="0">
+                <a:solidFill>
+                  <a:schemeClr val="accent1">
+                    <a:lumMod val="75000"/>
+                  </a:schemeClr>
+                </a:solidFill>
+              </a:rPr>
+            </a:br>
+            <a:r>
+              <a:rPr lang="en-US" sz="3200" b="1" dirty="0">
+                <a:solidFill>
+                  <a:schemeClr val="accent1">
+                    <a:lumMod val="75000"/>
+                  </a:schemeClr>
+                </a:solidFill>
+              </a:rPr>
+              <a:t>Solving Sudoku Using Machine Learning And AI Tools</a:t>
+            </a:r>
+            <a:br>
+              <a:rPr lang="en-US" sz="2800" b="1" dirty="0">
+                <a:solidFill>
+                  <a:schemeClr val="accent1">
+                    <a:lumMod val="75000"/>
+                  </a:schemeClr>
+                </a:solidFill>
+              </a:rPr>
+            </a:br>
+            <a:endParaRPr lang="en-US" sz="2800" dirty="0">
+              <a:solidFill>
+                <a:schemeClr val="accent1">
+                  <a:lumMod val="75000"/>
+                </a:schemeClr>
+              </a:solidFill>
+            </a:endParaRPr>
+          </a:p>
+        </p:txBody>
+      </p:sp>
+      <p:sp>
+        <p:nvSpPr>
+          <p:cNvPr id="12" name="Subtitle 2">
+            <a:extLst>
+              <a:ext uri="{FF2B5EF4-FFF2-40B4-BE49-F238E27FC236}">
+                <a16:creationId xmlns:a16="http://schemas.microsoft.com/office/drawing/2014/main" id="{6961FCF5-6042-4780-ADCE-A5B527A09F2D}"/>
+              </a:ext>
+            </a:extLst>
+          </p:cNvPr>
+          <p:cNvSpPr>
+            <a:spLocks noGrp="1"/>
+          </p:cNvSpPr>
+          <p:nvPr>
+            <p:ph type="subTitle" idx="1"/>
+          </p:nvPr>
+        </p:nvSpPr>
+        <p:spPr>
+          <a:xfrm>
+            <a:off x="585539" y="4017788"/>
+            <a:ext cx="8446168" cy="1655763"/>
+          </a:xfrm>
+          <a:prstGeom prst="rect">
+            <a:avLst/>
+          </a:prstGeom>
+        </p:spPr>
+        <p:txBody>
+          <a:bodyPr vert="horz" lIns="91440" tIns="45720" rIns="91440" bIns="45720" rtlCol="1" anchor="t">
+            <a:noAutofit/>
+          </a:bodyPr>
+          <a:lstStyle>
+            <a:lvl1pPr marL="0" indent="0" algn="ctr" defTabSz="914400" rtl="1" eaLnBrk="1" latinLnBrk="0" hangingPunct="1">
+              <a:spcBef>
+                <a:spcPct val="20000"/>
+              </a:spcBef>
+              <a:buFont typeface="Arial" panose="020B0604020202020204" pitchFamily="34" charset="0"/>
+              <a:buNone/>
+              <a:defRPr sz="3200" kern="1200">
+                <a:solidFill>
+                  <a:schemeClr val="tx1">
+                    <a:tint val="75000"/>
+                  </a:schemeClr>
+                </a:solidFill>
+                <a:latin typeface="+mn-lt"/>
+                <a:ea typeface="+mn-ea"/>
+                <a:cs typeface="+mn-cs"/>
+              </a:defRPr>
+            </a:lvl1pPr>
+            <a:lvl2pPr marL="457200" indent="0" algn="ctr" defTabSz="914400" rtl="1" eaLnBrk="1" latinLnBrk="0" hangingPunct="1">
+              <a:spcBef>
+                <a:spcPct val="20000"/>
+              </a:spcBef>
+              <a:buFont typeface="Arial" panose="020B0604020202020204" pitchFamily="34" charset="0"/>
+              <a:buNone/>
+              <a:defRPr sz="2800" kern="1200">
+                <a:solidFill>
+                  <a:schemeClr val="tx1">
+                    <a:tint val="75000"/>
+                  </a:schemeClr>
+                </a:solidFill>
+                <a:latin typeface="+mn-lt"/>
+                <a:ea typeface="+mn-ea"/>
+                <a:cs typeface="+mn-cs"/>
+              </a:defRPr>
+            </a:lvl2pPr>
+            <a:lvl3pPr marL="914400" indent="0" algn="ctr" defTabSz="914400" rtl="1" eaLnBrk="1" latinLnBrk="0" hangingPunct="1">
+              <a:spcBef>
+                <a:spcPct val="20000"/>
+              </a:spcBef>
+              <a:buFont typeface="Arial" panose="020B0604020202020204" pitchFamily="34" charset="0"/>
+              <a:buNone/>
+              <a:defRPr sz="2400" kern="1200">
+                <a:solidFill>
+                  <a:schemeClr val="tx1">
+                    <a:tint val="75000"/>
+                  </a:schemeClr>
+                </a:solidFill>
+                <a:latin typeface="+mn-lt"/>
+                <a:ea typeface="+mn-ea"/>
+                <a:cs typeface="+mn-cs"/>
+              </a:defRPr>
+            </a:lvl3pPr>
+            <a:lvl4pPr marL="1371600" indent="0" algn="ctr" defTabSz="914400" rtl="1" eaLnBrk="1" latinLnBrk="0" hangingPunct="1">
+              <a:spcBef>
+                <a:spcPct val="20000"/>
+              </a:spcBef>
+              <a:buFont typeface="Arial" panose="020B0604020202020204" pitchFamily="34" charset="0"/>
+              <a:buNone/>
+              <a:defRPr sz="2000" kern="1200">
+                <a:solidFill>
+                  <a:schemeClr val="tx1">
+                    <a:tint val="75000"/>
+                  </a:schemeClr>
+                </a:solidFill>
+                <a:latin typeface="+mn-lt"/>
+                <a:ea typeface="+mn-ea"/>
+                <a:cs typeface="+mn-cs"/>
+              </a:defRPr>
+            </a:lvl4pPr>
+            <a:lvl5pPr marL="1828800" indent="0" algn="ctr" defTabSz="914400" rtl="1" eaLnBrk="1" latinLnBrk="0" hangingPunct="1">
+              <a:spcBef>
+                <a:spcPct val="20000"/>
+              </a:spcBef>
+              <a:buFont typeface="Arial" panose="020B0604020202020204" pitchFamily="34" charset="0"/>
+              <a:buNone/>
+              <a:defRPr sz="2000" kern="1200">
+                <a:solidFill>
+                  <a:schemeClr val="tx1">
+                    <a:tint val="75000"/>
+                  </a:schemeClr>
+                </a:solidFill>
+                <a:latin typeface="+mn-lt"/>
+                <a:ea typeface="+mn-ea"/>
+                <a:cs typeface="+mn-cs"/>
+              </a:defRPr>
+            </a:lvl5pPr>
+            <a:lvl6pPr marL="2286000" indent="0" algn="ctr" defTabSz="914400" rtl="1" eaLnBrk="1" latinLnBrk="0" hangingPunct="1">
+              <a:spcBef>
+                <a:spcPct val="20000"/>
+              </a:spcBef>
+              <a:buFont typeface="Arial" panose="020B0604020202020204" pitchFamily="34" charset="0"/>
+              <a:buNone/>
+              <a:defRPr sz="2000" kern="1200">
+                <a:solidFill>
+                  <a:schemeClr val="tx1">
+                    <a:tint val="75000"/>
+                  </a:schemeClr>
+                </a:solidFill>
+                <a:latin typeface="+mn-lt"/>
+                <a:ea typeface="+mn-ea"/>
+                <a:cs typeface="+mn-cs"/>
+              </a:defRPr>
+            </a:lvl6pPr>
+            <a:lvl7pPr marL="2743200" indent="0" algn="ctr" defTabSz="914400" rtl="1" eaLnBrk="1" latinLnBrk="0" hangingPunct="1">
+              <a:spcBef>
+                <a:spcPct val="20000"/>
+              </a:spcBef>
+              <a:buFont typeface="Arial" panose="020B0604020202020204" pitchFamily="34" charset="0"/>
+              <a:buNone/>
+              <a:defRPr sz="2000" kern="1200">
+                <a:solidFill>
+                  <a:schemeClr val="tx1">
+                    <a:tint val="75000"/>
+                  </a:schemeClr>
+                </a:solidFill>
+                <a:latin typeface="+mn-lt"/>
+                <a:ea typeface="+mn-ea"/>
+                <a:cs typeface="+mn-cs"/>
+              </a:defRPr>
+            </a:lvl7pPr>
+            <a:lvl8pPr marL="3200400" indent="0" algn="ctr" defTabSz="914400" rtl="1" eaLnBrk="1" latinLnBrk="0" hangingPunct="1">
+              <a:spcBef>
+                <a:spcPct val="20000"/>
+              </a:spcBef>
+              <a:buFont typeface="Arial" panose="020B0604020202020204" pitchFamily="34" charset="0"/>
+              <a:buNone/>
+              <a:defRPr sz="2000" kern="1200">
+                <a:solidFill>
+                  <a:schemeClr val="tx1">
+                    <a:tint val="75000"/>
+                  </a:schemeClr>
+                </a:solidFill>
+                <a:latin typeface="+mn-lt"/>
+                <a:ea typeface="+mn-ea"/>
+                <a:cs typeface="+mn-cs"/>
+              </a:defRPr>
+            </a:lvl8pPr>
+            <a:lvl9pPr marL="3657600" indent="0" algn="ctr" defTabSz="914400" rtl="1" eaLnBrk="1" latinLnBrk="0" hangingPunct="1">
+              <a:spcBef>
+                <a:spcPct val="20000"/>
+              </a:spcBef>
+              <a:buFont typeface="Arial" panose="020B0604020202020204" pitchFamily="34" charset="0"/>
+              <a:buNone/>
+              <a:defRPr sz="2000" kern="1200">
+                <a:solidFill>
+                  <a:schemeClr val="tx1">
+                    <a:tint val="75000"/>
+                  </a:schemeClr>
+                </a:solidFill>
+                <a:latin typeface="+mn-lt"/>
+                <a:ea typeface="+mn-ea"/>
+                <a:cs typeface="+mn-cs"/>
+              </a:defRPr>
+            </a:lvl9pPr>
+          </a:lstStyle>
+          <a:p>
+            <a:pPr algn="l" rtl="0"/>
+            <a:r>
+              <a:rPr lang="en-US" sz="2400" u="sng" dirty="0">
+                <a:solidFill>
+                  <a:schemeClr val="tx1"/>
+                </a:solidFill>
+              </a:rPr>
+              <a:t>Students:</a:t>
+            </a:r>
+            <a:r>
+              <a:rPr lang="en-US" sz="2400" dirty="0">
+                <a:solidFill>
+                  <a:schemeClr val="tx1"/>
+                </a:solidFill>
+              </a:rPr>
+              <a:t> Chen </a:t>
+            </a:r>
+            <a:r>
+              <a:rPr lang="en-US" sz="2400" dirty="0" err="1">
+                <a:solidFill>
+                  <a:schemeClr val="tx1"/>
+                </a:solidFill>
+              </a:rPr>
+              <a:t>Dudai</a:t>
+            </a:r>
+            <a:r>
+              <a:rPr lang="en-US" sz="2400" dirty="0">
+                <a:solidFill>
+                  <a:schemeClr val="tx1"/>
+                </a:solidFill>
+              </a:rPr>
+              <a:t>, Barak Mamistvalov</a:t>
+            </a:r>
+          </a:p>
+          <a:p>
+            <a:pPr algn="l" rtl="0"/>
+            <a:r>
+              <a:rPr lang="en-US" sz="2400" u="sng" dirty="0">
+                <a:solidFill>
+                  <a:schemeClr val="tx1"/>
+                </a:solidFill>
+              </a:rPr>
+              <a:t>Supervisors</a:t>
+            </a:r>
+            <a:r>
+              <a:rPr lang="en-US" sz="2400" dirty="0">
+                <a:solidFill>
+                  <a:schemeClr val="tx1"/>
+                </a:solidFill>
+              </a:rPr>
+              <a:t>: Ron Dorfman, Tom Jurgenson</a:t>
+            </a:r>
+          </a:p>
+          <a:p>
+            <a:pPr algn="l" rtl="0"/>
+            <a:endParaRPr lang="en-US" sz="1800" dirty="0">
+              <a:solidFill>
+                <a:schemeClr val="tx1"/>
+              </a:solidFill>
+            </a:endParaRPr>
+          </a:p>
+          <a:p>
+            <a:pPr algn="l" rtl="0"/>
+            <a:endParaRPr lang="en-US" sz="1800" dirty="0">
+              <a:solidFill>
+                <a:schemeClr val="tx1"/>
+              </a:solidFill>
+            </a:endParaRPr>
+          </a:p>
+          <a:p>
+            <a:pPr algn="l" rtl="0"/>
+            <a:endParaRPr lang="he-IL" sz="1800" dirty="0">
+              <a:solidFill>
+                <a:schemeClr val="tx1"/>
+              </a:solidFill>
+            </a:endParaRPr>
+          </a:p>
+          <a:p>
+            <a:pPr algn="l" rtl="0"/>
+            <a:r>
+              <a:rPr lang="en-US" sz="2400" dirty="0">
+                <a:solidFill>
+                  <a:schemeClr val="tx1"/>
+                </a:solidFill>
+              </a:rPr>
+              <a:t>Semester:  Winter,  2020</a:t>
+            </a:r>
+          </a:p>
+          <a:p>
+            <a:pPr algn="l" rtl="0"/>
+            <a:r>
+              <a:rPr lang="en-US" sz="2400" dirty="0">
+                <a:solidFill>
+                  <a:schemeClr val="tx1"/>
+                </a:solidFill>
+              </a:rPr>
+              <a:t>Date</a:t>
+            </a:r>
+            <a:r>
+              <a:rPr lang="en-US" sz="2400" dirty="0">
+                <a:solidFill>
+                  <a:schemeClr val="tx1"/>
+                </a:solidFill>
+                <a:highlight>
+                  <a:srgbClr val="FFFF00"/>
+                </a:highlight>
+              </a:rPr>
+              <a:t>:  12/9/2020</a:t>
+            </a:r>
+            <a:endParaRPr lang="he-IL" sz="2400" dirty="0">
+              <a:solidFill>
+                <a:schemeClr val="tx1"/>
+              </a:solidFill>
+              <a:highlight>
+                <a:srgbClr val="FFFF00"/>
+              </a:highlight>
+            </a:endParaRPr>
+          </a:p>
+          <a:p>
+            <a:pPr algn="l" rtl="0"/>
+            <a:endParaRPr lang="he-IL" sz="2400" dirty="0">
+              <a:solidFill>
+                <a:schemeClr val="tx1"/>
+              </a:solidFill>
+            </a:endParaRPr>
+          </a:p>
+          <a:p>
+            <a:pPr algn="l" rtl="0"/>
+            <a:endParaRPr lang="en-US" sz="2400" dirty="0">
+              <a:solidFill>
+                <a:schemeClr val="tx1"/>
+              </a:solidFill>
+            </a:endParaRPr>
+          </a:p>
+          <a:p>
+            <a:pPr algn="l" rtl="0"/>
+            <a:endParaRPr lang="en-US" sz="2400" dirty="0">
+              <a:solidFill>
+                <a:schemeClr val="tx1"/>
+              </a:solidFill>
+            </a:endParaRPr>
+          </a:p>
+          <a:p>
+            <a:pPr algn="l" rtl="0"/>
+            <a:endParaRPr lang="en-US" sz="2400" dirty="0">
+              <a:solidFill>
+                <a:schemeClr val="tx1"/>
+              </a:solidFill>
+            </a:endParaRPr>
+          </a:p>
+          <a:p>
+            <a:pPr algn="l" rtl="0"/>
+            <a:endParaRPr lang="en-US" sz="2400" dirty="0">
+              <a:solidFill>
+                <a:schemeClr val="tx1"/>
+              </a:solidFill>
+            </a:endParaRPr>
+          </a:p>
+        </p:txBody>
+      </p:sp>
       <p:pic>
         <p:nvPicPr>
           <p:cNvPr id="16" name="תמונה 15">

--- a/Presentation/final_presentation.pptx
+++ b/Presentation/final_presentation.pptx
@@ -203,7 +203,7 @@
           <a:p>
             <a:fld id="{F6B21B3F-883B-407D-A0DF-AE028F3E9C27}" type="datetimeFigureOut">
               <a:rPr lang="he-IL" smtClean="0"/>
-              <a:t>ט"ו/אלול/תש"ף</a:t>
+              <a:t>ט"ז/אלול/תש"ף</a:t>
             </a:fld>
             <a:endParaRPr lang="he-IL"/>
           </a:p>
@@ -569,6 +569,118 @@
 </p:notes>
 </file>
 
+<file path=ppt/notesSlides/notesSlide2.xml><?xml version="1.0" encoding="utf-8"?>
+<p:notes xmlns:a="http://schemas.openxmlformats.org/drawingml/2006/main" xmlns:r="http://schemas.openxmlformats.org/officeDocument/2006/relationships" xmlns:p="http://schemas.openxmlformats.org/presentationml/2006/main">
+  <p:cSld>
+    <p:spTree>
+      <p:nvGrpSpPr>
+        <p:cNvPr id="1" name=""/>
+        <p:cNvGrpSpPr/>
+        <p:nvPr/>
+      </p:nvGrpSpPr>
+      <p:grpSpPr>
+        <a:xfrm>
+          <a:off x="0" y="0"/>
+          <a:ext cx="0" cy="0"/>
+          <a:chOff x="0" y="0"/>
+          <a:chExt cx="0" cy="0"/>
+        </a:xfrm>
+      </p:grpSpPr>
+      <p:sp>
+        <p:nvSpPr>
+          <p:cNvPr id="2" name="מציין מיקום של תמונת שקופית 1"/>
+          <p:cNvSpPr>
+            <a:spLocks noGrp="1" noRot="1" noChangeAspect="1"/>
+          </p:cNvSpPr>
+          <p:nvPr>
+            <p:ph type="sldImg"/>
+          </p:nvPr>
+        </p:nvSpPr>
+        <p:spPr/>
+      </p:sp>
+      <p:sp>
+        <p:nvSpPr>
+          <p:cNvPr id="3" name="מציין מיקום של הערות 2"/>
+          <p:cNvSpPr>
+            <a:spLocks noGrp="1"/>
+          </p:cNvSpPr>
+          <p:nvPr>
+            <p:ph type="body" idx="1"/>
+          </p:nvPr>
+        </p:nvSpPr>
+        <p:spPr/>
+        <p:txBody>
+          <a:bodyPr/>
+          <a:lstStyle/>
+          <a:p>
+            <a:pPr marL="0" marR="0" lvl="0" indent="0" algn="r" defTabSz="914400" rtl="1" eaLnBrk="1" fontAlgn="auto" latinLnBrk="0" hangingPunct="1">
+              <a:lnSpc>
+                <a:spcPct val="100000"/>
+              </a:lnSpc>
+              <a:spcBef>
+                <a:spcPts val="0"/>
+              </a:spcBef>
+              <a:spcAft>
+                <a:spcPts val="0"/>
+              </a:spcAft>
+              <a:buClrTx/>
+              <a:buSzTx/>
+              <a:buFontTx/>
+              <a:buNone/>
+              <a:tabLst/>
+              <a:defRPr/>
+            </a:pPr>
+            <a:r>
+              <a:rPr lang="en-US" dirty="0"/>
+              <a:t>One million puzzles from Kaggle.</a:t>
+            </a:r>
+            <a:r>
+              <a:rPr lang="he-IL" dirty="0"/>
+              <a:t> – יש מיליון לוחות של זוגות של פאזלים חלקיים ומלאים.</a:t>
+            </a:r>
+            <a:endParaRPr lang="en-US" dirty="0"/>
+          </a:p>
+          <a:p>
+            <a:endParaRPr lang="he-IL" dirty="0"/>
+          </a:p>
+        </p:txBody>
+      </p:sp>
+      <p:sp>
+        <p:nvSpPr>
+          <p:cNvPr id="4" name="מציין מיקום של מספר שקופית 3"/>
+          <p:cNvSpPr>
+            <a:spLocks noGrp="1"/>
+          </p:cNvSpPr>
+          <p:nvPr>
+            <p:ph type="sldNum" sz="quarter" idx="5"/>
+          </p:nvPr>
+        </p:nvSpPr>
+        <p:spPr/>
+        <p:txBody>
+          <a:bodyPr/>
+          <a:lstStyle/>
+          <a:p>
+            <a:fld id="{9EDA4E3B-FBC5-452B-B234-E35138224BE7}" type="slidenum">
+              <a:rPr lang="he-IL" smtClean="0"/>
+              <a:t>5</a:t>
+            </a:fld>
+            <a:endParaRPr lang="he-IL"/>
+          </a:p>
+        </p:txBody>
+      </p:sp>
+    </p:spTree>
+    <p:extLst>
+      <p:ext uri="{BB962C8B-B14F-4D97-AF65-F5344CB8AC3E}">
+        <p14:creationId xmlns:p14="http://schemas.microsoft.com/office/powerpoint/2010/main" val="2946153229"/>
+      </p:ext>
+    </p:extLst>
+  </p:cSld>
+  <p:clrMapOvr>
+    <a:masterClrMapping/>
+  </p:clrMapOvr>
+</p:notes>
+</file>
+
 <file path=ppt/slideLayouts/slideLayout1.xml><?xml version="1.0" encoding="utf-8"?>
 <p:sldLayout xmlns:a="http://schemas.openxmlformats.org/drawingml/2006/main" xmlns:r="http://schemas.openxmlformats.org/officeDocument/2006/relationships" xmlns:p="http://schemas.openxmlformats.org/presentationml/2006/main" type="title" preserve="1">
   <p:cSld name="שקופית כותרת">
@@ -700,7 +812,7 @@
           <a:p>
             <a:fld id="{07420D2C-25A9-4EC4-A057-9B240AACE9AC}" type="datetimeFigureOut">
               <a:rPr lang="he-IL" smtClean="0"/>
-              <a:t>ט"ו/אלול/תש"ף</a:t>
+              <a:t>ט"ז/אלול/תש"ף</a:t>
             </a:fld>
             <a:endParaRPr lang="he-IL"/>
           </a:p>
@@ -870,7 +982,7 @@
           <a:p>
             <a:fld id="{07420D2C-25A9-4EC4-A057-9B240AACE9AC}" type="datetimeFigureOut">
               <a:rPr lang="he-IL" smtClean="0"/>
-              <a:t>ט"ו/אלול/תש"ף</a:t>
+              <a:t>ט"ז/אלול/תש"ף</a:t>
             </a:fld>
             <a:endParaRPr lang="he-IL"/>
           </a:p>
@@ -1050,7 +1162,7 @@
           <a:p>
             <a:fld id="{07420D2C-25A9-4EC4-A057-9B240AACE9AC}" type="datetimeFigureOut">
               <a:rPr lang="he-IL" smtClean="0"/>
-              <a:t>ט"ו/אלול/תש"ף</a:t>
+              <a:t>ט"ז/אלול/תש"ף</a:t>
             </a:fld>
             <a:endParaRPr lang="he-IL"/>
           </a:p>
@@ -1220,7 +1332,7 @@
           <a:p>
             <a:fld id="{07420D2C-25A9-4EC4-A057-9B240AACE9AC}" type="datetimeFigureOut">
               <a:rPr lang="he-IL" smtClean="0"/>
-              <a:t>ט"ו/אלול/תש"ף</a:t>
+              <a:t>ט"ז/אלול/תש"ף</a:t>
             </a:fld>
             <a:endParaRPr lang="he-IL"/>
           </a:p>
@@ -1464,7 +1576,7 @@
           <a:p>
             <a:fld id="{07420D2C-25A9-4EC4-A057-9B240AACE9AC}" type="datetimeFigureOut">
               <a:rPr lang="he-IL" smtClean="0"/>
-              <a:t>ט"ו/אלול/תש"ף</a:t>
+              <a:t>ט"ז/אלול/תש"ף</a:t>
             </a:fld>
             <a:endParaRPr lang="he-IL"/>
           </a:p>
@@ -1696,7 +1808,7 @@
           <a:p>
             <a:fld id="{07420D2C-25A9-4EC4-A057-9B240AACE9AC}" type="datetimeFigureOut">
               <a:rPr lang="he-IL" smtClean="0"/>
-              <a:t>ט"ו/אלול/תש"ף</a:t>
+              <a:t>ט"ז/אלול/תש"ף</a:t>
             </a:fld>
             <a:endParaRPr lang="he-IL"/>
           </a:p>
@@ -2063,7 +2175,7 @@
           <a:p>
             <a:fld id="{07420D2C-25A9-4EC4-A057-9B240AACE9AC}" type="datetimeFigureOut">
               <a:rPr lang="he-IL" smtClean="0"/>
-              <a:t>ט"ו/אלול/תש"ף</a:t>
+              <a:t>ט"ז/אלול/תש"ף</a:t>
             </a:fld>
             <a:endParaRPr lang="he-IL"/>
           </a:p>
@@ -2181,7 +2293,7 @@
           <a:p>
             <a:fld id="{07420D2C-25A9-4EC4-A057-9B240AACE9AC}" type="datetimeFigureOut">
               <a:rPr lang="he-IL" smtClean="0"/>
-              <a:t>ט"ו/אלול/תש"ף</a:t>
+              <a:t>ט"ז/אלול/תש"ף</a:t>
             </a:fld>
             <a:endParaRPr lang="he-IL"/>
           </a:p>
@@ -2276,7 +2388,7 @@
           <a:p>
             <a:fld id="{07420D2C-25A9-4EC4-A057-9B240AACE9AC}" type="datetimeFigureOut">
               <a:rPr lang="he-IL" smtClean="0"/>
-              <a:t>ט"ו/אלול/תש"ף</a:t>
+              <a:t>ט"ז/אלול/תש"ף</a:t>
             </a:fld>
             <a:endParaRPr lang="he-IL"/>
           </a:p>
@@ -2553,7 +2665,7 @@
           <a:p>
             <a:fld id="{07420D2C-25A9-4EC4-A057-9B240AACE9AC}" type="datetimeFigureOut">
               <a:rPr lang="he-IL" smtClean="0"/>
-              <a:t>ט"ו/אלול/תש"ף</a:t>
+              <a:t>ט"ז/אלול/תש"ף</a:t>
             </a:fld>
             <a:endParaRPr lang="he-IL"/>
           </a:p>
@@ -2810,7 +2922,7 @@
           <a:p>
             <a:fld id="{07420D2C-25A9-4EC4-A057-9B240AACE9AC}" type="datetimeFigureOut">
               <a:rPr lang="he-IL" smtClean="0"/>
-              <a:t>ט"ו/אלול/תש"ף</a:t>
+              <a:t>ט"ז/אלול/תש"ף</a:t>
             </a:fld>
             <a:endParaRPr lang="he-IL"/>
           </a:p>
@@ -3023,7 +3135,7 @@
           <a:p>
             <a:fld id="{07420D2C-25A9-4EC4-A057-9B240AACE9AC}" type="datetimeFigureOut">
               <a:rPr lang="he-IL" smtClean="0"/>
-              <a:t>ט"ו/אלול/תש"ף</a:t>
+              <a:t>ט"ז/אלול/תש"ף</a:t>
             </a:fld>
             <a:endParaRPr lang="he-IL"/>
           </a:p>
@@ -4025,6 +4137,7 @@
                 <a:solidFill>
                   <a:srgbClr val="002060"/>
                 </a:solidFill>
+                <a:latin typeface="Calibri"/>
               </a:rPr>
               <a:t>Outline</a:t>
             </a:r>
@@ -4032,6 +4145,7 @@
               <a:solidFill>
                 <a:srgbClr val="002060"/>
               </a:solidFill>
+              <a:latin typeface="Calibri"/>
             </a:endParaRPr>
           </a:p>
         </p:txBody>
@@ -4629,7 +4743,7 @@
                 <a:ea typeface="+mn-ea"/>
                 <a:cs typeface="+mn-cs"/>
               </a:rPr>
-              <a:t>Compare to brute-force method</a:t>
+              <a:t>Comparing to brute-force method</a:t>
             </a:r>
           </a:p>
         </p:txBody>
@@ -4687,10 +4801,20 @@
           <a:p>
             <a:pPr algn="ctr" rtl="0"/>
             <a:r>
-              <a:rPr lang="en-US" dirty="0"/>
+              <a:rPr lang="en-US" dirty="0">
+                <a:solidFill>
+                  <a:srgbClr val="002060"/>
+                </a:solidFill>
+                <a:latin typeface="Calibri"/>
+              </a:rPr>
               <a:t>Background</a:t>
             </a:r>
-            <a:endParaRPr lang="he-IL" dirty="0"/>
+            <a:endParaRPr lang="he-IL" dirty="0">
+              <a:solidFill>
+                <a:srgbClr val="002060"/>
+              </a:solidFill>
+              <a:latin typeface="Calibri"/>
+            </a:endParaRPr>
           </a:p>
         </p:txBody>
       </p:sp>
@@ -4753,7 +4877,63 @@
             <a:pPr lvl="2" algn="l" rtl="0"/>
             <a:r>
               <a:rPr lang="en-US" dirty="0"/>
-              <a:t>Very time consuming  </a:t>
+              <a:t>Very time consuming</a:t>
+            </a:r>
+            <a:r>
+              <a:rPr lang="en-US" dirty="0">
+                <a:highlight>
+                  <a:srgbClr val="FFFF00"/>
+                </a:highlight>
+              </a:rPr>
+              <a:t>  (</a:t>
+            </a:r>
+            <a:r>
+              <a:rPr lang="he-IL" dirty="0">
+                <a:highlight>
+                  <a:srgbClr val="FFFF00"/>
+                </a:highlight>
+              </a:rPr>
+              <a:t>אולי להוסיף שקופית  </a:t>
+            </a:r>
+            <a:r>
+              <a:rPr lang="en-US" dirty="0">
+                <a:highlight>
+                  <a:srgbClr val="FFFF00"/>
+                </a:highlight>
+              </a:rPr>
+              <a:t> </a:t>
+            </a:r>
+            <a:r>
+              <a:rPr lang="en-US" dirty="0" err="1">
+                <a:highlight>
+                  <a:srgbClr val="FFFF00"/>
+                </a:highlight>
+              </a:rPr>
+              <a:t>btacltracking</a:t>
+            </a:r>
+            <a:r>
+              <a:rPr lang="en-US" dirty="0">
+                <a:highlight>
+                  <a:srgbClr val="FFFF00"/>
+                </a:highlight>
+              </a:rPr>
+              <a:t> </a:t>
+            </a:r>
+            <a:r>
+              <a:rPr lang="he-IL" dirty="0">
+                <a:highlight>
+                  <a:srgbClr val="FFFF00"/>
+                </a:highlight>
+              </a:rPr>
+              <a:t>או  </a:t>
+            </a:r>
+            <a:r>
+              <a:rPr lang="en-US" dirty="0">
+                <a:highlight>
+                  <a:srgbClr val="FFFF00"/>
+                </a:highlight>
+              </a:rPr>
+              <a:t>common solution)</a:t>
             </a:r>
           </a:p>
         </p:txBody>
@@ -4839,7 +5019,22 @@
           <a:bodyPr/>
           <a:lstStyle/>
           <a:p>
-            <a:endParaRPr lang="he-IL"/>
+            <a:pPr algn="ctr"/>
+            <a:r>
+              <a:rPr lang="en-US" dirty="0">
+                <a:solidFill>
+                  <a:srgbClr val="002060"/>
+                </a:solidFill>
+                <a:latin typeface="Calibri"/>
+              </a:rPr>
+              <a:t>Dataset</a:t>
+            </a:r>
+            <a:endParaRPr lang="he-IL" dirty="0">
+              <a:solidFill>
+                <a:srgbClr val="002060"/>
+              </a:solidFill>
+              <a:latin typeface="Calibri"/>
+            </a:endParaRPr>
           </a:p>
         </p:txBody>
       </p:sp>
@@ -4859,15 +5054,77 @@
             <p:ph idx="1"/>
           </p:nvPr>
         </p:nvSpPr>
-        <p:spPr/>
-        <p:txBody>
-          <a:bodyPr/>
-          <a:lstStyle/>
-          <a:p>
-            <a:endParaRPr lang="he-IL"/>
-          </a:p>
-        </p:txBody>
-      </p:sp>
+        <p:spPr>
+          <a:xfrm>
+            <a:off x="628650" y="1710532"/>
+            <a:ext cx="7886700" cy="4351338"/>
+          </a:xfrm>
+        </p:spPr>
+        <p:txBody>
+          <a:bodyPr/>
+          <a:lstStyle/>
+          <a:p>
+            <a:pPr algn="l" rtl="0"/>
+            <a:r>
+              <a:rPr lang="en-US" dirty="0"/>
+              <a:t>One million puzzles from Kaggle.</a:t>
+            </a:r>
+          </a:p>
+          <a:p>
+            <a:pPr algn="l" rtl="0"/>
+            <a:r>
+              <a:rPr lang="en-US" dirty="0"/>
+              <a:t>Conversion to one-hot vector.</a:t>
+            </a:r>
+          </a:p>
+          <a:p>
+            <a:pPr algn="l" rtl="0"/>
+            <a:r>
+              <a:rPr lang="en-US" dirty="0"/>
+              <a:t>In training: create puzzles by deleting numbers from the full boards.</a:t>
+            </a:r>
+          </a:p>
+          <a:p>
+            <a:pPr algn="l" rtl="0"/>
+            <a:endParaRPr lang="he-IL" sz="4400" dirty="0">
+              <a:solidFill>
+                <a:srgbClr val="002060"/>
+              </a:solidFill>
+              <a:latin typeface="Calibri"/>
+              <a:ea typeface="+mj-ea"/>
+              <a:cs typeface="+mj-cs"/>
+            </a:endParaRPr>
+          </a:p>
+        </p:txBody>
+      </p:sp>
+      <p:pic>
+        <p:nvPicPr>
+          <p:cNvPr id="9" name="תמונה 8">
+            <a:extLst>
+              <a:ext uri="{FF2B5EF4-FFF2-40B4-BE49-F238E27FC236}">
+                <a16:creationId xmlns:a16="http://schemas.microsoft.com/office/drawing/2014/main" id="{145C0E3D-C5E8-4683-AEF1-B92BBAB1055F}"/>
+              </a:ext>
+            </a:extLst>
+          </p:cNvPr>
+          <p:cNvPicPr/>
+          <p:nvPr/>
+        </p:nvPicPr>
+        <p:blipFill>
+          <a:blip r:embed="rId3"/>
+          <a:stretch>
+            <a:fillRect/>
+          </a:stretch>
+        </p:blipFill>
+        <p:spPr>
+          <a:xfrm>
+            <a:off x="1520175" y="3806457"/>
+            <a:ext cx="5539844" cy="2589900"/>
+          </a:xfrm>
+          <a:prstGeom prst="rect">
+            <a:avLst/>
+          </a:prstGeom>
+        </p:spPr>
+      </p:pic>
     </p:spTree>
     <p:extLst>
       <p:ext uri="{BB962C8B-B14F-4D97-AF65-F5344CB8AC3E}">
@@ -4919,7 +5176,22 @@
           <a:bodyPr/>
           <a:lstStyle/>
           <a:p>
-            <a:endParaRPr lang="he-IL"/>
+            <a:pPr algn="ctr"/>
+            <a:r>
+              <a:rPr lang="en-US" dirty="0">
+                <a:solidFill>
+                  <a:srgbClr val="002060"/>
+                </a:solidFill>
+                <a:latin typeface="Calibri"/>
+              </a:rPr>
+              <a:t>Architecture </a:t>
+            </a:r>
+            <a:endParaRPr lang="he-IL" dirty="0">
+              <a:solidFill>
+                <a:srgbClr val="002060"/>
+              </a:solidFill>
+              <a:latin typeface="Calibri"/>
+            </a:endParaRPr>
           </a:p>
         </p:txBody>
       </p:sp>
@@ -4944,7 +5216,7 @@
           <a:bodyPr/>
           <a:lstStyle/>
           <a:p>
-            <a:endParaRPr lang="he-IL"/>
+            <a:endParaRPr lang="he-IL" dirty="0"/>
           </a:p>
         </p:txBody>
       </p:sp>

--- a/Presentation/final_presentation.pptx
+++ b/Presentation/final_presentation.pptx
@@ -5,7 +5,7 @@
     <p:sldMasterId id="2147483660" r:id="rId1"/>
   </p:sldMasterIdLst>
   <p:notesMasterIdLst>
-    <p:notesMasterId r:id="rId9"/>
+    <p:notesMasterId r:id="rId20"/>
   </p:notesMasterIdLst>
   <p:sldIdLst>
     <p:sldId id="256" r:id="rId2"/>
@@ -13,8 +13,19 @@
     <p:sldId id="258" r:id="rId4"/>
     <p:sldId id="262" r:id="rId5"/>
     <p:sldId id="260" r:id="rId6"/>
-    <p:sldId id="261" r:id="rId7"/>
-    <p:sldId id="259" r:id="rId8"/>
+    <p:sldId id="272" r:id="rId7"/>
+    <p:sldId id="261" r:id="rId8"/>
+    <p:sldId id="274" r:id="rId9"/>
+    <p:sldId id="263" r:id="rId10"/>
+    <p:sldId id="264" r:id="rId11"/>
+    <p:sldId id="265" r:id="rId12"/>
+    <p:sldId id="267" r:id="rId13"/>
+    <p:sldId id="269" r:id="rId14"/>
+    <p:sldId id="270" r:id="rId15"/>
+    <p:sldId id="268" r:id="rId16"/>
+    <p:sldId id="271" r:id="rId17"/>
+    <p:sldId id="273" r:id="rId18"/>
+    <p:sldId id="266" r:id="rId19"/>
   </p:sldIdLst>
   <p:sldSz cx="9144000" cy="6858000" type="screen4x3"/>
   <p:notesSz cx="6858000" cy="9144000"/>
@@ -515,6 +526,10 @@
           <a:lstStyle/>
           <a:p>
             <a:r>
+              <a:rPr lang="he-IL" dirty="0"/>
+              <a:t>1. </a:t>
+            </a:r>
+            <a:r>
               <a:rPr lang="he-IL" dirty="0" err="1"/>
               <a:t>בבקטרקינג</a:t>
             </a:r>
@@ -529,6 +544,20 @@
             <a:r>
               <a:rPr lang="he-IL" dirty="0"/>
               <a:t> עם מספר האיברים המחוקים.</a:t>
+            </a:r>
+          </a:p>
+          <a:p>
+            <a:r>
+              <a:rPr lang="he-IL" dirty="0"/>
+              <a:t>2. </a:t>
+            </a:r>
+            <a:r>
+              <a:rPr lang="he-IL"/>
+              <a:t>ישנם </a:t>
+            </a:r>
+            <a:r>
+              <a:rPr lang="he-IL" dirty="0"/>
+              <a:t>פתרונות גם בתחומי הלמידה </a:t>
             </a:r>
           </a:p>
         </p:txBody>
@@ -560,6 +589,840 @@
     <p:extLst>
       <p:ext uri="{BB962C8B-B14F-4D97-AF65-F5344CB8AC3E}">
         <p14:creationId xmlns:p14="http://schemas.microsoft.com/office/powerpoint/2010/main" val="1066050424"/>
+      </p:ext>
+    </p:extLst>
+  </p:cSld>
+  <p:clrMapOvr>
+    <a:masterClrMapping/>
+  </p:clrMapOvr>
+</p:notes>
+</file>
+
+<file path=ppt/notesSlides/notesSlide10.xml><?xml version="1.0" encoding="utf-8"?>
+<p:notes xmlns:a="http://schemas.openxmlformats.org/drawingml/2006/main" xmlns:r="http://schemas.openxmlformats.org/officeDocument/2006/relationships" xmlns:p="http://schemas.openxmlformats.org/presentationml/2006/main">
+  <p:cSld>
+    <p:spTree>
+      <p:nvGrpSpPr>
+        <p:cNvPr id="1" name=""/>
+        <p:cNvGrpSpPr/>
+        <p:nvPr/>
+      </p:nvGrpSpPr>
+      <p:grpSpPr>
+        <a:xfrm>
+          <a:off x="0" y="0"/>
+          <a:ext cx="0" cy="0"/>
+          <a:chOff x="0" y="0"/>
+          <a:chExt cx="0" cy="0"/>
+        </a:xfrm>
+      </p:grpSpPr>
+      <p:sp>
+        <p:nvSpPr>
+          <p:cNvPr id="2" name="מציין מיקום של תמונת שקופית 1"/>
+          <p:cNvSpPr>
+            <a:spLocks noGrp="1" noRot="1" noChangeAspect="1"/>
+          </p:cNvSpPr>
+          <p:nvPr>
+            <p:ph type="sldImg"/>
+          </p:nvPr>
+        </p:nvSpPr>
+        <p:spPr/>
+      </p:sp>
+      <p:sp>
+        <p:nvSpPr>
+          <p:cNvPr id="3" name="מציין מיקום של הערות 2"/>
+          <p:cNvSpPr>
+            <a:spLocks noGrp="1"/>
+          </p:cNvSpPr>
+          <p:nvPr>
+            <p:ph type="body" idx="1"/>
+          </p:nvPr>
+        </p:nvSpPr>
+        <p:spPr/>
+        <p:txBody>
+          <a:bodyPr/>
+          <a:lstStyle/>
+          <a:p>
+            <a:r>
+              <a:rPr lang="he-IL" dirty="0"/>
+              <a:t>אז מה שרואים </a:t>
+            </a:r>
+            <a:r>
+              <a:rPr lang="he-IL" dirty="0" err="1"/>
+              <a:t>בעקיבת</a:t>
+            </a:r>
+            <a:r>
+              <a:rPr lang="he-IL" dirty="0"/>
+              <a:t> לוח זה את רמות הביטחון של הרשת בכל תא בספרה </a:t>
+            </a:r>
+            <a:r>
+              <a:rPr lang="he-IL" dirty="0" err="1"/>
+              <a:t>המצויינת</a:t>
+            </a:r>
+            <a:r>
+              <a:rPr lang="he-IL" dirty="0"/>
+              <a:t> למעלה. </a:t>
+            </a:r>
+          </a:p>
+          <a:p>
+            <a:r>
+              <a:rPr lang="he-IL" dirty="0"/>
+              <a:t>ניתן לראות איך ההתלבטות בשני תאים נחרצת כאשר ממלאים תא אחר – מה שמראה על כך שהרשת למדה את חוקי הסודוקו במידה </a:t>
+            </a:r>
+            <a:r>
+              <a:rPr lang="he-IL" dirty="0" err="1"/>
+              <a:t>מסויימת</a:t>
+            </a:r>
+            <a:r>
+              <a:rPr lang="he-IL" dirty="0"/>
+              <a:t>. </a:t>
+            </a:r>
+          </a:p>
+        </p:txBody>
+      </p:sp>
+      <p:sp>
+        <p:nvSpPr>
+          <p:cNvPr id="4" name="מציין מיקום של מספר שקופית 3"/>
+          <p:cNvSpPr>
+            <a:spLocks noGrp="1"/>
+          </p:cNvSpPr>
+          <p:nvPr>
+            <p:ph type="sldNum" sz="quarter" idx="5"/>
+          </p:nvPr>
+        </p:nvSpPr>
+        <p:spPr/>
+        <p:txBody>
+          <a:bodyPr/>
+          <a:lstStyle/>
+          <a:p>
+            <a:fld id="{9EDA4E3B-FBC5-452B-B234-E35138224BE7}" type="slidenum">
+              <a:rPr lang="he-IL" smtClean="0"/>
+              <a:t>13</a:t>
+            </a:fld>
+            <a:endParaRPr lang="he-IL"/>
+          </a:p>
+        </p:txBody>
+      </p:sp>
+    </p:spTree>
+    <p:extLst>
+      <p:ext uri="{BB962C8B-B14F-4D97-AF65-F5344CB8AC3E}">
+        <p14:creationId xmlns:p14="http://schemas.microsoft.com/office/powerpoint/2010/main" val="1407535228"/>
+      </p:ext>
+    </p:extLst>
+  </p:cSld>
+  <p:clrMapOvr>
+    <a:masterClrMapping/>
+  </p:clrMapOvr>
+</p:notes>
+</file>
+
+<file path=ppt/notesSlides/notesSlide11.xml><?xml version="1.0" encoding="utf-8"?>
+<p:notes xmlns:a="http://schemas.openxmlformats.org/drawingml/2006/main" xmlns:r="http://schemas.openxmlformats.org/officeDocument/2006/relationships" xmlns:p="http://schemas.openxmlformats.org/presentationml/2006/main">
+  <p:cSld>
+    <p:spTree>
+      <p:nvGrpSpPr>
+        <p:cNvPr id="1" name=""/>
+        <p:cNvGrpSpPr/>
+        <p:nvPr/>
+      </p:nvGrpSpPr>
+      <p:grpSpPr>
+        <a:xfrm>
+          <a:off x="0" y="0"/>
+          <a:ext cx="0" cy="0"/>
+          <a:chOff x="0" y="0"/>
+          <a:chExt cx="0" cy="0"/>
+        </a:xfrm>
+      </p:grpSpPr>
+      <p:sp>
+        <p:nvSpPr>
+          <p:cNvPr id="2" name="מציין מיקום של תמונת שקופית 1"/>
+          <p:cNvSpPr>
+            <a:spLocks noGrp="1" noRot="1" noChangeAspect="1"/>
+          </p:cNvSpPr>
+          <p:nvPr>
+            <p:ph type="sldImg"/>
+          </p:nvPr>
+        </p:nvSpPr>
+        <p:spPr/>
+      </p:sp>
+      <p:sp>
+        <p:nvSpPr>
+          <p:cNvPr id="3" name="מציין מיקום של הערות 2"/>
+          <p:cNvSpPr>
+            <a:spLocks noGrp="1"/>
+          </p:cNvSpPr>
+          <p:nvPr>
+            <p:ph type="body" idx="1"/>
+          </p:nvPr>
+        </p:nvSpPr>
+        <p:spPr/>
+        <p:txBody>
+          <a:bodyPr/>
+          <a:lstStyle/>
+          <a:p>
+            <a:r>
+              <a:rPr lang="he-IL" dirty="0"/>
+              <a:t>אז מה שרואים </a:t>
+            </a:r>
+            <a:r>
+              <a:rPr lang="he-IL" dirty="0" err="1"/>
+              <a:t>בעקיבת</a:t>
+            </a:r>
+            <a:r>
+              <a:rPr lang="he-IL" dirty="0"/>
+              <a:t> לוח זה את רמות הביטחון של הרשת בכל תא בספרה </a:t>
+            </a:r>
+            <a:r>
+              <a:rPr lang="he-IL" dirty="0" err="1"/>
+              <a:t>המצויינת</a:t>
+            </a:r>
+            <a:r>
+              <a:rPr lang="he-IL" dirty="0"/>
+              <a:t> למעלה. </a:t>
+            </a:r>
+          </a:p>
+          <a:p>
+            <a:r>
+              <a:rPr lang="he-IL" dirty="0"/>
+              <a:t>ניתן לראות איך ההתלבטות בשני תאים נחרצת כאשר ממלאים תא אחר – מה שמראה על כך שהרשת למדה את חוקי הסודוקו במידה </a:t>
+            </a:r>
+            <a:r>
+              <a:rPr lang="he-IL" dirty="0" err="1"/>
+              <a:t>מסויימת</a:t>
+            </a:r>
+            <a:r>
+              <a:rPr lang="he-IL" dirty="0"/>
+              <a:t>. </a:t>
+            </a:r>
+          </a:p>
+        </p:txBody>
+      </p:sp>
+      <p:sp>
+        <p:nvSpPr>
+          <p:cNvPr id="4" name="מציין מיקום של מספר שקופית 3"/>
+          <p:cNvSpPr>
+            <a:spLocks noGrp="1"/>
+          </p:cNvSpPr>
+          <p:nvPr>
+            <p:ph type="sldNum" sz="quarter" idx="5"/>
+          </p:nvPr>
+        </p:nvSpPr>
+        <p:spPr/>
+        <p:txBody>
+          <a:bodyPr/>
+          <a:lstStyle/>
+          <a:p>
+            <a:fld id="{9EDA4E3B-FBC5-452B-B234-E35138224BE7}" type="slidenum">
+              <a:rPr lang="he-IL" smtClean="0"/>
+              <a:t>14</a:t>
+            </a:fld>
+            <a:endParaRPr lang="he-IL"/>
+          </a:p>
+        </p:txBody>
+      </p:sp>
+    </p:spTree>
+    <p:extLst>
+      <p:ext uri="{BB962C8B-B14F-4D97-AF65-F5344CB8AC3E}">
+        <p14:creationId xmlns:p14="http://schemas.microsoft.com/office/powerpoint/2010/main" val="16311984"/>
+      </p:ext>
+    </p:extLst>
+  </p:cSld>
+  <p:clrMapOvr>
+    <a:masterClrMapping/>
+  </p:clrMapOvr>
+</p:notes>
+</file>
+
+<file path=ppt/notesSlides/notesSlide12.xml><?xml version="1.0" encoding="utf-8"?>
+<p:notes xmlns:a="http://schemas.openxmlformats.org/drawingml/2006/main" xmlns:r="http://schemas.openxmlformats.org/officeDocument/2006/relationships" xmlns:p="http://schemas.openxmlformats.org/presentationml/2006/main">
+  <p:cSld>
+    <p:spTree>
+      <p:nvGrpSpPr>
+        <p:cNvPr id="1" name=""/>
+        <p:cNvGrpSpPr/>
+        <p:nvPr/>
+      </p:nvGrpSpPr>
+      <p:grpSpPr>
+        <a:xfrm>
+          <a:off x="0" y="0"/>
+          <a:ext cx="0" cy="0"/>
+          <a:chOff x="0" y="0"/>
+          <a:chExt cx="0" cy="0"/>
+        </a:xfrm>
+      </p:grpSpPr>
+      <p:sp>
+        <p:nvSpPr>
+          <p:cNvPr id="2" name="מציין מיקום של תמונת שקופית 1"/>
+          <p:cNvSpPr>
+            <a:spLocks noGrp="1" noRot="1" noChangeAspect="1"/>
+          </p:cNvSpPr>
+          <p:nvPr>
+            <p:ph type="sldImg"/>
+          </p:nvPr>
+        </p:nvSpPr>
+        <p:spPr/>
+      </p:sp>
+      <p:sp>
+        <p:nvSpPr>
+          <p:cNvPr id="3" name="מציין מיקום של הערות 2"/>
+          <p:cNvSpPr>
+            <a:spLocks noGrp="1"/>
+          </p:cNvSpPr>
+          <p:nvPr>
+            <p:ph type="body" idx="1"/>
+          </p:nvPr>
+        </p:nvSpPr>
+        <p:spPr/>
+        <p:txBody>
+          <a:bodyPr/>
+          <a:lstStyle/>
+          <a:p>
+            <a:r>
+              <a:rPr lang="he-IL" dirty="0"/>
+              <a:t>סטיית התקן של זמן הריצה עבור </a:t>
+            </a:r>
+            <a:r>
+              <a:rPr lang="he-IL" dirty="0" err="1"/>
+              <a:t>הבקטרקינג</a:t>
+            </a:r>
+            <a:r>
+              <a:rPr lang="he-IL" dirty="0"/>
+              <a:t> הוא יחסית גדול מה שנובע מההגרלות הרנדומליות במילוי המספרים. לפעמים זה פוגע בול ולפעמים ממש בכיוון בעייתי שמתברר כבעייתי רק בסוף הרקורסיה.</a:t>
+            </a:r>
+          </a:p>
+          <a:p>
+            <a:r>
+              <a:rPr lang="he-IL" dirty="0"/>
+              <a:t>פתרון </a:t>
+            </a:r>
+            <a:r>
+              <a:rPr lang="he-IL" dirty="0" err="1"/>
+              <a:t>הבקטרקינג</a:t>
+            </a:r>
+            <a:r>
+              <a:rPr lang="he-IL" dirty="0"/>
+              <a:t> אינו יציב וישנם לוחות בהם הזמן לפתרון יהיה מעל 5 דקות.</a:t>
+            </a:r>
+          </a:p>
+          <a:p>
+            <a:r>
+              <a:rPr lang="he-IL" dirty="0"/>
+              <a:t>כמובן </a:t>
+            </a:r>
+            <a:r>
+              <a:rPr lang="he-IL" dirty="0" err="1"/>
+              <a:t>שהבקטרקינג</a:t>
+            </a:r>
+            <a:r>
+              <a:rPr lang="he-IL" dirty="0"/>
+              <a:t> יפתור נכונה את הלוח מכיוון שהוא מנסה את כל הפתרונות שעומדים בחוקיות המשחק.</a:t>
+            </a:r>
+          </a:p>
+          <a:p>
+            <a:endParaRPr lang="he-IL" dirty="0"/>
+          </a:p>
+          <a:p>
+            <a:r>
+              <a:rPr lang="he-IL" dirty="0"/>
+              <a:t>יש לשים לב שלרשת הכנסנו לוח </a:t>
+            </a:r>
+            <a:r>
+              <a:rPr lang="he-IL" dirty="0" err="1"/>
+              <a:t>לוח</a:t>
+            </a:r>
+            <a:r>
+              <a:rPr lang="he-IL" dirty="0"/>
+              <a:t> ולא </a:t>
+            </a:r>
+            <a:r>
+              <a:rPr lang="he-IL" dirty="0" err="1"/>
+              <a:t>באטצ</a:t>
+            </a:r>
+            <a:r>
+              <a:rPr lang="he-IL" dirty="0"/>
+              <a:t> עם כל הלוחות. אם היינו עושים זאת, הזמן הממוצע לפתרון לוח יורד פלאים ל 0.00016 שניות שזה 0.16 מילי שניות. </a:t>
+            </a:r>
+          </a:p>
+          <a:p>
+            <a:endParaRPr lang="he-IL" dirty="0"/>
+          </a:p>
+          <a:p>
+            <a:endParaRPr lang="he-IL" dirty="0"/>
+          </a:p>
+        </p:txBody>
+      </p:sp>
+      <p:sp>
+        <p:nvSpPr>
+          <p:cNvPr id="4" name="מציין מיקום של מספר שקופית 3"/>
+          <p:cNvSpPr>
+            <a:spLocks noGrp="1"/>
+          </p:cNvSpPr>
+          <p:nvPr>
+            <p:ph type="sldNum" sz="quarter" idx="5"/>
+          </p:nvPr>
+        </p:nvSpPr>
+        <p:spPr/>
+        <p:txBody>
+          <a:bodyPr/>
+          <a:lstStyle/>
+          <a:p>
+            <a:fld id="{9EDA4E3B-FBC5-452B-B234-E35138224BE7}" type="slidenum">
+              <a:rPr lang="he-IL" smtClean="0"/>
+              <a:t>15</a:t>
+            </a:fld>
+            <a:endParaRPr lang="he-IL"/>
+          </a:p>
+        </p:txBody>
+      </p:sp>
+    </p:spTree>
+    <p:extLst>
+      <p:ext uri="{BB962C8B-B14F-4D97-AF65-F5344CB8AC3E}">
+        <p14:creationId xmlns:p14="http://schemas.microsoft.com/office/powerpoint/2010/main" val="2131405368"/>
+      </p:ext>
+    </p:extLst>
+  </p:cSld>
+  <p:clrMapOvr>
+    <a:masterClrMapping/>
+  </p:clrMapOvr>
+</p:notes>
+</file>
+
+<file path=ppt/notesSlides/notesSlide13.xml><?xml version="1.0" encoding="utf-8"?>
+<p:notes xmlns:a="http://schemas.openxmlformats.org/drawingml/2006/main" xmlns:r="http://schemas.openxmlformats.org/officeDocument/2006/relationships" xmlns:p="http://schemas.openxmlformats.org/presentationml/2006/main">
+  <p:cSld>
+    <p:spTree>
+      <p:nvGrpSpPr>
+        <p:cNvPr id="1" name=""/>
+        <p:cNvGrpSpPr/>
+        <p:nvPr/>
+      </p:nvGrpSpPr>
+      <p:grpSpPr>
+        <a:xfrm>
+          <a:off x="0" y="0"/>
+          <a:ext cx="0" cy="0"/>
+          <a:chOff x="0" y="0"/>
+          <a:chExt cx="0" cy="0"/>
+        </a:xfrm>
+      </p:grpSpPr>
+      <p:sp>
+        <p:nvSpPr>
+          <p:cNvPr id="2" name="מציין מיקום של תמונת שקופית 1"/>
+          <p:cNvSpPr>
+            <a:spLocks noGrp="1" noRot="1" noChangeAspect="1"/>
+          </p:cNvSpPr>
+          <p:nvPr>
+            <p:ph type="sldImg"/>
+          </p:nvPr>
+        </p:nvSpPr>
+        <p:spPr/>
+      </p:sp>
+      <p:sp>
+        <p:nvSpPr>
+          <p:cNvPr id="3" name="מציין מיקום של הערות 2"/>
+          <p:cNvSpPr>
+            <a:spLocks noGrp="1"/>
+          </p:cNvSpPr>
+          <p:nvPr>
+            <p:ph type="body" idx="1"/>
+          </p:nvPr>
+        </p:nvSpPr>
+        <p:spPr/>
+        <p:txBody>
+          <a:bodyPr/>
+          <a:lstStyle/>
+          <a:p>
+            <a:r>
+              <a:rPr lang="he-IL" dirty="0"/>
+              <a:t>ניתן לראות שזמן הריצה של </a:t>
+            </a:r>
+            <a:r>
+              <a:rPr lang="he-IL" dirty="0" err="1"/>
+              <a:t>הבקטרקינג</a:t>
+            </a:r>
+            <a:r>
+              <a:rPr lang="he-IL" dirty="0"/>
+              <a:t> גדל </a:t>
+            </a:r>
+            <a:r>
+              <a:rPr lang="he-IL" dirty="0" err="1"/>
+              <a:t>אקספוננציאלית</a:t>
+            </a:r>
+            <a:r>
+              <a:rPr lang="he-IL" dirty="0"/>
+              <a:t> עם מספר המחוקים בלוח לעומת הרשת.</a:t>
+            </a:r>
+          </a:p>
+          <a:p>
+            <a:endParaRPr lang="he-IL" dirty="0"/>
+          </a:p>
+        </p:txBody>
+      </p:sp>
+      <p:sp>
+        <p:nvSpPr>
+          <p:cNvPr id="4" name="מציין מיקום של מספר שקופית 3"/>
+          <p:cNvSpPr>
+            <a:spLocks noGrp="1"/>
+          </p:cNvSpPr>
+          <p:nvPr>
+            <p:ph type="sldNum" sz="quarter" idx="5"/>
+          </p:nvPr>
+        </p:nvSpPr>
+        <p:spPr/>
+        <p:txBody>
+          <a:bodyPr/>
+          <a:lstStyle/>
+          <a:p>
+            <a:fld id="{9EDA4E3B-FBC5-452B-B234-E35138224BE7}" type="slidenum">
+              <a:rPr lang="he-IL" smtClean="0"/>
+              <a:t>16</a:t>
+            </a:fld>
+            <a:endParaRPr lang="he-IL"/>
+          </a:p>
+        </p:txBody>
+      </p:sp>
+    </p:spTree>
+    <p:extLst>
+      <p:ext uri="{BB962C8B-B14F-4D97-AF65-F5344CB8AC3E}">
+        <p14:creationId xmlns:p14="http://schemas.microsoft.com/office/powerpoint/2010/main" val="4290982572"/>
+      </p:ext>
+    </p:extLst>
+  </p:cSld>
+  <p:clrMapOvr>
+    <a:masterClrMapping/>
+  </p:clrMapOvr>
+</p:notes>
+</file>
+
+<file path=ppt/notesSlides/notesSlide14.xml><?xml version="1.0" encoding="utf-8"?>
+<p:notes xmlns:a="http://schemas.openxmlformats.org/drawingml/2006/main" xmlns:r="http://schemas.openxmlformats.org/officeDocument/2006/relationships" xmlns:p="http://schemas.openxmlformats.org/presentationml/2006/main">
+  <p:cSld>
+    <p:spTree>
+      <p:nvGrpSpPr>
+        <p:cNvPr id="1" name=""/>
+        <p:cNvGrpSpPr/>
+        <p:nvPr/>
+      </p:nvGrpSpPr>
+      <p:grpSpPr>
+        <a:xfrm>
+          <a:off x="0" y="0"/>
+          <a:ext cx="0" cy="0"/>
+          <a:chOff x="0" y="0"/>
+          <a:chExt cx="0" cy="0"/>
+        </a:xfrm>
+      </p:grpSpPr>
+      <p:sp>
+        <p:nvSpPr>
+          <p:cNvPr id="2" name="מציין מיקום של תמונת שקופית 1"/>
+          <p:cNvSpPr>
+            <a:spLocks noGrp="1" noRot="1" noChangeAspect="1"/>
+          </p:cNvSpPr>
+          <p:nvPr>
+            <p:ph type="sldImg"/>
+          </p:nvPr>
+        </p:nvSpPr>
+        <p:spPr/>
+      </p:sp>
+      <p:sp>
+        <p:nvSpPr>
+          <p:cNvPr id="3" name="מציין מיקום של הערות 2"/>
+          <p:cNvSpPr>
+            <a:spLocks noGrp="1"/>
+          </p:cNvSpPr>
+          <p:nvPr>
+            <p:ph type="body" idx="1"/>
+          </p:nvPr>
+        </p:nvSpPr>
+        <p:spPr/>
+        <p:txBody>
+          <a:bodyPr/>
+          <a:lstStyle/>
+          <a:p>
+            <a:pPr marL="228600" indent="-228600">
+              <a:buAutoNum type="arabicPeriod"/>
+            </a:pPr>
+            <a:r>
+              <a:rPr lang="he-IL" dirty="0"/>
+              <a:t>לפי העקיבה אחרי הלוח ואחרי תא בודד</a:t>
+            </a:r>
+          </a:p>
+          <a:p>
+            <a:pPr marL="685800" lvl="1" indent="-228600">
+              <a:buAutoNum type="arabicPeriod"/>
+            </a:pPr>
+            <a:r>
+              <a:rPr lang="he-IL" dirty="0"/>
+              <a:t>מהיר יותר בממוצע </a:t>
+            </a:r>
+            <a:r>
+              <a:rPr lang="he-IL" dirty="0" err="1"/>
+              <a:t>מבקטרקינג</a:t>
+            </a:r>
+            <a:r>
+              <a:rPr lang="he-IL" dirty="0"/>
+              <a:t> ואופציות </a:t>
+            </a:r>
+            <a:r>
+              <a:rPr lang="en-US" dirty="0"/>
+              <a:t>brute-force</a:t>
+            </a:r>
+            <a:r>
+              <a:rPr lang="he-IL" dirty="0"/>
+              <a:t> </a:t>
+            </a:r>
+          </a:p>
+          <a:p>
+            <a:pPr marL="685800" lvl="1" indent="-228600">
+              <a:buAutoNum type="arabicPeriod"/>
+            </a:pPr>
+            <a:r>
+              <a:rPr lang="he-IL" dirty="0"/>
+              <a:t>יציב מכיוון שזמן הריצה קצר וקבוע יחסית</a:t>
+            </a:r>
+          </a:p>
+          <a:p>
+            <a:pPr marL="228600" lvl="0" indent="-228600">
+              <a:buAutoNum type="arabicPeriod"/>
+            </a:pPr>
+            <a:r>
+              <a:rPr lang="he-IL" dirty="0"/>
+              <a:t>עבור מקרה שבו לא עשינו למידה בשלבים, ראינו שתוצאות הרשת הרבה פחות טובות. – </a:t>
+            </a:r>
+            <a:r>
+              <a:rPr lang="he-IL" dirty="0" err="1"/>
+              <a:t>לעשותתתתתתתתתתתתתתתתתת</a:t>
+            </a:r>
+            <a:endParaRPr lang="he-IL" dirty="0"/>
+          </a:p>
+          <a:p>
+            <a:pPr marL="685800" lvl="1" indent="-228600">
+              <a:buAutoNum type="arabicPeriod"/>
+            </a:pPr>
+            <a:r>
+              <a:rPr lang="he-IL" dirty="0"/>
+              <a:t>מחיקה עם פילוג שדאגה לשמר את הזיכרון של הרשת</a:t>
+            </a:r>
+          </a:p>
+          <a:p>
+            <a:pPr marL="685800" lvl="1" indent="-228600">
+              <a:buAutoNum type="arabicPeriod"/>
+            </a:pPr>
+            <a:r>
+              <a:rPr lang="he-IL" dirty="0"/>
+              <a:t>מחיקה הולמת של איברים כך שלא נוצר מצב שבו המשחק </a:t>
+            </a:r>
+            <a:r>
+              <a:rPr lang="he-IL" dirty="0" err="1"/>
+              <a:t>מאבבד</a:t>
+            </a:r>
+            <a:r>
+              <a:rPr lang="he-IL" dirty="0"/>
+              <a:t> את אופיו ויש לו שני פתרונות למשל ואז הרשת עלולה לטעות כמו שאדם יכול לטעות בלהגיע ללוח הפתרון הידוע. אם בנאדם יפתור זה יכול אומנם להגיע לפתרון אבל לא בהכרח זה יהיה הפתרון שהרשת רצתה ולכן היא קנסה עליו.</a:t>
+            </a:r>
+          </a:p>
+          <a:p>
+            <a:pPr marL="685800" lvl="1" indent="-228600">
+              <a:buAutoNum type="arabicPeriod"/>
+            </a:pPr>
+            <a:endParaRPr lang="he-IL" dirty="0"/>
+          </a:p>
+          <a:p>
+            <a:pPr marL="457200" lvl="1" indent="0">
+              <a:buNone/>
+            </a:pPr>
+            <a:endParaRPr lang="he-IL" dirty="0"/>
+          </a:p>
+          <a:p>
+            <a:endParaRPr lang="he-IL" dirty="0"/>
+          </a:p>
+        </p:txBody>
+      </p:sp>
+      <p:sp>
+        <p:nvSpPr>
+          <p:cNvPr id="4" name="מציין מיקום של מספר שקופית 3"/>
+          <p:cNvSpPr>
+            <a:spLocks noGrp="1"/>
+          </p:cNvSpPr>
+          <p:nvPr>
+            <p:ph type="sldNum" sz="quarter" idx="5"/>
+          </p:nvPr>
+        </p:nvSpPr>
+        <p:spPr/>
+        <p:txBody>
+          <a:bodyPr/>
+          <a:lstStyle/>
+          <a:p>
+            <a:fld id="{9EDA4E3B-FBC5-452B-B234-E35138224BE7}" type="slidenum">
+              <a:rPr lang="he-IL" smtClean="0"/>
+              <a:t>17</a:t>
+            </a:fld>
+            <a:endParaRPr lang="he-IL"/>
+          </a:p>
+        </p:txBody>
+      </p:sp>
+    </p:spTree>
+    <p:extLst>
+      <p:ext uri="{BB962C8B-B14F-4D97-AF65-F5344CB8AC3E}">
+        <p14:creationId xmlns:p14="http://schemas.microsoft.com/office/powerpoint/2010/main" val="2263144103"/>
+      </p:ext>
+    </p:extLst>
+  </p:cSld>
+  <p:clrMapOvr>
+    <a:masterClrMapping/>
+  </p:clrMapOvr>
+</p:notes>
+</file>
+
+<file path=ppt/notesSlides/notesSlide15.xml><?xml version="1.0" encoding="utf-8"?>
+<p:notes xmlns:a="http://schemas.openxmlformats.org/drawingml/2006/main" xmlns:r="http://schemas.openxmlformats.org/officeDocument/2006/relationships" xmlns:p="http://schemas.openxmlformats.org/presentationml/2006/main">
+  <p:cSld>
+    <p:spTree>
+      <p:nvGrpSpPr>
+        <p:cNvPr id="1" name=""/>
+        <p:cNvGrpSpPr/>
+        <p:nvPr/>
+      </p:nvGrpSpPr>
+      <p:grpSpPr>
+        <a:xfrm>
+          <a:off x="0" y="0"/>
+          <a:ext cx="0" cy="0"/>
+          <a:chOff x="0" y="0"/>
+          <a:chExt cx="0" cy="0"/>
+        </a:xfrm>
+      </p:grpSpPr>
+      <p:sp>
+        <p:nvSpPr>
+          <p:cNvPr id="2" name="מציין מיקום של תמונת שקופית 1"/>
+          <p:cNvSpPr>
+            <a:spLocks noGrp="1" noRot="1" noChangeAspect="1"/>
+          </p:cNvSpPr>
+          <p:nvPr>
+            <p:ph type="sldImg"/>
+          </p:nvPr>
+        </p:nvSpPr>
+        <p:spPr/>
+      </p:sp>
+      <p:sp>
+        <p:nvSpPr>
+          <p:cNvPr id="3" name="מציין מיקום של הערות 2"/>
+          <p:cNvSpPr>
+            <a:spLocks noGrp="1"/>
+          </p:cNvSpPr>
+          <p:nvPr>
+            <p:ph type="body" idx="1"/>
+          </p:nvPr>
+        </p:nvSpPr>
+        <p:spPr/>
+        <p:txBody>
+          <a:bodyPr/>
+          <a:lstStyle/>
+          <a:p>
+            <a:r>
+              <a:rPr lang="he-IL" dirty="0"/>
+              <a:t>1. למשל לקנוס על איברים זהים באותה שורה/עמודה/בלוק.</a:t>
+            </a:r>
+          </a:p>
+          <a:p>
+            <a:r>
+              <a:rPr lang="en-US" dirty="0"/>
+              <a:t>2</a:t>
+            </a:r>
+            <a:r>
+              <a:rPr lang="he-IL" dirty="0"/>
+              <a:t>. להשתמש בחוכמת ההמונים כדי להגיע לפתרון. על ידי </a:t>
+            </a:r>
+            <a:r>
+              <a:rPr lang="he-IL" dirty="0" err="1"/>
+              <a:t>סכימה</a:t>
+            </a:r>
+            <a:r>
+              <a:rPr lang="he-IL" dirty="0"/>
+              <a:t> של מטריצת התלת </a:t>
+            </a:r>
+            <a:r>
+              <a:rPr lang="he-IL" dirty="0" err="1"/>
+              <a:t>מימדיות</a:t>
+            </a:r>
+            <a:r>
+              <a:rPr lang="he-IL" dirty="0"/>
+              <a:t> בסוף כל רשת ואז לקיחת האיבר המקסימאלי.</a:t>
+            </a:r>
+          </a:p>
+          <a:p>
+            <a:r>
+              <a:rPr lang="he-IL" dirty="0"/>
+              <a:t>לחפש/ליצור </a:t>
+            </a:r>
+            <a:r>
+              <a:rPr lang="he-IL" dirty="0" err="1"/>
+              <a:t>דאטא</a:t>
+            </a:r>
+            <a:r>
+              <a:rPr lang="he-IL" dirty="0"/>
+              <a:t> עם יותר מחוקים ולנסות להכליל עבור לוחות קשים יותר</a:t>
+            </a:r>
+          </a:p>
+          <a:p>
+            <a:pPr marL="0" marR="0" lvl="0" indent="0" algn="r" defTabSz="914400" rtl="1" eaLnBrk="1" fontAlgn="auto" latinLnBrk="0" hangingPunct="1">
+              <a:lnSpc>
+                <a:spcPct val="100000"/>
+              </a:lnSpc>
+              <a:spcBef>
+                <a:spcPts val="0"/>
+              </a:spcBef>
+              <a:spcAft>
+                <a:spcPts val="0"/>
+              </a:spcAft>
+              <a:buClrTx/>
+              <a:buSzTx/>
+              <a:buFontTx/>
+              <a:buNone/>
+              <a:tabLst/>
+              <a:defRPr/>
+            </a:pPr>
+            <a:r>
+              <a:rPr lang="en-US" dirty="0"/>
+              <a:t>Taking </a:t>
+            </a:r>
+            <a:r>
+              <a:rPr lang="en-US" dirty="0" err="1"/>
+              <a:t>softmax</a:t>
+            </a:r>
+            <a:r>
+              <a:rPr lang="en-US" dirty="0"/>
+              <a:t> over all the output board to the most confidence element comparing to the all guesses</a:t>
+            </a:r>
+          </a:p>
+          <a:p>
+            <a:endParaRPr lang="he-IL" dirty="0"/>
+          </a:p>
+        </p:txBody>
+      </p:sp>
+      <p:sp>
+        <p:nvSpPr>
+          <p:cNvPr id="4" name="מציין מיקום של מספר שקופית 3"/>
+          <p:cNvSpPr>
+            <a:spLocks noGrp="1"/>
+          </p:cNvSpPr>
+          <p:nvPr>
+            <p:ph type="sldNum" sz="quarter" idx="5"/>
+          </p:nvPr>
+        </p:nvSpPr>
+        <p:spPr/>
+        <p:txBody>
+          <a:bodyPr/>
+          <a:lstStyle/>
+          <a:p>
+            <a:fld id="{9EDA4E3B-FBC5-452B-B234-E35138224BE7}" type="slidenum">
+              <a:rPr lang="he-IL" smtClean="0"/>
+              <a:t>18</a:t>
+            </a:fld>
+            <a:endParaRPr lang="he-IL"/>
+          </a:p>
+        </p:txBody>
+      </p:sp>
+    </p:spTree>
+    <p:extLst>
+      <p:ext uri="{BB962C8B-B14F-4D97-AF65-F5344CB8AC3E}">
+        <p14:creationId xmlns:p14="http://schemas.microsoft.com/office/powerpoint/2010/main" val="853872561"/>
       </p:ext>
     </p:extLst>
   </p:cSld>
@@ -613,6 +1476,90 @@
           <a:bodyPr/>
           <a:lstStyle/>
           <a:p>
+            <a:endParaRPr lang="he-IL" dirty="0"/>
+          </a:p>
+        </p:txBody>
+      </p:sp>
+      <p:sp>
+        <p:nvSpPr>
+          <p:cNvPr id="4" name="מציין מיקום של מספר שקופית 3"/>
+          <p:cNvSpPr>
+            <a:spLocks noGrp="1"/>
+          </p:cNvSpPr>
+          <p:nvPr>
+            <p:ph type="sldNum" sz="quarter" idx="5"/>
+          </p:nvPr>
+        </p:nvSpPr>
+        <p:spPr/>
+        <p:txBody>
+          <a:bodyPr/>
+          <a:lstStyle/>
+          <a:p>
+            <a:fld id="{9EDA4E3B-FBC5-452B-B234-E35138224BE7}" type="slidenum">
+              <a:rPr lang="he-IL" smtClean="0"/>
+              <a:t>5</a:t>
+            </a:fld>
+            <a:endParaRPr lang="he-IL"/>
+          </a:p>
+        </p:txBody>
+      </p:sp>
+    </p:spTree>
+    <p:extLst>
+      <p:ext uri="{BB962C8B-B14F-4D97-AF65-F5344CB8AC3E}">
+        <p14:creationId xmlns:p14="http://schemas.microsoft.com/office/powerpoint/2010/main" val="2946153229"/>
+      </p:ext>
+    </p:extLst>
+  </p:cSld>
+  <p:clrMapOvr>
+    <a:masterClrMapping/>
+  </p:clrMapOvr>
+</p:notes>
+</file>
+
+<file path=ppt/notesSlides/notesSlide3.xml><?xml version="1.0" encoding="utf-8"?>
+<p:notes xmlns:a="http://schemas.openxmlformats.org/drawingml/2006/main" xmlns:r="http://schemas.openxmlformats.org/officeDocument/2006/relationships" xmlns:p="http://schemas.openxmlformats.org/presentationml/2006/main">
+  <p:cSld>
+    <p:spTree>
+      <p:nvGrpSpPr>
+        <p:cNvPr id="1" name=""/>
+        <p:cNvGrpSpPr/>
+        <p:nvPr/>
+      </p:nvGrpSpPr>
+      <p:grpSpPr>
+        <a:xfrm>
+          <a:off x="0" y="0"/>
+          <a:ext cx="0" cy="0"/>
+          <a:chOff x="0" y="0"/>
+          <a:chExt cx="0" cy="0"/>
+        </a:xfrm>
+      </p:grpSpPr>
+      <p:sp>
+        <p:nvSpPr>
+          <p:cNvPr id="2" name="מציין מיקום של תמונת שקופית 1"/>
+          <p:cNvSpPr>
+            <a:spLocks noGrp="1" noRot="1" noChangeAspect="1"/>
+          </p:cNvSpPr>
+          <p:nvPr>
+            <p:ph type="sldImg"/>
+          </p:nvPr>
+        </p:nvSpPr>
+        <p:spPr/>
+      </p:sp>
+      <p:sp>
+        <p:nvSpPr>
+          <p:cNvPr id="3" name="מציין מיקום של הערות 2"/>
+          <p:cNvSpPr>
+            <a:spLocks noGrp="1"/>
+          </p:cNvSpPr>
+          <p:nvPr>
+            <p:ph type="body" idx="1"/>
+          </p:nvPr>
+        </p:nvSpPr>
+        <p:spPr/>
+        <p:txBody>
+          <a:bodyPr/>
+          <a:lstStyle/>
+          <a:p>
             <a:pPr marL="0" marR="0" lvl="0" indent="0" algn="r" defTabSz="914400" rtl="1" eaLnBrk="1" fontAlgn="auto" latinLnBrk="0" hangingPunct="1">
               <a:lnSpc>
                 <a:spcPct val="100000"/>
@@ -662,7 +1609,7 @@
           <a:p>
             <a:fld id="{9EDA4E3B-FBC5-452B-B234-E35138224BE7}" type="slidenum">
               <a:rPr lang="he-IL" smtClean="0"/>
-              <a:t>5</a:t>
+              <a:t>6</a:t>
             </a:fld>
             <a:endParaRPr lang="he-IL"/>
           </a:p>
@@ -671,7 +1618,728 @@
     </p:spTree>
     <p:extLst>
       <p:ext uri="{BB962C8B-B14F-4D97-AF65-F5344CB8AC3E}">
-        <p14:creationId xmlns:p14="http://schemas.microsoft.com/office/powerpoint/2010/main" val="2946153229"/>
+        <p14:creationId xmlns:p14="http://schemas.microsoft.com/office/powerpoint/2010/main" val="4081712664"/>
+      </p:ext>
+    </p:extLst>
+  </p:cSld>
+  <p:clrMapOvr>
+    <a:masterClrMapping/>
+  </p:clrMapOvr>
+</p:notes>
+</file>
+
+<file path=ppt/notesSlides/notesSlide4.xml><?xml version="1.0" encoding="utf-8"?>
+<p:notes xmlns:a="http://schemas.openxmlformats.org/drawingml/2006/main" xmlns:r="http://schemas.openxmlformats.org/officeDocument/2006/relationships" xmlns:p="http://schemas.openxmlformats.org/presentationml/2006/main">
+  <p:cSld>
+    <p:spTree>
+      <p:nvGrpSpPr>
+        <p:cNvPr id="1" name=""/>
+        <p:cNvGrpSpPr/>
+        <p:nvPr/>
+      </p:nvGrpSpPr>
+      <p:grpSpPr>
+        <a:xfrm>
+          <a:off x="0" y="0"/>
+          <a:ext cx="0" cy="0"/>
+          <a:chOff x="0" y="0"/>
+          <a:chExt cx="0" cy="0"/>
+        </a:xfrm>
+      </p:grpSpPr>
+      <p:sp>
+        <p:nvSpPr>
+          <p:cNvPr id="2" name="מציין מיקום של תמונת שקופית 1"/>
+          <p:cNvSpPr>
+            <a:spLocks noGrp="1" noRot="1" noChangeAspect="1"/>
+          </p:cNvSpPr>
+          <p:nvPr>
+            <p:ph type="sldImg"/>
+          </p:nvPr>
+        </p:nvSpPr>
+        <p:spPr/>
+      </p:sp>
+      <p:sp>
+        <p:nvSpPr>
+          <p:cNvPr id="3" name="מציין מיקום של הערות 2"/>
+          <p:cNvSpPr>
+            <a:spLocks noGrp="1"/>
+          </p:cNvSpPr>
+          <p:nvPr>
+            <p:ph type="body" idx="1"/>
+          </p:nvPr>
+        </p:nvSpPr>
+        <p:spPr/>
+        <p:txBody>
+          <a:bodyPr/>
+          <a:lstStyle/>
+          <a:p>
+            <a:r>
+              <a:rPr lang="he-IL" dirty="0"/>
+              <a:t>רשת ה </a:t>
+            </a:r>
+            <a:r>
+              <a:rPr lang="en-US" dirty="0"/>
+              <a:t>FC</a:t>
+            </a:r>
+            <a:r>
+              <a:rPr lang="he-IL" dirty="0"/>
+              <a:t> – רשתות יחסית קטנות שנתנו ביצועים טובים עבור </a:t>
+            </a:r>
+            <a:r>
+              <a:rPr lang="he-IL" dirty="0" err="1"/>
+              <a:t>בעית</a:t>
+            </a:r>
+            <a:r>
+              <a:rPr lang="he-IL" dirty="0"/>
+              <a:t> עם </a:t>
+            </a:r>
+            <a:r>
+              <a:rPr lang="he-IL" dirty="0" err="1"/>
+              <a:t>דאטא</a:t>
+            </a:r>
+            <a:r>
+              <a:rPr lang="he-IL" dirty="0"/>
+              <a:t> יחסית קטן </a:t>
+            </a:r>
+            <a:r>
+              <a:rPr lang="en-US" dirty="0"/>
+              <a:t>9x9</a:t>
+            </a:r>
+            <a:r>
+              <a:rPr lang="he-IL" dirty="0"/>
+              <a:t> .</a:t>
+            </a:r>
+          </a:p>
+          <a:p>
+            <a:r>
+              <a:rPr lang="he-IL" dirty="0"/>
+              <a:t>רשת </a:t>
+            </a:r>
+            <a:r>
+              <a:rPr lang="en-US" dirty="0"/>
+              <a:t>CNN</a:t>
+            </a:r>
+            <a:r>
+              <a:rPr lang="he-IL" dirty="0"/>
+              <a:t> – גרעינים המותאמים לבעיה , </a:t>
+            </a:r>
+            <a:r>
+              <a:rPr lang="en-US" dirty="0"/>
+              <a:t>1x9, 9x1, 3x3</a:t>
+            </a:r>
+            <a:r>
+              <a:rPr lang="he-IL" dirty="0"/>
+              <a:t> . </a:t>
+            </a:r>
+          </a:p>
+          <a:p>
+            <a:endParaRPr lang="he-IL" dirty="0"/>
+          </a:p>
+          <a:p>
+            <a:r>
+              <a:rPr lang="he-IL" dirty="0"/>
+              <a:t>יש לשים לב שהמידע בסודוקו הוא לא רק מקומי אלא גלובלי, מה שיכול להסביר ביצועים טובים של ה </a:t>
+            </a:r>
+            <a:r>
+              <a:rPr lang="en-US" dirty="0"/>
+              <a:t>FC</a:t>
+            </a:r>
+            <a:endParaRPr lang="he-IL" dirty="0"/>
+          </a:p>
+          <a:p>
+            <a:endParaRPr lang="he-IL" dirty="0"/>
+          </a:p>
+          <a:p>
+            <a:r>
+              <a:rPr lang="he-IL" dirty="0"/>
+              <a:t> </a:t>
+            </a:r>
+          </a:p>
+        </p:txBody>
+      </p:sp>
+      <p:sp>
+        <p:nvSpPr>
+          <p:cNvPr id="4" name="מציין מיקום של מספר שקופית 3"/>
+          <p:cNvSpPr>
+            <a:spLocks noGrp="1"/>
+          </p:cNvSpPr>
+          <p:nvPr>
+            <p:ph type="sldNum" sz="quarter" idx="5"/>
+          </p:nvPr>
+        </p:nvSpPr>
+        <p:spPr/>
+        <p:txBody>
+          <a:bodyPr/>
+          <a:lstStyle/>
+          <a:p>
+            <a:fld id="{9EDA4E3B-FBC5-452B-B234-E35138224BE7}" type="slidenum">
+              <a:rPr lang="he-IL" smtClean="0"/>
+              <a:t>7</a:t>
+            </a:fld>
+            <a:endParaRPr lang="he-IL"/>
+          </a:p>
+        </p:txBody>
+      </p:sp>
+    </p:spTree>
+    <p:extLst>
+      <p:ext uri="{BB962C8B-B14F-4D97-AF65-F5344CB8AC3E}">
+        <p14:creationId xmlns:p14="http://schemas.microsoft.com/office/powerpoint/2010/main" val="1242077536"/>
+      </p:ext>
+    </p:extLst>
+  </p:cSld>
+  <p:clrMapOvr>
+    <a:masterClrMapping/>
+  </p:clrMapOvr>
+</p:notes>
+</file>
+
+<file path=ppt/notesSlides/notesSlide5.xml><?xml version="1.0" encoding="utf-8"?>
+<p:notes xmlns:a="http://schemas.openxmlformats.org/drawingml/2006/main" xmlns:r="http://schemas.openxmlformats.org/officeDocument/2006/relationships" xmlns:p="http://schemas.openxmlformats.org/presentationml/2006/main">
+  <p:cSld>
+    <p:spTree>
+      <p:nvGrpSpPr>
+        <p:cNvPr id="1" name=""/>
+        <p:cNvGrpSpPr/>
+        <p:nvPr/>
+      </p:nvGrpSpPr>
+      <p:grpSpPr>
+        <a:xfrm>
+          <a:off x="0" y="0"/>
+          <a:ext cx="0" cy="0"/>
+          <a:chOff x="0" y="0"/>
+          <a:chExt cx="0" cy="0"/>
+        </a:xfrm>
+      </p:grpSpPr>
+      <p:sp>
+        <p:nvSpPr>
+          <p:cNvPr id="2" name="מציין מיקום של תמונת שקופית 1"/>
+          <p:cNvSpPr>
+            <a:spLocks noGrp="1" noRot="1" noChangeAspect="1"/>
+          </p:cNvSpPr>
+          <p:nvPr>
+            <p:ph type="sldImg"/>
+          </p:nvPr>
+        </p:nvSpPr>
+        <p:spPr/>
+      </p:sp>
+      <p:sp>
+        <p:nvSpPr>
+          <p:cNvPr id="3" name="מציין מיקום של הערות 2"/>
+          <p:cNvSpPr>
+            <a:spLocks noGrp="1"/>
+          </p:cNvSpPr>
+          <p:nvPr>
+            <p:ph type="body" idx="1"/>
+          </p:nvPr>
+        </p:nvSpPr>
+        <p:spPr/>
+        <p:txBody>
+          <a:bodyPr/>
+          <a:lstStyle/>
+          <a:p>
+            <a:r>
+              <a:rPr lang="he-IL" dirty="0"/>
+              <a:t>רשת ה </a:t>
+            </a:r>
+            <a:r>
+              <a:rPr lang="en-US" dirty="0"/>
+              <a:t>FC</a:t>
+            </a:r>
+            <a:r>
+              <a:rPr lang="he-IL" dirty="0"/>
+              <a:t> – רשתות יחסית קטנות שנתנו ביצועים טובים עבור </a:t>
+            </a:r>
+            <a:r>
+              <a:rPr lang="he-IL" dirty="0" err="1"/>
+              <a:t>בעית</a:t>
+            </a:r>
+            <a:r>
+              <a:rPr lang="he-IL" dirty="0"/>
+              <a:t> עם </a:t>
+            </a:r>
+            <a:r>
+              <a:rPr lang="he-IL" dirty="0" err="1"/>
+              <a:t>דאטא</a:t>
+            </a:r>
+            <a:r>
+              <a:rPr lang="he-IL" dirty="0"/>
+              <a:t> יחסית קטן </a:t>
+            </a:r>
+            <a:r>
+              <a:rPr lang="en-US" dirty="0"/>
+              <a:t>9x9</a:t>
+            </a:r>
+            <a:r>
+              <a:rPr lang="he-IL" dirty="0"/>
+              <a:t> .</a:t>
+            </a:r>
+          </a:p>
+          <a:p>
+            <a:r>
+              <a:rPr lang="he-IL" dirty="0"/>
+              <a:t>רשת </a:t>
+            </a:r>
+            <a:r>
+              <a:rPr lang="en-US" dirty="0"/>
+              <a:t>CNN</a:t>
+            </a:r>
+            <a:r>
+              <a:rPr lang="he-IL" dirty="0"/>
+              <a:t> – גרעינים המותאמים לבעיה , </a:t>
+            </a:r>
+            <a:r>
+              <a:rPr lang="en-US" dirty="0"/>
+              <a:t>1x9, 9x1, 3x3</a:t>
+            </a:r>
+            <a:r>
+              <a:rPr lang="he-IL" dirty="0"/>
+              <a:t> . </a:t>
+            </a:r>
+          </a:p>
+          <a:p>
+            <a:endParaRPr lang="he-IL" dirty="0"/>
+          </a:p>
+          <a:p>
+            <a:r>
+              <a:rPr lang="he-IL" dirty="0"/>
+              <a:t>יש לשים לב שהמידע בסודוקו הוא לא רק מקומי אלא גלובלי, מה שיכול להסביר ביצועים טובים של ה </a:t>
+            </a:r>
+            <a:r>
+              <a:rPr lang="en-US" dirty="0"/>
+              <a:t>FC</a:t>
+            </a:r>
+            <a:endParaRPr lang="he-IL" dirty="0"/>
+          </a:p>
+          <a:p>
+            <a:endParaRPr lang="he-IL" dirty="0"/>
+          </a:p>
+          <a:p>
+            <a:r>
+              <a:rPr lang="he-IL" dirty="0"/>
+              <a:t> </a:t>
+            </a:r>
+          </a:p>
+        </p:txBody>
+      </p:sp>
+      <p:sp>
+        <p:nvSpPr>
+          <p:cNvPr id="4" name="מציין מיקום של מספר שקופית 3"/>
+          <p:cNvSpPr>
+            <a:spLocks noGrp="1"/>
+          </p:cNvSpPr>
+          <p:nvPr>
+            <p:ph type="sldNum" sz="quarter" idx="5"/>
+          </p:nvPr>
+        </p:nvSpPr>
+        <p:spPr/>
+        <p:txBody>
+          <a:bodyPr/>
+          <a:lstStyle/>
+          <a:p>
+            <a:fld id="{9EDA4E3B-FBC5-452B-B234-E35138224BE7}" type="slidenum">
+              <a:rPr lang="he-IL" smtClean="0"/>
+              <a:t>8</a:t>
+            </a:fld>
+            <a:endParaRPr lang="he-IL"/>
+          </a:p>
+        </p:txBody>
+      </p:sp>
+    </p:spTree>
+    <p:extLst>
+      <p:ext uri="{BB962C8B-B14F-4D97-AF65-F5344CB8AC3E}">
+        <p14:creationId xmlns:p14="http://schemas.microsoft.com/office/powerpoint/2010/main" val="3669069694"/>
+      </p:ext>
+    </p:extLst>
+  </p:cSld>
+  <p:clrMapOvr>
+    <a:masterClrMapping/>
+  </p:clrMapOvr>
+</p:notes>
+</file>
+
+<file path=ppt/notesSlides/notesSlide6.xml><?xml version="1.0" encoding="utf-8"?>
+<p:notes xmlns:a="http://schemas.openxmlformats.org/drawingml/2006/main" xmlns:r="http://schemas.openxmlformats.org/officeDocument/2006/relationships" xmlns:p="http://schemas.openxmlformats.org/presentationml/2006/main">
+  <p:cSld>
+    <p:spTree>
+      <p:nvGrpSpPr>
+        <p:cNvPr id="1" name=""/>
+        <p:cNvGrpSpPr/>
+        <p:nvPr/>
+      </p:nvGrpSpPr>
+      <p:grpSpPr>
+        <a:xfrm>
+          <a:off x="0" y="0"/>
+          <a:ext cx="0" cy="0"/>
+          <a:chOff x="0" y="0"/>
+          <a:chExt cx="0" cy="0"/>
+        </a:xfrm>
+      </p:grpSpPr>
+      <p:sp>
+        <p:nvSpPr>
+          <p:cNvPr id="2" name="מציין מיקום של תמונת שקופית 1"/>
+          <p:cNvSpPr>
+            <a:spLocks noGrp="1" noRot="1" noChangeAspect="1"/>
+          </p:cNvSpPr>
+          <p:nvPr>
+            <p:ph type="sldImg"/>
+          </p:nvPr>
+        </p:nvSpPr>
+        <p:spPr/>
+      </p:sp>
+      <p:sp>
+        <p:nvSpPr>
+          <p:cNvPr id="3" name="מציין מיקום של הערות 2"/>
+          <p:cNvSpPr>
+            <a:spLocks noGrp="1"/>
+          </p:cNvSpPr>
+          <p:nvPr>
+            <p:ph type="body" idx="1"/>
+          </p:nvPr>
+        </p:nvSpPr>
+        <p:spPr/>
+        <p:txBody>
+          <a:bodyPr/>
+          <a:lstStyle/>
+          <a:p>
+            <a:endParaRPr lang="he-IL" dirty="0"/>
+          </a:p>
+        </p:txBody>
+      </p:sp>
+      <p:sp>
+        <p:nvSpPr>
+          <p:cNvPr id="4" name="מציין מיקום של מספר שקופית 3"/>
+          <p:cNvSpPr>
+            <a:spLocks noGrp="1"/>
+          </p:cNvSpPr>
+          <p:nvPr>
+            <p:ph type="sldNum" sz="quarter" idx="5"/>
+          </p:nvPr>
+        </p:nvSpPr>
+        <p:spPr/>
+        <p:txBody>
+          <a:bodyPr/>
+          <a:lstStyle/>
+          <a:p>
+            <a:fld id="{9EDA4E3B-FBC5-452B-B234-E35138224BE7}" type="slidenum">
+              <a:rPr lang="he-IL" smtClean="0"/>
+              <a:t>9</a:t>
+            </a:fld>
+            <a:endParaRPr lang="he-IL"/>
+          </a:p>
+        </p:txBody>
+      </p:sp>
+    </p:spTree>
+    <p:extLst>
+      <p:ext uri="{BB962C8B-B14F-4D97-AF65-F5344CB8AC3E}">
+        <p14:creationId xmlns:p14="http://schemas.microsoft.com/office/powerpoint/2010/main" val="3699488054"/>
+      </p:ext>
+    </p:extLst>
+  </p:cSld>
+  <p:clrMapOvr>
+    <a:masterClrMapping/>
+  </p:clrMapOvr>
+</p:notes>
+</file>
+
+<file path=ppt/notesSlides/notesSlide7.xml><?xml version="1.0" encoding="utf-8"?>
+<p:notes xmlns:a="http://schemas.openxmlformats.org/drawingml/2006/main" xmlns:r="http://schemas.openxmlformats.org/officeDocument/2006/relationships" xmlns:p="http://schemas.openxmlformats.org/presentationml/2006/main">
+  <p:cSld>
+    <p:spTree>
+      <p:nvGrpSpPr>
+        <p:cNvPr id="1" name=""/>
+        <p:cNvGrpSpPr/>
+        <p:nvPr/>
+      </p:nvGrpSpPr>
+      <p:grpSpPr>
+        <a:xfrm>
+          <a:off x="0" y="0"/>
+          <a:ext cx="0" cy="0"/>
+          <a:chOff x="0" y="0"/>
+          <a:chExt cx="0" cy="0"/>
+        </a:xfrm>
+      </p:grpSpPr>
+      <p:sp>
+        <p:nvSpPr>
+          <p:cNvPr id="2" name="מציין מיקום של תמונת שקופית 1"/>
+          <p:cNvSpPr>
+            <a:spLocks noGrp="1" noRot="1" noChangeAspect="1"/>
+          </p:cNvSpPr>
+          <p:nvPr>
+            <p:ph type="sldImg"/>
+          </p:nvPr>
+        </p:nvSpPr>
+        <p:spPr/>
+      </p:sp>
+      <p:sp>
+        <p:nvSpPr>
+          <p:cNvPr id="3" name="מציין מיקום של הערות 2"/>
+          <p:cNvSpPr>
+            <a:spLocks noGrp="1"/>
+          </p:cNvSpPr>
+          <p:nvPr>
+            <p:ph type="body" idx="1"/>
+          </p:nvPr>
+        </p:nvSpPr>
+        <p:spPr/>
+        <p:txBody>
+          <a:bodyPr/>
+          <a:lstStyle/>
+          <a:p>
+            <a:r>
+              <a:rPr lang="he-IL" dirty="0"/>
+              <a:t>1. מתחילים במחיקה של איבר בודד ומאמנים, אחד כך שני איברים מחוקים ומאמנים וכך הלאה. </a:t>
+            </a:r>
+          </a:p>
+          <a:p>
+            <a:r>
+              <a:rPr lang="he-IL" dirty="0"/>
+              <a:t>2. מוחקים איברים בלוח המלא שהיו מחוקים בלוח החסר כדי לשמור על חוקיות במשחק ולא לקבל מצב של כמה פתרונות שעלול לבלבל את המערכת</a:t>
+            </a:r>
+          </a:p>
+          <a:p>
+            <a:r>
+              <a:rPr lang="he-IL" dirty="0"/>
+              <a:t>3. מכיוון שבזמן אמת מילוי האיברים הוא </a:t>
+            </a:r>
+            <a:r>
+              <a:rPr lang="he-IL" dirty="0" err="1"/>
+              <a:t>איטרטיבי</a:t>
+            </a:r>
+            <a:r>
+              <a:rPr lang="he-IL" dirty="0"/>
+              <a:t>, אנחנו רוצים שהרשת לא תשכח איך למלא איברים כשיש מעט מחוקים, ולכן אנחנו דואגים בכל </a:t>
+            </a:r>
+            <a:r>
+              <a:rPr lang="he-IL" dirty="0" err="1"/>
+              <a:t>באטצ</a:t>
+            </a:r>
+            <a:r>
+              <a:rPr lang="he-IL" dirty="0"/>
+              <a:t> למחוק מספר שונה של איברים בכל לוח לפי פילוג מסוים.</a:t>
+            </a:r>
+          </a:p>
+        </p:txBody>
+      </p:sp>
+      <p:sp>
+        <p:nvSpPr>
+          <p:cNvPr id="4" name="מציין מיקום של מספר שקופית 3"/>
+          <p:cNvSpPr>
+            <a:spLocks noGrp="1"/>
+          </p:cNvSpPr>
+          <p:nvPr>
+            <p:ph type="sldNum" sz="quarter" idx="5"/>
+          </p:nvPr>
+        </p:nvSpPr>
+        <p:spPr/>
+        <p:txBody>
+          <a:bodyPr/>
+          <a:lstStyle/>
+          <a:p>
+            <a:fld id="{9EDA4E3B-FBC5-452B-B234-E35138224BE7}" type="slidenum">
+              <a:rPr lang="he-IL" smtClean="0"/>
+              <a:t>10</a:t>
+            </a:fld>
+            <a:endParaRPr lang="he-IL"/>
+          </a:p>
+        </p:txBody>
+      </p:sp>
+    </p:spTree>
+    <p:extLst>
+      <p:ext uri="{BB962C8B-B14F-4D97-AF65-F5344CB8AC3E}">
+        <p14:creationId xmlns:p14="http://schemas.microsoft.com/office/powerpoint/2010/main" val="3105010491"/>
+      </p:ext>
+    </p:extLst>
+  </p:cSld>
+  <p:clrMapOvr>
+    <a:masterClrMapping/>
+  </p:clrMapOvr>
+</p:notes>
+</file>
+
+<file path=ppt/notesSlides/notesSlide8.xml><?xml version="1.0" encoding="utf-8"?>
+<p:notes xmlns:a="http://schemas.openxmlformats.org/drawingml/2006/main" xmlns:r="http://schemas.openxmlformats.org/officeDocument/2006/relationships" xmlns:p="http://schemas.openxmlformats.org/presentationml/2006/main">
+  <p:cSld>
+    <p:spTree>
+      <p:nvGrpSpPr>
+        <p:cNvPr id="1" name=""/>
+        <p:cNvGrpSpPr/>
+        <p:nvPr/>
+      </p:nvGrpSpPr>
+      <p:grpSpPr>
+        <a:xfrm>
+          <a:off x="0" y="0"/>
+          <a:ext cx="0" cy="0"/>
+          <a:chOff x="0" y="0"/>
+          <a:chExt cx="0" cy="0"/>
+        </a:xfrm>
+      </p:grpSpPr>
+      <p:sp>
+        <p:nvSpPr>
+          <p:cNvPr id="2" name="מציין מיקום של תמונת שקופית 1"/>
+          <p:cNvSpPr>
+            <a:spLocks noGrp="1" noRot="1" noChangeAspect="1"/>
+          </p:cNvSpPr>
+          <p:nvPr>
+            <p:ph type="sldImg"/>
+          </p:nvPr>
+        </p:nvSpPr>
+        <p:spPr/>
+      </p:sp>
+      <p:sp>
+        <p:nvSpPr>
+          <p:cNvPr id="3" name="מציין מיקום של הערות 2"/>
+          <p:cNvSpPr>
+            <a:spLocks noGrp="1"/>
+          </p:cNvSpPr>
+          <p:nvPr>
+            <p:ph type="body" idx="1"/>
+          </p:nvPr>
+        </p:nvSpPr>
+        <p:spPr/>
+        <p:txBody>
+          <a:bodyPr/>
+          <a:lstStyle/>
+          <a:p>
+            <a:endParaRPr lang="he-IL" dirty="0"/>
+          </a:p>
+        </p:txBody>
+      </p:sp>
+      <p:sp>
+        <p:nvSpPr>
+          <p:cNvPr id="4" name="מציין מיקום של מספר שקופית 3"/>
+          <p:cNvSpPr>
+            <a:spLocks noGrp="1"/>
+          </p:cNvSpPr>
+          <p:nvPr>
+            <p:ph type="sldNum" sz="quarter" idx="5"/>
+          </p:nvPr>
+        </p:nvSpPr>
+        <p:spPr/>
+        <p:txBody>
+          <a:bodyPr/>
+          <a:lstStyle/>
+          <a:p>
+            <a:fld id="{9EDA4E3B-FBC5-452B-B234-E35138224BE7}" type="slidenum">
+              <a:rPr lang="he-IL" smtClean="0"/>
+              <a:t>11</a:t>
+            </a:fld>
+            <a:endParaRPr lang="he-IL"/>
+          </a:p>
+        </p:txBody>
+      </p:sp>
+    </p:spTree>
+    <p:extLst>
+      <p:ext uri="{BB962C8B-B14F-4D97-AF65-F5344CB8AC3E}">
+        <p14:creationId xmlns:p14="http://schemas.microsoft.com/office/powerpoint/2010/main" val="4243151217"/>
+      </p:ext>
+    </p:extLst>
+  </p:cSld>
+  <p:clrMapOvr>
+    <a:masterClrMapping/>
+  </p:clrMapOvr>
+</p:notes>
+</file>
+
+<file path=ppt/notesSlides/notesSlide9.xml><?xml version="1.0" encoding="utf-8"?>
+<p:notes xmlns:a="http://schemas.openxmlformats.org/drawingml/2006/main" xmlns:r="http://schemas.openxmlformats.org/officeDocument/2006/relationships" xmlns:p="http://schemas.openxmlformats.org/presentationml/2006/main">
+  <p:cSld>
+    <p:spTree>
+      <p:nvGrpSpPr>
+        <p:cNvPr id="1" name=""/>
+        <p:cNvGrpSpPr/>
+        <p:nvPr/>
+      </p:nvGrpSpPr>
+      <p:grpSpPr>
+        <a:xfrm>
+          <a:off x="0" y="0"/>
+          <a:ext cx="0" cy="0"/>
+          <a:chOff x="0" y="0"/>
+          <a:chExt cx="0" cy="0"/>
+        </a:xfrm>
+      </p:grpSpPr>
+      <p:sp>
+        <p:nvSpPr>
+          <p:cNvPr id="2" name="מציין מיקום של תמונת שקופית 1"/>
+          <p:cNvSpPr>
+            <a:spLocks noGrp="1" noRot="1" noChangeAspect="1"/>
+          </p:cNvSpPr>
+          <p:nvPr>
+            <p:ph type="sldImg"/>
+          </p:nvPr>
+        </p:nvSpPr>
+        <p:spPr/>
+      </p:sp>
+      <p:sp>
+        <p:nvSpPr>
+          <p:cNvPr id="3" name="מציין מיקום של הערות 2"/>
+          <p:cNvSpPr>
+            <a:spLocks noGrp="1"/>
+          </p:cNvSpPr>
+          <p:nvPr>
+            <p:ph type="body" idx="1"/>
+          </p:nvPr>
+        </p:nvSpPr>
+        <p:spPr/>
+        <p:txBody>
+          <a:bodyPr/>
+          <a:lstStyle/>
+          <a:p>
+            <a:r>
+              <a:rPr lang="he-IL" dirty="0"/>
+              <a:t>לגבי פילוג </a:t>
+            </a:r>
+            <a:r>
+              <a:rPr lang="he-IL" dirty="0" err="1"/>
+              <a:t>הדאטא</a:t>
+            </a:r>
+            <a:r>
+              <a:rPr lang="he-IL" dirty="0"/>
+              <a:t>, אפשר לדבר כאן על הקטע שהכי הרבה מחוקים עם פתרון יחיד זה 64. </a:t>
+            </a:r>
+          </a:p>
+          <a:p>
+            <a:r>
+              <a:rPr lang="he-IL" dirty="0"/>
+              <a:t>לגבי מטריצת הבלבול, לדבר על הסימטריה שיש בטעויות מכיוון שיש סימטריה מבחינת ייצוג הספרות השונות. </a:t>
+            </a:r>
+          </a:p>
+          <a:p>
+            <a:r>
+              <a:rPr lang="he-IL" dirty="0"/>
+              <a:t>אפשר להגיד שבדרך כלל מה שרואים במטריצה כזו היא שיש מחלקה אחת שדומה לאחרת אבל אצלנו מה שרואים הוא דווקא מה שלא רואים – יש סימטריה כמצופה.</a:t>
+            </a:r>
+          </a:p>
+          <a:p>
+            <a:endParaRPr lang="he-IL" dirty="0"/>
+          </a:p>
+        </p:txBody>
+      </p:sp>
+      <p:sp>
+        <p:nvSpPr>
+          <p:cNvPr id="4" name="מציין מיקום של מספר שקופית 3"/>
+          <p:cNvSpPr>
+            <a:spLocks noGrp="1"/>
+          </p:cNvSpPr>
+          <p:nvPr>
+            <p:ph type="sldNum" sz="quarter" idx="5"/>
+          </p:nvPr>
+        </p:nvSpPr>
+        <p:spPr/>
+        <p:txBody>
+          <a:bodyPr/>
+          <a:lstStyle/>
+          <a:p>
+            <a:fld id="{9EDA4E3B-FBC5-452B-B234-E35138224BE7}" type="slidenum">
+              <a:rPr lang="he-IL" smtClean="0"/>
+              <a:t>12</a:t>
+            </a:fld>
+            <a:endParaRPr lang="he-IL"/>
+          </a:p>
+        </p:txBody>
+      </p:sp>
+    </p:spTree>
+    <p:extLst>
+      <p:ext uri="{BB962C8B-B14F-4D97-AF65-F5344CB8AC3E}">
+        <p14:creationId xmlns:p14="http://schemas.microsoft.com/office/powerpoint/2010/main" val="1473259194"/>
       </p:ext>
     </p:extLst>
   </p:cSld>
@@ -4071,6 +5739,1929 @@
 </p:sld>
 </file>
 
+<file path=ppt/slides/slide10.xml><?xml version="1.0" encoding="utf-8"?>
+<p:sld xmlns:a="http://schemas.openxmlformats.org/drawingml/2006/main" xmlns:r="http://schemas.openxmlformats.org/officeDocument/2006/relationships" xmlns:p="http://schemas.openxmlformats.org/presentationml/2006/main">
+  <p:cSld>
+    <p:spTree>
+      <p:nvGrpSpPr>
+        <p:cNvPr id="1" name=""/>
+        <p:cNvGrpSpPr/>
+        <p:nvPr/>
+      </p:nvGrpSpPr>
+      <p:grpSpPr>
+        <a:xfrm>
+          <a:off x="0" y="0"/>
+          <a:ext cx="0" cy="0"/>
+          <a:chOff x="0" y="0"/>
+          <a:chExt cx="0" cy="0"/>
+        </a:xfrm>
+      </p:grpSpPr>
+      <p:sp>
+        <p:nvSpPr>
+          <p:cNvPr id="2" name="כותרת 1">
+            <a:extLst>
+              <a:ext uri="{FF2B5EF4-FFF2-40B4-BE49-F238E27FC236}">
+                <a16:creationId xmlns:a16="http://schemas.microsoft.com/office/drawing/2014/main" id="{5480E490-6E4D-4338-BB9A-E6695C515733}"/>
+              </a:ext>
+            </a:extLst>
+          </p:cNvPr>
+          <p:cNvSpPr>
+            <a:spLocks noGrp="1"/>
+          </p:cNvSpPr>
+          <p:nvPr>
+            <p:ph type="title"/>
+          </p:nvPr>
+        </p:nvSpPr>
+        <p:spPr/>
+        <p:txBody>
+          <a:bodyPr/>
+          <a:lstStyle/>
+          <a:p>
+            <a:pPr algn="ctr"/>
+            <a:r>
+              <a:rPr lang="en-US" dirty="0">
+                <a:solidFill>
+                  <a:srgbClr val="002060"/>
+                </a:solidFill>
+                <a:latin typeface="Calibri"/>
+              </a:rPr>
+              <a:t>Training method </a:t>
+            </a:r>
+            <a:endParaRPr lang="he-IL" dirty="0">
+              <a:solidFill>
+                <a:srgbClr val="002060"/>
+              </a:solidFill>
+              <a:latin typeface="Calibri"/>
+            </a:endParaRPr>
+          </a:p>
+        </p:txBody>
+      </p:sp>
+      <p:sp>
+        <p:nvSpPr>
+          <p:cNvPr id="3" name="מציין מיקום תוכן 2">
+            <a:extLst>
+              <a:ext uri="{FF2B5EF4-FFF2-40B4-BE49-F238E27FC236}">
+                <a16:creationId xmlns:a16="http://schemas.microsoft.com/office/drawing/2014/main" id="{4E953C7B-A8C0-430E-A2AA-272B223256CE}"/>
+              </a:ext>
+            </a:extLst>
+          </p:cNvPr>
+          <p:cNvSpPr>
+            <a:spLocks noGrp="1"/>
+          </p:cNvSpPr>
+          <p:nvPr>
+            <p:ph idx="1"/>
+          </p:nvPr>
+        </p:nvSpPr>
+        <p:spPr/>
+        <p:txBody>
+          <a:bodyPr/>
+          <a:lstStyle/>
+          <a:p>
+            <a:pPr algn="l" rtl="0"/>
+            <a:r>
+              <a:rPr lang="en-US" dirty="0"/>
+              <a:t>Train on solutions with deleted elements</a:t>
+            </a:r>
+          </a:p>
+          <a:p>
+            <a:pPr lvl="1" algn="l" rtl="0"/>
+            <a:r>
+              <a:rPr lang="en-US" dirty="0"/>
+              <a:t>Increasing number of deleted digits in the puzzle to increase the level of difficulty</a:t>
+            </a:r>
+          </a:p>
+          <a:p>
+            <a:pPr lvl="1" algn="l" rtl="0"/>
+            <a:r>
+              <a:rPr lang="en-US" dirty="0"/>
+              <a:t>Deleting elements properly from the original board to avoid more than one possible solution</a:t>
+            </a:r>
+          </a:p>
+          <a:p>
+            <a:pPr lvl="1" algn="l" rtl="0"/>
+            <a:r>
+              <a:rPr lang="en-US" dirty="0"/>
+              <a:t>Distributed number of deleted elements so the net will “remember” how to solve easy puzzles</a:t>
+            </a:r>
+          </a:p>
+          <a:p>
+            <a:pPr lvl="1" algn="l" rtl="0"/>
+            <a:endParaRPr lang="en-US" dirty="0"/>
+          </a:p>
+          <a:p>
+            <a:pPr lvl="1" algn="l" rtl="0"/>
+            <a:r>
+              <a:rPr lang="en-US" dirty="0"/>
+              <a:t> </a:t>
+            </a:r>
+            <a:r>
+              <a:rPr lang="he-IL" dirty="0"/>
+              <a:t>  לשים תמונות של לוח מחוק ושל פילוג מספר המחוקים עבור מחיקת ביניים כלשהי</a:t>
+            </a:r>
+            <a:endParaRPr lang="en-US" dirty="0"/>
+          </a:p>
+          <a:p>
+            <a:pPr lvl="1" algn="l" rtl="0"/>
+            <a:endParaRPr lang="en-US" dirty="0"/>
+          </a:p>
+          <a:p>
+            <a:pPr lvl="1" algn="l" rtl="0"/>
+            <a:endParaRPr lang="he-IL" dirty="0"/>
+          </a:p>
+        </p:txBody>
+      </p:sp>
+    </p:spTree>
+    <p:extLst>
+      <p:ext uri="{BB962C8B-B14F-4D97-AF65-F5344CB8AC3E}">
+        <p14:creationId xmlns:p14="http://schemas.microsoft.com/office/powerpoint/2010/main" val="3456874906"/>
+      </p:ext>
+    </p:extLst>
+  </p:cSld>
+  <p:clrMapOvr>
+    <a:masterClrMapping/>
+  </p:clrMapOvr>
+</p:sld>
+</file>
+
+<file path=ppt/slides/slide11.xml><?xml version="1.0" encoding="utf-8"?>
+<p:sld xmlns:a="http://schemas.openxmlformats.org/drawingml/2006/main" xmlns:r="http://schemas.openxmlformats.org/officeDocument/2006/relationships" xmlns:p="http://schemas.openxmlformats.org/presentationml/2006/main">
+  <p:cSld>
+    <p:spTree>
+      <p:nvGrpSpPr>
+        <p:cNvPr id="1" name=""/>
+        <p:cNvGrpSpPr/>
+        <p:nvPr/>
+      </p:nvGrpSpPr>
+      <p:grpSpPr>
+        <a:xfrm>
+          <a:off x="0" y="0"/>
+          <a:ext cx="0" cy="0"/>
+          <a:chOff x="0" y="0"/>
+          <a:chExt cx="0" cy="0"/>
+        </a:xfrm>
+      </p:grpSpPr>
+      <p:sp>
+        <p:nvSpPr>
+          <p:cNvPr id="2" name="כותרת 1">
+            <a:extLst>
+              <a:ext uri="{FF2B5EF4-FFF2-40B4-BE49-F238E27FC236}">
+                <a16:creationId xmlns:a16="http://schemas.microsoft.com/office/drawing/2014/main" id="{5480E490-6E4D-4338-BB9A-E6695C515733}"/>
+              </a:ext>
+            </a:extLst>
+          </p:cNvPr>
+          <p:cNvSpPr>
+            <a:spLocks noGrp="1"/>
+          </p:cNvSpPr>
+          <p:nvPr>
+            <p:ph type="title"/>
+          </p:nvPr>
+        </p:nvSpPr>
+        <p:spPr>
+          <a:xfrm>
+            <a:off x="628650" y="233361"/>
+            <a:ext cx="7886700" cy="1325563"/>
+          </a:xfrm>
+        </p:spPr>
+        <p:txBody>
+          <a:bodyPr/>
+          <a:lstStyle/>
+          <a:p>
+            <a:pPr algn="ctr"/>
+            <a:r>
+              <a:rPr lang="en-US" dirty="0">
+                <a:solidFill>
+                  <a:srgbClr val="002060"/>
+                </a:solidFill>
+                <a:latin typeface="Calibri"/>
+              </a:rPr>
+              <a:t>Comparing results</a:t>
+            </a:r>
+            <a:endParaRPr lang="he-IL" dirty="0">
+              <a:solidFill>
+                <a:srgbClr val="002060"/>
+              </a:solidFill>
+              <a:latin typeface="Calibri"/>
+            </a:endParaRPr>
+          </a:p>
+        </p:txBody>
+      </p:sp>
+      <p:graphicFrame>
+        <p:nvGraphicFramePr>
+          <p:cNvPr id="5" name="מציין מיקום תוכן 4">
+            <a:extLst>
+              <a:ext uri="{FF2B5EF4-FFF2-40B4-BE49-F238E27FC236}">
+                <a16:creationId xmlns:a16="http://schemas.microsoft.com/office/drawing/2014/main" id="{93E1FD32-BD46-45EE-9642-C448C397F87E}"/>
+              </a:ext>
+            </a:extLst>
+          </p:cNvPr>
+          <p:cNvGraphicFramePr>
+            <a:graphicFrameLocks noGrp="1"/>
+          </p:cNvGraphicFramePr>
+          <p:nvPr>
+            <p:ph idx="1"/>
+            <p:extLst>
+              <p:ext uri="{D42A27DB-BD31-4B8C-83A1-F6EECF244321}">
+                <p14:modId xmlns:p14="http://schemas.microsoft.com/office/powerpoint/2010/main" val="3302272309"/>
+              </p:ext>
+            </p:extLst>
+          </p:nvPr>
+        </p:nvGraphicFramePr>
+        <p:xfrm>
+          <a:off x="107950" y="1730310"/>
+          <a:ext cx="8928100" cy="4711510"/>
+        </p:xfrm>
+        <a:graphic>
+          <a:graphicData uri="http://schemas.openxmlformats.org/drawingml/2006/table">
+            <a:tbl>
+              <a:tblPr rtl="1" firstRow="1" firstCol="1" bandRow="1">
+                <a:tableStyleId>{5C22544A-7EE6-4342-B048-85BDC9FD1C3A}</a:tableStyleId>
+              </a:tblPr>
+              <a:tblGrid>
+                <a:gridCol w="1731447">
+                  <a:extLst>
+                    <a:ext uri="{9D8B030D-6E8A-4147-A177-3AD203B41FA5}">
+                      <a16:colId xmlns:a16="http://schemas.microsoft.com/office/drawing/2014/main" val="4180117168"/>
+                    </a:ext>
+                  </a:extLst>
+                </a:gridCol>
+                <a:gridCol w="1538803">
+                  <a:extLst>
+                    <a:ext uri="{9D8B030D-6E8A-4147-A177-3AD203B41FA5}">
+                      <a16:colId xmlns:a16="http://schemas.microsoft.com/office/drawing/2014/main" val="43957283"/>
+                    </a:ext>
+                  </a:extLst>
+                </a:gridCol>
+                <a:gridCol w="2006600">
+                  <a:extLst>
+                    <a:ext uri="{9D8B030D-6E8A-4147-A177-3AD203B41FA5}">
+                      <a16:colId xmlns:a16="http://schemas.microsoft.com/office/drawing/2014/main" val="606731208"/>
+                    </a:ext>
+                  </a:extLst>
+                </a:gridCol>
+                <a:gridCol w="1623767">
+                  <a:extLst>
+                    <a:ext uri="{9D8B030D-6E8A-4147-A177-3AD203B41FA5}">
+                      <a16:colId xmlns:a16="http://schemas.microsoft.com/office/drawing/2014/main" val="1202457364"/>
+                    </a:ext>
+                  </a:extLst>
+                </a:gridCol>
+                <a:gridCol w="2027483">
+                  <a:extLst>
+                    <a:ext uri="{9D8B030D-6E8A-4147-A177-3AD203B41FA5}">
+                      <a16:colId xmlns:a16="http://schemas.microsoft.com/office/drawing/2014/main" val="1611586995"/>
+                    </a:ext>
+                  </a:extLst>
+                </a:gridCol>
+              </a:tblGrid>
+              <a:tr h="202314">
+                <a:tc>
+                  <a:txBody>
+                    <a:bodyPr/>
+                    <a:lstStyle/>
+                    <a:p>
+                      <a:pPr marL="0" marR="0" lvl="0" indent="0" algn="just" defTabSz="914400" rtl="0" eaLnBrk="1" fontAlgn="t" latinLnBrk="0" hangingPunct="1">
+                        <a:lnSpc>
+                          <a:spcPct val="107000"/>
+                        </a:lnSpc>
+                        <a:spcBef>
+                          <a:spcPts val="0"/>
+                        </a:spcBef>
+                        <a:spcAft>
+                          <a:spcPts val="800"/>
+                        </a:spcAft>
+                        <a:buClrTx/>
+                        <a:buSzTx/>
+                        <a:buFontTx/>
+                        <a:buNone/>
+                        <a:tabLst/>
+                        <a:defRPr/>
+                      </a:pPr>
+                      <a:r>
+                        <a:rPr kumimoji="0" lang="en-US" sz="2600" b="1" i="0" u="none" strike="noStrike" kern="1200" cap="none" spc="0" normalizeH="0" baseline="0" noProof="0" dirty="0">
+                          <a:ln>
+                            <a:noFill/>
+                          </a:ln>
+                          <a:solidFill>
+                            <a:prstClr val="white"/>
+                          </a:solidFill>
+                          <a:effectLst/>
+                          <a:uLnTx/>
+                          <a:uFillTx/>
+                          <a:latin typeface="+mn-lt"/>
+                          <a:ea typeface="+mn-ea"/>
+                          <a:cs typeface="+mn-cs"/>
+                        </a:rPr>
+                        <a:t>Avg. Running time</a:t>
+                      </a:r>
+                      <a:endParaRPr kumimoji="0" lang="he-IL" sz="2600" b="0" i="0" u="none" strike="noStrike" kern="1200" cap="none" spc="0" normalizeH="0" baseline="0" noProof="0" dirty="0">
+                        <a:ln>
+                          <a:noFill/>
+                        </a:ln>
+                        <a:solidFill>
+                          <a:prstClr val="white"/>
+                        </a:solidFill>
+                        <a:effectLst/>
+                        <a:uLnTx/>
+                        <a:uFillTx/>
+                        <a:latin typeface="Arial" panose="020B0604020202020204" pitchFamily="34" charset="0"/>
+                        <a:ea typeface="+mn-ea"/>
+                        <a:cs typeface="+mn-cs"/>
+                      </a:endParaRPr>
+                    </a:p>
+                  </a:txBody>
+                  <a:tcPr marL="68580" marR="68580" marT="9525" marB="0"/>
+                </a:tc>
+                <a:tc>
+                  <a:txBody>
+                    <a:bodyPr/>
+                    <a:lstStyle/>
+                    <a:p>
+                      <a:pPr algn="just" rtl="0" fontAlgn="t">
+                        <a:lnSpc>
+                          <a:spcPct val="107000"/>
+                        </a:lnSpc>
+                        <a:spcBef>
+                          <a:spcPts val="0"/>
+                        </a:spcBef>
+                        <a:spcAft>
+                          <a:spcPts val="800"/>
+                        </a:spcAft>
+                      </a:pPr>
+                      <a:r>
+                        <a:rPr lang="en-US" sz="2600" u="none" strike="noStrike" dirty="0">
+                          <a:effectLst/>
+                        </a:rPr>
+                        <a:t>Accuracy</a:t>
+                      </a:r>
+                      <a:endParaRPr lang="he-IL" sz="2600" b="0" i="0" u="none" strike="noStrike" dirty="0">
+                        <a:effectLst/>
+                        <a:latin typeface="Arial" panose="020B0604020202020204" pitchFamily="34" charset="0"/>
+                      </a:endParaRPr>
+                    </a:p>
+                  </a:txBody>
+                  <a:tcPr marL="68580" marR="68580" marT="9525" marB="0"/>
+                </a:tc>
+                <a:tc gridSpan="2">
+                  <a:txBody>
+                    <a:bodyPr/>
+                    <a:lstStyle/>
+                    <a:p>
+                      <a:pPr algn="just" rtl="0" fontAlgn="t">
+                        <a:lnSpc>
+                          <a:spcPct val="107000"/>
+                        </a:lnSpc>
+                        <a:spcBef>
+                          <a:spcPts val="0"/>
+                        </a:spcBef>
+                        <a:spcAft>
+                          <a:spcPts val="800"/>
+                        </a:spcAft>
+                      </a:pPr>
+                      <a:r>
+                        <a:rPr lang="en-US" sz="2600" b="1" i="0" u="none" strike="noStrike" dirty="0">
+                          <a:effectLst/>
+                          <a:latin typeface="Arial" panose="020B0604020202020204" pitchFamily="34" charset="0"/>
+                        </a:rPr>
+                        <a:t>Training method</a:t>
+                      </a:r>
+                      <a:endParaRPr lang="he-IL" sz="2600" b="1" i="0" u="none" strike="noStrike" dirty="0">
+                        <a:effectLst/>
+                        <a:latin typeface="Arial" panose="020B0604020202020204" pitchFamily="34" charset="0"/>
+                      </a:endParaRPr>
+                    </a:p>
+                  </a:txBody>
+                  <a:tcPr marL="68580" marR="68580" marT="9525" marB="0"/>
+                </a:tc>
+                <a:tc hMerge="1">
+                  <a:txBody>
+                    <a:bodyPr/>
+                    <a:lstStyle/>
+                    <a:p>
+                      <a:pPr rtl="1"/>
+                      <a:endParaRPr lang="he-IL"/>
+                    </a:p>
+                  </a:txBody>
+                  <a:tcPr/>
+                </a:tc>
+                <a:tc>
+                  <a:txBody>
+                    <a:bodyPr/>
+                    <a:lstStyle/>
+                    <a:p>
+                      <a:pPr algn="just" rtl="0" fontAlgn="t">
+                        <a:lnSpc>
+                          <a:spcPct val="107000"/>
+                        </a:lnSpc>
+                        <a:spcBef>
+                          <a:spcPts val="0"/>
+                        </a:spcBef>
+                        <a:spcAft>
+                          <a:spcPts val="800"/>
+                        </a:spcAft>
+                      </a:pPr>
+                      <a:r>
+                        <a:rPr lang="en-US" sz="2600" b="1" u="none" strike="noStrike" dirty="0" err="1">
+                          <a:effectLst/>
+                        </a:rPr>
+                        <a:t>Architechture</a:t>
+                      </a:r>
+                      <a:endParaRPr lang="he-IL" sz="2600" b="1" i="0" u="none" strike="noStrike" dirty="0">
+                        <a:effectLst/>
+                        <a:latin typeface="Arial" panose="020B0604020202020204" pitchFamily="34" charset="0"/>
+                      </a:endParaRPr>
+                    </a:p>
+                  </a:txBody>
+                  <a:tcPr marL="68580" marR="68580" marT="9525" marB="0"/>
+                </a:tc>
+                <a:extLst>
+                  <a:ext uri="{0D108BD9-81ED-4DB2-BD59-A6C34878D82A}">
+                    <a16:rowId xmlns:a16="http://schemas.microsoft.com/office/drawing/2014/main" val="1641273987"/>
+                  </a:ext>
+                </a:extLst>
+              </a:tr>
+              <a:tr h="635199">
+                <a:tc>
+                  <a:txBody>
+                    <a:bodyPr/>
+                    <a:lstStyle/>
+                    <a:p>
+                      <a:pPr algn="just" rtl="0" fontAlgn="t">
+                        <a:lnSpc>
+                          <a:spcPct val="107000"/>
+                        </a:lnSpc>
+                        <a:spcBef>
+                          <a:spcPts val="0"/>
+                        </a:spcBef>
+                        <a:spcAft>
+                          <a:spcPts val="800"/>
+                        </a:spcAft>
+                      </a:pPr>
+                      <a:endParaRPr lang="he-IL" sz="2600" b="0" i="0" u="none" strike="noStrike" dirty="0">
+                        <a:effectLst/>
+                        <a:latin typeface="Arial" panose="020B0604020202020204" pitchFamily="34" charset="0"/>
+                      </a:endParaRPr>
+                    </a:p>
+                  </a:txBody>
+                  <a:tcPr marL="68580" marR="68580" marT="9525" marB="0"/>
+                </a:tc>
+                <a:tc>
+                  <a:txBody>
+                    <a:bodyPr/>
+                    <a:lstStyle/>
+                    <a:p>
+                      <a:pPr algn="just" rtl="0" fontAlgn="t">
+                        <a:lnSpc>
+                          <a:spcPct val="107000"/>
+                        </a:lnSpc>
+                        <a:spcBef>
+                          <a:spcPts val="0"/>
+                        </a:spcBef>
+                        <a:spcAft>
+                          <a:spcPts val="800"/>
+                        </a:spcAft>
+                      </a:pPr>
+                      <a:endParaRPr lang="he-IL" sz="2600" b="0" i="0" u="none" strike="noStrike" dirty="0">
+                        <a:effectLst/>
+                        <a:latin typeface="Arial" panose="020B0604020202020204" pitchFamily="34" charset="0"/>
+                      </a:endParaRPr>
+                    </a:p>
+                  </a:txBody>
+                  <a:tcPr marL="68580" marR="68580" marT="9525" marB="0"/>
+                </a:tc>
+                <a:tc>
+                  <a:txBody>
+                    <a:bodyPr/>
+                    <a:lstStyle/>
+                    <a:p>
+                      <a:pPr algn="just" rtl="0" fontAlgn="t">
+                        <a:lnSpc>
+                          <a:spcPct val="107000"/>
+                        </a:lnSpc>
+                        <a:spcBef>
+                          <a:spcPts val="0"/>
+                        </a:spcBef>
+                        <a:spcAft>
+                          <a:spcPts val="800"/>
+                        </a:spcAft>
+                      </a:pPr>
+                      <a:r>
+                        <a:rPr lang="en-US" sz="2600" u="none" strike="noStrike" dirty="0">
+                          <a:effectLst/>
+                        </a:rPr>
+                        <a:t>Distributed </a:t>
+                      </a:r>
+                      <a:r>
+                        <a:rPr lang="en-US" sz="2600" b="0" i="0" dirty="0">
+                          <a:solidFill>
+                            <a:srgbClr val="333333"/>
+                          </a:solidFill>
+                          <a:effectLst/>
+                          <a:latin typeface="Assistant"/>
+                        </a:rPr>
+                        <a:t>deletion</a:t>
+                      </a:r>
+                      <a:r>
+                        <a:rPr lang="en-US" sz="2600" u="none" strike="noStrike" dirty="0">
+                          <a:effectLst/>
+                        </a:rPr>
+                        <a:t> </a:t>
+                      </a:r>
+                      <a:endParaRPr lang="he-IL" sz="2600" b="0" i="0" u="none" strike="noStrike" dirty="0">
+                        <a:effectLst/>
+                        <a:latin typeface="Arial" panose="020B0604020202020204" pitchFamily="34" charset="0"/>
+                      </a:endParaRPr>
+                    </a:p>
+                  </a:txBody>
+                  <a:tcPr marL="68580" marR="68580" marT="9525" marB="0"/>
+                </a:tc>
+                <a:tc>
+                  <a:txBody>
+                    <a:bodyPr/>
+                    <a:lstStyle/>
+                    <a:p>
+                      <a:pPr algn="just" rtl="0" fontAlgn="t">
+                        <a:lnSpc>
+                          <a:spcPct val="107000"/>
+                        </a:lnSpc>
+                        <a:spcBef>
+                          <a:spcPts val="0"/>
+                        </a:spcBef>
+                        <a:spcAft>
+                          <a:spcPts val="800"/>
+                        </a:spcAft>
+                      </a:pPr>
+                      <a:r>
+                        <a:rPr lang="en-US" sz="2600" u="none" strike="noStrike" dirty="0">
+                          <a:effectLst/>
+                        </a:rPr>
+                        <a:t>Proper</a:t>
+                      </a:r>
+                      <a:endParaRPr lang="he-IL" sz="2600" b="0" i="0" u="none" strike="noStrike" dirty="0">
+                        <a:effectLst/>
+                        <a:latin typeface="Arial" panose="020B0604020202020204" pitchFamily="34" charset="0"/>
+                      </a:endParaRPr>
+                    </a:p>
+                  </a:txBody>
+                  <a:tcPr marL="68580" marR="68580" marT="9525" marB="0"/>
+                </a:tc>
+                <a:tc>
+                  <a:txBody>
+                    <a:bodyPr/>
+                    <a:lstStyle/>
+                    <a:p>
+                      <a:pPr algn="just" rtl="0" fontAlgn="t">
+                        <a:lnSpc>
+                          <a:spcPct val="107000"/>
+                        </a:lnSpc>
+                        <a:spcBef>
+                          <a:spcPts val="0"/>
+                        </a:spcBef>
+                        <a:spcAft>
+                          <a:spcPts val="800"/>
+                        </a:spcAft>
+                      </a:pPr>
+                      <a:r>
+                        <a:rPr lang="en-US" sz="2600" u="none" strike="noStrike" dirty="0">
+                          <a:effectLst/>
+                        </a:rPr>
+                        <a:t>FC</a:t>
+                      </a:r>
+                      <a:endParaRPr lang="en-US" sz="2600" b="0" i="0" u="none" strike="noStrike" dirty="0">
+                        <a:effectLst/>
+                        <a:latin typeface="Arial" panose="020B0604020202020204" pitchFamily="34" charset="0"/>
+                      </a:endParaRPr>
+                    </a:p>
+                  </a:txBody>
+                  <a:tcPr marL="68580" marR="68580" marT="9525" marB="0"/>
+                </a:tc>
+                <a:extLst>
+                  <a:ext uri="{0D108BD9-81ED-4DB2-BD59-A6C34878D82A}">
+                    <a16:rowId xmlns:a16="http://schemas.microsoft.com/office/drawing/2014/main" val="1095866486"/>
+                  </a:ext>
+                </a:extLst>
+              </a:tr>
+              <a:tr h="635199">
+                <a:tc>
+                  <a:txBody>
+                    <a:bodyPr/>
+                    <a:lstStyle/>
+                    <a:p>
+                      <a:pPr algn="just" rtl="0" fontAlgn="t">
+                        <a:lnSpc>
+                          <a:spcPct val="107000"/>
+                        </a:lnSpc>
+                        <a:spcBef>
+                          <a:spcPts val="0"/>
+                        </a:spcBef>
+                        <a:spcAft>
+                          <a:spcPts val="800"/>
+                        </a:spcAft>
+                      </a:pPr>
+                      <a:endParaRPr lang="he-IL" sz="2600" b="0" i="0" u="none" strike="noStrike" dirty="0">
+                        <a:effectLst/>
+                        <a:latin typeface="Arial" panose="020B0604020202020204" pitchFamily="34" charset="0"/>
+                      </a:endParaRPr>
+                    </a:p>
+                  </a:txBody>
+                  <a:tcPr marL="68580" marR="68580" marT="9525" marB="0"/>
+                </a:tc>
+                <a:tc>
+                  <a:txBody>
+                    <a:bodyPr/>
+                    <a:lstStyle/>
+                    <a:p>
+                      <a:pPr algn="just" rtl="0" fontAlgn="t">
+                        <a:lnSpc>
+                          <a:spcPct val="107000"/>
+                        </a:lnSpc>
+                        <a:spcBef>
+                          <a:spcPts val="0"/>
+                        </a:spcBef>
+                        <a:spcAft>
+                          <a:spcPts val="800"/>
+                        </a:spcAft>
+                      </a:pPr>
+                      <a:endParaRPr lang="he-IL" sz="2600" b="0" i="0" u="none" strike="noStrike" dirty="0">
+                        <a:effectLst/>
+                        <a:latin typeface="Arial" panose="020B0604020202020204" pitchFamily="34" charset="0"/>
+                      </a:endParaRPr>
+                    </a:p>
+                  </a:txBody>
+                  <a:tcPr marL="68580" marR="68580" marT="9525" marB="0"/>
+                </a:tc>
+                <a:tc>
+                  <a:txBody>
+                    <a:bodyPr/>
+                    <a:lstStyle/>
+                    <a:p>
+                      <a:pPr algn="just" rtl="0" fontAlgn="t">
+                        <a:lnSpc>
+                          <a:spcPct val="107000"/>
+                        </a:lnSpc>
+                        <a:spcBef>
+                          <a:spcPts val="0"/>
+                        </a:spcBef>
+                        <a:spcAft>
+                          <a:spcPts val="800"/>
+                        </a:spcAft>
+                      </a:pPr>
+                      <a:r>
+                        <a:rPr lang="en-US" sz="2600" u="none" strike="noStrike" dirty="0">
+                          <a:effectLst/>
+                        </a:rPr>
+                        <a:t>Undistributed </a:t>
+                      </a:r>
+                      <a:r>
+                        <a:rPr lang="en-US" sz="2600" b="0" i="0" dirty="0">
+                          <a:solidFill>
+                            <a:srgbClr val="333333"/>
+                          </a:solidFill>
+                          <a:effectLst/>
+                          <a:latin typeface="Assistant"/>
+                        </a:rPr>
+                        <a:t>deletion</a:t>
+                      </a:r>
+                      <a:r>
+                        <a:rPr lang="en-US" sz="2600" u="none" strike="noStrike" dirty="0">
+                          <a:effectLst/>
+                        </a:rPr>
+                        <a:t> </a:t>
+                      </a:r>
+                      <a:endParaRPr lang="he-IL" sz="2600" b="0" i="0" u="none" strike="noStrike" dirty="0">
+                        <a:effectLst/>
+                        <a:latin typeface="Arial" panose="020B0604020202020204" pitchFamily="34" charset="0"/>
+                      </a:endParaRPr>
+                    </a:p>
+                  </a:txBody>
+                  <a:tcPr marL="68580" marR="68580" marT="9525" marB="0"/>
+                </a:tc>
+                <a:tc>
+                  <a:txBody>
+                    <a:bodyPr/>
+                    <a:lstStyle/>
+                    <a:p>
+                      <a:pPr algn="just" rtl="0" fontAlgn="t">
+                        <a:lnSpc>
+                          <a:spcPct val="107000"/>
+                        </a:lnSpc>
+                        <a:spcBef>
+                          <a:spcPts val="0"/>
+                        </a:spcBef>
+                        <a:spcAft>
+                          <a:spcPts val="800"/>
+                        </a:spcAft>
+                      </a:pPr>
+                      <a:r>
+                        <a:rPr lang="en-US" sz="2600" u="none" strike="noStrike" dirty="0">
+                          <a:effectLst/>
+                        </a:rPr>
+                        <a:t>Proper</a:t>
+                      </a:r>
+                      <a:r>
+                        <a:rPr lang="he-IL" sz="2600" u="none" strike="noStrike" dirty="0">
+                          <a:effectLst/>
+                        </a:rPr>
+                        <a:t> </a:t>
+                      </a:r>
+                      <a:endParaRPr lang="he-IL" sz="2600" b="0" i="0" u="none" strike="noStrike" dirty="0">
+                        <a:effectLst/>
+                        <a:latin typeface="Arial" panose="020B0604020202020204" pitchFamily="34" charset="0"/>
+                      </a:endParaRPr>
+                    </a:p>
+                  </a:txBody>
+                  <a:tcPr marL="68580" marR="68580" marT="9525" marB="0"/>
+                </a:tc>
+                <a:tc>
+                  <a:txBody>
+                    <a:bodyPr/>
+                    <a:lstStyle/>
+                    <a:p>
+                      <a:pPr algn="just" rtl="0" fontAlgn="t">
+                        <a:lnSpc>
+                          <a:spcPct val="107000"/>
+                        </a:lnSpc>
+                        <a:spcBef>
+                          <a:spcPts val="0"/>
+                        </a:spcBef>
+                        <a:spcAft>
+                          <a:spcPts val="800"/>
+                        </a:spcAft>
+                      </a:pPr>
+                      <a:r>
+                        <a:rPr lang="en-US" sz="2600" u="none" strike="noStrike" dirty="0">
+                          <a:effectLst/>
+                        </a:rPr>
+                        <a:t>FC</a:t>
+                      </a:r>
+                      <a:endParaRPr lang="en-US" sz="2600" b="0" i="0" u="none" strike="noStrike" dirty="0">
+                        <a:effectLst/>
+                        <a:latin typeface="Arial" panose="020B0604020202020204" pitchFamily="34" charset="0"/>
+                      </a:endParaRPr>
+                    </a:p>
+                  </a:txBody>
+                  <a:tcPr marL="68580" marR="68580" marT="9525" marB="0"/>
+                </a:tc>
+                <a:extLst>
+                  <a:ext uri="{0D108BD9-81ED-4DB2-BD59-A6C34878D82A}">
+                    <a16:rowId xmlns:a16="http://schemas.microsoft.com/office/drawing/2014/main" val="2510404107"/>
+                  </a:ext>
+                </a:extLst>
+              </a:tr>
+              <a:tr h="635199">
+                <a:tc>
+                  <a:txBody>
+                    <a:bodyPr/>
+                    <a:lstStyle/>
+                    <a:p>
+                      <a:pPr algn="just" rtl="0" fontAlgn="t">
+                        <a:lnSpc>
+                          <a:spcPct val="107000"/>
+                        </a:lnSpc>
+                        <a:spcBef>
+                          <a:spcPts val="0"/>
+                        </a:spcBef>
+                        <a:spcAft>
+                          <a:spcPts val="800"/>
+                        </a:spcAft>
+                      </a:pPr>
+                      <a:endParaRPr lang="he-IL" sz="2600" b="0" i="0" u="none" strike="noStrike" dirty="0">
+                        <a:effectLst/>
+                        <a:latin typeface="Arial" panose="020B0604020202020204" pitchFamily="34" charset="0"/>
+                      </a:endParaRPr>
+                    </a:p>
+                  </a:txBody>
+                  <a:tcPr marL="68580" marR="68580" marT="9525" marB="0"/>
+                </a:tc>
+                <a:tc>
+                  <a:txBody>
+                    <a:bodyPr/>
+                    <a:lstStyle/>
+                    <a:p>
+                      <a:pPr algn="just" rtl="0" fontAlgn="t">
+                        <a:lnSpc>
+                          <a:spcPct val="107000"/>
+                        </a:lnSpc>
+                        <a:spcBef>
+                          <a:spcPts val="0"/>
+                        </a:spcBef>
+                        <a:spcAft>
+                          <a:spcPts val="800"/>
+                        </a:spcAft>
+                      </a:pPr>
+                      <a:endParaRPr lang="he-IL" sz="2600" b="0" i="0" u="none" strike="noStrike" dirty="0">
+                        <a:effectLst/>
+                        <a:latin typeface="Arial" panose="020B0604020202020204" pitchFamily="34" charset="0"/>
+                      </a:endParaRPr>
+                    </a:p>
+                  </a:txBody>
+                  <a:tcPr marL="68580" marR="68580" marT="9525" marB="0"/>
+                </a:tc>
+                <a:tc>
+                  <a:txBody>
+                    <a:bodyPr/>
+                    <a:lstStyle/>
+                    <a:p>
+                      <a:pPr algn="just" rtl="0" fontAlgn="t">
+                        <a:lnSpc>
+                          <a:spcPct val="107000"/>
+                        </a:lnSpc>
+                        <a:spcBef>
+                          <a:spcPts val="0"/>
+                        </a:spcBef>
+                        <a:spcAft>
+                          <a:spcPts val="800"/>
+                        </a:spcAft>
+                      </a:pPr>
+                      <a:r>
+                        <a:rPr lang="en-US" sz="2600" u="none" strike="noStrike" dirty="0">
+                          <a:effectLst/>
+                        </a:rPr>
+                        <a:t>Distributed </a:t>
+                      </a:r>
+                      <a:r>
+                        <a:rPr lang="en-US" sz="2600" b="0" i="0" dirty="0">
+                          <a:solidFill>
+                            <a:srgbClr val="333333"/>
+                          </a:solidFill>
+                          <a:effectLst/>
+                          <a:latin typeface="Assistant"/>
+                        </a:rPr>
+                        <a:t>deletion</a:t>
+                      </a:r>
+                      <a:r>
+                        <a:rPr lang="en-US" sz="2600" u="none" strike="noStrike" dirty="0">
+                          <a:effectLst/>
+                        </a:rPr>
+                        <a:t> </a:t>
+                      </a:r>
+                      <a:endParaRPr lang="he-IL" sz="2600" b="0" i="0" u="none" strike="noStrike" dirty="0">
+                        <a:effectLst/>
+                        <a:latin typeface="Arial" panose="020B0604020202020204" pitchFamily="34" charset="0"/>
+                      </a:endParaRPr>
+                    </a:p>
+                  </a:txBody>
+                  <a:tcPr marL="68580" marR="68580" marT="9525" marB="0"/>
+                </a:tc>
+                <a:tc>
+                  <a:txBody>
+                    <a:bodyPr/>
+                    <a:lstStyle/>
+                    <a:p>
+                      <a:pPr algn="just" rtl="0" fontAlgn="t">
+                        <a:lnSpc>
+                          <a:spcPct val="107000"/>
+                        </a:lnSpc>
+                        <a:spcBef>
+                          <a:spcPts val="0"/>
+                        </a:spcBef>
+                        <a:spcAft>
+                          <a:spcPts val="800"/>
+                        </a:spcAft>
+                      </a:pPr>
+                      <a:r>
+                        <a:rPr lang="en-US" sz="2600" u="none" strike="noStrike" dirty="0">
+                          <a:effectLst/>
+                        </a:rPr>
+                        <a:t>Unproper</a:t>
+                      </a:r>
+                      <a:endParaRPr lang="he-IL" sz="2600" b="0" i="0" u="none" strike="noStrike" dirty="0">
+                        <a:effectLst/>
+                        <a:latin typeface="Arial" panose="020B0604020202020204" pitchFamily="34" charset="0"/>
+                      </a:endParaRPr>
+                    </a:p>
+                  </a:txBody>
+                  <a:tcPr marL="68580" marR="68580" marT="9525" marB="0"/>
+                </a:tc>
+                <a:tc>
+                  <a:txBody>
+                    <a:bodyPr/>
+                    <a:lstStyle/>
+                    <a:p>
+                      <a:pPr algn="just" rtl="0" fontAlgn="t">
+                        <a:lnSpc>
+                          <a:spcPct val="107000"/>
+                        </a:lnSpc>
+                        <a:spcBef>
+                          <a:spcPts val="0"/>
+                        </a:spcBef>
+                        <a:spcAft>
+                          <a:spcPts val="800"/>
+                        </a:spcAft>
+                      </a:pPr>
+                      <a:r>
+                        <a:rPr lang="en-US" sz="2600" u="none" strike="noStrike" dirty="0">
+                          <a:effectLst/>
+                        </a:rPr>
+                        <a:t>FC</a:t>
+                      </a:r>
+                      <a:endParaRPr lang="en-US" sz="2600" b="0" i="0" u="none" strike="noStrike" dirty="0">
+                        <a:effectLst/>
+                        <a:latin typeface="Arial" panose="020B0604020202020204" pitchFamily="34" charset="0"/>
+                      </a:endParaRPr>
+                    </a:p>
+                  </a:txBody>
+                  <a:tcPr marL="68580" marR="68580" marT="9525" marB="0"/>
+                </a:tc>
+                <a:extLst>
+                  <a:ext uri="{0D108BD9-81ED-4DB2-BD59-A6C34878D82A}">
+                    <a16:rowId xmlns:a16="http://schemas.microsoft.com/office/drawing/2014/main" val="2186026366"/>
+                  </a:ext>
+                </a:extLst>
+              </a:tr>
+              <a:tr h="635199">
+                <a:tc>
+                  <a:txBody>
+                    <a:bodyPr/>
+                    <a:lstStyle/>
+                    <a:p>
+                      <a:pPr algn="just" rtl="0" fontAlgn="t">
+                        <a:lnSpc>
+                          <a:spcPct val="107000"/>
+                        </a:lnSpc>
+                        <a:spcBef>
+                          <a:spcPts val="0"/>
+                        </a:spcBef>
+                        <a:spcAft>
+                          <a:spcPts val="800"/>
+                        </a:spcAft>
+                      </a:pPr>
+                      <a:endParaRPr lang="he-IL" sz="2600" b="0" i="0" u="none" strike="noStrike" dirty="0">
+                        <a:effectLst/>
+                        <a:latin typeface="Arial" panose="020B0604020202020204" pitchFamily="34" charset="0"/>
+                      </a:endParaRPr>
+                    </a:p>
+                  </a:txBody>
+                  <a:tcPr marL="68580" marR="68580" marT="9525" marB="0"/>
+                </a:tc>
+                <a:tc>
+                  <a:txBody>
+                    <a:bodyPr/>
+                    <a:lstStyle/>
+                    <a:p>
+                      <a:pPr algn="just" rtl="0" fontAlgn="t">
+                        <a:lnSpc>
+                          <a:spcPct val="107000"/>
+                        </a:lnSpc>
+                        <a:spcBef>
+                          <a:spcPts val="0"/>
+                        </a:spcBef>
+                        <a:spcAft>
+                          <a:spcPts val="800"/>
+                        </a:spcAft>
+                      </a:pPr>
+                      <a:endParaRPr lang="he-IL" sz="2600" b="0" i="0" u="none" strike="noStrike" dirty="0">
+                        <a:effectLst/>
+                        <a:latin typeface="Arial" panose="020B0604020202020204" pitchFamily="34" charset="0"/>
+                      </a:endParaRPr>
+                    </a:p>
+                  </a:txBody>
+                  <a:tcPr marL="68580" marR="68580" marT="9525" marB="0"/>
+                </a:tc>
+                <a:tc>
+                  <a:txBody>
+                    <a:bodyPr/>
+                    <a:lstStyle/>
+                    <a:p>
+                      <a:pPr algn="just" rtl="0" fontAlgn="t">
+                        <a:lnSpc>
+                          <a:spcPct val="107000"/>
+                        </a:lnSpc>
+                        <a:spcBef>
+                          <a:spcPts val="0"/>
+                        </a:spcBef>
+                        <a:spcAft>
+                          <a:spcPts val="800"/>
+                        </a:spcAft>
+                      </a:pPr>
+                      <a:r>
+                        <a:rPr lang="en-US" sz="2600" u="none" strike="noStrike" dirty="0">
+                          <a:effectLst/>
+                        </a:rPr>
+                        <a:t>Distributed </a:t>
+                      </a:r>
+                      <a:r>
+                        <a:rPr lang="en-US" sz="2600" b="0" i="0" dirty="0">
+                          <a:solidFill>
+                            <a:srgbClr val="333333"/>
+                          </a:solidFill>
+                          <a:effectLst/>
+                          <a:latin typeface="Assistant"/>
+                        </a:rPr>
+                        <a:t>deletion</a:t>
+                      </a:r>
+                      <a:r>
+                        <a:rPr lang="en-US" sz="2600" u="none" strike="noStrike" dirty="0">
+                          <a:effectLst/>
+                        </a:rPr>
+                        <a:t> </a:t>
+                      </a:r>
+                      <a:endParaRPr lang="he-IL" sz="2600" b="0" i="0" u="none" strike="noStrike" dirty="0">
+                        <a:effectLst/>
+                        <a:latin typeface="Arial" panose="020B0604020202020204" pitchFamily="34" charset="0"/>
+                      </a:endParaRPr>
+                    </a:p>
+                  </a:txBody>
+                  <a:tcPr marL="68580" marR="68580" marT="9525" marB="0"/>
+                </a:tc>
+                <a:tc>
+                  <a:txBody>
+                    <a:bodyPr/>
+                    <a:lstStyle/>
+                    <a:p>
+                      <a:pPr algn="just" rtl="0" fontAlgn="t">
+                        <a:lnSpc>
+                          <a:spcPct val="107000"/>
+                        </a:lnSpc>
+                        <a:spcBef>
+                          <a:spcPts val="0"/>
+                        </a:spcBef>
+                        <a:spcAft>
+                          <a:spcPts val="800"/>
+                        </a:spcAft>
+                      </a:pPr>
+                      <a:r>
+                        <a:rPr lang="en-US" sz="2600" u="none" strike="noStrike" dirty="0">
+                          <a:effectLst/>
+                        </a:rPr>
+                        <a:t>Proper</a:t>
+                      </a:r>
+                      <a:r>
+                        <a:rPr lang="he-IL" sz="2600" u="none" strike="noStrike" dirty="0">
+                          <a:effectLst/>
+                        </a:rPr>
+                        <a:t> </a:t>
+                      </a:r>
+                      <a:endParaRPr lang="he-IL" sz="2600" b="0" i="0" u="none" strike="noStrike" dirty="0">
+                        <a:effectLst/>
+                        <a:latin typeface="Arial" panose="020B0604020202020204" pitchFamily="34" charset="0"/>
+                      </a:endParaRPr>
+                    </a:p>
+                  </a:txBody>
+                  <a:tcPr marL="68580" marR="68580" marT="9525" marB="0"/>
+                </a:tc>
+                <a:tc>
+                  <a:txBody>
+                    <a:bodyPr/>
+                    <a:lstStyle/>
+                    <a:p>
+                      <a:pPr algn="just" rtl="0" fontAlgn="t">
+                        <a:lnSpc>
+                          <a:spcPct val="107000"/>
+                        </a:lnSpc>
+                        <a:spcBef>
+                          <a:spcPts val="0"/>
+                        </a:spcBef>
+                        <a:spcAft>
+                          <a:spcPts val="800"/>
+                        </a:spcAft>
+                      </a:pPr>
+                      <a:r>
+                        <a:rPr lang="en-US" sz="2600" u="none" strike="noStrike" dirty="0">
+                          <a:effectLst/>
+                        </a:rPr>
+                        <a:t>CNN</a:t>
+                      </a:r>
+                      <a:endParaRPr lang="en-US" sz="2600" b="0" i="0" u="none" strike="noStrike" dirty="0">
+                        <a:effectLst/>
+                        <a:latin typeface="Arial" panose="020B0604020202020204" pitchFamily="34" charset="0"/>
+                      </a:endParaRPr>
+                    </a:p>
+                  </a:txBody>
+                  <a:tcPr marL="68580" marR="68580" marT="9525" marB="0"/>
+                </a:tc>
+                <a:extLst>
+                  <a:ext uri="{0D108BD9-81ED-4DB2-BD59-A6C34878D82A}">
+                    <a16:rowId xmlns:a16="http://schemas.microsoft.com/office/drawing/2014/main" val="1203903002"/>
+                  </a:ext>
+                </a:extLst>
+              </a:tr>
+            </a:tbl>
+          </a:graphicData>
+        </a:graphic>
+      </p:graphicFrame>
+    </p:spTree>
+    <p:extLst>
+      <p:ext uri="{BB962C8B-B14F-4D97-AF65-F5344CB8AC3E}">
+        <p14:creationId xmlns:p14="http://schemas.microsoft.com/office/powerpoint/2010/main" val="231473025"/>
+      </p:ext>
+    </p:extLst>
+  </p:cSld>
+  <p:clrMapOvr>
+    <a:masterClrMapping/>
+  </p:clrMapOvr>
+</p:sld>
+</file>
+
+<file path=ppt/slides/slide12.xml><?xml version="1.0" encoding="utf-8"?>
+<p:sld xmlns:a="http://schemas.openxmlformats.org/drawingml/2006/main" xmlns:r="http://schemas.openxmlformats.org/officeDocument/2006/relationships" xmlns:p="http://schemas.openxmlformats.org/presentationml/2006/main">
+  <p:cSld>
+    <p:spTree>
+      <p:nvGrpSpPr>
+        <p:cNvPr id="1" name=""/>
+        <p:cNvGrpSpPr/>
+        <p:nvPr/>
+      </p:nvGrpSpPr>
+      <p:grpSpPr>
+        <a:xfrm>
+          <a:off x="0" y="0"/>
+          <a:ext cx="0" cy="0"/>
+          <a:chOff x="0" y="0"/>
+          <a:chExt cx="0" cy="0"/>
+        </a:xfrm>
+      </p:grpSpPr>
+      <p:sp>
+        <p:nvSpPr>
+          <p:cNvPr id="2" name="כותרת 1">
+            <a:extLst>
+              <a:ext uri="{FF2B5EF4-FFF2-40B4-BE49-F238E27FC236}">
+                <a16:creationId xmlns:a16="http://schemas.microsoft.com/office/drawing/2014/main" id="{5480E490-6E4D-4338-BB9A-E6695C515733}"/>
+              </a:ext>
+            </a:extLst>
+          </p:cNvPr>
+          <p:cNvSpPr>
+            <a:spLocks noGrp="1"/>
+          </p:cNvSpPr>
+          <p:nvPr>
+            <p:ph type="title"/>
+          </p:nvPr>
+        </p:nvSpPr>
+        <p:spPr/>
+        <p:txBody>
+          <a:bodyPr/>
+          <a:lstStyle/>
+          <a:p>
+            <a:pPr algn="ctr"/>
+            <a:r>
+              <a:rPr lang="en-US" dirty="0">
+                <a:solidFill>
+                  <a:srgbClr val="002060"/>
+                </a:solidFill>
+                <a:latin typeface="Calibri"/>
+              </a:rPr>
+              <a:t>Visualizations</a:t>
+            </a:r>
+            <a:endParaRPr lang="he-IL" dirty="0">
+              <a:solidFill>
+                <a:srgbClr val="002060"/>
+              </a:solidFill>
+              <a:latin typeface="Calibri"/>
+            </a:endParaRPr>
+          </a:p>
+        </p:txBody>
+      </p:sp>
+      <p:sp>
+        <p:nvSpPr>
+          <p:cNvPr id="3" name="מציין מיקום תוכן 2">
+            <a:extLst>
+              <a:ext uri="{FF2B5EF4-FFF2-40B4-BE49-F238E27FC236}">
+                <a16:creationId xmlns:a16="http://schemas.microsoft.com/office/drawing/2014/main" id="{4E953C7B-A8C0-430E-A2AA-272B223256CE}"/>
+              </a:ext>
+            </a:extLst>
+          </p:cNvPr>
+          <p:cNvSpPr>
+            <a:spLocks noGrp="1"/>
+          </p:cNvSpPr>
+          <p:nvPr>
+            <p:ph idx="1"/>
+          </p:nvPr>
+        </p:nvSpPr>
+        <p:spPr/>
+        <p:txBody>
+          <a:bodyPr/>
+          <a:lstStyle/>
+          <a:p>
+            <a:pPr lvl="1" algn="l" rtl="0"/>
+            <a:r>
+              <a:rPr lang="he-IL" dirty="0"/>
+              <a:t>לשים תמונות של מטריצת בלבול ושל פילוג המחוקים בטסט </a:t>
+            </a:r>
+            <a:r>
+              <a:rPr lang="he-IL" dirty="0" err="1"/>
+              <a:t>דאטא</a:t>
+            </a:r>
+            <a:endParaRPr lang="en-US" dirty="0"/>
+          </a:p>
+          <a:p>
+            <a:pPr lvl="1" algn="l" rtl="0"/>
+            <a:endParaRPr lang="he-IL" dirty="0"/>
+          </a:p>
+        </p:txBody>
+      </p:sp>
+    </p:spTree>
+    <p:extLst>
+      <p:ext uri="{BB962C8B-B14F-4D97-AF65-F5344CB8AC3E}">
+        <p14:creationId xmlns:p14="http://schemas.microsoft.com/office/powerpoint/2010/main" val="3044017282"/>
+      </p:ext>
+    </p:extLst>
+  </p:cSld>
+  <p:clrMapOvr>
+    <a:masterClrMapping/>
+  </p:clrMapOvr>
+</p:sld>
+</file>
+
+<file path=ppt/slides/slide13.xml><?xml version="1.0" encoding="utf-8"?>
+<p:sld xmlns:a="http://schemas.openxmlformats.org/drawingml/2006/main" xmlns:r="http://schemas.openxmlformats.org/officeDocument/2006/relationships" xmlns:p="http://schemas.openxmlformats.org/presentationml/2006/main">
+  <p:cSld>
+    <p:spTree>
+      <p:nvGrpSpPr>
+        <p:cNvPr id="1" name=""/>
+        <p:cNvGrpSpPr/>
+        <p:nvPr/>
+      </p:nvGrpSpPr>
+      <p:grpSpPr>
+        <a:xfrm>
+          <a:off x="0" y="0"/>
+          <a:ext cx="0" cy="0"/>
+          <a:chOff x="0" y="0"/>
+          <a:chExt cx="0" cy="0"/>
+        </a:xfrm>
+      </p:grpSpPr>
+      <p:sp>
+        <p:nvSpPr>
+          <p:cNvPr id="2" name="כותרת 1">
+            <a:extLst>
+              <a:ext uri="{FF2B5EF4-FFF2-40B4-BE49-F238E27FC236}">
+                <a16:creationId xmlns:a16="http://schemas.microsoft.com/office/drawing/2014/main" id="{5480E490-6E4D-4338-BB9A-E6695C515733}"/>
+              </a:ext>
+            </a:extLst>
+          </p:cNvPr>
+          <p:cNvSpPr>
+            <a:spLocks noGrp="1"/>
+          </p:cNvSpPr>
+          <p:nvPr>
+            <p:ph type="title"/>
+          </p:nvPr>
+        </p:nvSpPr>
+        <p:spPr/>
+        <p:txBody>
+          <a:bodyPr/>
+          <a:lstStyle/>
+          <a:p>
+            <a:pPr algn="ctr"/>
+            <a:r>
+              <a:rPr lang="en-US" dirty="0">
+                <a:solidFill>
+                  <a:srgbClr val="002060"/>
+                </a:solidFill>
+                <a:latin typeface="Calibri"/>
+              </a:rPr>
+              <a:t>Analyzing the net</a:t>
+            </a:r>
+            <a:endParaRPr lang="he-IL" dirty="0">
+              <a:solidFill>
+                <a:srgbClr val="002060"/>
+              </a:solidFill>
+              <a:latin typeface="Calibri"/>
+            </a:endParaRPr>
+          </a:p>
+        </p:txBody>
+      </p:sp>
+      <p:sp>
+        <p:nvSpPr>
+          <p:cNvPr id="3" name="מציין מיקום תוכן 2">
+            <a:extLst>
+              <a:ext uri="{FF2B5EF4-FFF2-40B4-BE49-F238E27FC236}">
+                <a16:creationId xmlns:a16="http://schemas.microsoft.com/office/drawing/2014/main" id="{4E953C7B-A8C0-430E-A2AA-272B223256CE}"/>
+              </a:ext>
+            </a:extLst>
+          </p:cNvPr>
+          <p:cNvSpPr>
+            <a:spLocks noGrp="1"/>
+          </p:cNvSpPr>
+          <p:nvPr>
+            <p:ph idx="1"/>
+          </p:nvPr>
+        </p:nvSpPr>
+        <p:spPr/>
+        <p:txBody>
+          <a:bodyPr/>
+          <a:lstStyle/>
+          <a:p>
+            <a:pPr lvl="1" algn="l" rtl="0"/>
+            <a:r>
+              <a:rPr lang="he-IL" dirty="0"/>
+              <a:t>לשים תמונות של עקיבה אחרי לוח ואחרי תא</a:t>
+            </a:r>
+            <a:endParaRPr lang="en-US" dirty="0"/>
+          </a:p>
+          <a:p>
+            <a:pPr lvl="1" algn="l" rtl="0"/>
+            <a:endParaRPr lang="he-IL" dirty="0"/>
+          </a:p>
+        </p:txBody>
+      </p:sp>
+    </p:spTree>
+    <p:extLst>
+      <p:ext uri="{BB962C8B-B14F-4D97-AF65-F5344CB8AC3E}">
+        <p14:creationId xmlns:p14="http://schemas.microsoft.com/office/powerpoint/2010/main" val="4182289390"/>
+      </p:ext>
+    </p:extLst>
+  </p:cSld>
+  <p:clrMapOvr>
+    <a:masterClrMapping/>
+  </p:clrMapOvr>
+</p:sld>
+</file>
+
+<file path=ppt/slides/slide14.xml><?xml version="1.0" encoding="utf-8"?>
+<p:sld xmlns:a="http://schemas.openxmlformats.org/drawingml/2006/main" xmlns:r="http://schemas.openxmlformats.org/officeDocument/2006/relationships" xmlns:p="http://schemas.openxmlformats.org/presentationml/2006/main">
+  <p:cSld>
+    <p:spTree>
+      <p:nvGrpSpPr>
+        <p:cNvPr id="1" name=""/>
+        <p:cNvGrpSpPr/>
+        <p:nvPr/>
+      </p:nvGrpSpPr>
+      <p:grpSpPr>
+        <a:xfrm>
+          <a:off x="0" y="0"/>
+          <a:ext cx="0" cy="0"/>
+          <a:chOff x="0" y="0"/>
+          <a:chExt cx="0" cy="0"/>
+        </a:xfrm>
+      </p:grpSpPr>
+      <p:sp>
+        <p:nvSpPr>
+          <p:cNvPr id="2" name="כותרת 1">
+            <a:extLst>
+              <a:ext uri="{FF2B5EF4-FFF2-40B4-BE49-F238E27FC236}">
+                <a16:creationId xmlns:a16="http://schemas.microsoft.com/office/drawing/2014/main" id="{5480E490-6E4D-4338-BB9A-E6695C515733}"/>
+              </a:ext>
+            </a:extLst>
+          </p:cNvPr>
+          <p:cNvSpPr>
+            <a:spLocks noGrp="1"/>
+          </p:cNvSpPr>
+          <p:nvPr>
+            <p:ph type="title"/>
+          </p:nvPr>
+        </p:nvSpPr>
+        <p:spPr/>
+        <p:txBody>
+          <a:bodyPr/>
+          <a:lstStyle/>
+          <a:p>
+            <a:pPr algn="ctr"/>
+            <a:r>
+              <a:rPr lang="en-US" dirty="0">
+                <a:solidFill>
+                  <a:srgbClr val="002060"/>
+                </a:solidFill>
+                <a:latin typeface="Calibri"/>
+              </a:rPr>
+              <a:t>Analyzing the net</a:t>
+            </a:r>
+            <a:endParaRPr lang="he-IL" dirty="0">
+              <a:solidFill>
+                <a:srgbClr val="002060"/>
+              </a:solidFill>
+              <a:latin typeface="Calibri"/>
+            </a:endParaRPr>
+          </a:p>
+        </p:txBody>
+      </p:sp>
+      <p:sp>
+        <p:nvSpPr>
+          <p:cNvPr id="3" name="מציין מיקום תוכן 2">
+            <a:extLst>
+              <a:ext uri="{FF2B5EF4-FFF2-40B4-BE49-F238E27FC236}">
+                <a16:creationId xmlns:a16="http://schemas.microsoft.com/office/drawing/2014/main" id="{4E953C7B-A8C0-430E-A2AA-272B223256CE}"/>
+              </a:ext>
+            </a:extLst>
+          </p:cNvPr>
+          <p:cNvSpPr>
+            <a:spLocks noGrp="1"/>
+          </p:cNvSpPr>
+          <p:nvPr>
+            <p:ph idx="1"/>
+          </p:nvPr>
+        </p:nvSpPr>
+        <p:spPr/>
+        <p:txBody>
+          <a:bodyPr/>
+          <a:lstStyle/>
+          <a:p>
+            <a:pPr lvl="1" algn="l" rtl="0"/>
+            <a:r>
+              <a:rPr lang="he-IL" dirty="0"/>
+              <a:t>לשים תמונות של עקיבה אחרי לוח ואחרי תא</a:t>
+            </a:r>
+            <a:endParaRPr lang="en-US" dirty="0"/>
+          </a:p>
+          <a:p>
+            <a:pPr lvl="1" algn="l" rtl="0"/>
+            <a:endParaRPr lang="he-IL" dirty="0"/>
+          </a:p>
+        </p:txBody>
+      </p:sp>
+    </p:spTree>
+    <p:extLst>
+      <p:ext uri="{BB962C8B-B14F-4D97-AF65-F5344CB8AC3E}">
+        <p14:creationId xmlns:p14="http://schemas.microsoft.com/office/powerpoint/2010/main" val="3538498136"/>
+      </p:ext>
+    </p:extLst>
+  </p:cSld>
+  <p:clrMapOvr>
+    <a:masterClrMapping/>
+  </p:clrMapOvr>
+</p:sld>
+</file>
+
+<file path=ppt/slides/slide15.xml><?xml version="1.0" encoding="utf-8"?>
+<p:sld xmlns:a="http://schemas.openxmlformats.org/drawingml/2006/main" xmlns:r="http://schemas.openxmlformats.org/officeDocument/2006/relationships" xmlns:p="http://schemas.openxmlformats.org/presentationml/2006/main">
+  <p:cSld>
+    <p:spTree>
+      <p:nvGrpSpPr>
+        <p:cNvPr id="1" name=""/>
+        <p:cNvGrpSpPr/>
+        <p:nvPr/>
+      </p:nvGrpSpPr>
+      <p:grpSpPr>
+        <a:xfrm>
+          <a:off x="0" y="0"/>
+          <a:ext cx="0" cy="0"/>
+          <a:chOff x="0" y="0"/>
+          <a:chExt cx="0" cy="0"/>
+        </a:xfrm>
+      </p:grpSpPr>
+      <p:sp>
+        <p:nvSpPr>
+          <p:cNvPr id="2" name="כותרת 1">
+            <a:extLst>
+              <a:ext uri="{FF2B5EF4-FFF2-40B4-BE49-F238E27FC236}">
+                <a16:creationId xmlns:a16="http://schemas.microsoft.com/office/drawing/2014/main" id="{5480E490-6E4D-4338-BB9A-E6695C515733}"/>
+              </a:ext>
+            </a:extLst>
+          </p:cNvPr>
+          <p:cNvSpPr>
+            <a:spLocks noGrp="1"/>
+          </p:cNvSpPr>
+          <p:nvPr>
+            <p:ph type="title"/>
+          </p:nvPr>
+        </p:nvSpPr>
+        <p:spPr/>
+        <p:txBody>
+          <a:bodyPr/>
+          <a:lstStyle/>
+          <a:p>
+            <a:pPr algn="ctr"/>
+            <a:r>
+              <a:rPr lang="en-US" dirty="0">
+                <a:solidFill>
+                  <a:srgbClr val="002060"/>
+                </a:solidFill>
+                <a:latin typeface="Calibri"/>
+              </a:rPr>
+              <a:t>Compare to backtracking</a:t>
+            </a:r>
+            <a:endParaRPr lang="he-IL" dirty="0">
+              <a:solidFill>
+                <a:srgbClr val="002060"/>
+              </a:solidFill>
+              <a:latin typeface="Calibri"/>
+            </a:endParaRPr>
+          </a:p>
+        </p:txBody>
+      </p:sp>
+      <p:sp>
+        <p:nvSpPr>
+          <p:cNvPr id="3" name="מציין מיקום תוכן 2">
+            <a:extLst>
+              <a:ext uri="{FF2B5EF4-FFF2-40B4-BE49-F238E27FC236}">
+                <a16:creationId xmlns:a16="http://schemas.microsoft.com/office/drawing/2014/main" id="{4E953C7B-A8C0-430E-A2AA-272B223256CE}"/>
+              </a:ext>
+            </a:extLst>
+          </p:cNvPr>
+          <p:cNvSpPr>
+            <a:spLocks noGrp="1"/>
+          </p:cNvSpPr>
+          <p:nvPr>
+            <p:ph idx="1"/>
+          </p:nvPr>
+        </p:nvSpPr>
+        <p:spPr/>
+        <p:txBody>
+          <a:bodyPr/>
+          <a:lstStyle/>
+          <a:p>
+            <a:pPr algn="l" rtl="0"/>
+            <a:r>
+              <a:rPr lang="he-IL" dirty="0"/>
+              <a:t>לשים את הגרף של ההשוואה עם הנקודות</a:t>
+            </a:r>
+            <a:endParaRPr lang="en-US" dirty="0"/>
+          </a:p>
+          <a:p>
+            <a:pPr lvl="1" algn="l" rtl="0"/>
+            <a:endParaRPr lang="en-US" dirty="0"/>
+          </a:p>
+          <a:p>
+            <a:pPr lvl="1" algn="l" rtl="0"/>
+            <a:endParaRPr lang="he-IL" dirty="0"/>
+          </a:p>
+        </p:txBody>
+      </p:sp>
+    </p:spTree>
+    <p:extLst>
+      <p:ext uri="{BB962C8B-B14F-4D97-AF65-F5344CB8AC3E}">
+        <p14:creationId xmlns:p14="http://schemas.microsoft.com/office/powerpoint/2010/main" val="929190005"/>
+      </p:ext>
+    </p:extLst>
+  </p:cSld>
+  <p:clrMapOvr>
+    <a:masterClrMapping/>
+  </p:clrMapOvr>
+</p:sld>
+</file>
+
+<file path=ppt/slides/slide16.xml><?xml version="1.0" encoding="utf-8"?>
+<p:sld xmlns:a="http://schemas.openxmlformats.org/drawingml/2006/main" xmlns:r="http://schemas.openxmlformats.org/officeDocument/2006/relationships" xmlns:p="http://schemas.openxmlformats.org/presentationml/2006/main">
+  <p:cSld>
+    <p:spTree>
+      <p:nvGrpSpPr>
+        <p:cNvPr id="1" name=""/>
+        <p:cNvGrpSpPr/>
+        <p:nvPr/>
+      </p:nvGrpSpPr>
+      <p:grpSpPr>
+        <a:xfrm>
+          <a:off x="0" y="0"/>
+          <a:ext cx="0" cy="0"/>
+          <a:chOff x="0" y="0"/>
+          <a:chExt cx="0" cy="0"/>
+        </a:xfrm>
+      </p:grpSpPr>
+      <p:sp>
+        <p:nvSpPr>
+          <p:cNvPr id="2" name="כותרת 1">
+            <a:extLst>
+              <a:ext uri="{FF2B5EF4-FFF2-40B4-BE49-F238E27FC236}">
+                <a16:creationId xmlns:a16="http://schemas.microsoft.com/office/drawing/2014/main" id="{5480E490-6E4D-4338-BB9A-E6695C515733}"/>
+              </a:ext>
+            </a:extLst>
+          </p:cNvPr>
+          <p:cNvSpPr>
+            <a:spLocks noGrp="1"/>
+          </p:cNvSpPr>
+          <p:nvPr>
+            <p:ph type="title"/>
+          </p:nvPr>
+        </p:nvSpPr>
+        <p:spPr/>
+        <p:txBody>
+          <a:bodyPr/>
+          <a:lstStyle/>
+          <a:p>
+            <a:pPr algn="ctr"/>
+            <a:r>
+              <a:rPr lang="en-US" dirty="0">
+                <a:solidFill>
+                  <a:srgbClr val="002060"/>
+                </a:solidFill>
+                <a:latin typeface="Calibri"/>
+              </a:rPr>
+              <a:t>Compare to backtracking</a:t>
+            </a:r>
+            <a:endParaRPr lang="he-IL" dirty="0">
+              <a:solidFill>
+                <a:srgbClr val="002060"/>
+              </a:solidFill>
+              <a:latin typeface="Calibri"/>
+            </a:endParaRPr>
+          </a:p>
+        </p:txBody>
+      </p:sp>
+      <p:sp>
+        <p:nvSpPr>
+          <p:cNvPr id="3" name="מציין מיקום תוכן 2">
+            <a:extLst>
+              <a:ext uri="{FF2B5EF4-FFF2-40B4-BE49-F238E27FC236}">
+                <a16:creationId xmlns:a16="http://schemas.microsoft.com/office/drawing/2014/main" id="{4E953C7B-A8C0-430E-A2AA-272B223256CE}"/>
+              </a:ext>
+            </a:extLst>
+          </p:cNvPr>
+          <p:cNvSpPr>
+            <a:spLocks noGrp="1"/>
+          </p:cNvSpPr>
+          <p:nvPr>
+            <p:ph idx="1"/>
+          </p:nvPr>
+        </p:nvSpPr>
+        <p:spPr/>
+        <p:txBody>
+          <a:bodyPr/>
+          <a:lstStyle/>
+          <a:p>
+            <a:pPr algn="l" rtl="0"/>
+            <a:r>
+              <a:rPr lang="he-IL" dirty="0"/>
+              <a:t>לשים את הגרף של ההשוואה בממוצע</a:t>
+            </a:r>
+            <a:endParaRPr lang="en-US" dirty="0"/>
+          </a:p>
+          <a:p>
+            <a:pPr lvl="1" algn="l" rtl="0"/>
+            <a:endParaRPr lang="en-US" dirty="0"/>
+          </a:p>
+          <a:p>
+            <a:pPr lvl="1" algn="l" rtl="0"/>
+            <a:endParaRPr lang="he-IL" dirty="0"/>
+          </a:p>
+        </p:txBody>
+      </p:sp>
+    </p:spTree>
+    <p:extLst>
+      <p:ext uri="{BB962C8B-B14F-4D97-AF65-F5344CB8AC3E}">
+        <p14:creationId xmlns:p14="http://schemas.microsoft.com/office/powerpoint/2010/main" val="4241248835"/>
+      </p:ext>
+    </p:extLst>
+  </p:cSld>
+  <p:clrMapOvr>
+    <a:masterClrMapping/>
+  </p:clrMapOvr>
+</p:sld>
+</file>
+
+<file path=ppt/slides/slide17.xml><?xml version="1.0" encoding="utf-8"?>
+<p:sld xmlns:a="http://schemas.openxmlformats.org/drawingml/2006/main" xmlns:r="http://schemas.openxmlformats.org/officeDocument/2006/relationships" xmlns:p="http://schemas.openxmlformats.org/presentationml/2006/main">
+  <p:cSld>
+    <p:spTree>
+      <p:nvGrpSpPr>
+        <p:cNvPr id="1" name=""/>
+        <p:cNvGrpSpPr/>
+        <p:nvPr/>
+      </p:nvGrpSpPr>
+      <p:grpSpPr>
+        <a:xfrm>
+          <a:off x="0" y="0"/>
+          <a:ext cx="0" cy="0"/>
+          <a:chOff x="0" y="0"/>
+          <a:chExt cx="0" cy="0"/>
+        </a:xfrm>
+      </p:grpSpPr>
+      <p:sp>
+        <p:nvSpPr>
+          <p:cNvPr id="2" name="כותרת 1">
+            <a:extLst>
+              <a:ext uri="{FF2B5EF4-FFF2-40B4-BE49-F238E27FC236}">
+                <a16:creationId xmlns:a16="http://schemas.microsoft.com/office/drawing/2014/main" id="{5480E490-6E4D-4338-BB9A-E6695C515733}"/>
+              </a:ext>
+            </a:extLst>
+          </p:cNvPr>
+          <p:cNvSpPr>
+            <a:spLocks noGrp="1"/>
+          </p:cNvSpPr>
+          <p:nvPr>
+            <p:ph type="title"/>
+          </p:nvPr>
+        </p:nvSpPr>
+        <p:spPr/>
+        <p:txBody>
+          <a:bodyPr/>
+          <a:lstStyle/>
+          <a:p>
+            <a:pPr algn="ctr"/>
+            <a:r>
+              <a:rPr lang="en-US" dirty="0">
+                <a:solidFill>
+                  <a:srgbClr val="002060"/>
+                </a:solidFill>
+                <a:latin typeface="Calibri"/>
+              </a:rPr>
+              <a:t>Conclusions</a:t>
+            </a:r>
+            <a:endParaRPr lang="he-IL" dirty="0">
+              <a:solidFill>
+                <a:srgbClr val="002060"/>
+              </a:solidFill>
+              <a:latin typeface="Calibri"/>
+            </a:endParaRPr>
+          </a:p>
+        </p:txBody>
+      </p:sp>
+      <p:sp>
+        <p:nvSpPr>
+          <p:cNvPr id="3" name="מציין מיקום תוכן 2">
+            <a:extLst>
+              <a:ext uri="{FF2B5EF4-FFF2-40B4-BE49-F238E27FC236}">
+                <a16:creationId xmlns:a16="http://schemas.microsoft.com/office/drawing/2014/main" id="{4E953C7B-A8C0-430E-A2AA-272B223256CE}"/>
+              </a:ext>
+            </a:extLst>
+          </p:cNvPr>
+          <p:cNvSpPr>
+            <a:spLocks noGrp="1"/>
+          </p:cNvSpPr>
+          <p:nvPr>
+            <p:ph idx="1"/>
+          </p:nvPr>
+        </p:nvSpPr>
+        <p:spPr/>
+        <p:txBody>
+          <a:bodyPr/>
+          <a:lstStyle/>
+          <a:p>
+            <a:pPr lvl="1" algn="l" rtl="0"/>
+            <a:r>
+              <a:rPr lang="en-US" sz="2800" dirty="0"/>
+              <a:t>Neural nets are possible to “learn” the Sudoku rules and play it successfully</a:t>
+            </a:r>
+          </a:p>
+          <a:p>
+            <a:pPr lvl="2" algn="l" rtl="0"/>
+            <a:r>
+              <a:rPr lang="en-US" sz="2600" dirty="0"/>
+              <a:t>Faster toward solution</a:t>
+            </a:r>
+          </a:p>
+          <a:p>
+            <a:pPr lvl="2" algn="l" rtl="0"/>
+            <a:r>
+              <a:rPr lang="en-US" sz="2600" dirty="0"/>
+              <a:t>Stable</a:t>
+            </a:r>
+          </a:p>
+          <a:p>
+            <a:pPr lvl="1" algn="l" rtl="0"/>
+            <a:r>
+              <a:rPr lang="en-US" sz="2800" dirty="0"/>
+              <a:t>Curriculum learning may perform better on suitable problems like Sudoku</a:t>
+            </a:r>
+          </a:p>
+          <a:p>
+            <a:pPr lvl="2" algn="l" rtl="0"/>
+            <a:r>
+              <a:rPr lang="en-US" sz="2600" dirty="0"/>
+              <a:t>Build the net memory along the training</a:t>
+            </a:r>
+          </a:p>
+          <a:p>
+            <a:pPr lvl="2" algn="l" rtl="0"/>
+            <a:r>
+              <a:rPr lang="en-US" sz="2600" dirty="0"/>
+              <a:t>Remain the game appropriate</a:t>
+            </a:r>
+            <a:endParaRPr lang="en-US" sz="3000" dirty="0"/>
+          </a:p>
+          <a:p>
+            <a:pPr lvl="1" algn="l" rtl="0"/>
+            <a:r>
+              <a:rPr lang="en-US" sz="3000" dirty="0"/>
+              <a:t>Iterative solution performs better </a:t>
+            </a:r>
+          </a:p>
+          <a:p>
+            <a:pPr lvl="2" algn="l" rtl="0"/>
+            <a:r>
+              <a:rPr lang="en-US" sz="2600" dirty="0"/>
+              <a:t>Fill elements one by one</a:t>
+            </a:r>
+          </a:p>
+          <a:p>
+            <a:pPr lvl="2" algn="l" rtl="0"/>
+            <a:endParaRPr lang="en-US" dirty="0"/>
+          </a:p>
+          <a:p>
+            <a:pPr lvl="1" algn="l" rtl="0"/>
+            <a:endParaRPr lang="he-IL" dirty="0"/>
+          </a:p>
+        </p:txBody>
+      </p:sp>
+    </p:spTree>
+    <p:extLst>
+      <p:ext uri="{BB962C8B-B14F-4D97-AF65-F5344CB8AC3E}">
+        <p14:creationId xmlns:p14="http://schemas.microsoft.com/office/powerpoint/2010/main" val="1489653441"/>
+      </p:ext>
+    </p:extLst>
+  </p:cSld>
+  <p:clrMapOvr>
+    <a:masterClrMapping/>
+  </p:clrMapOvr>
+</p:sld>
+</file>
+
+<file path=ppt/slides/slide18.xml><?xml version="1.0" encoding="utf-8"?>
+<p:sld xmlns:a="http://schemas.openxmlformats.org/drawingml/2006/main" xmlns:r="http://schemas.openxmlformats.org/officeDocument/2006/relationships" xmlns:p="http://schemas.openxmlformats.org/presentationml/2006/main">
+  <p:cSld>
+    <p:spTree>
+      <p:nvGrpSpPr>
+        <p:cNvPr id="1" name=""/>
+        <p:cNvGrpSpPr/>
+        <p:nvPr/>
+      </p:nvGrpSpPr>
+      <p:grpSpPr>
+        <a:xfrm>
+          <a:off x="0" y="0"/>
+          <a:ext cx="0" cy="0"/>
+          <a:chOff x="0" y="0"/>
+          <a:chExt cx="0" cy="0"/>
+        </a:xfrm>
+      </p:grpSpPr>
+      <p:sp>
+        <p:nvSpPr>
+          <p:cNvPr id="2" name="כותרת 1">
+            <a:extLst>
+              <a:ext uri="{FF2B5EF4-FFF2-40B4-BE49-F238E27FC236}">
+                <a16:creationId xmlns:a16="http://schemas.microsoft.com/office/drawing/2014/main" id="{5480E490-6E4D-4338-BB9A-E6695C515733}"/>
+              </a:ext>
+            </a:extLst>
+          </p:cNvPr>
+          <p:cNvSpPr>
+            <a:spLocks noGrp="1"/>
+          </p:cNvSpPr>
+          <p:nvPr>
+            <p:ph type="title"/>
+          </p:nvPr>
+        </p:nvSpPr>
+        <p:spPr/>
+        <p:txBody>
+          <a:bodyPr/>
+          <a:lstStyle/>
+          <a:p>
+            <a:pPr algn="ctr"/>
+            <a:r>
+              <a:rPr lang="en-US" dirty="0">
+                <a:solidFill>
+                  <a:srgbClr val="002060"/>
+                </a:solidFill>
+                <a:latin typeface="Calibri"/>
+              </a:rPr>
+              <a:t>Future work</a:t>
+            </a:r>
+            <a:endParaRPr lang="he-IL" dirty="0">
+              <a:solidFill>
+                <a:srgbClr val="002060"/>
+              </a:solidFill>
+              <a:latin typeface="Calibri"/>
+            </a:endParaRPr>
+          </a:p>
+        </p:txBody>
+      </p:sp>
+      <p:sp>
+        <p:nvSpPr>
+          <p:cNvPr id="3" name="מציין מיקום תוכן 2">
+            <a:extLst>
+              <a:ext uri="{FF2B5EF4-FFF2-40B4-BE49-F238E27FC236}">
+                <a16:creationId xmlns:a16="http://schemas.microsoft.com/office/drawing/2014/main" id="{4E953C7B-A8C0-430E-A2AA-272B223256CE}"/>
+              </a:ext>
+            </a:extLst>
+          </p:cNvPr>
+          <p:cNvSpPr>
+            <a:spLocks noGrp="1"/>
+          </p:cNvSpPr>
+          <p:nvPr>
+            <p:ph idx="1"/>
+          </p:nvPr>
+        </p:nvSpPr>
+        <p:spPr/>
+        <p:txBody>
+          <a:bodyPr/>
+          <a:lstStyle/>
+          <a:p>
+            <a:pPr algn="l" rtl="0"/>
+            <a:r>
+              <a:rPr lang="en-US" dirty="0"/>
+              <a:t>Trying more complicated loss which penalizes according to Sudoku rules</a:t>
+            </a:r>
+          </a:p>
+          <a:p>
+            <a:pPr algn="l" rtl="0"/>
+            <a:r>
+              <a:rPr lang="en-US" dirty="0" err="1"/>
+              <a:t>Ensamble</a:t>
+            </a:r>
+            <a:r>
+              <a:rPr lang="en-US" dirty="0"/>
+              <a:t> learning</a:t>
+            </a:r>
+          </a:p>
+          <a:p>
+            <a:pPr algn="l" rtl="0"/>
+            <a:r>
+              <a:rPr lang="en-US" dirty="0"/>
+              <a:t>Reinforcement learning</a:t>
+            </a:r>
+          </a:p>
+          <a:p>
+            <a:pPr algn="l" rtl="0"/>
+            <a:endParaRPr lang="he-IL" dirty="0"/>
+          </a:p>
+        </p:txBody>
+      </p:sp>
+    </p:spTree>
+    <p:extLst>
+      <p:ext uri="{BB962C8B-B14F-4D97-AF65-F5344CB8AC3E}">
+        <p14:creationId xmlns:p14="http://schemas.microsoft.com/office/powerpoint/2010/main" val="230515147"/>
+      </p:ext>
+    </p:extLst>
+  </p:cSld>
+  <p:clrMapOvr>
+    <a:masterClrMapping/>
+  </p:clrMapOvr>
+</p:sld>
+</file>
+
 <file path=ppt/slides/slide2.xml><?xml version="1.0" encoding="utf-8"?>
 <p:sld xmlns:a="http://schemas.openxmlformats.org/drawingml/2006/main" xmlns:r="http://schemas.openxmlformats.org/officeDocument/2006/relationships" xmlns:p="http://schemas.openxmlformats.org/presentationml/2006/main">
   <p:cSld>
@@ -4863,87 +8454,36 @@
             <a:pPr lvl="2" algn="l" rtl="0"/>
             <a:r>
               <a:rPr lang="en-US" dirty="0"/>
-              <a:t>Unique digits on every row, column, block</a:t>
+              <a:t>Unique digits in every row, column, block</a:t>
             </a:r>
           </a:p>
           <a:p>
             <a:pPr lvl="1" algn="l" rtl="0"/>
             <a:r>
               <a:rPr lang="en-US" dirty="0"/>
-              <a:t>Backtracking is the common method of solving</a:t>
+              <a:t>Backtracking is the common method for solving</a:t>
             </a:r>
           </a:p>
           <a:p>
             <a:pPr lvl="2" algn="l" rtl="0"/>
             <a:r>
               <a:rPr lang="en-US" dirty="0"/>
-              <a:t>Very time consuming</a:t>
-            </a:r>
-            <a:r>
-              <a:rPr lang="en-US" dirty="0">
-                <a:highlight>
-                  <a:srgbClr val="FFFF00"/>
-                </a:highlight>
-              </a:rPr>
-              <a:t>  (</a:t>
-            </a:r>
-            <a:r>
-              <a:rPr lang="he-IL" dirty="0">
-                <a:highlight>
-                  <a:srgbClr val="FFFF00"/>
-                </a:highlight>
-              </a:rPr>
-              <a:t>אולי להוסיף שקופית  </a:t>
-            </a:r>
-            <a:r>
-              <a:rPr lang="en-US" dirty="0">
-                <a:highlight>
-                  <a:srgbClr val="FFFF00"/>
-                </a:highlight>
-              </a:rPr>
-              <a:t> </a:t>
-            </a:r>
-            <a:r>
-              <a:rPr lang="en-US" dirty="0" err="1">
-                <a:highlight>
-                  <a:srgbClr val="FFFF00"/>
-                </a:highlight>
-              </a:rPr>
-              <a:t>btacltracking</a:t>
-            </a:r>
-            <a:r>
-              <a:rPr lang="en-US" dirty="0">
-                <a:highlight>
-                  <a:srgbClr val="FFFF00"/>
-                </a:highlight>
-              </a:rPr>
-              <a:t> </a:t>
-            </a:r>
-            <a:r>
-              <a:rPr lang="he-IL" dirty="0">
-                <a:highlight>
-                  <a:srgbClr val="FFFF00"/>
-                </a:highlight>
-              </a:rPr>
-              <a:t>או  </a:t>
-            </a:r>
-            <a:r>
-              <a:rPr lang="en-US" dirty="0">
-                <a:highlight>
-                  <a:srgbClr val="FFFF00"/>
-                </a:highlight>
-              </a:rPr>
-              <a:t>common solution)</a:t>
-            </a:r>
+              <a:t>Might be very time consuming</a:t>
+            </a:r>
+            <a:endParaRPr lang="en-US" dirty="0">
+              <a:highlight>
+                <a:srgbClr val="FFFF00"/>
+              </a:highlight>
+            </a:endParaRPr>
           </a:p>
         </p:txBody>
       </p:sp>
       <p:pic>
         <p:nvPicPr>
-          <p:cNvPr id="5" name="תמונה 4">
+          <p:cNvPr id="6" name="תמונה 5">
             <a:extLst>
               <a:ext uri="{FF2B5EF4-FFF2-40B4-BE49-F238E27FC236}">
-                <a16:creationId xmlns:a16="http://schemas.microsoft.com/office/drawing/2014/main" id="{9A2C6EE4-353F-4474-A7A5-087047FB23E6}"/>
+                <a16:creationId xmlns:a16="http://schemas.microsoft.com/office/drawing/2014/main" id="{FFCE5B4E-A9BA-485F-A1DA-A640BBC78133}"/>
               </a:ext>
             </a:extLst>
           </p:cNvPr>
@@ -4960,8 +8500,8 @@
         </p:blipFill>
         <p:spPr>
           <a:xfrm>
-            <a:off x="1696453" y="4205585"/>
-            <a:ext cx="5210802" cy="2431167"/>
+            <a:off x="1652587" y="4165368"/>
+            <a:ext cx="5838825" cy="2486025"/>
           </a:xfrm>
           <a:prstGeom prst="rect">
             <a:avLst/>
@@ -5014,7 +8554,12 @@
             <p:ph type="title"/>
           </p:nvPr>
         </p:nvSpPr>
-        <p:spPr/>
+        <p:spPr>
+          <a:xfrm>
+            <a:off x="628650" y="0"/>
+            <a:ext cx="7886700" cy="1325563"/>
+          </a:xfrm>
+        </p:spPr>
         <p:txBody>
           <a:bodyPr/>
           <a:lstStyle/>
@@ -5027,14 +8572,8 @@
                 </a:solidFill>
                 <a:latin typeface="Calibri"/>
               </a:rPr>
-              <a:t>Dataset</a:t>
-            </a:r>
-            <a:endParaRPr lang="he-IL" dirty="0">
-              <a:solidFill>
-                <a:srgbClr val="002060"/>
-              </a:solidFill>
-              <a:latin typeface="Calibri"/>
-            </a:endParaRPr>
+              <a:t>Backtracking Solution</a:t>
+            </a:r>
           </a:p>
         </p:txBody>
       </p:sp>
@@ -5056,7 +8595,7 @@
         </p:nvSpPr>
         <p:spPr>
           <a:xfrm>
-            <a:off x="628650" y="1710532"/>
+            <a:off x="628650" y="1124893"/>
             <a:ext cx="7886700" cy="4351338"/>
           </a:xfrm>
         </p:spPr>
@@ -5067,46 +8606,30 @@
             <a:pPr algn="l" rtl="0"/>
             <a:r>
               <a:rPr lang="en-US" dirty="0"/>
-              <a:t>One million puzzles from Kaggle.</a:t>
+              <a:t>recursive algorithm that attempts testing all possible paths towards a solution until a solution is found.</a:t>
             </a:r>
           </a:p>
           <a:p>
             <a:pPr algn="l" rtl="0"/>
             <a:r>
               <a:rPr lang="en-US" dirty="0"/>
-              <a:t>Conversion to one-hot vector.</a:t>
-            </a:r>
-          </a:p>
-          <a:p>
-            <a:pPr algn="l" rtl="0"/>
-            <a:r>
-              <a:rPr lang="en-US" dirty="0"/>
-              <a:t>In training: create puzzles by deleting numbers from the full boards.</a:t>
-            </a:r>
-          </a:p>
-          <a:p>
-            <a:pPr algn="l" rtl="0"/>
-            <a:endParaRPr lang="he-IL" sz="4400" dirty="0">
-              <a:solidFill>
-                <a:srgbClr val="002060"/>
-              </a:solidFill>
-              <a:latin typeface="Calibri"/>
-              <a:ea typeface="+mj-ea"/>
-              <a:cs typeface="+mj-cs"/>
-            </a:endParaRPr>
+              <a:t>If the candidate for the solution cannot possibly be completed to a valid solution, the algorithm abandons the candidate ("backtracks").</a:t>
+            </a:r>
           </a:p>
         </p:txBody>
       </p:sp>
       <p:pic>
         <p:nvPicPr>
-          <p:cNvPr id="9" name="תמונה 8">
+          <p:cNvPr id="18" name="תמונה 17">
             <a:extLst>
               <a:ext uri="{FF2B5EF4-FFF2-40B4-BE49-F238E27FC236}">
-                <a16:creationId xmlns:a16="http://schemas.microsoft.com/office/drawing/2014/main" id="{145C0E3D-C5E8-4683-AEF1-B92BBAB1055F}"/>
+                <a16:creationId xmlns:a16="http://schemas.microsoft.com/office/drawing/2014/main" id="{C9167F90-52E9-4762-9AE8-6B9696E575E2}"/>
               </a:ext>
             </a:extLst>
           </p:cNvPr>
-          <p:cNvPicPr/>
+          <p:cNvPicPr>
+            <a:picLocks noChangeAspect="1"/>
+          </p:cNvPicPr>
           <p:nvPr/>
         </p:nvPicPr>
         <p:blipFill>
@@ -5117,8 +8640,8 @@
         </p:blipFill>
         <p:spPr>
           <a:xfrm>
-            <a:off x="1520175" y="3806457"/>
-            <a:ext cx="5539844" cy="2589900"/>
+            <a:off x="2204356" y="3617663"/>
+            <a:ext cx="6331537" cy="3240337"/>
           </a:xfrm>
           <a:prstGeom prst="rect">
             <a:avLst/>
@@ -5160,7 +8683,7 @@
           <p:cNvPr id="2" name="כותרת 1">
             <a:extLst>
               <a:ext uri="{FF2B5EF4-FFF2-40B4-BE49-F238E27FC236}">
-                <a16:creationId xmlns:a16="http://schemas.microsoft.com/office/drawing/2014/main" id="{5480E490-6E4D-4338-BB9A-E6695C515733}"/>
+                <a16:creationId xmlns:a16="http://schemas.microsoft.com/office/drawing/2014/main" id="{CDE9948F-F55D-49AF-8364-0CD69005F0C9}"/>
               </a:ext>
             </a:extLst>
           </p:cNvPr>
@@ -5184,7 +8707,7 @@
                 </a:solidFill>
                 <a:latin typeface="Calibri"/>
               </a:rPr>
-              <a:t>Architecture </a:t>
+              <a:t>Dataset</a:t>
             </a:r>
             <a:endParaRPr lang="he-IL" dirty="0">
               <a:solidFill>
@@ -5200,7 +8723,7 @@
           <p:cNvPr id="3" name="מציין מיקום תוכן 2">
             <a:extLst>
               <a:ext uri="{FF2B5EF4-FFF2-40B4-BE49-F238E27FC236}">
-                <a16:creationId xmlns:a16="http://schemas.microsoft.com/office/drawing/2014/main" id="{4E953C7B-A8C0-430E-A2AA-272B223256CE}"/>
+                <a16:creationId xmlns:a16="http://schemas.microsoft.com/office/drawing/2014/main" id="{826AE3D2-9206-4EF1-8716-9A5B31C93663}"/>
               </a:ext>
             </a:extLst>
           </p:cNvPr>
@@ -5211,19 +8734,81 @@
             <p:ph idx="1"/>
           </p:nvPr>
         </p:nvSpPr>
-        <p:spPr/>
-        <p:txBody>
-          <a:bodyPr/>
-          <a:lstStyle/>
-          <a:p>
-            <a:endParaRPr lang="he-IL" dirty="0"/>
-          </a:p>
-        </p:txBody>
-      </p:sp>
+        <p:spPr>
+          <a:xfrm>
+            <a:off x="628650" y="1710532"/>
+            <a:ext cx="7886700" cy="4351338"/>
+          </a:xfrm>
+        </p:spPr>
+        <p:txBody>
+          <a:bodyPr/>
+          <a:lstStyle/>
+          <a:p>
+            <a:pPr algn="l" rtl="0"/>
+            <a:r>
+              <a:rPr lang="en-US" dirty="0"/>
+              <a:t>One million puzzles from Kaggle.</a:t>
+            </a:r>
+          </a:p>
+          <a:p>
+            <a:pPr algn="l" rtl="0"/>
+            <a:r>
+              <a:rPr lang="en-US" dirty="0"/>
+              <a:t>Conversion to one-hot vector.</a:t>
+            </a:r>
+          </a:p>
+          <a:p>
+            <a:pPr algn="l" rtl="0"/>
+            <a:r>
+              <a:rPr lang="en-US" dirty="0"/>
+              <a:t>In training: create puzzles by deleting numbers from the full boards.</a:t>
+            </a:r>
+          </a:p>
+          <a:p>
+            <a:pPr algn="l" rtl="0"/>
+            <a:endParaRPr lang="he-IL" sz="4400" dirty="0">
+              <a:solidFill>
+                <a:srgbClr val="002060"/>
+              </a:solidFill>
+              <a:latin typeface="Calibri"/>
+              <a:ea typeface="+mj-ea"/>
+              <a:cs typeface="+mj-cs"/>
+            </a:endParaRPr>
+          </a:p>
+        </p:txBody>
+      </p:sp>
+      <p:pic>
+        <p:nvPicPr>
+          <p:cNvPr id="9" name="תמונה 8">
+            <a:extLst>
+              <a:ext uri="{FF2B5EF4-FFF2-40B4-BE49-F238E27FC236}">
+                <a16:creationId xmlns:a16="http://schemas.microsoft.com/office/drawing/2014/main" id="{145C0E3D-C5E8-4683-AEF1-B92BBAB1055F}"/>
+              </a:ext>
+            </a:extLst>
+          </p:cNvPr>
+          <p:cNvPicPr/>
+          <p:nvPr/>
+        </p:nvPicPr>
+        <p:blipFill>
+          <a:blip r:embed="rId3"/>
+          <a:stretch>
+            <a:fillRect/>
+          </a:stretch>
+        </p:blipFill>
+        <p:spPr>
+          <a:xfrm>
+            <a:off x="1520175" y="3806457"/>
+            <a:ext cx="5539844" cy="2589900"/>
+          </a:xfrm>
+          <a:prstGeom prst="rect">
+            <a:avLst/>
+          </a:prstGeom>
+        </p:spPr>
+      </p:pic>
     </p:spTree>
     <p:extLst>
       <p:ext uri="{BB962C8B-B14F-4D97-AF65-F5344CB8AC3E}">
-        <p14:creationId xmlns:p14="http://schemas.microsoft.com/office/powerpoint/2010/main" val="4056150910"/>
+        <p14:creationId xmlns:p14="http://schemas.microsoft.com/office/powerpoint/2010/main" val="3323619101"/>
       </p:ext>
     </p:extLst>
   </p:cSld>
@@ -5255,7 +8840,7 @@
           <p:cNvPr id="2" name="כותרת 1">
             <a:extLst>
               <a:ext uri="{FF2B5EF4-FFF2-40B4-BE49-F238E27FC236}">
-                <a16:creationId xmlns:a16="http://schemas.microsoft.com/office/drawing/2014/main" id="{349D8551-51A4-4C77-9D66-60A6E1B3CD58}"/>
+                <a16:creationId xmlns:a16="http://schemas.microsoft.com/office/drawing/2014/main" id="{5480E490-6E4D-4338-BB9A-E6695C515733}"/>
               </a:ext>
             </a:extLst>
           </p:cNvPr>
@@ -5271,7 +8856,258 @@
           <a:bodyPr/>
           <a:lstStyle/>
           <a:p>
-            <a:endParaRPr lang="he-IL"/>
+            <a:pPr algn="ctr"/>
+            <a:r>
+              <a:rPr lang="en-US" dirty="0">
+                <a:solidFill>
+                  <a:srgbClr val="002060"/>
+                </a:solidFill>
+                <a:latin typeface="Calibri"/>
+              </a:rPr>
+              <a:t>Architecture </a:t>
+            </a:r>
+            <a:endParaRPr lang="he-IL" dirty="0">
+              <a:solidFill>
+                <a:srgbClr val="002060"/>
+              </a:solidFill>
+              <a:latin typeface="Calibri"/>
+            </a:endParaRPr>
+          </a:p>
+        </p:txBody>
+      </p:sp>
+      <mc:AlternateContent xmlns:mc="http://schemas.openxmlformats.org/markup-compatibility/2006">
+        <mc:Choice xmlns:a14="http://schemas.microsoft.com/office/drawing/2010/main" Requires="a14">
+          <p:sp>
+            <p:nvSpPr>
+              <p:cNvPr id="3" name="מציין מיקום תוכן 2">
+                <a:extLst>
+                  <a:ext uri="{FF2B5EF4-FFF2-40B4-BE49-F238E27FC236}">
+                    <a16:creationId xmlns:a16="http://schemas.microsoft.com/office/drawing/2014/main" id="{4E953C7B-A8C0-430E-A2AA-272B223256CE}"/>
+                  </a:ext>
+                </a:extLst>
+              </p:cNvPr>
+              <p:cNvSpPr>
+                <a:spLocks noGrp="1"/>
+              </p:cNvSpPr>
+              <p:nvPr>
+                <p:ph idx="1"/>
+              </p:nvPr>
+            </p:nvSpPr>
+            <p:spPr/>
+            <p:txBody>
+              <a:bodyPr/>
+              <a:lstStyle/>
+              <a:p>
+                <a:pPr algn="l" rtl="0"/>
+                <a:r>
+                  <a:rPr lang="en-US" dirty="0"/>
+                  <a:t>FC neural net</a:t>
+                </a:r>
+              </a:p>
+              <a:p>
+                <a:pPr lvl="1" algn="l" rtl="0"/>
+                <a:r>
+                  <a:rPr lang="en-US" dirty="0"/>
+                  <a:t>3 layers of FC</a:t>
+                </a:r>
+              </a:p>
+              <a:p>
+                <a:pPr lvl="1" algn="l" rtl="0"/>
+                <a:r>
+                  <a:rPr lang="en-US" dirty="0"/>
+                  <a:t>Batch-normalization, </a:t>
+                </a:r>
+                <a:r>
+                  <a:rPr lang="en-US" dirty="0" err="1"/>
+                  <a:t>Softmax</a:t>
+                </a:r>
+                <a:endParaRPr lang="en-US" dirty="0"/>
+              </a:p>
+              <a:p>
+                <a:pPr lvl="1" algn="l" rtl="0"/>
+                <a14:m>
+                  <m:oMath xmlns:m="http://schemas.openxmlformats.org/officeDocument/2006/math">
+                    <m:sSup>
+                      <m:sSupPr>
+                        <m:ctrlPr>
+                          <a:rPr lang="en-US" b="0" i="1" smtClean="0">
+                            <a:latin typeface="Cambria Math" panose="02040503050406030204" pitchFamily="18" charset="0"/>
+                          </a:rPr>
+                        </m:ctrlPr>
+                      </m:sSupPr>
+                      <m:e>
+                        <m:r>
+                          <a:rPr lang="en-US" b="0" i="1" smtClean="0">
+                            <a:latin typeface="Cambria Math" panose="02040503050406030204" pitchFamily="18" charset="0"/>
+                          </a:rPr>
+                          <m:t>9</m:t>
+                        </m:r>
+                      </m:e>
+                      <m:sup>
+                        <m:r>
+                          <a:rPr lang="en-US" b="0" i="1" smtClean="0">
+                            <a:latin typeface="Cambria Math" panose="02040503050406030204" pitchFamily="18" charset="0"/>
+                          </a:rPr>
+                          <m:t>3</m:t>
+                        </m:r>
+                      </m:sup>
+                    </m:sSup>
+                  </m:oMath>
+                </a14:m>
+                <a:r>
+                  <a:rPr lang="en-US" dirty="0"/>
+                  <a:t> neurons  on each layer</a:t>
+                </a:r>
+              </a:p>
+              <a:p>
+                <a:pPr lvl="1" algn="l" rtl="0"/>
+                <a:endParaRPr lang="en-US" dirty="0"/>
+              </a:p>
+              <a:p>
+                <a:pPr algn="l" rtl="0"/>
+                <a:r>
+                  <a:rPr lang="en-US" dirty="0"/>
+                  <a:t>CNN neural net</a:t>
+                </a:r>
+              </a:p>
+              <a:p>
+                <a:pPr lvl="1" algn="l" rtl="0"/>
+                <a:r>
+                  <a:rPr lang="en-US" dirty="0"/>
+                  <a:t>Added 1 layer of convolution before FC layers</a:t>
+                </a:r>
+              </a:p>
+              <a:p>
+                <a:pPr lvl="1" algn="l" rtl="0"/>
+                <a:r>
+                  <a:rPr lang="en-US" dirty="0"/>
+                  <a:t>Adapted kernels to the Sudoku features</a:t>
+                </a:r>
+              </a:p>
+              <a:p>
+                <a:pPr lvl="1" algn="l" rtl="0"/>
+                <a:endParaRPr lang="en-US" dirty="0"/>
+              </a:p>
+              <a:p>
+                <a:pPr lvl="1" algn="l" rtl="0"/>
+                <a:endParaRPr lang="en-US" dirty="0"/>
+              </a:p>
+              <a:p>
+                <a:pPr lvl="1" algn="l" rtl="0"/>
+                <a:endParaRPr lang="en-US" dirty="0"/>
+              </a:p>
+              <a:p>
+                <a:pPr lvl="1" algn="l" rtl="0"/>
+                <a:endParaRPr lang="en-US" dirty="0"/>
+              </a:p>
+              <a:p>
+                <a:pPr lvl="1" algn="l" rtl="0"/>
+                <a:endParaRPr lang="he-IL" dirty="0"/>
+              </a:p>
+            </p:txBody>
+          </p:sp>
+        </mc:Choice>
+        <mc:Fallback>
+          <p:sp>
+            <p:nvSpPr>
+              <p:cNvPr id="3" name="מציין מיקום תוכן 2">
+                <a:extLst>
+                  <a:ext uri="{FF2B5EF4-FFF2-40B4-BE49-F238E27FC236}">
+                    <a16:creationId xmlns:a16="http://schemas.microsoft.com/office/drawing/2014/main" id="{4E953C7B-A8C0-430E-A2AA-272B223256CE}"/>
+                  </a:ext>
+                </a:extLst>
+              </p:cNvPr>
+              <p:cNvSpPr>
+                <a:spLocks noGrp="1" noRot="1" noChangeAspect="1" noMove="1" noResize="1" noEditPoints="1" noAdjustHandles="1" noChangeArrowheads="1" noChangeShapeType="1" noTextEdit="1"/>
+              </p:cNvSpPr>
+              <p:nvPr>
+                <p:ph idx="1"/>
+              </p:nvPr>
+            </p:nvSpPr>
+            <p:spPr>
+              <a:blipFill>
+                <a:blip r:embed="rId3"/>
+                <a:stretch>
+                  <a:fillRect l="-1391" t="-2241"/>
+                </a:stretch>
+              </a:blipFill>
+            </p:spPr>
+            <p:txBody>
+              <a:bodyPr/>
+              <a:lstStyle/>
+              <a:p>
+                <a:r>
+                  <a:rPr lang="he-IL">
+                    <a:noFill/>
+                  </a:rPr>
+                  <a:t> </a:t>
+                </a:r>
+              </a:p>
+            </p:txBody>
+          </p:sp>
+        </mc:Fallback>
+      </mc:AlternateContent>
+    </p:spTree>
+    <p:extLst>
+      <p:ext uri="{BB962C8B-B14F-4D97-AF65-F5344CB8AC3E}">
+        <p14:creationId xmlns:p14="http://schemas.microsoft.com/office/powerpoint/2010/main" val="4056150910"/>
+      </p:ext>
+    </p:extLst>
+  </p:cSld>
+  <p:clrMapOvr>
+    <a:masterClrMapping/>
+  </p:clrMapOvr>
+</p:sld>
+</file>
+
+<file path=ppt/slides/slide8.xml><?xml version="1.0" encoding="utf-8"?>
+<p:sld xmlns:a="http://schemas.openxmlformats.org/drawingml/2006/main" xmlns:r="http://schemas.openxmlformats.org/officeDocument/2006/relationships" xmlns:p="http://schemas.openxmlformats.org/presentationml/2006/main">
+  <p:cSld>
+    <p:spTree>
+      <p:nvGrpSpPr>
+        <p:cNvPr id="1" name=""/>
+        <p:cNvGrpSpPr/>
+        <p:nvPr/>
+      </p:nvGrpSpPr>
+      <p:grpSpPr>
+        <a:xfrm>
+          <a:off x="0" y="0"/>
+          <a:ext cx="0" cy="0"/>
+          <a:chOff x="0" y="0"/>
+          <a:chExt cx="0" cy="0"/>
+        </a:xfrm>
+      </p:grpSpPr>
+      <p:sp>
+        <p:nvSpPr>
+          <p:cNvPr id="2" name="כותרת 1">
+            <a:extLst>
+              <a:ext uri="{FF2B5EF4-FFF2-40B4-BE49-F238E27FC236}">
+                <a16:creationId xmlns:a16="http://schemas.microsoft.com/office/drawing/2014/main" id="{5480E490-6E4D-4338-BB9A-E6695C515733}"/>
+              </a:ext>
+            </a:extLst>
+          </p:cNvPr>
+          <p:cNvSpPr>
+            <a:spLocks noGrp="1"/>
+          </p:cNvSpPr>
+          <p:nvPr>
+            <p:ph type="title"/>
+          </p:nvPr>
+        </p:nvSpPr>
+        <p:spPr/>
+        <p:txBody>
+          <a:bodyPr/>
+          <a:lstStyle/>
+          <a:p>
+            <a:pPr algn="ctr"/>
+            <a:r>
+              <a:rPr lang="en-US" dirty="0">
+                <a:solidFill>
+                  <a:srgbClr val="002060"/>
+                </a:solidFill>
+                <a:latin typeface="Calibri"/>
+              </a:rPr>
+              <a:t>Curriculum Learning</a:t>
+            </a:r>
           </a:p>
         </p:txBody>
       </p:sp>
@@ -5280,7 +9116,7 @@
           <p:cNvPr id="3" name="מציין מיקום תוכן 2">
             <a:extLst>
               <a:ext uri="{FF2B5EF4-FFF2-40B4-BE49-F238E27FC236}">
-                <a16:creationId xmlns:a16="http://schemas.microsoft.com/office/drawing/2014/main" id="{7C8E8CF1-6FD1-471A-875E-86D2272FB55A}"/>
+                <a16:creationId xmlns:a16="http://schemas.microsoft.com/office/drawing/2014/main" id="{4E953C7B-A8C0-430E-A2AA-272B223256CE}"/>
               </a:ext>
             </a:extLst>
           </p:cNvPr>
@@ -5293,17 +9129,219 @@
         </p:nvSpPr>
         <p:spPr/>
         <p:txBody>
-          <a:bodyPr/>
-          <a:lstStyle/>
-          <a:p>
-            <a:endParaRPr lang="he-IL"/>
+          <a:bodyPr>
+            <a:normAutofit/>
+          </a:bodyPr>
+          <a:lstStyle/>
+          <a:p>
+            <a:pPr algn="l" rtl="0"/>
+            <a:r>
+              <a:rPr lang="en-US" dirty="0"/>
+              <a:t>Start with easy examples, gradually increase difficulty </a:t>
+            </a:r>
+          </a:p>
+          <a:p>
+            <a:pPr algn="l" rtl="0"/>
+            <a:r>
+              <a:rPr lang="en-US" dirty="0"/>
+              <a:t>Can improve the results of the network </a:t>
+            </a:r>
+          </a:p>
+          <a:p>
+            <a:pPr lvl="1" algn="l" rtl="0"/>
+            <a:r>
+              <a:rPr lang="en-US" dirty="0"/>
+              <a:t>Article: Guy, H. (2019). “On the power of curriculum learning in training deep networks”</a:t>
+            </a:r>
+          </a:p>
+          <a:p>
+            <a:pPr lvl="1" algn="l" rtl="0"/>
+            <a:endParaRPr lang="en-US" dirty="0"/>
+          </a:p>
+          <a:p>
+            <a:pPr algn="l" rtl="0"/>
+            <a:r>
+              <a:rPr lang="en-US" dirty="0"/>
+              <a:t> </a:t>
+            </a:r>
+            <a:r>
+              <a:rPr lang="he-IL" dirty="0"/>
+              <a:t>גרף של השוואה בין התוצאות עם ובלי </a:t>
+            </a:r>
+            <a:r>
+              <a:rPr lang="en-US" dirty="0"/>
+              <a:t>curriculum</a:t>
+            </a:r>
+          </a:p>
+          <a:p>
+            <a:pPr algn="l" rtl="0"/>
+            <a:endParaRPr lang="en-US" dirty="0"/>
           </a:p>
         </p:txBody>
       </p:sp>
     </p:spTree>
     <p:extLst>
       <p:ext uri="{BB962C8B-B14F-4D97-AF65-F5344CB8AC3E}">
-        <p14:creationId xmlns:p14="http://schemas.microsoft.com/office/powerpoint/2010/main" val="3730338615"/>
+        <p14:creationId xmlns:p14="http://schemas.microsoft.com/office/powerpoint/2010/main" val="3557555891"/>
+      </p:ext>
+    </p:extLst>
+  </p:cSld>
+  <p:clrMapOvr>
+    <a:masterClrMapping/>
+  </p:clrMapOvr>
+</p:sld>
+</file>
+
+<file path=ppt/slides/slide9.xml><?xml version="1.0" encoding="utf-8"?>
+<p:sld xmlns:a="http://schemas.openxmlformats.org/drawingml/2006/main" xmlns:r="http://schemas.openxmlformats.org/officeDocument/2006/relationships" xmlns:p="http://schemas.openxmlformats.org/presentationml/2006/main">
+  <p:cSld>
+    <p:spTree>
+      <p:nvGrpSpPr>
+        <p:cNvPr id="1" name=""/>
+        <p:cNvGrpSpPr/>
+        <p:nvPr/>
+      </p:nvGrpSpPr>
+      <p:grpSpPr>
+        <a:xfrm>
+          <a:off x="0" y="0"/>
+          <a:ext cx="0" cy="0"/>
+          <a:chOff x="0" y="0"/>
+          <a:chExt cx="0" cy="0"/>
+        </a:xfrm>
+      </p:grpSpPr>
+      <p:sp>
+        <p:nvSpPr>
+          <p:cNvPr id="2" name="כותרת 1">
+            <a:extLst>
+              <a:ext uri="{FF2B5EF4-FFF2-40B4-BE49-F238E27FC236}">
+                <a16:creationId xmlns:a16="http://schemas.microsoft.com/office/drawing/2014/main" id="{5480E490-6E4D-4338-BB9A-E6695C515733}"/>
+              </a:ext>
+            </a:extLst>
+          </p:cNvPr>
+          <p:cNvSpPr>
+            <a:spLocks noGrp="1"/>
+          </p:cNvSpPr>
+          <p:nvPr>
+            <p:ph type="title"/>
+          </p:nvPr>
+        </p:nvSpPr>
+        <p:spPr/>
+        <p:txBody>
+          <a:bodyPr/>
+          <a:lstStyle/>
+          <a:p>
+            <a:pPr algn="ctr"/>
+            <a:r>
+              <a:rPr lang="en-US" dirty="0">
+                <a:solidFill>
+                  <a:srgbClr val="002060"/>
+                </a:solidFill>
+                <a:latin typeface="Calibri"/>
+              </a:rPr>
+              <a:t>Solving method</a:t>
+            </a:r>
+            <a:endParaRPr lang="he-IL" dirty="0">
+              <a:solidFill>
+                <a:srgbClr val="002060"/>
+              </a:solidFill>
+              <a:latin typeface="Calibri"/>
+            </a:endParaRPr>
+          </a:p>
+        </p:txBody>
+      </p:sp>
+      <p:sp>
+        <p:nvSpPr>
+          <p:cNvPr id="3" name="מציין מיקום תוכן 2">
+            <a:extLst>
+              <a:ext uri="{FF2B5EF4-FFF2-40B4-BE49-F238E27FC236}">
+                <a16:creationId xmlns:a16="http://schemas.microsoft.com/office/drawing/2014/main" id="{4E953C7B-A8C0-430E-A2AA-272B223256CE}"/>
+              </a:ext>
+            </a:extLst>
+          </p:cNvPr>
+          <p:cNvSpPr>
+            <a:spLocks noGrp="1"/>
+          </p:cNvSpPr>
+          <p:nvPr>
+            <p:ph idx="1"/>
+          </p:nvPr>
+        </p:nvSpPr>
+        <p:spPr/>
+        <p:txBody>
+          <a:bodyPr/>
+          <a:lstStyle/>
+          <a:p>
+            <a:pPr algn="l" rtl="0"/>
+            <a:r>
+              <a:rPr lang="en-US" dirty="0"/>
+              <a:t>Iterative method</a:t>
+            </a:r>
+          </a:p>
+          <a:p>
+            <a:pPr lvl="1" algn="l" rtl="0"/>
+            <a:r>
+              <a:rPr lang="en-US" dirty="0"/>
+              <a:t>Fill the puzzle digit by digit and not the entire puzzle at once (like human do)</a:t>
+            </a:r>
+          </a:p>
+          <a:p>
+            <a:pPr lvl="1" algn="l" rtl="0"/>
+            <a:r>
+              <a:rPr lang="en-US" dirty="0"/>
+              <a:t>Each iteration the chosen digit to fill is the one with best confidence</a:t>
+            </a:r>
+          </a:p>
+          <a:p>
+            <a:pPr lvl="1" algn="l" rtl="0"/>
+            <a:r>
+              <a:rPr lang="en-US" dirty="0"/>
+              <a:t>Calculates updated confidence for each cell</a:t>
+            </a:r>
+          </a:p>
+          <a:p>
+            <a:pPr lvl="1" algn="l" rtl="0"/>
+            <a:r>
+              <a:rPr lang="en-US" dirty="0"/>
+              <a:t>Plug the new puzzle each iteration to the net</a:t>
+            </a:r>
+          </a:p>
+          <a:p>
+            <a:pPr lvl="1" algn="l" rtl="0"/>
+            <a:endParaRPr lang="en-US" dirty="0"/>
+          </a:p>
+          <a:p>
+            <a:pPr lvl="1" algn="l" rtl="0"/>
+            <a:r>
+              <a:rPr lang="he-IL" dirty="0"/>
+              <a:t>לשים תמונה של מעקב אחרי הלוח עם הסתברויות</a:t>
+            </a:r>
+            <a:endParaRPr lang="en-US" dirty="0"/>
+          </a:p>
+          <a:p>
+            <a:pPr lvl="1" algn="l" rtl="0"/>
+            <a:endParaRPr lang="en-US" dirty="0"/>
+          </a:p>
+          <a:p>
+            <a:pPr lvl="1" algn="l" rtl="0"/>
+            <a:endParaRPr lang="en-US" dirty="0"/>
+          </a:p>
+          <a:p>
+            <a:pPr lvl="1" algn="l" rtl="0"/>
+            <a:endParaRPr lang="en-US" dirty="0"/>
+          </a:p>
+          <a:p>
+            <a:pPr lvl="1" algn="l" rtl="0"/>
+            <a:endParaRPr lang="en-US" dirty="0"/>
+          </a:p>
+          <a:p>
+            <a:pPr lvl="1" algn="l" rtl="0"/>
+            <a:endParaRPr lang="he-IL" dirty="0"/>
+          </a:p>
+        </p:txBody>
+      </p:sp>
+    </p:spTree>
+    <p:extLst>
+      <p:ext uri="{BB962C8B-B14F-4D97-AF65-F5344CB8AC3E}">
+        <p14:creationId xmlns:p14="http://schemas.microsoft.com/office/powerpoint/2010/main" val="595709881"/>
       </p:ext>
     </p:extLst>
   </p:cSld>

--- a/Presentation/final_presentation.pptx
+++ b/Presentation/final_presentation.pptx
@@ -7,6 +7,9 @@
   <p:notesMasterIdLst>
     <p:notesMasterId r:id="rId20"/>
   </p:notesMasterIdLst>
+  <p:handoutMasterIdLst>
+    <p:handoutMasterId r:id="rId21"/>
+  </p:handoutMasterIdLst>
   <p:sldIdLst>
     <p:sldId id="256" r:id="rId2"/>
     <p:sldId id="257" r:id="rId3"/>
@@ -132,6 +135,196 @@
 </p:presentation>
 </file>
 
+<file path=ppt/handoutMasters/handoutMaster1.xml><?xml version="1.0" encoding="utf-8"?>
+<p:handoutMaster xmlns:a="http://schemas.openxmlformats.org/drawingml/2006/main" xmlns:r="http://schemas.openxmlformats.org/officeDocument/2006/relationships" xmlns:p="http://schemas.openxmlformats.org/presentationml/2006/main">
+  <p:cSld>
+    <p:bg>
+      <p:bgRef idx="1001">
+        <a:schemeClr val="bg1"/>
+      </p:bgRef>
+    </p:bg>
+    <p:spTree>
+      <p:nvGrpSpPr>
+        <p:cNvPr id="1" name=""/>
+        <p:cNvGrpSpPr/>
+        <p:nvPr/>
+      </p:nvGrpSpPr>
+      <p:grpSpPr>
+        <a:xfrm>
+          <a:off x="0" y="0"/>
+          <a:ext cx="0" cy="0"/>
+          <a:chOff x="0" y="0"/>
+          <a:chExt cx="0" cy="0"/>
+        </a:xfrm>
+      </p:grpSpPr>
+      <p:sp>
+        <p:nvSpPr>
+          <p:cNvPr id="2" name="מציין מיקום של כותרת עליונה 1">
+            <a:extLst>
+              <a:ext uri="{FF2B5EF4-FFF2-40B4-BE49-F238E27FC236}">
+                <a16:creationId xmlns:a16="http://schemas.microsoft.com/office/drawing/2014/main" id="{0C2B051F-9742-4BF6-A287-344DA85D53DA}"/>
+              </a:ext>
+            </a:extLst>
+          </p:cNvPr>
+          <p:cNvSpPr>
+            <a:spLocks noGrp="1"/>
+          </p:cNvSpPr>
+          <p:nvPr>
+            <p:ph type="hdr" sz="quarter"/>
+          </p:nvPr>
+        </p:nvSpPr>
+        <p:spPr>
+          <a:xfrm>
+            <a:off x="3886200" y="0"/>
+            <a:ext cx="2971800" cy="458788"/>
+          </a:xfrm>
+          <a:prstGeom prst="rect">
+            <a:avLst/>
+          </a:prstGeom>
+        </p:spPr>
+        <p:txBody>
+          <a:bodyPr vert="horz" lIns="91440" tIns="45720" rIns="91440" bIns="45720" rtlCol="1"/>
+          <a:lstStyle>
+            <a:lvl1pPr algn="r">
+              <a:defRPr sz="1200"/>
+            </a:lvl1pPr>
+          </a:lstStyle>
+          <a:p>
+            <a:endParaRPr lang="he-IL"/>
+          </a:p>
+        </p:txBody>
+      </p:sp>
+      <p:sp>
+        <p:nvSpPr>
+          <p:cNvPr id="3" name="מציין מיקום של תאריך 2">
+            <a:extLst>
+              <a:ext uri="{FF2B5EF4-FFF2-40B4-BE49-F238E27FC236}">
+                <a16:creationId xmlns:a16="http://schemas.microsoft.com/office/drawing/2014/main" id="{3196A2B2-F10A-4E1D-B6D1-DB39D5F41621}"/>
+              </a:ext>
+            </a:extLst>
+          </p:cNvPr>
+          <p:cNvSpPr>
+            <a:spLocks noGrp="1"/>
+          </p:cNvSpPr>
+          <p:nvPr>
+            <p:ph type="dt" sz="quarter" idx="1"/>
+          </p:nvPr>
+        </p:nvSpPr>
+        <p:spPr>
+          <a:xfrm>
+            <a:off x="1588" y="0"/>
+            <a:ext cx="2971800" cy="458788"/>
+          </a:xfrm>
+          <a:prstGeom prst="rect">
+            <a:avLst/>
+          </a:prstGeom>
+        </p:spPr>
+        <p:txBody>
+          <a:bodyPr vert="horz" lIns="91440" tIns="45720" rIns="91440" bIns="45720" rtlCol="1"/>
+          <a:lstStyle>
+            <a:lvl1pPr algn="l">
+              <a:defRPr sz="1200"/>
+            </a:lvl1pPr>
+          </a:lstStyle>
+          <a:p>
+            <a:fld id="{B9B646A0-8041-4E6E-836C-EE83B35CC850}" type="datetimeFigureOut">
+              <a:rPr lang="he-IL" smtClean="0"/>
+              <a:t>ט"ז/אלול/תש"ף</a:t>
+            </a:fld>
+            <a:endParaRPr lang="he-IL"/>
+          </a:p>
+        </p:txBody>
+      </p:sp>
+      <p:sp>
+        <p:nvSpPr>
+          <p:cNvPr id="4" name="מציין מיקום של כותרת תחתונה 3">
+            <a:extLst>
+              <a:ext uri="{FF2B5EF4-FFF2-40B4-BE49-F238E27FC236}">
+                <a16:creationId xmlns:a16="http://schemas.microsoft.com/office/drawing/2014/main" id="{CCA39FCC-287A-482F-8043-D294C75B9B72}"/>
+              </a:ext>
+            </a:extLst>
+          </p:cNvPr>
+          <p:cNvSpPr>
+            <a:spLocks noGrp="1"/>
+          </p:cNvSpPr>
+          <p:nvPr>
+            <p:ph type="ftr" sz="quarter" idx="2"/>
+          </p:nvPr>
+        </p:nvSpPr>
+        <p:spPr>
+          <a:xfrm>
+            <a:off x="3886200" y="8685213"/>
+            <a:ext cx="2971800" cy="458787"/>
+          </a:xfrm>
+          <a:prstGeom prst="rect">
+            <a:avLst/>
+          </a:prstGeom>
+        </p:spPr>
+        <p:txBody>
+          <a:bodyPr vert="horz" lIns="91440" tIns="45720" rIns="91440" bIns="45720" rtlCol="1" anchor="b"/>
+          <a:lstStyle>
+            <a:lvl1pPr algn="r">
+              <a:defRPr sz="1200"/>
+            </a:lvl1pPr>
+          </a:lstStyle>
+          <a:p>
+            <a:endParaRPr lang="he-IL"/>
+          </a:p>
+        </p:txBody>
+      </p:sp>
+      <p:sp>
+        <p:nvSpPr>
+          <p:cNvPr id="5" name="מציין מיקום של מספר שקופית 4">
+            <a:extLst>
+              <a:ext uri="{FF2B5EF4-FFF2-40B4-BE49-F238E27FC236}">
+                <a16:creationId xmlns:a16="http://schemas.microsoft.com/office/drawing/2014/main" id="{3771E368-A51B-4FA5-92C5-FC69D6EE5F30}"/>
+              </a:ext>
+            </a:extLst>
+          </p:cNvPr>
+          <p:cNvSpPr>
+            <a:spLocks noGrp="1"/>
+          </p:cNvSpPr>
+          <p:nvPr>
+            <p:ph type="sldNum" sz="quarter" idx="3"/>
+          </p:nvPr>
+        </p:nvSpPr>
+        <p:spPr>
+          <a:xfrm>
+            <a:off x="1588" y="8685213"/>
+            <a:ext cx="2971800" cy="458787"/>
+          </a:xfrm>
+          <a:prstGeom prst="rect">
+            <a:avLst/>
+          </a:prstGeom>
+        </p:spPr>
+        <p:txBody>
+          <a:bodyPr vert="horz" lIns="91440" tIns="45720" rIns="91440" bIns="45720" rtlCol="1" anchor="b"/>
+          <a:lstStyle>
+            <a:lvl1pPr algn="l">
+              <a:defRPr sz="1200"/>
+            </a:lvl1pPr>
+          </a:lstStyle>
+          <a:p>
+            <a:fld id="{BBD7351B-C393-4926-8409-BD3C11014BE1}" type="slidenum">
+              <a:rPr lang="he-IL" smtClean="0"/>
+              <a:t>‹#›</a:t>
+            </a:fld>
+            <a:endParaRPr lang="he-IL"/>
+          </a:p>
+        </p:txBody>
+      </p:sp>
+    </p:spTree>
+    <p:extLst>
+      <p:ext uri="{BB962C8B-B14F-4D97-AF65-F5344CB8AC3E}">
+        <p14:creationId xmlns:p14="http://schemas.microsoft.com/office/powerpoint/2010/main" val="3224694031"/>
+      </p:ext>
+    </p:extLst>
+  </p:cSld>
+  <p:clrMap bg1="lt1" tx1="dk1" bg2="lt2" tx2="dk2" accent1="accent1" accent2="accent2" accent3="accent3" accent4="accent4" accent5="accent5" accent6="accent6" hlink="hlink" folHlink="folHlink"/>
+  <p:hf hdr="0" ftr="0" dt="0"/>
+</p:handoutMaster>
+</file>
+
 <file path=ppt/notesMasters/notesMaster1.xml><?xml version="1.0" encoding="utf-8"?>
 <p:notesMaster xmlns:a="http://schemas.openxmlformats.org/drawingml/2006/main" xmlns:r="http://schemas.openxmlformats.org/officeDocument/2006/relationships" xmlns:p="http://schemas.openxmlformats.org/presentationml/2006/main">
   <p:cSld>
@@ -386,6 +579,7 @@
     </p:extLst>
   </p:cSld>
   <p:clrMap bg1="lt1" tx1="dk1" bg2="lt2" tx2="dk2" accent1="accent1" accent2="accent2" accent3="accent3" accent4="accent4" accent5="accent5" accent6="accent6" hlink="hlink" folHlink="folHlink"/>
+  <p:hf hdr="0" ftr="0" dt="0"/>
   <p:notesStyle>
     <a:lvl1pPr marL="0" algn="r" defTabSz="914400" rtl="1" eaLnBrk="1" latinLnBrk="0" hangingPunct="1">
       <a:defRPr sz="1200" kern="1200">
@@ -549,15 +743,7 @@
           <a:p>
             <a:r>
               <a:rPr lang="he-IL" dirty="0"/>
-              <a:t>2. </a:t>
-            </a:r>
-            <a:r>
-              <a:rPr lang="he-IL"/>
-              <a:t>ישנם </a:t>
-            </a:r>
-            <a:r>
-              <a:rPr lang="he-IL" dirty="0"/>
-              <a:t>פתרונות גם בתחומי הלמידה </a:t>
+              <a:t>2. ישנם פתרונות גם בתחומי הלמידה </a:t>
             </a:r>
           </a:p>
         </p:txBody>
@@ -1476,7 +1662,18 @@
           <a:bodyPr/>
           <a:lstStyle/>
           <a:p>
-            <a:endParaRPr lang="he-IL" dirty="0"/>
+            <a:r>
+              <a:rPr lang="he-IL" dirty="0"/>
+              <a:t>בדיקת כל הענפים, וכאשר מתגלה בדרך שהענף לא תקין, מסיקים </a:t>
+            </a:r>
+            <a:r>
+              <a:rPr lang="he-IL" dirty="0" err="1"/>
+              <a:t>להתתח</a:t>
+            </a:r>
+            <a:r>
+              <a:rPr lang="he-IL" dirty="0"/>
+              <a:t> בכיוון שלו וחוקרים ענף אחר עד שמגיעים לפתרון.</a:t>
+            </a:r>
           </a:p>
         </p:txBody>
       </p:sp>
@@ -5726,6 +5923,228 @@
           </a:prstGeom>
         </p:spPr>
       </p:pic>
+      <p:sp>
+        <p:nvSpPr>
+          <p:cNvPr id="7" name="Subtitle 2">
+            <a:extLst>
+              <a:ext uri="{FF2B5EF4-FFF2-40B4-BE49-F238E27FC236}">
+                <a16:creationId xmlns:a16="http://schemas.microsoft.com/office/drawing/2014/main" id="{32763DE1-AEE1-419A-86FA-745201868C7D}"/>
+              </a:ext>
+            </a:extLst>
+          </p:cNvPr>
+          <p:cNvSpPr txBox="1">
+            <a:spLocks/>
+          </p:cNvSpPr>
+          <p:nvPr/>
+        </p:nvSpPr>
+        <p:spPr>
+          <a:xfrm>
+            <a:off x="8562669" y="6359024"/>
+            <a:ext cx="469038" cy="498976"/>
+          </a:xfrm>
+          <a:prstGeom prst="rect">
+            <a:avLst/>
+          </a:prstGeom>
+        </p:spPr>
+        <p:txBody>
+          <a:bodyPr vert="horz" lIns="91440" tIns="45720" rIns="91440" bIns="45720" rtlCol="1" anchor="t">
+            <a:noAutofit/>
+          </a:bodyPr>
+          <a:lstStyle>
+            <a:lvl1pPr marL="0" indent="0" algn="ctr" defTabSz="914400" rtl="1" eaLnBrk="1" latinLnBrk="0" hangingPunct="1">
+              <a:lnSpc>
+                <a:spcPct val="90000"/>
+              </a:lnSpc>
+              <a:spcBef>
+                <a:spcPct val="20000"/>
+              </a:spcBef>
+              <a:buFont typeface="Arial" panose="020B0604020202020204" pitchFamily="34" charset="0"/>
+              <a:buNone/>
+              <a:defRPr sz="3200" kern="1200">
+                <a:solidFill>
+                  <a:schemeClr val="tx1">
+                    <a:tint val="75000"/>
+                  </a:schemeClr>
+                </a:solidFill>
+                <a:latin typeface="+mn-lt"/>
+                <a:ea typeface="+mn-ea"/>
+                <a:cs typeface="+mn-cs"/>
+              </a:defRPr>
+            </a:lvl1pPr>
+            <a:lvl2pPr marL="457200" indent="0" algn="ctr" defTabSz="914400" rtl="1" eaLnBrk="1" latinLnBrk="0" hangingPunct="1">
+              <a:lnSpc>
+                <a:spcPct val="90000"/>
+              </a:lnSpc>
+              <a:spcBef>
+                <a:spcPct val="20000"/>
+              </a:spcBef>
+              <a:buFont typeface="Arial" panose="020B0604020202020204" pitchFamily="34" charset="0"/>
+              <a:buNone/>
+              <a:defRPr sz="2800" kern="1200">
+                <a:solidFill>
+                  <a:schemeClr val="tx1">
+                    <a:tint val="75000"/>
+                  </a:schemeClr>
+                </a:solidFill>
+                <a:latin typeface="+mn-lt"/>
+                <a:ea typeface="+mn-ea"/>
+                <a:cs typeface="+mn-cs"/>
+              </a:defRPr>
+            </a:lvl2pPr>
+            <a:lvl3pPr marL="914400" indent="0" algn="ctr" defTabSz="914400" rtl="1" eaLnBrk="1" latinLnBrk="0" hangingPunct="1">
+              <a:lnSpc>
+                <a:spcPct val="90000"/>
+              </a:lnSpc>
+              <a:spcBef>
+                <a:spcPct val="20000"/>
+              </a:spcBef>
+              <a:buFont typeface="Arial" panose="020B0604020202020204" pitchFamily="34" charset="0"/>
+              <a:buNone/>
+              <a:defRPr sz="2400" kern="1200">
+                <a:solidFill>
+                  <a:schemeClr val="tx1">
+                    <a:tint val="75000"/>
+                  </a:schemeClr>
+                </a:solidFill>
+                <a:latin typeface="+mn-lt"/>
+                <a:ea typeface="+mn-ea"/>
+                <a:cs typeface="+mn-cs"/>
+              </a:defRPr>
+            </a:lvl3pPr>
+            <a:lvl4pPr marL="1371600" indent="0" algn="ctr" defTabSz="914400" rtl="1" eaLnBrk="1" latinLnBrk="0" hangingPunct="1">
+              <a:lnSpc>
+                <a:spcPct val="90000"/>
+              </a:lnSpc>
+              <a:spcBef>
+                <a:spcPct val="20000"/>
+              </a:spcBef>
+              <a:buFont typeface="Arial" panose="020B0604020202020204" pitchFamily="34" charset="0"/>
+              <a:buNone/>
+              <a:defRPr sz="2000" kern="1200">
+                <a:solidFill>
+                  <a:schemeClr val="tx1">
+                    <a:tint val="75000"/>
+                  </a:schemeClr>
+                </a:solidFill>
+                <a:latin typeface="+mn-lt"/>
+                <a:ea typeface="+mn-ea"/>
+                <a:cs typeface="+mn-cs"/>
+              </a:defRPr>
+            </a:lvl4pPr>
+            <a:lvl5pPr marL="1828800" indent="0" algn="ctr" defTabSz="914400" rtl="1" eaLnBrk="1" latinLnBrk="0" hangingPunct="1">
+              <a:lnSpc>
+                <a:spcPct val="90000"/>
+              </a:lnSpc>
+              <a:spcBef>
+                <a:spcPct val="20000"/>
+              </a:spcBef>
+              <a:buFont typeface="Arial" panose="020B0604020202020204" pitchFamily="34" charset="0"/>
+              <a:buNone/>
+              <a:defRPr sz="2000" kern="1200">
+                <a:solidFill>
+                  <a:schemeClr val="tx1">
+                    <a:tint val="75000"/>
+                  </a:schemeClr>
+                </a:solidFill>
+                <a:latin typeface="+mn-lt"/>
+                <a:ea typeface="+mn-ea"/>
+                <a:cs typeface="+mn-cs"/>
+              </a:defRPr>
+            </a:lvl5pPr>
+            <a:lvl6pPr marL="2286000" indent="0" algn="ctr" defTabSz="914400" rtl="1" eaLnBrk="1" latinLnBrk="0" hangingPunct="1">
+              <a:lnSpc>
+                <a:spcPct val="90000"/>
+              </a:lnSpc>
+              <a:spcBef>
+                <a:spcPct val="20000"/>
+              </a:spcBef>
+              <a:buFont typeface="Arial" panose="020B0604020202020204" pitchFamily="34" charset="0"/>
+              <a:buNone/>
+              <a:defRPr sz="2000" kern="1200">
+                <a:solidFill>
+                  <a:schemeClr val="tx1">
+                    <a:tint val="75000"/>
+                  </a:schemeClr>
+                </a:solidFill>
+                <a:latin typeface="+mn-lt"/>
+                <a:ea typeface="+mn-ea"/>
+                <a:cs typeface="+mn-cs"/>
+              </a:defRPr>
+            </a:lvl6pPr>
+            <a:lvl7pPr marL="2743200" indent="0" algn="ctr" defTabSz="914400" rtl="1" eaLnBrk="1" latinLnBrk="0" hangingPunct="1">
+              <a:lnSpc>
+                <a:spcPct val="90000"/>
+              </a:lnSpc>
+              <a:spcBef>
+                <a:spcPct val="20000"/>
+              </a:spcBef>
+              <a:buFont typeface="Arial" panose="020B0604020202020204" pitchFamily="34" charset="0"/>
+              <a:buNone/>
+              <a:defRPr sz="2000" kern="1200">
+                <a:solidFill>
+                  <a:schemeClr val="tx1">
+                    <a:tint val="75000"/>
+                  </a:schemeClr>
+                </a:solidFill>
+                <a:latin typeface="+mn-lt"/>
+                <a:ea typeface="+mn-ea"/>
+                <a:cs typeface="+mn-cs"/>
+              </a:defRPr>
+            </a:lvl7pPr>
+            <a:lvl8pPr marL="3200400" indent="0" algn="ctr" defTabSz="914400" rtl="1" eaLnBrk="1" latinLnBrk="0" hangingPunct="1">
+              <a:lnSpc>
+                <a:spcPct val="90000"/>
+              </a:lnSpc>
+              <a:spcBef>
+                <a:spcPct val="20000"/>
+              </a:spcBef>
+              <a:buFont typeface="Arial" panose="020B0604020202020204" pitchFamily="34" charset="0"/>
+              <a:buNone/>
+              <a:defRPr sz="2000" kern="1200">
+                <a:solidFill>
+                  <a:schemeClr val="tx1">
+                    <a:tint val="75000"/>
+                  </a:schemeClr>
+                </a:solidFill>
+                <a:latin typeface="+mn-lt"/>
+                <a:ea typeface="+mn-ea"/>
+                <a:cs typeface="+mn-cs"/>
+              </a:defRPr>
+            </a:lvl8pPr>
+            <a:lvl9pPr marL="3657600" indent="0" algn="ctr" defTabSz="914400" rtl="1" eaLnBrk="1" latinLnBrk="0" hangingPunct="1">
+              <a:lnSpc>
+                <a:spcPct val="90000"/>
+              </a:lnSpc>
+              <a:spcBef>
+                <a:spcPct val="20000"/>
+              </a:spcBef>
+              <a:buFont typeface="Arial" panose="020B0604020202020204" pitchFamily="34" charset="0"/>
+              <a:buNone/>
+              <a:defRPr sz="2000" kern="1200">
+                <a:solidFill>
+                  <a:schemeClr val="tx1">
+                    <a:tint val="75000"/>
+                  </a:schemeClr>
+                </a:solidFill>
+                <a:latin typeface="+mn-lt"/>
+                <a:ea typeface="+mn-ea"/>
+                <a:cs typeface="+mn-cs"/>
+              </a:defRPr>
+            </a:lvl9pPr>
+          </a:lstStyle>
+          <a:p>
+            <a:pPr algn="l" rtl="0"/>
+            <a:r>
+              <a:rPr lang="en-US" sz="2400" dirty="0">
+                <a:solidFill>
+                  <a:schemeClr val="tx1"/>
+                </a:solidFill>
+              </a:rPr>
+              <a:t>1</a:t>
+            </a:r>
+          </a:p>
+        </p:txBody>
+      </p:sp>
     </p:spTree>
     <p:extLst>
       <p:ext uri="{BB962C8B-B14F-4D97-AF65-F5344CB8AC3E}">
@@ -5867,6 +6286,258 @@
           <a:p>
             <a:pPr lvl="1" algn="l" rtl="0"/>
             <a:endParaRPr lang="he-IL" dirty="0"/>
+          </a:p>
+        </p:txBody>
+      </p:sp>
+      <p:pic>
+        <p:nvPicPr>
+          <p:cNvPr id="5" name="תמונה 4">
+            <a:extLst>
+              <a:ext uri="{FF2B5EF4-FFF2-40B4-BE49-F238E27FC236}">
+                <a16:creationId xmlns:a16="http://schemas.microsoft.com/office/drawing/2014/main" id="{DA5FE6A8-6025-4122-911E-BC724BF08A20}"/>
+              </a:ext>
+            </a:extLst>
+          </p:cNvPr>
+          <p:cNvPicPr>
+            <a:picLocks noChangeAspect="1"/>
+          </p:cNvPicPr>
+          <p:nvPr/>
+        </p:nvPicPr>
+        <p:blipFill>
+          <a:blip r:embed="rId3"/>
+          <a:stretch>
+            <a:fillRect/>
+          </a:stretch>
+        </p:blipFill>
+        <p:spPr>
+          <a:xfrm>
+            <a:off x="4081462" y="6505575"/>
+            <a:ext cx="981075" cy="352425"/>
+          </a:xfrm>
+          <a:prstGeom prst="rect">
+            <a:avLst/>
+          </a:prstGeom>
+        </p:spPr>
+      </p:pic>
+      <p:sp>
+        <p:nvSpPr>
+          <p:cNvPr id="7" name="Subtitle 2">
+            <a:extLst>
+              <a:ext uri="{FF2B5EF4-FFF2-40B4-BE49-F238E27FC236}">
+                <a16:creationId xmlns:a16="http://schemas.microsoft.com/office/drawing/2014/main" id="{FBDA790D-6DDF-423C-B545-72996A09B388}"/>
+              </a:ext>
+            </a:extLst>
+          </p:cNvPr>
+          <p:cNvSpPr txBox="1">
+            <a:spLocks/>
+          </p:cNvSpPr>
+          <p:nvPr/>
+        </p:nvSpPr>
+        <p:spPr>
+          <a:xfrm>
+            <a:off x="8562668" y="6359024"/>
+            <a:ext cx="581331" cy="498976"/>
+          </a:xfrm>
+          <a:prstGeom prst="rect">
+            <a:avLst/>
+          </a:prstGeom>
+        </p:spPr>
+        <p:txBody>
+          <a:bodyPr vert="horz" lIns="91440" tIns="45720" rIns="91440" bIns="45720" rtlCol="1" anchor="t">
+            <a:noAutofit/>
+          </a:bodyPr>
+          <a:lstStyle>
+            <a:lvl1pPr marL="0" indent="0" algn="ctr" defTabSz="914400" rtl="1" eaLnBrk="1" latinLnBrk="0" hangingPunct="1">
+              <a:lnSpc>
+                <a:spcPct val="90000"/>
+              </a:lnSpc>
+              <a:spcBef>
+                <a:spcPct val="20000"/>
+              </a:spcBef>
+              <a:buFont typeface="Arial" panose="020B0604020202020204" pitchFamily="34" charset="0"/>
+              <a:buNone/>
+              <a:defRPr sz="3200" kern="1200">
+                <a:solidFill>
+                  <a:schemeClr val="tx1">
+                    <a:tint val="75000"/>
+                  </a:schemeClr>
+                </a:solidFill>
+                <a:latin typeface="+mn-lt"/>
+                <a:ea typeface="+mn-ea"/>
+                <a:cs typeface="+mn-cs"/>
+              </a:defRPr>
+            </a:lvl1pPr>
+            <a:lvl2pPr marL="457200" indent="0" algn="ctr" defTabSz="914400" rtl="1" eaLnBrk="1" latinLnBrk="0" hangingPunct="1">
+              <a:lnSpc>
+                <a:spcPct val="90000"/>
+              </a:lnSpc>
+              <a:spcBef>
+                <a:spcPct val="20000"/>
+              </a:spcBef>
+              <a:buFont typeface="Arial" panose="020B0604020202020204" pitchFamily="34" charset="0"/>
+              <a:buNone/>
+              <a:defRPr sz="2800" kern="1200">
+                <a:solidFill>
+                  <a:schemeClr val="tx1">
+                    <a:tint val="75000"/>
+                  </a:schemeClr>
+                </a:solidFill>
+                <a:latin typeface="+mn-lt"/>
+                <a:ea typeface="+mn-ea"/>
+                <a:cs typeface="+mn-cs"/>
+              </a:defRPr>
+            </a:lvl2pPr>
+            <a:lvl3pPr marL="914400" indent="0" algn="ctr" defTabSz="914400" rtl="1" eaLnBrk="1" latinLnBrk="0" hangingPunct="1">
+              <a:lnSpc>
+                <a:spcPct val="90000"/>
+              </a:lnSpc>
+              <a:spcBef>
+                <a:spcPct val="20000"/>
+              </a:spcBef>
+              <a:buFont typeface="Arial" panose="020B0604020202020204" pitchFamily="34" charset="0"/>
+              <a:buNone/>
+              <a:defRPr sz="2400" kern="1200">
+                <a:solidFill>
+                  <a:schemeClr val="tx1">
+                    <a:tint val="75000"/>
+                  </a:schemeClr>
+                </a:solidFill>
+                <a:latin typeface="+mn-lt"/>
+                <a:ea typeface="+mn-ea"/>
+                <a:cs typeface="+mn-cs"/>
+              </a:defRPr>
+            </a:lvl3pPr>
+            <a:lvl4pPr marL="1371600" indent="0" algn="ctr" defTabSz="914400" rtl="1" eaLnBrk="1" latinLnBrk="0" hangingPunct="1">
+              <a:lnSpc>
+                <a:spcPct val="90000"/>
+              </a:lnSpc>
+              <a:spcBef>
+                <a:spcPct val="20000"/>
+              </a:spcBef>
+              <a:buFont typeface="Arial" panose="020B0604020202020204" pitchFamily="34" charset="0"/>
+              <a:buNone/>
+              <a:defRPr sz="2000" kern="1200">
+                <a:solidFill>
+                  <a:schemeClr val="tx1">
+                    <a:tint val="75000"/>
+                  </a:schemeClr>
+                </a:solidFill>
+                <a:latin typeface="+mn-lt"/>
+                <a:ea typeface="+mn-ea"/>
+                <a:cs typeface="+mn-cs"/>
+              </a:defRPr>
+            </a:lvl4pPr>
+            <a:lvl5pPr marL="1828800" indent="0" algn="ctr" defTabSz="914400" rtl="1" eaLnBrk="1" latinLnBrk="0" hangingPunct="1">
+              <a:lnSpc>
+                <a:spcPct val="90000"/>
+              </a:lnSpc>
+              <a:spcBef>
+                <a:spcPct val="20000"/>
+              </a:spcBef>
+              <a:buFont typeface="Arial" panose="020B0604020202020204" pitchFamily="34" charset="0"/>
+              <a:buNone/>
+              <a:defRPr sz="2000" kern="1200">
+                <a:solidFill>
+                  <a:schemeClr val="tx1">
+                    <a:tint val="75000"/>
+                  </a:schemeClr>
+                </a:solidFill>
+                <a:latin typeface="+mn-lt"/>
+                <a:ea typeface="+mn-ea"/>
+                <a:cs typeface="+mn-cs"/>
+              </a:defRPr>
+            </a:lvl5pPr>
+            <a:lvl6pPr marL="2286000" indent="0" algn="ctr" defTabSz="914400" rtl="1" eaLnBrk="1" latinLnBrk="0" hangingPunct="1">
+              <a:lnSpc>
+                <a:spcPct val="90000"/>
+              </a:lnSpc>
+              <a:spcBef>
+                <a:spcPct val="20000"/>
+              </a:spcBef>
+              <a:buFont typeface="Arial" panose="020B0604020202020204" pitchFamily="34" charset="0"/>
+              <a:buNone/>
+              <a:defRPr sz="2000" kern="1200">
+                <a:solidFill>
+                  <a:schemeClr val="tx1">
+                    <a:tint val="75000"/>
+                  </a:schemeClr>
+                </a:solidFill>
+                <a:latin typeface="+mn-lt"/>
+                <a:ea typeface="+mn-ea"/>
+                <a:cs typeface="+mn-cs"/>
+              </a:defRPr>
+            </a:lvl6pPr>
+            <a:lvl7pPr marL="2743200" indent="0" algn="ctr" defTabSz="914400" rtl="1" eaLnBrk="1" latinLnBrk="0" hangingPunct="1">
+              <a:lnSpc>
+                <a:spcPct val="90000"/>
+              </a:lnSpc>
+              <a:spcBef>
+                <a:spcPct val="20000"/>
+              </a:spcBef>
+              <a:buFont typeface="Arial" panose="020B0604020202020204" pitchFamily="34" charset="0"/>
+              <a:buNone/>
+              <a:defRPr sz="2000" kern="1200">
+                <a:solidFill>
+                  <a:schemeClr val="tx1">
+                    <a:tint val="75000"/>
+                  </a:schemeClr>
+                </a:solidFill>
+                <a:latin typeface="+mn-lt"/>
+                <a:ea typeface="+mn-ea"/>
+                <a:cs typeface="+mn-cs"/>
+              </a:defRPr>
+            </a:lvl7pPr>
+            <a:lvl8pPr marL="3200400" indent="0" algn="ctr" defTabSz="914400" rtl="1" eaLnBrk="1" latinLnBrk="0" hangingPunct="1">
+              <a:lnSpc>
+                <a:spcPct val="90000"/>
+              </a:lnSpc>
+              <a:spcBef>
+                <a:spcPct val="20000"/>
+              </a:spcBef>
+              <a:buFont typeface="Arial" panose="020B0604020202020204" pitchFamily="34" charset="0"/>
+              <a:buNone/>
+              <a:defRPr sz="2000" kern="1200">
+                <a:solidFill>
+                  <a:schemeClr val="tx1">
+                    <a:tint val="75000"/>
+                  </a:schemeClr>
+                </a:solidFill>
+                <a:latin typeface="+mn-lt"/>
+                <a:ea typeface="+mn-ea"/>
+                <a:cs typeface="+mn-cs"/>
+              </a:defRPr>
+            </a:lvl8pPr>
+            <a:lvl9pPr marL="3657600" indent="0" algn="ctr" defTabSz="914400" rtl="1" eaLnBrk="1" latinLnBrk="0" hangingPunct="1">
+              <a:lnSpc>
+                <a:spcPct val="90000"/>
+              </a:lnSpc>
+              <a:spcBef>
+                <a:spcPct val="20000"/>
+              </a:spcBef>
+              <a:buFont typeface="Arial" panose="020B0604020202020204" pitchFamily="34" charset="0"/>
+              <a:buNone/>
+              <a:defRPr sz="2000" kern="1200">
+                <a:solidFill>
+                  <a:schemeClr val="tx1">
+                    <a:tint val="75000"/>
+                  </a:schemeClr>
+                </a:solidFill>
+                <a:latin typeface="+mn-lt"/>
+                <a:ea typeface="+mn-ea"/>
+                <a:cs typeface="+mn-cs"/>
+              </a:defRPr>
+            </a:lvl9pPr>
+          </a:lstStyle>
+          <a:p>
+            <a:pPr algn="l" rtl="0"/>
+            <a:r>
+              <a:rPr lang="en-US" sz="2400" dirty="0">
+                <a:solidFill>
+                  <a:schemeClr val="tx1"/>
+                </a:solidFill>
+              </a:rPr>
+              <a:t>10</a:t>
+            </a:r>
           </a:p>
         </p:txBody>
       </p:sp>
@@ -6839,6 +7510,258 @@
           </a:graphicData>
         </a:graphic>
       </p:graphicFrame>
+      <p:pic>
+        <p:nvPicPr>
+          <p:cNvPr id="3" name="תמונה 2">
+            <a:extLst>
+              <a:ext uri="{FF2B5EF4-FFF2-40B4-BE49-F238E27FC236}">
+                <a16:creationId xmlns:a16="http://schemas.microsoft.com/office/drawing/2014/main" id="{CFB5BC96-3E49-4ECD-A1E2-5AAA82327035}"/>
+              </a:ext>
+            </a:extLst>
+          </p:cNvPr>
+          <p:cNvPicPr>
+            <a:picLocks noChangeAspect="1"/>
+          </p:cNvPicPr>
+          <p:nvPr/>
+        </p:nvPicPr>
+        <p:blipFill>
+          <a:blip r:embed="rId3"/>
+          <a:stretch>
+            <a:fillRect/>
+          </a:stretch>
+        </p:blipFill>
+        <p:spPr>
+          <a:xfrm>
+            <a:off x="4081462" y="6505575"/>
+            <a:ext cx="981075" cy="352425"/>
+          </a:xfrm>
+          <a:prstGeom prst="rect">
+            <a:avLst/>
+          </a:prstGeom>
+        </p:spPr>
+      </p:pic>
+      <p:sp>
+        <p:nvSpPr>
+          <p:cNvPr id="7" name="Subtitle 2">
+            <a:extLst>
+              <a:ext uri="{FF2B5EF4-FFF2-40B4-BE49-F238E27FC236}">
+                <a16:creationId xmlns:a16="http://schemas.microsoft.com/office/drawing/2014/main" id="{82530489-1901-4E9D-AC91-F01796EA66E8}"/>
+              </a:ext>
+            </a:extLst>
+          </p:cNvPr>
+          <p:cNvSpPr txBox="1">
+            <a:spLocks/>
+          </p:cNvSpPr>
+          <p:nvPr/>
+        </p:nvSpPr>
+        <p:spPr>
+          <a:xfrm>
+            <a:off x="8562668" y="6359024"/>
+            <a:ext cx="581331" cy="498976"/>
+          </a:xfrm>
+          <a:prstGeom prst="rect">
+            <a:avLst/>
+          </a:prstGeom>
+        </p:spPr>
+        <p:txBody>
+          <a:bodyPr vert="horz" lIns="91440" tIns="45720" rIns="91440" bIns="45720" rtlCol="1" anchor="t">
+            <a:noAutofit/>
+          </a:bodyPr>
+          <a:lstStyle>
+            <a:lvl1pPr marL="0" indent="0" algn="ctr" defTabSz="914400" rtl="1" eaLnBrk="1" latinLnBrk="0" hangingPunct="1">
+              <a:lnSpc>
+                <a:spcPct val="90000"/>
+              </a:lnSpc>
+              <a:spcBef>
+                <a:spcPct val="20000"/>
+              </a:spcBef>
+              <a:buFont typeface="Arial" panose="020B0604020202020204" pitchFamily="34" charset="0"/>
+              <a:buNone/>
+              <a:defRPr sz="3200" kern="1200">
+                <a:solidFill>
+                  <a:schemeClr val="tx1">
+                    <a:tint val="75000"/>
+                  </a:schemeClr>
+                </a:solidFill>
+                <a:latin typeface="+mn-lt"/>
+                <a:ea typeface="+mn-ea"/>
+                <a:cs typeface="+mn-cs"/>
+              </a:defRPr>
+            </a:lvl1pPr>
+            <a:lvl2pPr marL="457200" indent="0" algn="ctr" defTabSz="914400" rtl="1" eaLnBrk="1" latinLnBrk="0" hangingPunct="1">
+              <a:lnSpc>
+                <a:spcPct val="90000"/>
+              </a:lnSpc>
+              <a:spcBef>
+                <a:spcPct val="20000"/>
+              </a:spcBef>
+              <a:buFont typeface="Arial" panose="020B0604020202020204" pitchFamily="34" charset="0"/>
+              <a:buNone/>
+              <a:defRPr sz="2800" kern="1200">
+                <a:solidFill>
+                  <a:schemeClr val="tx1">
+                    <a:tint val="75000"/>
+                  </a:schemeClr>
+                </a:solidFill>
+                <a:latin typeface="+mn-lt"/>
+                <a:ea typeface="+mn-ea"/>
+                <a:cs typeface="+mn-cs"/>
+              </a:defRPr>
+            </a:lvl2pPr>
+            <a:lvl3pPr marL="914400" indent="0" algn="ctr" defTabSz="914400" rtl="1" eaLnBrk="1" latinLnBrk="0" hangingPunct="1">
+              <a:lnSpc>
+                <a:spcPct val="90000"/>
+              </a:lnSpc>
+              <a:spcBef>
+                <a:spcPct val="20000"/>
+              </a:spcBef>
+              <a:buFont typeface="Arial" panose="020B0604020202020204" pitchFamily="34" charset="0"/>
+              <a:buNone/>
+              <a:defRPr sz="2400" kern="1200">
+                <a:solidFill>
+                  <a:schemeClr val="tx1">
+                    <a:tint val="75000"/>
+                  </a:schemeClr>
+                </a:solidFill>
+                <a:latin typeface="+mn-lt"/>
+                <a:ea typeface="+mn-ea"/>
+                <a:cs typeface="+mn-cs"/>
+              </a:defRPr>
+            </a:lvl3pPr>
+            <a:lvl4pPr marL="1371600" indent="0" algn="ctr" defTabSz="914400" rtl="1" eaLnBrk="1" latinLnBrk="0" hangingPunct="1">
+              <a:lnSpc>
+                <a:spcPct val="90000"/>
+              </a:lnSpc>
+              <a:spcBef>
+                <a:spcPct val="20000"/>
+              </a:spcBef>
+              <a:buFont typeface="Arial" panose="020B0604020202020204" pitchFamily="34" charset="0"/>
+              <a:buNone/>
+              <a:defRPr sz="2000" kern="1200">
+                <a:solidFill>
+                  <a:schemeClr val="tx1">
+                    <a:tint val="75000"/>
+                  </a:schemeClr>
+                </a:solidFill>
+                <a:latin typeface="+mn-lt"/>
+                <a:ea typeface="+mn-ea"/>
+                <a:cs typeface="+mn-cs"/>
+              </a:defRPr>
+            </a:lvl4pPr>
+            <a:lvl5pPr marL="1828800" indent="0" algn="ctr" defTabSz="914400" rtl="1" eaLnBrk="1" latinLnBrk="0" hangingPunct="1">
+              <a:lnSpc>
+                <a:spcPct val="90000"/>
+              </a:lnSpc>
+              <a:spcBef>
+                <a:spcPct val="20000"/>
+              </a:spcBef>
+              <a:buFont typeface="Arial" panose="020B0604020202020204" pitchFamily="34" charset="0"/>
+              <a:buNone/>
+              <a:defRPr sz="2000" kern="1200">
+                <a:solidFill>
+                  <a:schemeClr val="tx1">
+                    <a:tint val="75000"/>
+                  </a:schemeClr>
+                </a:solidFill>
+                <a:latin typeface="+mn-lt"/>
+                <a:ea typeface="+mn-ea"/>
+                <a:cs typeface="+mn-cs"/>
+              </a:defRPr>
+            </a:lvl5pPr>
+            <a:lvl6pPr marL="2286000" indent="0" algn="ctr" defTabSz="914400" rtl="1" eaLnBrk="1" latinLnBrk="0" hangingPunct="1">
+              <a:lnSpc>
+                <a:spcPct val="90000"/>
+              </a:lnSpc>
+              <a:spcBef>
+                <a:spcPct val="20000"/>
+              </a:spcBef>
+              <a:buFont typeface="Arial" panose="020B0604020202020204" pitchFamily="34" charset="0"/>
+              <a:buNone/>
+              <a:defRPr sz="2000" kern="1200">
+                <a:solidFill>
+                  <a:schemeClr val="tx1">
+                    <a:tint val="75000"/>
+                  </a:schemeClr>
+                </a:solidFill>
+                <a:latin typeface="+mn-lt"/>
+                <a:ea typeface="+mn-ea"/>
+                <a:cs typeface="+mn-cs"/>
+              </a:defRPr>
+            </a:lvl6pPr>
+            <a:lvl7pPr marL="2743200" indent="0" algn="ctr" defTabSz="914400" rtl="1" eaLnBrk="1" latinLnBrk="0" hangingPunct="1">
+              <a:lnSpc>
+                <a:spcPct val="90000"/>
+              </a:lnSpc>
+              <a:spcBef>
+                <a:spcPct val="20000"/>
+              </a:spcBef>
+              <a:buFont typeface="Arial" panose="020B0604020202020204" pitchFamily="34" charset="0"/>
+              <a:buNone/>
+              <a:defRPr sz="2000" kern="1200">
+                <a:solidFill>
+                  <a:schemeClr val="tx1">
+                    <a:tint val="75000"/>
+                  </a:schemeClr>
+                </a:solidFill>
+                <a:latin typeface="+mn-lt"/>
+                <a:ea typeface="+mn-ea"/>
+                <a:cs typeface="+mn-cs"/>
+              </a:defRPr>
+            </a:lvl7pPr>
+            <a:lvl8pPr marL="3200400" indent="0" algn="ctr" defTabSz="914400" rtl="1" eaLnBrk="1" latinLnBrk="0" hangingPunct="1">
+              <a:lnSpc>
+                <a:spcPct val="90000"/>
+              </a:lnSpc>
+              <a:spcBef>
+                <a:spcPct val="20000"/>
+              </a:spcBef>
+              <a:buFont typeface="Arial" panose="020B0604020202020204" pitchFamily="34" charset="0"/>
+              <a:buNone/>
+              <a:defRPr sz="2000" kern="1200">
+                <a:solidFill>
+                  <a:schemeClr val="tx1">
+                    <a:tint val="75000"/>
+                  </a:schemeClr>
+                </a:solidFill>
+                <a:latin typeface="+mn-lt"/>
+                <a:ea typeface="+mn-ea"/>
+                <a:cs typeface="+mn-cs"/>
+              </a:defRPr>
+            </a:lvl8pPr>
+            <a:lvl9pPr marL="3657600" indent="0" algn="ctr" defTabSz="914400" rtl="1" eaLnBrk="1" latinLnBrk="0" hangingPunct="1">
+              <a:lnSpc>
+                <a:spcPct val="90000"/>
+              </a:lnSpc>
+              <a:spcBef>
+                <a:spcPct val="20000"/>
+              </a:spcBef>
+              <a:buFont typeface="Arial" panose="020B0604020202020204" pitchFamily="34" charset="0"/>
+              <a:buNone/>
+              <a:defRPr sz="2000" kern="1200">
+                <a:solidFill>
+                  <a:schemeClr val="tx1">
+                    <a:tint val="75000"/>
+                  </a:schemeClr>
+                </a:solidFill>
+                <a:latin typeface="+mn-lt"/>
+                <a:ea typeface="+mn-ea"/>
+                <a:cs typeface="+mn-cs"/>
+              </a:defRPr>
+            </a:lvl9pPr>
+          </a:lstStyle>
+          <a:p>
+            <a:pPr algn="l" rtl="0"/>
+            <a:r>
+              <a:rPr lang="en-US" sz="2400" dirty="0">
+                <a:solidFill>
+                  <a:schemeClr val="tx1"/>
+                </a:solidFill>
+              </a:rPr>
+              <a:t>11</a:t>
+            </a:r>
+          </a:p>
+        </p:txBody>
+      </p:sp>
     </p:spTree>
     <p:extLst>
       <p:ext uri="{BB962C8B-B14F-4D97-AF65-F5344CB8AC3E}">
@@ -6947,6 +7870,258 @@
           </a:p>
         </p:txBody>
       </p:sp>
+      <p:pic>
+        <p:nvPicPr>
+          <p:cNvPr id="5" name="תמונה 4">
+            <a:extLst>
+              <a:ext uri="{FF2B5EF4-FFF2-40B4-BE49-F238E27FC236}">
+                <a16:creationId xmlns:a16="http://schemas.microsoft.com/office/drawing/2014/main" id="{66D4DE72-9FE4-4090-B618-5A7FB7D38A13}"/>
+              </a:ext>
+            </a:extLst>
+          </p:cNvPr>
+          <p:cNvPicPr>
+            <a:picLocks noChangeAspect="1"/>
+          </p:cNvPicPr>
+          <p:nvPr/>
+        </p:nvPicPr>
+        <p:blipFill>
+          <a:blip r:embed="rId3"/>
+          <a:stretch>
+            <a:fillRect/>
+          </a:stretch>
+        </p:blipFill>
+        <p:spPr>
+          <a:xfrm>
+            <a:off x="4081462" y="6505575"/>
+            <a:ext cx="981075" cy="352425"/>
+          </a:xfrm>
+          <a:prstGeom prst="rect">
+            <a:avLst/>
+          </a:prstGeom>
+        </p:spPr>
+      </p:pic>
+      <p:sp>
+        <p:nvSpPr>
+          <p:cNvPr id="7" name="Subtitle 2">
+            <a:extLst>
+              <a:ext uri="{FF2B5EF4-FFF2-40B4-BE49-F238E27FC236}">
+                <a16:creationId xmlns:a16="http://schemas.microsoft.com/office/drawing/2014/main" id="{0E5A3563-59A5-4506-B4F2-271B7D7B0F32}"/>
+              </a:ext>
+            </a:extLst>
+          </p:cNvPr>
+          <p:cNvSpPr txBox="1">
+            <a:spLocks/>
+          </p:cNvSpPr>
+          <p:nvPr/>
+        </p:nvSpPr>
+        <p:spPr>
+          <a:xfrm>
+            <a:off x="8562668" y="6359024"/>
+            <a:ext cx="581331" cy="498976"/>
+          </a:xfrm>
+          <a:prstGeom prst="rect">
+            <a:avLst/>
+          </a:prstGeom>
+        </p:spPr>
+        <p:txBody>
+          <a:bodyPr vert="horz" lIns="91440" tIns="45720" rIns="91440" bIns="45720" rtlCol="1" anchor="t">
+            <a:noAutofit/>
+          </a:bodyPr>
+          <a:lstStyle>
+            <a:lvl1pPr marL="0" indent="0" algn="ctr" defTabSz="914400" rtl="1" eaLnBrk="1" latinLnBrk="0" hangingPunct="1">
+              <a:lnSpc>
+                <a:spcPct val="90000"/>
+              </a:lnSpc>
+              <a:spcBef>
+                <a:spcPct val="20000"/>
+              </a:spcBef>
+              <a:buFont typeface="Arial" panose="020B0604020202020204" pitchFamily="34" charset="0"/>
+              <a:buNone/>
+              <a:defRPr sz="3200" kern="1200">
+                <a:solidFill>
+                  <a:schemeClr val="tx1">
+                    <a:tint val="75000"/>
+                  </a:schemeClr>
+                </a:solidFill>
+                <a:latin typeface="+mn-lt"/>
+                <a:ea typeface="+mn-ea"/>
+                <a:cs typeface="+mn-cs"/>
+              </a:defRPr>
+            </a:lvl1pPr>
+            <a:lvl2pPr marL="457200" indent="0" algn="ctr" defTabSz="914400" rtl="1" eaLnBrk="1" latinLnBrk="0" hangingPunct="1">
+              <a:lnSpc>
+                <a:spcPct val="90000"/>
+              </a:lnSpc>
+              <a:spcBef>
+                <a:spcPct val="20000"/>
+              </a:spcBef>
+              <a:buFont typeface="Arial" panose="020B0604020202020204" pitchFamily="34" charset="0"/>
+              <a:buNone/>
+              <a:defRPr sz="2800" kern="1200">
+                <a:solidFill>
+                  <a:schemeClr val="tx1">
+                    <a:tint val="75000"/>
+                  </a:schemeClr>
+                </a:solidFill>
+                <a:latin typeface="+mn-lt"/>
+                <a:ea typeface="+mn-ea"/>
+                <a:cs typeface="+mn-cs"/>
+              </a:defRPr>
+            </a:lvl2pPr>
+            <a:lvl3pPr marL="914400" indent="0" algn="ctr" defTabSz="914400" rtl="1" eaLnBrk="1" latinLnBrk="0" hangingPunct="1">
+              <a:lnSpc>
+                <a:spcPct val="90000"/>
+              </a:lnSpc>
+              <a:spcBef>
+                <a:spcPct val="20000"/>
+              </a:spcBef>
+              <a:buFont typeface="Arial" panose="020B0604020202020204" pitchFamily="34" charset="0"/>
+              <a:buNone/>
+              <a:defRPr sz="2400" kern="1200">
+                <a:solidFill>
+                  <a:schemeClr val="tx1">
+                    <a:tint val="75000"/>
+                  </a:schemeClr>
+                </a:solidFill>
+                <a:latin typeface="+mn-lt"/>
+                <a:ea typeface="+mn-ea"/>
+                <a:cs typeface="+mn-cs"/>
+              </a:defRPr>
+            </a:lvl3pPr>
+            <a:lvl4pPr marL="1371600" indent="0" algn="ctr" defTabSz="914400" rtl="1" eaLnBrk="1" latinLnBrk="0" hangingPunct="1">
+              <a:lnSpc>
+                <a:spcPct val="90000"/>
+              </a:lnSpc>
+              <a:spcBef>
+                <a:spcPct val="20000"/>
+              </a:spcBef>
+              <a:buFont typeface="Arial" panose="020B0604020202020204" pitchFamily="34" charset="0"/>
+              <a:buNone/>
+              <a:defRPr sz="2000" kern="1200">
+                <a:solidFill>
+                  <a:schemeClr val="tx1">
+                    <a:tint val="75000"/>
+                  </a:schemeClr>
+                </a:solidFill>
+                <a:latin typeface="+mn-lt"/>
+                <a:ea typeface="+mn-ea"/>
+                <a:cs typeface="+mn-cs"/>
+              </a:defRPr>
+            </a:lvl4pPr>
+            <a:lvl5pPr marL="1828800" indent="0" algn="ctr" defTabSz="914400" rtl="1" eaLnBrk="1" latinLnBrk="0" hangingPunct="1">
+              <a:lnSpc>
+                <a:spcPct val="90000"/>
+              </a:lnSpc>
+              <a:spcBef>
+                <a:spcPct val="20000"/>
+              </a:spcBef>
+              <a:buFont typeface="Arial" panose="020B0604020202020204" pitchFamily="34" charset="0"/>
+              <a:buNone/>
+              <a:defRPr sz="2000" kern="1200">
+                <a:solidFill>
+                  <a:schemeClr val="tx1">
+                    <a:tint val="75000"/>
+                  </a:schemeClr>
+                </a:solidFill>
+                <a:latin typeface="+mn-lt"/>
+                <a:ea typeface="+mn-ea"/>
+                <a:cs typeface="+mn-cs"/>
+              </a:defRPr>
+            </a:lvl5pPr>
+            <a:lvl6pPr marL="2286000" indent="0" algn="ctr" defTabSz="914400" rtl="1" eaLnBrk="1" latinLnBrk="0" hangingPunct="1">
+              <a:lnSpc>
+                <a:spcPct val="90000"/>
+              </a:lnSpc>
+              <a:spcBef>
+                <a:spcPct val="20000"/>
+              </a:spcBef>
+              <a:buFont typeface="Arial" panose="020B0604020202020204" pitchFamily="34" charset="0"/>
+              <a:buNone/>
+              <a:defRPr sz="2000" kern="1200">
+                <a:solidFill>
+                  <a:schemeClr val="tx1">
+                    <a:tint val="75000"/>
+                  </a:schemeClr>
+                </a:solidFill>
+                <a:latin typeface="+mn-lt"/>
+                <a:ea typeface="+mn-ea"/>
+                <a:cs typeface="+mn-cs"/>
+              </a:defRPr>
+            </a:lvl6pPr>
+            <a:lvl7pPr marL="2743200" indent="0" algn="ctr" defTabSz="914400" rtl="1" eaLnBrk="1" latinLnBrk="0" hangingPunct="1">
+              <a:lnSpc>
+                <a:spcPct val="90000"/>
+              </a:lnSpc>
+              <a:spcBef>
+                <a:spcPct val="20000"/>
+              </a:spcBef>
+              <a:buFont typeface="Arial" panose="020B0604020202020204" pitchFamily="34" charset="0"/>
+              <a:buNone/>
+              <a:defRPr sz="2000" kern="1200">
+                <a:solidFill>
+                  <a:schemeClr val="tx1">
+                    <a:tint val="75000"/>
+                  </a:schemeClr>
+                </a:solidFill>
+                <a:latin typeface="+mn-lt"/>
+                <a:ea typeface="+mn-ea"/>
+                <a:cs typeface="+mn-cs"/>
+              </a:defRPr>
+            </a:lvl7pPr>
+            <a:lvl8pPr marL="3200400" indent="0" algn="ctr" defTabSz="914400" rtl="1" eaLnBrk="1" latinLnBrk="0" hangingPunct="1">
+              <a:lnSpc>
+                <a:spcPct val="90000"/>
+              </a:lnSpc>
+              <a:spcBef>
+                <a:spcPct val="20000"/>
+              </a:spcBef>
+              <a:buFont typeface="Arial" panose="020B0604020202020204" pitchFamily="34" charset="0"/>
+              <a:buNone/>
+              <a:defRPr sz="2000" kern="1200">
+                <a:solidFill>
+                  <a:schemeClr val="tx1">
+                    <a:tint val="75000"/>
+                  </a:schemeClr>
+                </a:solidFill>
+                <a:latin typeface="+mn-lt"/>
+                <a:ea typeface="+mn-ea"/>
+                <a:cs typeface="+mn-cs"/>
+              </a:defRPr>
+            </a:lvl8pPr>
+            <a:lvl9pPr marL="3657600" indent="0" algn="ctr" defTabSz="914400" rtl="1" eaLnBrk="1" latinLnBrk="0" hangingPunct="1">
+              <a:lnSpc>
+                <a:spcPct val="90000"/>
+              </a:lnSpc>
+              <a:spcBef>
+                <a:spcPct val="20000"/>
+              </a:spcBef>
+              <a:buFont typeface="Arial" panose="020B0604020202020204" pitchFamily="34" charset="0"/>
+              <a:buNone/>
+              <a:defRPr sz="2000" kern="1200">
+                <a:solidFill>
+                  <a:schemeClr val="tx1">
+                    <a:tint val="75000"/>
+                  </a:schemeClr>
+                </a:solidFill>
+                <a:latin typeface="+mn-lt"/>
+                <a:ea typeface="+mn-ea"/>
+                <a:cs typeface="+mn-cs"/>
+              </a:defRPr>
+            </a:lvl9pPr>
+          </a:lstStyle>
+          <a:p>
+            <a:pPr algn="l" rtl="0"/>
+            <a:r>
+              <a:rPr lang="en-US" sz="2400" dirty="0">
+                <a:solidFill>
+                  <a:schemeClr val="tx1"/>
+                </a:solidFill>
+              </a:rPr>
+              <a:t>12</a:t>
+            </a:r>
+          </a:p>
+        </p:txBody>
+      </p:sp>
     </p:spTree>
     <p:extLst>
       <p:ext uri="{BB962C8B-B14F-4D97-AF65-F5344CB8AC3E}">
@@ -7051,6 +8226,258 @@
           </a:p>
         </p:txBody>
       </p:sp>
+      <p:pic>
+        <p:nvPicPr>
+          <p:cNvPr id="5" name="תמונה 4">
+            <a:extLst>
+              <a:ext uri="{FF2B5EF4-FFF2-40B4-BE49-F238E27FC236}">
+                <a16:creationId xmlns:a16="http://schemas.microsoft.com/office/drawing/2014/main" id="{3BBA6E83-B34B-4B02-827B-4578FC7C439B}"/>
+              </a:ext>
+            </a:extLst>
+          </p:cNvPr>
+          <p:cNvPicPr>
+            <a:picLocks noChangeAspect="1"/>
+          </p:cNvPicPr>
+          <p:nvPr/>
+        </p:nvPicPr>
+        <p:blipFill>
+          <a:blip r:embed="rId3"/>
+          <a:stretch>
+            <a:fillRect/>
+          </a:stretch>
+        </p:blipFill>
+        <p:spPr>
+          <a:xfrm>
+            <a:off x="4081462" y="6505575"/>
+            <a:ext cx="981075" cy="352425"/>
+          </a:xfrm>
+          <a:prstGeom prst="rect">
+            <a:avLst/>
+          </a:prstGeom>
+        </p:spPr>
+      </p:pic>
+      <p:sp>
+        <p:nvSpPr>
+          <p:cNvPr id="7" name="Subtitle 2">
+            <a:extLst>
+              <a:ext uri="{FF2B5EF4-FFF2-40B4-BE49-F238E27FC236}">
+                <a16:creationId xmlns:a16="http://schemas.microsoft.com/office/drawing/2014/main" id="{16A69E19-8EE1-420B-A24B-A295453DDAB3}"/>
+              </a:ext>
+            </a:extLst>
+          </p:cNvPr>
+          <p:cNvSpPr txBox="1">
+            <a:spLocks/>
+          </p:cNvSpPr>
+          <p:nvPr/>
+        </p:nvSpPr>
+        <p:spPr>
+          <a:xfrm>
+            <a:off x="8562668" y="6359024"/>
+            <a:ext cx="581331" cy="498976"/>
+          </a:xfrm>
+          <a:prstGeom prst="rect">
+            <a:avLst/>
+          </a:prstGeom>
+        </p:spPr>
+        <p:txBody>
+          <a:bodyPr vert="horz" lIns="91440" tIns="45720" rIns="91440" bIns="45720" rtlCol="1" anchor="t">
+            <a:noAutofit/>
+          </a:bodyPr>
+          <a:lstStyle>
+            <a:lvl1pPr marL="0" indent="0" algn="ctr" defTabSz="914400" rtl="1" eaLnBrk="1" latinLnBrk="0" hangingPunct="1">
+              <a:lnSpc>
+                <a:spcPct val="90000"/>
+              </a:lnSpc>
+              <a:spcBef>
+                <a:spcPct val="20000"/>
+              </a:spcBef>
+              <a:buFont typeface="Arial" panose="020B0604020202020204" pitchFamily="34" charset="0"/>
+              <a:buNone/>
+              <a:defRPr sz="3200" kern="1200">
+                <a:solidFill>
+                  <a:schemeClr val="tx1">
+                    <a:tint val="75000"/>
+                  </a:schemeClr>
+                </a:solidFill>
+                <a:latin typeface="+mn-lt"/>
+                <a:ea typeface="+mn-ea"/>
+                <a:cs typeface="+mn-cs"/>
+              </a:defRPr>
+            </a:lvl1pPr>
+            <a:lvl2pPr marL="457200" indent="0" algn="ctr" defTabSz="914400" rtl="1" eaLnBrk="1" latinLnBrk="0" hangingPunct="1">
+              <a:lnSpc>
+                <a:spcPct val="90000"/>
+              </a:lnSpc>
+              <a:spcBef>
+                <a:spcPct val="20000"/>
+              </a:spcBef>
+              <a:buFont typeface="Arial" panose="020B0604020202020204" pitchFamily="34" charset="0"/>
+              <a:buNone/>
+              <a:defRPr sz="2800" kern="1200">
+                <a:solidFill>
+                  <a:schemeClr val="tx1">
+                    <a:tint val="75000"/>
+                  </a:schemeClr>
+                </a:solidFill>
+                <a:latin typeface="+mn-lt"/>
+                <a:ea typeface="+mn-ea"/>
+                <a:cs typeface="+mn-cs"/>
+              </a:defRPr>
+            </a:lvl2pPr>
+            <a:lvl3pPr marL="914400" indent="0" algn="ctr" defTabSz="914400" rtl="1" eaLnBrk="1" latinLnBrk="0" hangingPunct="1">
+              <a:lnSpc>
+                <a:spcPct val="90000"/>
+              </a:lnSpc>
+              <a:spcBef>
+                <a:spcPct val="20000"/>
+              </a:spcBef>
+              <a:buFont typeface="Arial" panose="020B0604020202020204" pitchFamily="34" charset="0"/>
+              <a:buNone/>
+              <a:defRPr sz="2400" kern="1200">
+                <a:solidFill>
+                  <a:schemeClr val="tx1">
+                    <a:tint val="75000"/>
+                  </a:schemeClr>
+                </a:solidFill>
+                <a:latin typeface="+mn-lt"/>
+                <a:ea typeface="+mn-ea"/>
+                <a:cs typeface="+mn-cs"/>
+              </a:defRPr>
+            </a:lvl3pPr>
+            <a:lvl4pPr marL="1371600" indent="0" algn="ctr" defTabSz="914400" rtl="1" eaLnBrk="1" latinLnBrk="0" hangingPunct="1">
+              <a:lnSpc>
+                <a:spcPct val="90000"/>
+              </a:lnSpc>
+              <a:spcBef>
+                <a:spcPct val="20000"/>
+              </a:spcBef>
+              <a:buFont typeface="Arial" panose="020B0604020202020204" pitchFamily="34" charset="0"/>
+              <a:buNone/>
+              <a:defRPr sz="2000" kern="1200">
+                <a:solidFill>
+                  <a:schemeClr val="tx1">
+                    <a:tint val="75000"/>
+                  </a:schemeClr>
+                </a:solidFill>
+                <a:latin typeface="+mn-lt"/>
+                <a:ea typeface="+mn-ea"/>
+                <a:cs typeface="+mn-cs"/>
+              </a:defRPr>
+            </a:lvl4pPr>
+            <a:lvl5pPr marL="1828800" indent="0" algn="ctr" defTabSz="914400" rtl="1" eaLnBrk="1" latinLnBrk="0" hangingPunct="1">
+              <a:lnSpc>
+                <a:spcPct val="90000"/>
+              </a:lnSpc>
+              <a:spcBef>
+                <a:spcPct val="20000"/>
+              </a:spcBef>
+              <a:buFont typeface="Arial" panose="020B0604020202020204" pitchFamily="34" charset="0"/>
+              <a:buNone/>
+              <a:defRPr sz="2000" kern="1200">
+                <a:solidFill>
+                  <a:schemeClr val="tx1">
+                    <a:tint val="75000"/>
+                  </a:schemeClr>
+                </a:solidFill>
+                <a:latin typeface="+mn-lt"/>
+                <a:ea typeface="+mn-ea"/>
+                <a:cs typeface="+mn-cs"/>
+              </a:defRPr>
+            </a:lvl5pPr>
+            <a:lvl6pPr marL="2286000" indent="0" algn="ctr" defTabSz="914400" rtl="1" eaLnBrk="1" latinLnBrk="0" hangingPunct="1">
+              <a:lnSpc>
+                <a:spcPct val="90000"/>
+              </a:lnSpc>
+              <a:spcBef>
+                <a:spcPct val="20000"/>
+              </a:spcBef>
+              <a:buFont typeface="Arial" panose="020B0604020202020204" pitchFamily="34" charset="0"/>
+              <a:buNone/>
+              <a:defRPr sz="2000" kern="1200">
+                <a:solidFill>
+                  <a:schemeClr val="tx1">
+                    <a:tint val="75000"/>
+                  </a:schemeClr>
+                </a:solidFill>
+                <a:latin typeface="+mn-lt"/>
+                <a:ea typeface="+mn-ea"/>
+                <a:cs typeface="+mn-cs"/>
+              </a:defRPr>
+            </a:lvl6pPr>
+            <a:lvl7pPr marL="2743200" indent="0" algn="ctr" defTabSz="914400" rtl="1" eaLnBrk="1" latinLnBrk="0" hangingPunct="1">
+              <a:lnSpc>
+                <a:spcPct val="90000"/>
+              </a:lnSpc>
+              <a:spcBef>
+                <a:spcPct val="20000"/>
+              </a:spcBef>
+              <a:buFont typeface="Arial" panose="020B0604020202020204" pitchFamily="34" charset="0"/>
+              <a:buNone/>
+              <a:defRPr sz="2000" kern="1200">
+                <a:solidFill>
+                  <a:schemeClr val="tx1">
+                    <a:tint val="75000"/>
+                  </a:schemeClr>
+                </a:solidFill>
+                <a:latin typeface="+mn-lt"/>
+                <a:ea typeface="+mn-ea"/>
+                <a:cs typeface="+mn-cs"/>
+              </a:defRPr>
+            </a:lvl7pPr>
+            <a:lvl8pPr marL="3200400" indent="0" algn="ctr" defTabSz="914400" rtl="1" eaLnBrk="1" latinLnBrk="0" hangingPunct="1">
+              <a:lnSpc>
+                <a:spcPct val="90000"/>
+              </a:lnSpc>
+              <a:spcBef>
+                <a:spcPct val="20000"/>
+              </a:spcBef>
+              <a:buFont typeface="Arial" panose="020B0604020202020204" pitchFamily="34" charset="0"/>
+              <a:buNone/>
+              <a:defRPr sz="2000" kern="1200">
+                <a:solidFill>
+                  <a:schemeClr val="tx1">
+                    <a:tint val="75000"/>
+                  </a:schemeClr>
+                </a:solidFill>
+                <a:latin typeface="+mn-lt"/>
+                <a:ea typeface="+mn-ea"/>
+                <a:cs typeface="+mn-cs"/>
+              </a:defRPr>
+            </a:lvl8pPr>
+            <a:lvl9pPr marL="3657600" indent="0" algn="ctr" defTabSz="914400" rtl="1" eaLnBrk="1" latinLnBrk="0" hangingPunct="1">
+              <a:lnSpc>
+                <a:spcPct val="90000"/>
+              </a:lnSpc>
+              <a:spcBef>
+                <a:spcPct val="20000"/>
+              </a:spcBef>
+              <a:buFont typeface="Arial" panose="020B0604020202020204" pitchFamily="34" charset="0"/>
+              <a:buNone/>
+              <a:defRPr sz="2000" kern="1200">
+                <a:solidFill>
+                  <a:schemeClr val="tx1">
+                    <a:tint val="75000"/>
+                  </a:schemeClr>
+                </a:solidFill>
+                <a:latin typeface="+mn-lt"/>
+                <a:ea typeface="+mn-ea"/>
+                <a:cs typeface="+mn-cs"/>
+              </a:defRPr>
+            </a:lvl9pPr>
+          </a:lstStyle>
+          <a:p>
+            <a:pPr algn="l" rtl="0"/>
+            <a:r>
+              <a:rPr lang="en-US" sz="2400" dirty="0">
+                <a:solidFill>
+                  <a:schemeClr val="tx1"/>
+                </a:solidFill>
+              </a:rPr>
+              <a:t>13</a:t>
+            </a:r>
+          </a:p>
+        </p:txBody>
+      </p:sp>
     </p:spTree>
     <p:extLst>
       <p:ext uri="{BB962C8B-B14F-4D97-AF65-F5344CB8AC3E}">
@@ -7155,6 +8582,258 @@
           </a:p>
         </p:txBody>
       </p:sp>
+      <p:pic>
+        <p:nvPicPr>
+          <p:cNvPr id="5" name="תמונה 4">
+            <a:extLst>
+              <a:ext uri="{FF2B5EF4-FFF2-40B4-BE49-F238E27FC236}">
+                <a16:creationId xmlns:a16="http://schemas.microsoft.com/office/drawing/2014/main" id="{674FECD9-3C19-4264-B66A-77D17D9F3F61}"/>
+              </a:ext>
+            </a:extLst>
+          </p:cNvPr>
+          <p:cNvPicPr>
+            <a:picLocks noChangeAspect="1"/>
+          </p:cNvPicPr>
+          <p:nvPr/>
+        </p:nvPicPr>
+        <p:blipFill>
+          <a:blip r:embed="rId3"/>
+          <a:stretch>
+            <a:fillRect/>
+          </a:stretch>
+        </p:blipFill>
+        <p:spPr>
+          <a:xfrm>
+            <a:off x="4081462" y="6505575"/>
+            <a:ext cx="981075" cy="352425"/>
+          </a:xfrm>
+          <a:prstGeom prst="rect">
+            <a:avLst/>
+          </a:prstGeom>
+        </p:spPr>
+      </p:pic>
+      <p:sp>
+        <p:nvSpPr>
+          <p:cNvPr id="7" name="Subtitle 2">
+            <a:extLst>
+              <a:ext uri="{FF2B5EF4-FFF2-40B4-BE49-F238E27FC236}">
+                <a16:creationId xmlns:a16="http://schemas.microsoft.com/office/drawing/2014/main" id="{55901D7B-C27A-4C5B-A5DD-3ACBA3B98725}"/>
+              </a:ext>
+            </a:extLst>
+          </p:cNvPr>
+          <p:cNvSpPr txBox="1">
+            <a:spLocks/>
+          </p:cNvSpPr>
+          <p:nvPr/>
+        </p:nvSpPr>
+        <p:spPr>
+          <a:xfrm>
+            <a:off x="8562668" y="6359024"/>
+            <a:ext cx="581331" cy="498976"/>
+          </a:xfrm>
+          <a:prstGeom prst="rect">
+            <a:avLst/>
+          </a:prstGeom>
+        </p:spPr>
+        <p:txBody>
+          <a:bodyPr vert="horz" lIns="91440" tIns="45720" rIns="91440" bIns="45720" rtlCol="1" anchor="t">
+            <a:noAutofit/>
+          </a:bodyPr>
+          <a:lstStyle>
+            <a:lvl1pPr marL="0" indent="0" algn="ctr" defTabSz="914400" rtl="1" eaLnBrk="1" latinLnBrk="0" hangingPunct="1">
+              <a:lnSpc>
+                <a:spcPct val="90000"/>
+              </a:lnSpc>
+              <a:spcBef>
+                <a:spcPct val="20000"/>
+              </a:spcBef>
+              <a:buFont typeface="Arial" panose="020B0604020202020204" pitchFamily="34" charset="0"/>
+              <a:buNone/>
+              <a:defRPr sz="3200" kern="1200">
+                <a:solidFill>
+                  <a:schemeClr val="tx1">
+                    <a:tint val="75000"/>
+                  </a:schemeClr>
+                </a:solidFill>
+                <a:latin typeface="+mn-lt"/>
+                <a:ea typeface="+mn-ea"/>
+                <a:cs typeface="+mn-cs"/>
+              </a:defRPr>
+            </a:lvl1pPr>
+            <a:lvl2pPr marL="457200" indent="0" algn="ctr" defTabSz="914400" rtl="1" eaLnBrk="1" latinLnBrk="0" hangingPunct="1">
+              <a:lnSpc>
+                <a:spcPct val="90000"/>
+              </a:lnSpc>
+              <a:spcBef>
+                <a:spcPct val="20000"/>
+              </a:spcBef>
+              <a:buFont typeface="Arial" panose="020B0604020202020204" pitchFamily="34" charset="0"/>
+              <a:buNone/>
+              <a:defRPr sz="2800" kern="1200">
+                <a:solidFill>
+                  <a:schemeClr val="tx1">
+                    <a:tint val="75000"/>
+                  </a:schemeClr>
+                </a:solidFill>
+                <a:latin typeface="+mn-lt"/>
+                <a:ea typeface="+mn-ea"/>
+                <a:cs typeface="+mn-cs"/>
+              </a:defRPr>
+            </a:lvl2pPr>
+            <a:lvl3pPr marL="914400" indent="0" algn="ctr" defTabSz="914400" rtl="1" eaLnBrk="1" latinLnBrk="0" hangingPunct="1">
+              <a:lnSpc>
+                <a:spcPct val="90000"/>
+              </a:lnSpc>
+              <a:spcBef>
+                <a:spcPct val="20000"/>
+              </a:spcBef>
+              <a:buFont typeface="Arial" panose="020B0604020202020204" pitchFamily="34" charset="0"/>
+              <a:buNone/>
+              <a:defRPr sz="2400" kern="1200">
+                <a:solidFill>
+                  <a:schemeClr val="tx1">
+                    <a:tint val="75000"/>
+                  </a:schemeClr>
+                </a:solidFill>
+                <a:latin typeface="+mn-lt"/>
+                <a:ea typeface="+mn-ea"/>
+                <a:cs typeface="+mn-cs"/>
+              </a:defRPr>
+            </a:lvl3pPr>
+            <a:lvl4pPr marL="1371600" indent="0" algn="ctr" defTabSz="914400" rtl="1" eaLnBrk="1" latinLnBrk="0" hangingPunct="1">
+              <a:lnSpc>
+                <a:spcPct val="90000"/>
+              </a:lnSpc>
+              <a:spcBef>
+                <a:spcPct val="20000"/>
+              </a:spcBef>
+              <a:buFont typeface="Arial" panose="020B0604020202020204" pitchFamily="34" charset="0"/>
+              <a:buNone/>
+              <a:defRPr sz="2000" kern="1200">
+                <a:solidFill>
+                  <a:schemeClr val="tx1">
+                    <a:tint val="75000"/>
+                  </a:schemeClr>
+                </a:solidFill>
+                <a:latin typeface="+mn-lt"/>
+                <a:ea typeface="+mn-ea"/>
+                <a:cs typeface="+mn-cs"/>
+              </a:defRPr>
+            </a:lvl4pPr>
+            <a:lvl5pPr marL="1828800" indent="0" algn="ctr" defTabSz="914400" rtl="1" eaLnBrk="1" latinLnBrk="0" hangingPunct="1">
+              <a:lnSpc>
+                <a:spcPct val="90000"/>
+              </a:lnSpc>
+              <a:spcBef>
+                <a:spcPct val="20000"/>
+              </a:spcBef>
+              <a:buFont typeface="Arial" panose="020B0604020202020204" pitchFamily="34" charset="0"/>
+              <a:buNone/>
+              <a:defRPr sz="2000" kern="1200">
+                <a:solidFill>
+                  <a:schemeClr val="tx1">
+                    <a:tint val="75000"/>
+                  </a:schemeClr>
+                </a:solidFill>
+                <a:latin typeface="+mn-lt"/>
+                <a:ea typeface="+mn-ea"/>
+                <a:cs typeface="+mn-cs"/>
+              </a:defRPr>
+            </a:lvl5pPr>
+            <a:lvl6pPr marL="2286000" indent="0" algn="ctr" defTabSz="914400" rtl="1" eaLnBrk="1" latinLnBrk="0" hangingPunct="1">
+              <a:lnSpc>
+                <a:spcPct val="90000"/>
+              </a:lnSpc>
+              <a:spcBef>
+                <a:spcPct val="20000"/>
+              </a:spcBef>
+              <a:buFont typeface="Arial" panose="020B0604020202020204" pitchFamily="34" charset="0"/>
+              <a:buNone/>
+              <a:defRPr sz="2000" kern="1200">
+                <a:solidFill>
+                  <a:schemeClr val="tx1">
+                    <a:tint val="75000"/>
+                  </a:schemeClr>
+                </a:solidFill>
+                <a:latin typeface="+mn-lt"/>
+                <a:ea typeface="+mn-ea"/>
+                <a:cs typeface="+mn-cs"/>
+              </a:defRPr>
+            </a:lvl6pPr>
+            <a:lvl7pPr marL="2743200" indent="0" algn="ctr" defTabSz="914400" rtl="1" eaLnBrk="1" latinLnBrk="0" hangingPunct="1">
+              <a:lnSpc>
+                <a:spcPct val="90000"/>
+              </a:lnSpc>
+              <a:spcBef>
+                <a:spcPct val="20000"/>
+              </a:spcBef>
+              <a:buFont typeface="Arial" panose="020B0604020202020204" pitchFamily="34" charset="0"/>
+              <a:buNone/>
+              <a:defRPr sz="2000" kern="1200">
+                <a:solidFill>
+                  <a:schemeClr val="tx1">
+                    <a:tint val="75000"/>
+                  </a:schemeClr>
+                </a:solidFill>
+                <a:latin typeface="+mn-lt"/>
+                <a:ea typeface="+mn-ea"/>
+                <a:cs typeface="+mn-cs"/>
+              </a:defRPr>
+            </a:lvl7pPr>
+            <a:lvl8pPr marL="3200400" indent="0" algn="ctr" defTabSz="914400" rtl="1" eaLnBrk="1" latinLnBrk="0" hangingPunct="1">
+              <a:lnSpc>
+                <a:spcPct val="90000"/>
+              </a:lnSpc>
+              <a:spcBef>
+                <a:spcPct val="20000"/>
+              </a:spcBef>
+              <a:buFont typeface="Arial" panose="020B0604020202020204" pitchFamily="34" charset="0"/>
+              <a:buNone/>
+              <a:defRPr sz="2000" kern="1200">
+                <a:solidFill>
+                  <a:schemeClr val="tx1">
+                    <a:tint val="75000"/>
+                  </a:schemeClr>
+                </a:solidFill>
+                <a:latin typeface="+mn-lt"/>
+                <a:ea typeface="+mn-ea"/>
+                <a:cs typeface="+mn-cs"/>
+              </a:defRPr>
+            </a:lvl8pPr>
+            <a:lvl9pPr marL="3657600" indent="0" algn="ctr" defTabSz="914400" rtl="1" eaLnBrk="1" latinLnBrk="0" hangingPunct="1">
+              <a:lnSpc>
+                <a:spcPct val="90000"/>
+              </a:lnSpc>
+              <a:spcBef>
+                <a:spcPct val="20000"/>
+              </a:spcBef>
+              <a:buFont typeface="Arial" panose="020B0604020202020204" pitchFamily="34" charset="0"/>
+              <a:buNone/>
+              <a:defRPr sz="2000" kern="1200">
+                <a:solidFill>
+                  <a:schemeClr val="tx1">
+                    <a:tint val="75000"/>
+                  </a:schemeClr>
+                </a:solidFill>
+                <a:latin typeface="+mn-lt"/>
+                <a:ea typeface="+mn-ea"/>
+                <a:cs typeface="+mn-cs"/>
+              </a:defRPr>
+            </a:lvl9pPr>
+          </a:lstStyle>
+          <a:p>
+            <a:pPr algn="l" rtl="0"/>
+            <a:r>
+              <a:rPr lang="en-US" sz="2400" dirty="0">
+                <a:solidFill>
+                  <a:schemeClr val="tx1"/>
+                </a:solidFill>
+              </a:rPr>
+              <a:t>14</a:t>
+            </a:r>
+          </a:p>
+        </p:txBody>
+      </p:sp>
     </p:spTree>
     <p:extLst>
       <p:ext uri="{BB962C8B-B14F-4D97-AF65-F5344CB8AC3E}">
@@ -7263,6 +8942,258 @@
           </a:p>
         </p:txBody>
       </p:sp>
+      <p:pic>
+        <p:nvPicPr>
+          <p:cNvPr id="5" name="תמונה 4">
+            <a:extLst>
+              <a:ext uri="{FF2B5EF4-FFF2-40B4-BE49-F238E27FC236}">
+                <a16:creationId xmlns:a16="http://schemas.microsoft.com/office/drawing/2014/main" id="{0C3325BF-A584-4686-9884-1D9EA10D7335}"/>
+              </a:ext>
+            </a:extLst>
+          </p:cNvPr>
+          <p:cNvPicPr>
+            <a:picLocks noChangeAspect="1"/>
+          </p:cNvPicPr>
+          <p:nvPr/>
+        </p:nvPicPr>
+        <p:blipFill>
+          <a:blip r:embed="rId3"/>
+          <a:stretch>
+            <a:fillRect/>
+          </a:stretch>
+        </p:blipFill>
+        <p:spPr>
+          <a:xfrm>
+            <a:off x="4081462" y="6505575"/>
+            <a:ext cx="981075" cy="352425"/>
+          </a:xfrm>
+          <a:prstGeom prst="rect">
+            <a:avLst/>
+          </a:prstGeom>
+        </p:spPr>
+      </p:pic>
+      <p:sp>
+        <p:nvSpPr>
+          <p:cNvPr id="7" name="Subtitle 2">
+            <a:extLst>
+              <a:ext uri="{FF2B5EF4-FFF2-40B4-BE49-F238E27FC236}">
+                <a16:creationId xmlns:a16="http://schemas.microsoft.com/office/drawing/2014/main" id="{F7714581-1D62-4B26-B56B-3F6259196CA0}"/>
+              </a:ext>
+            </a:extLst>
+          </p:cNvPr>
+          <p:cNvSpPr txBox="1">
+            <a:spLocks/>
+          </p:cNvSpPr>
+          <p:nvPr/>
+        </p:nvSpPr>
+        <p:spPr>
+          <a:xfrm>
+            <a:off x="8562668" y="6359024"/>
+            <a:ext cx="581331" cy="498976"/>
+          </a:xfrm>
+          <a:prstGeom prst="rect">
+            <a:avLst/>
+          </a:prstGeom>
+        </p:spPr>
+        <p:txBody>
+          <a:bodyPr vert="horz" lIns="91440" tIns="45720" rIns="91440" bIns="45720" rtlCol="1" anchor="t">
+            <a:noAutofit/>
+          </a:bodyPr>
+          <a:lstStyle>
+            <a:lvl1pPr marL="0" indent="0" algn="ctr" defTabSz="914400" rtl="1" eaLnBrk="1" latinLnBrk="0" hangingPunct="1">
+              <a:lnSpc>
+                <a:spcPct val="90000"/>
+              </a:lnSpc>
+              <a:spcBef>
+                <a:spcPct val="20000"/>
+              </a:spcBef>
+              <a:buFont typeface="Arial" panose="020B0604020202020204" pitchFamily="34" charset="0"/>
+              <a:buNone/>
+              <a:defRPr sz="3200" kern="1200">
+                <a:solidFill>
+                  <a:schemeClr val="tx1">
+                    <a:tint val="75000"/>
+                  </a:schemeClr>
+                </a:solidFill>
+                <a:latin typeface="+mn-lt"/>
+                <a:ea typeface="+mn-ea"/>
+                <a:cs typeface="+mn-cs"/>
+              </a:defRPr>
+            </a:lvl1pPr>
+            <a:lvl2pPr marL="457200" indent="0" algn="ctr" defTabSz="914400" rtl="1" eaLnBrk="1" latinLnBrk="0" hangingPunct="1">
+              <a:lnSpc>
+                <a:spcPct val="90000"/>
+              </a:lnSpc>
+              <a:spcBef>
+                <a:spcPct val="20000"/>
+              </a:spcBef>
+              <a:buFont typeface="Arial" panose="020B0604020202020204" pitchFamily="34" charset="0"/>
+              <a:buNone/>
+              <a:defRPr sz="2800" kern="1200">
+                <a:solidFill>
+                  <a:schemeClr val="tx1">
+                    <a:tint val="75000"/>
+                  </a:schemeClr>
+                </a:solidFill>
+                <a:latin typeface="+mn-lt"/>
+                <a:ea typeface="+mn-ea"/>
+                <a:cs typeface="+mn-cs"/>
+              </a:defRPr>
+            </a:lvl2pPr>
+            <a:lvl3pPr marL="914400" indent="0" algn="ctr" defTabSz="914400" rtl="1" eaLnBrk="1" latinLnBrk="0" hangingPunct="1">
+              <a:lnSpc>
+                <a:spcPct val="90000"/>
+              </a:lnSpc>
+              <a:spcBef>
+                <a:spcPct val="20000"/>
+              </a:spcBef>
+              <a:buFont typeface="Arial" panose="020B0604020202020204" pitchFamily="34" charset="0"/>
+              <a:buNone/>
+              <a:defRPr sz="2400" kern="1200">
+                <a:solidFill>
+                  <a:schemeClr val="tx1">
+                    <a:tint val="75000"/>
+                  </a:schemeClr>
+                </a:solidFill>
+                <a:latin typeface="+mn-lt"/>
+                <a:ea typeface="+mn-ea"/>
+                <a:cs typeface="+mn-cs"/>
+              </a:defRPr>
+            </a:lvl3pPr>
+            <a:lvl4pPr marL="1371600" indent="0" algn="ctr" defTabSz="914400" rtl="1" eaLnBrk="1" latinLnBrk="0" hangingPunct="1">
+              <a:lnSpc>
+                <a:spcPct val="90000"/>
+              </a:lnSpc>
+              <a:spcBef>
+                <a:spcPct val="20000"/>
+              </a:spcBef>
+              <a:buFont typeface="Arial" panose="020B0604020202020204" pitchFamily="34" charset="0"/>
+              <a:buNone/>
+              <a:defRPr sz="2000" kern="1200">
+                <a:solidFill>
+                  <a:schemeClr val="tx1">
+                    <a:tint val="75000"/>
+                  </a:schemeClr>
+                </a:solidFill>
+                <a:latin typeface="+mn-lt"/>
+                <a:ea typeface="+mn-ea"/>
+                <a:cs typeface="+mn-cs"/>
+              </a:defRPr>
+            </a:lvl4pPr>
+            <a:lvl5pPr marL="1828800" indent="0" algn="ctr" defTabSz="914400" rtl="1" eaLnBrk="1" latinLnBrk="0" hangingPunct="1">
+              <a:lnSpc>
+                <a:spcPct val="90000"/>
+              </a:lnSpc>
+              <a:spcBef>
+                <a:spcPct val="20000"/>
+              </a:spcBef>
+              <a:buFont typeface="Arial" panose="020B0604020202020204" pitchFamily="34" charset="0"/>
+              <a:buNone/>
+              <a:defRPr sz="2000" kern="1200">
+                <a:solidFill>
+                  <a:schemeClr val="tx1">
+                    <a:tint val="75000"/>
+                  </a:schemeClr>
+                </a:solidFill>
+                <a:latin typeface="+mn-lt"/>
+                <a:ea typeface="+mn-ea"/>
+                <a:cs typeface="+mn-cs"/>
+              </a:defRPr>
+            </a:lvl5pPr>
+            <a:lvl6pPr marL="2286000" indent="0" algn="ctr" defTabSz="914400" rtl="1" eaLnBrk="1" latinLnBrk="0" hangingPunct="1">
+              <a:lnSpc>
+                <a:spcPct val="90000"/>
+              </a:lnSpc>
+              <a:spcBef>
+                <a:spcPct val="20000"/>
+              </a:spcBef>
+              <a:buFont typeface="Arial" panose="020B0604020202020204" pitchFamily="34" charset="0"/>
+              <a:buNone/>
+              <a:defRPr sz="2000" kern="1200">
+                <a:solidFill>
+                  <a:schemeClr val="tx1">
+                    <a:tint val="75000"/>
+                  </a:schemeClr>
+                </a:solidFill>
+                <a:latin typeface="+mn-lt"/>
+                <a:ea typeface="+mn-ea"/>
+                <a:cs typeface="+mn-cs"/>
+              </a:defRPr>
+            </a:lvl6pPr>
+            <a:lvl7pPr marL="2743200" indent="0" algn="ctr" defTabSz="914400" rtl="1" eaLnBrk="1" latinLnBrk="0" hangingPunct="1">
+              <a:lnSpc>
+                <a:spcPct val="90000"/>
+              </a:lnSpc>
+              <a:spcBef>
+                <a:spcPct val="20000"/>
+              </a:spcBef>
+              <a:buFont typeface="Arial" panose="020B0604020202020204" pitchFamily="34" charset="0"/>
+              <a:buNone/>
+              <a:defRPr sz="2000" kern="1200">
+                <a:solidFill>
+                  <a:schemeClr val="tx1">
+                    <a:tint val="75000"/>
+                  </a:schemeClr>
+                </a:solidFill>
+                <a:latin typeface="+mn-lt"/>
+                <a:ea typeface="+mn-ea"/>
+                <a:cs typeface="+mn-cs"/>
+              </a:defRPr>
+            </a:lvl7pPr>
+            <a:lvl8pPr marL="3200400" indent="0" algn="ctr" defTabSz="914400" rtl="1" eaLnBrk="1" latinLnBrk="0" hangingPunct="1">
+              <a:lnSpc>
+                <a:spcPct val="90000"/>
+              </a:lnSpc>
+              <a:spcBef>
+                <a:spcPct val="20000"/>
+              </a:spcBef>
+              <a:buFont typeface="Arial" panose="020B0604020202020204" pitchFamily="34" charset="0"/>
+              <a:buNone/>
+              <a:defRPr sz="2000" kern="1200">
+                <a:solidFill>
+                  <a:schemeClr val="tx1">
+                    <a:tint val="75000"/>
+                  </a:schemeClr>
+                </a:solidFill>
+                <a:latin typeface="+mn-lt"/>
+                <a:ea typeface="+mn-ea"/>
+                <a:cs typeface="+mn-cs"/>
+              </a:defRPr>
+            </a:lvl8pPr>
+            <a:lvl9pPr marL="3657600" indent="0" algn="ctr" defTabSz="914400" rtl="1" eaLnBrk="1" latinLnBrk="0" hangingPunct="1">
+              <a:lnSpc>
+                <a:spcPct val="90000"/>
+              </a:lnSpc>
+              <a:spcBef>
+                <a:spcPct val="20000"/>
+              </a:spcBef>
+              <a:buFont typeface="Arial" panose="020B0604020202020204" pitchFamily="34" charset="0"/>
+              <a:buNone/>
+              <a:defRPr sz="2000" kern="1200">
+                <a:solidFill>
+                  <a:schemeClr val="tx1">
+                    <a:tint val="75000"/>
+                  </a:schemeClr>
+                </a:solidFill>
+                <a:latin typeface="+mn-lt"/>
+                <a:ea typeface="+mn-ea"/>
+                <a:cs typeface="+mn-cs"/>
+              </a:defRPr>
+            </a:lvl9pPr>
+          </a:lstStyle>
+          <a:p>
+            <a:pPr algn="l" rtl="0"/>
+            <a:r>
+              <a:rPr lang="en-US" sz="2400" dirty="0">
+                <a:solidFill>
+                  <a:schemeClr val="tx1"/>
+                </a:solidFill>
+              </a:rPr>
+              <a:t>15</a:t>
+            </a:r>
+          </a:p>
+        </p:txBody>
+      </p:sp>
     </p:spTree>
     <p:extLst>
       <p:ext uri="{BB962C8B-B14F-4D97-AF65-F5344CB8AC3E}">
@@ -7371,6 +9302,258 @@
           </a:p>
         </p:txBody>
       </p:sp>
+      <p:pic>
+        <p:nvPicPr>
+          <p:cNvPr id="5" name="תמונה 4">
+            <a:extLst>
+              <a:ext uri="{FF2B5EF4-FFF2-40B4-BE49-F238E27FC236}">
+                <a16:creationId xmlns:a16="http://schemas.microsoft.com/office/drawing/2014/main" id="{F84D26A7-6C87-4286-A0F2-A544786F8399}"/>
+              </a:ext>
+            </a:extLst>
+          </p:cNvPr>
+          <p:cNvPicPr>
+            <a:picLocks noChangeAspect="1"/>
+          </p:cNvPicPr>
+          <p:nvPr/>
+        </p:nvPicPr>
+        <p:blipFill>
+          <a:blip r:embed="rId3"/>
+          <a:stretch>
+            <a:fillRect/>
+          </a:stretch>
+        </p:blipFill>
+        <p:spPr>
+          <a:xfrm>
+            <a:off x="4081462" y="6505575"/>
+            <a:ext cx="981075" cy="352425"/>
+          </a:xfrm>
+          <a:prstGeom prst="rect">
+            <a:avLst/>
+          </a:prstGeom>
+        </p:spPr>
+      </p:pic>
+      <p:sp>
+        <p:nvSpPr>
+          <p:cNvPr id="7" name="Subtitle 2">
+            <a:extLst>
+              <a:ext uri="{FF2B5EF4-FFF2-40B4-BE49-F238E27FC236}">
+                <a16:creationId xmlns:a16="http://schemas.microsoft.com/office/drawing/2014/main" id="{4DA6A66E-C172-4E1C-A719-FC42DCB8321F}"/>
+              </a:ext>
+            </a:extLst>
+          </p:cNvPr>
+          <p:cNvSpPr txBox="1">
+            <a:spLocks/>
+          </p:cNvSpPr>
+          <p:nvPr/>
+        </p:nvSpPr>
+        <p:spPr>
+          <a:xfrm>
+            <a:off x="8562668" y="6359024"/>
+            <a:ext cx="581331" cy="498976"/>
+          </a:xfrm>
+          <a:prstGeom prst="rect">
+            <a:avLst/>
+          </a:prstGeom>
+        </p:spPr>
+        <p:txBody>
+          <a:bodyPr vert="horz" lIns="91440" tIns="45720" rIns="91440" bIns="45720" rtlCol="1" anchor="t">
+            <a:noAutofit/>
+          </a:bodyPr>
+          <a:lstStyle>
+            <a:lvl1pPr marL="0" indent="0" algn="ctr" defTabSz="914400" rtl="1" eaLnBrk="1" latinLnBrk="0" hangingPunct="1">
+              <a:lnSpc>
+                <a:spcPct val="90000"/>
+              </a:lnSpc>
+              <a:spcBef>
+                <a:spcPct val="20000"/>
+              </a:spcBef>
+              <a:buFont typeface="Arial" panose="020B0604020202020204" pitchFamily="34" charset="0"/>
+              <a:buNone/>
+              <a:defRPr sz="3200" kern="1200">
+                <a:solidFill>
+                  <a:schemeClr val="tx1">
+                    <a:tint val="75000"/>
+                  </a:schemeClr>
+                </a:solidFill>
+                <a:latin typeface="+mn-lt"/>
+                <a:ea typeface="+mn-ea"/>
+                <a:cs typeface="+mn-cs"/>
+              </a:defRPr>
+            </a:lvl1pPr>
+            <a:lvl2pPr marL="457200" indent="0" algn="ctr" defTabSz="914400" rtl="1" eaLnBrk="1" latinLnBrk="0" hangingPunct="1">
+              <a:lnSpc>
+                <a:spcPct val="90000"/>
+              </a:lnSpc>
+              <a:spcBef>
+                <a:spcPct val="20000"/>
+              </a:spcBef>
+              <a:buFont typeface="Arial" panose="020B0604020202020204" pitchFamily="34" charset="0"/>
+              <a:buNone/>
+              <a:defRPr sz="2800" kern="1200">
+                <a:solidFill>
+                  <a:schemeClr val="tx1">
+                    <a:tint val="75000"/>
+                  </a:schemeClr>
+                </a:solidFill>
+                <a:latin typeface="+mn-lt"/>
+                <a:ea typeface="+mn-ea"/>
+                <a:cs typeface="+mn-cs"/>
+              </a:defRPr>
+            </a:lvl2pPr>
+            <a:lvl3pPr marL="914400" indent="0" algn="ctr" defTabSz="914400" rtl="1" eaLnBrk="1" latinLnBrk="0" hangingPunct="1">
+              <a:lnSpc>
+                <a:spcPct val="90000"/>
+              </a:lnSpc>
+              <a:spcBef>
+                <a:spcPct val="20000"/>
+              </a:spcBef>
+              <a:buFont typeface="Arial" panose="020B0604020202020204" pitchFamily="34" charset="0"/>
+              <a:buNone/>
+              <a:defRPr sz="2400" kern="1200">
+                <a:solidFill>
+                  <a:schemeClr val="tx1">
+                    <a:tint val="75000"/>
+                  </a:schemeClr>
+                </a:solidFill>
+                <a:latin typeface="+mn-lt"/>
+                <a:ea typeface="+mn-ea"/>
+                <a:cs typeface="+mn-cs"/>
+              </a:defRPr>
+            </a:lvl3pPr>
+            <a:lvl4pPr marL="1371600" indent="0" algn="ctr" defTabSz="914400" rtl="1" eaLnBrk="1" latinLnBrk="0" hangingPunct="1">
+              <a:lnSpc>
+                <a:spcPct val="90000"/>
+              </a:lnSpc>
+              <a:spcBef>
+                <a:spcPct val="20000"/>
+              </a:spcBef>
+              <a:buFont typeface="Arial" panose="020B0604020202020204" pitchFamily="34" charset="0"/>
+              <a:buNone/>
+              <a:defRPr sz="2000" kern="1200">
+                <a:solidFill>
+                  <a:schemeClr val="tx1">
+                    <a:tint val="75000"/>
+                  </a:schemeClr>
+                </a:solidFill>
+                <a:latin typeface="+mn-lt"/>
+                <a:ea typeface="+mn-ea"/>
+                <a:cs typeface="+mn-cs"/>
+              </a:defRPr>
+            </a:lvl4pPr>
+            <a:lvl5pPr marL="1828800" indent="0" algn="ctr" defTabSz="914400" rtl="1" eaLnBrk="1" latinLnBrk="0" hangingPunct="1">
+              <a:lnSpc>
+                <a:spcPct val="90000"/>
+              </a:lnSpc>
+              <a:spcBef>
+                <a:spcPct val="20000"/>
+              </a:spcBef>
+              <a:buFont typeface="Arial" panose="020B0604020202020204" pitchFamily="34" charset="0"/>
+              <a:buNone/>
+              <a:defRPr sz="2000" kern="1200">
+                <a:solidFill>
+                  <a:schemeClr val="tx1">
+                    <a:tint val="75000"/>
+                  </a:schemeClr>
+                </a:solidFill>
+                <a:latin typeface="+mn-lt"/>
+                <a:ea typeface="+mn-ea"/>
+                <a:cs typeface="+mn-cs"/>
+              </a:defRPr>
+            </a:lvl5pPr>
+            <a:lvl6pPr marL="2286000" indent="0" algn="ctr" defTabSz="914400" rtl="1" eaLnBrk="1" latinLnBrk="0" hangingPunct="1">
+              <a:lnSpc>
+                <a:spcPct val="90000"/>
+              </a:lnSpc>
+              <a:spcBef>
+                <a:spcPct val="20000"/>
+              </a:spcBef>
+              <a:buFont typeface="Arial" panose="020B0604020202020204" pitchFamily="34" charset="0"/>
+              <a:buNone/>
+              <a:defRPr sz="2000" kern="1200">
+                <a:solidFill>
+                  <a:schemeClr val="tx1">
+                    <a:tint val="75000"/>
+                  </a:schemeClr>
+                </a:solidFill>
+                <a:latin typeface="+mn-lt"/>
+                <a:ea typeface="+mn-ea"/>
+                <a:cs typeface="+mn-cs"/>
+              </a:defRPr>
+            </a:lvl6pPr>
+            <a:lvl7pPr marL="2743200" indent="0" algn="ctr" defTabSz="914400" rtl="1" eaLnBrk="1" latinLnBrk="0" hangingPunct="1">
+              <a:lnSpc>
+                <a:spcPct val="90000"/>
+              </a:lnSpc>
+              <a:spcBef>
+                <a:spcPct val="20000"/>
+              </a:spcBef>
+              <a:buFont typeface="Arial" panose="020B0604020202020204" pitchFamily="34" charset="0"/>
+              <a:buNone/>
+              <a:defRPr sz="2000" kern="1200">
+                <a:solidFill>
+                  <a:schemeClr val="tx1">
+                    <a:tint val="75000"/>
+                  </a:schemeClr>
+                </a:solidFill>
+                <a:latin typeface="+mn-lt"/>
+                <a:ea typeface="+mn-ea"/>
+                <a:cs typeface="+mn-cs"/>
+              </a:defRPr>
+            </a:lvl7pPr>
+            <a:lvl8pPr marL="3200400" indent="0" algn="ctr" defTabSz="914400" rtl="1" eaLnBrk="1" latinLnBrk="0" hangingPunct="1">
+              <a:lnSpc>
+                <a:spcPct val="90000"/>
+              </a:lnSpc>
+              <a:spcBef>
+                <a:spcPct val="20000"/>
+              </a:spcBef>
+              <a:buFont typeface="Arial" panose="020B0604020202020204" pitchFamily="34" charset="0"/>
+              <a:buNone/>
+              <a:defRPr sz="2000" kern="1200">
+                <a:solidFill>
+                  <a:schemeClr val="tx1">
+                    <a:tint val="75000"/>
+                  </a:schemeClr>
+                </a:solidFill>
+                <a:latin typeface="+mn-lt"/>
+                <a:ea typeface="+mn-ea"/>
+                <a:cs typeface="+mn-cs"/>
+              </a:defRPr>
+            </a:lvl8pPr>
+            <a:lvl9pPr marL="3657600" indent="0" algn="ctr" defTabSz="914400" rtl="1" eaLnBrk="1" latinLnBrk="0" hangingPunct="1">
+              <a:lnSpc>
+                <a:spcPct val="90000"/>
+              </a:lnSpc>
+              <a:spcBef>
+                <a:spcPct val="20000"/>
+              </a:spcBef>
+              <a:buFont typeface="Arial" panose="020B0604020202020204" pitchFamily="34" charset="0"/>
+              <a:buNone/>
+              <a:defRPr sz="2000" kern="1200">
+                <a:solidFill>
+                  <a:schemeClr val="tx1">
+                    <a:tint val="75000"/>
+                  </a:schemeClr>
+                </a:solidFill>
+                <a:latin typeface="+mn-lt"/>
+                <a:ea typeface="+mn-ea"/>
+                <a:cs typeface="+mn-cs"/>
+              </a:defRPr>
+            </a:lvl9pPr>
+          </a:lstStyle>
+          <a:p>
+            <a:pPr algn="l" rtl="0"/>
+            <a:r>
+              <a:rPr lang="en-US" sz="2400" dirty="0">
+                <a:solidFill>
+                  <a:schemeClr val="tx1"/>
+                </a:solidFill>
+              </a:rPr>
+              <a:t>16</a:t>
+            </a:r>
+          </a:p>
+        </p:txBody>
+      </p:sp>
     </p:spTree>
     <p:extLst>
       <p:ext uri="{BB962C8B-B14F-4D97-AF65-F5344CB8AC3E}">
@@ -7528,6 +9711,258 @@
           </a:p>
         </p:txBody>
       </p:sp>
+      <p:pic>
+        <p:nvPicPr>
+          <p:cNvPr id="5" name="תמונה 4">
+            <a:extLst>
+              <a:ext uri="{FF2B5EF4-FFF2-40B4-BE49-F238E27FC236}">
+                <a16:creationId xmlns:a16="http://schemas.microsoft.com/office/drawing/2014/main" id="{35635F69-AC6A-467E-95A2-358558D63670}"/>
+              </a:ext>
+            </a:extLst>
+          </p:cNvPr>
+          <p:cNvPicPr>
+            <a:picLocks noChangeAspect="1"/>
+          </p:cNvPicPr>
+          <p:nvPr/>
+        </p:nvPicPr>
+        <p:blipFill>
+          <a:blip r:embed="rId3"/>
+          <a:stretch>
+            <a:fillRect/>
+          </a:stretch>
+        </p:blipFill>
+        <p:spPr>
+          <a:xfrm>
+            <a:off x="4081462" y="6505575"/>
+            <a:ext cx="981075" cy="352425"/>
+          </a:xfrm>
+          <a:prstGeom prst="rect">
+            <a:avLst/>
+          </a:prstGeom>
+        </p:spPr>
+      </p:pic>
+      <p:sp>
+        <p:nvSpPr>
+          <p:cNvPr id="7" name="Subtitle 2">
+            <a:extLst>
+              <a:ext uri="{FF2B5EF4-FFF2-40B4-BE49-F238E27FC236}">
+                <a16:creationId xmlns:a16="http://schemas.microsoft.com/office/drawing/2014/main" id="{44827E34-5CA1-4A69-BBD3-2C6696016193}"/>
+              </a:ext>
+            </a:extLst>
+          </p:cNvPr>
+          <p:cNvSpPr txBox="1">
+            <a:spLocks/>
+          </p:cNvSpPr>
+          <p:nvPr/>
+        </p:nvSpPr>
+        <p:spPr>
+          <a:xfrm>
+            <a:off x="8562668" y="6359024"/>
+            <a:ext cx="581331" cy="498976"/>
+          </a:xfrm>
+          <a:prstGeom prst="rect">
+            <a:avLst/>
+          </a:prstGeom>
+        </p:spPr>
+        <p:txBody>
+          <a:bodyPr vert="horz" lIns="91440" tIns="45720" rIns="91440" bIns="45720" rtlCol="1" anchor="t">
+            <a:noAutofit/>
+          </a:bodyPr>
+          <a:lstStyle>
+            <a:lvl1pPr marL="0" indent="0" algn="ctr" defTabSz="914400" rtl="1" eaLnBrk="1" latinLnBrk="0" hangingPunct="1">
+              <a:lnSpc>
+                <a:spcPct val="90000"/>
+              </a:lnSpc>
+              <a:spcBef>
+                <a:spcPct val="20000"/>
+              </a:spcBef>
+              <a:buFont typeface="Arial" panose="020B0604020202020204" pitchFamily="34" charset="0"/>
+              <a:buNone/>
+              <a:defRPr sz="3200" kern="1200">
+                <a:solidFill>
+                  <a:schemeClr val="tx1">
+                    <a:tint val="75000"/>
+                  </a:schemeClr>
+                </a:solidFill>
+                <a:latin typeface="+mn-lt"/>
+                <a:ea typeface="+mn-ea"/>
+                <a:cs typeface="+mn-cs"/>
+              </a:defRPr>
+            </a:lvl1pPr>
+            <a:lvl2pPr marL="457200" indent="0" algn="ctr" defTabSz="914400" rtl="1" eaLnBrk="1" latinLnBrk="0" hangingPunct="1">
+              <a:lnSpc>
+                <a:spcPct val="90000"/>
+              </a:lnSpc>
+              <a:spcBef>
+                <a:spcPct val="20000"/>
+              </a:spcBef>
+              <a:buFont typeface="Arial" panose="020B0604020202020204" pitchFamily="34" charset="0"/>
+              <a:buNone/>
+              <a:defRPr sz="2800" kern="1200">
+                <a:solidFill>
+                  <a:schemeClr val="tx1">
+                    <a:tint val="75000"/>
+                  </a:schemeClr>
+                </a:solidFill>
+                <a:latin typeface="+mn-lt"/>
+                <a:ea typeface="+mn-ea"/>
+                <a:cs typeface="+mn-cs"/>
+              </a:defRPr>
+            </a:lvl2pPr>
+            <a:lvl3pPr marL="914400" indent="0" algn="ctr" defTabSz="914400" rtl="1" eaLnBrk="1" latinLnBrk="0" hangingPunct="1">
+              <a:lnSpc>
+                <a:spcPct val="90000"/>
+              </a:lnSpc>
+              <a:spcBef>
+                <a:spcPct val="20000"/>
+              </a:spcBef>
+              <a:buFont typeface="Arial" panose="020B0604020202020204" pitchFamily="34" charset="0"/>
+              <a:buNone/>
+              <a:defRPr sz="2400" kern="1200">
+                <a:solidFill>
+                  <a:schemeClr val="tx1">
+                    <a:tint val="75000"/>
+                  </a:schemeClr>
+                </a:solidFill>
+                <a:latin typeface="+mn-lt"/>
+                <a:ea typeface="+mn-ea"/>
+                <a:cs typeface="+mn-cs"/>
+              </a:defRPr>
+            </a:lvl3pPr>
+            <a:lvl4pPr marL="1371600" indent="0" algn="ctr" defTabSz="914400" rtl="1" eaLnBrk="1" latinLnBrk="0" hangingPunct="1">
+              <a:lnSpc>
+                <a:spcPct val="90000"/>
+              </a:lnSpc>
+              <a:spcBef>
+                <a:spcPct val="20000"/>
+              </a:spcBef>
+              <a:buFont typeface="Arial" panose="020B0604020202020204" pitchFamily="34" charset="0"/>
+              <a:buNone/>
+              <a:defRPr sz="2000" kern="1200">
+                <a:solidFill>
+                  <a:schemeClr val="tx1">
+                    <a:tint val="75000"/>
+                  </a:schemeClr>
+                </a:solidFill>
+                <a:latin typeface="+mn-lt"/>
+                <a:ea typeface="+mn-ea"/>
+                <a:cs typeface="+mn-cs"/>
+              </a:defRPr>
+            </a:lvl4pPr>
+            <a:lvl5pPr marL="1828800" indent="0" algn="ctr" defTabSz="914400" rtl="1" eaLnBrk="1" latinLnBrk="0" hangingPunct="1">
+              <a:lnSpc>
+                <a:spcPct val="90000"/>
+              </a:lnSpc>
+              <a:spcBef>
+                <a:spcPct val="20000"/>
+              </a:spcBef>
+              <a:buFont typeface="Arial" panose="020B0604020202020204" pitchFamily="34" charset="0"/>
+              <a:buNone/>
+              <a:defRPr sz="2000" kern="1200">
+                <a:solidFill>
+                  <a:schemeClr val="tx1">
+                    <a:tint val="75000"/>
+                  </a:schemeClr>
+                </a:solidFill>
+                <a:latin typeface="+mn-lt"/>
+                <a:ea typeface="+mn-ea"/>
+                <a:cs typeface="+mn-cs"/>
+              </a:defRPr>
+            </a:lvl5pPr>
+            <a:lvl6pPr marL="2286000" indent="0" algn="ctr" defTabSz="914400" rtl="1" eaLnBrk="1" latinLnBrk="0" hangingPunct="1">
+              <a:lnSpc>
+                <a:spcPct val="90000"/>
+              </a:lnSpc>
+              <a:spcBef>
+                <a:spcPct val="20000"/>
+              </a:spcBef>
+              <a:buFont typeface="Arial" panose="020B0604020202020204" pitchFamily="34" charset="0"/>
+              <a:buNone/>
+              <a:defRPr sz="2000" kern="1200">
+                <a:solidFill>
+                  <a:schemeClr val="tx1">
+                    <a:tint val="75000"/>
+                  </a:schemeClr>
+                </a:solidFill>
+                <a:latin typeface="+mn-lt"/>
+                <a:ea typeface="+mn-ea"/>
+                <a:cs typeface="+mn-cs"/>
+              </a:defRPr>
+            </a:lvl6pPr>
+            <a:lvl7pPr marL="2743200" indent="0" algn="ctr" defTabSz="914400" rtl="1" eaLnBrk="1" latinLnBrk="0" hangingPunct="1">
+              <a:lnSpc>
+                <a:spcPct val="90000"/>
+              </a:lnSpc>
+              <a:spcBef>
+                <a:spcPct val="20000"/>
+              </a:spcBef>
+              <a:buFont typeface="Arial" panose="020B0604020202020204" pitchFamily="34" charset="0"/>
+              <a:buNone/>
+              <a:defRPr sz="2000" kern="1200">
+                <a:solidFill>
+                  <a:schemeClr val="tx1">
+                    <a:tint val="75000"/>
+                  </a:schemeClr>
+                </a:solidFill>
+                <a:latin typeface="+mn-lt"/>
+                <a:ea typeface="+mn-ea"/>
+                <a:cs typeface="+mn-cs"/>
+              </a:defRPr>
+            </a:lvl7pPr>
+            <a:lvl8pPr marL="3200400" indent="0" algn="ctr" defTabSz="914400" rtl="1" eaLnBrk="1" latinLnBrk="0" hangingPunct="1">
+              <a:lnSpc>
+                <a:spcPct val="90000"/>
+              </a:lnSpc>
+              <a:spcBef>
+                <a:spcPct val="20000"/>
+              </a:spcBef>
+              <a:buFont typeface="Arial" panose="020B0604020202020204" pitchFamily="34" charset="0"/>
+              <a:buNone/>
+              <a:defRPr sz="2000" kern="1200">
+                <a:solidFill>
+                  <a:schemeClr val="tx1">
+                    <a:tint val="75000"/>
+                  </a:schemeClr>
+                </a:solidFill>
+                <a:latin typeface="+mn-lt"/>
+                <a:ea typeface="+mn-ea"/>
+                <a:cs typeface="+mn-cs"/>
+              </a:defRPr>
+            </a:lvl8pPr>
+            <a:lvl9pPr marL="3657600" indent="0" algn="ctr" defTabSz="914400" rtl="1" eaLnBrk="1" latinLnBrk="0" hangingPunct="1">
+              <a:lnSpc>
+                <a:spcPct val="90000"/>
+              </a:lnSpc>
+              <a:spcBef>
+                <a:spcPct val="20000"/>
+              </a:spcBef>
+              <a:buFont typeface="Arial" panose="020B0604020202020204" pitchFamily="34" charset="0"/>
+              <a:buNone/>
+              <a:defRPr sz="2000" kern="1200">
+                <a:solidFill>
+                  <a:schemeClr val="tx1">
+                    <a:tint val="75000"/>
+                  </a:schemeClr>
+                </a:solidFill>
+                <a:latin typeface="+mn-lt"/>
+                <a:ea typeface="+mn-ea"/>
+                <a:cs typeface="+mn-cs"/>
+              </a:defRPr>
+            </a:lvl9pPr>
+          </a:lstStyle>
+          <a:p>
+            <a:pPr algn="l" rtl="0"/>
+            <a:r>
+              <a:rPr lang="en-US" sz="2400" dirty="0">
+                <a:solidFill>
+                  <a:schemeClr val="tx1"/>
+                </a:solidFill>
+              </a:rPr>
+              <a:t>17</a:t>
+            </a:r>
+          </a:p>
+        </p:txBody>
+      </p:sp>
     </p:spTree>
     <p:extLst>
       <p:ext uri="{BB962C8B-B14F-4D97-AF65-F5344CB8AC3E}">
@@ -7649,6 +10084,258 @@
           </a:p>
         </p:txBody>
       </p:sp>
+      <p:pic>
+        <p:nvPicPr>
+          <p:cNvPr id="5" name="תמונה 4">
+            <a:extLst>
+              <a:ext uri="{FF2B5EF4-FFF2-40B4-BE49-F238E27FC236}">
+                <a16:creationId xmlns:a16="http://schemas.microsoft.com/office/drawing/2014/main" id="{F1CE30A5-BBAD-46AA-8072-14704658B3F9}"/>
+              </a:ext>
+            </a:extLst>
+          </p:cNvPr>
+          <p:cNvPicPr>
+            <a:picLocks noChangeAspect="1"/>
+          </p:cNvPicPr>
+          <p:nvPr/>
+        </p:nvPicPr>
+        <p:blipFill>
+          <a:blip r:embed="rId3"/>
+          <a:stretch>
+            <a:fillRect/>
+          </a:stretch>
+        </p:blipFill>
+        <p:spPr>
+          <a:xfrm>
+            <a:off x="4081462" y="6505575"/>
+            <a:ext cx="981075" cy="352425"/>
+          </a:xfrm>
+          <a:prstGeom prst="rect">
+            <a:avLst/>
+          </a:prstGeom>
+        </p:spPr>
+      </p:pic>
+      <p:sp>
+        <p:nvSpPr>
+          <p:cNvPr id="7" name="Subtitle 2">
+            <a:extLst>
+              <a:ext uri="{FF2B5EF4-FFF2-40B4-BE49-F238E27FC236}">
+                <a16:creationId xmlns:a16="http://schemas.microsoft.com/office/drawing/2014/main" id="{F924A873-524F-4129-A743-EBCC358ED9A5}"/>
+              </a:ext>
+            </a:extLst>
+          </p:cNvPr>
+          <p:cNvSpPr txBox="1">
+            <a:spLocks/>
+          </p:cNvSpPr>
+          <p:nvPr/>
+        </p:nvSpPr>
+        <p:spPr>
+          <a:xfrm>
+            <a:off x="8562668" y="6359024"/>
+            <a:ext cx="581331" cy="498976"/>
+          </a:xfrm>
+          <a:prstGeom prst="rect">
+            <a:avLst/>
+          </a:prstGeom>
+        </p:spPr>
+        <p:txBody>
+          <a:bodyPr vert="horz" lIns="91440" tIns="45720" rIns="91440" bIns="45720" rtlCol="1" anchor="t">
+            <a:noAutofit/>
+          </a:bodyPr>
+          <a:lstStyle>
+            <a:lvl1pPr marL="0" indent="0" algn="ctr" defTabSz="914400" rtl="1" eaLnBrk="1" latinLnBrk="0" hangingPunct="1">
+              <a:lnSpc>
+                <a:spcPct val="90000"/>
+              </a:lnSpc>
+              <a:spcBef>
+                <a:spcPct val="20000"/>
+              </a:spcBef>
+              <a:buFont typeface="Arial" panose="020B0604020202020204" pitchFamily="34" charset="0"/>
+              <a:buNone/>
+              <a:defRPr sz="3200" kern="1200">
+                <a:solidFill>
+                  <a:schemeClr val="tx1">
+                    <a:tint val="75000"/>
+                  </a:schemeClr>
+                </a:solidFill>
+                <a:latin typeface="+mn-lt"/>
+                <a:ea typeface="+mn-ea"/>
+                <a:cs typeface="+mn-cs"/>
+              </a:defRPr>
+            </a:lvl1pPr>
+            <a:lvl2pPr marL="457200" indent="0" algn="ctr" defTabSz="914400" rtl="1" eaLnBrk="1" latinLnBrk="0" hangingPunct="1">
+              <a:lnSpc>
+                <a:spcPct val="90000"/>
+              </a:lnSpc>
+              <a:spcBef>
+                <a:spcPct val="20000"/>
+              </a:spcBef>
+              <a:buFont typeface="Arial" panose="020B0604020202020204" pitchFamily="34" charset="0"/>
+              <a:buNone/>
+              <a:defRPr sz="2800" kern="1200">
+                <a:solidFill>
+                  <a:schemeClr val="tx1">
+                    <a:tint val="75000"/>
+                  </a:schemeClr>
+                </a:solidFill>
+                <a:latin typeface="+mn-lt"/>
+                <a:ea typeface="+mn-ea"/>
+                <a:cs typeface="+mn-cs"/>
+              </a:defRPr>
+            </a:lvl2pPr>
+            <a:lvl3pPr marL="914400" indent="0" algn="ctr" defTabSz="914400" rtl="1" eaLnBrk="1" latinLnBrk="0" hangingPunct="1">
+              <a:lnSpc>
+                <a:spcPct val="90000"/>
+              </a:lnSpc>
+              <a:spcBef>
+                <a:spcPct val="20000"/>
+              </a:spcBef>
+              <a:buFont typeface="Arial" panose="020B0604020202020204" pitchFamily="34" charset="0"/>
+              <a:buNone/>
+              <a:defRPr sz="2400" kern="1200">
+                <a:solidFill>
+                  <a:schemeClr val="tx1">
+                    <a:tint val="75000"/>
+                  </a:schemeClr>
+                </a:solidFill>
+                <a:latin typeface="+mn-lt"/>
+                <a:ea typeface="+mn-ea"/>
+                <a:cs typeface="+mn-cs"/>
+              </a:defRPr>
+            </a:lvl3pPr>
+            <a:lvl4pPr marL="1371600" indent="0" algn="ctr" defTabSz="914400" rtl="1" eaLnBrk="1" latinLnBrk="0" hangingPunct="1">
+              <a:lnSpc>
+                <a:spcPct val="90000"/>
+              </a:lnSpc>
+              <a:spcBef>
+                <a:spcPct val="20000"/>
+              </a:spcBef>
+              <a:buFont typeface="Arial" panose="020B0604020202020204" pitchFamily="34" charset="0"/>
+              <a:buNone/>
+              <a:defRPr sz="2000" kern="1200">
+                <a:solidFill>
+                  <a:schemeClr val="tx1">
+                    <a:tint val="75000"/>
+                  </a:schemeClr>
+                </a:solidFill>
+                <a:latin typeface="+mn-lt"/>
+                <a:ea typeface="+mn-ea"/>
+                <a:cs typeface="+mn-cs"/>
+              </a:defRPr>
+            </a:lvl4pPr>
+            <a:lvl5pPr marL="1828800" indent="0" algn="ctr" defTabSz="914400" rtl="1" eaLnBrk="1" latinLnBrk="0" hangingPunct="1">
+              <a:lnSpc>
+                <a:spcPct val="90000"/>
+              </a:lnSpc>
+              <a:spcBef>
+                <a:spcPct val="20000"/>
+              </a:spcBef>
+              <a:buFont typeface="Arial" panose="020B0604020202020204" pitchFamily="34" charset="0"/>
+              <a:buNone/>
+              <a:defRPr sz="2000" kern="1200">
+                <a:solidFill>
+                  <a:schemeClr val="tx1">
+                    <a:tint val="75000"/>
+                  </a:schemeClr>
+                </a:solidFill>
+                <a:latin typeface="+mn-lt"/>
+                <a:ea typeface="+mn-ea"/>
+                <a:cs typeface="+mn-cs"/>
+              </a:defRPr>
+            </a:lvl5pPr>
+            <a:lvl6pPr marL="2286000" indent="0" algn="ctr" defTabSz="914400" rtl="1" eaLnBrk="1" latinLnBrk="0" hangingPunct="1">
+              <a:lnSpc>
+                <a:spcPct val="90000"/>
+              </a:lnSpc>
+              <a:spcBef>
+                <a:spcPct val="20000"/>
+              </a:spcBef>
+              <a:buFont typeface="Arial" panose="020B0604020202020204" pitchFamily="34" charset="0"/>
+              <a:buNone/>
+              <a:defRPr sz="2000" kern="1200">
+                <a:solidFill>
+                  <a:schemeClr val="tx1">
+                    <a:tint val="75000"/>
+                  </a:schemeClr>
+                </a:solidFill>
+                <a:latin typeface="+mn-lt"/>
+                <a:ea typeface="+mn-ea"/>
+                <a:cs typeface="+mn-cs"/>
+              </a:defRPr>
+            </a:lvl6pPr>
+            <a:lvl7pPr marL="2743200" indent="0" algn="ctr" defTabSz="914400" rtl="1" eaLnBrk="1" latinLnBrk="0" hangingPunct="1">
+              <a:lnSpc>
+                <a:spcPct val="90000"/>
+              </a:lnSpc>
+              <a:spcBef>
+                <a:spcPct val="20000"/>
+              </a:spcBef>
+              <a:buFont typeface="Arial" panose="020B0604020202020204" pitchFamily="34" charset="0"/>
+              <a:buNone/>
+              <a:defRPr sz="2000" kern="1200">
+                <a:solidFill>
+                  <a:schemeClr val="tx1">
+                    <a:tint val="75000"/>
+                  </a:schemeClr>
+                </a:solidFill>
+                <a:latin typeface="+mn-lt"/>
+                <a:ea typeface="+mn-ea"/>
+                <a:cs typeface="+mn-cs"/>
+              </a:defRPr>
+            </a:lvl7pPr>
+            <a:lvl8pPr marL="3200400" indent="0" algn="ctr" defTabSz="914400" rtl="1" eaLnBrk="1" latinLnBrk="0" hangingPunct="1">
+              <a:lnSpc>
+                <a:spcPct val="90000"/>
+              </a:lnSpc>
+              <a:spcBef>
+                <a:spcPct val="20000"/>
+              </a:spcBef>
+              <a:buFont typeface="Arial" panose="020B0604020202020204" pitchFamily="34" charset="0"/>
+              <a:buNone/>
+              <a:defRPr sz="2000" kern="1200">
+                <a:solidFill>
+                  <a:schemeClr val="tx1">
+                    <a:tint val="75000"/>
+                  </a:schemeClr>
+                </a:solidFill>
+                <a:latin typeface="+mn-lt"/>
+                <a:ea typeface="+mn-ea"/>
+                <a:cs typeface="+mn-cs"/>
+              </a:defRPr>
+            </a:lvl8pPr>
+            <a:lvl9pPr marL="3657600" indent="0" algn="ctr" defTabSz="914400" rtl="1" eaLnBrk="1" latinLnBrk="0" hangingPunct="1">
+              <a:lnSpc>
+                <a:spcPct val="90000"/>
+              </a:lnSpc>
+              <a:spcBef>
+                <a:spcPct val="20000"/>
+              </a:spcBef>
+              <a:buFont typeface="Arial" panose="020B0604020202020204" pitchFamily="34" charset="0"/>
+              <a:buNone/>
+              <a:defRPr sz="2000" kern="1200">
+                <a:solidFill>
+                  <a:schemeClr val="tx1">
+                    <a:tint val="75000"/>
+                  </a:schemeClr>
+                </a:solidFill>
+                <a:latin typeface="+mn-lt"/>
+                <a:ea typeface="+mn-ea"/>
+                <a:cs typeface="+mn-cs"/>
+              </a:defRPr>
+            </a:lvl9pPr>
+          </a:lstStyle>
+          <a:p>
+            <a:pPr algn="l" rtl="0"/>
+            <a:r>
+              <a:rPr lang="en-US" sz="2400" dirty="0">
+                <a:solidFill>
+                  <a:schemeClr val="tx1"/>
+                </a:solidFill>
+              </a:rPr>
+              <a:t>18</a:t>
+            </a:r>
+          </a:p>
+        </p:txBody>
+      </p:sp>
     </p:spTree>
     <p:extLst>
       <p:ext uri="{BB962C8B-B14F-4D97-AF65-F5344CB8AC3E}">
@@ -8113,6 +10800,258 @@
           </a:p>
         </p:txBody>
       </p:sp>
+      <p:pic>
+        <p:nvPicPr>
+          <p:cNvPr id="4" name="תמונה 3">
+            <a:extLst>
+              <a:ext uri="{FF2B5EF4-FFF2-40B4-BE49-F238E27FC236}">
+                <a16:creationId xmlns:a16="http://schemas.microsoft.com/office/drawing/2014/main" id="{96E68B6B-60D2-4D8F-9DC7-7F3328F9C279}"/>
+              </a:ext>
+            </a:extLst>
+          </p:cNvPr>
+          <p:cNvPicPr>
+            <a:picLocks noChangeAspect="1"/>
+          </p:cNvPicPr>
+          <p:nvPr/>
+        </p:nvPicPr>
+        <p:blipFill>
+          <a:blip r:embed="rId2"/>
+          <a:stretch>
+            <a:fillRect/>
+          </a:stretch>
+        </p:blipFill>
+        <p:spPr>
+          <a:xfrm>
+            <a:off x="4081462" y="6505575"/>
+            <a:ext cx="981075" cy="352425"/>
+          </a:xfrm>
+          <a:prstGeom prst="rect">
+            <a:avLst/>
+          </a:prstGeom>
+        </p:spPr>
+      </p:pic>
+      <p:sp>
+        <p:nvSpPr>
+          <p:cNvPr id="5" name="Subtitle 2">
+            <a:extLst>
+              <a:ext uri="{FF2B5EF4-FFF2-40B4-BE49-F238E27FC236}">
+                <a16:creationId xmlns:a16="http://schemas.microsoft.com/office/drawing/2014/main" id="{B4196659-4A84-4C3E-9873-58E0D18A5F80}"/>
+              </a:ext>
+            </a:extLst>
+          </p:cNvPr>
+          <p:cNvSpPr txBox="1">
+            <a:spLocks/>
+          </p:cNvSpPr>
+          <p:nvPr/>
+        </p:nvSpPr>
+        <p:spPr>
+          <a:xfrm>
+            <a:off x="8562669" y="6359024"/>
+            <a:ext cx="469038" cy="498976"/>
+          </a:xfrm>
+          <a:prstGeom prst="rect">
+            <a:avLst/>
+          </a:prstGeom>
+        </p:spPr>
+        <p:txBody>
+          <a:bodyPr vert="horz" lIns="91440" tIns="45720" rIns="91440" bIns="45720" rtlCol="1" anchor="t">
+            <a:noAutofit/>
+          </a:bodyPr>
+          <a:lstStyle>
+            <a:lvl1pPr marL="0" indent="0" algn="ctr" defTabSz="914400" rtl="1" eaLnBrk="1" latinLnBrk="0" hangingPunct="1">
+              <a:lnSpc>
+                <a:spcPct val="90000"/>
+              </a:lnSpc>
+              <a:spcBef>
+                <a:spcPct val="20000"/>
+              </a:spcBef>
+              <a:buFont typeface="Arial" panose="020B0604020202020204" pitchFamily="34" charset="0"/>
+              <a:buNone/>
+              <a:defRPr sz="3200" kern="1200">
+                <a:solidFill>
+                  <a:schemeClr val="tx1">
+                    <a:tint val="75000"/>
+                  </a:schemeClr>
+                </a:solidFill>
+                <a:latin typeface="+mn-lt"/>
+                <a:ea typeface="+mn-ea"/>
+                <a:cs typeface="+mn-cs"/>
+              </a:defRPr>
+            </a:lvl1pPr>
+            <a:lvl2pPr marL="457200" indent="0" algn="ctr" defTabSz="914400" rtl="1" eaLnBrk="1" latinLnBrk="0" hangingPunct="1">
+              <a:lnSpc>
+                <a:spcPct val="90000"/>
+              </a:lnSpc>
+              <a:spcBef>
+                <a:spcPct val="20000"/>
+              </a:spcBef>
+              <a:buFont typeface="Arial" panose="020B0604020202020204" pitchFamily="34" charset="0"/>
+              <a:buNone/>
+              <a:defRPr sz="2800" kern="1200">
+                <a:solidFill>
+                  <a:schemeClr val="tx1">
+                    <a:tint val="75000"/>
+                  </a:schemeClr>
+                </a:solidFill>
+                <a:latin typeface="+mn-lt"/>
+                <a:ea typeface="+mn-ea"/>
+                <a:cs typeface="+mn-cs"/>
+              </a:defRPr>
+            </a:lvl2pPr>
+            <a:lvl3pPr marL="914400" indent="0" algn="ctr" defTabSz="914400" rtl="1" eaLnBrk="1" latinLnBrk="0" hangingPunct="1">
+              <a:lnSpc>
+                <a:spcPct val="90000"/>
+              </a:lnSpc>
+              <a:spcBef>
+                <a:spcPct val="20000"/>
+              </a:spcBef>
+              <a:buFont typeface="Arial" panose="020B0604020202020204" pitchFamily="34" charset="0"/>
+              <a:buNone/>
+              <a:defRPr sz="2400" kern="1200">
+                <a:solidFill>
+                  <a:schemeClr val="tx1">
+                    <a:tint val="75000"/>
+                  </a:schemeClr>
+                </a:solidFill>
+                <a:latin typeface="+mn-lt"/>
+                <a:ea typeface="+mn-ea"/>
+                <a:cs typeface="+mn-cs"/>
+              </a:defRPr>
+            </a:lvl3pPr>
+            <a:lvl4pPr marL="1371600" indent="0" algn="ctr" defTabSz="914400" rtl="1" eaLnBrk="1" latinLnBrk="0" hangingPunct="1">
+              <a:lnSpc>
+                <a:spcPct val="90000"/>
+              </a:lnSpc>
+              <a:spcBef>
+                <a:spcPct val="20000"/>
+              </a:spcBef>
+              <a:buFont typeface="Arial" panose="020B0604020202020204" pitchFamily="34" charset="0"/>
+              <a:buNone/>
+              <a:defRPr sz="2000" kern="1200">
+                <a:solidFill>
+                  <a:schemeClr val="tx1">
+                    <a:tint val="75000"/>
+                  </a:schemeClr>
+                </a:solidFill>
+                <a:latin typeface="+mn-lt"/>
+                <a:ea typeface="+mn-ea"/>
+                <a:cs typeface="+mn-cs"/>
+              </a:defRPr>
+            </a:lvl4pPr>
+            <a:lvl5pPr marL="1828800" indent="0" algn="ctr" defTabSz="914400" rtl="1" eaLnBrk="1" latinLnBrk="0" hangingPunct="1">
+              <a:lnSpc>
+                <a:spcPct val="90000"/>
+              </a:lnSpc>
+              <a:spcBef>
+                <a:spcPct val="20000"/>
+              </a:spcBef>
+              <a:buFont typeface="Arial" panose="020B0604020202020204" pitchFamily="34" charset="0"/>
+              <a:buNone/>
+              <a:defRPr sz="2000" kern="1200">
+                <a:solidFill>
+                  <a:schemeClr val="tx1">
+                    <a:tint val="75000"/>
+                  </a:schemeClr>
+                </a:solidFill>
+                <a:latin typeface="+mn-lt"/>
+                <a:ea typeface="+mn-ea"/>
+                <a:cs typeface="+mn-cs"/>
+              </a:defRPr>
+            </a:lvl5pPr>
+            <a:lvl6pPr marL="2286000" indent="0" algn="ctr" defTabSz="914400" rtl="1" eaLnBrk="1" latinLnBrk="0" hangingPunct="1">
+              <a:lnSpc>
+                <a:spcPct val="90000"/>
+              </a:lnSpc>
+              <a:spcBef>
+                <a:spcPct val="20000"/>
+              </a:spcBef>
+              <a:buFont typeface="Arial" panose="020B0604020202020204" pitchFamily="34" charset="0"/>
+              <a:buNone/>
+              <a:defRPr sz="2000" kern="1200">
+                <a:solidFill>
+                  <a:schemeClr val="tx1">
+                    <a:tint val="75000"/>
+                  </a:schemeClr>
+                </a:solidFill>
+                <a:latin typeface="+mn-lt"/>
+                <a:ea typeface="+mn-ea"/>
+                <a:cs typeface="+mn-cs"/>
+              </a:defRPr>
+            </a:lvl6pPr>
+            <a:lvl7pPr marL="2743200" indent="0" algn="ctr" defTabSz="914400" rtl="1" eaLnBrk="1" latinLnBrk="0" hangingPunct="1">
+              <a:lnSpc>
+                <a:spcPct val="90000"/>
+              </a:lnSpc>
+              <a:spcBef>
+                <a:spcPct val="20000"/>
+              </a:spcBef>
+              <a:buFont typeface="Arial" panose="020B0604020202020204" pitchFamily="34" charset="0"/>
+              <a:buNone/>
+              <a:defRPr sz="2000" kern="1200">
+                <a:solidFill>
+                  <a:schemeClr val="tx1">
+                    <a:tint val="75000"/>
+                  </a:schemeClr>
+                </a:solidFill>
+                <a:latin typeface="+mn-lt"/>
+                <a:ea typeface="+mn-ea"/>
+                <a:cs typeface="+mn-cs"/>
+              </a:defRPr>
+            </a:lvl7pPr>
+            <a:lvl8pPr marL="3200400" indent="0" algn="ctr" defTabSz="914400" rtl="1" eaLnBrk="1" latinLnBrk="0" hangingPunct="1">
+              <a:lnSpc>
+                <a:spcPct val="90000"/>
+              </a:lnSpc>
+              <a:spcBef>
+                <a:spcPct val="20000"/>
+              </a:spcBef>
+              <a:buFont typeface="Arial" panose="020B0604020202020204" pitchFamily="34" charset="0"/>
+              <a:buNone/>
+              <a:defRPr sz="2000" kern="1200">
+                <a:solidFill>
+                  <a:schemeClr val="tx1">
+                    <a:tint val="75000"/>
+                  </a:schemeClr>
+                </a:solidFill>
+                <a:latin typeface="+mn-lt"/>
+                <a:ea typeface="+mn-ea"/>
+                <a:cs typeface="+mn-cs"/>
+              </a:defRPr>
+            </a:lvl8pPr>
+            <a:lvl9pPr marL="3657600" indent="0" algn="ctr" defTabSz="914400" rtl="1" eaLnBrk="1" latinLnBrk="0" hangingPunct="1">
+              <a:lnSpc>
+                <a:spcPct val="90000"/>
+              </a:lnSpc>
+              <a:spcBef>
+                <a:spcPct val="20000"/>
+              </a:spcBef>
+              <a:buFont typeface="Arial" panose="020B0604020202020204" pitchFamily="34" charset="0"/>
+              <a:buNone/>
+              <a:defRPr sz="2000" kern="1200">
+                <a:solidFill>
+                  <a:schemeClr val="tx1">
+                    <a:tint val="75000"/>
+                  </a:schemeClr>
+                </a:solidFill>
+                <a:latin typeface="+mn-lt"/>
+                <a:ea typeface="+mn-ea"/>
+                <a:cs typeface="+mn-cs"/>
+              </a:defRPr>
+            </a:lvl9pPr>
+          </a:lstStyle>
+          <a:p>
+            <a:pPr algn="l" rtl="0"/>
+            <a:r>
+              <a:rPr lang="en-US" sz="2400" dirty="0">
+                <a:solidFill>
+                  <a:schemeClr val="tx1"/>
+                </a:solidFill>
+              </a:rPr>
+              <a:t>2</a:t>
+            </a:r>
+          </a:p>
+        </p:txBody>
+      </p:sp>
     </p:spTree>
     <p:extLst>
       <p:ext uri="{BB962C8B-B14F-4D97-AF65-F5344CB8AC3E}">
@@ -8339,6 +11278,258 @@
           </a:p>
         </p:txBody>
       </p:sp>
+      <p:pic>
+        <p:nvPicPr>
+          <p:cNvPr id="4" name="תמונה 3">
+            <a:extLst>
+              <a:ext uri="{FF2B5EF4-FFF2-40B4-BE49-F238E27FC236}">
+                <a16:creationId xmlns:a16="http://schemas.microsoft.com/office/drawing/2014/main" id="{87CE3A26-CDAC-4E57-81A9-DAAD3062D0A3}"/>
+              </a:ext>
+            </a:extLst>
+          </p:cNvPr>
+          <p:cNvPicPr>
+            <a:picLocks noChangeAspect="1"/>
+          </p:cNvPicPr>
+          <p:nvPr/>
+        </p:nvPicPr>
+        <p:blipFill>
+          <a:blip r:embed="rId2"/>
+          <a:stretch>
+            <a:fillRect/>
+          </a:stretch>
+        </p:blipFill>
+        <p:spPr>
+          <a:xfrm>
+            <a:off x="4081462" y="6505575"/>
+            <a:ext cx="981075" cy="352425"/>
+          </a:xfrm>
+          <a:prstGeom prst="rect">
+            <a:avLst/>
+          </a:prstGeom>
+        </p:spPr>
+      </p:pic>
+      <p:sp>
+        <p:nvSpPr>
+          <p:cNvPr id="5" name="Subtitle 2">
+            <a:extLst>
+              <a:ext uri="{FF2B5EF4-FFF2-40B4-BE49-F238E27FC236}">
+                <a16:creationId xmlns:a16="http://schemas.microsoft.com/office/drawing/2014/main" id="{3DC82F0A-156B-40B9-9A50-1A6E3A67A829}"/>
+              </a:ext>
+            </a:extLst>
+          </p:cNvPr>
+          <p:cNvSpPr txBox="1">
+            <a:spLocks/>
+          </p:cNvSpPr>
+          <p:nvPr/>
+        </p:nvSpPr>
+        <p:spPr>
+          <a:xfrm>
+            <a:off x="8562669" y="6359024"/>
+            <a:ext cx="469038" cy="498976"/>
+          </a:xfrm>
+          <a:prstGeom prst="rect">
+            <a:avLst/>
+          </a:prstGeom>
+        </p:spPr>
+        <p:txBody>
+          <a:bodyPr vert="horz" lIns="91440" tIns="45720" rIns="91440" bIns="45720" rtlCol="1" anchor="t">
+            <a:noAutofit/>
+          </a:bodyPr>
+          <a:lstStyle>
+            <a:lvl1pPr marL="0" indent="0" algn="ctr" defTabSz="914400" rtl="1" eaLnBrk="1" latinLnBrk="0" hangingPunct="1">
+              <a:lnSpc>
+                <a:spcPct val="90000"/>
+              </a:lnSpc>
+              <a:spcBef>
+                <a:spcPct val="20000"/>
+              </a:spcBef>
+              <a:buFont typeface="Arial" panose="020B0604020202020204" pitchFamily="34" charset="0"/>
+              <a:buNone/>
+              <a:defRPr sz="3200" kern="1200">
+                <a:solidFill>
+                  <a:schemeClr val="tx1">
+                    <a:tint val="75000"/>
+                  </a:schemeClr>
+                </a:solidFill>
+                <a:latin typeface="+mn-lt"/>
+                <a:ea typeface="+mn-ea"/>
+                <a:cs typeface="+mn-cs"/>
+              </a:defRPr>
+            </a:lvl1pPr>
+            <a:lvl2pPr marL="457200" indent="0" algn="ctr" defTabSz="914400" rtl="1" eaLnBrk="1" latinLnBrk="0" hangingPunct="1">
+              <a:lnSpc>
+                <a:spcPct val="90000"/>
+              </a:lnSpc>
+              <a:spcBef>
+                <a:spcPct val="20000"/>
+              </a:spcBef>
+              <a:buFont typeface="Arial" panose="020B0604020202020204" pitchFamily="34" charset="0"/>
+              <a:buNone/>
+              <a:defRPr sz="2800" kern="1200">
+                <a:solidFill>
+                  <a:schemeClr val="tx1">
+                    <a:tint val="75000"/>
+                  </a:schemeClr>
+                </a:solidFill>
+                <a:latin typeface="+mn-lt"/>
+                <a:ea typeface="+mn-ea"/>
+                <a:cs typeface="+mn-cs"/>
+              </a:defRPr>
+            </a:lvl2pPr>
+            <a:lvl3pPr marL="914400" indent="0" algn="ctr" defTabSz="914400" rtl="1" eaLnBrk="1" latinLnBrk="0" hangingPunct="1">
+              <a:lnSpc>
+                <a:spcPct val="90000"/>
+              </a:lnSpc>
+              <a:spcBef>
+                <a:spcPct val="20000"/>
+              </a:spcBef>
+              <a:buFont typeface="Arial" panose="020B0604020202020204" pitchFamily="34" charset="0"/>
+              <a:buNone/>
+              <a:defRPr sz="2400" kern="1200">
+                <a:solidFill>
+                  <a:schemeClr val="tx1">
+                    <a:tint val="75000"/>
+                  </a:schemeClr>
+                </a:solidFill>
+                <a:latin typeface="+mn-lt"/>
+                <a:ea typeface="+mn-ea"/>
+                <a:cs typeface="+mn-cs"/>
+              </a:defRPr>
+            </a:lvl3pPr>
+            <a:lvl4pPr marL="1371600" indent="0" algn="ctr" defTabSz="914400" rtl="1" eaLnBrk="1" latinLnBrk="0" hangingPunct="1">
+              <a:lnSpc>
+                <a:spcPct val="90000"/>
+              </a:lnSpc>
+              <a:spcBef>
+                <a:spcPct val="20000"/>
+              </a:spcBef>
+              <a:buFont typeface="Arial" panose="020B0604020202020204" pitchFamily="34" charset="0"/>
+              <a:buNone/>
+              <a:defRPr sz="2000" kern="1200">
+                <a:solidFill>
+                  <a:schemeClr val="tx1">
+                    <a:tint val="75000"/>
+                  </a:schemeClr>
+                </a:solidFill>
+                <a:latin typeface="+mn-lt"/>
+                <a:ea typeface="+mn-ea"/>
+                <a:cs typeface="+mn-cs"/>
+              </a:defRPr>
+            </a:lvl4pPr>
+            <a:lvl5pPr marL="1828800" indent="0" algn="ctr" defTabSz="914400" rtl="1" eaLnBrk="1" latinLnBrk="0" hangingPunct="1">
+              <a:lnSpc>
+                <a:spcPct val="90000"/>
+              </a:lnSpc>
+              <a:spcBef>
+                <a:spcPct val="20000"/>
+              </a:spcBef>
+              <a:buFont typeface="Arial" panose="020B0604020202020204" pitchFamily="34" charset="0"/>
+              <a:buNone/>
+              <a:defRPr sz="2000" kern="1200">
+                <a:solidFill>
+                  <a:schemeClr val="tx1">
+                    <a:tint val="75000"/>
+                  </a:schemeClr>
+                </a:solidFill>
+                <a:latin typeface="+mn-lt"/>
+                <a:ea typeface="+mn-ea"/>
+                <a:cs typeface="+mn-cs"/>
+              </a:defRPr>
+            </a:lvl5pPr>
+            <a:lvl6pPr marL="2286000" indent="0" algn="ctr" defTabSz="914400" rtl="1" eaLnBrk="1" latinLnBrk="0" hangingPunct="1">
+              <a:lnSpc>
+                <a:spcPct val="90000"/>
+              </a:lnSpc>
+              <a:spcBef>
+                <a:spcPct val="20000"/>
+              </a:spcBef>
+              <a:buFont typeface="Arial" panose="020B0604020202020204" pitchFamily="34" charset="0"/>
+              <a:buNone/>
+              <a:defRPr sz="2000" kern="1200">
+                <a:solidFill>
+                  <a:schemeClr val="tx1">
+                    <a:tint val="75000"/>
+                  </a:schemeClr>
+                </a:solidFill>
+                <a:latin typeface="+mn-lt"/>
+                <a:ea typeface="+mn-ea"/>
+                <a:cs typeface="+mn-cs"/>
+              </a:defRPr>
+            </a:lvl6pPr>
+            <a:lvl7pPr marL="2743200" indent="0" algn="ctr" defTabSz="914400" rtl="1" eaLnBrk="1" latinLnBrk="0" hangingPunct="1">
+              <a:lnSpc>
+                <a:spcPct val="90000"/>
+              </a:lnSpc>
+              <a:spcBef>
+                <a:spcPct val="20000"/>
+              </a:spcBef>
+              <a:buFont typeface="Arial" panose="020B0604020202020204" pitchFamily="34" charset="0"/>
+              <a:buNone/>
+              <a:defRPr sz="2000" kern="1200">
+                <a:solidFill>
+                  <a:schemeClr val="tx1">
+                    <a:tint val="75000"/>
+                  </a:schemeClr>
+                </a:solidFill>
+                <a:latin typeface="+mn-lt"/>
+                <a:ea typeface="+mn-ea"/>
+                <a:cs typeface="+mn-cs"/>
+              </a:defRPr>
+            </a:lvl7pPr>
+            <a:lvl8pPr marL="3200400" indent="0" algn="ctr" defTabSz="914400" rtl="1" eaLnBrk="1" latinLnBrk="0" hangingPunct="1">
+              <a:lnSpc>
+                <a:spcPct val="90000"/>
+              </a:lnSpc>
+              <a:spcBef>
+                <a:spcPct val="20000"/>
+              </a:spcBef>
+              <a:buFont typeface="Arial" panose="020B0604020202020204" pitchFamily="34" charset="0"/>
+              <a:buNone/>
+              <a:defRPr sz="2000" kern="1200">
+                <a:solidFill>
+                  <a:schemeClr val="tx1">
+                    <a:tint val="75000"/>
+                  </a:schemeClr>
+                </a:solidFill>
+                <a:latin typeface="+mn-lt"/>
+                <a:ea typeface="+mn-ea"/>
+                <a:cs typeface="+mn-cs"/>
+              </a:defRPr>
+            </a:lvl8pPr>
+            <a:lvl9pPr marL="3657600" indent="0" algn="ctr" defTabSz="914400" rtl="1" eaLnBrk="1" latinLnBrk="0" hangingPunct="1">
+              <a:lnSpc>
+                <a:spcPct val="90000"/>
+              </a:lnSpc>
+              <a:spcBef>
+                <a:spcPct val="20000"/>
+              </a:spcBef>
+              <a:buFont typeface="Arial" panose="020B0604020202020204" pitchFamily="34" charset="0"/>
+              <a:buNone/>
+              <a:defRPr sz="2000" kern="1200">
+                <a:solidFill>
+                  <a:schemeClr val="tx1">
+                    <a:tint val="75000"/>
+                  </a:schemeClr>
+                </a:solidFill>
+                <a:latin typeface="+mn-lt"/>
+                <a:ea typeface="+mn-ea"/>
+                <a:cs typeface="+mn-cs"/>
+              </a:defRPr>
+            </a:lvl9pPr>
+          </a:lstStyle>
+          <a:p>
+            <a:pPr algn="l" rtl="0"/>
+            <a:r>
+              <a:rPr lang="en-US" sz="2400" dirty="0">
+                <a:solidFill>
+                  <a:schemeClr val="tx1"/>
+                </a:solidFill>
+              </a:rPr>
+              <a:t>3</a:t>
+            </a:r>
+          </a:p>
+        </p:txBody>
+      </p:sp>
     </p:spTree>
     <p:extLst>
       <p:ext uri="{BB962C8B-B14F-4D97-AF65-F5344CB8AC3E}">
@@ -8500,7 +11691,7 @@
         </p:blipFill>
         <p:spPr>
           <a:xfrm>
-            <a:off x="1652587" y="4165368"/>
+            <a:off x="1652587" y="4045055"/>
             <a:ext cx="5838825" cy="2486025"/>
           </a:xfrm>
           <a:prstGeom prst="rect">
@@ -8508,6 +11699,258 @@
           </a:prstGeom>
         </p:spPr>
       </p:pic>
+      <p:pic>
+        <p:nvPicPr>
+          <p:cNvPr id="10" name="תמונה 9">
+            <a:extLst>
+              <a:ext uri="{FF2B5EF4-FFF2-40B4-BE49-F238E27FC236}">
+                <a16:creationId xmlns:a16="http://schemas.microsoft.com/office/drawing/2014/main" id="{C93DFF12-17F6-4EDA-B41F-450020D17A14}"/>
+              </a:ext>
+            </a:extLst>
+          </p:cNvPr>
+          <p:cNvPicPr>
+            <a:picLocks noChangeAspect="1"/>
+          </p:cNvPicPr>
+          <p:nvPr/>
+        </p:nvPicPr>
+        <p:blipFill>
+          <a:blip r:embed="rId4"/>
+          <a:stretch>
+            <a:fillRect/>
+          </a:stretch>
+        </p:blipFill>
+        <p:spPr>
+          <a:xfrm>
+            <a:off x="4081462" y="6505575"/>
+            <a:ext cx="981075" cy="352425"/>
+          </a:xfrm>
+          <a:prstGeom prst="rect">
+            <a:avLst/>
+          </a:prstGeom>
+        </p:spPr>
+      </p:pic>
+      <p:sp>
+        <p:nvSpPr>
+          <p:cNvPr id="14" name="Subtitle 2">
+            <a:extLst>
+              <a:ext uri="{FF2B5EF4-FFF2-40B4-BE49-F238E27FC236}">
+                <a16:creationId xmlns:a16="http://schemas.microsoft.com/office/drawing/2014/main" id="{E73E4474-22E7-4296-A74F-E5DB3D706150}"/>
+              </a:ext>
+            </a:extLst>
+          </p:cNvPr>
+          <p:cNvSpPr txBox="1">
+            <a:spLocks/>
+          </p:cNvSpPr>
+          <p:nvPr/>
+        </p:nvSpPr>
+        <p:spPr>
+          <a:xfrm>
+            <a:off x="8562669" y="6359024"/>
+            <a:ext cx="469038" cy="498976"/>
+          </a:xfrm>
+          <a:prstGeom prst="rect">
+            <a:avLst/>
+          </a:prstGeom>
+        </p:spPr>
+        <p:txBody>
+          <a:bodyPr vert="horz" lIns="91440" tIns="45720" rIns="91440" bIns="45720" rtlCol="1" anchor="t">
+            <a:noAutofit/>
+          </a:bodyPr>
+          <a:lstStyle>
+            <a:lvl1pPr marL="0" indent="0" algn="ctr" defTabSz="914400" rtl="1" eaLnBrk="1" latinLnBrk="0" hangingPunct="1">
+              <a:lnSpc>
+                <a:spcPct val="90000"/>
+              </a:lnSpc>
+              <a:spcBef>
+                <a:spcPct val="20000"/>
+              </a:spcBef>
+              <a:buFont typeface="Arial" panose="020B0604020202020204" pitchFamily="34" charset="0"/>
+              <a:buNone/>
+              <a:defRPr sz="3200" kern="1200">
+                <a:solidFill>
+                  <a:schemeClr val="tx1">
+                    <a:tint val="75000"/>
+                  </a:schemeClr>
+                </a:solidFill>
+                <a:latin typeface="+mn-lt"/>
+                <a:ea typeface="+mn-ea"/>
+                <a:cs typeface="+mn-cs"/>
+              </a:defRPr>
+            </a:lvl1pPr>
+            <a:lvl2pPr marL="457200" indent="0" algn="ctr" defTabSz="914400" rtl="1" eaLnBrk="1" latinLnBrk="0" hangingPunct="1">
+              <a:lnSpc>
+                <a:spcPct val="90000"/>
+              </a:lnSpc>
+              <a:spcBef>
+                <a:spcPct val="20000"/>
+              </a:spcBef>
+              <a:buFont typeface="Arial" panose="020B0604020202020204" pitchFamily="34" charset="0"/>
+              <a:buNone/>
+              <a:defRPr sz="2800" kern="1200">
+                <a:solidFill>
+                  <a:schemeClr val="tx1">
+                    <a:tint val="75000"/>
+                  </a:schemeClr>
+                </a:solidFill>
+                <a:latin typeface="+mn-lt"/>
+                <a:ea typeface="+mn-ea"/>
+                <a:cs typeface="+mn-cs"/>
+              </a:defRPr>
+            </a:lvl2pPr>
+            <a:lvl3pPr marL="914400" indent="0" algn="ctr" defTabSz="914400" rtl="1" eaLnBrk="1" latinLnBrk="0" hangingPunct="1">
+              <a:lnSpc>
+                <a:spcPct val="90000"/>
+              </a:lnSpc>
+              <a:spcBef>
+                <a:spcPct val="20000"/>
+              </a:spcBef>
+              <a:buFont typeface="Arial" panose="020B0604020202020204" pitchFamily="34" charset="0"/>
+              <a:buNone/>
+              <a:defRPr sz="2400" kern="1200">
+                <a:solidFill>
+                  <a:schemeClr val="tx1">
+                    <a:tint val="75000"/>
+                  </a:schemeClr>
+                </a:solidFill>
+                <a:latin typeface="+mn-lt"/>
+                <a:ea typeface="+mn-ea"/>
+                <a:cs typeface="+mn-cs"/>
+              </a:defRPr>
+            </a:lvl3pPr>
+            <a:lvl4pPr marL="1371600" indent="0" algn="ctr" defTabSz="914400" rtl="1" eaLnBrk="1" latinLnBrk="0" hangingPunct="1">
+              <a:lnSpc>
+                <a:spcPct val="90000"/>
+              </a:lnSpc>
+              <a:spcBef>
+                <a:spcPct val="20000"/>
+              </a:spcBef>
+              <a:buFont typeface="Arial" panose="020B0604020202020204" pitchFamily="34" charset="0"/>
+              <a:buNone/>
+              <a:defRPr sz="2000" kern="1200">
+                <a:solidFill>
+                  <a:schemeClr val="tx1">
+                    <a:tint val="75000"/>
+                  </a:schemeClr>
+                </a:solidFill>
+                <a:latin typeface="+mn-lt"/>
+                <a:ea typeface="+mn-ea"/>
+                <a:cs typeface="+mn-cs"/>
+              </a:defRPr>
+            </a:lvl4pPr>
+            <a:lvl5pPr marL="1828800" indent="0" algn="ctr" defTabSz="914400" rtl="1" eaLnBrk="1" latinLnBrk="0" hangingPunct="1">
+              <a:lnSpc>
+                <a:spcPct val="90000"/>
+              </a:lnSpc>
+              <a:spcBef>
+                <a:spcPct val="20000"/>
+              </a:spcBef>
+              <a:buFont typeface="Arial" panose="020B0604020202020204" pitchFamily="34" charset="0"/>
+              <a:buNone/>
+              <a:defRPr sz="2000" kern="1200">
+                <a:solidFill>
+                  <a:schemeClr val="tx1">
+                    <a:tint val="75000"/>
+                  </a:schemeClr>
+                </a:solidFill>
+                <a:latin typeface="+mn-lt"/>
+                <a:ea typeface="+mn-ea"/>
+                <a:cs typeface="+mn-cs"/>
+              </a:defRPr>
+            </a:lvl5pPr>
+            <a:lvl6pPr marL="2286000" indent="0" algn="ctr" defTabSz="914400" rtl="1" eaLnBrk="1" latinLnBrk="0" hangingPunct="1">
+              <a:lnSpc>
+                <a:spcPct val="90000"/>
+              </a:lnSpc>
+              <a:spcBef>
+                <a:spcPct val="20000"/>
+              </a:spcBef>
+              <a:buFont typeface="Arial" panose="020B0604020202020204" pitchFamily="34" charset="0"/>
+              <a:buNone/>
+              <a:defRPr sz="2000" kern="1200">
+                <a:solidFill>
+                  <a:schemeClr val="tx1">
+                    <a:tint val="75000"/>
+                  </a:schemeClr>
+                </a:solidFill>
+                <a:latin typeface="+mn-lt"/>
+                <a:ea typeface="+mn-ea"/>
+                <a:cs typeface="+mn-cs"/>
+              </a:defRPr>
+            </a:lvl6pPr>
+            <a:lvl7pPr marL="2743200" indent="0" algn="ctr" defTabSz="914400" rtl="1" eaLnBrk="1" latinLnBrk="0" hangingPunct="1">
+              <a:lnSpc>
+                <a:spcPct val="90000"/>
+              </a:lnSpc>
+              <a:spcBef>
+                <a:spcPct val="20000"/>
+              </a:spcBef>
+              <a:buFont typeface="Arial" panose="020B0604020202020204" pitchFamily="34" charset="0"/>
+              <a:buNone/>
+              <a:defRPr sz="2000" kern="1200">
+                <a:solidFill>
+                  <a:schemeClr val="tx1">
+                    <a:tint val="75000"/>
+                  </a:schemeClr>
+                </a:solidFill>
+                <a:latin typeface="+mn-lt"/>
+                <a:ea typeface="+mn-ea"/>
+                <a:cs typeface="+mn-cs"/>
+              </a:defRPr>
+            </a:lvl7pPr>
+            <a:lvl8pPr marL="3200400" indent="0" algn="ctr" defTabSz="914400" rtl="1" eaLnBrk="1" latinLnBrk="0" hangingPunct="1">
+              <a:lnSpc>
+                <a:spcPct val="90000"/>
+              </a:lnSpc>
+              <a:spcBef>
+                <a:spcPct val="20000"/>
+              </a:spcBef>
+              <a:buFont typeface="Arial" panose="020B0604020202020204" pitchFamily="34" charset="0"/>
+              <a:buNone/>
+              <a:defRPr sz="2000" kern="1200">
+                <a:solidFill>
+                  <a:schemeClr val="tx1">
+                    <a:tint val="75000"/>
+                  </a:schemeClr>
+                </a:solidFill>
+                <a:latin typeface="+mn-lt"/>
+                <a:ea typeface="+mn-ea"/>
+                <a:cs typeface="+mn-cs"/>
+              </a:defRPr>
+            </a:lvl8pPr>
+            <a:lvl9pPr marL="3657600" indent="0" algn="ctr" defTabSz="914400" rtl="1" eaLnBrk="1" latinLnBrk="0" hangingPunct="1">
+              <a:lnSpc>
+                <a:spcPct val="90000"/>
+              </a:lnSpc>
+              <a:spcBef>
+                <a:spcPct val="20000"/>
+              </a:spcBef>
+              <a:buFont typeface="Arial" panose="020B0604020202020204" pitchFamily="34" charset="0"/>
+              <a:buNone/>
+              <a:defRPr sz="2000" kern="1200">
+                <a:solidFill>
+                  <a:schemeClr val="tx1">
+                    <a:tint val="75000"/>
+                  </a:schemeClr>
+                </a:solidFill>
+                <a:latin typeface="+mn-lt"/>
+                <a:ea typeface="+mn-ea"/>
+                <a:cs typeface="+mn-cs"/>
+              </a:defRPr>
+            </a:lvl9pPr>
+          </a:lstStyle>
+          <a:p>
+            <a:pPr algn="l" rtl="0"/>
+            <a:r>
+              <a:rPr lang="en-US" sz="2400" dirty="0">
+                <a:solidFill>
+                  <a:schemeClr val="tx1"/>
+                </a:solidFill>
+              </a:rPr>
+              <a:t>4</a:t>
+            </a:r>
+          </a:p>
+        </p:txBody>
+      </p:sp>
     </p:spTree>
     <p:extLst>
       <p:ext uri="{BB962C8B-B14F-4D97-AF65-F5344CB8AC3E}">
@@ -8606,14 +12049,14 @@
             <a:pPr algn="l" rtl="0"/>
             <a:r>
               <a:rPr lang="en-US" dirty="0"/>
-              <a:t>recursive algorithm that attempts testing all possible paths towards a solution until a solution is found.</a:t>
+              <a:t>recursive algorithm testing all possible paths until a solution is found.</a:t>
             </a:r>
           </a:p>
           <a:p>
             <a:pPr algn="l" rtl="0"/>
             <a:r>
               <a:rPr lang="en-US" dirty="0"/>
-              <a:t>If the candidate for the solution cannot possibly be completed to a valid solution, the algorithm abandons the candidate ("backtracks").</a:t>
+              <a:t>Abandon invalid solutions on the way</a:t>
             </a:r>
           </a:p>
         </p:txBody>
@@ -8640,14 +12083,266 @@
         </p:blipFill>
         <p:spPr>
           <a:xfrm>
-            <a:off x="2204356" y="3617663"/>
-            <a:ext cx="6331537" cy="3240337"/>
+            <a:off x="763066" y="2450456"/>
+            <a:ext cx="7752284" cy="3967443"/>
           </a:xfrm>
           <a:prstGeom prst="rect">
             <a:avLst/>
           </a:prstGeom>
         </p:spPr>
       </p:pic>
+      <p:pic>
+        <p:nvPicPr>
+          <p:cNvPr id="5" name="תמונה 4">
+            <a:extLst>
+              <a:ext uri="{FF2B5EF4-FFF2-40B4-BE49-F238E27FC236}">
+                <a16:creationId xmlns:a16="http://schemas.microsoft.com/office/drawing/2014/main" id="{073FD289-51FD-4017-A4D2-E761A1109E4C}"/>
+              </a:ext>
+            </a:extLst>
+          </p:cNvPr>
+          <p:cNvPicPr>
+            <a:picLocks noChangeAspect="1"/>
+          </p:cNvPicPr>
+          <p:nvPr/>
+        </p:nvPicPr>
+        <p:blipFill>
+          <a:blip r:embed="rId4"/>
+          <a:stretch>
+            <a:fillRect/>
+          </a:stretch>
+        </p:blipFill>
+        <p:spPr>
+          <a:xfrm>
+            <a:off x="4081462" y="6505575"/>
+            <a:ext cx="981075" cy="352425"/>
+          </a:xfrm>
+          <a:prstGeom prst="rect">
+            <a:avLst/>
+          </a:prstGeom>
+        </p:spPr>
+      </p:pic>
+      <p:sp>
+        <p:nvSpPr>
+          <p:cNvPr id="8" name="Subtitle 2">
+            <a:extLst>
+              <a:ext uri="{FF2B5EF4-FFF2-40B4-BE49-F238E27FC236}">
+                <a16:creationId xmlns:a16="http://schemas.microsoft.com/office/drawing/2014/main" id="{068762F5-102A-4258-B0E0-060B418EA8DA}"/>
+              </a:ext>
+            </a:extLst>
+          </p:cNvPr>
+          <p:cNvSpPr txBox="1">
+            <a:spLocks/>
+          </p:cNvSpPr>
+          <p:nvPr/>
+        </p:nvSpPr>
+        <p:spPr>
+          <a:xfrm>
+            <a:off x="8562669" y="6359024"/>
+            <a:ext cx="469038" cy="498976"/>
+          </a:xfrm>
+          <a:prstGeom prst="rect">
+            <a:avLst/>
+          </a:prstGeom>
+        </p:spPr>
+        <p:txBody>
+          <a:bodyPr vert="horz" lIns="91440" tIns="45720" rIns="91440" bIns="45720" rtlCol="1" anchor="t">
+            <a:noAutofit/>
+          </a:bodyPr>
+          <a:lstStyle>
+            <a:lvl1pPr marL="0" indent="0" algn="ctr" defTabSz="914400" rtl="1" eaLnBrk="1" latinLnBrk="0" hangingPunct="1">
+              <a:lnSpc>
+                <a:spcPct val="90000"/>
+              </a:lnSpc>
+              <a:spcBef>
+                <a:spcPct val="20000"/>
+              </a:spcBef>
+              <a:buFont typeface="Arial" panose="020B0604020202020204" pitchFamily="34" charset="0"/>
+              <a:buNone/>
+              <a:defRPr sz="3200" kern="1200">
+                <a:solidFill>
+                  <a:schemeClr val="tx1">
+                    <a:tint val="75000"/>
+                  </a:schemeClr>
+                </a:solidFill>
+                <a:latin typeface="+mn-lt"/>
+                <a:ea typeface="+mn-ea"/>
+                <a:cs typeface="+mn-cs"/>
+              </a:defRPr>
+            </a:lvl1pPr>
+            <a:lvl2pPr marL="457200" indent="0" algn="ctr" defTabSz="914400" rtl="1" eaLnBrk="1" latinLnBrk="0" hangingPunct="1">
+              <a:lnSpc>
+                <a:spcPct val="90000"/>
+              </a:lnSpc>
+              <a:spcBef>
+                <a:spcPct val="20000"/>
+              </a:spcBef>
+              <a:buFont typeface="Arial" panose="020B0604020202020204" pitchFamily="34" charset="0"/>
+              <a:buNone/>
+              <a:defRPr sz="2800" kern="1200">
+                <a:solidFill>
+                  <a:schemeClr val="tx1">
+                    <a:tint val="75000"/>
+                  </a:schemeClr>
+                </a:solidFill>
+                <a:latin typeface="+mn-lt"/>
+                <a:ea typeface="+mn-ea"/>
+                <a:cs typeface="+mn-cs"/>
+              </a:defRPr>
+            </a:lvl2pPr>
+            <a:lvl3pPr marL="914400" indent="0" algn="ctr" defTabSz="914400" rtl="1" eaLnBrk="1" latinLnBrk="0" hangingPunct="1">
+              <a:lnSpc>
+                <a:spcPct val="90000"/>
+              </a:lnSpc>
+              <a:spcBef>
+                <a:spcPct val="20000"/>
+              </a:spcBef>
+              <a:buFont typeface="Arial" panose="020B0604020202020204" pitchFamily="34" charset="0"/>
+              <a:buNone/>
+              <a:defRPr sz="2400" kern="1200">
+                <a:solidFill>
+                  <a:schemeClr val="tx1">
+                    <a:tint val="75000"/>
+                  </a:schemeClr>
+                </a:solidFill>
+                <a:latin typeface="+mn-lt"/>
+                <a:ea typeface="+mn-ea"/>
+                <a:cs typeface="+mn-cs"/>
+              </a:defRPr>
+            </a:lvl3pPr>
+            <a:lvl4pPr marL="1371600" indent="0" algn="ctr" defTabSz="914400" rtl="1" eaLnBrk="1" latinLnBrk="0" hangingPunct="1">
+              <a:lnSpc>
+                <a:spcPct val="90000"/>
+              </a:lnSpc>
+              <a:spcBef>
+                <a:spcPct val="20000"/>
+              </a:spcBef>
+              <a:buFont typeface="Arial" panose="020B0604020202020204" pitchFamily="34" charset="0"/>
+              <a:buNone/>
+              <a:defRPr sz="2000" kern="1200">
+                <a:solidFill>
+                  <a:schemeClr val="tx1">
+                    <a:tint val="75000"/>
+                  </a:schemeClr>
+                </a:solidFill>
+                <a:latin typeface="+mn-lt"/>
+                <a:ea typeface="+mn-ea"/>
+                <a:cs typeface="+mn-cs"/>
+              </a:defRPr>
+            </a:lvl4pPr>
+            <a:lvl5pPr marL="1828800" indent="0" algn="ctr" defTabSz="914400" rtl="1" eaLnBrk="1" latinLnBrk="0" hangingPunct="1">
+              <a:lnSpc>
+                <a:spcPct val="90000"/>
+              </a:lnSpc>
+              <a:spcBef>
+                <a:spcPct val="20000"/>
+              </a:spcBef>
+              <a:buFont typeface="Arial" panose="020B0604020202020204" pitchFamily="34" charset="0"/>
+              <a:buNone/>
+              <a:defRPr sz="2000" kern="1200">
+                <a:solidFill>
+                  <a:schemeClr val="tx1">
+                    <a:tint val="75000"/>
+                  </a:schemeClr>
+                </a:solidFill>
+                <a:latin typeface="+mn-lt"/>
+                <a:ea typeface="+mn-ea"/>
+                <a:cs typeface="+mn-cs"/>
+              </a:defRPr>
+            </a:lvl5pPr>
+            <a:lvl6pPr marL="2286000" indent="0" algn="ctr" defTabSz="914400" rtl="1" eaLnBrk="1" latinLnBrk="0" hangingPunct="1">
+              <a:lnSpc>
+                <a:spcPct val="90000"/>
+              </a:lnSpc>
+              <a:spcBef>
+                <a:spcPct val="20000"/>
+              </a:spcBef>
+              <a:buFont typeface="Arial" panose="020B0604020202020204" pitchFamily="34" charset="0"/>
+              <a:buNone/>
+              <a:defRPr sz="2000" kern="1200">
+                <a:solidFill>
+                  <a:schemeClr val="tx1">
+                    <a:tint val="75000"/>
+                  </a:schemeClr>
+                </a:solidFill>
+                <a:latin typeface="+mn-lt"/>
+                <a:ea typeface="+mn-ea"/>
+                <a:cs typeface="+mn-cs"/>
+              </a:defRPr>
+            </a:lvl6pPr>
+            <a:lvl7pPr marL="2743200" indent="0" algn="ctr" defTabSz="914400" rtl="1" eaLnBrk="1" latinLnBrk="0" hangingPunct="1">
+              <a:lnSpc>
+                <a:spcPct val="90000"/>
+              </a:lnSpc>
+              <a:spcBef>
+                <a:spcPct val="20000"/>
+              </a:spcBef>
+              <a:buFont typeface="Arial" panose="020B0604020202020204" pitchFamily="34" charset="0"/>
+              <a:buNone/>
+              <a:defRPr sz="2000" kern="1200">
+                <a:solidFill>
+                  <a:schemeClr val="tx1">
+                    <a:tint val="75000"/>
+                  </a:schemeClr>
+                </a:solidFill>
+                <a:latin typeface="+mn-lt"/>
+                <a:ea typeface="+mn-ea"/>
+                <a:cs typeface="+mn-cs"/>
+              </a:defRPr>
+            </a:lvl7pPr>
+            <a:lvl8pPr marL="3200400" indent="0" algn="ctr" defTabSz="914400" rtl="1" eaLnBrk="1" latinLnBrk="0" hangingPunct="1">
+              <a:lnSpc>
+                <a:spcPct val="90000"/>
+              </a:lnSpc>
+              <a:spcBef>
+                <a:spcPct val="20000"/>
+              </a:spcBef>
+              <a:buFont typeface="Arial" panose="020B0604020202020204" pitchFamily="34" charset="0"/>
+              <a:buNone/>
+              <a:defRPr sz="2000" kern="1200">
+                <a:solidFill>
+                  <a:schemeClr val="tx1">
+                    <a:tint val="75000"/>
+                  </a:schemeClr>
+                </a:solidFill>
+                <a:latin typeface="+mn-lt"/>
+                <a:ea typeface="+mn-ea"/>
+                <a:cs typeface="+mn-cs"/>
+              </a:defRPr>
+            </a:lvl8pPr>
+            <a:lvl9pPr marL="3657600" indent="0" algn="ctr" defTabSz="914400" rtl="1" eaLnBrk="1" latinLnBrk="0" hangingPunct="1">
+              <a:lnSpc>
+                <a:spcPct val="90000"/>
+              </a:lnSpc>
+              <a:spcBef>
+                <a:spcPct val="20000"/>
+              </a:spcBef>
+              <a:buFont typeface="Arial" panose="020B0604020202020204" pitchFamily="34" charset="0"/>
+              <a:buNone/>
+              <a:defRPr sz="2000" kern="1200">
+                <a:solidFill>
+                  <a:schemeClr val="tx1">
+                    <a:tint val="75000"/>
+                  </a:schemeClr>
+                </a:solidFill>
+                <a:latin typeface="+mn-lt"/>
+                <a:ea typeface="+mn-ea"/>
+                <a:cs typeface="+mn-cs"/>
+              </a:defRPr>
+            </a:lvl9pPr>
+          </a:lstStyle>
+          <a:p>
+            <a:pPr algn="l" rtl="0"/>
+            <a:r>
+              <a:rPr lang="en-US" sz="2400" dirty="0">
+                <a:solidFill>
+                  <a:schemeClr val="tx1"/>
+                </a:solidFill>
+              </a:rPr>
+              <a:t>5</a:t>
+            </a:r>
+          </a:p>
+        </p:txBody>
+      </p:sp>
     </p:spTree>
     <p:extLst>
       <p:ext uri="{BB962C8B-B14F-4D97-AF65-F5344CB8AC3E}">
@@ -8805,6 +12500,258 @@
           </a:prstGeom>
         </p:spPr>
       </p:pic>
+      <p:pic>
+        <p:nvPicPr>
+          <p:cNvPr id="4" name="תמונה 3">
+            <a:extLst>
+              <a:ext uri="{FF2B5EF4-FFF2-40B4-BE49-F238E27FC236}">
+                <a16:creationId xmlns:a16="http://schemas.microsoft.com/office/drawing/2014/main" id="{B5FD239F-864A-4922-A1A0-04FA89342940}"/>
+              </a:ext>
+            </a:extLst>
+          </p:cNvPr>
+          <p:cNvPicPr>
+            <a:picLocks noChangeAspect="1"/>
+          </p:cNvPicPr>
+          <p:nvPr/>
+        </p:nvPicPr>
+        <p:blipFill>
+          <a:blip r:embed="rId4"/>
+          <a:stretch>
+            <a:fillRect/>
+          </a:stretch>
+        </p:blipFill>
+        <p:spPr>
+          <a:xfrm>
+            <a:off x="4081462" y="6505575"/>
+            <a:ext cx="981075" cy="352425"/>
+          </a:xfrm>
+          <a:prstGeom prst="rect">
+            <a:avLst/>
+          </a:prstGeom>
+        </p:spPr>
+      </p:pic>
+      <p:sp>
+        <p:nvSpPr>
+          <p:cNvPr id="6" name="Subtitle 2">
+            <a:extLst>
+              <a:ext uri="{FF2B5EF4-FFF2-40B4-BE49-F238E27FC236}">
+                <a16:creationId xmlns:a16="http://schemas.microsoft.com/office/drawing/2014/main" id="{D13E73C5-4ED2-47A1-86F2-374782DDDAB8}"/>
+              </a:ext>
+            </a:extLst>
+          </p:cNvPr>
+          <p:cNvSpPr txBox="1">
+            <a:spLocks/>
+          </p:cNvSpPr>
+          <p:nvPr/>
+        </p:nvSpPr>
+        <p:spPr>
+          <a:xfrm>
+            <a:off x="8562669" y="6359024"/>
+            <a:ext cx="469038" cy="498976"/>
+          </a:xfrm>
+          <a:prstGeom prst="rect">
+            <a:avLst/>
+          </a:prstGeom>
+        </p:spPr>
+        <p:txBody>
+          <a:bodyPr vert="horz" lIns="91440" tIns="45720" rIns="91440" bIns="45720" rtlCol="1" anchor="t">
+            <a:noAutofit/>
+          </a:bodyPr>
+          <a:lstStyle>
+            <a:lvl1pPr marL="0" indent="0" algn="ctr" defTabSz="914400" rtl="1" eaLnBrk="1" latinLnBrk="0" hangingPunct="1">
+              <a:lnSpc>
+                <a:spcPct val="90000"/>
+              </a:lnSpc>
+              <a:spcBef>
+                <a:spcPct val="20000"/>
+              </a:spcBef>
+              <a:buFont typeface="Arial" panose="020B0604020202020204" pitchFamily="34" charset="0"/>
+              <a:buNone/>
+              <a:defRPr sz="3200" kern="1200">
+                <a:solidFill>
+                  <a:schemeClr val="tx1">
+                    <a:tint val="75000"/>
+                  </a:schemeClr>
+                </a:solidFill>
+                <a:latin typeface="+mn-lt"/>
+                <a:ea typeface="+mn-ea"/>
+                <a:cs typeface="+mn-cs"/>
+              </a:defRPr>
+            </a:lvl1pPr>
+            <a:lvl2pPr marL="457200" indent="0" algn="ctr" defTabSz="914400" rtl="1" eaLnBrk="1" latinLnBrk="0" hangingPunct="1">
+              <a:lnSpc>
+                <a:spcPct val="90000"/>
+              </a:lnSpc>
+              <a:spcBef>
+                <a:spcPct val="20000"/>
+              </a:spcBef>
+              <a:buFont typeface="Arial" panose="020B0604020202020204" pitchFamily="34" charset="0"/>
+              <a:buNone/>
+              <a:defRPr sz="2800" kern="1200">
+                <a:solidFill>
+                  <a:schemeClr val="tx1">
+                    <a:tint val="75000"/>
+                  </a:schemeClr>
+                </a:solidFill>
+                <a:latin typeface="+mn-lt"/>
+                <a:ea typeface="+mn-ea"/>
+                <a:cs typeface="+mn-cs"/>
+              </a:defRPr>
+            </a:lvl2pPr>
+            <a:lvl3pPr marL="914400" indent="0" algn="ctr" defTabSz="914400" rtl="1" eaLnBrk="1" latinLnBrk="0" hangingPunct="1">
+              <a:lnSpc>
+                <a:spcPct val="90000"/>
+              </a:lnSpc>
+              <a:spcBef>
+                <a:spcPct val="20000"/>
+              </a:spcBef>
+              <a:buFont typeface="Arial" panose="020B0604020202020204" pitchFamily="34" charset="0"/>
+              <a:buNone/>
+              <a:defRPr sz="2400" kern="1200">
+                <a:solidFill>
+                  <a:schemeClr val="tx1">
+                    <a:tint val="75000"/>
+                  </a:schemeClr>
+                </a:solidFill>
+                <a:latin typeface="+mn-lt"/>
+                <a:ea typeface="+mn-ea"/>
+                <a:cs typeface="+mn-cs"/>
+              </a:defRPr>
+            </a:lvl3pPr>
+            <a:lvl4pPr marL="1371600" indent="0" algn="ctr" defTabSz="914400" rtl="1" eaLnBrk="1" latinLnBrk="0" hangingPunct="1">
+              <a:lnSpc>
+                <a:spcPct val="90000"/>
+              </a:lnSpc>
+              <a:spcBef>
+                <a:spcPct val="20000"/>
+              </a:spcBef>
+              <a:buFont typeface="Arial" panose="020B0604020202020204" pitchFamily="34" charset="0"/>
+              <a:buNone/>
+              <a:defRPr sz="2000" kern="1200">
+                <a:solidFill>
+                  <a:schemeClr val="tx1">
+                    <a:tint val="75000"/>
+                  </a:schemeClr>
+                </a:solidFill>
+                <a:latin typeface="+mn-lt"/>
+                <a:ea typeface="+mn-ea"/>
+                <a:cs typeface="+mn-cs"/>
+              </a:defRPr>
+            </a:lvl4pPr>
+            <a:lvl5pPr marL="1828800" indent="0" algn="ctr" defTabSz="914400" rtl="1" eaLnBrk="1" latinLnBrk="0" hangingPunct="1">
+              <a:lnSpc>
+                <a:spcPct val="90000"/>
+              </a:lnSpc>
+              <a:spcBef>
+                <a:spcPct val="20000"/>
+              </a:spcBef>
+              <a:buFont typeface="Arial" panose="020B0604020202020204" pitchFamily="34" charset="0"/>
+              <a:buNone/>
+              <a:defRPr sz="2000" kern="1200">
+                <a:solidFill>
+                  <a:schemeClr val="tx1">
+                    <a:tint val="75000"/>
+                  </a:schemeClr>
+                </a:solidFill>
+                <a:latin typeface="+mn-lt"/>
+                <a:ea typeface="+mn-ea"/>
+                <a:cs typeface="+mn-cs"/>
+              </a:defRPr>
+            </a:lvl5pPr>
+            <a:lvl6pPr marL="2286000" indent="0" algn="ctr" defTabSz="914400" rtl="1" eaLnBrk="1" latinLnBrk="0" hangingPunct="1">
+              <a:lnSpc>
+                <a:spcPct val="90000"/>
+              </a:lnSpc>
+              <a:spcBef>
+                <a:spcPct val="20000"/>
+              </a:spcBef>
+              <a:buFont typeface="Arial" panose="020B0604020202020204" pitchFamily="34" charset="0"/>
+              <a:buNone/>
+              <a:defRPr sz="2000" kern="1200">
+                <a:solidFill>
+                  <a:schemeClr val="tx1">
+                    <a:tint val="75000"/>
+                  </a:schemeClr>
+                </a:solidFill>
+                <a:latin typeface="+mn-lt"/>
+                <a:ea typeface="+mn-ea"/>
+                <a:cs typeface="+mn-cs"/>
+              </a:defRPr>
+            </a:lvl6pPr>
+            <a:lvl7pPr marL="2743200" indent="0" algn="ctr" defTabSz="914400" rtl="1" eaLnBrk="1" latinLnBrk="0" hangingPunct="1">
+              <a:lnSpc>
+                <a:spcPct val="90000"/>
+              </a:lnSpc>
+              <a:spcBef>
+                <a:spcPct val="20000"/>
+              </a:spcBef>
+              <a:buFont typeface="Arial" panose="020B0604020202020204" pitchFamily="34" charset="0"/>
+              <a:buNone/>
+              <a:defRPr sz="2000" kern="1200">
+                <a:solidFill>
+                  <a:schemeClr val="tx1">
+                    <a:tint val="75000"/>
+                  </a:schemeClr>
+                </a:solidFill>
+                <a:latin typeface="+mn-lt"/>
+                <a:ea typeface="+mn-ea"/>
+                <a:cs typeface="+mn-cs"/>
+              </a:defRPr>
+            </a:lvl7pPr>
+            <a:lvl8pPr marL="3200400" indent="0" algn="ctr" defTabSz="914400" rtl="1" eaLnBrk="1" latinLnBrk="0" hangingPunct="1">
+              <a:lnSpc>
+                <a:spcPct val="90000"/>
+              </a:lnSpc>
+              <a:spcBef>
+                <a:spcPct val="20000"/>
+              </a:spcBef>
+              <a:buFont typeface="Arial" panose="020B0604020202020204" pitchFamily="34" charset="0"/>
+              <a:buNone/>
+              <a:defRPr sz="2000" kern="1200">
+                <a:solidFill>
+                  <a:schemeClr val="tx1">
+                    <a:tint val="75000"/>
+                  </a:schemeClr>
+                </a:solidFill>
+                <a:latin typeface="+mn-lt"/>
+                <a:ea typeface="+mn-ea"/>
+                <a:cs typeface="+mn-cs"/>
+              </a:defRPr>
+            </a:lvl8pPr>
+            <a:lvl9pPr marL="3657600" indent="0" algn="ctr" defTabSz="914400" rtl="1" eaLnBrk="1" latinLnBrk="0" hangingPunct="1">
+              <a:lnSpc>
+                <a:spcPct val="90000"/>
+              </a:lnSpc>
+              <a:spcBef>
+                <a:spcPct val="20000"/>
+              </a:spcBef>
+              <a:buFont typeface="Arial" panose="020B0604020202020204" pitchFamily="34" charset="0"/>
+              <a:buNone/>
+              <a:defRPr sz="2000" kern="1200">
+                <a:solidFill>
+                  <a:schemeClr val="tx1">
+                    <a:tint val="75000"/>
+                  </a:schemeClr>
+                </a:solidFill>
+                <a:latin typeface="+mn-lt"/>
+                <a:ea typeface="+mn-ea"/>
+                <a:cs typeface="+mn-cs"/>
+              </a:defRPr>
+            </a:lvl9pPr>
+          </a:lstStyle>
+          <a:p>
+            <a:pPr algn="l" rtl="0"/>
+            <a:r>
+              <a:rPr lang="en-US" sz="2400" dirty="0">
+                <a:solidFill>
+                  <a:schemeClr val="tx1"/>
+                </a:solidFill>
+              </a:rPr>
+              <a:t>6</a:t>
+            </a:r>
+          </a:p>
+        </p:txBody>
+      </p:sp>
     </p:spTree>
     <p:extLst>
       <p:ext uri="{BB962C8B-B14F-4D97-AF65-F5344CB8AC3E}">
@@ -8875,8 +12822,8 @@
           </a:p>
         </p:txBody>
       </p:sp>
-      <mc:AlternateContent xmlns:mc="http://schemas.openxmlformats.org/markup-compatibility/2006">
-        <mc:Choice xmlns:a14="http://schemas.microsoft.com/office/drawing/2010/main" Requires="a14">
+      <mc:AlternateContent xmlns:mc="http://schemas.openxmlformats.org/markup-compatibility/2006" xmlns:a14="http://schemas.microsoft.com/office/drawing/2010/main">
+        <mc:Choice Requires="a14">
           <p:sp>
             <p:nvSpPr>
               <p:cNvPr id="3" name="מציין מיקום תוכן 2">
@@ -9007,7 +12954,7 @@
             </p:txBody>
           </p:sp>
         </mc:Choice>
-        <mc:Fallback>
+        <mc:Fallback xmlns="">
           <p:sp>
             <p:nvSpPr>
               <p:cNvPr id="3" name="מציין מיקום תוכן 2">
@@ -9047,6 +12994,258 @@
           </p:sp>
         </mc:Fallback>
       </mc:AlternateContent>
+      <p:pic>
+        <p:nvPicPr>
+          <p:cNvPr id="5" name="תמונה 4">
+            <a:extLst>
+              <a:ext uri="{FF2B5EF4-FFF2-40B4-BE49-F238E27FC236}">
+                <a16:creationId xmlns:a16="http://schemas.microsoft.com/office/drawing/2014/main" id="{35B58B3D-60BC-4B27-BE1C-8FB736E6A2DA}"/>
+              </a:ext>
+            </a:extLst>
+          </p:cNvPr>
+          <p:cNvPicPr>
+            <a:picLocks noChangeAspect="1"/>
+          </p:cNvPicPr>
+          <p:nvPr/>
+        </p:nvPicPr>
+        <p:blipFill>
+          <a:blip r:embed="rId4"/>
+          <a:stretch>
+            <a:fillRect/>
+          </a:stretch>
+        </p:blipFill>
+        <p:spPr>
+          <a:xfrm>
+            <a:off x="4081462" y="6505575"/>
+            <a:ext cx="981075" cy="352425"/>
+          </a:xfrm>
+          <a:prstGeom prst="rect">
+            <a:avLst/>
+          </a:prstGeom>
+        </p:spPr>
+      </p:pic>
+      <p:sp>
+        <p:nvSpPr>
+          <p:cNvPr id="7" name="Subtitle 2">
+            <a:extLst>
+              <a:ext uri="{FF2B5EF4-FFF2-40B4-BE49-F238E27FC236}">
+                <a16:creationId xmlns:a16="http://schemas.microsoft.com/office/drawing/2014/main" id="{08FCE36C-53C0-4550-9F4F-D75AAC97BF37}"/>
+              </a:ext>
+            </a:extLst>
+          </p:cNvPr>
+          <p:cNvSpPr txBox="1">
+            <a:spLocks/>
+          </p:cNvSpPr>
+          <p:nvPr/>
+        </p:nvSpPr>
+        <p:spPr>
+          <a:xfrm>
+            <a:off x="8562669" y="6359024"/>
+            <a:ext cx="469038" cy="498976"/>
+          </a:xfrm>
+          <a:prstGeom prst="rect">
+            <a:avLst/>
+          </a:prstGeom>
+        </p:spPr>
+        <p:txBody>
+          <a:bodyPr vert="horz" lIns="91440" tIns="45720" rIns="91440" bIns="45720" rtlCol="1" anchor="t">
+            <a:noAutofit/>
+          </a:bodyPr>
+          <a:lstStyle>
+            <a:lvl1pPr marL="0" indent="0" algn="ctr" defTabSz="914400" rtl="1" eaLnBrk="1" latinLnBrk="0" hangingPunct="1">
+              <a:lnSpc>
+                <a:spcPct val="90000"/>
+              </a:lnSpc>
+              <a:spcBef>
+                <a:spcPct val="20000"/>
+              </a:spcBef>
+              <a:buFont typeface="Arial" panose="020B0604020202020204" pitchFamily="34" charset="0"/>
+              <a:buNone/>
+              <a:defRPr sz="3200" kern="1200">
+                <a:solidFill>
+                  <a:schemeClr val="tx1">
+                    <a:tint val="75000"/>
+                  </a:schemeClr>
+                </a:solidFill>
+                <a:latin typeface="+mn-lt"/>
+                <a:ea typeface="+mn-ea"/>
+                <a:cs typeface="+mn-cs"/>
+              </a:defRPr>
+            </a:lvl1pPr>
+            <a:lvl2pPr marL="457200" indent="0" algn="ctr" defTabSz="914400" rtl="1" eaLnBrk="1" latinLnBrk="0" hangingPunct="1">
+              <a:lnSpc>
+                <a:spcPct val="90000"/>
+              </a:lnSpc>
+              <a:spcBef>
+                <a:spcPct val="20000"/>
+              </a:spcBef>
+              <a:buFont typeface="Arial" panose="020B0604020202020204" pitchFamily="34" charset="0"/>
+              <a:buNone/>
+              <a:defRPr sz="2800" kern="1200">
+                <a:solidFill>
+                  <a:schemeClr val="tx1">
+                    <a:tint val="75000"/>
+                  </a:schemeClr>
+                </a:solidFill>
+                <a:latin typeface="+mn-lt"/>
+                <a:ea typeface="+mn-ea"/>
+                <a:cs typeface="+mn-cs"/>
+              </a:defRPr>
+            </a:lvl2pPr>
+            <a:lvl3pPr marL="914400" indent="0" algn="ctr" defTabSz="914400" rtl="1" eaLnBrk="1" latinLnBrk="0" hangingPunct="1">
+              <a:lnSpc>
+                <a:spcPct val="90000"/>
+              </a:lnSpc>
+              <a:spcBef>
+                <a:spcPct val="20000"/>
+              </a:spcBef>
+              <a:buFont typeface="Arial" panose="020B0604020202020204" pitchFamily="34" charset="0"/>
+              <a:buNone/>
+              <a:defRPr sz="2400" kern="1200">
+                <a:solidFill>
+                  <a:schemeClr val="tx1">
+                    <a:tint val="75000"/>
+                  </a:schemeClr>
+                </a:solidFill>
+                <a:latin typeface="+mn-lt"/>
+                <a:ea typeface="+mn-ea"/>
+                <a:cs typeface="+mn-cs"/>
+              </a:defRPr>
+            </a:lvl3pPr>
+            <a:lvl4pPr marL="1371600" indent="0" algn="ctr" defTabSz="914400" rtl="1" eaLnBrk="1" latinLnBrk="0" hangingPunct="1">
+              <a:lnSpc>
+                <a:spcPct val="90000"/>
+              </a:lnSpc>
+              <a:spcBef>
+                <a:spcPct val="20000"/>
+              </a:spcBef>
+              <a:buFont typeface="Arial" panose="020B0604020202020204" pitchFamily="34" charset="0"/>
+              <a:buNone/>
+              <a:defRPr sz="2000" kern="1200">
+                <a:solidFill>
+                  <a:schemeClr val="tx1">
+                    <a:tint val="75000"/>
+                  </a:schemeClr>
+                </a:solidFill>
+                <a:latin typeface="+mn-lt"/>
+                <a:ea typeface="+mn-ea"/>
+                <a:cs typeface="+mn-cs"/>
+              </a:defRPr>
+            </a:lvl4pPr>
+            <a:lvl5pPr marL="1828800" indent="0" algn="ctr" defTabSz="914400" rtl="1" eaLnBrk="1" latinLnBrk="0" hangingPunct="1">
+              <a:lnSpc>
+                <a:spcPct val="90000"/>
+              </a:lnSpc>
+              <a:spcBef>
+                <a:spcPct val="20000"/>
+              </a:spcBef>
+              <a:buFont typeface="Arial" panose="020B0604020202020204" pitchFamily="34" charset="0"/>
+              <a:buNone/>
+              <a:defRPr sz="2000" kern="1200">
+                <a:solidFill>
+                  <a:schemeClr val="tx1">
+                    <a:tint val="75000"/>
+                  </a:schemeClr>
+                </a:solidFill>
+                <a:latin typeface="+mn-lt"/>
+                <a:ea typeface="+mn-ea"/>
+                <a:cs typeface="+mn-cs"/>
+              </a:defRPr>
+            </a:lvl5pPr>
+            <a:lvl6pPr marL="2286000" indent="0" algn="ctr" defTabSz="914400" rtl="1" eaLnBrk="1" latinLnBrk="0" hangingPunct="1">
+              <a:lnSpc>
+                <a:spcPct val="90000"/>
+              </a:lnSpc>
+              <a:spcBef>
+                <a:spcPct val="20000"/>
+              </a:spcBef>
+              <a:buFont typeface="Arial" panose="020B0604020202020204" pitchFamily="34" charset="0"/>
+              <a:buNone/>
+              <a:defRPr sz="2000" kern="1200">
+                <a:solidFill>
+                  <a:schemeClr val="tx1">
+                    <a:tint val="75000"/>
+                  </a:schemeClr>
+                </a:solidFill>
+                <a:latin typeface="+mn-lt"/>
+                <a:ea typeface="+mn-ea"/>
+                <a:cs typeface="+mn-cs"/>
+              </a:defRPr>
+            </a:lvl6pPr>
+            <a:lvl7pPr marL="2743200" indent="0" algn="ctr" defTabSz="914400" rtl="1" eaLnBrk="1" latinLnBrk="0" hangingPunct="1">
+              <a:lnSpc>
+                <a:spcPct val="90000"/>
+              </a:lnSpc>
+              <a:spcBef>
+                <a:spcPct val="20000"/>
+              </a:spcBef>
+              <a:buFont typeface="Arial" panose="020B0604020202020204" pitchFamily="34" charset="0"/>
+              <a:buNone/>
+              <a:defRPr sz="2000" kern="1200">
+                <a:solidFill>
+                  <a:schemeClr val="tx1">
+                    <a:tint val="75000"/>
+                  </a:schemeClr>
+                </a:solidFill>
+                <a:latin typeface="+mn-lt"/>
+                <a:ea typeface="+mn-ea"/>
+                <a:cs typeface="+mn-cs"/>
+              </a:defRPr>
+            </a:lvl7pPr>
+            <a:lvl8pPr marL="3200400" indent="0" algn="ctr" defTabSz="914400" rtl="1" eaLnBrk="1" latinLnBrk="0" hangingPunct="1">
+              <a:lnSpc>
+                <a:spcPct val="90000"/>
+              </a:lnSpc>
+              <a:spcBef>
+                <a:spcPct val="20000"/>
+              </a:spcBef>
+              <a:buFont typeface="Arial" panose="020B0604020202020204" pitchFamily="34" charset="0"/>
+              <a:buNone/>
+              <a:defRPr sz="2000" kern="1200">
+                <a:solidFill>
+                  <a:schemeClr val="tx1">
+                    <a:tint val="75000"/>
+                  </a:schemeClr>
+                </a:solidFill>
+                <a:latin typeface="+mn-lt"/>
+                <a:ea typeface="+mn-ea"/>
+                <a:cs typeface="+mn-cs"/>
+              </a:defRPr>
+            </a:lvl8pPr>
+            <a:lvl9pPr marL="3657600" indent="0" algn="ctr" defTabSz="914400" rtl="1" eaLnBrk="1" latinLnBrk="0" hangingPunct="1">
+              <a:lnSpc>
+                <a:spcPct val="90000"/>
+              </a:lnSpc>
+              <a:spcBef>
+                <a:spcPct val="20000"/>
+              </a:spcBef>
+              <a:buFont typeface="Arial" panose="020B0604020202020204" pitchFamily="34" charset="0"/>
+              <a:buNone/>
+              <a:defRPr sz="2000" kern="1200">
+                <a:solidFill>
+                  <a:schemeClr val="tx1">
+                    <a:tint val="75000"/>
+                  </a:schemeClr>
+                </a:solidFill>
+                <a:latin typeface="+mn-lt"/>
+                <a:ea typeface="+mn-ea"/>
+                <a:cs typeface="+mn-cs"/>
+              </a:defRPr>
+            </a:lvl9pPr>
+          </a:lstStyle>
+          <a:p>
+            <a:pPr algn="l" rtl="0"/>
+            <a:r>
+              <a:rPr lang="en-US" sz="2400" dirty="0">
+                <a:solidFill>
+                  <a:schemeClr val="tx1"/>
+                </a:solidFill>
+              </a:rPr>
+              <a:t>7</a:t>
+            </a:r>
+          </a:p>
+        </p:txBody>
+      </p:sp>
     </p:spTree>
     <p:extLst>
       <p:ext uri="{BB962C8B-B14F-4D97-AF65-F5344CB8AC3E}">
@@ -9137,7 +13336,7 @@
             <a:pPr algn="l" rtl="0"/>
             <a:r>
               <a:rPr lang="en-US" dirty="0"/>
-              <a:t>Start with easy examples, gradually increase difficulty </a:t>
+              <a:t>In Training: Start with easy examples, gradually increase difficulty </a:t>
             </a:r>
           </a:p>
           <a:p>
@@ -9176,6 +13375,258 @@
           <a:p>
             <a:pPr algn="l" rtl="0"/>
             <a:endParaRPr lang="en-US" dirty="0"/>
+          </a:p>
+        </p:txBody>
+      </p:sp>
+      <p:pic>
+        <p:nvPicPr>
+          <p:cNvPr id="5" name="תמונה 4">
+            <a:extLst>
+              <a:ext uri="{FF2B5EF4-FFF2-40B4-BE49-F238E27FC236}">
+                <a16:creationId xmlns:a16="http://schemas.microsoft.com/office/drawing/2014/main" id="{2FF47A54-24EA-4727-A5A5-51875A32F1B2}"/>
+              </a:ext>
+            </a:extLst>
+          </p:cNvPr>
+          <p:cNvPicPr>
+            <a:picLocks noChangeAspect="1"/>
+          </p:cNvPicPr>
+          <p:nvPr/>
+        </p:nvPicPr>
+        <p:blipFill>
+          <a:blip r:embed="rId3"/>
+          <a:stretch>
+            <a:fillRect/>
+          </a:stretch>
+        </p:blipFill>
+        <p:spPr>
+          <a:xfrm>
+            <a:off x="4081462" y="6505575"/>
+            <a:ext cx="981075" cy="352425"/>
+          </a:xfrm>
+          <a:prstGeom prst="rect">
+            <a:avLst/>
+          </a:prstGeom>
+        </p:spPr>
+      </p:pic>
+      <p:sp>
+        <p:nvSpPr>
+          <p:cNvPr id="7" name="Subtitle 2">
+            <a:extLst>
+              <a:ext uri="{FF2B5EF4-FFF2-40B4-BE49-F238E27FC236}">
+                <a16:creationId xmlns:a16="http://schemas.microsoft.com/office/drawing/2014/main" id="{01F62523-A94F-4CD7-A59D-861576E8A014}"/>
+              </a:ext>
+            </a:extLst>
+          </p:cNvPr>
+          <p:cNvSpPr txBox="1">
+            <a:spLocks/>
+          </p:cNvSpPr>
+          <p:nvPr/>
+        </p:nvSpPr>
+        <p:spPr>
+          <a:xfrm>
+            <a:off x="8562669" y="6359024"/>
+            <a:ext cx="469038" cy="498976"/>
+          </a:xfrm>
+          <a:prstGeom prst="rect">
+            <a:avLst/>
+          </a:prstGeom>
+        </p:spPr>
+        <p:txBody>
+          <a:bodyPr vert="horz" lIns="91440" tIns="45720" rIns="91440" bIns="45720" rtlCol="1" anchor="t">
+            <a:noAutofit/>
+          </a:bodyPr>
+          <a:lstStyle>
+            <a:lvl1pPr marL="0" indent="0" algn="ctr" defTabSz="914400" rtl="1" eaLnBrk="1" latinLnBrk="0" hangingPunct="1">
+              <a:lnSpc>
+                <a:spcPct val="90000"/>
+              </a:lnSpc>
+              <a:spcBef>
+                <a:spcPct val="20000"/>
+              </a:spcBef>
+              <a:buFont typeface="Arial" panose="020B0604020202020204" pitchFamily="34" charset="0"/>
+              <a:buNone/>
+              <a:defRPr sz="3200" kern="1200">
+                <a:solidFill>
+                  <a:schemeClr val="tx1">
+                    <a:tint val="75000"/>
+                  </a:schemeClr>
+                </a:solidFill>
+                <a:latin typeface="+mn-lt"/>
+                <a:ea typeface="+mn-ea"/>
+                <a:cs typeface="+mn-cs"/>
+              </a:defRPr>
+            </a:lvl1pPr>
+            <a:lvl2pPr marL="457200" indent="0" algn="ctr" defTabSz="914400" rtl="1" eaLnBrk="1" latinLnBrk="0" hangingPunct="1">
+              <a:lnSpc>
+                <a:spcPct val="90000"/>
+              </a:lnSpc>
+              <a:spcBef>
+                <a:spcPct val="20000"/>
+              </a:spcBef>
+              <a:buFont typeface="Arial" panose="020B0604020202020204" pitchFamily="34" charset="0"/>
+              <a:buNone/>
+              <a:defRPr sz="2800" kern="1200">
+                <a:solidFill>
+                  <a:schemeClr val="tx1">
+                    <a:tint val="75000"/>
+                  </a:schemeClr>
+                </a:solidFill>
+                <a:latin typeface="+mn-lt"/>
+                <a:ea typeface="+mn-ea"/>
+                <a:cs typeface="+mn-cs"/>
+              </a:defRPr>
+            </a:lvl2pPr>
+            <a:lvl3pPr marL="914400" indent="0" algn="ctr" defTabSz="914400" rtl="1" eaLnBrk="1" latinLnBrk="0" hangingPunct="1">
+              <a:lnSpc>
+                <a:spcPct val="90000"/>
+              </a:lnSpc>
+              <a:spcBef>
+                <a:spcPct val="20000"/>
+              </a:spcBef>
+              <a:buFont typeface="Arial" panose="020B0604020202020204" pitchFamily="34" charset="0"/>
+              <a:buNone/>
+              <a:defRPr sz="2400" kern="1200">
+                <a:solidFill>
+                  <a:schemeClr val="tx1">
+                    <a:tint val="75000"/>
+                  </a:schemeClr>
+                </a:solidFill>
+                <a:latin typeface="+mn-lt"/>
+                <a:ea typeface="+mn-ea"/>
+                <a:cs typeface="+mn-cs"/>
+              </a:defRPr>
+            </a:lvl3pPr>
+            <a:lvl4pPr marL="1371600" indent="0" algn="ctr" defTabSz="914400" rtl="1" eaLnBrk="1" latinLnBrk="0" hangingPunct="1">
+              <a:lnSpc>
+                <a:spcPct val="90000"/>
+              </a:lnSpc>
+              <a:spcBef>
+                <a:spcPct val="20000"/>
+              </a:spcBef>
+              <a:buFont typeface="Arial" panose="020B0604020202020204" pitchFamily="34" charset="0"/>
+              <a:buNone/>
+              <a:defRPr sz="2000" kern="1200">
+                <a:solidFill>
+                  <a:schemeClr val="tx1">
+                    <a:tint val="75000"/>
+                  </a:schemeClr>
+                </a:solidFill>
+                <a:latin typeface="+mn-lt"/>
+                <a:ea typeface="+mn-ea"/>
+                <a:cs typeface="+mn-cs"/>
+              </a:defRPr>
+            </a:lvl4pPr>
+            <a:lvl5pPr marL="1828800" indent="0" algn="ctr" defTabSz="914400" rtl="1" eaLnBrk="1" latinLnBrk="0" hangingPunct="1">
+              <a:lnSpc>
+                <a:spcPct val="90000"/>
+              </a:lnSpc>
+              <a:spcBef>
+                <a:spcPct val="20000"/>
+              </a:spcBef>
+              <a:buFont typeface="Arial" panose="020B0604020202020204" pitchFamily="34" charset="0"/>
+              <a:buNone/>
+              <a:defRPr sz="2000" kern="1200">
+                <a:solidFill>
+                  <a:schemeClr val="tx1">
+                    <a:tint val="75000"/>
+                  </a:schemeClr>
+                </a:solidFill>
+                <a:latin typeface="+mn-lt"/>
+                <a:ea typeface="+mn-ea"/>
+                <a:cs typeface="+mn-cs"/>
+              </a:defRPr>
+            </a:lvl5pPr>
+            <a:lvl6pPr marL="2286000" indent="0" algn="ctr" defTabSz="914400" rtl="1" eaLnBrk="1" latinLnBrk="0" hangingPunct="1">
+              <a:lnSpc>
+                <a:spcPct val="90000"/>
+              </a:lnSpc>
+              <a:spcBef>
+                <a:spcPct val="20000"/>
+              </a:spcBef>
+              <a:buFont typeface="Arial" panose="020B0604020202020204" pitchFamily="34" charset="0"/>
+              <a:buNone/>
+              <a:defRPr sz="2000" kern="1200">
+                <a:solidFill>
+                  <a:schemeClr val="tx1">
+                    <a:tint val="75000"/>
+                  </a:schemeClr>
+                </a:solidFill>
+                <a:latin typeface="+mn-lt"/>
+                <a:ea typeface="+mn-ea"/>
+                <a:cs typeface="+mn-cs"/>
+              </a:defRPr>
+            </a:lvl6pPr>
+            <a:lvl7pPr marL="2743200" indent="0" algn="ctr" defTabSz="914400" rtl="1" eaLnBrk="1" latinLnBrk="0" hangingPunct="1">
+              <a:lnSpc>
+                <a:spcPct val="90000"/>
+              </a:lnSpc>
+              <a:spcBef>
+                <a:spcPct val="20000"/>
+              </a:spcBef>
+              <a:buFont typeface="Arial" panose="020B0604020202020204" pitchFamily="34" charset="0"/>
+              <a:buNone/>
+              <a:defRPr sz="2000" kern="1200">
+                <a:solidFill>
+                  <a:schemeClr val="tx1">
+                    <a:tint val="75000"/>
+                  </a:schemeClr>
+                </a:solidFill>
+                <a:latin typeface="+mn-lt"/>
+                <a:ea typeface="+mn-ea"/>
+                <a:cs typeface="+mn-cs"/>
+              </a:defRPr>
+            </a:lvl7pPr>
+            <a:lvl8pPr marL="3200400" indent="0" algn="ctr" defTabSz="914400" rtl="1" eaLnBrk="1" latinLnBrk="0" hangingPunct="1">
+              <a:lnSpc>
+                <a:spcPct val="90000"/>
+              </a:lnSpc>
+              <a:spcBef>
+                <a:spcPct val="20000"/>
+              </a:spcBef>
+              <a:buFont typeface="Arial" panose="020B0604020202020204" pitchFamily="34" charset="0"/>
+              <a:buNone/>
+              <a:defRPr sz="2000" kern="1200">
+                <a:solidFill>
+                  <a:schemeClr val="tx1">
+                    <a:tint val="75000"/>
+                  </a:schemeClr>
+                </a:solidFill>
+                <a:latin typeface="+mn-lt"/>
+                <a:ea typeface="+mn-ea"/>
+                <a:cs typeface="+mn-cs"/>
+              </a:defRPr>
+            </a:lvl8pPr>
+            <a:lvl9pPr marL="3657600" indent="0" algn="ctr" defTabSz="914400" rtl="1" eaLnBrk="1" latinLnBrk="0" hangingPunct="1">
+              <a:lnSpc>
+                <a:spcPct val="90000"/>
+              </a:lnSpc>
+              <a:spcBef>
+                <a:spcPct val="20000"/>
+              </a:spcBef>
+              <a:buFont typeface="Arial" panose="020B0604020202020204" pitchFamily="34" charset="0"/>
+              <a:buNone/>
+              <a:defRPr sz="2000" kern="1200">
+                <a:solidFill>
+                  <a:schemeClr val="tx1">
+                    <a:tint val="75000"/>
+                  </a:schemeClr>
+                </a:solidFill>
+                <a:latin typeface="+mn-lt"/>
+                <a:ea typeface="+mn-ea"/>
+                <a:cs typeface="+mn-cs"/>
+              </a:defRPr>
+            </a:lvl9pPr>
+          </a:lstStyle>
+          <a:p>
+            <a:pPr algn="l" rtl="0"/>
+            <a:r>
+              <a:rPr lang="en-US" sz="2400" dirty="0">
+                <a:solidFill>
+                  <a:schemeClr val="tx1"/>
+                </a:solidFill>
+              </a:rPr>
+              <a:t>8</a:t>
+            </a:r>
           </a:p>
         </p:txBody>
       </p:sp>
@@ -9335,6 +13786,258 @@
           <a:p>
             <a:pPr lvl="1" algn="l" rtl="0"/>
             <a:endParaRPr lang="he-IL" dirty="0"/>
+          </a:p>
+        </p:txBody>
+      </p:sp>
+      <p:pic>
+        <p:nvPicPr>
+          <p:cNvPr id="5" name="תמונה 4">
+            <a:extLst>
+              <a:ext uri="{FF2B5EF4-FFF2-40B4-BE49-F238E27FC236}">
+                <a16:creationId xmlns:a16="http://schemas.microsoft.com/office/drawing/2014/main" id="{52A8D0A3-FE2A-4BC8-8AA0-4BEDDD2FBAF9}"/>
+              </a:ext>
+            </a:extLst>
+          </p:cNvPr>
+          <p:cNvPicPr>
+            <a:picLocks noChangeAspect="1"/>
+          </p:cNvPicPr>
+          <p:nvPr/>
+        </p:nvPicPr>
+        <p:blipFill>
+          <a:blip r:embed="rId3"/>
+          <a:stretch>
+            <a:fillRect/>
+          </a:stretch>
+        </p:blipFill>
+        <p:spPr>
+          <a:xfrm>
+            <a:off x="4081462" y="6505575"/>
+            <a:ext cx="981075" cy="352425"/>
+          </a:xfrm>
+          <a:prstGeom prst="rect">
+            <a:avLst/>
+          </a:prstGeom>
+        </p:spPr>
+      </p:pic>
+      <p:sp>
+        <p:nvSpPr>
+          <p:cNvPr id="7" name="Subtitle 2">
+            <a:extLst>
+              <a:ext uri="{FF2B5EF4-FFF2-40B4-BE49-F238E27FC236}">
+                <a16:creationId xmlns:a16="http://schemas.microsoft.com/office/drawing/2014/main" id="{5ED15823-742F-4737-B7FB-159A0E7611B0}"/>
+              </a:ext>
+            </a:extLst>
+          </p:cNvPr>
+          <p:cNvSpPr txBox="1">
+            <a:spLocks/>
+          </p:cNvSpPr>
+          <p:nvPr/>
+        </p:nvSpPr>
+        <p:spPr>
+          <a:xfrm>
+            <a:off x="8562669" y="6359024"/>
+            <a:ext cx="469038" cy="498976"/>
+          </a:xfrm>
+          <a:prstGeom prst="rect">
+            <a:avLst/>
+          </a:prstGeom>
+        </p:spPr>
+        <p:txBody>
+          <a:bodyPr vert="horz" lIns="91440" tIns="45720" rIns="91440" bIns="45720" rtlCol="1" anchor="t">
+            <a:noAutofit/>
+          </a:bodyPr>
+          <a:lstStyle>
+            <a:lvl1pPr marL="0" indent="0" algn="ctr" defTabSz="914400" rtl="1" eaLnBrk="1" latinLnBrk="0" hangingPunct="1">
+              <a:lnSpc>
+                <a:spcPct val="90000"/>
+              </a:lnSpc>
+              <a:spcBef>
+                <a:spcPct val="20000"/>
+              </a:spcBef>
+              <a:buFont typeface="Arial" panose="020B0604020202020204" pitchFamily="34" charset="0"/>
+              <a:buNone/>
+              <a:defRPr sz="3200" kern="1200">
+                <a:solidFill>
+                  <a:schemeClr val="tx1">
+                    <a:tint val="75000"/>
+                  </a:schemeClr>
+                </a:solidFill>
+                <a:latin typeface="+mn-lt"/>
+                <a:ea typeface="+mn-ea"/>
+                <a:cs typeface="+mn-cs"/>
+              </a:defRPr>
+            </a:lvl1pPr>
+            <a:lvl2pPr marL="457200" indent="0" algn="ctr" defTabSz="914400" rtl="1" eaLnBrk="1" latinLnBrk="0" hangingPunct="1">
+              <a:lnSpc>
+                <a:spcPct val="90000"/>
+              </a:lnSpc>
+              <a:spcBef>
+                <a:spcPct val="20000"/>
+              </a:spcBef>
+              <a:buFont typeface="Arial" panose="020B0604020202020204" pitchFamily="34" charset="0"/>
+              <a:buNone/>
+              <a:defRPr sz="2800" kern="1200">
+                <a:solidFill>
+                  <a:schemeClr val="tx1">
+                    <a:tint val="75000"/>
+                  </a:schemeClr>
+                </a:solidFill>
+                <a:latin typeface="+mn-lt"/>
+                <a:ea typeface="+mn-ea"/>
+                <a:cs typeface="+mn-cs"/>
+              </a:defRPr>
+            </a:lvl2pPr>
+            <a:lvl3pPr marL="914400" indent="0" algn="ctr" defTabSz="914400" rtl="1" eaLnBrk="1" latinLnBrk="0" hangingPunct="1">
+              <a:lnSpc>
+                <a:spcPct val="90000"/>
+              </a:lnSpc>
+              <a:spcBef>
+                <a:spcPct val="20000"/>
+              </a:spcBef>
+              <a:buFont typeface="Arial" panose="020B0604020202020204" pitchFamily="34" charset="0"/>
+              <a:buNone/>
+              <a:defRPr sz="2400" kern="1200">
+                <a:solidFill>
+                  <a:schemeClr val="tx1">
+                    <a:tint val="75000"/>
+                  </a:schemeClr>
+                </a:solidFill>
+                <a:latin typeface="+mn-lt"/>
+                <a:ea typeface="+mn-ea"/>
+                <a:cs typeface="+mn-cs"/>
+              </a:defRPr>
+            </a:lvl3pPr>
+            <a:lvl4pPr marL="1371600" indent="0" algn="ctr" defTabSz="914400" rtl="1" eaLnBrk="1" latinLnBrk="0" hangingPunct="1">
+              <a:lnSpc>
+                <a:spcPct val="90000"/>
+              </a:lnSpc>
+              <a:spcBef>
+                <a:spcPct val="20000"/>
+              </a:spcBef>
+              <a:buFont typeface="Arial" panose="020B0604020202020204" pitchFamily="34" charset="0"/>
+              <a:buNone/>
+              <a:defRPr sz="2000" kern="1200">
+                <a:solidFill>
+                  <a:schemeClr val="tx1">
+                    <a:tint val="75000"/>
+                  </a:schemeClr>
+                </a:solidFill>
+                <a:latin typeface="+mn-lt"/>
+                <a:ea typeface="+mn-ea"/>
+                <a:cs typeface="+mn-cs"/>
+              </a:defRPr>
+            </a:lvl4pPr>
+            <a:lvl5pPr marL="1828800" indent="0" algn="ctr" defTabSz="914400" rtl="1" eaLnBrk="1" latinLnBrk="0" hangingPunct="1">
+              <a:lnSpc>
+                <a:spcPct val="90000"/>
+              </a:lnSpc>
+              <a:spcBef>
+                <a:spcPct val="20000"/>
+              </a:spcBef>
+              <a:buFont typeface="Arial" panose="020B0604020202020204" pitchFamily="34" charset="0"/>
+              <a:buNone/>
+              <a:defRPr sz="2000" kern="1200">
+                <a:solidFill>
+                  <a:schemeClr val="tx1">
+                    <a:tint val="75000"/>
+                  </a:schemeClr>
+                </a:solidFill>
+                <a:latin typeface="+mn-lt"/>
+                <a:ea typeface="+mn-ea"/>
+                <a:cs typeface="+mn-cs"/>
+              </a:defRPr>
+            </a:lvl5pPr>
+            <a:lvl6pPr marL="2286000" indent="0" algn="ctr" defTabSz="914400" rtl="1" eaLnBrk="1" latinLnBrk="0" hangingPunct="1">
+              <a:lnSpc>
+                <a:spcPct val="90000"/>
+              </a:lnSpc>
+              <a:spcBef>
+                <a:spcPct val="20000"/>
+              </a:spcBef>
+              <a:buFont typeface="Arial" panose="020B0604020202020204" pitchFamily="34" charset="0"/>
+              <a:buNone/>
+              <a:defRPr sz="2000" kern="1200">
+                <a:solidFill>
+                  <a:schemeClr val="tx1">
+                    <a:tint val="75000"/>
+                  </a:schemeClr>
+                </a:solidFill>
+                <a:latin typeface="+mn-lt"/>
+                <a:ea typeface="+mn-ea"/>
+                <a:cs typeface="+mn-cs"/>
+              </a:defRPr>
+            </a:lvl6pPr>
+            <a:lvl7pPr marL="2743200" indent="0" algn="ctr" defTabSz="914400" rtl="1" eaLnBrk="1" latinLnBrk="0" hangingPunct="1">
+              <a:lnSpc>
+                <a:spcPct val="90000"/>
+              </a:lnSpc>
+              <a:spcBef>
+                <a:spcPct val="20000"/>
+              </a:spcBef>
+              <a:buFont typeface="Arial" panose="020B0604020202020204" pitchFamily="34" charset="0"/>
+              <a:buNone/>
+              <a:defRPr sz="2000" kern="1200">
+                <a:solidFill>
+                  <a:schemeClr val="tx1">
+                    <a:tint val="75000"/>
+                  </a:schemeClr>
+                </a:solidFill>
+                <a:latin typeface="+mn-lt"/>
+                <a:ea typeface="+mn-ea"/>
+                <a:cs typeface="+mn-cs"/>
+              </a:defRPr>
+            </a:lvl7pPr>
+            <a:lvl8pPr marL="3200400" indent="0" algn="ctr" defTabSz="914400" rtl="1" eaLnBrk="1" latinLnBrk="0" hangingPunct="1">
+              <a:lnSpc>
+                <a:spcPct val="90000"/>
+              </a:lnSpc>
+              <a:spcBef>
+                <a:spcPct val="20000"/>
+              </a:spcBef>
+              <a:buFont typeface="Arial" panose="020B0604020202020204" pitchFamily="34" charset="0"/>
+              <a:buNone/>
+              <a:defRPr sz="2000" kern="1200">
+                <a:solidFill>
+                  <a:schemeClr val="tx1">
+                    <a:tint val="75000"/>
+                  </a:schemeClr>
+                </a:solidFill>
+                <a:latin typeface="+mn-lt"/>
+                <a:ea typeface="+mn-ea"/>
+                <a:cs typeface="+mn-cs"/>
+              </a:defRPr>
+            </a:lvl8pPr>
+            <a:lvl9pPr marL="3657600" indent="0" algn="ctr" defTabSz="914400" rtl="1" eaLnBrk="1" latinLnBrk="0" hangingPunct="1">
+              <a:lnSpc>
+                <a:spcPct val="90000"/>
+              </a:lnSpc>
+              <a:spcBef>
+                <a:spcPct val="20000"/>
+              </a:spcBef>
+              <a:buFont typeface="Arial" panose="020B0604020202020204" pitchFamily="34" charset="0"/>
+              <a:buNone/>
+              <a:defRPr sz="2000" kern="1200">
+                <a:solidFill>
+                  <a:schemeClr val="tx1">
+                    <a:tint val="75000"/>
+                  </a:schemeClr>
+                </a:solidFill>
+                <a:latin typeface="+mn-lt"/>
+                <a:ea typeface="+mn-ea"/>
+                <a:cs typeface="+mn-cs"/>
+              </a:defRPr>
+            </a:lvl9pPr>
+          </a:lstStyle>
+          <a:p>
+            <a:pPr algn="l" rtl="0"/>
+            <a:r>
+              <a:rPr lang="en-US" sz="2400" dirty="0">
+                <a:solidFill>
+                  <a:schemeClr val="tx1"/>
+                </a:solidFill>
+              </a:rPr>
+              <a:t>9</a:t>
+            </a:r>
           </a:p>
         </p:txBody>
       </p:sp>
@@ -9905,4 +14608,299 @@
     </a:ext>
   </a:extLst>
 </a:theme>
+</file>
+
+<file path=ppt/theme/theme3.xml><?xml version="1.0" encoding="utf-8"?>
+<a:theme xmlns:a="http://schemas.openxmlformats.org/drawingml/2006/main" name="ערכת נושא Office">
+  <a:themeElements>
+    <a:clrScheme name="Office">
+      <a:dk1>
+        <a:sysClr val="windowText" lastClr="000000"/>
+      </a:dk1>
+      <a:lt1>
+        <a:sysClr val="window" lastClr="FFFFFF"/>
+      </a:lt1>
+      <a:dk2>
+        <a:srgbClr val="44546A"/>
+      </a:dk2>
+      <a:lt2>
+        <a:srgbClr val="E7E6E6"/>
+      </a:lt2>
+      <a:accent1>
+        <a:srgbClr val="4472C4"/>
+      </a:accent1>
+      <a:accent2>
+        <a:srgbClr val="ED7D31"/>
+      </a:accent2>
+      <a:accent3>
+        <a:srgbClr val="A5A5A5"/>
+      </a:accent3>
+      <a:accent4>
+        <a:srgbClr val="FFC000"/>
+      </a:accent4>
+      <a:accent5>
+        <a:srgbClr val="5B9BD5"/>
+      </a:accent5>
+      <a:accent6>
+        <a:srgbClr val="70AD47"/>
+      </a:accent6>
+      <a:hlink>
+        <a:srgbClr val="0563C1"/>
+      </a:hlink>
+      <a:folHlink>
+        <a:srgbClr val="954F72"/>
+      </a:folHlink>
+    </a:clrScheme>
+    <a:fontScheme name="Office">
+      <a:majorFont>
+        <a:latin typeface="Calibri Light" panose="020F0302020204030204"/>
+        <a:ea typeface=""/>
+        <a:cs typeface=""/>
+        <a:font script="Jpan" typeface="游ゴシック Light"/>
+        <a:font script="Hang" typeface="맑은 고딕"/>
+        <a:font script="Hans" typeface="等线 Light"/>
+        <a:font script="Hant" typeface="新細明體"/>
+        <a:font script="Arab" typeface="Times New Roman"/>
+        <a:font script="Hebr" typeface="Times New Roman"/>
+        <a:font script="Thai" typeface="Angsana New"/>
+        <a:font script="Ethi" typeface="Nyala"/>
+        <a:font script="Beng" typeface="Vrinda"/>
+        <a:font script="Gujr" typeface="Shruti"/>
+        <a:font script="Khmr" typeface="MoolBoran"/>
+        <a:font script="Knda" typeface="Tunga"/>
+        <a:font script="Guru" typeface="Raavi"/>
+        <a:font script="Cans" typeface="Euphemia"/>
+        <a:font script="Cher" typeface="Plantagenet Cherokee"/>
+        <a:font script="Yiii" typeface="Microsoft Yi Baiti"/>
+        <a:font script="Tibt" typeface="Microsoft Himalaya"/>
+        <a:font script="Thaa" typeface="MV Boli"/>
+        <a:font script="Deva" typeface="Mangal"/>
+        <a:font script="Telu" typeface="Gautami"/>
+        <a:font script="Taml" typeface="Latha"/>
+        <a:font script="Syrc" typeface="Estrangelo Edessa"/>
+        <a:font script="Orya" typeface="Kalinga"/>
+        <a:font script="Mlym" typeface="Kartika"/>
+        <a:font script="Laoo" typeface="DokChampa"/>
+        <a:font script="Sinh" typeface="Iskoola Pota"/>
+        <a:font script="Mong" typeface="Mongolian Baiti"/>
+        <a:font script="Viet" typeface="Times New Roman"/>
+        <a:font script="Uigh" typeface="Microsoft Uighur"/>
+        <a:font script="Geor" typeface="Sylfaen"/>
+        <a:font script="Armn" typeface="Arial"/>
+        <a:font script="Bugi" typeface="Leelawadee UI"/>
+        <a:font script="Bopo" typeface="Microsoft JhengHei"/>
+        <a:font script="Java" typeface="Javanese Text"/>
+        <a:font script="Lisu" typeface="Segoe UI"/>
+        <a:font script="Mymr" typeface="Myanmar Text"/>
+        <a:font script="Nkoo" typeface="Ebrima"/>
+        <a:font script="Olck" typeface="Nirmala UI"/>
+        <a:font script="Osma" typeface="Ebrima"/>
+        <a:font script="Phag" typeface="Phagspa"/>
+        <a:font script="Syrn" typeface="Estrangelo Edessa"/>
+        <a:font script="Syrj" typeface="Estrangelo Edessa"/>
+        <a:font script="Syre" typeface="Estrangelo Edessa"/>
+        <a:font script="Sora" typeface="Nirmala UI"/>
+        <a:font script="Tale" typeface="Microsoft Tai Le"/>
+        <a:font script="Talu" typeface="Microsoft New Tai Lue"/>
+        <a:font script="Tfng" typeface="Ebrima"/>
+      </a:majorFont>
+      <a:minorFont>
+        <a:latin typeface="Calibri" panose="020F0502020204030204"/>
+        <a:ea typeface=""/>
+        <a:cs typeface=""/>
+        <a:font script="Jpan" typeface="游ゴシック"/>
+        <a:font script="Hang" typeface="맑은 고딕"/>
+        <a:font script="Hans" typeface="等线"/>
+        <a:font script="Hant" typeface="新細明體"/>
+        <a:font script="Arab" typeface="Arial"/>
+        <a:font script="Hebr" typeface="Arial"/>
+        <a:font script="Thai" typeface="Cordia New"/>
+        <a:font script="Ethi" typeface="Nyala"/>
+        <a:font script="Beng" typeface="Vrinda"/>
+        <a:font script="Gujr" typeface="Shruti"/>
+        <a:font script="Khmr" typeface="DaunPenh"/>
+        <a:font script="Knda" typeface="Tunga"/>
+        <a:font script="Guru" typeface="Raavi"/>
+        <a:font script="Cans" typeface="Euphemia"/>
+        <a:font script="Cher" typeface="Plantagenet Cherokee"/>
+        <a:font script="Yiii" typeface="Microsoft Yi Baiti"/>
+        <a:font script="Tibt" typeface="Microsoft Himalaya"/>
+        <a:font script="Thaa" typeface="MV Boli"/>
+        <a:font script="Deva" typeface="Mangal"/>
+        <a:font script="Telu" typeface="Gautami"/>
+        <a:font script="Taml" typeface="Latha"/>
+        <a:font script="Syrc" typeface="Estrangelo Edessa"/>
+        <a:font script="Orya" typeface="Kalinga"/>
+        <a:font script="Mlym" typeface="Kartika"/>
+        <a:font script="Laoo" typeface="DokChampa"/>
+        <a:font script="Sinh" typeface="Iskoola Pota"/>
+        <a:font script="Mong" typeface="Mongolian Baiti"/>
+        <a:font script="Viet" typeface="Arial"/>
+        <a:font script="Uigh" typeface="Microsoft Uighur"/>
+        <a:font script="Geor" typeface="Sylfaen"/>
+        <a:font script="Armn" typeface="Arial"/>
+        <a:font script="Bugi" typeface="Leelawadee UI"/>
+        <a:font script="Bopo" typeface="Microsoft JhengHei"/>
+        <a:font script="Java" typeface="Javanese Text"/>
+        <a:font script="Lisu" typeface="Segoe UI"/>
+        <a:font script="Mymr" typeface="Myanmar Text"/>
+        <a:font script="Nkoo" typeface="Ebrima"/>
+        <a:font script="Olck" typeface="Nirmala UI"/>
+        <a:font script="Osma" typeface="Ebrima"/>
+        <a:font script="Phag" typeface="Phagspa"/>
+        <a:font script="Syrn" typeface="Estrangelo Edessa"/>
+        <a:font script="Syrj" typeface="Estrangelo Edessa"/>
+        <a:font script="Syre" typeface="Estrangelo Edessa"/>
+        <a:font script="Sora" typeface="Nirmala UI"/>
+        <a:font script="Tale" typeface="Microsoft Tai Le"/>
+        <a:font script="Talu" typeface="Microsoft New Tai Lue"/>
+        <a:font script="Tfng" typeface="Ebrima"/>
+      </a:minorFont>
+    </a:fontScheme>
+    <a:fmtScheme name="Office">
+      <a:fillStyleLst>
+        <a:solidFill>
+          <a:schemeClr val="phClr"/>
+        </a:solidFill>
+        <a:gradFill rotWithShape="1">
+          <a:gsLst>
+            <a:gs pos="0">
+              <a:schemeClr val="phClr">
+                <a:lumMod val="110000"/>
+                <a:satMod val="105000"/>
+                <a:tint val="67000"/>
+              </a:schemeClr>
+            </a:gs>
+            <a:gs pos="50000">
+              <a:schemeClr val="phClr">
+                <a:lumMod val="105000"/>
+                <a:satMod val="103000"/>
+                <a:tint val="73000"/>
+              </a:schemeClr>
+            </a:gs>
+            <a:gs pos="100000">
+              <a:schemeClr val="phClr">
+                <a:lumMod val="105000"/>
+                <a:satMod val="109000"/>
+                <a:tint val="81000"/>
+              </a:schemeClr>
+            </a:gs>
+          </a:gsLst>
+          <a:lin ang="5400000" scaled="0"/>
+        </a:gradFill>
+        <a:gradFill rotWithShape="1">
+          <a:gsLst>
+            <a:gs pos="0">
+              <a:schemeClr val="phClr">
+                <a:satMod val="103000"/>
+                <a:lumMod val="102000"/>
+                <a:tint val="94000"/>
+              </a:schemeClr>
+            </a:gs>
+            <a:gs pos="50000">
+              <a:schemeClr val="phClr">
+                <a:satMod val="110000"/>
+                <a:lumMod val="100000"/>
+                <a:shade val="100000"/>
+              </a:schemeClr>
+            </a:gs>
+            <a:gs pos="100000">
+              <a:schemeClr val="phClr">
+                <a:lumMod val="99000"/>
+                <a:satMod val="120000"/>
+                <a:shade val="78000"/>
+              </a:schemeClr>
+            </a:gs>
+          </a:gsLst>
+          <a:lin ang="5400000" scaled="0"/>
+        </a:gradFill>
+      </a:fillStyleLst>
+      <a:lnStyleLst>
+        <a:ln w="6350" cap="flat" cmpd="sng" algn="ctr">
+          <a:solidFill>
+            <a:schemeClr val="phClr"/>
+          </a:solidFill>
+          <a:prstDash val="solid"/>
+          <a:miter lim="800000"/>
+        </a:ln>
+        <a:ln w="12700" cap="flat" cmpd="sng" algn="ctr">
+          <a:solidFill>
+            <a:schemeClr val="phClr"/>
+          </a:solidFill>
+          <a:prstDash val="solid"/>
+          <a:miter lim="800000"/>
+        </a:ln>
+        <a:ln w="19050" cap="flat" cmpd="sng" algn="ctr">
+          <a:solidFill>
+            <a:schemeClr val="phClr"/>
+          </a:solidFill>
+          <a:prstDash val="solid"/>
+          <a:miter lim="800000"/>
+        </a:ln>
+      </a:lnStyleLst>
+      <a:effectStyleLst>
+        <a:effectStyle>
+          <a:effectLst/>
+        </a:effectStyle>
+        <a:effectStyle>
+          <a:effectLst/>
+        </a:effectStyle>
+        <a:effectStyle>
+          <a:effectLst>
+            <a:outerShdw blurRad="57150" dist="19050" dir="5400000" algn="ctr" rotWithShape="0">
+              <a:srgbClr val="000000">
+                <a:alpha val="63000"/>
+              </a:srgbClr>
+            </a:outerShdw>
+          </a:effectLst>
+        </a:effectStyle>
+      </a:effectStyleLst>
+      <a:bgFillStyleLst>
+        <a:solidFill>
+          <a:schemeClr val="phClr"/>
+        </a:solidFill>
+        <a:solidFill>
+          <a:schemeClr val="phClr">
+            <a:tint val="95000"/>
+            <a:satMod val="170000"/>
+          </a:schemeClr>
+        </a:solidFill>
+        <a:gradFill rotWithShape="1">
+          <a:gsLst>
+            <a:gs pos="0">
+              <a:schemeClr val="phClr">
+                <a:tint val="93000"/>
+                <a:satMod val="150000"/>
+                <a:shade val="98000"/>
+                <a:lumMod val="102000"/>
+              </a:schemeClr>
+            </a:gs>
+            <a:gs pos="50000">
+              <a:schemeClr val="phClr">
+                <a:tint val="98000"/>
+                <a:satMod val="130000"/>
+                <a:shade val="90000"/>
+                <a:lumMod val="103000"/>
+              </a:schemeClr>
+            </a:gs>
+            <a:gs pos="100000">
+              <a:schemeClr val="phClr">
+                <a:shade val="63000"/>
+                <a:satMod val="120000"/>
+              </a:schemeClr>
+            </a:gs>
+          </a:gsLst>
+          <a:lin ang="5400000" scaled="0"/>
+        </a:gradFill>
+      </a:bgFillStyleLst>
+    </a:fmtScheme>
+  </a:themeElements>
+  <a:objectDefaults/>
+  <a:extraClrSchemeLst/>
+  <a:extLst>
+    <a:ext uri="{05A4C25C-085E-4340-85A3-A5531E510DB2}">
+      <thm15:themeFamily xmlns:thm15="http://schemas.microsoft.com/office/thememl/2012/main" name="Office Theme" id="{62F939B6-93AF-4DB8-9C6B-D6C7DFDC589F}" vid="{4A3C46E8-61CC-4603-A589-7422A47A8E4A}"/>
+    </a:ext>
+  </a:extLst>
+</a:theme>
 </file>
--- a/Presentation/final_presentation.pptx
+++ b/Presentation/final_presentation.pptx
@@ -9640,9 +9640,16 @@
             <p:ph idx="1"/>
           </p:nvPr>
         </p:nvSpPr>
-        <p:spPr/>
-        <p:txBody>
-          <a:bodyPr/>
+        <p:spPr>
+          <a:xfrm>
+            <a:off x="628650" y="1550504"/>
+            <a:ext cx="7886700" cy="4626459"/>
+          </a:xfrm>
+        </p:spPr>
+        <p:txBody>
+          <a:bodyPr>
+            <a:normAutofit fontScale="92500" lnSpcReduction="10000"/>
+          </a:bodyPr>
           <a:lstStyle/>
           <a:p>
             <a:pPr lvl="1" algn="l" rtl="0"/>
@@ -9662,7 +9669,7 @@
             <a:pPr lvl="2" algn="l" rtl="0"/>
             <a:r>
               <a:rPr lang="en-US" sz="2600" dirty="0"/>
-              <a:t>Stable</a:t>
+              <a:t>Stable running time</a:t>
             </a:r>
           </a:p>
           <a:p>
@@ -9676,7 +9683,7 @@
             <a:pPr lvl="2" algn="l" rtl="0"/>
             <a:r>
               <a:rPr lang="en-US" sz="2600" dirty="0"/>
-              <a:t>Build the net memory along the training</a:t>
+              <a:t>The network “remembers” how to solve easy puzzles</a:t>
             </a:r>
           </a:p>
           <a:p>
@@ -9691,7 +9698,7 @@
             <a:pPr lvl="1" algn="l" rtl="0"/>
             <a:r>
               <a:rPr lang="en-US" sz="3000" dirty="0"/>
-              <a:t>Iterative solution performs better </a:t>
+              <a:t>Iterative solution may perform better </a:t>
             </a:r>
           </a:p>
           <a:p>
@@ -9699,6 +9706,13 @@
             <a:r>
               <a:rPr lang="en-US" sz="2600" dirty="0"/>
               <a:t>Fill elements one by one</a:t>
+            </a:r>
+          </a:p>
+          <a:p>
+            <a:pPr lvl="1" algn="l" rtl="0"/>
+            <a:r>
+              <a:rPr lang="en-US" sz="3000" dirty="0"/>
+              <a:t>The best deletion method in training for this problem is: Proper distributed deletion.</a:t>
             </a:r>
           </a:p>
           <a:p>

--- a/Presentation/final_presentation.pptx
+++ b/Presentation/final_presentation.pptx
@@ -5,10 +5,10 @@
     <p:sldMasterId id="2147483660" r:id="rId1"/>
   </p:sldMasterIdLst>
   <p:notesMasterIdLst>
-    <p:notesMasterId r:id="rId20"/>
+    <p:notesMasterId r:id="rId23"/>
   </p:notesMasterIdLst>
   <p:handoutMasterIdLst>
-    <p:handoutMasterId r:id="rId21"/>
+    <p:handoutMasterId r:id="rId24"/>
   </p:handoutMasterIdLst>
   <p:sldIdLst>
     <p:sldId id="256" r:id="rId2"/>
@@ -24,11 +24,14 @@
     <p:sldId id="265" r:id="rId12"/>
     <p:sldId id="267" r:id="rId13"/>
     <p:sldId id="269" r:id="rId14"/>
-    <p:sldId id="270" r:id="rId15"/>
-    <p:sldId id="268" r:id="rId16"/>
-    <p:sldId id="271" r:id="rId17"/>
-    <p:sldId id="273" r:id="rId18"/>
-    <p:sldId id="266" r:id="rId19"/>
+    <p:sldId id="275" r:id="rId15"/>
+    <p:sldId id="277" r:id="rId16"/>
+    <p:sldId id="279" r:id="rId17"/>
+    <p:sldId id="268" r:id="rId18"/>
+    <p:sldId id="271" r:id="rId19"/>
+    <p:sldId id="273" r:id="rId20"/>
+    <p:sldId id="266" r:id="rId21"/>
+    <p:sldId id="276" r:id="rId22"/>
   </p:sldIdLst>
   <p:sldSz cx="9144000" cy="6858000" type="screen4x3"/>
   <p:notesSz cx="6858000" cy="9144000"/>
@@ -229,7 +232,7 @@
           <a:p>
             <a:fld id="{B9B646A0-8041-4E6E-836C-EE83B35CC850}" type="datetimeFigureOut">
               <a:rPr lang="he-IL" smtClean="0"/>
-              <a:t>ט"ז/אלול/תש"ף</a:t>
+              <a:t>י"ט/אלול/תש"ף</a:t>
             </a:fld>
             <a:endParaRPr lang="he-IL"/>
           </a:p>
@@ -407,7 +410,7 @@
           <a:p>
             <a:fld id="{F6B21B3F-883B-407D-A0DF-AE028F3E9C27}" type="datetimeFigureOut">
               <a:rPr lang="he-IL" smtClean="0"/>
-              <a:t>ט"ז/אלול/תש"ף</a:t>
+              <a:t>י"ט/אלול/תש"ף</a:t>
             </a:fld>
             <a:endParaRPr lang="he-IL"/>
           </a:p>
@@ -863,6 +866,20 @@
               <a:t>. </a:t>
             </a:r>
           </a:p>
+          <a:p>
+            <a:r>
+              <a:rPr lang="he-IL" dirty="0"/>
+              <a:t>בנוסף, ניתן לראות שכשהרשת מתחילה למלא מספר מסוים היא ממשיכה </a:t>
+            </a:r>
+            <a:r>
+              <a:rPr lang="he-IL" dirty="0" err="1"/>
+              <a:t>איתו</a:t>
+            </a:r>
+            <a:r>
+              <a:rPr lang="he-IL" dirty="0"/>
+              <a:t> כמו שאדם עושה לעיתים קרובות. רואים זאת כי מילאנו 3 ועומדים למלא שוב, ורואים שהתא אחר כך שוב ימולא ב 3.</a:t>
+            </a:r>
+          </a:p>
         </p:txBody>
       </p:sp>
       <p:sp>
@@ -947,38 +964,57 @@
           <a:p>
             <a:r>
               <a:rPr lang="he-IL" dirty="0"/>
-              <a:t>אז מה שרואים </a:t>
+              <a:t>כאן ניתן לראות איך הרשת טועה בהצבת הספרה 1.</a:t>
+            </a:r>
+          </a:p>
+          <a:p>
+            <a:r>
+              <a:rPr lang="he-IL" dirty="0"/>
+              <a:t>יש תא סמוך עם רמת ביטחון 100 אחוז (כנראה מעט פחות)</a:t>
+            </a:r>
+            <a:r>
+              <a:rPr lang="en-US" dirty="0"/>
+              <a:t> </a:t>
+            </a:r>
+            <a:r>
+              <a:rPr lang="he-IL" dirty="0"/>
+              <a:t> או שזה בגלל שהאינדקס </a:t>
             </a:r>
             <a:r>
               <a:rPr lang="he-IL" dirty="0" err="1"/>
-              <a:t>בעקיבת</a:t>
+              <a:t>הארשון</a:t>
             </a:r>
             <a:r>
               <a:rPr lang="he-IL" dirty="0"/>
-              <a:t> לוח זה את רמות הביטחון של הרשת בכל תא בספרה </a:t>
+              <a:t> נלקח </a:t>
             </a:r>
             <a:r>
               <a:rPr lang="he-IL" dirty="0" err="1"/>
-              <a:t>המצויינת</a:t>
-            </a:r>
-            <a:r>
-              <a:rPr lang="he-IL" dirty="0"/>
-              <a:t> למעלה. </a:t>
-            </a:r>
-          </a:p>
-          <a:p>
-            <a:r>
-              <a:rPr lang="he-IL" dirty="0"/>
-              <a:t>ניתן לראות איך ההתלבטות בשני תאים נחרצת כאשר ממלאים תא אחר – מה שמראה על כך שהרשת למדה את חוקי הסודוקו במידה </a:t>
-            </a:r>
-            <a:r>
-              <a:rPr lang="he-IL" dirty="0" err="1"/>
-              <a:t>מסויימת</a:t>
+              <a:t>בארגמקס</a:t>
             </a:r>
             <a:r>
               <a:rPr lang="he-IL" dirty="0"/>
               <a:t>. </a:t>
             </a:r>
+            <a:br>
+              <a:rPr lang="en-US" dirty="0"/>
+            </a:br>
+            <a:r>
+              <a:rPr lang="he-IL" dirty="0"/>
+              <a:t>רואים איך אחרי המילוי של 1 הביטחון בתא הסמוך צונח ולכן טעות מובילה לטעות..</a:t>
+            </a:r>
+          </a:p>
+          <a:p>
+            <a:endParaRPr lang="he-IL" dirty="0"/>
+          </a:p>
+          <a:p>
+            <a:r>
+              <a:rPr lang="he-IL" dirty="0"/>
+              <a:t>רואים גם שהטעות הבאה קרתה עקב הטעות הראשונה. כך למעשה הרשת יחסית שמרה על מילוי נכון למרות שהייתה לה החלטה לא נכונה.</a:t>
+            </a:r>
+          </a:p>
+          <a:p>
+            <a:endParaRPr lang="he-IL" dirty="0"/>
           </a:p>
         </p:txBody>
       </p:sp>
@@ -1008,7 +1044,7 @@
     </p:spTree>
     <p:extLst>
       <p:ext uri="{BB962C8B-B14F-4D97-AF65-F5344CB8AC3E}">
-        <p14:creationId xmlns:p14="http://schemas.microsoft.com/office/powerpoint/2010/main" val="16311984"/>
+        <p14:creationId xmlns:p14="http://schemas.microsoft.com/office/powerpoint/2010/main" val="54207685"/>
       </p:ext>
     </p:extLst>
   </p:cSld>
@@ -1153,7 +1189,7 @@
           <a:p>
             <a:fld id="{9EDA4E3B-FBC5-452B-B234-E35138224BE7}" type="slidenum">
               <a:rPr lang="he-IL" smtClean="0"/>
-              <a:t>15</a:t>
+              <a:t>17</a:t>
             </a:fld>
             <a:endParaRPr lang="he-IL"/>
           </a:p>
@@ -1259,7 +1295,7 @@
           <a:p>
             <a:fld id="{9EDA4E3B-FBC5-452B-B234-E35138224BE7}" type="slidenum">
               <a:rPr lang="he-IL" smtClean="0"/>
-              <a:t>16</a:t>
+              <a:t>18</a:t>
             </a:fld>
             <a:endParaRPr lang="he-IL"/>
           </a:p>
@@ -1388,21 +1424,46 @@
             </a:r>
           </a:p>
           <a:p>
+            <a:pPr marL="685800" marR="0" lvl="1" indent="-228600" algn="r" defTabSz="914400" rtl="1" eaLnBrk="1" fontAlgn="auto" latinLnBrk="0" hangingPunct="1">
+              <a:lnSpc>
+                <a:spcPct val="100000"/>
+              </a:lnSpc>
+              <a:spcBef>
+                <a:spcPts val="0"/>
+              </a:spcBef>
+              <a:spcAft>
+                <a:spcPts val="0"/>
+              </a:spcAft>
+              <a:buClrTx/>
+              <a:buSzTx/>
+              <a:buFontTx/>
+              <a:buAutoNum type="arabicPeriod"/>
+              <a:tabLst/>
+              <a:defRPr/>
+            </a:pPr>
+            <a:r>
+              <a:rPr lang="he-IL" dirty="0"/>
+              <a:t>מחיקה הולמת של איברים כך שלא נוצר מצב שבו המשחק </a:t>
+            </a:r>
+            <a:r>
+              <a:rPr lang="he-IL" dirty="0" err="1"/>
+              <a:t>מאבבד</a:t>
+            </a:r>
+            <a:r>
+              <a:rPr lang="he-IL" dirty="0"/>
+              <a:t> את אופיו ויש לו שני פתרונות למשל ואז הרשת עלולה לטעות כמו שאדם יכול לטעות בלהגיע ללוח הפתרון הידוע. אם בנאדם יפתור זה יכול אומנם להגיע לפתרון אבל לא בהכרח זה יהיה הפתרון שהרשת רצתה ולכן היא קנסה עליו. </a:t>
+            </a:r>
+            <a:r>
+              <a:rPr lang="en-US" sz="1200" dirty="0"/>
+              <a:t>Remain the game appropriate</a:t>
+            </a:r>
+            <a:endParaRPr lang="en-US" sz="1400" dirty="0"/>
+          </a:p>
+          <a:p>
             <a:pPr marL="685800" lvl="1" indent="-228600">
               <a:buAutoNum type="arabicPeriod"/>
             </a:pPr>
-            <a:r>
-              <a:rPr lang="he-IL" dirty="0"/>
-              <a:t>מחיקה הולמת של איברים כך שלא נוצר מצב שבו המשחק </a:t>
-            </a:r>
-            <a:r>
-              <a:rPr lang="he-IL" dirty="0" err="1"/>
-              <a:t>מאבבד</a:t>
-            </a:r>
-            <a:r>
-              <a:rPr lang="he-IL" dirty="0"/>
-              <a:t> את אופיו ויש לו שני פתרונות למשל ואז הרשת עלולה לטעות כמו שאדם יכול לטעות בלהגיע ללוח הפתרון הידוע. אם בנאדם יפתור זה יכול אומנם להגיע לפתרון אבל לא בהכרח זה יהיה הפתרון שהרשת רצתה ולכן היא קנסה עליו.</a:t>
-            </a:r>
+            <a:endParaRPr lang="he-IL" dirty="0"/>
           </a:p>
           <a:p>
             <a:pPr marL="685800" lvl="1" indent="-228600">
@@ -1438,7 +1499,7 @@
           <a:p>
             <a:fld id="{9EDA4E3B-FBC5-452B-B234-E35138224BE7}" type="slidenum">
               <a:rPr lang="he-IL" smtClean="0"/>
-              <a:t>17</a:t>
+              <a:t>19</a:t>
             </a:fld>
             <a:endParaRPr lang="he-IL"/>
           </a:p>
@@ -1599,7 +1660,7 @@
           <a:p>
             <a:fld id="{9EDA4E3B-FBC5-452B-B234-E35138224BE7}" type="slidenum">
               <a:rPr lang="he-IL" smtClean="0"/>
-              <a:t>18</a:t>
+              <a:t>20</a:t>
             </a:fld>
             <a:endParaRPr lang="he-IL"/>
           </a:p>
@@ -2197,6 +2258,38 @@
           <a:bodyPr/>
           <a:lstStyle/>
           <a:p>
+            <a:r>
+              <a:rPr lang="he-IL" dirty="0"/>
+              <a:t>ניתן לראות למשל את רמות הביטחון בספרה 7 בכל תא ותא. מימין רואים את הפתרון של אותו לוח</a:t>
+            </a:r>
+          </a:p>
+          <a:p>
+            <a:endParaRPr lang="he-IL" dirty="0"/>
+          </a:p>
+          <a:p>
+            <a:pPr marL="0" marR="0" lvl="0" indent="0" algn="r" defTabSz="914400" rtl="1" eaLnBrk="1" fontAlgn="auto" latinLnBrk="0" hangingPunct="1">
+              <a:lnSpc>
+                <a:spcPct val="100000"/>
+              </a:lnSpc>
+              <a:spcBef>
+                <a:spcPts val="0"/>
+              </a:spcBef>
+              <a:spcAft>
+                <a:spcPts val="0"/>
+              </a:spcAft>
+              <a:buClrTx/>
+              <a:buSzTx/>
+              <a:buFontTx/>
+              <a:buNone/>
+              <a:tabLst/>
+              <a:defRPr/>
+            </a:pPr>
+            <a:r>
+              <a:rPr lang="en-US" dirty="0"/>
+              <a:t>Plug the new puzzle each iteration to the net</a:t>
+            </a:r>
+          </a:p>
+          <a:p>
             <a:endParaRPr lang="he-IL" dirty="0"/>
           </a:p>
         </p:txBody>
@@ -2314,6 +2407,12 @@
               <a:t> למחוק מספר שונה של איברים בכל לוח לפי פילוג מסוים.</a:t>
             </a:r>
           </a:p>
+          <a:p>
+            <a:r>
+              <a:rPr lang="he-IL" dirty="0"/>
+              <a:t>4. להסביר שאת הלוס אנחנו לוקחים רק על האיברים החסרים.</a:t>
+            </a:r>
+          </a:p>
         </p:txBody>
       </p:sp>
       <p:sp>
@@ -2480,9 +2579,26 @@
           <a:bodyPr/>
           <a:lstStyle/>
           <a:p>
+            <a:pPr marL="0" marR="0" lvl="0" indent="0" algn="r" defTabSz="914400" rtl="1" eaLnBrk="1" fontAlgn="auto" latinLnBrk="0" hangingPunct="1">
+              <a:lnSpc>
+                <a:spcPct val="100000"/>
+              </a:lnSpc>
+              <a:spcBef>
+                <a:spcPts val="0"/>
+              </a:spcBef>
+              <a:spcAft>
+                <a:spcPts val="0"/>
+              </a:spcAft>
+              <a:buClrTx/>
+              <a:buSzTx/>
+              <a:buFontTx/>
+              <a:buNone/>
+              <a:tabLst/>
+              <a:defRPr/>
+            </a:pPr>
             <a:r>
               <a:rPr lang="he-IL" dirty="0"/>
-              <a:t>לגבי פילוג </a:t>
+              <a:t>1. לגבי פילוג </a:t>
             </a:r>
             <a:r>
               <a:rPr lang="he-IL" dirty="0" err="1"/>
@@ -2490,13 +2606,21 @@
             </a:r>
             <a:r>
               <a:rPr lang="he-IL" dirty="0"/>
-              <a:t>, אפשר לדבר כאן על הקטע שהכי הרבה מחוקים עם פתרון יחיד זה 64. </a:t>
-            </a:r>
-          </a:p>
-          <a:p>
+              <a:t>, להסביר שזהו פילוג המחוקים בטסט </a:t>
+            </a:r>
+            <a:r>
+              <a:rPr lang="he-IL" dirty="0" err="1"/>
+              <a:t>דאטא</a:t>
+            </a:r>
             <a:r>
               <a:rPr lang="he-IL" dirty="0"/>
-              <a:t>לגבי מטריצת הבלבול, לדבר על הסימטריה שיש בטעויות מכיוון שיש סימטריה מבחינת ייצוג הספרות השונות. </a:t>
+              <a:t> שעליו הפקנו את התוצאות במטריצת הבלבול</a:t>
+            </a:r>
+          </a:p>
+          <a:p>
+            <a:r>
+              <a:rPr lang="he-IL" dirty="0"/>
+              <a:t>2. לגבי מטריצת הבלבול, לדבר על הסימטריה שיש בטעויות מכיוון שיש סימטריה מבחינת ייצוג הספרות השונות. </a:t>
             </a:r>
           </a:p>
           <a:p>
@@ -2504,9 +2628,6 @@
               <a:rPr lang="he-IL" dirty="0"/>
               <a:t>אפשר להגיד שבדרך כלל מה שרואים במטריצה כזו היא שיש מחלקה אחת שדומה לאחרת אבל אצלנו מה שרואים הוא דווקא מה שלא רואים – יש סימטריה כמצופה.</a:t>
             </a:r>
-          </a:p>
-          <a:p>
-            <a:endParaRPr lang="he-IL" dirty="0"/>
           </a:p>
         </p:txBody>
       </p:sp>
@@ -2677,7 +2798,7 @@
           <a:p>
             <a:fld id="{07420D2C-25A9-4EC4-A057-9B240AACE9AC}" type="datetimeFigureOut">
               <a:rPr lang="he-IL" smtClean="0"/>
-              <a:t>ט"ז/אלול/תש"ף</a:t>
+              <a:t>י"ט/אלול/תש"ף</a:t>
             </a:fld>
             <a:endParaRPr lang="he-IL"/>
           </a:p>
@@ -2847,7 +2968,7 @@
           <a:p>
             <a:fld id="{07420D2C-25A9-4EC4-A057-9B240AACE9AC}" type="datetimeFigureOut">
               <a:rPr lang="he-IL" smtClean="0"/>
-              <a:t>ט"ז/אלול/תש"ף</a:t>
+              <a:t>י"ט/אלול/תש"ף</a:t>
             </a:fld>
             <a:endParaRPr lang="he-IL"/>
           </a:p>
@@ -3027,7 +3148,7 @@
           <a:p>
             <a:fld id="{07420D2C-25A9-4EC4-A057-9B240AACE9AC}" type="datetimeFigureOut">
               <a:rPr lang="he-IL" smtClean="0"/>
-              <a:t>ט"ז/אלול/תש"ף</a:t>
+              <a:t>י"ט/אלול/תש"ף</a:t>
             </a:fld>
             <a:endParaRPr lang="he-IL"/>
           </a:p>
@@ -3197,7 +3318,7 @@
           <a:p>
             <a:fld id="{07420D2C-25A9-4EC4-A057-9B240AACE9AC}" type="datetimeFigureOut">
               <a:rPr lang="he-IL" smtClean="0"/>
-              <a:t>ט"ז/אלול/תש"ף</a:t>
+              <a:t>י"ט/אלול/תש"ף</a:t>
             </a:fld>
             <a:endParaRPr lang="he-IL"/>
           </a:p>
@@ -3441,7 +3562,7 @@
           <a:p>
             <a:fld id="{07420D2C-25A9-4EC4-A057-9B240AACE9AC}" type="datetimeFigureOut">
               <a:rPr lang="he-IL" smtClean="0"/>
-              <a:t>ט"ז/אלול/תש"ף</a:t>
+              <a:t>י"ט/אלול/תש"ף</a:t>
             </a:fld>
             <a:endParaRPr lang="he-IL"/>
           </a:p>
@@ -3673,7 +3794,7 @@
           <a:p>
             <a:fld id="{07420D2C-25A9-4EC4-A057-9B240AACE9AC}" type="datetimeFigureOut">
               <a:rPr lang="he-IL" smtClean="0"/>
-              <a:t>ט"ז/אלול/תש"ף</a:t>
+              <a:t>י"ט/אלול/תש"ף</a:t>
             </a:fld>
             <a:endParaRPr lang="he-IL"/>
           </a:p>
@@ -4040,7 +4161,7 @@
           <a:p>
             <a:fld id="{07420D2C-25A9-4EC4-A057-9B240AACE9AC}" type="datetimeFigureOut">
               <a:rPr lang="he-IL" smtClean="0"/>
-              <a:t>ט"ז/אלול/תש"ף</a:t>
+              <a:t>י"ט/אלול/תש"ף</a:t>
             </a:fld>
             <a:endParaRPr lang="he-IL"/>
           </a:p>
@@ -4158,7 +4279,7 @@
           <a:p>
             <a:fld id="{07420D2C-25A9-4EC4-A057-9B240AACE9AC}" type="datetimeFigureOut">
               <a:rPr lang="he-IL" smtClean="0"/>
-              <a:t>ט"ז/אלול/תש"ף</a:t>
+              <a:t>י"ט/אלול/תש"ף</a:t>
             </a:fld>
             <a:endParaRPr lang="he-IL"/>
           </a:p>
@@ -4253,7 +4374,7 @@
           <a:p>
             <a:fld id="{07420D2C-25A9-4EC4-A057-9B240AACE9AC}" type="datetimeFigureOut">
               <a:rPr lang="he-IL" smtClean="0"/>
-              <a:t>ט"ז/אלול/תש"ף</a:t>
+              <a:t>י"ט/אלול/תש"ף</a:t>
             </a:fld>
             <a:endParaRPr lang="he-IL"/>
           </a:p>
@@ -4530,7 +4651,7 @@
           <a:p>
             <a:fld id="{07420D2C-25A9-4EC4-A057-9B240AACE9AC}" type="datetimeFigureOut">
               <a:rPr lang="he-IL" smtClean="0"/>
-              <a:t>ט"ז/אלול/תש"ף</a:t>
+              <a:t>י"ט/אלול/תש"ף</a:t>
             </a:fld>
             <a:endParaRPr lang="he-IL"/>
           </a:p>
@@ -4787,7 +4908,7 @@
           <a:p>
             <a:fld id="{07420D2C-25A9-4EC4-A057-9B240AACE9AC}" type="datetimeFigureOut">
               <a:rPr lang="he-IL" smtClean="0"/>
-              <a:t>ט"ז/אלול/תש"ף</a:t>
+              <a:t>י"ט/אלול/תש"ף</a:t>
             </a:fld>
             <a:endParaRPr lang="he-IL"/>
           </a:p>
@@ -5000,7 +5121,7 @@
           <a:p>
             <a:fld id="{07420D2C-25A9-4EC4-A057-9B240AACE9AC}" type="datetimeFigureOut">
               <a:rPr lang="he-IL" smtClean="0"/>
-              <a:t>ט"ז/אלול/תש"ף</a:t>
+              <a:t>י"ט/אלול/תש"ף</a:t>
             </a:fld>
             <a:endParaRPr lang="he-IL"/>
           </a:p>
@@ -5840,7 +5961,7 @@
                   <a:srgbClr val="FFFF00"/>
                 </a:highlight>
               </a:rPr>
-              <a:t>:  12/9/2020</a:t>
+              <a:t>:  TODO</a:t>
             </a:r>
             <a:endParaRPr lang="he-IL" sz="2400" dirty="0">
               <a:solidFill>
@@ -6191,7 +6312,12 @@
             <p:ph type="title"/>
           </p:nvPr>
         </p:nvSpPr>
-        <p:spPr/>
+        <p:spPr>
+          <a:xfrm>
+            <a:off x="675968" y="0"/>
+            <a:ext cx="7886700" cy="1325563"/>
+          </a:xfrm>
+        </p:spPr>
         <p:txBody>
           <a:bodyPr/>
           <a:lstStyle/>
@@ -6231,14 +6357,19 @@
             <p:ph idx="1"/>
           </p:nvPr>
         </p:nvSpPr>
-        <p:spPr/>
+        <p:spPr>
+          <a:xfrm>
+            <a:off x="628649" y="979170"/>
+            <a:ext cx="7886700" cy="4351338"/>
+          </a:xfrm>
+        </p:spPr>
         <p:txBody>
           <a:bodyPr/>
           <a:lstStyle/>
           <a:p>
             <a:pPr algn="l" rtl="0"/>
             <a:r>
-              <a:rPr lang="en-US" dirty="0"/>
+              <a:rPr lang="en-US" sz="2400" dirty="0"/>
               <a:t>Train on solutions with deleted elements</a:t>
             </a:r>
           </a:p>
@@ -6262,26 +6393,6 @@
               <a:rPr lang="en-US" dirty="0"/>
               <a:t>Distributed number of deleted elements so the net will “remember” how to solve easy puzzles</a:t>
             </a:r>
-          </a:p>
-          <a:p>
-            <a:pPr lvl="1" algn="l" rtl="0"/>
-            <a:endParaRPr lang="en-US" dirty="0"/>
-          </a:p>
-          <a:p>
-            <a:pPr lvl="1" algn="l" rtl="0"/>
-            <a:r>
-              <a:rPr lang="en-US" dirty="0"/>
-              <a:t> </a:t>
-            </a:r>
-            <a:r>
-              <a:rPr lang="he-IL" dirty="0"/>
-              <a:t>  לשים תמונות של לוח מחוק ושל פילוג מספר המחוקים עבור מחיקת ביניים כלשהי</a:t>
-            </a:r>
-            <a:endParaRPr lang="en-US" dirty="0"/>
-          </a:p>
-          <a:p>
-            <a:pPr lvl="1" algn="l" rtl="0"/>
-            <a:endParaRPr lang="en-US" dirty="0"/>
           </a:p>
           <a:p>
             <a:pPr lvl="1" algn="l" rtl="0"/>
@@ -6541,6 +6652,66 @@
           </a:p>
         </p:txBody>
       </p:sp>
+      <p:pic>
+        <p:nvPicPr>
+          <p:cNvPr id="10" name="תמונה 9">
+            <a:extLst>
+              <a:ext uri="{FF2B5EF4-FFF2-40B4-BE49-F238E27FC236}">
+                <a16:creationId xmlns:a16="http://schemas.microsoft.com/office/drawing/2014/main" id="{BF577A2E-78BA-42D5-85F7-5DC4DFE751A3}"/>
+              </a:ext>
+            </a:extLst>
+          </p:cNvPr>
+          <p:cNvPicPr>
+            <a:picLocks noChangeAspect="1"/>
+          </p:cNvPicPr>
+          <p:nvPr/>
+        </p:nvPicPr>
+        <p:blipFill>
+          <a:blip r:embed="rId4"/>
+          <a:stretch>
+            <a:fillRect/>
+          </a:stretch>
+        </p:blipFill>
+        <p:spPr>
+          <a:xfrm>
+            <a:off x="0" y="3750666"/>
+            <a:ext cx="4884267" cy="2754909"/>
+          </a:xfrm>
+          <a:prstGeom prst="rect">
+            <a:avLst/>
+          </a:prstGeom>
+        </p:spPr>
+      </p:pic>
+      <p:pic>
+        <p:nvPicPr>
+          <p:cNvPr id="12" name="תמונה 11">
+            <a:extLst>
+              <a:ext uri="{FF2B5EF4-FFF2-40B4-BE49-F238E27FC236}">
+                <a16:creationId xmlns:a16="http://schemas.microsoft.com/office/drawing/2014/main" id="{F27A1511-C66A-406E-A252-1A097B9BB8AC}"/>
+              </a:ext>
+            </a:extLst>
+          </p:cNvPr>
+          <p:cNvPicPr>
+            <a:picLocks noChangeAspect="1"/>
+          </p:cNvPicPr>
+          <p:nvPr/>
+        </p:nvPicPr>
+        <p:blipFill>
+          <a:blip r:embed="rId5"/>
+          <a:stretch>
+            <a:fillRect/>
+          </a:stretch>
+        </p:blipFill>
+        <p:spPr>
+          <a:xfrm>
+            <a:off x="5222568" y="3750666"/>
+            <a:ext cx="3340100" cy="2638615"/>
+          </a:xfrm>
+          <a:prstGeom prst="rect">
+            <a:avLst/>
+          </a:prstGeom>
+        </p:spPr>
+      </p:pic>
     </p:spTree>
     <p:extLst>
       <p:ext uri="{BB962C8B-B14F-4D97-AF65-F5344CB8AC3E}">
@@ -6632,51 +6803,58 @@
             <p:ph idx="1"/>
             <p:extLst>
               <p:ext uri="{D42A27DB-BD31-4B8C-83A1-F6EECF244321}">
-                <p14:modId xmlns:p14="http://schemas.microsoft.com/office/powerpoint/2010/main" val="3302272309"/>
+                <p14:modId xmlns:p14="http://schemas.microsoft.com/office/powerpoint/2010/main" val="1038553628"/>
               </p:ext>
             </p:extLst>
           </p:nvPr>
         </p:nvGraphicFramePr>
         <p:xfrm>
-          <a:off x="107950" y="1730310"/>
-          <a:ext cx="8928100" cy="4711510"/>
+          <a:off x="96253" y="1405288"/>
+          <a:ext cx="8970744" cy="4865146"/>
         </p:xfrm>
         <a:graphic>
           <a:graphicData uri="http://schemas.openxmlformats.org/drawingml/2006/table">
             <a:tbl>
               <a:tblPr rtl="1" firstRow="1" firstCol="1" bandRow="1">
-                <a:tableStyleId>{5C22544A-7EE6-4342-B048-85BDC9FD1C3A}</a:tableStyleId>
+                <a:tableStyleId>{69012ECD-51FC-41F1-AA8D-1B2483CD663E}</a:tableStyleId>
               </a:tblPr>
               <a:tblGrid>
-                <a:gridCol w="1731447">
+                <a:gridCol w="1299410">
                   <a:extLst>
                     <a:ext uri="{9D8B030D-6E8A-4147-A177-3AD203B41FA5}">
                       <a16:colId xmlns:a16="http://schemas.microsoft.com/office/drawing/2014/main" val="4180117168"/>
                     </a:ext>
                   </a:extLst>
                 </a:gridCol>
-                <a:gridCol w="1538803">
+                <a:gridCol w="1357162">
                   <a:extLst>
                     <a:ext uri="{9D8B030D-6E8A-4147-A177-3AD203B41FA5}">
                       <a16:colId xmlns:a16="http://schemas.microsoft.com/office/drawing/2014/main" val="43957283"/>
                     </a:ext>
                   </a:extLst>
                 </a:gridCol>
-                <a:gridCol w="2006600">
+                <a:gridCol w="1443789">
+                  <a:extLst>
+                    <a:ext uri="{9D8B030D-6E8A-4147-A177-3AD203B41FA5}">
+                      <a16:colId xmlns:a16="http://schemas.microsoft.com/office/drawing/2014/main" val="1379176819"/>
+                    </a:ext>
+                  </a:extLst>
+                </a:gridCol>
+                <a:gridCol w="1607419">
                   <a:extLst>
                     <a:ext uri="{9D8B030D-6E8A-4147-A177-3AD203B41FA5}">
                       <a16:colId xmlns:a16="http://schemas.microsoft.com/office/drawing/2014/main" val="606731208"/>
                     </a:ext>
                   </a:extLst>
                 </a:gridCol>
-                <a:gridCol w="1623767">
+                <a:gridCol w="1225797">
                   <a:extLst>
                     <a:ext uri="{9D8B030D-6E8A-4147-A177-3AD203B41FA5}">
                       <a16:colId xmlns:a16="http://schemas.microsoft.com/office/drawing/2014/main" val="1202457364"/>
                     </a:ext>
                   </a:extLst>
                 </a:gridCol>
-                <a:gridCol w="2027483">
+                <a:gridCol w="2037167">
                   <a:extLst>
                     <a:ext uri="{9D8B030D-6E8A-4147-A177-3AD203B41FA5}">
                       <a16:colId xmlns:a16="http://schemas.microsoft.com/office/drawing/2014/main" val="1611586995"/>
@@ -6684,13 +6862,13 @@
                   </a:extLst>
                 </a:gridCol>
               </a:tblGrid>
-              <a:tr h="202314">
+              <a:tr h="1323282">
                 <a:tc>
                   <a:txBody>
                     <a:bodyPr/>
                     <a:lstStyle/>
                     <a:p>
-                      <a:pPr marL="0" marR="0" lvl="0" indent="0" algn="just" defTabSz="914400" rtl="0" eaLnBrk="1" fontAlgn="t" latinLnBrk="0" hangingPunct="1">
+                      <a:pPr marL="0" marR="0" lvl="0" indent="0" algn="ctr" defTabSz="914400" rtl="0" eaLnBrk="1" fontAlgn="t" latinLnBrk="0" hangingPunct="1">
                         <a:lnSpc>
                           <a:spcPct val="107000"/>
                         </a:lnSpc>
@@ -6708,46 +6886,70 @@
                         <a:defRPr/>
                       </a:pPr>
                       <a:r>
-                        <a:rPr kumimoji="0" lang="en-US" sz="2600" b="1" i="0" u="none" strike="noStrike" kern="1200" cap="none" spc="0" normalizeH="0" baseline="0" noProof="0" dirty="0">
-                          <a:ln>
-                            <a:noFill/>
-                          </a:ln>
+                        <a:rPr lang="en-US" sz="2000" b="1" u="none" strike="noStrike" kern="1200" noProof="0" dirty="0">
                           <a:solidFill>
-                            <a:prstClr val="white"/>
+                            <a:schemeClr val="lt1"/>
                           </a:solidFill>
                           <a:effectLst/>
-                          <a:uLnTx/>
-                          <a:uFillTx/>
-                          <a:latin typeface="+mn-lt"/>
-                          <a:ea typeface="+mn-ea"/>
-                          <a:cs typeface="+mn-cs"/>
                         </a:rPr>
                         <a:t>Avg. Running time</a:t>
                       </a:r>
-                      <a:endParaRPr kumimoji="0" lang="he-IL" sz="2600" b="0" i="0" u="none" strike="noStrike" kern="1200" cap="none" spc="0" normalizeH="0" baseline="0" noProof="0" dirty="0">
-                        <a:ln>
-                          <a:noFill/>
-                        </a:ln>
+                      <a:endParaRPr lang="he-IL" sz="2000" b="1" u="none" strike="noStrike" kern="1200" noProof="0" dirty="0">
                         <a:solidFill>
-                          <a:prstClr val="white"/>
+                          <a:schemeClr val="lt1"/>
                         </a:solidFill>
                         <a:effectLst/>
-                        <a:uLnTx/>
-                        <a:uFillTx/>
-                        <a:latin typeface="Arial" panose="020B0604020202020204" pitchFamily="34" charset="0"/>
+                        <a:latin typeface="+mn-lt"/>
                         <a:ea typeface="+mn-ea"/>
                         <a:cs typeface="+mn-cs"/>
                       </a:endParaRPr>
                     </a:p>
                   </a:txBody>
-                  <a:tcPr marL="68580" marR="68580" marT="9525" marB="0"/>
+                  <a:tcPr marL="68580" marR="68580" marT="9525" marB="0" anchor="ctr">
+                    <a:lnL w="12700" cap="flat" cmpd="sng" algn="ctr">
+                      <a:solidFill>
+                        <a:schemeClr val="tx1"/>
+                      </a:solidFill>
+                      <a:prstDash val="solid"/>
+                      <a:round/>
+                      <a:headEnd type="none" w="med" len="med"/>
+                      <a:tailEnd type="none" w="med" len="med"/>
+                    </a:lnL>
+                    <a:lnR w="12700" cap="flat" cmpd="sng" algn="ctr">
+                      <a:solidFill>
+                        <a:schemeClr val="tx1"/>
+                      </a:solidFill>
+                      <a:prstDash val="solid"/>
+                      <a:round/>
+                      <a:headEnd type="none" w="med" len="med"/>
+                      <a:tailEnd type="none" w="med" len="med"/>
+                    </a:lnR>
+                    <a:lnT w="12700" cap="flat" cmpd="sng" algn="ctr">
+                      <a:solidFill>
+                        <a:schemeClr val="tx1"/>
+                      </a:solidFill>
+                      <a:prstDash val="solid"/>
+                      <a:round/>
+                      <a:headEnd type="none" w="med" len="med"/>
+                      <a:tailEnd type="none" w="med" len="med"/>
+                    </a:lnT>
+                    <a:lnB w="12700" cap="flat" cmpd="sng" algn="ctr">
+                      <a:solidFill>
+                        <a:schemeClr val="tx1"/>
+                      </a:solidFill>
+                      <a:prstDash val="solid"/>
+                      <a:round/>
+                      <a:headEnd type="none" w="med" len="med"/>
+                      <a:tailEnd type="none" w="med" len="med"/>
+                    </a:lnB>
+                  </a:tcPr>
                 </a:tc>
                 <a:tc>
                   <a:txBody>
                     <a:bodyPr/>
                     <a:lstStyle/>
                     <a:p>
-                      <a:pPr algn="just" rtl="0" fontAlgn="t">
+                      <a:pPr marL="0" marR="0" lvl="0" indent="0" algn="ctr" defTabSz="914400" rtl="0" eaLnBrk="1" fontAlgn="t" latinLnBrk="0" hangingPunct="1">
                         <a:lnSpc>
                           <a:spcPct val="107000"/>
                         </a:lnSpc>
@@ -6757,27 +6959,78 @@
                         <a:spcAft>
                           <a:spcPts val="800"/>
                         </a:spcAft>
+                        <a:buClrTx/>
+                        <a:buSzTx/>
+                        <a:buFontTx/>
+                        <a:buNone/>
+                        <a:tabLst/>
+                        <a:defRPr/>
                       </a:pPr>
                       <a:r>
-                        <a:rPr lang="en-US" sz="2600" u="none" strike="noStrike" dirty="0">
+                        <a:rPr lang="en-US" sz="2000" b="1" u="none" strike="noStrike" kern="1200" dirty="0">
+                          <a:solidFill>
+                            <a:schemeClr val="lt1"/>
+                          </a:solidFill>
                           <a:effectLst/>
                         </a:rPr>
-                        <a:t>Accuracy</a:t>
+                        <a:t>Accuracy - cell</a:t>
                       </a:r>
-                      <a:endParaRPr lang="he-IL" sz="2600" b="0" i="0" u="none" strike="noStrike" dirty="0">
+                      <a:endParaRPr lang="he-IL" sz="2000" b="1" u="none" strike="noStrike" kern="1200" dirty="0">
+                        <a:solidFill>
+                          <a:schemeClr val="lt1"/>
+                        </a:solidFill>
                         <a:effectLst/>
-                        <a:latin typeface="Arial" panose="020B0604020202020204" pitchFamily="34" charset="0"/>
+                        <a:latin typeface="+mn-lt"/>
+                        <a:ea typeface="+mn-ea"/>
+                        <a:cs typeface="+mn-cs"/>
                       </a:endParaRPr>
                     </a:p>
                   </a:txBody>
-                  <a:tcPr marL="68580" marR="68580" marT="9525" marB="0"/>
+                  <a:tcPr marL="68580" marR="68580" marT="9525" marB="0" anchor="ctr">
+                    <a:lnL w="12700" cap="flat" cmpd="sng" algn="ctr">
+                      <a:solidFill>
+                        <a:schemeClr val="tx1"/>
+                      </a:solidFill>
+                      <a:prstDash val="solid"/>
+                      <a:round/>
+                      <a:headEnd type="none" w="med" len="med"/>
+                      <a:tailEnd type="none" w="med" len="med"/>
+                    </a:lnL>
+                    <a:lnR w="12700" cap="flat" cmpd="sng" algn="ctr">
+                      <a:solidFill>
+                        <a:schemeClr val="tx1"/>
+                      </a:solidFill>
+                      <a:prstDash val="solid"/>
+                      <a:round/>
+                      <a:headEnd type="none" w="med" len="med"/>
+                      <a:tailEnd type="none" w="med" len="med"/>
+                    </a:lnR>
+                    <a:lnT w="12700" cap="flat" cmpd="sng" algn="ctr">
+                      <a:solidFill>
+                        <a:schemeClr val="tx1"/>
+                      </a:solidFill>
+                      <a:prstDash val="solid"/>
+                      <a:round/>
+                      <a:headEnd type="none" w="med" len="med"/>
+                      <a:tailEnd type="none" w="med" len="med"/>
+                    </a:lnT>
+                    <a:lnB w="12700" cap="flat" cmpd="sng" algn="ctr">
+                      <a:solidFill>
+                        <a:schemeClr val="tx1"/>
+                      </a:solidFill>
+                      <a:prstDash val="solid"/>
+                      <a:round/>
+                      <a:headEnd type="none" w="med" len="med"/>
+                      <a:tailEnd type="none" w="med" len="med"/>
+                    </a:lnB>
+                  </a:tcPr>
                 </a:tc>
-                <a:tc gridSpan="2">
+                <a:tc>
                   <a:txBody>
                     <a:bodyPr/>
                     <a:lstStyle/>
                     <a:p>
-                      <a:pPr algn="just" rtl="0" fontAlgn="t">
+                      <a:pPr marL="0" marR="0" lvl="0" indent="0" algn="ctr" defTabSz="914400" rtl="0" eaLnBrk="1" fontAlgn="t" latinLnBrk="0" hangingPunct="1">
                         <a:lnSpc>
                           <a:spcPct val="107000"/>
                         </a:lnSpc>
@@ -6787,21 +7040,152 @@
                         <a:spcAft>
                           <a:spcPts val="800"/>
                         </a:spcAft>
+                        <a:buClrTx/>
+                        <a:buSzTx/>
+                        <a:buFontTx/>
+                        <a:buNone/>
+                        <a:tabLst/>
+                        <a:defRPr/>
                       </a:pPr>
                       <a:r>
-                        <a:rPr lang="en-US" sz="2600" b="1" i="0" u="none" strike="noStrike" dirty="0">
+                        <a:rPr lang="en-US" sz="2000" b="1" u="none" strike="noStrike" kern="1200" dirty="0">
+                          <a:solidFill>
+                            <a:schemeClr val="lt1"/>
+                          </a:solidFill>
                           <a:effectLst/>
-                          <a:latin typeface="Arial" panose="020B0604020202020204" pitchFamily="34" charset="0"/>
+                        </a:rPr>
+                        <a:t>Accuracy - board</a:t>
+                      </a:r>
+                      <a:endParaRPr lang="he-IL" sz="2000" b="1" u="none" strike="noStrike" kern="1200" dirty="0">
+                        <a:solidFill>
+                          <a:schemeClr val="lt1"/>
+                        </a:solidFill>
+                        <a:effectLst/>
+                        <a:latin typeface="+mn-lt"/>
+                        <a:ea typeface="+mn-ea"/>
+                        <a:cs typeface="+mn-cs"/>
+                      </a:endParaRPr>
+                    </a:p>
+                  </a:txBody>
+                  <a:tcPr marL="68580" marR="68580" marT="9525" marB="0" anchor="ctr">
+                    <a:lnL w="12700" cap="flat" cmpd="sng" algn="ctr">
+                      <a:solidFill>
+                        <a:schemeClr val="tx1"/>
+                      </a:solidFill>
+                      <a:prstDash val="solid"/>
+                      <a:round/>
+                      <a:headEnd type="none" w="med" len="med"/>
+                      <a:tailEnd type="none" w="med" len="med"/>
+                    </a:lnL>
+                    <a:lnR w="12700" cap="flat" cmpd="sng" algn="ctr">
+                      <a:solidFill>
+                        <a:schemeClr val="tx1"/>
+                      </a:solidFill>
+                      <a:prstDash val="solid"/>
+                      <a:round/>
+                      <a:headEnd type="none" w="med" len="med"/>
+                      <a:tailEnd type="none" w="med" len="med"/>
+                    </a:lnR>
+                    <a:lnT w="12700" cap="flat" cmpd="sng" algn="ctr">
+                      <a:solidFill>
+                        <a:schemeClr val="tx1"/>
+                      </a:solidFill>
+                      <a:prstDash val="solid"/>
+                      <a:round/>
+                      <a:headEnd type="none" w="med" len="med"/>
+                      <a:tailEnd type="none" w="med" len="med"/>
+                    </a:lnT>
+                    <a:lnB w="12700" cap="flat" cmpd="sng" algn="ctr">
+                      <a:solidFill>
+                        <a:schemeClr val="tx1"/>
+                      </a:solidFill>
+                      <a:prstDash val="solid"/>
+                      <a:round/>
+                      <a:headEnd type="none" w="med" len="med"/>
+                      <a:tailEnd type="none" w="med" len="med"/>
+                    </a:lnB>
+                  </a:tcPr>
+                </a:tc>
+                <a:tc gridSpan="2">
+                  <a:txBody>
+                    <a:bodyPr/>
+                    <a:lstStyle/>
+                    <a:p>
+                      <a:pPr marL="0" marR="0" lvl="0" indent="0" algn="ctr" defTabSz="914400" rtl="0" eaLnBrk="1" fontAlgn="t" latinLnBrk="0" hangingPunct="1">
+                        <a:lnSpc>
+                          <a:spcPct val="107000"/>
+                        </a:lnSpc>
+                        <a:spcBef>
+                          <a:spcPts val="0"/>
+                        </a:spcBef>
+                        <a:spcAft>
+                          <a:spcPts val="800"/>
+                        </a:spcAft>
+                        <a:buClrTx/>
+                        <a:buSzTx/>
+                        <a:buFontTx/>
+                        <a:buNone/>
+                        <a:tabLst/>
+                        <a:defRPr/>
+                      </a:pPr>
+                      <a:r>
+                        <a:rPr lang="en-US" sz="2000" b="1" u="none" strike="noStrike" kern="1200" dirty="0">
+                          <a:solidFill>
+                            <a:schemeClr val="lt1"/>
+                          </a:solidFill>
+                          <a:effectLst/>
                         </a:rPr>
                         <a:t>Training method</a:t>
                       </a:r>
-                      <a:endParaRPr lang="he-IL" sz="2600" b="1" i="0" u="none" strike="noStrike" dirty="0">
+                      <a:endParaRPr lang="he-IL" sz="2000" b="1" u="none" strike="noStrike" kern="1200" dirty="0">
+                        <a:solidFill>
+                          <a:schemeClr val="lt1"/>
+                        </a:solidFill>
                         <a:effectLst/>
-                        <a:latin typeface="Arial" panose="020B0604020202020204" pitchFamily="34" charset="0"/>
+                        <a:latin typeface="+mn-lt"/>
+                        <a:ea typeface="+mn-ea"/>
+                        <a:cs typeface="+mn-cs"/>
                       </a:endParaRPr>
                     </a:p>
                   </a:txBody>
-                  <a:tcPr marL="68580" marR="68580" marT="9525" marB="0"/>
+                  <a:tcPr marL="68580" marR="68580" marT="9525" marB="0" anchor="ctr">
+                    <a:lnL w="12700" cap="flat" cmpd="sng" algn="ctr">
+                      <a:solidFill>
+                        <a:schemeClr val="tx1"/>
+                      </a:solidFill>
+                      <a:prstDash val="solid"/>
+                      <a:round/>
+                      <a:headEnd type="none" w="med" len="med"/>
+                      <a:tailEnd type="none" w="med" len="med"/>
+                    </a:lnL>
+                    <a:lnR w="12700" cap="flat" cmpd="sng" algn="ctr">
+                      <a:solidFill>
+                        <a:schemeClr val="tx1"/>
+                      </a:solidFill>
+                      <a:prstDash val="solid"/>
+                      <a:round/>
+                      <a:headEnd type="none" w="med" len="med"/>
+                      <a:tailEnd type="none" w="med" len="med"/>
+                    </a:lnR>
+                    <a:lnT w="12700" cap="flat" cmpd="sng" algn="ctr">
+                      <a:solidFill>
+                        <a:schemeClr val="tx1"/>
+                      </a:solidFill>
+                      <a:prstDash val="solid"/>
+                      <a:round/>
+                      <a:headEnd type="none" w="med" len="med"/>
+                      <a:tailEnd type="none" w="med" len="med"/>
+                    </a:lnT>
+                    <a:lnB w="12700" cap="flat" cmpd="sng" algn="ctr">
+                      <a:solidFill>
+                        <a:schemeClr val="tx1"/>
+                      </a:solidFill>
+                      <a:prstDash val="solid"/>
+                      <a:round/>
+                      <a:headEnd type="none" w="med" len="med"/>
+                      <a:tailEnd type="none" w="med" len="med"/>
+                    </a:lnB>
+                  </a:tcPr>
                 </a:tc>
                 <a:tc hMerge="1">
                   <a:txBody>
@@ -6819,7 +7203,7 @@
                     <a:bodyPr/>
                     <a:lstStyle/>
                     <a:p>
-                      <a:pPr algn="just" rtl="0" fontAlgn="t">
+                      <a:pPr algn="ctr" rtl="0" fontAlgn="t">
                         <a:lnSpc>
                           <a:spcPct val="107000"/>
                         </a:lnSpc>
@@ -6831,18 +7215,55 @@
                         </a:spcAft>
                       </a:pPr>
                       <a:r>
-                        <a:rPr lang="en-US" sz="2600" b="1" u="none" strike="noStrike" dirty="0" err="1">
+                        <a:rPr lang="en-US" sz="2000" b="1" u="none" strike="noStrike" dirty="0">
                           <a:effectLst/>
                         </a:rPr>
                         <a:t>Architechture</a:t>
                       </a:r>
-                      <a:endParaRPr lang="he-IL" sz="2600" b="1" i="0" u="none" strike="noStrike" dirty="0">
+                      <a:endParaRPr lang="he-IL" sz="2000" b="1" i="0" u="none" strike="noStrike" dirty="0">
                         <a:effectLst/>
                         <a:latin typeface="Arial" panose="020B0604020202020204" pitchFamily="34" charset="0"/>
                       </a:endParaRPr>
                     </a:p>
                   </a:txBody>
-                  <a:tcPr marL="68580" marR="68580" marT="9525" marB="0"/>
+                  <a:tcPr marL="68580" marR="68580" marT="9525" marB="0" anchor="ctr">
+                    <a:lnL w="12700" cap="flat" cmpd="sng" algn="ctr">
+                      <a:solidFill>
+                        <a:schemeClr val="tx1"/>
+                      </a:solidFill>
+                      <a:prstDash val="solid"/>
+                      <a:round/>
+                      <a:headEnd type="none" w="med" len="med"/>
+                      <a:tailEnd type="none" w="med" len="med"/>
+                    </a:lnL>
+                    <a:lnR w="12700" cap="flat" cmpd="sng" algn="ctr">
+                      <a:solidFill>
+                        <a:schemeClr val="tx1"/>
+                      </a:solidFill>
+                      <a:prstDash val="solid"/>
+                      <a:round/>
+                      <a:headEnd type="none" w="med" len="med"/>
+                      <a:tailEnd type="none" w="med" len="med"/>
+                    </a:lnR>
+                    <a:lnT w="12700" cap="flat" cmpd="sng" algn="ctr">
+                      <a:solidFill>
+                        <a:schemeClr val="tx1"/>
+                      </a:solidFill>
+                      <a:prstDash val="solid"/>
+                      <a:round/>
+                      <a:headEnd type="none" w="med" len="med"/>
+                      <a:tailEnd type="none" w="med" len="med"/>
+                    </a:lnT>
+                    <a:lnB w="12700" cap="flat" cmpd="sng" algn="ctr">
+                      <a:solidFill>
+                        <a:schemeClr val="tx1"/>
+                      </a:solidFill>
+                      <a:prstDash val="solid"/>
+                      <a:round/>
+                      <a:headEnd type="none" w="med" len="med"/>
+                      <a:tailEnd type="none" w="med" len="med"/>
+                    </a:lnB>
+                  </a:tcPr>
                 </a:tc>
                 <a:extLst>
                   <a:ext uri="{0D108BD9-81ED-4DB2-BD59-A6C34878D82A}">
@@ -6850,61 +7271,13 @@
                   </a:ext>
                 </a:extLst>
               </a:tr>
-              <a:tr h="635199">
+              <a:tr h="885466">
                 <a:tc>
                   <a:txBody>
                     <a:bodyPr/>
                     <a:lstStyle/>
                     <a:p>
-                      <a:pPr algn="just" rtl="0" fontAlgn="t">
-                        <a:lnSpc>
-                          <a:spcPct val="107000"/>
-                        </a:lnSpc>
-                        <a:spcBef>
-                          <a:spcPts val="0"/>
-                        </a:spcBef>
-                        <a:spcAft>
-                          <a:spcPts val="800"/>
-                        </a:spcAft>
-                      </a:pPr>
-                      <a:endParaRPr lang="he-IL" sz="2600" b="0" i="0" u="none" strike="noStrike" dirty="0">
-                        <a:effectLst/>
-                        <a:latin typeface="Arial" panose="020B0604020202020204" pitchFamily="34" charset="0"/>
-                      </a:endParaRPr>
-                    </a:p>
-                  </a:txBody>
-                  <a:tcPr marL="68580" marR="68580" marT="9525" marB="0"/>
-                </a:tc>
-                <a:tc>
-                  <a:txBody>
-                    <a:bodyPr/>
-                    <a:lstStyle/>
-                    <a:p>
-                      <a:pPr algn="just" rtl="0" fontAlgn="t">
-                        <a:lnSpc>
-                          <a:spcPct val="107000"/>
-                        </a:lnSpc>
-                        <a:spcBef>
-                          <a:spcPts val="0"/>
-                        </a:spcBef>
-                        <a:spcAft>
-                          <a:spcPts val="800"/>
-                        </a:spcAft>
-                      </a:pPr>
-                      <a:endParaRPr lang="he-IL" sz="2600" b="0" i="0" u="none" strike="noStrike" dirty="0">
-                        <a:effectLst/>
-                        <a:latin typeface="Arial" panose="020B0604020202020204" pitchFamily="34" charset="0"/>
-                      </a:endParaRPr>
-                    </a:p>
-                  </a:txBody>
-                  <a:tcPr marL="68580" marR="68580" marT="9525" marB="0"/>
-                </a:tc>
-                <a:tc>
-                  <a:txBody>
-                    <a:bodyPr/>
-                    <a:lstStyle/>
-                    <a:p>
-                      <a:pPr algn="just" rtl="0" fontAlgn="t">
+                      <a:pPr algn="ctr" rtl="0" fontAlgn="t">
                         <a:lnSpc>
                           <a:spcPct val="107000"/>
                         </a:lnSpc>
@@ -6916,41 +7289,62 @@
                         </a:spcAft>
                       </a:pPr>
                       <a:r>
-                        <a:rPr lang="en-US" sz="2600" u="none" strike="noStrike" dirty="0">
+                        <a:rPr lang="en-US" sz="2000" b="0" u="none" strike="noStrike" dirty="0">
                           <a:effectLst/>
                         </a:rPr>
-                        <a:t>Distributed </a:t>
+                        <a:t>0.06[s]</a:t>
                       </a:r>
-                      <a:r>
-                        <a:rPr lang="en-US" sz="2600" b="0" i="0" dirty="0">
-                          <a:solidFill>
-                            <a:srgbClr val="333333"/>
-                          </a:solidFill>
-                          <a:effectLst/>
-                          <a:latin typeface="Assistant"/>
-                        </a:rPr>
-                        <a:t>deletion</a:t>
-                      </a:r>
-                      <a:r>
-                        <a:rPr lang="en-US" sz="2600" u="none" strike="noStrike" dirty="0">
-                          <a:effectLst/>
-                        </a:rPr>
-                        <a:t> </a:t>
-                      </a:r>
-                      <a:endParaRPr lang="he-IL" sz="2600" b="0" i="0" u="none" strike="noStrike" dirty="0">
+                      <a:endParaRPr lang="he-IL" sz="2000" b="0" i="0" u="none" strike="noStrike" dirty="0">
                         <a:effectLst/>
                         <a:latin typeface="Arial" panose="020B0604020202020204" pitchFamily="34" charset="0"/>
                       </a:endParaRPr>
                     </a:p>
                   </a:txBody>
-                  <a:tcPr marL="68580" marR="68580" marT="9525" marB="0"/>
+                  <a:tcPr marL="68580" marR="68580" marT="9525" marB="0" anchor="ctr">
+                    <a:lnL w="12700" cap="flat" cmpd="sng" algn="ctr">
+                      <a:solidFill>
+                        <a:schemeClr val="tx1"/>
+                      </a:solidFill>
+                      <a:prstDash val="solid"/>
+                      <a:round/>
+                      <a:headEnd type="none" w="med" len="med"/>
+                      <a:tailEnd type="none" w="med" len="med"/>
+                    </a:lnL>
+                    <a:lnR w="12700" cap="flat" cmpd="sng" algn="ctr">
+                      <a:solidFill>
+                        <a:schemeClr val="tx1"/>
+                      </a:solidFill>
+                      <a:prstDash val="solid"/>
+                      <a:round/>
+                      <a:headEnd type="none" w="med" len="med"/>
+                      <a:tailEnd type="none" w="med" len="med"/>
+                    </a:lnR>
+                    <a:lnT w="12700" cap="flat" cmpd="sng" algn="ctr">
+                      <a:solidFill>
+                        <a:schemeClr val="tx1"/>
+                      </a:solidFill>
+                      <a:prstDash val="solid"/>
+                      <a:round/>
+                      <a:headEnd type="none" w="med" len="med"/>
+                      <a:tailEnd type="none" w="med" len="med"/>
+                    </a:lnT>
+                    <a:lnB w="12700" cap="flat" cmpd="sng" algn="ctr">
+                      <a:solidFill>
+                        <a:schemeClr val="tx1"/>
+                      </a:solidFill>
+                      <a:prstDash val="solid"/>
+                      <a:round/>
+                      <a:headEnd type="none" w="med" len="med"/>
+                      <a:tailEnd type="none" w="med" len="med"/>
+                    </a:lnB>
+                  </a:tcPr>
                 </a:tc>
                 <a:tc>
                   <a:txBody>
                     <a:bodyPr/>
                     <a:lstStyle/>
                     <a:p>
-                      <a:pPr algn="just" rtl="0" fontAlgn="t">
+                      <a:pPr algn="ctr" rtl="0" fontAlgn="t">
                         <a:lnSpc>
                           <a:spcPct val="107000"/>
                         </a:lnSpc>
@@ -6962,25 +7356,141 @@
                         </a:spcAft>
                       </a:pPr>
                       <a:r>
-                        <a:rPr lang="en-US" sz="2600" u="none" strike="noStrike" dirty="0">
+                        <a:rPr lang="he-IL" sz="1800" kern="1200" dirty="0">
+                          <a:solidFill>
+                            <a:schemeClr val="dk1"/>
+                          </a:solidFill>
                           <a:effectLst/>
                         </a:rPr>
-                        <a:t>Proper</a:t>
+                        <a:t>99.9% </a:t>
                       </a:r>
-                      <a:endParaRPr lang="he-IL" sz="2600" b="0" i="0" u="none" strike="noStrike" dirty="0">
+                      <a:endParaRPr lang="he-IL" sz="2000" b="0" i="0" u="none" strike="noStrike" dirty="0">
                         <a:effectLst/>
                         <a:latin typeface="Arial" panose="020B0604020202020204" pitchFamily="34" charset="0"/>
                       </a:endParaRPr>
                     </a:p>
                   </a:txBody>
-                  <a:tcPr marL="68580" marR="68580" marT="9525" marB="0"/>
+                  <a:tcPr marL="68580" marR="68580" marT="9525" marB="0" anchor="ctr">
+                    <a:lnL w="12700" cap="flat" cmpd="sng" algn="ctr">
+                      <a:solidFill>
+                        <a:schemeClr val="tx1"/>
+                      </a:solidFill>
+                      <a:prstDash val="solid"/>
+                      <a:round/>
+                      <a:headEnd type="none" w="med" len="med"/>
+                      <a:tailEnd type="none" w="med" len="med"/>
+                    </a:lnL>
+                    <a:lnR w="12700" cap="flat" cmpd="sng" algn="ctr">
+                      <a:solidFill>
+                        <a:schemeClr val="tx1"/>
+                      </a:solidFill>
+                      <a:prstDash val="solid"/>
+                      <a:round/>
+                      <a:headEnd type="none" w="med" len="med"/>
+                      <a:tailEnd type="none" w="med" len="med"/>
+                    </a:lnR>
+                    <a:lnT w="12700" cap="flat" cmpd="sng" algn="ctr">
+                      <a:solidFill>
+                        <a:schemeClr val="tx1"/>
+                      </a:solidFill>
+                      <a:prstDash val="solid"/>
+                      <a:round/>
+                      <a:headEnd type="none" w="med" len="med"/>
+                      <a:tailEnd type="none" w="med" len="med"/>
+                    </a:lnT>
+                    <a:lnB w="12700" cap="flat" cmpd="sng" algn="ctr">
+                      <a:solidFill>
+                        <a:schemeClr val="tx1"/>
+                      </a:solidFill>
+                      <a:prstDash val="solid"/>
+                      <a:round/>
+                      <a:headEnd type="none" w="med" len="med"/>
+                      <a:tailEnd type="none" w="med" len="med"/>
+                    </a:lnB>
+                  </a:tcPr>
                 </a:tc>
                 <a:tc>
                   <a:txBody>
                     <a:bodyPr/>
                     <a:lstStyle/>
                     <a:p>
-                      <a:pPr algn="just" rtl="0" fontAlgn="t">
+                      <a:pPr marL="0" marR="0" lvl="0" indent="0" algn="ctr" defTabSz="914400" rtl="0" eaLnBrk="1" fontAlgn="t" latinLnBrk="0" hangingPunct="1">
+                        <a:lnSpc>
+                          <a:spcPct val="107000"/>
+                        </a:lnSpc>
+                        <a:spcBef>
+                          <a:spcPts val="0"/>
+                        </a:spcBef>
+                        <a:spcAft>
+                          <a:spcPts val="800"/>
+                        </a:spcAft>
+                        <a:buClrTx/>
+                        <a:buSzTx/>
+                        <a:buFontTx/>
+                        <a:buNone/>
+                        <a:tabLst/>
+                        <a:defRPr/>
+                      </a:pPr>
+                      <a:r>
+                        <a:rPr lang="he-IL" sz="1800" kern="1200" dirty="0">
+                          <a:solidFill>
+                            <a:schemeClr val="dk1"/>
+                          </a:solidFill>
+                          <a:effectLst/>
+                        </a:rPr>
+                        <a:t>99.6% </a:t>
+                      </a:r>
+                      <a:endParaRPr lang="he-IL" sz="2000" b="0" i="0" u="none" strike="noStrike" dirty="0">
+                        <a:effectLst/>
+                        <a:latin typeface="Arial" panose="020B0604020202020204" pitchFamily="34" charset="0"/>
+                      </a:endParaRPr>
+                    </a:p>
+                  </a:txBody>
+                  <a:tcPr marL="68580" marR="68580" marT="9525" marB="0" anchor="ctr">
+                    <a:lnL w="12700" cap="flat" cmpd="sng" algn="ctr">
+                      <a:solidFill>
+                        <a:schemeClr val="tx1"/>
+                      </a:solidFill>
+                      <a:prstDash val="solid"/>
+                      <a:round/>
+                      <a:headEnd type="none" w="med" len="med"/>
+                      <a:tailEnd type="none" w="med" len="med"/>
+                    </a:lnL>
+                    <a:lnR w="12700" cap="flat" cmpd="sng" algn="ctr">
+                      <a:solidFill>
+                        <a:schemeClr val="tx1"/>
+                      </a:solidFill>
+                      <a:prstDash val="solid"/>
+                      <a:round/>
+                      <a:headEnd type="none" w="med" len="med"/>
+                      <a:tailEnd type="none" w="med" len="med"/>
+                    </a:lnR>
+                    <a:lnT w="12700" cap="flat" cmpd="sng" algn="ctr">
+                      <a:solidFill>
+                        <a:schemeClr val="tx1"/>
+                      </a:solidFill>
+                      <a:prstDash val="solid"/>
+                      <a:round/>
+                      <a:headEnd type="none" w="med" len="med"/>
+                      <a:tailEnd type="none" w="med" len="med"/>
+                    </a:lnT>
+                    <a:lnB w="12700" cap="flat" cmpd="sng" algn="ctr">
+                      <a:solidFill>
+                        <a:schemeClr val="tx1"/>
+                      </a:solidFill>
+                      <a:prstDash val="solid"/>
+                      <a:round/>
+                      <a:headEnd type="none" w="med" len="med"/>
+                      <a:tailEnd type="none" w="med" len="med"/>
+                    </a:lnB>
+                  </a:tcPr>
+                </a:tc>
+                <a:tc>
+                  <a:txBody>
+                    <a:bodyPr/>
+                    <a:lstStyle/>
+                    <a:p>
+                      <a:pPr algn="ctr" rtl="0" fontAlgn="t">
                         <a:lnSpc>
                           <a:spcPct val="107000"/>
                         </a:lnSpc>
@@ -6992,80 +7502,77 @@
                         </a:spcAft>
                       </a:pPr>
                       <a:r>
-                        <a:rPr lang="en-US" sz="2600" u="none" strike="noStrike" dirty="0">
+                        <a:rPr lang="en-US" sz="2000" u="none" strike="noStrike" dirty="0">
                           <a:effectLst/>
                         </a:rPr>
-                        <a:t>FC</a:t>
+                        <a:t>Distributed </a:t>
                       </a:r>
-                      <a:endParaRPr lang="en-US" sz="2600" b="0" i="0" u="none" strike="noStrike" dirty="0">
+                      <a:r>
+                        <a:rPr lang="en-US" sz="2000" b="0" dirty="0">
+                          <a:solidFill>
+                            <a:srgbClr val="333333"/>
+                          </a:solidFill>
+                          <a:effectLst/>
+                        </a:rPr>
+                        <a:t>deletion</a:t>
+                      </a:r>
+                      <a:r>
+                        <a:rPr lang="en-US" sz="2000" u="none" strike="noStrike" dirty="0">
+                          <a:effectLst/>
+                        </a:rPr>
+                        <a:t> </a:t>
+                      </a:r>
+                      <a:endParaRPr lang="he-IL" sz="2000" b="0" i="0" u="none" strike="noStrike" dirty="0">
                         <a:effectLst/>
                         <a:latin typeface="Arial" panose="020B0604020202020204" pitchFamily="34" charset="0"/>
                       </a:endParaRPr>
                     </a:p>
                   </a:txBody>
-                  <a:tcPr marL="68580" marR="68580" marT="9525" marB="0"/>
-                </a:tc>
-                <a:extLst>
-                  <a:ext uri="{0D108BD9-81ED-4DB2-BD59-A6C34878D82A}">
-                    <a16:rowId xmlns:a16="http://schemas.microsoft.com/office/drawing/2014/main" val="1095866486"/>
-                  </a:ext>
-                </a:extLst>
-              </a:tr>
-              <a:tr h="635199">
-                <a:tc>
-                  <a:txBody>
-                    <a:bodyPr/>
-                    <a:lstStyle/>
-                    <a:p>
-                      <a:pPr algn="just" rtl="0" fontAlgn="t">
-                        <a:lnSpc>
-                          <a:spcPct val="107000"/>
-                        </a:lnSpc>
-                        <a:spcBef>
-                          <a:spcPts val="0"/>
-                        </a:spcBef>
-                        <a:spcAft>
-                          <a:spcPts val="800"/>
-                        </a:spcAft>
-                      </a:pPr>
-                      <a:endParaRPr lang="he-IL" sz="2600" b="0" i="0" u="none" strike="noStrike" dirty="0">
-                        <a:effectLst/>
-                        <a:latin typeface="Arial" panose="020B0604020202020204" pitchFamily="34" charset="0"/>
-                      </a:endParaRPr>
-                    </a:p>
-                  </a:txBody>
-                  <a:tcPr marL="68580" marR="68580" marT="9525" marB="0"/>
+                  <a:tcPr marL="68580" marR="68580" marT="9525" marB="0" anchor="ctr">
+                    <a:lnL w="12700" cap="flat" cmpd="sng" algn="ctr">
+                      <a:solidFill>
+                        <a:schemeClr val="tx1"/>
+                      </a:solidFill>
+                      <a:prstDash val="solid"/>
+                      <a:round/>
+                      <a:headEnd type="none" w="med" len="med"/>
+                      <a:tailEnd type="none" w="med" len="med"/>
+                    </a:lnL>
+                    <a:lnR w="12700" cap="flat" cmpd="sng" algn="ctr">
+                      <a:solidFill>
+                        <a:schemeClr val="tx1"/>
+                      </a:solidFill>
+                      <a:prstDash val="solid"/>
+                      <a:round/>
+                      <a:headEnd type="none" w="med" len="med"/>
+                      <a:tailEnd type="none" w="med" len="med"/>
+                    </a:lnR>
+                    <a:lnT w="12700" cap="flat" cmpd="sng" algn="ctr">
+                      <a:solidFill>
+                        <a:schemeClr val="tx1"/>
+                      </a:solidFill>
+                      <a:prstDash val="solid"/>
+                      <a:round/>
+                      <a:headEnd type="none" w="med" len="med"/>
+                      <a:tailEnd type="none" w="med" len="med"/>
+                    </a:lnT>
+                    <a:lnB w="12700" cap="flat" cmpd="sng" algn="ctr">
+                      <a:solidFill>
+                        <a:schemeClr val="tx1"/>
+                      </a:solidFill>
+                      <a:prstDash val="solid"/>
+                      <a:round/>
+                      <a:headEnd type="none" w="med" len="med"/>
+                      <a:tailEnd type="none" w="med" len="med"/>
+                    </a:lnB>
+                  </a:tcPr>
                 </a:tc>
                 <a:tc>
                   <a:txBody>
                     <a:bodyPr/>
                     <a:lstStyle/>
                     <a:p>
-                      <a:pPr algn="just" rtl="0" fontAlgn="t">
-                        <a:lnSpc>
-                          <a:spcPct val="107000"/>
-                        </a:lnSpc>
-                        <a:spcBef>
-                          <a:spcPts val="0"/>
-                        </a:spcBef>
-                        <a:spcAft>
-                          <a:spcPts val="800"/>
-                        </a:spcAft>
-                      </a:pPr>
-                      <a:endParaRPr lang="he-IL" sz="2600" b="0" i="0" u="none" strike="noStrike" dirty="0">
-                        <a:effectLst/>
-                        <a:latin typeface="Arial" panose="020B0604020202020204" pitchFamily="34" charset="0"/>
-                      </a:endParaRPr>
-                    </a:p>
-                  </a:txBody>
-                  <a:tcPr marL="68580" marR="68580" marT="9525" marB="0"/>
-                </a:tc>
-                <a:tc>
-                  <a:txBody>
-                    <a:bodyPr/>
-                    <a:lstStyle/>
-                    <a:p>
-                      <a:pPr algn="just" rtl="0" fontAlgn="t">
+                      <a:pPr algn="ctr" rtl="0" fontAlgn="t">
                         <a:lnSpc>
                           <a:spcPct val="107000"/>
                         </a:lnSpc>
@@ -7077,41 +7584,62 @@
                         </a:spcAft>
                       </a:pPr>
                       <a:r>
-                        <a:rPr lang="en-US" sz="2600" u="none" strike="noStrike" dirty="0">
+                        <a:rPr lang="en-US" sz="2000" u="none" strike="noStrike" dirty="0">
                           <a:effectLst/>
                         </a:rPr>
-                        <a:t>Undistributed </a:t>
+                        <a:t>Proper</a:t>
                       </a:r>
-                      <a:r>
-                        <a:rPr lang="en-US" sz="2600" b="0" i="0" dirty="0">
-                          <a:solidFill>
-                            <a:srgbClr val="333333"/>
-                          </a:solidFill>
-                          <a:effectLst/>
-                          <a:latin typeface="Assistant"/>
-                        </a:rPr>
-                        <a:t>deletion</a:t>
-                      </a:r>
-                      <a:r>
-                        <a:rPr lang="en-US" sz="2600" u="none" strike="noStrike" dirty="0">
-                          <a:effectLst/>
-                        </a:rPr>
-                        <a:t> </a:t>
-                      </a:r>
-                      <a:endParaRPr lang="he-IL" sz="2600" b="0" i="0" u="none" strike="noStrike" dirty="0">
+                      <a:endParaRPr lang="he-IL" sz="2000" b="0" i="0" u="none" strike="noStrike" dirty="0">
                         <a:effectLst/>
                         <a:latin typeface="Arial" panose="020B0604020202020204" pitchFamily="34" charset="0"/>
                       </a:endParaRPr>
                     </a:p>
                   </a:txBody>
-                  <a:tcPr marL="68580" marR="68580" marT="9525" marB="0"/>
+                  <a:tcPr marL="68580" marR="68580" marT="9525" marB="0" anchor="ctr">
+                    <a:lnL w="12700" cap="flat" cmpd="sng" algn="ctr">
+                      <a:solidFill>
+                        <a:schemeClr val="tx1"/>
+                      </a:solidFill>
+                      <a:prstDash val="solid"/>
+                      <a:round/>
+                      <a:headEnd type="none" w="med" len="med"/>
+                      <a:tailEnd type="none" w="med" len="med"/>
+                    </a:lnL>
+                    <a:lnR w="12700" cap="flat" cmpd="sng" algn="ctr">
+                      <a:solidFill>
+                        <a:schemeClr val="tx1"/>
+                      </a:solidFill>
+                      <a:prstDash val="solid"/>
+                      <a:round/>
+                      <a:headEnd type="none" w="med" len="med"/>
+                      <a:tailEnd type="none" w="med" len="med"/>
+                    </a:lnR>
+                    <a:lnT w="12700" cap="flat" cmpd="sng" algn="ctr">
+                      <a:solidFill>
+                        <a:schemeClr val="tx1"/>
+                      </a:solidFill>
+                      <a:prstDash val="solid"/>
+                      <a:round/>
+                      <a:headEnd type="none" w="med" len="med"/>
+                      <a:tailEnd type="none" w="med" len="med"/>
+                    </a:lnT>
+                    <a:lnB w="12700" cap="flat" cmpd="sng" algn="ctr">
+                      <a:solidFill>
+                        <a:schemeClr val="tx1"/>
+                      </a:solidFill>
+                      <a:prstDash val="solid"/>
+                      <a:round/>
+                      <a:headEnd type="none" w="med" len="med"/>
+                      <a:tailEnd type="none" w="med" len="med"/>
+                    </a:lnB>
+                  </a:tcPr>
                 </a:tc>
                 <a:tc>
                   <a:txBody>
                     <a:bodyPr/>
                     <a:lstStyle/>
                     <a:p>
-                      <a:pPr algn="just" rtl="0" fontAlgn="t">
+                      <a:pPr algn="ctr" rtl="0" fontAlgn="t">
                         <a:lnSpc>
                           <a:spcPct val="107000"/>
                         </a:lnSpc>
@@ -7123,31 +7651,69 @@
                         </a:spcAft>
                       </a:pPr>
                       <a:r>
-                        <a:rPr lang="en-US" sz="2600" u="none" strike="noStrike" dirty="0">
+                        <a:rPr lang="en-US" sz="2000" u="none" strike="noStrike" dirty="0">
                           <a:effectLst/>
                         </a:rPr>
-                        <a:t>Proper</a:t>
+                        <a:t>FC</a:t>
                       </a:r>
-                      <a:r>
-                        <a:rPr lang="he-IL" sz="2600" u="none" strike="noStrike" dirty="0">
-                          <a:effectLst/>
-                        </a:rPr>
-                        <a:t> </a:t>
-                      </a:r>
-                      <a:endParaRPr lang="he-IL" sz="2600" b="0" i="0" u="none" strike="noStrike" dirty="0">
+                      <a:endParaRPr lang="en-US" sz="2000" b="0" i="0" u="none" strike="noStrike" dirty="0">
                         <a:effectLst/>
                         <a:latin typeface="Arial" panose="020B0604020202020204" pitchFamily="34" charset="0"/>
                       </a:endParaRPr>
                     </a:p>
                   </a:txBody>
-                  <a:tcPr marL="68580" marR="68580" marT="9525" marB="0"/>
+                  <a:tcPr marL="68580" marR="68580" marT="9525" marB="0" anchor="ctr">
+                    <a:lnL w="12700" cap="flat" cmpd="sng" algn="ctr">
+                      <a:solidFill>
+                        <a:schemeClr val="tx1"/>
+                      </a:solidFill>
+                      <a:prstDash val="solid"/>
+                      <a:round/>
+                      <a:headEnd type="none" w="med" len="med"/>
+                      <a:tailEnd type="none" w="med" len="med"/>
+                    </a:lnL>
+                    <a:lnR w="12700" cap="flat" cmpd="sng" algn="ctr">
+                      <a:solidFill>
+                        <a:schemeClr val="tx1"/>
+                      </a:solidFill>
+                      <a:prstDash val="solid"/>
+                      <a:round/>
+                      <a:headEnd type="none" w="med" len="med"/>
+                      <a:tailEnd type="none" w="med" len="med"/>
+                    </a:lnR>
+                    <a:lnT w="12700" cap="flat" cmpd="sng" algn="ctr">
+                      <a:solidFill>
+                        <a:schemeClr val="tx1"/>
+                      </a:solidFill>
+                      <a:prstDash val="solid"/>
+                      <a:round/>
+                      <a:headEnd type="none" w="med" len="med"/>
+                      <a:tailEnd type="none" w="med" len="med"/>
+                    </a:lnT>
+                    <a:lnB w="12700" cap="flat" cmpd="sng" algn="ctr">
+                      <a:solidFill>
+                        <a:schemeClr val="tx1"/>
+                      </a:solidFill>
+                      <a:prstDash val="solid"/>
+                      <a:round/>
+                      <a:headEnd type="none" w="med" len="med"/>
+                      <a:tailEnd type="none" w="med" len="med"/>
+                    </a:lnB>
+                  </a:tcPr>
                 </a:tc>
+                <a:extLst>
+                  <a:ext uri="{0D108BD9-81ED-4DB2-BD59-A6C34878D82A}">
+                    <a16:rowId xmlns:a16="http://schemas.microsoft.com/office/drawing/2014/main" val="1095866486"/>
+                  </a:ext>
+                </a:extLst>
+              </a:tr>
+              <a:tr h="885466">
                 <a:tc>
                   <a:txBody>
                     <a:bodyPr/>
                     <a:lstStyle/>
                     <a:p>
-                      <a:pPr algn="just" rtl="0" fontAlgn="t">
+                      <a:pPr algn="ctr" rtl="0" fontAlgn="t">
                         <a:lnSpc>
                           <a:spcPct val="107000"/>
                         </a:lnSpc>
@@ -7159,80 +7725,62 @@
                         </a:spcAft>
                       </a:pPr>
                       <a:r>
-                        <a:rPr lang="en-US" sz="2600" u="none" strike="noStrike" dirty="0">
+                        <a:rPr lang="en-US" sz="2000" b="0" u="none" strike="noStrike" dirty="0">
                           <a:effectLst/>
                         </a:rPr>
-                        <a:t>FC</a:t>
+                        <a:t>0.06[s]</a:t>
                       </a:r>
-                      <a:endParaRPr lang="en-US" sz="2600" b="0" i="0" u="none" strike="noStrike" dirty="0">
+                      <a:endParaRPr lang="he-IL" sz="2000" b="0" i="0" u="none" strike="noStrike" dirty="0">
                         <a:effectLst/>
                         <a:latin typeface="Arial" panose="020B0604020202020204" pitchFamily="34" charset="0"/>
                       </a:endParaRPr>
                     </a:p>
                   </a:txBody>
-                  <a:tcPr marL="68580" marR="68580" marT="9525" marB="0"/>
-                </a:tc>
-                <a:extLst>
-                  <a:ext uri="{0D108BD9-81ED-4DB2-BD59-A6C34878D82A}">
-                    <a16:rowId xmlns:a16="http://schemas.microsoft.com/office/drawing/2014/main" val="2510404107"/>
-                  </a:ext>
-                </a:extLst>
-              </a:tr>
-              <a:tr h="635199">
-                <a:tc>
-                  <a:txBody>
-                    <a:bodyPr/>
-                    <a:lstStyle/>
-                    <a:p>
-                      <a:pPr algn="just" rtl="0" fontAlgn="t">
-                        <a:lnSpc>
-                          <a:spcPct val="107000"/>
-                        </a:lnSpc>
-                        <a:spcBef>
-                          <a:spcPts val="0"/>
-                        </a:spcBef>
-                        <a:spcAft>
-                          <a:spcPts val="800"/>
-                        </a:spcAft>
-                      </a:pPr>
-                      <a:endParaRPr lang="he-IL" sz="2600" b="0" i="0" u="none" strike="noStrike" dirty="0">
-                        <a:effectLst/>
-                        <a:latin typeface="Arial" panose="020B0604020202020204" pitchFamily="34" charset="0"/>
-                      </a:endParaRPr>
-                    </a:p>
-                  </a:txBody>
-                  <a:tcPr marL="68580" marR="68580" marT="9525" marB="0"/>
+                  <a:tcPr marL="68580" marR="68580" marT="9525" marB="0" anchor="ctr">
+                    <a:lnL w="12700" cap="flat" cmpd="sng" algn="ctr">
+                      <a:solidFill>
+                        <a:schemeClr val="tx1"/>
+                      </a:solidFill>
+                      <a:prstDash val="solid"/>
+                      <a:round/>
+                      <a:headEnd type="none" w="med" len="med"/>
+                      <a:tailEnd type="none" w="med" len="med"/>
+                    </a:lnL>
+                    <a:lnR w="12700" cap="flat" cmpd="sng" algn="ctr">
+                      <a:solidFill>
+                        <a:schemeClr val="tx1"/>
+                      </a:solidFill>
+                      <a:prstDash val="solid"/>
+                      <a:round/>
+                      <a:headEnd type="none" w="med" len="med"/>
+                      <a:tailEnd type="none" w="med" len="med"/>
+                    </a:lnR>
+                    <a:lnT w="12700" cap="flat" cmpd="sng" algn="ctr">
+                      <a:solidFill>
+                        <a:schemeClr val="tx1"/>
+                      </a:solidFill>
+                      <a:prstDash val="solid"/>
+                      <a:round/>
+                      <a:headEnd type="none" w="med" len="med"/>
+                      <a:tailEnd type="none" w="med" len="med"/>
+                    </a:lnT>
+                    <a:lnB w="12700" cap="flat" cmpd="sng" algn="ctr">
+                      <a:solidFill>
+                        <a:schemeClr val="tx1"/>
+                      </a:solidFill>
+                      <a:prstDash val="solid"/>
+                      <a:round/>
+                      <a:headEnd type="none" w="med" len="med"/>
+                      <a:tailEnd type="none" w="med" len="med"/>
+                    </a:lnB>
+                  </a:tcPr>
                 </a:tc>
                 <a:tc>
                   <a:txBody>
                     <a:bodyPr/>
                     <a:lstStyle/>
                     <a:p>
-                      <a:pPr algn="just" rtl="0" fontAlgn="t">
-                        <a:lnSpc>
-                          <a:spcPct val="107000"/>
-                        </a:lnSpc>
-                        <a:spcBef>
-                          <a:spcPts val="0"/>
-                        </a:spcBef>
-                        <a:spcAft>
-                          <a:spcPts val="800"/>
-                        </a:spcAft>
-                      </a:pPr>
-                      <a:endParaRPr lang="he-IL" sz="2600" b="0" i="0" u="none" strike="noStrike" dirty="0">
-                        <a:effectLst/>
-                        <a:latin typeface="Arial" panose="020B0604020202020204" pitchFamily="34" charset="0"/>
-                      </a:endParaRPr>
-                    </a:p>
-                  </a:txBody>
-                  <a:tcPr marL="68580" marR="68580" marT="9525" marB="0"/>
-                </a:tc>
-                <a:tc>
-                  <a:txBody>
-                    <a:bodyPr/>
-                    <a:lstStyle/>
-                    <a:p>
-                      <a:pPr algn="just" rtl="0" fontAlgn="t">
+                      <a:pPr algn="ctr" rtl="0" fontAlgn="t">
                         <a:lnSpc>
                           <a:spcPct val="107000"/>
                         </a:lnSpc>
@@ -7244,41 +7792,65 @@
                         </a:spcAft>
                       </a:pPr>
                       <a:r>
-                        <a:rPr lang="en-US" sz="2600" u="none" strike="noStrike" dirty="0">
+                        <a:rPr lang="he-IL" sz="1800" kern="1200" dirty="0">
+                          <a:solidFill>
+                            <a:schemeClr val="dk1"/>
+                          </a:solidFill>
                           <a:effectLst/>
                         </a:rPr>
-                        <a:t>Distributed </a:t>
+                        <a:t>98.9%</a:t>
                       </a:r>
-                      <a:r>
-                        <a:rPr lang="en-US" sz="2600" b="0" i="0" dirty="0">
-                          <a:solidFill>
-                            <a:srgbClr val="333333"/>
-                          </a:solidFill>
-                          <a:effectLst/>
-                          <a:latin typeface="Assistant"/>
-                        </a:rPr>
-                        <a:t>deletion</a:t>
-                      </a:r>
-                      <a:r>
-                        <a:rPr lang="en-US" sz="2600" u="none" strike="noStrike" dirty="0">
-                          <a:effectLst/>
-                        </a:rPr>
-                        <a:t> </a:t>
-                      </a:r>
-                      <a:endParaRPr lang="he-IL" sz="2600" b="0" i="0" u="none" strike="noStrike" dirty="0">
+                      <a:endParaRPr lang="he-IL" sz="2000" b="0" i="0" u="none" strike="noStrike" dirty="0">
                         <a:effectLst/>
                         <a:latin typeface="Arial" panose="020B0604020202020204" pitchFamily="34" charset="0"/>
                       </a:endParaRPr>
                     </a:p>
                   </a:txBody>
-                  <a:tcPr marL="68580" marR="68580" marT="9525" marB="0"/>
+                  <a:tcPr marL="68580" marR="68580" marT="9525" marB="0" anchor="ctr">
+                    <a:lnL w="12700" cap="flat" cmpd="sng" algn="ctr">
+                      <a:solidFill>
+                        <a:schemeClr val="tx1"/>
+                      </a:solidFill>
+                      <a:prstDash val="solid"/>
+                      <a:round/>
+                      <a:headEnd type="none" w="med" len="med"/>
+                      <a:tailEnd type="none" w="med" len="med"/>
+                    </a:lnL>
+                    <a:lnR w="12700" cap="flat" cmpd="sng" algn="ctr">
+                      <a:solidFill>
+                        <a:schemeClr val="tx1"/>
+                      </a:solidFill>
+                      <a:prstDash val="solid"/>
+                      <a:round/>
+                      <a:headEnd type="none" w="med" len="med"/>
+                      <a:tailEnd type="none" w="med" len="med"/>
+                    </a:lnR>
+                    <a:lnT w="12700" cap="flat" cmpd="sng" algn="ctr">
+                      <a:solidFill>
+                        <a:schemeClr val="tx1"/>
+                      </a:solidFill>
+                      <a:prstDash val="solid"/>
+                      <a:round/>
+                      <a:headEnd type="none" w="med" len="med"/>
+                      <a:tailEnd type="none" w="med" len="med"/>
+                    </a:lnT>
+                    <a:lnB w="12700" cap="flat" cmpd="sng" algn="ctr">
+                      <a:solidFill>
+                        <a:schemeClr val="tx1"/>
+                      </a:solidFill>
+                      <a:prstDash val="solid"/>
+                      <a:round/>
+                      <a:headEnd type="none" w="med" len="med"/>
+                      <a:tailEnd type="none" w="med" len="med"/>
+                    </a:lnB>
+                  </a:tcPr>
                 </a:tc>
                 <a:tc>
                   <a:txBody>
                     <a:bodyPr/>
                     <a:lstStyle/>
                     <a:p>
-                      <a:pPr algn="just" rtl="0" fontAlgn="t">
+                      <a:pPr algn="ctr" rtl="0" fontAlgn="t">
                         <a:lnSpc>
                           <a:spcPct val="107000"/>
                         </a:lnSpc>
@@ -7290,25 +7862,65 @@
                         </a:spcAft>
                       </a:pPr>
                       <a:r>
-                        <a:rPr lang="en-US" sz="2600" u="none" strike="noStrike" dirty="0">
+                        <a:rPr lang="he-IL" sz="1800" kern="1200" dirty="0">
+                          <a:solidFill>
+                            <a:schemeClr val="dk1"/>
+                          </a:solidFill>
                           <a:effectLst/>
                         </a:rPr>
-                        <a:t>Unproper</a:t>
+                        <a:t>91%</a:t>
                       </a:r>
-                      <a:endParaRPr lang="he-IL" sz="2600" b="0" i="0" u="none" strike="noStrike" dirty="0">
+                      <a:endParaRPr lang="he-IL" sz="2000" b="0" i="0" u="none" strike="noStrike" dirty="0">
                         <a:effectLst/>
                         <a:latin typeface="Arial" panose="020B0604020202020204" pitchFamily="34" charset="0"/>
                       </a:endParaRPr>
                     </a:p>
                   </a:txBody>
-                  <a:tcPr marL="68580" marR="68580" marT="9525" marB="0"/>
+                  <a:tcPr marL="68580" marR="68580" marT="9525" marB="0" anchor="ctr">
+                    <a:lnL w="12700" cap="flat" cmpd="sng" algn="ctr">
+                      <a:solidFill>
+                        <a:schemeClr val="tx1"/>
+                      </a:solidFill>
+                      <a:prstDash val="solid"/>
+                      <a:round/>
+                      <a:headEnd type="none" w="med" len="med"/>
+                      <a:tailEnd type="none" w="med" len="med"/>
+                    </a:lnL>
+                    <a:lnR w="12700" cap="flat" cmpd="sng" algn="ctr">
+                      <a:solidFill>
+                        <a:schemeClr val="tx1"/>
+                      </a:solidFill>
+                      <a:prstDash val="solid"/>
+                      <a:round/>
+                      <a:headEnd type="none" w="med" len="med"/>
+                      <a:tailEnd type="none" w="med" len="med"/>
+                    </a:lnR>
+                    <a:lnT w="12700" cap="flat" cmpd="sng" algn="ctr">
+                      <a:solidFill>
+                        <a:schemeClr val="tx1"/>
+                      </a:solidFill>
+                      <a:prstDash val="solid"/>
+                      <a:round/>
+                      <a:headEnd type="none" w="med" len="med"/>
+                      <a:tailEnd type="none" w="med" len="med"/>
+                    </a:lnT>
+                    <a:lnB w="12700" cap="flat" cmpd="sng" algn="ctr">
+                      <a:solidFill>
+                        <a:schemeClr val="tx1"/>
+                      </a:solidFill>
+                      <a:prstDash val="solid"/>
+                      <a:round/>
+                      <a:headEnd type="none" w="med" len="med"/>
+                      <a:tailEnd type="none" w="med" len="med"/>
+                    </a:lnB>
+                  </a:tcPr>
                 </a:tc>
                 <a:tc>
                   <a:txBody>
                     <a:bodyPr/>
                     <a:lstStyle/>
                     <a:p>
-                      <a:pPr algn="just" rtl="0" fontAlgn="t">
+                      <a:pPr algn="ctr" rtl="0" fontAlgn="t">
                         <a:lnSpc>
                           <a:spcPct val="107000"/>
                         </a:lnSpc>
@@ -7320,80 +7932,77 @@
                         </a:spcAft>
                       </a:pPr>
                       <a:r>
-                        <a:rPr lang="en-US" sz="2600" u="none" strike="noStrike" dirty="0">
+                        <a:rPr lang="en-US" sz="2000" u="none" strike="noStrike" dirty="0">
                           <a:effectLst/>
                         </a:rPr>
-                        <a:t>FC</a:t>
+                        <a:t>Undistributed </a:t>
                       </a:r>
-                      <a:endParaRPr lang="en-US" sz="2600" b="0" i="0" u="none" strike="noStrike" dirty="0">
+                      <a:r>
+                        <a:rPr lang="en-US" sz="2000" b="0" dirty="0">
+                          <a:solidFill>
+                            <a:srgbClr val="333333"/>
+                          </a:solidFill>
+                          <a:effectLst/>
+                        </a:rPr>
+                        <a:t>deletion</a:t>
+                      </a:r>
+                      <a:r>
+                        <a:rPr lang="en-US" sz="2000" u="none" strike="noStrike" dirty="0">
+                          <a:effectLst/>
+                        </a:rPr>
+                        <a:t> </a:t>
+                      </a:r>
+                      <a:endParaRPr lang="he-IL" sz="2000" b="0" i="0" u="none" strike="noStrike" dirty="0">
                         <a:effectLst/>
                         <a:latin typeface="Arial" panose="020B0604020202020204" pitchFamily="34" charset="0"/>
                       </a:endParaRPr>
                     </a:p>
                   </a:txBody>
-                  <a:tcPr marL="68580" marR="68580" marT="9525" marB="0"/>
-                </a:tc>
-                <a:extLst>
-                  <a:ext uri="{0D108BD9-81ED-4DB2-BD59-A6C34878D82A}">
-                    <a16:rowId xmlns:a16="http://schemas.microsoft.com/office/drawing/2014/main" val="2186026366"/>
-                  </a:ext>
-                </a:extLst>
-              </a:tr>
-              <a:tr h="635199">
-                <a:tc>
-                  <a:txBody>
-                    <a:bodyPr/>
-                    <a:lstStyle/>
-                    <a:p>
-                      <a:pPr algn="just" rtl="0" fontAlgn="t">
-                        <a:lnSpc>
-                          <a:spcPct val="107000"/>
-                        </a:lnSpc>
-                        <a:spcBef>
-                          <a:spcPts val="0"/>
-                        </a:spcBef>
-                        <a:spcAft>
-                          <a:spcPts val="800"/>
-                        </a:spcAft>
-                      </a:pPr>
-                      <a:endParaRPr lang="he-IL" sz="2600" b="0" i="0" u="none" strike="noStrike" dirty="0">
-                        <a:effectLst/>
-                        <a:latin typeface="Arial" panose="020B0604020202020204" pitchFamily="34" charset="0"/>
-                      </a:endParaRPr>
-                    </a:p>
-                  </a:txBody>
-                  <a:tcPr marL="68580" marR="68580" marT="9525" marB="0"/>
+                  <a:tcPr marL="68580" marR="68580" marT="9525" marB="0" anchor="ctr">
+                    <a:lnL w="12700" cap="flat" cmpd="sng" algn="ctr">
+                      <a:solidFill>
+                        <a:schemeClr val="tx1"/>
+                      </a:solidFill>
+                      <a:prstDash val="solid"/>
+                      <a:round/>
+                      <a:headEnd type="none" w="med" len="med"/>
+                      <a:tailEnd type="none" w="med" len="med"/>
+                    </a:lnL>
+                    <a:lnR w="12700" cap="flat" cmpd="sng" algn="ctr">
+                      <a:solidFill>
+                        <a:schemeClr val="tx1"/>
+                      </a:solidFill>
+                      <a:prstDash val="solid"/>
+                      <a:round/>
+                      <a:headEnd type="none" w="med" len="med"/>
+                      <a:tailEnd type="none" w="med" len="med"/>
+                    </a:lnR>
+                    <a:lnT w="12700" cap="flat" cmpd="sng" algn="ctr">
+                      <a:solidFill>
+                        <a:schemeClr val="tx1"/>
+                      </a:solidFill>
+                      <a:prstDash val="solid"/>
+                      <a:round/>
+                      <a:headEnd type="none" w="med" len="med"/>
+                      <a:tailEnd type="none" w="med" len="med"/>
+                    </a:lnT>
+                    <a:lnB w="12700" cap="flat" cmpd="sng" algn="ctr">
+                      <a:solidFill>
+                        <a:schemeClr val="tx1"/>
+                      </a:solidFill>
+                      <a:prstDash val="solid"/>
+                      <a:round/>
+                      <a:headEnd type="none" w="med" len="med"/>
+                      <a:tailEnd type="none" w="med" len="med"/>
+                    </a:lnB>
+                  </a:tcPr>
                 </a:tc>
                 <a:tc>
                   <a:txBody>
                     <a:bodyPr/>
                     <a:lstStyle/>
                     <a:p>
-                      <a:pPr algn="just" rtl="0" fontAlgn="t">
-                        <a:lnSpc>
-                          <a:spcPct val="107000"/>
-                        </a:lnSpc>
-                        <a:spcBef>
-                          <a:spcPts val="0"/>
-                        </a:spcBef>
-                        <a:spcAft>
-                          <a:spcPts val="800"/>
-                        </a:spcAft>
-                      </a:pPr>
-                      <a:endParaRPr lang="he-IL" sz="2600" b="0" i="0" u="none" strike="noStrike" dirty="0">
-                        <a:effectLst/>
-                        <a:latin typeface="Arial" panose="020B0604020202020204" pitchFamily="34" charset="0"/>
-                      </a:endParaRPr>
-                    </a:p>
-                  </a:txBody>
-                  <a:tcPr marL="68580" marR="68580" marT="9525" marB="0"/>
-                </a:tc>
-                <a:tc>
-                  <a:txBody>
-                    <a:bodyPr/>
-                    <a:lstStyle/>
-                    <a:p>
-                      <a:pPr algn="just" rtl="0" fontAlgn="t">
+                      <a:pPr algn="ctr" rtl="0" fontAlgn="t">
                         <a:lnSpc>
                           <a:spcPct val="107000"/>
                         </a:lnSpc>
@@ -7405,41 +8014,68 @@
                         </a:spcAft>
                       </a:pPr>
                       <a:r>
-                        <a:rPr lang="en-US" sz="2600" u="none" strike="noStrike" dirty="0">
+                        <a:rPr lang="en-US" sz="2000" u="none" strike="noStrike" dirty="0">
                           <a:effectLst/>
                         </a:rPr>
-                        <a:t>Distributed </a:t>
+                        <a:t>Proper</a:t>
                       </a:r>
                       <a:r>
-                        <a:rPr lang="en-US" sz="2600" b="0" i="0" dirty="0">
-                          <a:solidFill>
-                            <a:srgbClr val="333333"/>
-                          </a:solidFill>
-                          <a:effectLst/>
-                          <a:latin typeface="Assistant"/>
-                        </a:rPr>
-                        <a:t>deletion</a:t>
-                      </a:r>
-                      <a:r>
-                        <a:rPr lang="en-US" sz="2600" u="none" strike="noStrike" dirty="0">
+                        <a:rPr lang="he-IL" sz="2000" u="none" strike="noStrike" dirty="0">
                           <a:effectLst/>
                         </a:rPr>
                         <a:t> </a:t>
                       </a:r>
-                      <a:endParaRPr lang="he-IL" sz="2600" b="0" i="0" u="none" strike="noStrike" dirty="0">
+                      <a:endParaRPr lang="he-IL" sz="2000" b="0" i="0" u="none" strike="noStrike" dirty="0">
                         <a:effectLst/>
                         <a:latin typeface="Arial" panose="020B0604020202020204" pitchFamily="34" charset="0"/>
                       </a:endParaRPr>
                     </a:p>
                   </a:txBody>
-                  <a:tcPr marL="68580" marR="68580" marT="9525" marB="0"/>
+                  <a:tcPr marL="68580" marR="68580" marT="9525" marB="0" anchor="ctr">
+                    <a:lnL w="12700" cap="flat" cmpd="sng" algn="ctr">
+                      <a:solidFill>
+                        <a:schemeClr val="tx1"/>
+                      </a:solidFill>
+                      <a:prstDash val="solid"/>
+                      <a:round/>
+                      <a:headEnd type="none" w="med" len="med"/>
+                      <a:tailEnd type="none" w="med" len="med"/>
+                    </a:lnL>
+                    <a:lnR w="12700" cap="flat" cmpd="sng" algn="ctr">
+                      <a:solidFill>
+                        <a:schemeClr val="tx1"/>
+                      </a:solidFill>
+                      <a:prstDash val="solid"/>
+                      <a:round/>
+                      <a:headEnd type="none" w="med" len="med"/>
+                      <a:tailEnd type="none" w="med" len="med"/>
+                    </a:lnR>
+                    <a:lnT w="12700" cap="flat" cmpd="sng" algn="ctr">
+                      <a:solidFill>
+                        <a:schemeClr val="tx1"/>
+                      </a:solidFill>
+                      <a:prstDash val="solid"/>
+                      <a:round/>
+                      <a:headEnd type="none" w="med" len="med"/>
+                      <a:tailEnd type="none" w="med" len="med"/>
+                    </a:lnT>
+                    <a:lnB w="12700" cap="flat" cmpd="sng" algn="ctr">
+                      <a:solidFill>
+                        <a:schemeClr val="tx1"/>
+                      </a:solidFill>
+                      <a:prstDash val="solid"/>
+                      <a:round/>
+                      <a:headEnd type="none" w="med" len="med"/>
+                      <a:tailEnd type="none" w="med" len="med"/>
+                    </a:lnB>
+                  </a:tcPr>
                 </a:tc>
                 <a:tc>
                   <a:txBody>
                     <a:bodyPr/>
                     <a:lstStyle/>
                     <a:p>
-                      <a:pPr algn="just" rtl="0" fontAlgn="t">
+                      <a:pPr algn="ctr" rtl="0" fontAlgn="t">
                         <a:lnSpc>
                           <a:spcPct val="107000"/>
                         </a:lnSpc>
@@ -7451,31 +8087,69 @@
                         </a:spcAft>
                       </a:pPr>
                       <a:r>
-                        <a:rPr lang="en-US" sz="2600" u="none" strike="noStrike" dirty="0">
+                        <a:rPr lang="en-US" sz="2000" u="none" strike="noStrike" dirty="0">
                           <a:effectLst/>
                         </a:rPr>
-                        <a:t>Proper</a:t>
+                        <a:t>FC</a:t>
                       </a:r>
-                      <a:r>
-                        <a:rPr lang="he-IL" sz="2600" u="none" strike="noStrike" dirty="0">
-                          <a:effectLst/>
-                        </a:rPr>
-                        <a:t> </a:t>
-                      </a:r>
-                      <a:endParaRPr lang="he-IL" sz="2600" b="0" i="0" u="none" strike="noStrike" dirty="0">
+                      <a:endParaRPr lang="en-US" sz="2000" b="0" i="0" u="none" strike="noStrike" dirty="0">
                         <a:effectLst/>
                         <a:latin typeface="Arial" panose="020B0604020202020204" pitchFamily="34" charset="0"/>
                       </a:endParaRPr>
                     </a:p>
                   </a:txBody>
-                  <a:tcPr marL="68580" marR="68580" marT="9525" marB="0"/>
+                  <a:tcPr marL="68580" marR="68580" marT="9525" marB="0" anchor="ctr">
+                    <a:lnL w="12700" cap="flat" cmpd="sng" algn="ctr">
+                      <a:solidFill>
+                        <a:schemeClr val="tx1"/>
+                      </a:solidFill>
+                      <a:prstDash val="solid"/>
+                      <a:round/>
+                      <a:headEnd type="none" w="med" len="med"/>
+                      <a:tailEnd type="none" w="med" len="med"/>
+                    </a:lnL>
+                    <a:lnR w="12700" cap="flat" cmpd="sng" algn="ctr">
+                      <a:solidFill>
+                        <a:schemeClr val="tx1"/>
+                      </a:solidFill>
+                      <a:prstDash val="solid"/>
+                      <a:round/>
+                      <a:headEnd type="none" w="med" len="med"/>
+                      <a:tailEnd type="none" w="med" len="med"/>
+                    </a:lnR>
+                    <a:lnT w="12700" cap="flat" cmpd="sng" algn="ctr">
+                      <a:solidFill>
+                        <a:schemeClr val="tx1"/>
+                      </a:solidFill>
+                      <a:prstDash val="solid"/>
+                      <a:round/>
+                      <a:headEnd type="none" w="med" len="med"/>
+                      <a:tailEnd type="none" w="med" len="med"/>
+                    </a:lnT>
+                    <a:lnB w="12700" cap="flat" cmpd="sng" algn="ctr">
+                      <a:solidFill>
+                        <a:schemeClr val="tx1"/>
+                      </a:solidFill>
+                      <a:prstDash val="solid"/>
+                      <a:round/>
+                      <a:headEnd type="none" w="med" len="med"/>
+                      <a:tailEnd type="none" w="med" len="med"/>
+                    </a:lnB>
+                  </a:tcPr>
                 </a:tc>
+                <a:extLst>
+                  <a:ext uri="{0D108BD9-81ED-4DB2-BD59-A6C34878D82A}">
+                    <a16:rowId xmlns:a16="http://schemas.microsoft.com/office/drawing/2014/main" val="2510404107"/>
+                  </a:ext>
+                </a:extLst>
+              </a:tr>
+              <a:tr h="885466">
                 <a:tc>
                   <a:txBody>
                     <a:bodyPr/>
                     <a:lstStyle/>
                     <a:p>
-                      <a:pPr algn="just" rtl="0" fontAlgn="t">
+                      <a:pPr algn="ctr" rtl="0" fontAlgn="t">
                         <a:lnSpc>
                           <a:spcPct val="107000"/>
                         </a:lnSpc>
@@ -7487,18 +8161,847 @@
                         </a:spcAft>
                       </a:pPr>
                       <a:r>
-                        <a:rPr lang="en-US" sz="2600" u="none" strike="noStrike" dirty="0">
+                        <a:rPr lang="en-US" sz="2000" b="0" u="none" strike="noStrike" dirty="0">
                           <a:effectLst/>
                         </a:rPr>
-                        <a:t>CNN</a:t>
+                        <a:t>0.06[s]</a:t>
                       </a:r>
-                      <a:endParaRPr lang="en-US" sz="2600" b="0" i="0" u="none" strike="noStrike" dirty="0">
+                      <a:endParaRPr lang="he-IL" sz="2000" b="0" i="0" u="none" strike="noStrike" dirty="0">
                         <a:effectLst/>
                         <a:latin typeface="Arial" panose="020B0604020202020204" pitchFamily="34" charset="0"/>
                       </a:endParaRPr>
                     </a:p>
                   </a:txBody>
-                  <a:tcPr marL="68580" marR="68580" marT="9525" marB="0"/>
+                  <a:tcPr marL="68580" marR="68580" marT="9525" marB="0" anchor="ctr">
+                    <a:lnL w="12700" cap="flat" cmpd="sng" algn="ctr">
+                      <a:solidFill>
+                        <a:schemeClr val="tx1"/>
+                      </a:solidFill>
+                      <a:prstDash val="solid"/>
+                      <a:round/>
+                      <a:headEnd type="none" w="med" len="med"/>
+                      <a:tailEnd type="none" w="med" len="med"/>
+                    </a:lnL>
+                    <a:lnR w="12700" cap="flat" cmpd="sng" algn="ctr">
+                      <a:solidFill>
+                        <a:schemeClr val="tx1"/>
+                      </a:solidFill>
+                      <a:prstDash val="solid"/>
+                      <a:round/>
+                      <a:headEnd type="none" w="med" len="med"/>
+                      <a:tailEnd type="none" w="med" len="med"/>
+                    </a:lnR>
+                    <a:lnT w="12700" cap="flat" cmpd="sng" algn="ctr">
+                      <a:solidFill>
+                        <a:schemeClr val="tx1"/>
+                      </a:solidFill>
+                      <a:prstDash val="solid"/>
+                      <a:round/>
+                      <a:headEnd type="none" w="med" len="med"/>
+                      <a:tailEnd type="none" w="med" len="med"/>
+                    </a:lnT>
+                    <a:lnB w="12700" cap="flat" cmpd="sng" algn="ctr">
+                      <a:solidFill>
+                        <a:schemeClr val="tx1"/>
+                      </a:solidFill>
+                      <a:prstDash val="solid"/>
+                      <a:round/>
+                      <a:headEnd type="none" w="med" len="med"/>
+                      <a:tailEnd type="none" w="med" len="med"/>
+                    </a:lnB>
+                  </a:tcPr>
+                </a:tc>
+                <a:tc>
+                  <a:txBody>
+                    <a:bodyPr/>
+                    <a:lstStyle/>
+                    <a:p>
+                      <a:pPr algn="ctr" rtl="0" fontAlgn="t">
+                        <a:lnSpc>
+                          <a:spcPct val="107000"/>
+                        </a:lnSpc>
+                        <a:spcBef>
+                          <a:spcPts val="0"/>
+                        </a:spcBef>
+                        <a:spcAft>
+                          <a:spcPts val="800"/>
+                        </a:spcAft>
+                      </a:pPr>
+                      <a:r>
+                        <a:rPr lang="he-IL" sz="1800" kern="1200" dirty="0">
+                          <a:solidFill>
+                            <a:schemeClr val="dk1"/>
+                          </a:solidFill>
+                          <a:effectLst/>
+                        </a:rPr>
+                        <a:t>99.86% </a:t>
+                      </a:r>
+                      <a:endParaRPr lang="he-IL" sz="2000" b="0" i="0" u="none" strike="noStrike" dirty="0">
+                        <a:effectLst/>
+                        <a:latin typeface="Arial" panose="020B0604020202020204" pitchFamily="34" charset="0"/>
+                      </a:endParaRPr>
+                    </a:p>
+                  </a:txBody>
+                  <a:tcPr marL="68580" marR="68580" marT="9525" marB="0" anchor="ctr">
+                    <a:lnL w="12700" cap="flat" cmpd="sng" algn="ctr">
+                      <a:solidFill>
+                        <a:schemeClr val="tx1"/>
+                      </a:solidFill>
+                      <a:prstDash val="solid"/>
+                      <a:round/>
+                      <a:headEnd type="none" w="med" len="med"/>
+                      <a:tailEnd type="none" w="med" len="med"/>
+                    </a:lnL>
+                    <a:lnR w="12700" cap="flat" cmpd="sng" algn="ctr">
+                      <a:solidFill>
+                        <a:schemeClr val="tx1"/>
+                      </a:solidFill>
+                      <a:prstDash val="solid"/>
+                      <a:round/>
+                      <a:headEnd type="none" w="med" len="med"/>
+                      <a:tailEnd type="none" w="med" len="med"/>
+                    </a:lnR>
+                    <a:lnT w="12700" cap="flat" cmpd="sng" algn="ctr">
+                      <a:solidFill>
+                        <a:schemeClr val="tx1"/>
+                      </a:solidFill>
+                      <a:prstDash val="solid"/>
+                      <a:round/>
+                      <a:headEnd type="none" w="med" len="med"/>
+                      <a:tailEnd type="none" w="med" len="med"/>
+                    </a:lnT>
+                    <a:lnB w="12700" cap="flat" cmpd="sng" algn="ctr">
+                      <a:solidFill>
+                        <a:schemeClr val="tx1"/>
+                      </a:solidFill>
+                      <a:prstDash val="solid"/>
+                      <a:round/>
+                      <a:headEnd type="none" w="med" len="med"/>
+                      <a:tailEnd type="none" w="med" len="med"/>
+                    </a:lnB>
+                  </a:tcPr>
+                </a:tc>
+                <a:tc>
+                  <a:txBody>
+                    <a:bodyPr/>
+                    <a:lstStyle/>
+                    <a:p>
+                      <a:pPr algn="ctr" rtl="0" fontAlgn="t">
+                        <a:lnSpc>
+                          <a:spcPct val="107000"/>
+                        </a:lnSpc>
+                        <a:spcBef>
+                          <a:spcPts val="0"/>
+                        </a:spcBef>
+                        <a:spcAft>
+                          <a:spcPts val="800"/>
+                        </a:spcAft>
+                      </a:pPr>
+                      <a:r>
+                        <a:rPr lang="he-IL" sz="1800" kern="1200" dirty="0">
+                          <a:solidFill>
+                            <a:schemeClr val="dk1"/>
+                          </a:solidFill>
+                          <a:effectLst/>
+                        </a:rPr>
+                        <a:t>98.8%</a:t>
+                      </a:r>
+                      <a:endParaRPr lang="he-IL" sz="2000" b="0" i="0" u="none" strike="noStrike" dirty="0">
+                        <a:effectLst/>
+                        <a:latin typeface="Arial" panose="020B0604020202020204" pitchFamily="34" charset="0"/>
+                      </a:endParaRPr>
+                    </a:p>
+                  </a:txBody>
+                  <a:tcPr marL="68580" marR="68580" marT="9525" marB="0" anchor="ctr">
+                    <a:lnL w="12700" cap="flat" cmpd="sng" algn="ctr">
+                      <a:solidFill>
+                        <a:schemeClr val="tx1"/>
+                      </a:solidFill>
+                      <a:prstDash val="solid"/>
+                      <a:round/>
+                      <a:headEnd type="none" w="med" len="med"/>
+                      <a:tailEnd type="none" w="med" len="med"/>
+                    </a:lnL>
+                    <a:lnR w="12700" cap="flat" cmpd="sng" algn="ctr">
+                      <a:solidFill>
+                        <a:schemeClr val="tx1"/>
+                      </a:solidFill>
+                      <a:prstDash val="solid"/>
+                      <a:round/>
+                      <a:headEnd type="none" w="med" len="med"/>
+                      <a:tailEnd type="none" w="med" len="med"/>
+                    </a:lnR>
+                    <a:lnT w="12700" cap="flat" cmpd="sng" algn="ctr">
+                      <a:solidFill>
+                        <a:schemeClr val="tx1"/>
+                      </a:solidFill>
+                      <a:prstDash val="solid"/>
+                      <a:round/>
+                      <a:headEnd type="none" w="med" len="med"/>
+                      <a:tailEnd type="none" w="med" len="med"/>
+                    </a:lnT>
+                    <a:lnB w="12700" cap="flat" cmpd="sng" algn="ctr">
+                      <a:solidFill>
+                        <a:schemeClr val="tx1"/>
+                      </a:solidFill>
+                      <a:prstDash val="solid"/>
+                      <a:round/>
+                      <a:headEnd type="none" w="med" len="med"/>
+                      <a:tailEnd type="none" w="med" len="med"/>
+                    </a:lnB>
+                  </a:tcPr>
+                </a:tc>
+                <a:tc>
+                  <a:txBody>
+                    <a:bodyPr/>
+                    <a:lstStyle/>
+                    <a:p>
+                      <a:pPr algn="ctr" rtl="0" fontAlgn="t">
+                        <a:lnSpc>
+                          <a:spcPct val="107000"/>
+                        </a:lnSpc>
+                        <a:spcBef>
+                          <a:spcPts val="0"/>
+                        </a:spcBef>
+                        <a:spcAft>
+                          <a:spcPts val="800"/>
+                        </a:spcAft>
+                      </a:pPr>
+                      <a:r>
+                        <a:rPr lang="en-US" sz="2000" u="none" strike="noStrike" dirty="0">
+                          <a:effectLst/>
+                        </a:rPr>
+                        <a:t>Distributed </a:t>
+                      </a:r>
+                      <a:r>
+                        <a:rPr lang="en-US" sz="2000" b="0" dirty="0">
+                          <a:solidFill>
+                            <a:srgbClr val="333333"/>
+                          </a:solidFill>
+                          <a:effectLst/>
+                        </a:rPr>
+                        <a:t>deletion</a:t>
+                      </a:r>
+                      <a:r>
+                        <a:rPr lang="en-US" sz="2000" u="none" strike="noStrike" dirty="0">
+                          <a:effectLst/>
+                        </a:rPr>
+                        <a:t> </a:t>
+                      </a:r>
+                      <a:endParaRPr lang="he-IL" sz="2000" b="0" i="0" u="none" strike="noStrike" dirty="0">
+                        <a:effectLst/>
+                        <a:latin typeface="Arial" panose="020B0604020202020204" pitchFamily="34" charset="0"/>
+                      </a:endParaRPr>
+                    </a:p>
+                  </a:txBody>
+                  <a:tcPr marL="68580" marR="68580" marT="9525" marB="0" anchor="ctr">
+                    <a:lnL w="12700" cap="flat" cmpd="sng" algn="ctr">
+                      <a:solidFill>
+                        <a:schemeClr val="tx1"/>
+                      </a:solidFill>
+                      <a:prstDash val="solid"/>
+                      <a:round/>
+                      <a:headEnd type="none" w="med" len="med"/>
+                      <a:tailEnd type="none" w="med" len="med"/>
+                    </a:lnL>
+                    <a:lnR w="12700" cap="flat" cmpd="sng" algn="ctr">
+                      <a:solidFill>
+                        <a:schemeClr val="tx1"/>
+                      </a:solidFill>
+                      <a:prstDash val="solid"/>
+                      <a:round/>
+                      <a:headEnd type="none" w="med" len="med"/>
+                      <a:tailEnd type="none" w="med" len="med"/>
+                    </a:lnR>
+                    <a:lnT w="12700" cap="flat" cmpd="sng" algn="ctr">
+                      <a:solidFill>
+                        <a:schemeClr val="tx1"/>
+                      </a:solidFill>
+                      <a:prstDash val="solid"/>
+                      <a:round/>
+                      <a:headEnd type="none" w="med" len="med"/>
+                      <a:tailEnd type="none" w="med" len="med"/>
+                    </a:lnT>
+                    <a:lnB w="12700" cap="flat" cmpd="sng" algn="ctr">
+                      <a:solidFill>
+                        <a:schemeClr val="tx1"/>
+                      </a:solidFill>
+                      <a:prstDash val="solid"/>
+                      <a:round/>
+                      <a:headEnd type="none" w="med" len="med"/>
+                      <a:tailEnd type="none" w="med" len="med"/>
+                    </a:lnB>
+                  </a:tcPr>
+                </a:tc>
+                <a:tc>
+                  <a:txBody>
+                    <a:bodyPr/>
+                    <a:lstStyle/>
+                    <a:p>
+                      <a:pPr algn="ctr" rtl="0" fontAlgn="t">
+                        <a:lnSpc>
+                          <a:spcPct val="107000"/>
+                        </a:lnSpc>
+                        <a:spcBef>
+                          <a:spcPts val="0"/>
+                        </a:spcBef>
+                        <a:spcAft>
+                          <a:spcPts val="800"/>
+                        </a:spcAft>
+                      </a:pPr>
+                      <a:r>
+                        <a:rPr lang="en-US" sz="2000" u="none" strike="noStrike" dirty="0">
+                          <a:effectLst/>
+                        </a:rPr>
+                        <a:t>Unproper</a:t>
+                      </a:r>
+                      <a:endParaRPr lang="he-IL" sz="2000" b="0" i="0" u="none" strike="noStrike" dirty="0">
+                        <a:effectLst/>
+                        <a:latin typeface="Arial" panose="020B0604020202020204" pitchFamily="34" charset="0"/>
+                      </a:endParaRPr>
+                    </a:p>
+                  </a:txBody>
+                  <a:tcPr marL="68580" marR="68580" marT="9525" marB="0" anchor="ctr">
+                    <a:lnL w="12700" cap="flat" cmpd="sng" algn="ctr">
+                      <a:solidFill>
+                        <a:schemeClr val="tx1"/>
+                      </a:solidFill>
+                      <a:prstDash val="solid"/>
+                      <a:round/>
+                      <a:headEnd type="none" w="med" len="med"/>
+                      <a:tailEnd type="none" w="med" len="med"/>
+                    </a:lnL>
+                    <a:lnR w="12700" cap="flat" cmpd="sng" algn="ctr">
+                      <a:solidFill>
+                        <a:schemeClr val="tx1"/>
+                      </a:solidFill>
+                      <a:prstDash val="solid"/>
+                      <a:round/>
+                      <a:headEnd type="none" w="med" len="med"/>
+                      <a:tailEnd type="none" w="med" len="med"/>
+                    </a:lnR>
+                    <a:lnT w="12700" cap="flat" cmpd="sng" algn="ctr">
+                      <a:solidFill>
+                        <a:schemeClr val="tx1"/>
+                      </a:solidFill>
+                      <a:prstDash val="solid"/>
+                      <a:round/>
+                      <a:headEnd type="none" w="med" len="med"/>
+                      <a:tailEnd type="none" w="med" len="med"/>
+                    </a:lnT>
+                    <a:lnB w="12700" cap="flat" cmpd="sng" algn="ctr">
+                      <a:solidFill>
+                        <a:schemeClr val="tx1"/>
+                      </a:solidFill>
+                      <a:prstDash val="solid"/>
+                      <a:round/>
+                      <a:headEnd type="none" w="med" len="med"/>
+                      <a:tailEnd type="none" w="med" len="med"/>
+                    </a:lnB>
+                  </a:tcPr>
+                </a:tc>
+                <a:tc>
+                  <a:txBody>
+                    <a:bodyPr/>
+                    <a:lstStyle/>
+                    <a:p>
+                      <a:pPr algn="ctr" rtl="0" fontAlgn="t">
+                        <a:lnSpc>
+                          <a:spcPct val="107000"/>
+                        </a:lnSpc>
+                        <a:spcBef>
+                          <a:spcPts val="0"/>
+                        </a:spcBef>
+                        <a:spcAft>
+                          <a:spcPts val="800"/>
+                        </a:spcAft>
+                      </a:pPr>
+                      <a:r>
+                        <a:rPr lang="en-US" sz="2000" u="none" strike="noStrike" dirty="0">
+                          <a:effectLst/>
+                        </a:rPr>
+                        <a:t>FC</a:t>
+                      </a:r>
+                      <a:endParaRPr lang="en-US" sz="2000" b="0" i="0" u="none" strike="noStrike" dirty="0">
+                        <a:effectLst/>
+                        <a:latin typeface="Arial" panose="020B0604020202020204" pitchFamily="34" charset="0"/>
+                      </a:endParaRPr>
+                    </a:p>
+                  </a:txBody>
+                  <a:tcPr marL="68580" marR="68580" marT="9525" marB="0" anchor="ctr">
+                    <a:lnL w="12700" cap="flat" cmpd="sng" algn="ctr">
+                      <a:solidFill>
+                        <a:schemeClr val="tx1"/>
+                      </a:solidFill>
+                      <a:prstDash val="solid"/>
+                      <a:round/>
+                      <a:headEnd type="none" w="med" len="med"/>
+                      <a:tailEnd type="none" w="med" len="med"/>
+                    </a:lnL>
+                    <a:lnR w="12700" cap="flat" cmpd="sng" algn="ctr">
+                      <a:solidFill>
+                        <a:schemeClr val="tx1"/>
+                      </a:solidFill>
+                      <a:prstDash val="solid"/>
+                      <a:round/>
+                      <a:headEnd type="none" w="med" len="med"/>
+                      <a:tailEnd type="none" w="med" len="med"/>
+                    </a:lnR>
+                    <a:lnT w="12700" cap="flat" cmpd="sng" algn="ctr">
+                      <a:solidFill>
+                        <a:schemeClr val="tx1"/>
+                      </a:solidFill>
+                      <a:prstDash val="solid"/>
+                      <a:round/>
+                      <a:headEnd type="none" w="med" len="med"/>
+                      <a:tailEnd type="none" w="med" len="med"/>
+                    </a:lnT>
+                    <a:lnB w="12700" cap="flat" cmpd="sng" algn="ctr">
+                      <a:solidFill>
+                        <a:schemeClr val="tx1"/>
+                      </a:solidFill>
+                      <a:prstDash val="solid"/>
+                      <a:round/>
+                      <a:headEnd type="none" w="med" len="med"/>
+                      <a:tailEnd type="none" w="med" len="med"/>
+                    </a:lnB>
+                  </a:tcPr>
+                </a:tc>
+                <a:extLst>
+                  <a:ext uri="{0D108BD9-81ED-4DB2-BD59-A6C34878D82A}">
+                    <a16:rowId xmlns:a16="http://schemas.microsoft.com/office/drawing/2014/main" val="2186026366"/>
+                  </a:ext>
+                </a:extLst>
+              </a:tr>
+              <a:tr h="885466">
+                <a:tc>
+                  <a:txBody>
+                    <a:bodyPr/>
+                    <a:lstStyle/>
+                    <a:p>
+                      <a:pPr algn="ctr" rtl="0" fontAlgn="t">
+                        <a:lnSpc>
+                          <a:spcPct val="107000"/>
+                        </a:lnSpc>
+                        <a:spcBef>
+                          <a:spcPts val="0"/>
+                        </a:spcBef>
+                        <a:spcAft>
+                          <a:spcPts val="800"/>
+                        </a:spcAft>
+                      </a:pPr>
+                      <a:r>
+                        <a:rPr lang="en-US" sz="2000" b="0" u="none" strike="noStrike" dirty="0">
+                          <a:effectLst/>
+                        </a:rPr>
+                        <a:t>0.08[s]</a:t>
+                      </a:r>
+                      <a:endParaRPr lang="he-IL" sz="2000" b="0" i="0" u="none" strike="noStrike" dirty="0">
+                        <a:effectLst/>
+                        <a:latin typeface="Arial" panose="020B0604020202020204" pitchFamily="34" charset="0"/>
+                      </a:endParaRPr>
+                    </a:p>
+                  </a:txBody>
+                  <a:tcPr marL="68580" marR="68580" marT="9525" marB="0" anchor="ctr">
+                    <a:lnL w="12700" cap="flat" cmpd="sng" algn="ctr">
+                      <a:solidFill>
+                        <a:schemeClr val="tx1"/>
+                      </a:solidFill>
+                      <a:prstDash val="solid"/>
+                      <a:round/>
+                      <a:headEnd type="none" w="med" len="med"/>
+                      <a:tailEnd type="none" w="med" len="med"/>
+                    </a:lnL>
+                    <a:lnR w="12700" cap="flat" cmpd="sng" algn="ctr">
+                      <a:solidFill>
+                        <a:schemeClr val="tx1"/>
+                      </a:solidFill>
+                      <a:prstDash val="solid"/>
+                      <a:round/>
+                      <a:headEnd type="none" w="med" len="med"/>
+                      <a:tailEnd type="none" w="med" len="med"/>
+                    </a:lnR>
+                    <a:lnT w="12700" cap="flat" cmpd="sng" algn="ctr">
+                      <a:solidFill>
+                        <a:schemeClr val="tx1"/>
+                      </a:solidFill>
+                      <a:prstDash val="solid"/>
+                      <a:round/>
+                      <a:headEnd type="none" w="med" len="med"/>
+                      <a:tailEnd type="none" w="med" len="med"/>
+                    </a:lnT>
+                    <a:lnB w="12700" cap="flat" cmpd="sng" algn="ctr">
+                      <a:solidFill>
+                        <a:schemeClr val="tx1"/>
+                      </a:solidFill>
+                      <a:prstDash val="solid"/>
+                      <a:round/>
+                      <a:headEnd type="none" w="med" len="med"/>
+                      <a:tailEnd type="none" w="med" len="med"/>
+                    </a:lnB>
+                  </a:tcPr>
+                </a:tc>
+                <a:tc>
+                  <a:txBody>
+                    <a:bodyPr/>
+                    <a:lstStyle/>
+                    <a:p>
+                      <a:pPr algn="ctr" rtl="0" fontAlgn="t">
+                        <a:lnSpc>
+                          <a:spcPct val="107000"/>
+                        </a:lnSpc>
+                        <a:spcBef>
+                          <a:spcPts val="0"/>
+                        </a:spcBef>
+                        <a:spcAft>
+                          <a:spcPts val="800"/>
+                        </a:spcAft>
+                      </a:pPr>
+                      <a:r>
+                        <a:rPr lang="he-IL" sz="1800" kern="1200" dirty="0">
+                          <a:solidFill>
+                            <a:schemeClr val="dk1"/>
+                          </a:solidFill>
+                          <a:effectLst/>
+                        </a:rPr>
+                        <a:t>99.9%</a:t>
+                      </a:r>
+                      <a:endParaRPr lang="he-IL" sz="2000" b="0" i="0" u="none" strike="noStrike" dirty="0">
+                        <a:effectLst/>
+                        <a:latin typeface="Arial" panose="020B0604020202020204" pitchFamily="34" charset="0"/>
+                      </a:endParaRPr>
+                    </a:p>
+                  </a:txBody>
+                  <a:tcPr marL="68580" marR="68580" marT="9525" marB="0" anchor="ctr">
+                    <a:lnL w="12700" cap="flat" cmpd="sng" algn="ctr">
+                      <a:solidFill>
+                        <a:schemeClr val="tx1"/>
+                      </a:solidFill>
+                      <a:prstDash val="solid"/>
+                      <a:round/>
+                      <a:headEnd type="none" w="med" len="med"/>
+                      <a:tailEnd type="none" w="med" len="med"/>
+                    </a:lnL>
+                    <a:lnR w="12700" cap="flat" cmpd="sng" algn="ctr">
+                      <a:solidFill>
+                        <a:schemeClr val="tx1"/>
+                      </a:solidFill>
+                      <a:prstDash val="solid"/>
+                      <a:round/>
+                      <a:headEnd type="none" w="med" len="med"/>
+                      <a:tailEnd type="none" w="med" len="med"/>
+                    </a:lnR>
+                    <a:lnT w="12700" cap="flat" cmpd="sng" algn="ctr">
+                      <a:solidFill>
+                        <a:schemeClr val="tx1"/>
+                      </a:solidFill>
+                      <a:prstDash val="solid"/>
+                      <a:round/>
+                      <a:headEnd type="none" w="med" len="med"/>
+                      <a:tailEnd type="none" w="med" len="med"/>
+                    </a:lnT>
+                    <a:lnB w="12700" cap="flat" cmpd="sng" algn="ctr">
+                      <a:solidFill>
+                        <a:schemeClr val="tx1"/>
+                      </a:solidFill>
+                      <a:prstDash val="solid"/>
+                      <a:round/>
+                      <a:headEnd type="none" w="med" len="med"/>
+                      <a:tailEnd type="none" w="med" len="med"/>
+                    </a:lnB>
+                  </a:tcPr>
+                </a:tc>
+                <a:tc>
+                  <a:txBody>
+                    <a:bodyPr/>
+                    <a:lstStyle/>
+                    <a:p>
+                      <a:pPr algn="ctr" rtl="0" fontAlgn="t">
+                        <a:lnSpc>
+                          <a:spcPct val="107000"/>
+                        </a:lnSpc>
+                        <a:spcBef>
+                          <a:spcPts val="0"/>
+                        </a:spcBef>
+                        <a:spcAft>
+                          <a:spcPts val="800"/>
+                        </a:spcAft>
+                      </a:pPr>
+                      <a:r>
+                        <a:rPr lang="he-IL" sz="1800" kern="1200" dirty="0">
+                          <a:solidFill>
+                            <a:schemeClr val="dk1"/>
+                          </a:solidFill>
+                          <a:effectLst/>
+                        </a:rPr>
+                        <a:t>99.5%</a:t>
+                      </a:r>
+                      <a:endParaRPr lang="he-IL" sz="2000" b="0" i="0" u="none" strike="noStrike" dirty="0">
+                        <a:effectLst/>
+                        <a:latin typeface="Arial" panose="020B0604020202020204" pitchFamily="34" charset="0"/>
+                      </a:endParaRPr>
+                    </a:p>
+                  </a:txBody>
+                  <a:tcPr marL="68580" marR="68580" marT="9525" marB="0" anchor="ctr">
+                    <a:lnL w="12700" cap="flat" cmpd="sng" algn="ctr">
+                      <a:solidFill>
+                        <a:schemeClr val="tx1"/>
+                      </a:solidFill>
+                      <a:prstDash val="solid"/>
+                      <a:round/>
+                      <a:headEnd type="none" w="med" len="med"/>
+                      <a:tailEnd type="none" w="med" len="med"/>
+                    </a:lnL>
+                    <a:lnR w="12700" cap="flat" cmpd="sng" algn="ctr">
+                      <a:solidFill>
+                        <a:schemeClr val="tx1"/>
+                      </a:solidFill>
+                      <a:prstDash val="solid"/>
+                      <a:round/>
+                      <a:headEnd type="none" w="med" len="med"/>
+                      <a:tailEnd type="none" w="med" len="med"/>
+                    </a:lnR>
+                    <a:lnT w="12700" cap="flat" cmpd="sng" algn="ctr">
+                      <a:solidFill>
+                        <a:schemeClr val="tx1"/>
+                      </a:solidFill>
+                      <a:prstDash val="solid"/>
+                      <a:round/>
+                      <a:headEnd type="none" w="med" len="med"/>
+                      <a:tailEnd type="none" w="med" len="med"/>
+                    </a:lnT>
+                    <a:lnB w="12700" cap="flat" cmpd="sng" algn="ctr">
+                      <a:solidFill>
+                        <a:schemeClr val="tx1"/>
+                      </a:solidFill>
+                      <a:prstDash val="solid"/>
+                      <a:round/>
+                      <a:headEnd type="none" w="med" len="med"/>
+                      <a:tailEnd type="none" w="med" len="med"/>
+                    </a:lnB>
+                  </a:tcPr>
+                </a:tc>
+                <a:tc>
+                  <a:txBody>
+                    <a:bodyPr/>
+                    <a:lstStyle/>
+                    <a:p>
+                      <a:pPr algn="ctr" rtl="0" fontAlgn="t">
+                        <a:lnSpc>
+                          <a:spcPct val="107000"/>
+                        </a:lnSpc>
+                        <a:spcBef>
+                          <a:spcPts val="0"/>
+                        </a:spcBef>
+                        <a:spcAft>
+                          <a:spcPts val="800"/>
+                        </a:spcAft>
+                      </a:pPr>
+                      <a:r>
+                        <a:rPr lang="en-US" sz="2000" u="none" strike="noStrike" dirty="0">
+                          <a:effectLst/>
+                        </a:rPr>
+                        <a:t>Distributed </a:t>
+                      </a:r>
+                      <a:r>
+                        <a:rPr lang="en-US" sz="2000" b="0" dirty="0">
+                          <a:solidFill>
+                            <a:srgbClr val="333333"/>
+                          </a:solidFill>
+                          <a:effectLst/>
+                        </a:rPr>
+                        <a:t>deletion</a:t>
+                      </a:r>
+                      <a:r>
+                        <a:rPr lang="en-US" sz="2000" u="none" strike="noStrike" dirty="0">
+                          <a:effectLst/>
+                        </a:rPr>
+                        <a:t> </a:t>
+                      </a:r>
+                      <a:endParaRPr lang="he-IL" sz="2000" b="0" i="0" u="none" strike="noStrike" dirty="0">
+                        <a:effectLst/>
+                        <a:latin typeface="Arial" panose="020B0604020202020204" pitchFamily="34" charset="0"/>
+                      </a:endParaRPr>
+                    </a:p>
+                  </a:txBody>
+                  <a:tcPr marL="68580" marR="68580" marT="9525" marB="0" anchor="ctr">
+                    <a:lnL w="12700" cap="flat" cmpd="sng" algn="ctr">
+                      <a:solidFill>
+                        <a:schemeClr val="tx1"/>
+                      </a:solidFill>
+                      <a:prstDash val="solid"/>
+                      <a:round/>
+                      <a:headEnd type="none" w="med" len="med"/>
+                      <a:tailEnd type="none" w="med" len="med"/>
+                    </a:lnL>
+                    <a:lnR w="12700" cap="flat" cmpd="sng" algn="ctr">
+                      <a:solidFill>
+                        <a:schemeClr val="tx1"/>
+                      </a:solidFill>
+                      <a:prstDash val="solid"/>
+                      <a:round/>
+                      <a:headEnd type="none" w="med" len="med"/>
+                      <a:tailEnd type="none" w="med" len="med"/>
+                    </a:lnR>
+                    <a:lnT w="12700" cap="flat" cmpd="sng" algn="ctr">
+                      <a:solidFill>
+                        <a:schemeClr val="tx1"/>
+                      </a:solidFill>
+                      <a:prstDash val="solid"/>
+                      <a:round/>
+                      <a:headEnd type="none" w="med" len="med"/>
+                      <a:tailEnd type="none" w="med" len="med"/>
+                    </a:lnT>
+                    <a:lnB w="12700" cap="flat" cmpd="sng" algn="ctr">
+                      <a:solidFill>
+                        <a:schemeClr val="tx1"/>
+                      </a:solidFill>
+                      <a:prstDash val="solid"/>
+                      <a:round/>
+                      <a:headEnd type="none" w="med" len="med"/>
+                      <a:tailEnd type="none" w="med" len="med"/>
+                    </a:lnB>
+                  </a:tcPr>
+                </a:tc>
+                <a:tc>
+                  <a:txBody>
+                    <a:bodyPr/>
+                    <a:lstStyle/>
+                    <a:p>
+                      <a:pPr algn="ctr" rtl="0" fontAlgn="t">
+                        <a:lnSpc>
+                          <a:spcPct val="107000"/>
+                        </a:lnSpc>
+                        <a:spcBef>
+                          <a:spcPts val="0"/>
+                        </a:spcBef>
+                        <a:spcAft>
+                          <a:spcPts val="800"/>
+                        </a:spcAft>
+                      </a:pPr>
+                      <a:r>
+                        <a:rPr lang="en-US" sz="2000" u="none" strike="noStrike" dirty="0">
+                          <a:effectLst/>
+                        </a:rPr>
+                        <a:t>Proper</a:t>
+                      </a:r>
+                      <a:r>
+                        <a:rPr lang="he-IL" sz="2000" u="none" strike="noStrike" dirty="0">
+                          <a:effectLst/>
+                        </a:rPr>
+                        <a:t> </a:t>
+                      </a:r>
+                      <a:endParaRPr lang="he-IL" sz="2000" b="0" i="0" u="none" strike="noStrike" dirty="0">
+                        <a:effectLst/>
+                        <a:latin typeface="Arial" panose="020B0604020202020204" pitchFamily="34" charset="0"/>
+                      </a:endParaRPr>
+                    </a:p>
+                  </a:txBody>
+                  <a:tcPr marL="68580" marR="68580" marT="9525" marB="0" anchor="ctr">
+                    <a:lnL w="12700" cap="flat" cmpd="sng" algn="ctr">
+                      <a:solidFill>
+                        <a:schemeClr val="tx1"/>
+                      </a:solidFill>
+                      <a:prstDash val="solid"/>
+                      <a:round/>
+                      <a:headEnd type="none" w="med" len="med"/>
+                      <a:tailEnd type="none" w="med" len="med"/>
+                    </a:lnL>
+                    <a:lnR w="12700" cap="flat" cmpd="sng" algn="ctr">
+                      <a:solidFill>
+                        <a:schemeClr val="tx1"/>
+                      </a:solidFill>
+                      <a:prstDash val="solid"/>
+                      <a:round/>
+                      <a:headEnd type="none" w="med" len="med"/>
+                      <a:tailEnd type="none" w="med" len="med"/>
+                    </a:lnR>
+                    <a:lnT w="12700" cap="flat" cmpd="sng" algn="ctr">
+                      <a:solidFill>
+                        <a:schemeClr val="tx1"/>
+                      </a:solidFill>
+                      <a:prstDash val="solid"/>
+                      <a:round/>
+                      <a:headEnd type="none" w="med" len="med"/>
+                      <a:tailEnd type="none" w="med" len="med"/>
+                    </a:lnT>
+                    <a:lnB w="12700" cap="flat" cmpd="sng" algn="ctr">
+                      <a:solidFill>
+                        <a:schemeClr val="tx1"/>
+                      </a:solidFill>
+                      <a:prstDash val="solid"/>
+                      <a:round/>
+                      <a:headEnd type="none" w="med" len="med"/>
+                      <a:tailEnd type="none" w="med" len="med"/>
+                    </a:lnB>
+                  </a:tcPr>
+                </a:tc>
+                <a:tc>
+                  <a:txBody>
+                    <a:bodyPr/>
+                    <a:lstStyle/>
+                    <a:p>
+                      <a:pPr algn="ctr" rtl="0" fontAlgn="t">
+                        <a:lnSpc>
+                          <a:spcPct val="107000"/>
+                        </a:lnSpc>
+                        <a:spcBef>
+                          <a:spcPts val="0"/>
+                        </a:spcBef>
+                        <a:spcAft>
+                          <a:spcPts val="800"/>
+                        </a:spcAft>
+                      </a:pPr>
+                      <a:r>
+                        <a:rPr lang="en-US" sz="2000" u="none" strike="noStrike" dirty="0">
+                          <a:effectLst/>
+                        </a:rPr>
+                        <a:t>CNN</a:t>
+                      </a:r>
+                      <a:endParaRPr lang="en-US" sz="2000" b="0" i="0" u="none" strike="noStrike" dirty="0">
+                        <a:effectLst/>
+                        <a:latin typeface="Arial" panose="020B0604020202020204" pitchFamily="34" charset="0"/>
+                      </a:endParaRPr>
+                    </a:p>
+                  </a:txBody>
+                  <a:tcPr marL="68580" marR="68580" marT="9525" marB="0" anchor="ctr">
+                    <a:lnL w="12700" cap="flat" cmpd="sng" algn="ctr">
+                      <a:solidFill>
+                        <a:schemeClr val="tx1"/>
+                      </a:solidFill>
+                      <a:prstDash val="solid"/>
+                      <a:round/>
+                      <a:headEnd type="none" w="med" len="med"/>
+                      <a:tailEnd type="none" w="med" len="med"/>
+                    </a:lnL>
+                    <a:lnR w="12700" cap="flat" cmpd="sng" algn="ctr">
+                      <a:solidFill>
+                        <a:schemeClr val="tx1"/>
+                      </a:solidFill>
+                      <a:prstDash val="solid"/>
+                      <a:round/>
+                      <a:headEnd type="none" w="med" len="med"/>
+                      <a:tailEnd type="none" w="med" len="med"/>
+                    </a:lnR>
+                    <a:lnT w="12700" cap="flat" cmpd="sng" algn="ctr">
+                      <a:solidFill>
+                        <a:schemeClr val="tx1"/>
+                      </a:solidFill>
+                      <a:prstDash val="solid"/>
+                      <a:round/>
+                      <a:headEnd type="none" w="med" len="med"/>
+                      <a:tailEnd type="none" w="med" len="med"/>
+                    </a:lnT>
+                    <a:lnB w="12700" cap="flat" cmpd="sng" algn="ctr">
+                      <a:solidFill>
+                        <a:schemeClr val="tx1"/>
+                      </a:solidFill>
+                      <a:prstDash val="solid"/>
+                      <a:round/>
+                      <a:headEnd type="none" w="med" len="med"/>
+                      <a:tailEnd type="none" w="med" len="med"/>
+                    </a:lnB>
+                  </a:tcPr>
                 </a:tc>
                 <a:extLst>
                   <a:ext uri="{0D108BD9-81ED-4DB2-BD59-A6C34878D82A}">
@@ -7832,44 +9335,6 @@
           </a:p>
         </p:txBody>
       </p:sp>
-      <p:sp>
-        <p:nvSpPr>
-          <p:cNvPr id="3" name="מציין מיקום תוכן 2">
-            <a:extLst>
-              <a:ext uri="{FF2B5EF4-FFF2-40B4-BE49-F238E27FC236}">
-                <a16:creationId xmlns:a16="http://schemas.microsoft.com/office/drawing/2014/main" id="{4E953C7B-A8C0-430E-A2AA-272B223256CE}"/>
-              </a:ext>
-            </a:extLst>
-          </p:cNvPr>
-          <p:cNvSpPr>
-            <a:spLocks noGrp="1"/>
-          </p:cNvSpPr>
-          <p:nvPr>
-            <p:ph idx="1"/>
-          </p:nvPr>
-        </p:nvSpPr>
-        <p:spPr/>
-        <p:txBody>
-          <a:bodyPr/>
-          <a:lstStyle/>
-          <a:p>
-            <a:pPr lvl="1" algn="l" rtl="0"/>
-            <a:r>
-              <a:rPr lang="he-IL" dirty="0"/>
-              <a:t>לשים תמונות של מטריצת בלבול ושל פילוג המחוקים בטסט </a:t>
-            </a:r>
-            <a:r>
-              <a:rPr lang="he-IL" dirty="0" err="1"/>
-              <a:t>דאטא</a:t>
-            </a:r>
-            <a:endParaRPr lang="en-US" dirty="0"/>
-          </a:p>
-          <a:p>
-            <a:pPr lvl="1" algn="l" rtl="0"/>
-            <a:endParaRPr lang="he-IL" dirty="0"/>
-          </a:p>
-        </p:txBody>
-      </p:sp>
       <p:pic>
         <p:nvPicPr>
           <p:cNvPr id="5" name="תמונה 4">
@@ -8122,6 +9587,62 @@
           </a:p>
         </p:txBody>
       </p:sp>
+      <p:pic>
+        <p:nvPicPr>
+          <p:cNvPr id="4" name="תמונה 3">
+            <a:extLst>
+              <a:ext uri="{FF2B5EF4-FFF2-40B4-BE49-F238E27FC236}">
+                <a16:creationId xmlns:a16="http://schemas.microsoft.com/office/drawing/2014/main" id="{7EE6E6A9-D56D-495C-AD24-FF53FEDEF3D5}"/>
+              </a:ext>
+            </a:extLst>
+          </p:cNvPr>
+          <p:cNvPicPr/>
+          <p:nvPr/>
+        </p:nvPicPr>
+        <p:blipFill>
+          <a:blip r:embed="rId4"/>
+          <a:stretch>
+            <a:fillRect/>
+          </a:stretch>
+        </p:blipFill>
+        <p:spPr>
+          <a:xfrm>
+            <a:off x="4525644" y="2124076"/>
+            <a:ext cx="4618355" cy="4052887"/>
+          </a:xfrm>
+          <a:prstGeom prst="rect">
+            <a:avLst/>
+          </a:prstGeom>
+        </p:spPr>
+      </p:pic>
+      <p:pic>
+        <p:nvPicPr>
+          <p:cNvPr id="11" name="תמונה 10">
+            <a:extLst>
+              <a:ext uri="{FF2B5EF4-FFF2-40B4-BE49-F238E27FC236}">
+                <a16:creationId xmlns:a16="http://schemas.microsoft.com/office/drawing/2014/main" id="{8849BFBE-8FBB-4DBF-A002-701267868C64}"/>
+              </a:ext>
+            </a:extLst>
+          </p:cNvPr>
+          <p:cNvPicPr/>
+          <p:nvPr/>
+        </p:nvPicPr>
+        <p:blipFill>
+          <a:blip r:embed="rId5"/>
+          <a:stretch>
+            <a:fillRect/>
+          </a:stretch>
+        </p:blipFill>
+        <p:spPr>
+          <a:xfrm>
+            <a:off x="0" y="2235319"/>
+            <a:ext cx="4406899" cy="3830399"/>
+          </a:xfrm>
+          <a:prstGeom prst="rect">
+            <a:avLst/>
+          </a:prstGeom>
+        </p:spPr>
+      </p:pic>
     </p:spTree>
     <p:extLst>
       <p:ext uri="{BB962C8B-B14F-4D97-AF65-F5344CB8AC3E}">
@@ -8189,40 +9710,6 @@
               </a:solidFill>
               <a:latin typeface="Calibri"/>
             </a:endParaRPr>
-          </a:p>
-        </p:txBody>
-      </p:sp>
-      <p:sp>
-        <p:nvSpPr>
-          <p:cNvPr id="3" name="מציין מיקום תוכן 2">
-            <a:extLst>
-              <a:ext uri="{FF2B5EF4-FFF2-40B4-BE49-F238E27FC236}">
-                <a16:creationId xmlns:a16="http://schemas.microsoft.com/office/drawing/2014/main" id="{4E953C7B-A8C0-430E-A2AA-272B223256CE}"/>
-              </a:ext>
-            </a:extLst>
-          </p:cNvPr>
-          <p:cNvSpPr>
-            <a:spLocks noGrp="1"/>
-          </p:cNvSpPr>
-          <p:nvPr>
-            <p:ph idx="1"/>
-          </p:nvPr>
-        </p:nvSpPr>
-        <p:spPr/>
-        <p:txBody>
-          <a:bodyPr/>
-          <a:lstStyle/>
-          <a:p>
-            <a:pPr lvl="1" algn="l" rtl="0"/>
-            <a:r>
-              <a:rPr lang="he-IL" dirty="0"/>
-              <a:t>לשים תמונות של עקיבה אחרי לוח ואחרי תא</a:t>
-            </a:r>
-            <a:endParaRPr lang="en-US" dirty="0"/>
-          </a:p>
-          <a:p>
-            <a:pPr lvl="1" algn="l" rtl="0"/>
-            <a:endParaRPr lang="he-IL" dirty="0"/>
           </a:p>
         </p:txBody>
       </p:sp>
@@ -8478,6 +9965,112 @@
           </a:p>
         </p:txBody>
       </p:sp>
+      <p:pic>
+        <p:nvPicPr>
+          <p:cNvPr id="6" name="תמונה 5">
+            <a:extLst>
+              <a:ext uri="{FF2B5EF4-FFF2-40B4-BE49-F238E27FC236}">
+                <a16:creationId xmlns:a16="http://schemas.microsoft.com/office/drawing/2014/main" id="{5B08CD8E-1C3A-4B3C-9B93-ACD6752A77CF}"/>
+              </a:ext>
+            </a:extLst>
+          </p:cNvPr>
+          <p:cNvPicPr>
+            <a:picLocks noChangeAspect="1"/>
+          </p:cNvPicPr>
+          <p:nvPr/>
+        </p:nvPicPr>
+        <p:blipFill>
+          <a:blip r:embed="rId4"/>
+          <a:stretch>
+            <a:fillRect/>
+          </a:stretch>
+        </p:blipFill>
+        <p:spPr>
+          <a:xfrm>
+            <a:off x="-1" y="1842448"/>
+            <a:ext cx="4267273" cy="3446947"/>
+          </a:xfrm>
+          <a:prstGeom prst="rect">
+            <a:avLst/>
+          </a:prstGeom>
+        </p:spPr>
+      </p:pic>
+      <p:pic>
+        <p:nvPicPr>
+          <p:cNvPr id="9" name="תמונה 8">
+            <a:extLst>
+              <a:ext uri="{FF2B5EF4-FFF2-40B4-BE49-F238E27FC236}">
+                <a16:creationId xmlns:a16="http://schemas.microsoft.com/office/drawing/2014/main" id="{7C6D293F-FEB5-416E-B5B9-648B9F8F7CE1}"/>
+              </a:ext>
+            </a:extLst>
+          </p:cNvPr>
+          <p:cNvPicPr>
+            <a:picLocks noChangeAspect="1"/>
+          </p:cNvPicPr>
+          <p:nvPr/>
+        </p:nvPicPr>
+        <p:blipFill>
+          <a:blip r:embed="rId5"/>
+          <a:stretch>
+            <a:fillRect/>
+          </a:stretch>
+        </p:blipFill>
+        <p:spPr>
+          <a:xfrm>
+            <a:off x="4712407" y="1842447"/>
+            <a:ext cx="4322411" cy="3402411"/>
+          </a:xfrm>
+          <a:prstGeom prst="rect">
+            <a:avLst/>
+          </a:prstGeom>
+        </p:spPr>
+      </p:pic>
+      <p:sp>
+        <p:nvSpPr>
+          <p:cNvPr id="10" name="חץ: ימינה 9">
+            <a:extLst>
+              <a:ext uri="{FF2B5EF4-FFF2-40B4-BE49-F238E27FC236}">
+                <a16:creationId xmlns:a16="http://schemas.microsoft.com/office/drawing/2014/main" id="{3A80D5BF-66F6-47AE-91C9-F2282A984EEA}"/>
+              </a:ext>
+            </a:extLst>
+          </p:cNvPr>
+          <p:cNvSpPr/>
+          <p:nvPr/>
+        </p:nvSpPr>
+        <p:spPr>
+          <a:xfrm>
+            <a:off x="4267273" y="3111689"/>
+            <a:ext cx="609451" cy="696035"/>
+          </a:xfrm>
+          <a:prstGeom prst="rightArrow">
+            <a:avLst/>
+          </a:prstGeom>
+        </p:spPr>
+        <p:style>
+          <a:lnRef idx="2">
+            <a:schemeClr val="accent1">
+              <a:shade val="50000"/>
+            </a:schemeClr>
+          </a:lnRef>
+          <a:fillRef idx="1">
+            <a:schemeClr val="accent1"/>
+          </a:fillRef>
+          <a:effectRef idx="0">
+            <a:schemeClr val="accent1"/>
+          </a:effectRef>
+          <a:fontRef idx="minor">
+            <a:schemeClr val="lt1"/>
+          </a:fontRef>
+        </p:style>
+        <p:txBody>
+          <a:bodyPr rtlCol="1" anchor="ctr"/>
+          <a:lstStyle/>
+          <a:p>
+            <a:pPr algn="ctr"/>
+            <a:endParaRPr lang="he-IL"/>
+          </a:p>
+        </p:txBody>
+      </p:sp>
     </p:spTree>
     <p:extLst>
       <p:ext uri="{BB962C8B-B14F-4D97-AF65-F5344CB8AC3E}">
@@ -8524,7 +10117,12 @@
             <p:ph type="title"/>
           </p:nvPr>
         </p:nvSpPr>
-        <p:spPr/>
+        <p:spPr>
+          <a:xfrm>
+            <a:off x="628650" y="-282574"/>
+            <a:ext cx="7886700" cy="1325563"/>
+          </a:xfrm>
+        </p:spPr>
         <p:txBody>
           <a:bodyPr/>
           <a:lstStyle/>
@@ -8545,40 +10143,6 @@
               </a:solidFill>
               <a:latin typeface="Calibri"/>
             </a:endParaRPr>
-          </a:p>
-        </p:txBody>
-      </p:sp>
-      <p:sp>
-        <p:nvSpPr>
-          <p:cNvPr id="3" name="מציין מיקום תוכן 2">
-            <a:extLst>
-              <a:ext uri="{FF2B5EF4-FFF2-40B4-BE49-F238E27FC236}">
-                <a16:creationId xmlns:a16="http://schemas.microsoft.com/office/drawing/2014/main" id="{4E953C7B-A8C0-430E-A2AA-272B223256CE}"/>
-              </a:ext>
-            </a:extLst>
-          </p:cNvPr>
-          <p:cNvSpPr>
-            <a:spLocks noGrp="1"/>
-          </p:cNvSpPr>
-          <p:nvPr>
-            <p:ph idx="1"/>
-          </p:nvPr>
-        </p:nvSpPr>
-        <p:spPr/>
-        <p:txBody>
-          <a:bodyPr/>
-          <a:lstStyle/>
-          <a:p>
-            <a:pPr lvl="1" algn="l" rtl="0"/>
-            <a:r>
-              <a:rPr lang="he-IL" dirty="0"/>
-              <a:t>לשים תמונות של עקיבה אחרי לוח ואחרי תא</a:t>
-            </a:r>
-            <a:endParaRPr lang="en-US" dirty="0"/>
-          </a:p>
-          <a:p>
-            <a:pPr lvl="1" algn="l" rtl="0"/>
-            <a:endParaRPr lang="he-IL" dirty="0"/>
           </a:p>
         </p:txBody>
       </p:sp>
@@ -8587,7 +10151,7 @@
           <p:cNvPr id="5" name="תמונה 4">
             <a:extLst>
               <a:ext uri="{FF2B5EF4-FFF2-40B4-BE49-F238E27FC236}">
-                <a16:creationId xmlns:a16="http://schemas.microsoft.com/office/drawing/2014/main" id="{674FECD9-3C19-4264-B66A-77D17D9F3F61}"/>
+                <a16:creationId xmlns:a16="http://schemas.microsoft.com/office/drawing/2014/main" id="{3BBA6E83-B34B-4B02-827B-4578FC7C439B}"/>
               </a:ext>
             </a:extLst>
           </p:cNvPr>
@@ -8617,7 +10181,7 @@
           <p:cNvPr id="7" name="Subtitle 2">
             <a:extLst>
               <a:ext uri="{FF2B5EF4-FFF2-40B4-BE49-F238E27FC236}">
-                <a16:creationId xmlns:a16="http://schemas.microsoft.com/office/drawing/2014/main" id="{55901D7B-C27A-4C5B-A5DD-3ACBA3B98725}"/>
+                <a16:creationId xmlns:a16="http://schemas.microsoft.com/office/drawing/2014/main" id="{16A69E19-8EE1-420B-A24B-A295453DDAB3}"/>
               </a:ext>
             </a:extLst>
           </p:cNvPr>
@@ -8834,10 +10398,196 @@
           </a:p>
         </p:txBody>
       </p:sp>
+      <p:pic>
+        <p:nvPicPr>
+          <p:cNvPr id="13" name="תמונה 12">
+            <a:extLst>
+              <a:ext uri="{FF2B5EF4-FFF2-40B4-BE49-F238E27FC236}">
+                <a16:creationId xmlns:a16="http://schemas.microsoft.com/office/drawing/2014/main" id="{233E4795-F8ED-4527-A29C-A1DC08138055}"/>
+              </a:ext>
+            </a:extLst>
+          </p:cNvPr>
+          <p:cNvPicPr>
+            <a:picLocks noChangeAspect="1"/>
+          </p:cNvPicPr>
+          <p:nvPr/>
+        </p:nvPicPr>
+        <p:blipFill>
+          <a:blip r:embed="rId4"/>
+          <a:stretch>
+            <a:fillRect/>
+          </a:stretch>
+        </p:blipFill>
+        <p:spPr>
+          <a:xfrm>
+            <a:off x="0" y="776104"/>
+            <a:ext cx="4039692" cy="3096602"/>
+          </a:xfrm>
+          <a:prstGeom prst="rect">
+            <a:avLst/>
+          </a:prstGeom>
+        </p:spPr>
+      </p:pic>
+      <p:pic>
+        <p:nvPicPr>
+          <p:cNvPr id="15" name="תמונה 14">
+            <a:extLst>
+              <a:ext uri="{FF2B5EF4-FFF2-40B4-BE49-F238E27FC236}">
+                <a16:creationId xmlns:a16="http://schemas.microsoft.com/office/drawing/2014/main" id="{4F46B4C0-5FB8-4228-A13C-2EC2C725E65C}"/>
+              </a:ext>
+            </a:extLst>
+          </p:cNvPr>
+          <p:cNvPicPr>
+            <a:picLocks noChangeAspect="1"/>
+          </p:cNvPicPr>
+          <p:nvPr/>
+        </p:nvPicPr>
+        <p:blipFill>
+          <a:blip r:embed="rId5"/>
+          <a:stretch>
+            <a:fillRect/>
+          </a:stretch>
+        </p:blipFill>
+        <p:spPr>
+          <a:xfrm>
+            <a:off x="4986337" y="750705"/>
+            <a:ext cx="4144962" cy="3133259"/>
+          </a:xfrm>
+          <a:prstGeom prst="rect">
+            <a:avLst/>
+          </a:prstGeom>
+        </p:spPr>
+      </p:pic>
+      <p:sp>
+        <p:nvSpPr>
+          <p:cNvPr id="16" name="חץ: ימינה 15">
+            <a:extLst>
+              <a:ext uri="{FF2B5EF4-FFF2-40B4-BE49-F238E27FC236}">
+                <a16:creationId xmlns:a16="http://schemas.microsoft.com/office/drawing/2014/main" id="{CAC1AB34-3775-4F65-BC80-7E0EF20B5DC9}"/>
+              </a:ext>
+            </a:extLst>
+          </p:cNvPr>
+          <p:cNvSpPr/>
+          <p:nvPr/>
+        </p:nvSpPr>
+        <p:spPr>
+          <a:xfrm>
+            <a:off x="4178299" y="1758158"/>
+            <a:ext cx="808038" cy="812800"/>
+          </a:xfrm>
+          <a:prstGeom prst="rightArrow">
+            <a:avLst/>
+          </a:prstGeom>
+        </p:spPr>
+        <p:style>
+          <a:lnRef idx="2">
+            <a:schemeClr val="accent1">
+              <a:shade val="50000"/>
+            </a:schemeClr>
+          </a:lnRef>
+          <a:fillRef idx="1">
+            <a:schemeClr val="accent1"/>
+          </a:fillRef>
+          <a:effectRef idx="0">
+            <a:schemeClr val="accent1"/>
+          </a:effectRef>
+          <a:fontRef idx="minor">
+            <a:schemeClr val="lt1"/>
+          </a:fontRef>
+        </p:style>
+        <p:txBody>
+          <a:bodyPr rtlCol="1" anchor="ctr"/>
+          <a:lstStyle/>
+          <a:p>
+            <a:pPr algn="ctr"/>
+            <a:endParaRPr lang="he-IL"/>
+          </a:p>
+        </p:txBody>
+      </p:sp>
+      <p:pic>
+        <p:nvPicPr>
+          <p:cNvPr id="18" name="תמונה 17">
+            <a:extLst>
+              <a:ext uri="{FF2B5EF4-FFF2-40B4-BE49-F238E27FC236}">
+                <a16:creationId xmlns:a16="http://schemas.microsoft.com/office/drawing/2014/main" id="{F8DFDE64-5EF9-4774-A9F7-621152E4DF9E}"/>
+              </a:ext>
+            </a:extLst>
+          </p:cNvPr>
+          <p:cNvPicPr>
+            <a:picLocks noChangeAspect="1"/>
+          </p:cNvPicPr>
+          <p:nvPr/>
+        </p:nvPicPr>
+        <p:blipFill>
+          <a:blip r:embed="rId6"/>
+          <a:stretch>
+            <a:fillRect/>
+          </a:stretch>
+        </p:blipFill>
+        <p:spPr>
+          <a:xfrm>
+            <a:off x="5181600" y="3919672"/>
+            <a:ext cx="3333750" cy="2560173"/>
+          </a:xfrm>
+          <a:prstGeom prst="rect">
+            <a:avLst/>
+          </a:prstGeom>
+        </p:spPr>
+      </p:pic>
+      <p:sp>
+        <p:nvSpPr>
+          <p:cNvPr id="20" name="חץ: ימינה 19">
+            <a:extLst>
+              <a:ext uri="{FF2B5EF4-FFF2-40B4-BE49-F238E27FC236}">
+                <a16:creationId xmlns:a16="http://schemas.microsoft.com/office/drawing/2014/main" id="{D41B2607-0223-4966-8B31-1799E6247195}"/>
+              </a:ext>
+            </a:extLst>
+          </p:cNvPr>
+          <p:cNvSpPr/>
+          <p:nvPr/>
+        </p:nvSpPr>
+        <p:spPr>
+          <a:xfrm>
+            <a:off x="1854198" y="4524984"/>
+            <a:ext cx="3022601" cy="812800"/>
+          </a:xfrm>
+          <a:prstGeom prst="rightArrow">
+            <a:avLst/>
+          </a:prstGeom>
+        </p:spPr>
+        <p:style>
+          <a:lnRef idx="2">
+            <a:schemeClr val="accent1">
+              <a:shade val="50000"/>
+            </a:schemeClr>
+          </a:lnRef>
+          <a:fillRef idx="1">
+            <a:schemeClr val="accent1"/>
+          </a:fillRef>
+          <a:effectRef idx="0">
+            <a:schemeClr val="accent1"/>
+          </a:effectRef>
+          <a:fontRef idx="minor">
+            <a:schemeClr val="lt1"/>
+          </a:fontRef>
+        </p:style>
+        <p:txBody>
+          <a:bodyPr rtlCol="1" anchor="ctr"/>
+          <a:lstStyle/>
+          <a:p>
+            <a:pPr algn="ctr"/>
+            <a:r>
+              <a:rPr lang="en-US" dirty="0"/>
+              <a:t>After 9 correct iterations</a:t>
+            </a:r>
+            <a:endParaRPr lang="he-IL" dirty="0"/>
+          </a:p>
+        </p:txBody>
+      </p:sp>
     </p:spTree>
     <p:extLst>
       <p:ext uri="{BB962C8B-B14F-4D97-AF65-F5344CB8AC3E}">
-        <p14:creationId xmlns:p14="http://schemas.microsoft.com/office/powerpoint/2010/main" val="3538498136"/>
+        <p14:creationId xmlns:p14="http://schemas.microsoft.com/office/powerpoint/2010/main" val="3214462957"/>
       </p:ext>
     </p:extLst>
   </p:cSld>
@@ -8848,6 +10598,706 @@
 </file>
 
 <file path=ppt/slides/slide15.xml><?xml version="1.0" encoding="utf-8"?>
+<p:sld xmlns:a="http://schemas.openxmlformats.org/drawingml/2006/main" xmlns:r="http://schemas.openxmlformats.org/officeDocument/2006/relationships" xmlns:p="http://schemas.openxmlformats.org/presentationml/2006/main">
+  <p:cSld>
+    <p:spTree>
+      <p:nvGrpSpPr>
+        <p:cNvPr id="1" name=""/>
+        <p:cNvGrpSpPr/>
+        <p:nvPr/>
+      </p:nvGrpSpPr>
+      <p:grpSpPr>
+        <a:xfrm>
+          <a:off x="0" y="0"/>
+          <a:ext cx="0" cy="0"/>
+          <a:chOff x="0" y="0"/>
+          <a:chExt cx="0" cy="0"/>
+        </a:xfrm>
+      </p:grpSpPr>
+      <p:pic>
+        <p:nvPicPr>
+          <p:cNvPr id="6" name="תמונה 5">
+            <a:extLst>
+              <a:ext uri="{FF2B5EF4-FFF2-40B4-BE49-F238E27FC236}">
+                <a16:creationId xmlns:a16="http://schemas.microsoft.com/office/drawing/2014/main" id="{9CEB2D3B-0837-4033-BBD8-E2E2A8A3DDE5}"/>
+              </a:ext>
+            </a:extLst>
+          </p:cNvPr>
+          <p:cNvPicPr/>
+          <p:nvPr/>
+        </p:nvPicPr>
+        <p:blipFill>
+          <a:blip r:embed="rId2"/>
+          <a:stretch>
+            <a:fillRect/>
+          </a:stretch>
+        </p:blipFill>
+        <p:spPr>
+          <a:xfrm>
+            <a:off x="0" y="0"/>
+            <a:ext cx="5630779" cy="3041584"/>
+          </a:xfrm>
+          <a:prstGeom prst="rect">
+            <a:avLst/>
+          </a:prstGeom>
+        </p:spPr>
+      </p:pic>
+      <p:pic>
+        <p:nvPicPr>
+          <p:cNvPr id="9" name="תמונה 8">
+            <a:extLst>
+              <a:ext uri="{FF2B5EF4-FFF2-40B4-BE49-F238E27FC236}">
+                <a16:creationId xmlns:a16="http://schemas.microsoft.com/office/drawing/2014/main" id="{3AE23727-9427-4A32-9875-4CA504832A24}"/>
+              </a:ext>
+            </a:extLst>
+          </p:cNvPr>
+          <p:cNvPicPr/>
+          <p:nvPr/>
+        </p:nvPicPr>
+        <p:blipFill rotWithShape="1">
+          <a:blip r:embed="rId3"/>
+          <a:srcRect l="8824" r="8324"/>
+          <a:stretch/>
+        </p:blipFill>
+        <p:spPr>
+          <a:xfrm>
+            <a:off x="3291839" y="3205214"/>
+            <a:ext cx="5216893" cy="3041584"/>
+          </a:xfrm>
+          <a:prstGeom prst="rect">
+            <a:avLst/>
+          </a:prstGeom>
+        </p:spPr>
+      </p:pic>
+      <p:pic>
+        <p:nvPicPr>
+          <p:cNvPr id="13" name="תמונה 12">
+            <a:extLst>
+              <a:ext uri="{FF2B5EF4-FFF2-40B4-BE49-F238E27FC236}">
+                <a16:creationId xmlns:a16="http://schemas.microsoft.com/office/drawing/2014/main" id="{2239FE75-8A50-48AA-9140-F16E0D57D26D}"/>
+              </a:ext>
+            </a:extLst>
+          </p:cNvPr>
+          <p:cNvPicPr>
+            <a:picLocks noChangeAspect="1"/>
+          </p:cNvPicPr>
+          <p:nvPr/>
+        </p:nvPicPr>
+        <p:blipFill>
+          <a:blip r:embed="rId4"/>
+          <a:stretch>
+            <a:fillRect/>
+          </a:stretch>
+        </p:blipFill>
+        <p:spPr>
+          <a:xfrm>
+            <a:off x="4081462" y="6505575"/>
+            <a:ext cx="981075" cy="352425"/>
+          </a:xfrm>
+          <a:prstGeom prst="rect">
+            <a:avLst/>
+          </a:prstGeom>
+        </p:spPr>
+      </p:pic>
+      <p:sp>
+        <p:nvSpPr>
+          <p:cNvPr id="15" name="Subtitle 2">
+            <a:extLst>
+              <a:ext uri="{FF2B5EF4-FFF2-40B4-BE49-F238E27FC236}">
+                <a16:creationId xmlns:a16="http://schemas.microsoft.com/office/drawing/2014/main" id="{1FB6FD92-AC26-4094-A796-63D496812440}"/>
+              </a:ext>
+            </a:extLst>
+          </p:cNvPr>
+          <p:cNvSpPr txBox="1">
+            <a:spLocks/>
+          </p:cNvSpPr>
+          <p:nvPr/>
+        </p:nvSpPr>
+        <p:spPr>
+          <a:xfrm>
+            <a:off x="8562668" y="6359024"/>
+            <a:ext cx="581331" cy="498976"/>
+          </a:xfrm>
+          <a:prstGeom prst="rect">
+            <a:avLst/>
+          </a:prstGeom>
+        </p:spPr>
+        <p:txBody>
+          <a:bodyPr vert="horz" lIns="91440" tIns="45720" rIns="91440" bIns="45720" rtlCol="1" anchor="t">
+            <a:noAutofit/>
+          </a:bodyPr>
+          <a:lstStyle>
+            <a:lvl1pPr marL="0" indent="0" algn="ctr" defTabSz="914400" rtl="1" eaLnBrk="1" latinLnBrk="0" hangingPunct="1">
+              <a:lnSpc>
+                <a:spcPct val="90000"/>
+              </a:lnSpc>
+              <a:spcBef>
+                <a:spcPct val="20000"/>
+              </a:spcBef>
+              <a:buFont typeface="Arial" panose="020B0604020202020204" pitchFamily="34" charset="0"/>
+              <a:buNone/>
+              <a:defRPr sz="3200" kern="1200">
+                <a:solidFill>
+                  <a:schemeClr val="tx1">
+                    <a:tint val="75000"/>
+                  </a:schemeClr>
+                </a:solidFill>
+                <a:latin typeface="+mn-lt"/>
+                <a:ea typeface="+mn-ea"/>
+                <a:cs typeface="+mn-cs"/>
+              </a:defRPr>
+            </a:lvl1pPr>
+            <a:lvl2pPr marL="457200" indent="0" algn="ctr" defTabSz="914400" rtl="1" eaLnBrk="1" latinLnBrk="0" hangingPunct="1">
+              <a:lnSpc>
+                <a:spcPct val="90000"/>
+              </a:lnSpc>
+              <a:spcBef>
+                <a:spcPct val="20000"/>
+              </a:spcBef>
+              <a:buFont typeface="Arial" panose="020B0604020202020204" pitchFamily="34" charset="0"/>
+              <a:buNone/>
+              <a:defRPr sz="2800" kern="1200">
+                <a:solidFill>
+                  <a:schemeClr val="tx1">
+                    <a:tint val="75000"/>
+                  </a:schemeClr>
+                </a:solidFill>
+                <a:latin typeface="+mn-lt"/>
+                <a:ea typeface="+mn-ea"/>
+                <a:cs typeface="+mn-cs"/>
+              </a:defRPr>
+            </a:lvl2pPr>
+            <a:lvl3pPr marL="914400" indent="0" algn="ctr" defTabSz="914400" rtl="1" eaLnBrk="1" latinLnBrk="0" hangingPunct="1">
+              <a:lnSpc>
+                <a:spcPct val="90000"/>
+              </a:lnSpc>
+              <a:spcBef>
+                <a:spcPct val="20000"/>
+              </a:spcBef>
+              <a:buFont typeface="Arial" panose="020B0604020202020204" pitchFamily="34" charset="0"/>
+              <a:buNone/>
+              <a:defRPr sz="2400" kern="1200">
+                <a:solidFill>
+                  <a:schemeClr val="tx1">
+                    <a:tint val="75000"/>
+                  </a:schemeClr>
+                </a:solidFill>
+                <a:latin typeface="+mn-lt"/>
+                <a:ea typeface="+mn-ea"/>
+                <a:cs typeface="+mn-cs"/>
+              </a:defRPr>
+            </a:lvl3pPr>
+            <a:lvl4pPr marL="1371600" indent="0" algn="ctr" defTabSz="914400" rtl="1" eaLnBrk="1" latinLnBrk="0" hangingPunct="1">
+              <a:lnSpc>
+                <a:spcPct val="90000"/>
+              </a:lnSpc>
+              <a:spcBef>
+                <a:spcPct val="20000"/>
+              </a:spcBef>
+              <a:buFont typeface="Arial" panose="020B0604020202020204" pitchFamily="34" charset="0"/>
+              <a:buNone/>
+              <a:defRPr sz="2000" kern="1200">
+                <a:solidFill>
+                  <a:schemeClr val="tx1">
+                    <a:tint val="75000"/>
+                  </a:schemeClr>
+                </a:solidFill>
+                <a:latin typeface="+mn-lt"/>
+                <a:ea typeface="+mn-ea"/>
+                <a:cs typeface="+mn-cs"/>
+              </a:defRPr>
+            </a:lvl4pPr>
+            <a:lvl5pPr marL="1828800" indent="0" algn="ctr" defTabSz="914400" rtl="1" eaLnBrk="1" latinLnBrk="0" hangingPunct="1">
+              <a:lnSpc>
+                <a:spcPct val="90000"/>
+              </a:lnSpc>
+              <a:spcBef>
+                <a:spcPct val="20000"/>
+              </a:spcBef>
+              <a:buFont typeface="Arial" panose="020B0604020202020204" pitchFamily="34" charset="0"/>
+              <a:buNone/>
+              <a:defRPr sz="2000" kern="1200">
+                <a:solidFill>
+                  <a:schemeClr val="tx1">
+                    <a:tint val="75000"/>
+                  </a:schemeClr>
+                </a:solidFill>
+                <a:latin typeface="+mn-lt"/>
+                <a:ea typeface="+mn-ea"/>
+                <a:cs typeface="+mn-cs"/>
+              </a:defRPr>
+            </a:lvl5pPr>
+            <a:lvl6pPr marL="2286000" indent="0" algn="ctr" defTabSz="914400" rtl="1" eaLnBrk="1" latinLnBrk="0" hangingPunct="1">
+              <a:lnSpc>
+                <a:spcPct val="90000"/>
+              </a:lnSpc>
+              <a:spcBef>
+                <a:spcPct val="20000"/>
+              </a:spcBef>
+              <a:buFont typeface="Arial" panose="020B0604020202020204" pitchFamily="34" charset="0"/>
+              <a:buNone/>
+              <a:defRPr sz="2000" kern="1200">
+                <a:solidFill>
+                  <a:schemeClr val="tx1">
+                    <a:tint val="75000"/>
+                  </a:schemeClr>
+                </a:solidFill>
+                <a:latin typeface="+mn-lt"/>
+                <a:ea typeface="+mn-ea"/>
+                <a:cs typeface="+mn-cs"/>
+              </a:defRPr>
+            </a:lvl6pPr>
+            <a:lvl7pPr marL="2743200" indent="0" algn="ctr" defTabSz="914400" rtl="1" eaLnBrk="1" latinLnBrk="0" hangingPunct="1">
+              <a:lnSpc>
+                <a:spcPct val="90000"/>
+              </a:lnSpc>
+              <a:spcBef>
+                <a:spcPct val="20000"/>
+              </a:spcBef>
+              <a:buFont typeface="Arial" panose="020B0604020202020204" pitchFamily="34" charset="0"/>
+              <a:buNone/>
+              <a:defRPr sz="2000" kern="1200">
+                <a:solidFill>
+                  <a:schemeClr val="tx1">
+                    <a:tint val="75000"/>
+                  </a:schemeClr>
+                </a:solidFill>
+                <a:latin typeface="+mn-lt"/>
+                <a:ea typeface="+mn-ea"/>
+                <a:cs typeface="+mn-cs"/>
+              </a:defRPr>
+            </a:lvl7pPr>
+            <a:lvl8pPr marL="3200400" indent="0" algn="ctr" defTabSz="914400" rtl="1" eaLnBrk="1" latinLnBrk="0" hangingPunct="1">
+              <a:lnSpc>
+                <a:spcPct val="90000"/>
+              </a:lnSpc>
+              <a:spcBef>
+                <a:spcPct val="20000"/>
+              </a:spcBef>
+              <a:buFont typeface="Arial" panose="020B0604020202020204" pitchFamily="34" charset="0"/>
+              <a:buNone/>
+              <a:defRPr sz="2000" kern="1200">
+                <a:solidFill>
+                  <a:schemeClr val="tx1">
+                    <a:tint val="75000"/>
+                  </a:schemeClr>
+                </a:solidFill>
+                <a:latin typeface="+mn-lt"/>
+                <a:ea typeface="+mn-ea"/>
+                <a:cs typeface="+mn-cs"/>
+              </a:defRPr>
+            </a:lvl8pPr>
+            <a:lvl9pPr marL="3657600" indent="0" algn="ctr" defTabSz="914400" rtl="1" eaLnBrk="1" latinLnBrk="0" hangingPunct="1">
+              <a:lnSpc>
+                <a:spcPct val="90000"/>
+              </a:lnSpc>
+              <a:spcBef>
+                <a:spcPct val="20000"/>
+              </a:spcBef>
+              <a:buFont typeface="Arial" panose="020B0604020202020204" pitchFamily="34" charset="0"/>
+              <a:buNone/>
+              <a:defRPr sz="2000" kern="1200">
+                <a:solidFill>
+                  <a:schemeClr val="tx1">
+                    <a:tint val="75000"/>
+                  </a:schemeClr>
+                </a:solidFill>
+                <a:latin typeface="+mn-lt"/>
+                <a:ea typeface="+mn-ea"/>
+                <a:cs typeface="+mn-cs"/>
+              </a:defRPr>
+            </a:lvl9pPr>
+          </a:lstStyle>
+          <a:p>
+            <a:pPr algn="l" rtl="0"/>
+            <a:r>
+              <a:rPr lang="en-US" sz="2400" dirty="0">
+                <a:solidFill>
+                  <a:schemeClr val="tx1"/>
+                </a:solidFill>
+              </a:rPr>
+              <a:t>15</a:t>
+            </a:r>
+          </a:p>
+        </p:txBody>
+      </p:sp>
+    </p:spTree>
+    <p:extLst>
+      <p:ext uri="{BB962C8B-B14F-4D97-AF65-F5344CB8AC3E}">
+        <p14:creationId xmlns:p14="http://schemas.microsoft.com/office/powerpoint/2010/main" val="2381276365"/>
+      </p:ext>
+    </p:extLst>
+  </p:cSld>
+  <p:clrMapOvr>
+    <a:masterClrMapping/>
+  </p:clrMapOvr>
+</p:sld>
+</file>
+
+<file path=ppt/slides/slide16.xml><?xml version="1.0" encoding="utf-8"?>
+<p:sld xmlns:a="http://schemas.openxmlformats.org/drawingml/2006/main" xmlns:r="http://schemas.openxmlformats.org/officeDocument/2006/relationships" xmlns:p="http://schemas.openxmlformats.org/presentationml/2006/main">
+  <p:cSld>
+    <p:spTree>
+      <p:nvGrpSpPr>
+        <p:cNvPr id="1" name=""/>
+        <p:cNvGrpSpPr/>
+        <p:nvPr/>
+      </p:nvGrpSpPr>
+      <p:grpSpPr>
+        <a:xfrm>
+          <a:off x="0" y="0"/>
+          <a:ext cx="0" cy="0"/>
+          <a:chOff x="0" y="0"/>
+          <a:chExt cx="0" cy="0"/>
+        </a:xfrm>
+      </p:grpSpPr>
+      <p:pic>
+        <p:nvPicPr>
+          <p:cNvPr id="5" name="תמונה 4">
+            <a:extLst>
+              <a:ext uri="{FF2B5EF4-FFF2-40B4-BE49-F238E27FC236}">
+                <a16:creationId xmlns:a16="http://schemas.microsoft.com/office/drawing/2014/main" id="{F43801AD-46CB-42EF-B6E0-F469BA2061CF}"/>
+              </a:ext>
+            </a:extLst>
+          </p:cNvPr>
+          <p:cNvPicPr/>
+          <p:nvPr/>
+        </p:nvPicPr>
+        <p:blipFill rotWithShape="1">
+          <a:blip r:embed="rId2"/>
+          <a:srcRect l="8759" r="8754"/>
+          <a:stretch/>
+        </p:blipFill>
+        <p:spPr>
+          <a:xfrm>
+            <a:off x="77002" y="0"/>
+            <a:ext cx="4995511" cy="3224463"/>
+          </a:xfrm>
+          <a:prstGeom prst="rect">
+            <a:avLst/>
+          </a:prstGeom>
+        </p:spPr>
+      </p:pic>
+      <p:pic>
+        <p:nvPicPr>
+          <p:cNvPr id="12" name="תמונה 11">
+            <a:extLst>
+              <a:ext uri="{FF2B5EF4-FFF2-40B4-BE49-F238E27FC236}">
+                <a16:creationId xmlns:a16="http://schemas.microsoft.com/office/drawing/2014/main" id="{5EF42004-4CBA-41E8-B448-4ED7EB8C6D15}"/>
+              </a:ext>
+            </a:extLst>
+          </p:cNvPr>
+          <p:cNvPicPr/>
+          <p:nvPr/>
+        </p:nvPicPr>
+        <p:blipFill rotWithShape="1">
+          <a:blip r:embed="rId3"/>
+          <a:srcRect l="8754" r="8759"/>
+          <a:stretch/>
+        </p:blipFill>
+        <p:spPr>
+          <a:xfrm>
+            <a:off x="3907856" y="3165508"/>
+            <a:ext cx="5082140" cy="3106554"/>
+          </a:xfrm>
+          <a:prstGeom prst="rect">
+            <a:avLst/>
+          </a:prstGeom>
+        </p:spPr>
+      </p:pic>
+      <p:pic>
+        <p:nvPicPr>
+          <p:cNvPr id="15" name="תמונה 14">
+            <a:extLst>
+              <a:ext uri="{FF2B5EF4-FFF2-40B4-BE49-F238E27FC236}">
+                <a16:creationId xmlns:a16="http://schemas.microsoft.com/office/drawing/2014/main" id="{946282BD-A31A-405E-8C1E-5B149CD34FFF}"/>
+              </a:ext>
+            </a:extLst>
+          </p:cNvPr>
+          <p:cNvPicPr/>
+          <p:nvPr/>
+        </p:nvPicPr>
+        <p:blipFill rotWithShape="1">
+          <a:blip r:embed="rId4"/>
+          <a:srcRect l="31000" t="23118" r="28954"/>
+          <a:stretch/>
+        </p:blipFill>
+        <p:spPr>
+          <a:xfrm>
+            <a:off x="243037" y="3993280"/>
+            <a:ext cx="3287028" cy="1839629"/>
+          </a:xfrm>
+          <a:prstGeom prst="rect">
+            <a:avLst/>
+          </a:prstGeom>
+        </p:spPr>
+      </p:pic>
+      <p:pic>
+        <p:nvPicPr>
+          <p:cNvPr id="17" name="תמונה 16">
+            <a:extLst>
+              <a:ext uri="{FF2B5EF4-FFF2-40B4-BE49-F238E27FC236}">
+                <a16:creationId xmlns:a16="http://schemas.microsoft.com/office/drawing/2014/main" id="{8DB1316F-4520-44E4-8F36-D957A1FA91C2}"/>
+              </a:ext>
+            </a:extLst>
+          </p:cNvPr>
+          <p:cNvPicPr>
+            <a:picLocks noChangeAspect="1"/>
+          </p:cNvPicPr>
+          <p:nvPr/>
+        </p:nvPicPr>
+        <p:blipFill>
+          <a:blip r:embed="rId5"/>
+          <a:stretch>
+            <a:fillRect/>
+          </a:stretch>
+        </p:blipFill>
+        <p:spPr>
+          <a:xfrm>
+            <a:off x="4081462" y="6505575"/>
+            <a:ext cx="981075" cy="352425"/>
+          </a:xfrm>
+          <a:prstGeom prst="rect">
+            <a:avLst/>
+          </a:prstGeom>
+        </p:spPr>
+      </p:pic>
+      <p:sp>
+        <p:nvSpPr>
+          <p:cNvPr id="19" name="Subtitle 2">
+            <a:extLst>
+              <a:ext uri="{FF2B5EF4-FFF2-40B4-BE49-F238E27FC236}">
+                <a16:creationId xmlns:a16="http://schemas.microsoft.com/office/drawing/2014/main" id="{44139641-3F64-450D-8B65-66E52A4DA661}"/>
+              </a:ext>
+            </a:extLst>
+          </p:cNvPr>
+          <p:cNvSpPr txBox="1">
+            <a:spLocks/>
+          </p:cNvSpPr>
+          <p:nvPr/>
+        </p:nvSpPr>
+        <p:spPr>
+          <a:xfrm>
+            <a:off x="8562668" y="6359024"/>
+            <a:ext cx="581331" cy="498976"/>
+          </a:xfrm>
+          <a:prstGeom prst="rect">
+            <a:avLst/>
+          </a:prstGeom>
+        </p:spPr>
+        <p:txBody>
+          <a:bodyPr vert="horz" lIns="91440" tIns="45720" rIns="91440" bIns="45720" rtlCol="1" anchor="t">
+            <a:noAutofit/>
+          </a:bodyPr>
+          <a:lstStyle>
+            <a:lvl1pPr marL="0" indent="0" algn="ctr" defTabSz="914400" rtl="1" eaLnBrk="1" latinLnBrk="0" hangingPunct="1">
+              <a:lnSpc>
+                <a:spcPct val="90000"/>
+              </a:lnSpc>
+              <a:spcBef>
+                <a:spcPct val="20000"/>
+              </a:spcBef>
+              <a:buFont typeface="Arial" panose="020B0604020202020204" pitchFamily="34" charset="0"/>
+              <a:buNone/>
+              <a:defRPr sz="3200" kern="1200">
+                <a:solidFill>
+                  <a:schemeClr val="tx1">
+                    <a:tint val="75000"/>
+                  </a:schemeClr>
+                </a:solidFill>
+                <a:latin typeface="+mn-lt"/>
+                <a:ea typeface="+mn-ea"/>
+                <a:cs typeface="+mn-cs"/>
+              </a:defRPr>
+            </a:lvl1pPr>
+            <a:lvl2pPr marL="457200" indent="0" algn="ctr" defTabSz="914400" rtl="1" eaLnBrk="1" latinLnBrk="0" hangingPunct="1">
+              <a:lnSpc>
+                <a:spcPct val="90000"/>
+              </a:lnSpc>
+              <a:spcBef>
+                <a:spcPct val="20000"/>
+              </a:spcBef>
+              <a:buFont typeface="Arial" panose="020B0604020202020204" pitchFamily="34" charset="0"/>
+              <a:buNone/>
+              <a:defRPr sz="2800" kern="1200">
+                <a:solidFill>
+                  <a:schemeClr val="tx1">
+                    <a:tint val="75000"/>
+                  </a:schemeClr>
+                </a:solidFill>
+                <a:latin typeface="+mn-lt"/>
+                <a:ea typeface="+mn-ea"/>
+                <a:cs typeface="+mn-cs"/>
+              </a:defRPr>
+            </a:lvl2pPr>
+            <a:lvl3pPr marL="914400" indent="0" algn="ctr" defTabSz="914400" rtl="1" eaLnBrk="1" latinLnBrk="0" hangingPunct="1">
+              <a:lnSpc>
+                <a:spcPct val="90000"/>
+              </a:lnSpc>
+              <a:spcBef>
+                <a:spcPct val="20000"/>
+              </a:spcBef>
+              <a:buFont typeface="Arial" panose="020B0604020202020204" pitchFamily="34" charset="0"/>
+              <a:buNone/>
+              <a:defRPr sz="2400" kern="1200">
+                <a:solidFill>
+                  <a:schemeClr val="tx1">
+                    <a:tint val="75000"/>
+                  </a:schemeClr>
+                </a:solidFill>
+                <a:latin typeface="+mn-lt"/>
+                <a:ea typeface="+mn-ea"/>
+                <a:cs typeface="+mn-cs"/>
+              </a:defRPr>
+            </a:lvl3pPr>
+            <a:lvl4pPr marL="1371600" indent="0" algn="ctr" defTabSz="914400" rtl="1" eaLnBrk="1" latinLnBrk="0" hangingPunct="1">
+              <a:lnSpc>
+                <a:spcPct val="90000"/>
+              </a:lnSpc>
+              <a:spcBef>
+                <a:spcPct val="20000"/>
+              </a:spcBef>
+              <a:buFont typeface="Arial" panose="020B0604020202020204" pitchFamily="34" charset="0"/>
+              <a:buNone/>
+              <a:defRPr sz="2000" kern="1200">
+                <a:solidFill>
+                  <a:schemeClr val="tx1">
+                    <a:tint val="75000"/>
+                  </a:schemeClr>
+                </a:solidFill>
+                <a:latin typeface="+mn-lt"/>
+                <a:ea typeface="+mn-ea"/>
+                <a:cs typeface="+mn-cs"/>
+              </a:defRPr>
+            </a:lvl4pPr>
+            <a:lvl5pPr marL="1828800" indent="0" algn="ctr" defTabSz="914400" rtl="1" eaLnBrk="1" latinLnBrk="0" hangingPunct="1">
+              <a:lnSpc>
+                <a:spcPct val="90000"/>
+              </a:lnSpc>
+              <a:spcBef>
+                <a:spcPct val="20000"/>
+              </a:spcBef>
+              <a:buFont typeface="Arial" panose="020B0604020202020204" pitchFamily="34" charset="0"/>
+              <a:buNone/>
+              <a:defRPr sz="2000" kern="1200">
+                <a:solidFill>
+                  <a:schemeClr val="tx1">
+                    <a:tint val="75000"/>
+                  </a:schemeClr>
+                </a:solidFill>
+                <a:latin typeface="+mn-lt"/>
+                <a:ea typeface="+mn-ea"/>
+                <a:cs typeface="+mn-cs"/>
+              </a:defRPr>
+            </a:lvl5pPr>
+            <a:lvl6pPr marL="2286000" indent="0" algn="ctr" defTabSz="914400" rtl="1" eaLnBrk="1" latinLnBrk="0" hangingPunct="1">
+              <a:lnSpc>
+                <a:spcPct val="90000"/>
+              </a:lnSpc>
+              <a:spcBef>
+                <a:spcPct val="20000"/>
+              </a:spcBef>
+              <a:buFont typeface="Arial" panose="020B0604020202020204" pitchFamily="34" charset="0"/>
+              <a:buNone/>
+              <a:defRPr sz="2000" kern="1200">
+                <a:solidFill>
+                  <a:schemeClr val="tx1">
+                    <a:tint val="75000"/>
+                  </a:schemeClr>
+                </a:solidFill>
+                <a:latin typeface="+mn-lt"/>
+                <a:ea typeface="+mn-ea"/>
+                <a:cs typeface="+mn-cs"/>
+              </a:defRPr>
+            </a:lvl6pPr>
+            <a:lvl7pPr marL="2743200" indent="0" algn="ctr" defTabSz="914400" rtl="1" eaLnBrk="1" latinLnBrk="0" hangingPunct="1">
+              <a:lnSpc>
+                <a:spcPct val="90000"/>
+              </a:lnSpc>
+              <a:spcBef>
+                <a:spcPct val="20000"/>
+              </a:spcBef>
+              <a:buFont typeface="Arial" panose="020B0604020202020204" pitchFamily="34" charset="0"/>
+              <a:buNone/>
+              <a:defRPr sz="2000" kern="1200">
+                <a:solidFill>
+                  <a:schemeClr val="tx1">
+                    <a:tint val="75000"/>
+                  </a:schemeClr>
+                </a:solidFill>
+                <a:latin typeface="+mn-lt"/>
+                <a:ea typeface="+mn-ea"/>
+                <a:cs typeface="+mn-cs"/>
+              </a:defRPr>
+            </a:lvl7pPr>
+            <a:lvl8pPr marL="3200400" indent="0" algn="ctr" defTabSz="914400" rtl="1" eaLnBrk="1" latinLnBrk="0" hangingPunct="1">
+              <a:lnSpc>
+                <a:spcPct val="90000"/>
+              </a:lnSpc>
+              <a:spcBef>
+                <a:spcPct val="20000"/>
+              </a:spcBef>
+              <a:buFont typeface="Arial" panose="020B0604020202020204" pitchFamily="34" charset="0"/>
+              <a:buNone/>
+              <a:defRPr sz="2000" kern="1200">
+                <a:solidFill>
+                  <a:schemeClr val="tx1">
+                    <a:tint val="75000"/>
+                  </a:schemeClr>
+                </a:solidFill>
+                <a:latin typeface="+mn-lt"/>
+                <a:ea typeface="+mn-ea"/>
+                <a:cs typeface="+mn-cs"/>
+              </a:defRPr>
+            </a:lvl8pPr>
+            <a:lvl9pPr marL="3657600" indent="0" algn="ctr" defTabSz="914400" rtl="1" eaLnBrk="1" latinLnBrk="0" hangingPunct="1">
+              <a:lnSpc>
+                <a:spcPct val="90000"/>
+              </a:lnSpc>
+              <a:spcBef>
+                <a:spcPct val="20000"/>
+              </a:spcBef>
+              <a:buFont typeface="Arial" panose="020B0604020202020204" pitchFamily="34" charset="0"/>
+              <a:buNone/>
+              <a:defRPr sz="2000" kern="1200">
+                <a:solidFill>
+                  <a:schemeClr val="tx1">
+                    <a:tint val="75000"/>
+                  </a:schemeClr>
+                </a:solidFill>
+                <a:latin typeface="+mn-lt"/>
+                <a:ea typeface="+mn-ea"/>
+                <a:cs typeface="+mn-cs"/>
+              </a:defRPr>
+            </a:lvl9pPr>
+          </a:lstStyle>
+          <a:p>
+            <a:pPr algn="l" rtl="0"/>
+            <a:r>
+              <a:rPr lang="en-US" sz="2400" dirty="0">
+                <a:solidFill>
+                  <a:schemeClr val="tx1"/>
+                </a:solidFill>
+              </a:rPr>
+              <a:t>16</a:t>
+            </a:r>
+          </a:p>
+        </p:txBody>
+      </p:sp>
+    </p:spTree>
+    <p:extLst>
+      <p:ext uri="{BB962C8B-B14F-4D97-AF65-F5344CB8AC3E}">
+        <p14:creationId xmlns:p14="http://schemas.microsoft.com/office/powerpoint/2010/main" val="1681546242"/>
+      </p:ext>
+    </p:extLst>
+  </p:cSld>
+  <p:clrMapOvr>
+    <a:masterClrMapping/>
+  </p:clrMapOvr>
+</p:sld>
+</file>
+
+<file path=ppt/slides/slide17.xml><?xml version="1.0" encoding="utf-8"?>
 <p:sld xmlns:a="http://schemas.openxmlformats.org/drawingml/2006/main" xmlns:r="http://schemas.openxmlformats.org/officeDocument/2006/relationships" xmlns:p="http://schemas.openxmlformats.org/presentationml/2006/main">
   <p:cSld>
     <p:spTree>
@@ -8893,7 +11343,7 @@
                 </a:solidFill>
                 <a:latin typeface="Calibri"/>
               </a:rPr>
-              <a:t>Compare to backtracking</a:t>
+              <a:t>Comparison to backtracking</a:t>
             </a:r>
             <a:endParaRPr lang="he-IL" dirty="0">
               <a:solidFill>
@@ -8901,44 +11351,6 @@
               </a:solidFill>
               <a:latin typeface="Calibri"/>
             </a:endParaRPr>
-          </a:p>
-        </p:txBody>
-      </p:sp>
-      <p:sp>
-        <p:nvSpPr>
-          <p:cNvPr id="3" name="מציין מיקום תוכן 2">
-            <a:extLst>
-              <a:ext uri="{FF2B5EF4-FFF2-40B4-BE49-F238E27FC236}">
-                <a16:creationId xmlns:a16="http://schemas.microsoft.com/office/drawing/2014/main" id="{4E953C7B-A8C0-430E-A2AA-272B223256CE}"/>
-              </a:ext>
-            </a:extLst>
-          </p:cNvPr>
-          <p:cNvSpPr>
-            <a:spLocks noGrp="1"/>
-          </p:cNvSpPr>
-          <p:nvPr>
-            <p:ph idx="1"/>
-          </p:nvPr>
-        </p:nvSpPr>
-        <p:spPr/>
-        <p:txBody>
-          <a:bodyPr/>
-          <a:lstStyle/>
-          <a:p>
-            <a:pPr algn="l" rtl="0"/>
-            <a:r>
-              <a:rPr lang="he-IL" dirty="0"/>
-              <a:t>לשים את הגרף של ההשוואה עם הנקודות</a:t>
-            </a:r>
-            <a:endParaRPr lang="en-US" dirty="0"/>
-          </a:p>
-          <a:p>
-            <a:pPr lvl="1" algn="l" rtl="0"/>
-            <a:endParaRPr lang="en-US" dirty="0"/>
-          </a:p>
-          <a:p>
-            <a:pPr lvl="1" algn="l" rtl="0"/>
-            <a:endParaRPr lang="he-IL" dirty="0"/>
           </a:p>
         </p:txBody>
       </p:sp>
@@ -9189,11 +11601,41 @@
                   <a:schemeClr val="tx1"/>
                 </a:solidFill>
               </a:rPr>
-              <a:t>15</a:t>
+              <a:t>17</a:t>
             </a:r>
           </a:p>
         </p:txBody>
       </p:sp>
+      <p:pic>
+        <p:nvPicPr>
+          <p:cNvPr id="11" name="תמונה 10">
+            <a:extLst>
+              <a:ext uri="{FF2B5EF4-FFF2-40B4-BE49-F238E27FC236}">
+                <a16:creationId xmlns:a16="http://schemas.microsoft.com/office/drawing/2014/main" id="{3CEBA141-5622-4349-B557-7D87D01D5969}"/>
+              </a:ext>
+            </a:extLst>
+          </p:cNvPr>
+          <p:cNvPicPr>
+            <a:picLocks noChangeAspect="1"/>
+          </p:cNvPicPr>
+          <p:nvPr/>
+        </p:nvPicPr>
+        <p:blipFill>
+          <a:blip r:embed="rId4"/>
+          <a:stretch>
+            <a:fillRect/>
+          </a:stretch>
+        </p:blipFill>
+        <p:spPr>
+          <a:xfrm>
+            <a:off x="0" y="1310481"/>
+            <a:ext cx="9144000" cy="4897438"/>
+          </a:xfrm>
+          <a:prstGeom prst="rect">
+            <a:avLst/>
+          </a:prstGeom>
+        </p:spPr>
+      </p:pic>
     </p:spTree>
     <p:extLst>
       <p:ext uri="{BB962C8B-B14F-4D97-AF65-F5344CB8AC3E}">
@@ -9207,7 +11649,7 @@
 </p:sld>
 </file>
 
-<file path=ppt/slides/slide16.xml><?xml version="1.0" encoding="utf-8"?>
+<file path=ppt/slides/slide18.xml><?xml version="1.0" encoding="utf-8"?>
 <p:sld xmlns:a="http://schemas.openxmlformats.org/drawingml/2006/main" xmlns:r="http://schemas.openxmlformats.org/officeDocument/2006/relationships" xmlns:p="http://schemas.openxmlformats.org/presentationml/2006/main">
   <p:cSld>
     <p:spTree>
@@ -9253,7 +11695,7 @@
                 </a:solidFill>
                 <a:latin typeface="Calibri"/>
               </a:rPr>
-              <a:t>Compare to backtracking</a:t>
+              <a:t>Comparison to backtracking</a:t>
             </a:r>
             <a:endParaRPr lang="he-IL" dirty="0">
               <a:solidFill>
@@ -9261,44 +11703,6 @@
               </a:solidFill>
               <a:latin typeface="Calibri"/>
             </a:endParaRPr>
-          </a:p>
-        </p:txBody>
-      </p:sp>
-      <p:sp>
-        <p:nvSpPr>
-          <p:cNvPr id="3" name="מציין מיקום תוכן 2">
-            <a:extLst>
-              <a:ext uri="{FF2B5EF4-FFF2-40B4-BE49-F238E27FC236}">
-                <a16:creationId xmlns:a16="http://schemas.microsoft.com/office/drawing/2014/main" id="{4E953C7B-A8C0-430E-A2AA-272B223256CE}"/>
-              </a:ext>
-            </a:extLst>
-          </p:cNvPr>
-          <p:cNvSpPr>
-            <a:spLocks noGrp="1"/>
-          </p:cNvSpPr>
-          <p:nvPr>
-            <p:ph idx="1"/>
-          </p:nvPr>
-        </p:nvSpPr>
-        <p:spPr/>
-        <p:txBody>
-          <a:bodyPr/>
-          <a:lstStyle/>
-          <a:p>
-            <a:pPr algn="l" rtl="0"/>
-            <a:r>
-              <a:rPr lang="he-IL" dirty="0"/>
-              <a:t>לשים את הגרף של ההשוואה בממוצע</a:t>
-            </a:r>
-            <a:endParaRPr lang="en-US" dirty="0"/>
-          </a:p>
-          <a:p>
-            <a:pPr lvl="1" algn="l" rtl="0"/>
-            <a:endParaRPr lang="en-US" dirty="0"/>
-          </a:p>
-          <a:p>
-            <a:pPr lvl="1" algn="l" rtl="0"/>
-            <a:endParaRPr lang="he-IL" dirty="0"/>
           </a:p>
         </p:txBody>
       </p:sp>
@@ -9549,11 +11953,103 @@
                   <a:schemeClr val="tx1"/>
                 </a:solidFill>
               </a:rPr>
-              <a:t>16</a:t>
+              <a:t>18</a:t>
             </a:r>
           </a:p>
         </p:txBody>
       </p:sp>
+      <p:grpSp>
+        <p:nvGrpSpPr>
+          <p:cNvPr id="9" name="קבוצה 8">
+            <a:extLst>
+              <a:ext uri="{FF2B5EF4-FFF2-40B4-BE49-F238E27FC236}">
+                <a16:creationId xmlns:a16="http://schemas.microsoft.com/office/drawing/2014/main" id="{DB1CBA8F-4C2C-4C2B-998F-8E10F7EA4ACA}"/>
+              </a:ext>
+            </a:extLst>
+          </p:cNvPr>
+          <p:cNvGrpSpPr/>
+          <p:nvPr/>
+        </p:nvGrpSpPr>
+        <p:grpSpPr>
+          <a:xfrm>
+            <a:off x="308592" y="1322498"/>
+            <a:ext cx="7886700" cy="4781739"/>
+            <a:chOff x="308592" y="1322498"/>
+            <a:chExt cx="7886700" cy="4781739"/>
+          </a:xfrm>
+        </p:grpSpPr>
+        <p:pic>
+          <p:nvPicPr>
+            <p:cNvPr id="3" name="תמונה 2">
+              <a:extLst>
+                <a:ext uri="{FF2B5EF4-FFF2-40B4-BE49-F238E27FC236}">
+                  <a16:creationId xmlns:a16="http://schemas.microsoft.com/office/drawing/2014/main" id="{DC993087-AA5D-4A7A-B47C-2C28CBCD862C}"/>
+                </a:ext>
+              </a:extLst>
+            </p:cNvPr>
+            <p:cNvPicPr/>
+            <p:nvPr/>
+          </p:nvPicPr>
+          <p:blipFill rotWithShape="1">
+            <a:blip r:embed="rId4"/>
+            <a:srcRect l="-100" t="-1" r="100" b="1948"/>
+            <a:stretch/>
+          </p:blipFill>
+          <p:spPr bwMode="auto">
+            <a:xfrm>
+              <a:off x="308592" y="1322498"/>
+              <a:ext cx="7886700" cy="4781739"/>
+            </a:xfrm>
+            <a:prstGeom prst="rect">
+              <a:avLst/>
+            </a:prstGeom>
+            <a:ln>
+              <a:noFill/>
+            </a:ln>
+            <a:extLst>
+              <a:ext uri="{53640926-AAD7-44D8-BBD7-CCE9431645EC}">
+                <a14:shadowObscured xmlns:a14="http://schemas.microsoft.com/office/drawing/2010/main"/>
+              </a:ext>
+            </a:extLst>
+          </p:spPr>
+        </p:pic>
+        <p:sp>
+          <p:nvSpPr>
+            <p:cNvPr id="4" name="תיבת טקסט 3">
+              <a:extLst>
+                <a:ext uri="{FF2B5EF4-FFF2-40B4-BE49-F238E27FC236}">
+                  <a16:creationId xmlns:a16="http://schemas.microsoft.com/office/drawing/2014/main" id="{4E117350-856B-4A03-8A55-071C1093D9A1}"/>
+                </a:ext>
+              </a:extLst>
+            </p:cNvPr>
+            <p:cNvSpPr txBox="1"/>
+            <p:nvPr/>
+          </p:nvSpPr>
+          <p:spPr>
+            <a:xfrm rot="16200000">
+              <a:off x="601177" y="2883557"/>
+              <a:ext cx="325730" cy="261610"/>
+            </a:xfrm>
+            <a:prstGeom prst="rect">
+              <a:avLst/>
+            </a:prstGeom>
+            <a:noFill/>
+          </p:spPr>
+          <p:txBody>
+            <a:bodyPr wrap="none" rtlCol="1">
+              <a:spAutoFit/>
+            </a:bodyPr>
+            <a:lstStyle/>
+            <a:p>
+              <a:r>
+                <a:rPr lang="en-US" sz="1100" dirty="0"/>
+                <a:t>[s]</a:t>
+              </a:r>
+              <a:endParaRPr lang="he-IL" sz="1100" dirty="0"/>
+            </a:p>
+          </p:txBody>
+        </p:sp>
+      </p:grpSp>
     </p:spTree>
     <p:extLst>
       <p:ext uri="{BB962C8B-B14F-4D97-AF65-F5344CB8AC3E}">
@@ -9567,7 +12063,7 @@
 </p:sld>
 </file>
 
-<file path=ppt/slides/slide17.xml><?xml version="1.0" encoding="utf-8"?>
+<file path=ppt/slides/slide19.xml><?xml version="1.0" encoding="utf-8"?>
 <p:sld xmlns:a="http://schemas.openxmlformats.org/drawingml/2006/main" xmlns:r="http://schemas.openxmlformats.org/officeDocument/2006/relationships" xmlns:p="http://schemas.openxmlformats.org/presentationml/2006/main">
   <p:cSld>
     <p:spTree>
@@ -9648,21 +12144,21 @@
         </p:spPr>
         <p:txBody>
           <a:bodyPr>
-            <a:normAutofit fontScale="92500" lnSpcReduction="10000"/>
+            <a:normAutofit lnSpcReduction="10000"/>
           </a:bodyPr>
           <a:lstStyle/>
           <a:p>
             <a:pPr lvl="1" algn="l" rtl="0"/>
             <a:r>
               <a:rPr lang="en-US" sz="2800" dirty="0"/>
-              <a:t>Neural nets are possible to “learn” the Sudoku rules and play it successfully</a:t>
+              <a:t>Neural nets can “learn” the Sudoku rules and play successfully</a:t>
             </a:r>
           </a:p>
           <a:p>
             <a:pPr lvl="2" algn="l" rtl="0"/>
             <a:r>
               <a:rPr lang="en-US" sz="2600" dirty="0"/>
-              <a:t>Faster toward solution</a:t>
+              <a:t>Faster than brute-force solution</a:t>
             </a:r>
           </a:p>
           <a:p>
@@ -9676,7 +12172,7 @@
             <a:pPr lvl="1" algn="l" rtl="0"/>
             <a:r>
               <a:rPr lang="en-US" sz="2800" dirty="0"/>
-              <a:t>Curriculum learning may perform better on suitable problems like Sudoku</a:t>
+              <a:t>Curriculum learning may be able to perform better on suitable problems like Sudoku</a:t>
             </a:r>
           </a:p>
           <a:p>
@@ -9687,14 +12183,6 @@
             </a:r>
           </a:p>
           <a:p>
-            <a:pPr lvl="2" algn="l" rtl="0"/>
-            <a:r>
-              <a:rPr lang="en-US" sz="2600" dirty="0"/>
-              <a:t>Remain the game appropriate</a:t>
-            </a:r>
-            <a:endParaRPr lang="en-US" sz="3000" dirty="0"/>
-          </a:p>
-          <a:p>
             <a:pPr lvl="1" algn="l" rtl="0"/>
             <a:r>
               <a:rPr lang="en-US" sz="3000" dirty="0"/>
@@ -9712,7 +12200,7 @@
             <a:pPr lvl="1" algn="l" rtl="0"/>
             <a:r>
               <a:rPr lang="en-US" sz="3000" dirty="0"/>
-              <a:t>The best deletion method in training for this problem is: Proper distributed deletion.</a:t>
+              <a:t>The best deletion method in training for this problem is: proper distributed deletion.</a:t>
             </a:r>
           </a:p>
           <a:p>
@@ -9972,7 +12460,7 @@
                   <a:schemeClr val="tx1"/>
                 </a:solidFill>
               </a:rPr>
-              <a:t>17</a:t>
+              <a:t>19</a:t>
             </a:r>
           </a:p>
         </p:txBody>
@@ -9990,7 +12478,723 @@
 </p:sld>
 </file>
 
-<file path=ppt/slides/slide18.xml><?xml version="1.0" encoding="utf-8"?>
+<file path=ppt/slides/slide2.xml><?xml version="1.0" encoding="utf-8"?>
+<p:sld xmlns:a="http://schemas.openxmlformats.org/drawingml/2006/main" xmlns:r="http://schemas.openxmlformats.org/officeDocument/2006/relationships" xmlns:p="http://schemas.openxmlformats.org/presentationml/2006/main">
+  <p:cSld>
+    <p:spTree>
+      <p:nvGrpSpPr>
+        <p:cNvPr id="1" name=""/>
+        <p:cNvGrpSpPr/>
+        <p:nvPr/>
+      </p:nvGrpSpPr>
+      <p:grpSpPr>
+        <a:xfrm>
+          <a:off x="0" y="0"/>
+          <a:ext cx="0" cy="0"/>
+          <a:chOff x="0" y="0"/>
+          <a:chExt cx="0" cy="0"/>
+        </a:xfrm>
+      </p:grpSpPr>
+      <p:sp>
+        <p:nvSpPr>
+          <p:cNvPr id="8" name="Title 1">
+            <a:extLst>
+              <a:ext uri="{FF2B5EF4-FFF2-40B4-BE49-F238E27FC236}">
+                <a16:creationId xmlns:a16="http://schemas.microsoft.com/office/drawing/2014/main" id="{539B27DB-9B1D-4469-9BE6-3096C4731B09}"/>
+              </a:ext>
+            </a:extLst>
+          </p:cNvPr>
+          <p:cNvSpPr>
+            <a:spLocks noGrp="1"/>
+          </p:cNvSpPr>
+          <p:nvPr/>
+        </p:nvSpPr>
+        <p:spPr>
+          <a:xfrm>
+            <a:off x="457200" y="205583"/>
+            <a:ext cx="8229600" cy="1143000"/>
+          </a:xfrm>
+          <a:prstGeom prst="rect">
+            <a:avLst/>
+          </a:prstGeom>
+        </p:spPr>
+        <p:txBody>
+          <a:bodyPr vert="horz" lIns="91440" tIns="45720" rIns="91440" bIns="45720" rtlCol="1" anchor="ctr">
+            <a:normAutofit/>
+          </a:bodyPr>
+          <a:lstStyle>
+            <a:lvl1pPr algn="ctr" defTabSz="914400" rtl="0" eaLnBrk="1" latinLnBrk="0" hangingPunct="1">
+              <a:spcBef>
+                <a:spcPct val="0"/>
+              </a:spcBef>
+              <a:buNone/>
+              <a:defRPr sz="4400" kern="1200">
+                <a:solidFill>
+                  <a:schemeClr val="tx1"/>
+                </a:solidFill>
+                <a:latin typeface="+mj-lt"/>
+                <a:ea typeface="+mj-ea"/>
+                <a:cs typeface="+mj-cs"/>
+              </a:defRPr>
+            </a:lvl1pPr>
+          </a:lstStyle>
+          <a:p>
+            <a:r>
+              <a:rPr lang="en-US" dirty="0">
+                <a:solidFill>
+                  <a:srgbClr val="002060"/>
+                </a:solidFill>
+                <a:latin typeface="Calibri"/>
+              </a:rPr>
+              <a:t>Outline</a:t>
+            </a:r>
+            <a:endParaRPr lang="he-IL" dirty="0">
+              <a:solidFill>
+                <a:srgbClr val="002060"/>
+              </a:solidFill>
+              <a:latin typeface="Calibri"/>
+            </a:endParaRPr>
+          </a:p>
+        </p:txBody>
+      </p:sp>
+      <p:sp>
+        <p:nvSpPr>
+          <p:cNvPr id="10" name="Content Placeholder 2">
+            <a:extLst>
+              <a:ext uri="{FF2B5EF4-FFF2-40B4-BE49-F238E27FC236}">
+                <a16:creationId xmlns:a16="http://schemas.microsoft.com/office/drawing/2014/main" id="{DBD21293-DC2A-4265-BE88-3FC84347FDD8}"/>
+              </a:ext>
+            </a:extLst>
+          </p:cNvPr>
+          <p:cNvSpPr>
+            <a:spLocks noGrp="1"/>
+          </p:cNvSpPr>
+          <p:nvPr/>
+        </p:nvSpPr>
+        <p:spPr>
+          <a:xfrm>
+            <a:off x="457200" y="1531146"/>
+            <a:ext cx="8229600" cy="4525963"/>
+          </a:xfrm>
+          <a:prstGeom prst="rect">
+            <a:avLst/>
+          </a:prstGeom>
+        </p:spPr>
+        <p:txBody>
+          <a:bodyPr vert="horz" lIns="91440" tIns="45720" rIns="91440" bIns="45720" rtlCol="1">
+            <a:normAutofit/>
+          </a:bodyPr>
+          <a:lstStyle>
+            <a:lvl1pPr marL="342900" indent="-342900" algn="l" defTabSz="914400" rtl="0" eaLnBrk="1" latinLnBrk="0" hangingPunct="1">
+              <a:spcBef>
+                <a:spcPct val="20000"/>
+              </a:spcBef>
+              <a:buFont typeface="Arial" panose="020B0604020202020204" pitchFamily="34" charset="0"/>
+              <a:buChar char="•"/>
+              <a:defRPr sz="3200" kern="1200">
+                <a:solidFill>
+                  <a:schemeClr val="tx1"/>
+                </a:solidFill>
+                <a:latin typeface="+mn-lt"/>
+                <a:ea typeface="+mn-ea"/>
+                <a:cs typeface="+mn-cs"/>
+              </a:defRPr>
+            </a:lvl1pPr>
+            <a:lvl2pPr marL="742950" indent="-285750" algn="l" defTabSz="914400" rtl="0" eaLnBrk="1" latinLnBrk="0" hangingPunct="1">
+              <a:spcBef>
+                <a:spcPct val="20000"/>
+              </a:spcBef>
+              <a:buFont typeface="Arial" panose="020B0604020202020204" pitchFamily="34" charset="0"/>
+              <a:buChar char="–"/>
+              <a:defRPr sz="2800" kern="1200">
+                <a:solidFill>
+                  <a:schemeClr val="tx1"/>
+                </a:solidFill>
+                <a:latin typeface="+mn-lt"/>
+                <a:ea typeface="+mn-ea"/>
+                <a:cs typeface="+mn-cs"/>
+              </a:defRPr>
+            </a:lvl2pPr>
+            <a:lvl3pPr marL="1143000" indent="-228600" algn="l" defTabSz="914400" rtl="0" eaLnBrk="1" latinLnBrk="0" hangingPunct="1">
+              <a:spcBef>
+                <a:spcPct val="20000"/>
+              </a:spcBef>
+              <a:buFont typeface="Arial" panose="020B0604020202020204" pitchFamily="34" charset="0"/>
+              <a:buChar char="•"/>
+              <a:defRPr sz="2400" kern="1200">
+                <a:solidFill>
+                  <a:schemeClr val="tx1"/>
+                </a:solidFill>
+                <a:latin typeface="+mn-lt"/>
+                <a:ea typeface="+mn-ea"/>
+                <a:cs typeface="+mn-cs"/>
+              </a:defRPr>
+            </a:lvl3pPr>
+            <a:lvl4pPr marL="1600200" indent="-228600" algn="l" defTabSz="914400" rtl="0" eaLnBrk="1" latinLnBrk="0" hangingPunct="1">
+              <a:spcBef>
+                <a:spcPct val="20000"/>
+              </a:spcBef>
+              <a:buFont typeface="Arial" panose="020B0604020202020204" pitchFamily="34" charset="0"/>
+              <a:buChar char="–"/>
+              <a:defRPr sz="2000" kern="1200">
+                <a:solidFill>
+                  <a:schemeClr val="tx1"/>
+                </a:solidFill>
+                <a:latin typeface="+mn-lt"/>
+                <a:ea typeface="+mn-ea"/>
+                <a:cs typeface="+mn-cs"/>
+              </a:defRPr>
+            </a:lvl4pPr>
+            <a:lvl5pPr marL="2057400" indent="-228600" algn="l" defTabSz="914400" rtl="0" eaLnBrk="1" latinLnBrk="0" hangingPunct="1">
+              <a:spcBef>
+                <a:spcPct val="20000"/>
+              </a:spcBef>
+              <a:buFont typeface="Arial" panose="020B0604020202020204" pitchFamily="34" charset="0"/>
+              <a:buChar char="»"/>
+              <a:defRPr sz="2000" kern="1200">
+                <a:solidFill>
+                  <a:schemeClr val="tx1"/>
+                </a:solidFill>
+                <a:latin typeface="+mn-lt"/>
+                <a:ea typeface="+mn-ea"/>
+                <a:cs typeface="+mn-cs"/>
+              </a:defRPr>
+            </a:lvl5pPr>
+            <a:lvl6pPr marL="2514600" indent="-228600" algn="r" defTabSz="914400" rtl="1" eaLnBrk="1" latinLnBrk="0" hangingPunct="1">
+              <a:spcBef>
+                <a:spcPct val="20000"/>
+              </a:spcBef>
+              <a:buFont typeface="Arial" panose="020B0604020202020204" pitchFamily="34" charset="0"/>
+              <a:buChar char="•"/>
+              <a:defRPr sz="2000" kern="1200">
+                <a:solidFill>
+                  <a:schemeClr val="tx1"/>
+                </a:solidFill>
+                <a:latin typeface="+mn-lt"/>
+                <a:ea typeface="+mn-ea"/>
+                <a:cs typeface="+mn-cs"/>
+              </a:defRPr>
+            </a:lvl6pPr>
+            <a:lvl7pPr marL="2971800" indent="-228600" algn="r" defTabSz="914400" rtl="1" eaLnBrk="1" latinLnBrk="0" hangingPunct="1">
+              <a:spcBef>
+                <a:spcPct val="20000"/>
+              </a:spcBef>
+              <a:buFont typeface="Arial" panose="020B0604020202020204" pitchFamily="34" charset="0"/>
+              <a:buChar char="•"/>
+              <a:defRPr sz="2000" kern="1200">
+                <a:solidFill>
+                  <a:schemeClr val="tx1"/>
+                </a:solidFill>
+                <a:latin typeface="+mn-lt"/>
+                <a:ea typeface="+mn-ea"/>
+                <a:cs typeface="+mn-cs"/>
+              </a:defRPr>
+            </a:lvl7pPr>
+            <a:lvl8pPr marL="3429000" indent="-228600" algn="r" defTabSz="914400" rtl="1" eaLnBrk="1" latinLnBrk="0" hangingPunct="1">
+              <a:spcBef>
+                <a:spcPct val="20000"/>
+              </a:spcBef>
+              <a:buFont typeface="Arial" panose="020B0604020202020204" pitchFamily="34" charset="0"/>
+              <a:buChar char="•"/>
+              <a:defRPr sz="2000" kern="1200">
+                <a:solidFill>
+                  <a:schemeClr val="tx1"/>
+                </a:solidFill>
+                <a:latin typeface="+mn-lt"/>
+                <a:ea typeface="+mn-ea"/>
+                <a:cs typeface="+mn-cs"/>
+              </a:defRPr>
+            </a:lvl8pPr>
+            <a:lvl9pPr marL="3886200" indent="-228600" algn="r" defTabSz="914400" rtl="1" eaLnBrk="1" latinLnBrk="0" hangingPunct="1">
+              <a:spcBef>
+                <a:spcPct val="20000"/>
+              </a:spcBef>
+              <a:buFont typeface="Arial" panose="020B0604020202020204" pitchFamily="34" charset="0"/>
+              <a:buChar char="•"/>
+              <a:defRPr sz="2000" kern="1200">
+                <a:solidFill>
+                  <a:schemeClr val="tx1"/>
+                </a:solidFill>
+                <a:latin typeface="+mn-lt"/>
+                <a:ea typeface="+mn-ea"/>
+                <a:cs typeface="+mn-cs"/>
+              </a:defRPr>
+            </a:lvl9pPr>
+          </a:lstStyle>
+          <a:p>
+            <a:r>
+              <a:rPr lang="en-US" sz="2800" dirty="0">
+                <a:solidFill>
+                  <a:srgbClr val="002060"/>
+                </a:solidFill>
+              </a:rPr>
+              <a:t>Project Goal</a:t>
+            </a:r>
+          </a:p>
+          <a:p>
+            <a:r>
+              <a:rPr lang="en-US" sz="2800" dirty="0">
+                <a:solidFill>
+                  <a:srgbClr val="002060"/>
+                </a:solidFill>
+              </a:rPr>
+              <a:t>Background</a:t>
+            </a:r>
+          </a:p>
+          <a:p>
+            <a:r>
+              <a:rPr lang="en-US" sz="2800" dirty="0">
+                <a:solidFill>
+                  <a:srgbClr val="002060"/>
+                </a:solidFill>
+              </a:rPr>
+              <a:t>Literature Survey</a:t>
+            </a:r>
+          </a:p>
+          <a:p>
+            <a:r>
+              <a:rPr lang="en-US" sz="2800" dirty="0">
+                <a:solidFill>
+                  <a:srgbClr val="002060"/>
+                </a:solidFill>
+              </a:rPr>
+              <a:t>Chosen Solution</a:t>
+            </a:r>
+          </a:p>
+          <a:p>
+            <a:r>
+              <a:rPr lang="en-US" sz="2800" dirty="0">
+                <a:solidFill>
+                  <a:srgbClr val="002060"/>
+                </a:solidFill>
+              </a:rPr>
+              <a:t>Conclusions</a:t>
+            </a:r>
+          </a:p>
+          <a:p>
+            <a:r>
+              <a:rPr lang="en-US" sz="2800" dirty="0">
+                <a:solidFill>
+                  <a:srgbClr val="002060"/>
+                </a:solidFill>
+              </a:rPr>
+              <a:t>Future Work</a:t>
+            </a:r>
+          </a:p>
+          <a:p>
+            <a:endParaRPr lang="en-US" sz="2800" dirty="0">
+              <a:solidFill>
+                <a:srgbClr val="002060"/>
+              </a:solidFill>
+            </a:endParaRPr>
+          </a:p>
+          <a:p>
+            <a:endParaRPr lang="he-IL" sz="2800" dirty="0">
+              <a:solidFill>
+                <a:srgbClr val="002060"/>
+              </a:solidFill>
+            </a:endParaRPr>
+          </a:p>
+        </p:txBody>
+      </p:sp>
+      <p:sp>
+        <p:nvSpPr>
+          <p:cNvPr id="12" name="Slide Number Placeholder 4">
+            <a:extLst>
+              <a:ext uri="{FF2B5EF4-FFF2-40B4-BE49-F238E27FC236}">
+                <a16:creationId xmlns:a16="http://schemas.microsoft.com/office/drawing/2014/main" id="{B023802F-B8AD-4425-AF95-8D483ECA494C}"/>
+              </a:ext>
+            </a:extLst>
+          </p:cNvPr>
+          <p:cNvSpPr>
+            <a:spLocks noGrp="1"/>
+          </p:cNvSpPr>
+          <p:nvPr/>
+        </p:nvSpPr>
+        <p:spPr>
+          <a:xfrm>
+            <a:off x="-866273" y="6287295"/>
+            <a:ext cx="2133600" cy="365125"/>
+          </a:xfrm>
+          <a:prstGeom prst="rect">
+            <a:avLst/>
+          </a:prstGeom>
+        </p:spPr>
+        <p:txBody>
+          <a:bodyPr vert="horz" lIns="91440" tIns="45720" rIns="91440" bIns="45720" rtlCol="1" anchor="ctr"/>
+          <a:lstStyle>
+            <a:defPPr>
+              <a:defRPr lang="en-US"/>
+            </a:defPPr>
+            <a:lvl1pPr marL="0" algn="l" defTabSz="914400" rtl="0" eaLnBrk="1" latinLnBrk="0" hangingPunct="1">
+              <a:defRPr sz="1200" kern="1200">
+                <a:solidFill>
+                  <a:schemeClr val="tx1">
+                    <a:tint val="75000"/>
+                  </a:schemeClr>
+                </a:solidFill>
+                <a:latin typeface="+mn-lt"/>
+                <a:ea typeface="+mn-ea"/>
+                <a:cs typeface="+mn-cs"/>
+              </a:defRPr>
+            </a:lvl1pPr>
+            <a:lvl2pPr marL="457200" algn="l" defTabSz="914400" rtl="0" eaLnBrk="1" latinLnBrk="0" hangingPunct="1">
+              <a:defRPr sz="1800" kern="1200">
+                <a:solidFill>
+                  <a:schemeClr val="tx1"/>
+                </a:solidFill>
+                <a:latin typeface="+mn-lt"/>
+                <a:ea typeface="+mn-ea"/>
+                <a:cs typeface="+mn-cs"/>
+              </a:defRPr>
+            </a:lvl2pPr>
+            <a:lvl3pPr marL="914400" algn="l" defTabSz="914400" rtl="0" eaLnBrk="1" latinLnBrk="0" hangingPunct="1">
+              <a:defRPr sz="1800" kern="1200">
+                <a:solidFill>
+                  <a:schemeClr val="tx1"/>
+                </a:solidFill>
+                <a:latin typeface="+mn-lt"/>
+                <a:ea typeface="+mn-ea"/>
+                <a:cs typeface="+mn-cs"/>
+              </a:defRPr>
+            </a:lvl3pPr>
+            <a:lvl4pPr marL="1371600" algn="l" defTabSz="914400" rtl="0" eaLnBrk="1" latinLnBrk="0" hangingPunct="1">
+              <a:defRPr sz="1800" kern="1200">
+                <a:solidFill>
+                  <a:schemeClr val="tx1"/>
+                </a:solidFill>
+                <a:latin typeface="+mn-lt"/>
+                <a:ea typeface="+mn-ea"/>
+                <a:cs typeface="+mn-cs"/>
+              </a:defRPr>
+            </a:lvl4pPr>
+            <a:lvl5pPr marL="1828800" algn="l" defTabSz="914400" rtl="0" eaLnBrk="1" latinLnBrk="0" hangingPunct="1">
+              <a:defRPr sz="1800" kern="1200">
+                <a:solidFill>
+                  <a:schemeClr val="tx1"/>
+                </a:solidFill>
+                <a:latin typeface="+mn-lt"/>
+                <a:ea typeface="+mn-ea"/>
+                <a:cs typeface="+mn-cs"/>
+              </a:defRPr>
+            </a:lvl5pPr>
+            <a:lvl6pPr marL="2286000" algn="l" defTabSz="914400" rtl="0" eaLnBrk="1" latinLnBrk="0" hangingPunct="1">
+              <a:defRPr sz="1800" kern="1200">
+                <a:solidFill>
+                  <a:schemeClr val="tx1"/>
+                </a:solidFill>
+                <a:latin typeface="+mn-lt"/>
+                <a:ea typeface="+mn-ea"/>
+                <a:cs typeface="+mn-cs"/>
+              </a:defRPr>
+            </a:lvl6pPr>
+            <a:lvl7pPr marL="2743200" algn="l" defTabSz="914400" rtl="0" eaLnBrk="1" latinLnBrk="0" hangingPunct="1">
+              <a:defRPr sz="1800" kern="1200">
+                <a:solidFill>
+                  <a:schemeClr val="tx1"/>
+                </a:solidFill>
+                <a:latin typeface="+mn-lt"/>
+                <a:ea typeface="+mn-ea"/>
+                <a:cs typeface="+mn-cs"/>
+              </a:defRPr>
+            </a:lvl7pPr>
+            <a:lvl8pPr marL="3200400" algn="l" defTabSz="914400" rtl="0" eaLnBrk="1" latinLnBrk="0" hangingPunct="1">
+              <a:defRPr sz="1800" kern="1200">
+                <a:solidFill>
+                  <a:schemeClr val="tx1"/>
+                </a:solidFill>
+                <a:latin typeface="+mn-lt"/>
+                <a:ea typeface="+mn-ea"/>
+                <a:cs typeface="+mn-cs"/>
+              </a:defRPr>
+            </a:lvl8pPr>
+            <a:lvl9pPr marL="3657600" algn="l" defTabSz="914400" rtl="0" eaLnBrk="1" latinLnBrk="0" hangingPunct="1">
+              <a:defRPr sz="1800" kern="1200">
+                <a:solidFill>
+                  <a:schemeClr val="tx1"/>
+                </a:solidFill>
+                <a:latin typeface="+mn-lt"/>
+                <a:ea typeface="+mn-ea"/>
+                <a:cs typeface="+mn-cs"/>
+              </a:defRPr>
+            </a:lvl9pPr>
+          </a:lstStyle>
+          <a:p>
+            <a:fld id="{B01D9778-10B4-40FB-B4E4-44FA89A86639}" type="slidenum">
+              <a:rPr lang="en-US"/>
+              <a:pPr/>
+              <a:t>2</a:t>
+            </a:fld>
+            <a:endParaRPr lang="en-US"/>
+          </a:p>
+        </p:txBody>
+      </p:sp>
+      <p:pic>
+        <p:nvPicPr>
+          <p:cNvPr id="4" name="תמונה 3">
+            <a:extLst>
+              <a:ext uri="{FF2B5EF4-FFF2-40B4-BE49-F238E27FC236}">
+                <a16:creationId xmlns:a16="http://schemas.microsoft.com/office/drawing/2014/main" id="{96E68B6B-60D2-4D8F-9DC7-7F3328F9C279}"/>
+              </a:ext>
+            </a:extLst>
+          </p:cNvPr>
+          <p:cNvPicPr>
+            <a:picLocks noChangeAspect="1"/>
+          </p:cNvPicPr>
+          <p:nvPr/>
+        </p:nvPicPr>
+        <p:blipFill>
+          <a:blip r:embed="rId2"/>
+          <a:stretch>
+            <a:fillRect/>
+          </a:stretch>
+        </p:blipFill>
+        <p:spPr>
+          <a:xfrm>
+            <a:off x="4081462" y="6505575"/>
+            <a:ext cx="981075" cy="352425"/>
+          </a:xfrm>
+          <a:prstGeom prst="rect">
+            <a:avLst/>
+          </a:prstGeom>
+        </p:spPr>
+      </p:pic>
+      <p:sp>
+        <p:nvSpPr>
+          <p:cNvPr id="5" name="Subtitle 2">
+            <a:extLst>
+              <a:ext uri="{FF2B5EF4-FFF2-40B4-BE49-F238E27FC236}">
+                <a16:creationId xmlns:a16="http://schemas.microsoft.com/office/drawing/2014/main" id="{B4196659-4A84-4C3E-9873-58E0D18A5F80}"/>
+              </a:ext>
+            </a:extLst>
+          </p:cNvPr>
+          <p:cNvSpPr txBox="1">
+            <a:spLocks/>
+          </p:cNvSpPr>
+          <p:nvPr/>
+        </p:nvSpPr>
+        <p:spPr>
+          <a:xfrm>
+            <a:off x="8562669" y="6359024"/>
+            <a:ext cx="469038" cy="498976"/>
+          </a:xfrm>
+          <a:prstGeom prst="rect">
+            <a:avLst/>
+          </a:prstGeom>
+        </p:spPr>
+        <p:txBody>
+          <a:bodyPr vert="horz" lIns="91440" tIns="45720" rIns="91440" bIns="45720" rtlCol="1" anchor="t">
+            <a:noAutofit/>
+          </a:bodyPr>
+          <a:lstStyle>
+            <a:lvl1pPr marL="0" indent="0" algn="ctr" defTabSz="914400" rtl="1" eaLnBrk="1" latinLnBrk="0" hangingPunct="1">
+              <a:lnSpc>
+                <a:spcPct val="90000"/>
+              </a:lnSpc>
+              <a:spcBef>
+                <a:spcPct val="20000"/>
+              </a:spcBef>
+              <a:buFont typeface="Arial" panose="020B0604020202020204" pitchFamily="34" charset="0"/>
+              <a:buNone/>
+              <a:defRPr sz="3200" kern="1200">
+                <a:solidFill>
+                  <a:schemeClr val="tx1">
+                    <a:tint val="75000"/>
+                  </a:schemeClr>
+                </a:solidFill>
+                <a:latin typeface="+mn-lt"/>
+                <a:ea typeface="+mn-ea"/>
+                <a:cs typeface="+mn-cs"/>
+              </a:defRPr>
+            </a:lvl1pPr>
+            <a:lvl2pPr marL="457200" indent="0" algn="ctr" defTabSz="914400" rtl="1" eaLnBrk="1" latinLnBrk="0" hangingPunct="1">
+              <a:lnSpc>
+                <a:spcPct val="90000"/>
+              </a:lnSpc>
+              <a:spcBef>
+                <a:spcPct val="20000"/>
+              </a:spcBef>
+              <a:buFont typeface="Arial" panose="020B0604020202020204" pitchFamily="34" charset="0"/>
+              <a:buNone/>
+              <a:defRPr sz="2800" kern="1200">
+                <a:solidFill>
+                  <a:schemeClr val="tx1">
+                    <a:tint val="75000"/>
+                  </a:schemeClr>
+                </a:solidFill>
+                <a:latin typeface="+mn-lt"/>
+                <a:ea typeface="+mn-ea"/>
+                <a:cs typeface="+mn-cs"/>
+              </a:defRPr>
+            </a:lvl2pPr>
+            <a:lvl3pPr marL="914400" indent="0" algn="ctr" defTabSz="914400" rtl="1" eaLnBrk="1" latinLnBrk="0" hangingPunct="1">
+              <a:lnSpc>
+                <a:spcPct val="90000"/>
+              </a:lnSpc>
+              <a:spcBef>
+                <a:spcPct val="20000"/>
+              </a:spcBef>
+              <a:buFont typeface="Arial" panose="020B0604020202020204" pitchFamily="34" charset="0"/>
+              <a:buNone/>
+              <a:defRPr sz="2400" kern="1200">
+                <a:solidFill>
+                  <a:schemeClr val="tx1">
+                    <a:tint val="75000"/>
+                  </a:schemeClr>
+                </a:solidFill>
+                <a:latin typeface="+mn-lt"/>
+                <a:ea typeface="+mn-ea"/>
+                <a:cs typeface="+mn-cs"/>
+              </a:defRPr>
+            </a:lvl3pPr>
+            <a:lvl4pPr marL="1371600" indent="0" algn="ctr" defTabSz="914400" rtl="1" eaLnBrk="1" latinLnBrk="0" hangingPunct="1">
+              <a:lnSpc>
+                <a:spcPct val="90000"/>
+              </a:lnSpc>
+              <a:spcBef>
+                <a:spcPct val="20000"/>
+              </a:spcBef>
+              <a:buFont typeface="Arial" panose="020B0604020202020204" pitchFamily="34" charset="0"/>
+              <a:buNone/>
+              <a:defRPr sz="2000" kern="1200">
+                <a:solidFill>
+                  <a:schemeClr val="tx1">
+                    <a:tint val="75000"/>
+                  </a:schemeClr>
+                </a:solidFill>
+                <a:latin typeface="+mn-lt"/>
+                <a:ea typeface="+mn-ea"/>
+                <a:cs typeface="+mn-cs"/>
+              </a:defRPr>
+            </a:lvl4pPr>
+            <a:lvl5pPr marL="1828800" indent="0" algn="ctr" defTabSz="914400" rtl="1" eaLnBrk="1" latinLnBrk="0" hangingPunct="1">
+              <a:lnSpc>
+                <a:spcPct val="90000"/>
+              </a:lnSpc>
+              <a:spcBef>
+                <a:spcPct val="20000"/>
+              </a:spcBef>
+              <a:buFont typeface="Arial" panose="020B0604020202020204" pitchFamily="34" charset="0"/>
+              <a:buNone/>
+              <a:defRPr sz="2000" kern="1200">
+                <a:solidFill>
+                  <a:schemeClr val="tx1">
+                    <a:tint val="75000"/>
+                  </a:schemeClr>
+                </a:solidFill>
+                <a:latin typeface="+mn-lt"/>
+                <a:ea typeface="+mn-ea"/>
+                <a:cs typeface="+mn-cs"/>
+              </a:defRPr>
+            </a:lvl5pPr>
+            <a:lvl6pPr marL="2286000" indent="0" algn="ctr" defTabSz="914400" rtl="1" eaLnBrk="1" latinLnBrk="0" hangingPunct="1">
+              <a:lnSpc>
+                <a:spcPct val="90000"/>
+              </a:lnSpc>
+              <a:spcBef>
+                <a:spcPct val="20000"/>
+              </a:spcBef>
+              <a:buFont typeface="Arial" panose="020B0604020202020204" pitchFamily="34" charset="0"/>
+              <a:buNone/>
+              <a:defRPr sz="2000" kern="1200">
+                <a:solidFill>
+                  <a:schemeClr val="tx1">
+                    <a:tint val="75000"/>
+                  </a:schemeClr>
+                </a:solidFill>
+                <a:latin typeface="+mn-lt"/>
+                <a:ea typeface="+mn-ea"/>
+                <a:cs typeface="+mn-cs"/>
+              </a:defRPr>
+            </a:lvl6pPr>
+            <a:lvl7pPr marL="2743200" indent="0" algn="ctr" defTabSz="914400" rtl="1" eaLnBrk="1" latinLnBrk="0" hangingPunct="1">
+              <a:lnSpc>
+                <a:spcPct val="90000"/>
+              </a:lnSpc>
+              <a:spcBef>
+                <a:spcPct val="20000"/>
+              </a:spcBef>
+              <a:buFont typeface="Arial" panose="020B0604020202020204" pitchFamily="34" charset="0"/>
+              <a:buNone/>
+              <a:defRPr sz="2000" kern="1200">
+                <a:solidFill>
+                  <a:schemeClr val="tx1">
+                    <a:tint val="75000"/>
+                  </a:schemeClr>
+                </a:solidFill>
+                <a:latin typeface="+mn-lt"/>
+                <a:ea typeface="+mn-ea"/>
+                <a:cs typeface="+mn-cs"/>
+              </a:defRPr>
+            </a:lvl7pPr>
+            <a:lvl8pPr marL="3200400" indent="0" algn="ctr" defTabSz="914400" rtl="1" eaLnBrk="1" latinLnBrk="0" hangingPunct="1">
+              <a:lnSpc>
+                <a:spcPct val="90000"/>
+              </a:lnSpc>
+              <a:spcBef>
+                <a:spcPct val="20000"/>
+              </a:spcBef>
+              <a:buFont typeface="Arial" panose="020B0604020202020204" pitchFamily="34" charset="0"/>
+              <a:buNone/>
+              <a:defRPr sz="2000" kern="1200">
+                <a:solidFill>
+                  <a:schemeClr val="tx1">
+                    <a:tint val="75000"/>
+                  </a:schemeClr>
+                </a:solidFill>
+                <a:latin typeface="+mn-lt"/>
+                <a:ea typeface="+mn-ea"/>
+                <a:cs typeface="+mn-cs"/>
+              </a:defRPr>
+            </a:lvl8pPr>
+            <a:lvl9pPr marL="3657600" indent="0" algn="ctr" defTabSz="914400" rtl="1" eaLnBrk="1" latinLnBrk="0" hangingPunct="1">
+              <a:lnSpc>
+                <a:spcPct val="90000"/>
+              </a:lnSpc>
+              <a:spcBef>
+                <a:spcPct val="20000"/>
+              </a:spcBef>
+              <a:buFont typeface="Arial" panose="020B0604020202020204" pitchFamily="34" charset="0"/>
+              <a:buNone/>
+              <a:defRPr sz="2000" kern="1200">
+                <a:solidFill>
+                  <a:schemeClr val="tx1">
+                    <a:tint val="75000"/>
+                  </a:schemeClr>
+                </a:solidFill>
+                <a:latin typeface="+mn-lt"/>
+                <a:ea typeface="+mn-ea"/>
+                <a:cs typeface="+mn-cs"/>
+              </a:defRPr>
+            </a:lvl9pPr>
+          </a:lstStyle>
+          <a:p>
+            <a:pPr algn="l" rtl="0"/>
+            <a:r>
+              <a:rPr lang="en-US" sz="2400" dirty="0">
+                <a:solidFill>
+                  <a:schemeClr val="tx1"/>
+                </a:solidFill>
+              </a:rPr>
+              <a:t>2</a:t>
+            </a:r>
+          </a:p>
+        </p:txBody>
+      </p:sp>
+    </p:spTree>
+    <p:extLst>
+      <p:ext uri="{BB962C8B-B14F-4D97-AF65-F5344CB8AC3E}">
+        <p14:creationId xmlns:p14="http://schemas.microsoft.com/office/powerpoint/2010/main" val="1418172428"/>
+      </p:ext>
+    </p:extLst>
+  </p:cSld>
+  <p:clrMapOvr>
+    <a:masterClrMapping/>
+  </p:clrMapOvr>
+</p:sld>
+</file>
+
+<file path=ppt/slides/slide20.xml><?xml version="1.0" encoding="utf-8"?>
 <p:sld xmlns:a="http://schemas.openxmlformats.org/drawingml/2006/main" xmlns:r="http://schemas.openxmlformats.org/officeDocument/2006/relationships" xmlns:p="http://schemas.openxmlformats.org/presentationml/2006/main">
   <p:cSld>
     <p:spTree>
@@ -10071,7 +13275,7 @@
             <a:pPr algn="l" rtl="0"/>
             <a:r>
               <a:rPr lang="en-US" dirty="0"/>
-              <a:t>Trying more complicated loss which penalizes according to Sudoku rules</a:t>
+              <a:t>Trying more complex loss functions which penalize according to Sudoku rules</a:t>
             </a:r>
           </a:p>
           <a:p>
@@ -10345,7 +13549,7 @@
                   <a:schemeClr val="tx1"/>
                 </a:solidFill>
               </a:rPr>
-              <a:t>18</a:t>
+              <a:t>20</a:t>
             </a:r>
           </a:p>
         </p:txBody>
@@ -10363,9 +13567,17 @@
 </p:sld>
 </file>
 
-<file path=ppt/slides/slide2.xml><?xml version="1.0" encoding="utf-8"?>
+<file path=ppt/slides/slide21.xml><?xml version="1.0" encoding="utf-8"?>
 <p:sld xmlns:a="http://schemas.openxmlformats.org/drawingml/2006/main" xmlns:r="http://schemas.openxmlformats.org/officeDocument/2006/relationships" xmlns:p="http://schemas.openxmlformats.org/presentationml/2006/main">
   <p:cSld>
+    <p:bg>
+      <p:bgPr>
+        <a:solidFill>
+          <a:schemeClr val="bg1"/>
+        </a:solidFill>
+        <a:effectLst/>
+      </p:bgPr>
+    </p:bg>
     <p:spTree>
       <p:nvGrpSpPr>
         <p:cNvPr id="1" name=""/>
@@ -10380,446 +13592,115 @@
           <a:chExt cx="0" cy="0"/>
         </a:xfrm>
       </p:grpSpPr>
+      <p:sp useBgFill="1">
+        <p:nvSpPr>
+          <p:cNvPr id="10" name="Rectangle 9">
+            <a:extLst>
+              <a:ext uri="{FF2B5EF4-FFF2-40B4-BE49-F238E27FC236}">
+                <a16:creationId xmlns:a16="http://schemas.microsoft.com/office/drawing/2014/main" id="{53F29798-D584-4792-9B62-3F5F5C36D619}"/>
+              </a:ext>
+              <a:ext uri="{C183D7F6-B498-43B3-948B-1728B52AA6E4}">
+                <adec:decorative xmlns:adec="http://schemas.microsoft.com/office/drawing/2017/decorative" val="1"/>
+              </a:ext>
+            </a:extLst>
+          </p:cNvPr>
+          <p:cNvSpPr>
+            <a:spLocks noGrp="1" noRot="1" noChangeAspect="1" noMove="1" noResize="1" noEditPoints="1" noAdjustHandles="1" noChangeArrowheads="1" noChangeShapeType="1" noTextEdit="1"/>
+          </p:cNvSpPr>
+          <p:nvPr>
+            <p:extLst>
+              <p:ext uri="{386F3935-93C4-4BCD-93E2-E3B085C9AB24}">
+                <p16:designElem xmlns:p16="http://schemas.microsoft.com/office/powerpoint/2015/main" val="1"/>
+              </p:ext>
+            </p:extLst>
+          </p:nvPr>
+        </p:nvSpPr>
+        <p:spPr>
+          <a:xfrm>
+            <a:off x="0" y="0"/>
+            <a:ext cx="9141714" cy="6858000"/>
+          </a:xfrm>
+          <a:prstGeom prst="rect">
+            <a:avLst/>
+          </a:prstGeom>
+          <a:ln>
+            <a:noFill/>
+          </a:ln>
+        </p:spPr>
+        <p:style>
+          <a:lnRef idx="2">
+            <a:schemeClr val="accent1">
+              <a:shade val="50000"/>
+            </a:schemeClr>
+          </a:lnRef>
+          <a:fillRef idx="1">
+            <a:schemeClr val="accent1"/>
+          </a:fillRef>
+          <a:effectRef idx="0">
+            <a:schemeClr val="accent1"/>
+          </a:effectRef>
+          <a:fontRef idx="minor">
+            <a:schemeClr val="lt1"/>
+          </a:fontRef>
+        </p:style>
+        <p:txBody>
+          <a:bodyPr rtlCol="0" anchor="ctr"/>
+          <a:lstStyle/>
+          <a:p>
+            <a:pPr algn="ctr"/>
+            <a:endParaRPr lang="en-US"/>
+          </a:p>
+        </p:txBody>
+      </p:sp>
       <p:sp>
         <p:nvSpPr>
-          <p:cNvPr id="8" name="Title 1">
+          <p:cNvPr id="2" name="כותרת 1">
             <a:extLst>
               <a:ext uri="{FF2B5EF4-FFF2-40B4-BE49-F238E27FC236}">
-                <a16:creationId xmlns:a16="http://schemas.microsoft.com/office/drawing/2014/main" id="{539B27DB-9B1D-4469-9BE6-3096C4731B09}"/>
+                <a16:creationId xmlns:a16="http://schemas.microsoft.com/office/drawing/2014/main" id="{0F6C35B1-6779-410E-BAE0-9C7FEF18ABC0}"/>
               </a:ext>
             </a:extLst>
           </p:cNvPr>
           <p:cNvSpPr>
             <a:spLocks noGrp="1"/>
           </p:cNvSpPr>
-          <p:nvPr/>
+          <p:nvPr>
+            <p:ph type="title"/>
+          </p:nvPr>
         </p:nvSpPr>
         <p:spPr>
           <a:xfrm>
-            <a:off x="457200" y="205583"/>
-            <a:ext cx="8229600" cy="1143000"/>
+            <a:off x="628650" y="184805"/>
+            <a:ext cx="7886700" cy="1505883"/>
           </a:xfrm>
-          <a:prstGeom prst="rect">
-            <a:avLst/>
-          </a:prstGeom>
         </p:spPr>
         <p:txBody>
-          <a:bodyPr vert="horz" lIns="91440" tIns="45720" rIns="91440" bIns="45720" rtlCol="1" anchor="ctr">
+          <a:bodyPr vert="horz" lIns="91440" tIns="45720" rIns="91440" bIns="45720" rtlCol="0" anchor="ctr">
             <a:normAutofit/>
           </a:bodyPr>
-          <a:lstStyle>
-            <a:lvl1pPr algn="ctr" defTabSz="914400" rtl="0" eaLnBrk="1" latinLnBrk="0" hangingPunct="1">
-              <a:spcBef>
-                <a:spcPct val="0"/>
-              </a:spcBef>
-              <a:buNone/>
-              <a:defRPr sz="4400" kern="1200">
+          <a:lstStyle/>
+          <a:p>
+            <a:pPr rtl="0"/>
+            <a:r>
+              <a:rPr lang="en-US" sz="4500" kern="1200">
                 <a:solidFill>
                   <a:schemeClr val="tx1"/>
                 </a:solidFill>
                 <a:latin typeface="+mj-lt"/>
                 <a:ea typeface="+mj-ea"/>
                 <a:cs typeface="+mj-cs"/>
-              </a:defRPr>
-            </a:lvl1pPr>
-          </a:lstStyle>
-          <a:p>
-            <a:r>
-              <a:rPr lang="en-US" dirty="0">
-                <a:solidFill>
-                  <a:srgbClr val="002060"/>
-                </a:solidFill>
-                <a:latin typeface="Calibri"/>
               </a:rPr>
-              <a:t>Outline</a:t>
-            </a:r>
-            <a:endParaRPr lang="he-IL" dirty="0">
-              <a:solidFill>
-                <a:srgbClr val="002060"/>
-              </a:solidFill>
-              <a:latin typeface="Calibri"/>
-            </a:endParaRPr>
-          </a:p>
-        </p:txBody>
-      </p:sp>
-      <p:sp>
-        <p:nvSpPr>
-          <p:cNvPr id="10" name="Content Placeholder 2">
-            <a:extLst>
-              <a:ext uri="{FF2B5EF4-FFF2-40B4-BE49-F238E27FC236}">
-                <a16:creationId xmlns:a16="http://schemas.microsoft.com/office/drawing/2014/main" id="{DBD21293-DC2A-4265-BE88-3FC84347FDD8}"/>
-              </a:ext>
-            </a:extLst>
-          </p:cNvPr>
-          <p:cNvSpPr>
-            <a:spLocks noGrp="1"/>
-          </p:cNvSpPr>
-          <p:nvPr/>
-        </p:nvSpPr>
-        <p:spPr>
-          <a:xfrm>
-            <a:off x="457200" y="1531146"/>
-            <a:ext cx="8229600" cy="4525963"/>
-          </a:xfrm>
-          <a:prstGeom prst="rect">
-            <a:avLst/>
-          </a:prstGeom>
-        </p:spPr>
-        <p:txBody>
-          <a:bodyPr vert="horz" lIns="91440" tIns="45720" rIns="91440" bIns="45720" rtlCol="1">
-            <a:normAutofit/>
-          </a:bodyPr>
-          <a:lstStyle>
-            <a:lvl1pPr marL="342900" indent="-342900" algn="l" defTabSz="914400" rtl="0" eaLnBrk="1" latinLnBrk="0" hangingPunct="1">
-              <a:spcBef>
-                <a:spcPct val="20000"/>
-              </a:spcBef>
-              <a:buFont typeface="Arial" panose="020B0604020202020204" pitchFamily="34" charset="0"/>
-              <a:buChar char="•"/>
-              <a:defRPr sz="3200" kern="1200">
-                <a:solidFill>
-                  <a:schemeClr val="tx1"/>
-                </a:solidFill>
-                <a:latin typeface="+mn-lt"/>
-                <a:ea typeface="+mn-ea"/>
-                <a:cs typeface="+mn-cs"/>
-              </a:defRPr>
-            </a:lvl1pPr>
-            <a:lvl2pPr marL="742950" indent="-285750" algn="l" defTabSz="914400" rtl="0" eaLnBrk="1" latinLnBrk="0" hangingPunct="1">
-              <a:spcBef>
-                <a:spcPct val="20000"/>
-              </a:spcBef>
-              <a:buFont typeface="Arial" panose="020B0604020202020204" pitchFamily="34" charset="0"/>
-              <a:buChar char="–"/>
-              <a:defRPr sz="2800" kern="1200">
-                <a:solidFill>
-                  <a:schemeClr val="tx1"/>
-                </a:solidFill>
-                <a:latin typeface="+mn-lt"/>
-                <a:ea typeface="+mn-ea"/>
-                <a:cs typeface="+mn-cs"/>
-              </a:defRPr>
-            </a:lvl2pPr>
-            <a:lvl3pPr marL="1143000" indent="-228600" algn="l" defTabSz="914400" rtl="0" eaLnBrk="1" latinLnBrk="0" hangingPunct="1">
-              <a:spcBef>
-                <a:spcPct val="20000"/>
-              </a:spcBef>
-              <a:buFont typeface="Arial" panose="020B0604020202020204" pitchFamily="34" charset="0"/>
-              <a:buChar char="•"/>
-              <a:defRPr sz="2400" kern="1200">
-                <a:solidFill>
-                  <a:schemeClr val="tx1"/>
-                </a:solidFill>
-                <a:latin typeface="+mn-lt"/>
-                <a:ea typeface="+mn-ea"/>
-                <a:cs typeface="+mn-cs"/>
-              </a:defRPr>
-            </a:lvl3pPr>
-            <a:lvl4pPr marL="1600200" indent="-228600" algn="l" defTabSz="914400" rtl="0" eaLnBrk="1" latinLnBrk="0" hangingPunct="1">
-              <a:spcBef>
-                <a:spcPct val="20000"/>
-              </a:spcBef>
-              <a:buFont typeface="Arial" panose="020B0604020202020204" pitchFamily="34" charset="0"/>
-              <a:buChar char="–"/>
-              <a:defRPr sz="2000" kern="1200">
-                <a:solidFill>
-                  <a:schemeClr val="tx1"/>
-                </a:solidFill>
-                <a:latin typeface="+mn-lt"/>
-                <a:ea typeface="+mn-ea"/>
-                <a:cs typeface="+mn-cs"/>
-              </a:defRPr>
-            </a:lvl4pPr>
-            <a:lvl5pPr marL="2057400" indent="-228600" algn="l" defTabSz="914400" rtl="0" eaLnBrk="1" latinLnBrk="0" hangingPunct="1">
-              <a:spcBef>
-                <a:spcPct val="20000"/>
-              </a:spcBef>
-              <a:buFont typeface="Arial" panose="020B0604020202020204" pitchFamily="34" charset="0"/>
-              <a:buChar char="»"/>
-              <a:defRPr sz="2000" kern="1200">
-                <a:solidFill>
-                  <a:schemeClr val="tx1"/>
-                </a:solidFill>
-                <a:latin typeface="+mn-lt"/>
-                <a:ea typeface="+mn-ea"/>
-                <a:cs typeface="+mn-cs"/>
-              </a:defRPr>
-            </a:lvl5pPr>
-            <a:lvl6pPr marL="2514600" indent="-228600" algn="r" defTabSz="914400" rtl="1" eaLnBrk="1" latinLnBrk="0" hangingPunct="1">
-              <a:spcBef>
-                <a:spcPct val="20000"/>
-              </a:spcBef>
-              <a:buFont typeface="Arial" panose="020B0604020202020204" pitchFamily="34" charset="0"/>
-              <a:buChar char="•"/>
-              <a:defRPr sz="2000" kern="1200">
-                <a:solidFill>
-                  <a:schemeClr val="tx1"/>
-                </a:solidFill>
-                <a:latin typeface="+mn-lt"/>
-                <a:ea typeface="+mn-ea"/>
-                <a:cs typeface="+mn-cs"/>
-              </a:defRPr>
-            </a:lvl6pPr>
-            <a:lvl7pPr marL="2971800" indent="-228600" algn="r" defTabSz="914400" rtl="1" eaLnBrk="1" latinLnBrk="0" hangingPunct="1">
-              <a:spcBef>
-                <a:spcPct val="20000"/>
-              </a:spcBef>
-              <a:buFont typeface="Arial" panose="020B0604020202020204" pitchFamily="34" charset="0"/>
-              <a:buChar char="•"/>
-              <a:defRPr sz="2000" kern="1200">
-                <a:solidFill>
-                  <a:schemeClr val="tx1"/>
-                </a:solidFill>
-                <a:latin typeface="+mn-lt"/>
-                <a:ea typeface="+mn-ea"/>
-                <a:cs typeface="+mn-cs"/>
-              </a:defRPr>
-            </a:lvl7pPr>
-            <a:lvl8pPr marL="3429000" indent="-228600" algn="r" defTabSz="914400" rtl="1" eaLnBrk="1" latinLnBrk="0" hangingPunct="1">
-              <a:spcBef>
-                <a:spcPct val="20000"/>
-              </a:spcBef>
-              <a:buFont typeface="Arial" panose="020B0604020202020204" pitchFamily="34" charset="0"/>
-              <a:buChar char="•"/>
-              <a:defRPr sz="2000" kern="1200">
-                <a:solidFill>
-                  <a:schemeClr val="tx1"/>
-                </a:solidFill>
-                <a:latin typeface="+mn-lt"/>
-                <a:ea typeface="+mn-ea"/>
-                <a:cs typeface="+mn-cs"/>
-              </a:defRPr>
-            </a:lvl8pPr>
-            <a:lvl9pPr marL="3886200" indent="-228600" algn="r" defTabSz="914400" rtl="1" eaLnBrk="1" latinLnBrk="0" hangingPunct="1">
-              <a:spcBef>
-                <a:spcPct val="20000"/>
-              </a:spcBef>
-              <a:buFont typeface="Arial" panose="020B0604020202020204" pitchFamily="34" charset="0"/>
-              <a:buChar char="•"/>
-              <a:defRPr sz="2000" kern="1200">
-                <a:solidFill>
-                  <a:schemeClr val="tx1"/>
-                </a:solidFill>
-                <a:latin typeface="+mn-lt"/>
-                <a:ea typeface="+mn-ea"/>
-                <a:cs typeface="+mn-cs"/>
-              </a:defRPr>
-            </a:lvl9pPr>
-          </a:lstStyle>
-          <a:p>
-            <a:r>
-              <a:rPr lang="en-US" sz="2800" dirty="0">
-                <a:solidFill>
-                  <a:srgbClr val="002060"/>
-                </a:solidFill>
-              </a:rPr>
-              <a:t>Project Goal</a:t>
-            </a:r>
-          </a:p>
-          <a:p>
-            <a:r>
-              <a:rPr lang="en-US" sz="2800" dirty="0">
-                <a:solidFill>
-                  <a:srgbClr val="002060"/>
-                </a:solidFill>
-              </a:rPr>
-              <a:t>Background</a:t>
-            </a:r>
-          </a:p>
-          <a:p>
-            <a:r>
-              <a:rPr lang="en-US" sz="2800" dirty="0">
-                <a:solidFill>
-                  <a:srgbClr val="002060"/>
-                </a:solidFill>
-              </a:rPr>
-              <a:t>Literature Survey</a:t>
-            </a:r>
-          </a:p>
-          <a:p>
-            <a:r>
-              <a:rPr lang="en-US" sz="2800" dirty="0">
-                <a:solidFill>
-                  <a:srgbClr val="002060"/>
-                </a:solidFill>
-              </a:rPr>
-              <a:t>Chosen Solution</a:t>
-            </a:r>
-          </a:p>
-          <a:p>
-            <a:r>
-              <a:rPr lang="en-US" sz="2800" dirty="0">
-                <a:solidFill>
-                  <a:srgbClr val="002060"/>
-                </a:solidFill>
-              </a:rPr>
-              <a:t>Conclusions</a:t>
-            </a:r>
-          </a:p>
-          <a:p>
-            <a:r>
-              <a:rPr lang="en-US" sz="2800" dirty="0">
-                <a:solidFill>
-                  <a:srgbClr val="002060"/>
-                </a:solidFill>
-              </a:rPr>
-              <a:t>Future Work</a:t>
-            </a:r>
-          </a:p>
-          <a:p>
-            <a:endParaRPr lang="en-US" sz="2800" dirty="0">
-              <a:solidFill>
-                <a:srgbClr val="002060"/>
-              </a:solidFill>
-            </a:endParaRPr>
-          </a:p>
-          <a:p>
-            <a:endParaRPr lang="he-IL" sz="2800" dirty="0">
-              <a:solidFill>
-                <a:srgbClr val="002060"/>
-              </a:solidFill>
-            </a:endParaRPr>
-          </a:p>
-        </p:txBody>
-      </p:sp>
-      <p:sp>
-        <p:nvSpPr>
-          <p:cNvPr id="12" name="Slide Number Placeholder 4">
-            <a:extLst>
-              <a:ext uri="{FF2B5EF4-FFF2-40B4-BE49-F238E27FC236}">
-                <a16:creationId xmlns:a16="http://schemas.microsoft.com/office/drawing/2014/main" id="{B023802F-B8AD-4425-AF95-8D483ECA494C}"/>
-              </a:ext>
-            </a:extLst>
-          </p:cNvPr>
-          <p:cNvSpPr>
-            <a:spLocks noGrp="1"/>
-          </p:cNvSpPr>
-          <p:nvPr/>
-        </p:nvSpPr>
-        <p:spPr>
-          <a:xfrm>
-            <a:off x="-866273" y="6287295"/>
-            <a:ext cx="2133600" cy="365125"/>
-          </a:xfrm>
-          <a:prstGeom prst="rect">
-            <a:avLst/>
-          </a:prstGeom>
-        </p:spPr>
-        <p:txBody>
-          <a:bodyPr vert="horz" lIns="91440" tIns="45720" rIns="91440" bIns="45720" rtlCol="1" anchor="ctr"/>
-          <a:lstStyle>
-            <a:defPPr>
-              <a:defRPr lang="en-US"/>
-            </a:defPPr>
-            <a:lvl1pPr marL="0" algn="l" defTabSz="914400" rtl="0" eaLnBrk="1" latinLnBrk="0" hangingPunct="1">
-              <a:defRPr sz="1200" kern="1200">
-                <a:solidFill>
-                  <a:schemeClr val="tx1">
-                    <a:tint val="75000"/>
-                  </a:schemeClr>
-                </a:solidFill>
-                <a:latin typeface="+mn-lt"/>
-                <a:ea typeface="+mn-ea"/>
-                <a:cs typeface="+mn-cs"/>
-              </a:defRPr>
-            </a:lvl1pPr>
-            <a:lvl2pPr marL="457200" algn="l" defTabSz="914400" rtl="0" eaLnBrk="1" latinLnBrk="0" hangingPunct="1">
-              <a:defRPr sz="1800" kern="1200">
-                <a:solidFill>
-                  <a:schemeClr val="tx1"/>
-                </a:solidFill>
-                <a:latin typeface="+mn-lt"/>
-                <a:ea typeface="+mn-ea"/>
-                <a:cs typeface="+mn-cs"/>
-              </a:defRPr>
-            </a:lvl2pPr>
-            <a:lvl3pPr marL="914400" algn="l" defTabSz="914400" rtl="0" eaLnBrk="1" latinLnBrk="0" hangingPunct="1">
-              <a:defRPr sz="1800" kern="1200">
-                <a:solidFill>
-                  <a:schemeClr val="tx1"/>
-                </a:solidFill>
-                <a:latin typeface="+mn-lt"/>
-                <a:ea typeface="+mn-ea"/>
-                <a:cs typeface="+mn-cs"/>
-              </a:defRPr>
-            </a:lvl3pPr>
-            <a:lvl4pPr marL="1371600" algn="l" defTabSz="914400" rtl="0" eaLnBrk="1" latinLnBrk="0" hangingPunct="1">
-              <a:defRPr sz="1800" kern="1200">
-                <a:solidFill>
-                  <a:schemeClr val="tx1"/>
-                </a:solidFill>
-                <a:latin typeface="+mn-lt"/>
-                <a:ea typeface="+mn-ea"/>
-                <a:cs typeface="+mn-cs"/>
-              </a:defRPr>
-            </a:lvl4pPr>
-            <a:lvl5pPr marL="1828800" algn="l" defTabSz="914400" rtl="0" eaLnBrk="1" latinLnBrk="0" hangingPunct="1">
-              <a:defRPr sz="1800" kern="1200">
-                <a:solidFill>
-                  <a:schemeClr val="tx1"/>
-                </a:solidFill>
-                <a:latin typeface="+mn-lt"/>
-                <a:ea typeface="+mn-ea"/>
-                <a:cs typeface="+mn-cs"/>
-              </a:defRPr>
-            </a:lvl5pPr>
-            <a:lvl6pPr marL="2286000" algn="l" defTabSz="914400" rtl="0" eaLnBrk="1" latinLnBrk="0" hangingPunct="1">
-              <a:defRPr sz="1800" kern="1200">
-                <a:solidFill>
-                  <a:schemeClr val="tx1"/>
-                </a:solidFill>
-                <a:latin typeface="+mn-lt"/>
-                <a:ea typeface="+mn-ea"/>
-                <a:cs typeface="+mn-cs"/>
-              </a:defRPr>
-            </a:lvl6pPr>
-            <a:lvl7pPr marL="2743200" algn="l" defTabSz="914400" rtl="0" eaLnBrk="1" latinLnBrk="0" hangingPunct="1">
-              <a:defRPr sz="1800" kern="1200">
-                <a:solidFill>
-                  <a:schemeClr val="tx1"/>
-                </a:solidFill>
-                <a:latin typeface="+mn-lt"/>
-                <a:ea typeface="+mn-ea"/>
-                <a:cs typeface="+mn-cs"/>
-              </a:defRPr>
-            </a:lvl7pPr>
-            <a:lvl8pPr marL="3200400" algn="l" defTabSz="914400" rtl="0" eaLnBrk="1" latinLnBrk="0" hangingPunct="1">
-              <a:defRPr sz="1800" kern="1200">
-                <a:solidFill>
-                  <a:schemeClr val="tx1"/>
-                </a:solidFill>
-                <a:latin typeface="+mn-lt"/>
-                <a:ea typeface="+mn-ea"/>
-                <a:cs typeface="+mn-cs"/>
-              </a:defRPr>
-            </a:lvl8pPr>
-            <a:lvl9pPr marL="3657600" algn="l" defTabSz="914400" rtl="0" eaLnBrk="1" latinLnBrk="0" hangingPunct="1">
-              <a:defRPr sz="1800" kern="1200">
-                <a:solidFill>
-                  <a:schemeClr val="tx1"/>
-                </a:solidFill>
-                <a:latin typeface="+mn-lt"/>
-                <a:ea typeface="+mn-ea"/>
-                <a:cs typeface="+mn-cs"/>
-              </a:defRPr>
-            </a:lvl9pPr>
-          </a:lstStyle>
-          <a:p>
-            <a:fld id="{B01D9778-10B4-40FB-B4E4-44FA89A86639}" type="slidenum">
-              <a:rPr lang="en-US"/>
-              <a:pPr/>
-              <a:t>2</a:t>
-            </a:fld>
-            <a:endParaRPr lang="en-US"/>
+              <a:t>Thank you for your attention!</a:t>
+            </a:r>
           </a:p>
         </p:txBody>
       </p:sp>
       <p:pic>
         <p:nvPicPr>
-          <p:cNvPr id="4" name="תמונה 3">
+          <p:cNvPr id="5" name="תמונה 4" descr="תמונה שמכילה טקסט&#10;&#10;התיאור נוצר באופן אוטומטי">
             <a:extLst>
               <a:ext uri="{FF2B5EF4-FFF2-40B4-BE49-F238E27FC236}">
-                <a16:creationId xmlns:a16="http://schemas.microsoft.com/office/drawing/2014/main" id="{96E68B6B-60D2-4D8F-9DC7-7F3328F9C279}"/>
+                <a16:creationId xmlns:a16="http://schemas.microsoft.com/office/drawing/2014/main" id="{890B8B8C-0AAD-4B84-9941-D2F213585F76}"/>
               </a:ext>
             </a:extLst>
           </p:cNvPr>
@@ -10836,240 +13717,18 @@
         </p:blipFill>
         <p:spPr>
           <a:xfrm>
-            <a:off x="4081462" y="6505575"/>
-            <a:ext cx="981075" cy="352425"/>
+            <a:off x="1107584" y="1845426"/>
+            <a:ext cx="6926542" cy="4450303"/>
           </a:xfrm>
           <a:prstGeom prst="rect">
             <a:avLst/>
           </a:prstGeom>
         </p:spPr>
       </p:pic>
-      <p:sp>
-        <p:nvSpPr>
-          <p:cNvPr id="5" name="Subtitle 2">
-            <a:extLst>
-              <a:ext uri="{FF2B5EF4-FFF2-40B4-BE49-F238E27FC236}">
-                <a16:creationId xmlns:a16="http://schemas.microsoft.com/office/drawing/2014/main" id="{B4196659-4A84-4C3E-9873-58E0D18A5F80}"/>
-              </a:ext>
-            </a:extLst>
-          </p:cNvPr>
-          <p:cNvSpPr txBox="1">
-            <a:spLocks/>
-          </p:cNvSpPr>
-          <p:nvPr/>
-        </p:nvSpPr>
-        <p:spPr>
-          <a:xfrm>
-            <a:off x="8562669" y="6359024"/>
-            <a:ext cx="469038" cy="498976"/>
-          </a:xfrm>
-          <a:prstGeom prst="rect">
-            <a:avLst/>
-          </a:prstGeom>
-        </p:spPr>
-        <p:txBody>
-          <a:bodyPr vert="horz" lIns="91440" tIns="45720" rIns="91440" bIns="45720" rtlCol="1" anchor="t">
-            <a:noAutofit/>
-          </a:bodyPr>
-          <a:lstStyle>
-            <a:lvl1pPr marL="0" indent="0" algn="ctr" defTabSz="914400" rtl="1" eaLnBrk="1" latinLnBrk="0" hangingPunct="1">
-              <a:lnSpc>
-                <a:spcPct val="90000"/>
-              </a:lnSpc>
-              <a:spcBef>
-                <a:spcPct val="20000"/>
-              </a:spcBef>
-              <a:buFont typeface="Arial" panose="020B0604020202020204" pitchFamily="34" charset="0"/>
-              <a:buNone/>
-              <a:defRPr sz="3200" kern="1200">
-                <a:solidFill>
-                  <a:schemeClr val="tx1">
-                    <a:tint val="75000"/>
-                  </a:schemeClr>
-                </a:solidFill>
-                <a:latin typeface="+mn-lt"/>
-                <a:ea typeface="+mn-ea"/>
-                <a:cs typeface="+mn-cs"/>
-              </a:defRPr>
-            </a:lvl1pPr>
-            <a:lvl2pPr marL="457200" indent="0" algn="ctr" defTabSz="914400" rtl="1" eaLnBrk="1" latinLnBrk="0" hangingPunct="1">
-              <a:lnSpc>
-                <a:spcPct val="90000"/>
-              </a:lnSpc>
-              <a:spcBef>
-                <a:spcPct val="20000"/>
-              </a:spcBef>
-              <a:buFont typeface="Arial" panose="020B0604020202020204" pitchFamily="34" charset="0"/>
-              <a:buNone/>
-              <a:defRPr sz="2800" kern="1200">
-                <a:solidFill>
-                  <a:schemeClr val="tx1">
-                    <a:tint val="75000"/>
-                  </a:schemeClr>
-                </a:solidFill>
-                <a:latin typeface="+mn-lt"/>
-                <a:ea typeface="+mn-ea"/>
-                <a:cs typeface="+mn-cs"/>
-              </a:defRPr>
-            </a:lvl2pPr>
-            <a:lvl3pPr marL="914400" indent="0" algn="ctr" defTabSz="914400" rtl="1" eaLnBrk="1" latinLnBrk="0" hangingPunct="1">
-              <a:lnSpc>
-                <a:spcPct val="90000"/>
-              </a:lnSpc>
-              <a:spcBef>
-                <a:spcPct val="20000"/>
-              </a:spcBef>
-              <a:buFont typeface="Arial" panose="020B0604020202020204" pitchFamily="34" charset="0"/>
-              <a:buNone/>
-              <a:defRPr sz="2400" kern="1200">
-                <a:solidFill>
-                  <a:schemeClr val="tx1">
-                    <a:tint val="75000"/>
-                  </a:schemeClr>
-                </a:solidFill>
-                <a:latin typeface="+mn-lt"/>
-                <a:ea typeface="+mn-ea"/>
-                <a:cs typeface="+mn-cs"/>
-              </a:defRPr>
-            </a:lvl3pPr>
-            <a:lvl4pPr marL="1371600" indent="0" algn="ctr" defTabSz="914400" rtl="1" eaLnBrk="1" latinLnBrk="0" hangingPunct="1">
-              <a:lnSpc>
-                <a:spcPct val="90000"/>
-              </a:lnSpc>
-              <a:spcBef>
-                <a:spcPct val="20000"/>
-              </a:spcBef>
-              <a:buFont typeface="Arial" panose="020B0604020202020204" pitchFamily="34" charset="0"/>
-              <a:buNone/>
-              <a:defRPr sz="2000" kern="1200">
-                <a:solidFill>
-                  <a:schemeClr val="tx1">
-                    <a:tint val="75000"/>
-                  </a:schemeClr>
-                </a:solidFill>
-                <a:latin typeface="+mn-lt"/>
-                <a:ea typeface="+mn-ea"/>
-                <a:cs typeface="+mn-cs"/>
-              </a:defRPr>
-            </a:lvl4pPr>
-            <a:lvl5pPr marL="1828800" indent="0" algn="ctr" defTabSz="914400" rtl="1" eaLnBrk="1" latinLnBrk="0" hangingPunct="1">
-              <a:lnSpc>
-                <a:spcPct val="90000"/>
-              </a:lnSpc>
-              <a:spcBef>
-                <a:spcPct val="20000"/>
-              </a:spcBef>
-              <a:buFont typeface="Arial" panose="020B0604020202020204" pitchFamily="34" charset="0"/>
-              <a:buNone/>
-              <a:defRPr sz="2000" kern="1200">
-                <a:solidFill>
-                  <a:schemeClr val="tx1">
-                    <a:tint val="75000"/>
-                  </a:schemeClr>
-                </a:solidFill>
-                <a:latin typeface="+mn-lt"/>
-                <a:ea typeface="+mn-ea"/>
-                <a:cs typeface="+mn-cs"/>
-              </a:defRPr>
-            </a:lvl5pPr>
-            <a:lvl6pPr marL="2286000" indent="0" algn="ctr" defTabSz="914400" rtl="1" eaLnBrk="1" latinLnBrk="0" hangingPunct="1">
-              <a:lnSpc>
-                <a:spcPct val="90000"/>
-              </a:lnSpc>
-              <a:spcBef>
-                <a:spcPct val="20000"/>
-              </a:spcBef>
-              <a:buFont typeface="Arial" panose="020B0604020202020204" pitchFamily="34" charset="0"/>
-              <a:buNone/>
-              <a:defRPr sz="2000" kern="1200">
-                <a:solidFill>
-                  <a:schemeClr val="tx1">
-                    <a:tint val="75000"/>
-                  </a:schemeClr>
-                </a:solidFill>
-                <a:latin typeface="+mn-lt"/>
-                <a:ea typeface="+mn-ea"/>
-                <a:cs typeface="+mn-cs"/>
-              </a:defRPr>
-            </a:lvl6pPr>
-            <a:lvl7pPr marL="2743200" indent="0" algn="ctr" defTabSz="914400" rtl="1" eaLnBrk="1" latinLnBrk="0" hangingPunct="1">
-              <a:lnSpc>
-                <a:spcPct val="90000"/>
-              </a:lnSpc>
-              <a:spcBef>
-                <a:spcPct val="20000"/>
-              </a:spcBef>
-              <a:buFont typeface="Arial" panose="020B0604020202020204" pitchFamily="34" charset="0"/>
-              <a:buNone/>
-              <a:defRPr sz="2000" kern="1200">
-                <a:solidFill>
-                  <a:schemeClr val="tx1">
-                    <a:tint val="75000"/>
-                  </a:schemeClr>
-                </a:solidFill>
-                <a:latin typeface="+mn-lt"/>
-                <a:ea typeface="+mn-ea"/>
-                <a:cs typeface="+mn-cs"/>
-              </a:defRPr>
-            </a:lvl7pPr>
-            <a:lvl8pPr marL="3200400" indent="0" algn="ctr" defTabSz="914400" rtl="1" eaLnBrk="1" latinLnBrk="0" hangingPunct="1">
-              <a:lnSpc>
-                <a:spcPct val="90000"/>
-              </a:lnSpc>
-              <a:spcBef>
-                <a:spcPct val="20000"/>
-              </a:spcBef>
-              <a:buFont typeface="Arial" panose="020B0604020202020204" pitchFamily="34" charset="0"/>
-              <a:buNone/>
-              <a:defRPr sz="2000" kern="1200">
-                <a:solidFill>
-                  <a:schemeClr val="tx1">
-                    <a:tint val="75000"/>
-                  </a:schemeClr>
-                </a:solidFill>
-                <a:latin typeface="+mn-lt"/>
-                <a:ea typeface="+mn-ea"/>
-                <a:cs typeface="+mn-cs"/>
-              </a:defRPr>
-            </a:lvl8pPr>
-            <a:lvl9pPr marL="3657600" indent="0" algn="ctr" defTabSz="914400" rtl="1" eaLnBrk="1" latinLnBrk="0" hangingPunct="1">
-              <a:lnSpc>
-                <a:spcPct val="90000"/>
-              </a:lnSpc>
-              <a:spcBef>
-                <a:spcPct val="20000"/>
-              </a:spcBef>
-              <a:buFont typeface="Arial" panose="020B0604020202020204" pitchFamily="34" charset="0"/>
-              <a:buNone/>
-              <a:defRPr sz="2000" kern="1200">
-                <a:solidFill>
-                  <a:schemeClr val="tx1">
-                    <a:tint val="75000"/>
-                  </a:schemeClr>
-                </a:solidFill>
-                <a:latin typeface="+mn-lt"/>
-                <a:ea typeface="+mn-ea"/>
-                <a:cs typeface="+mn-cs"/>
-              </a:defRPr>
-            </a:lvl9pPr>
-          </a:lstStyle>
-          <a:p>
-            <a:pPr algn="l" rtl="0"/>
-            <a:r>
-              <a:rPr lang="en-US" sz="2400" dirty="0">
-                <a:solidFill>
-                  <a:schemeClr val="tx1"/>
-                </a:solidFill>
-              </a:rPr>
-              <a:t>2</a:t>
-            </a:r>
-          </a:p>
-        </p:txBody>
-      </p:sp>
     </p:spTree>
     <p:extLst>
       <p:ext uri="{BB962C8B-B14F-4D97-AF65-F5344CB8AC3E}">
-        <p14:creationId xmlns:p14="http://schemas.microsoft.com/office/powerpoint/2010/main" val="1418172428"/>
+        <p14:creationId xmlns:p14="http://schemas.microsoft.com/office/powerpoint/2010/main" val="2413185088"/>
       </p:ext>
     </p:extLst>
   </p:cSld>
@@ -12063,7 +14722,7 @@
             <a:pPr algn="l" rtl="0"/>
             <a:r>
               <a:rPr lang="en-US" dirty="0"/>
-              <a:t>recursive algorithm testing all possible paths until a solution is found.</a:t>
+              <a:t>Recursive algorithm testing all possible paths until a solution is found.</a:t>
             </a:r>
           </a:p>
           <a:p>
@@ -12836,8 +15495,8 @@
           </a:p>
         </p:txBody>
       </p:sp>
-      <mc:AlternateContent xmlns:mc="http://schemas.openxmlformats.org/markup-compatibility/2006" xmlns:a14="http://schemas.microsoft.com/office/drawing/2010/main">
-        <mc:Choice Requires="a14">
+      <mc:AlternateContent xmlns:mc="http://schemas.openxmlformats.org/markup-compatibility/2006">
+        <mc:Choice xmlns:a14="http://schemas.microsoft.com/office/drawing/2010/main" Requires="a14">
           <p:sp>
             <p:nvSpPr>
               <p:cNvPr id="3" name="מציין מיקום תוכן 2">
@@ -12917,7 +15576,7 @@
                 </a14:m>
                 <a:r>
                   <a:rPr lang="en-US" dirty="0"/>
-                  <a:t> neurons  on each layer</a:t>
+                  <a:t> neurons on each layer</a:t>
                 </a:r>
               </a:p>
               <a:p>
@@ -12968,7 +15627,7 @@
             </p:txBody>
           </p:sp>
         </mc:Choice>
-        <mc:Fallback xmlns="">
+        <mc:Fallback>
           <p:sp>
             <p:nvSpPr>
               <p:cNvPr id="3" name="מציין מיקום תוכן 2">
@@ -13306,7 +15965,12 @@
             <p:ph type="title"/>
           </p:nvPr>
         </p:nvSpPr>
-        <p:spPr/>
+        <p:spPr>
+          <a:xfrm>
+            <a:off x="628650" y="-273502"/>
+            <a:ext cx="7886700" cy="1325563"/>
+          </a:xfrm>
+        </p:spPr>
         <p:txBody>
           <a:bodyPr/>
           <a:lstStyle/>
@@ -13340,7 +16004,12 @@
             <p:ph idx="1"/>
           </p:nvPr>
         </p:nvSpPr>
-        <p:spPr/>
+        <p:spPr>
+          <a:xfrm>
+            <a:off x="628650" y="1099911"/>
+            <a:ext cx="7886700" cy="4351338"/>
+          </a:xfrm>
+        </p:spPr>
         <p:txBody>
           <a:bodyPr>
             <a:normAutofit/>
@@ -13350,41 +16019,26 @@
             <a:pPr algn="l" rtl="0"/>
             <a:r>
               <a:rPr lang="en-US" dirty="0"/>
-              <a:t>In Training: Start with easy examples, gradually increase difficulty </a:t>
+              <a:t>In Training: start with easy examples, gradually increase difficulty </a:t>
             </a:r>
           </a:p>
           <a:p>
             <a:pPr algn="l" rtl="0"/>
             <a:r>
               <a:rPr lang="en-US" dirty="0"/>
-              <a:t>Can improve the results of the network </a:t>
+              <a:t>May improve the results of the network </a:t>
             </a:r>
           </a:p>
           <a:p>
             <a:pPr lvl="1" algn="l" rtl="0"/>
             <a:r>
               <a:rPr lang="en-US" dirty="0"/>
-              <a:t>Article: Guy, H. (2019). “On the power of curriculum learning in training deep networks”</a:t>
+              <a:t>Paper: Guy, H. (2019). “On the power of curriculum learning in training deep networks”</a:t>
             </a:r>
           </a:p>
           <a:p>
             <a:pPr lvl="1" algn="l" rtl="0"/>
             <a:endParaRPr lang="en-US" dirty="0"/>
-          </a:p>
-          <a:p>
-            <a:pPr algn="l" rtl="0"/>
-            <a:r>
-              <a:rPr lang="en-US" dirty="0"/>
-              <a:t> </a:t>
-            </a:r>
-            <a:r>
-              <a:rPr lang="he-IL" dirty="0"/>
-              <a:t>גרף של השוואה בין התוצאות עם ובלי </a:t>
-            </a:r>
-            <a:r>
-              <a:rPr lang="en-US" dirty="0"/>
-              <a:t>curriculum</a:t>
-            </a:r>
           </a:p>
           <a:p>
             <a:pPr algn="l" rtl="0"/>
@@ -13644,6 +16298,41 @@
           </a:p>
         </p:txBody>
       </p:sp>
+      <p:pic>
+        <p:nvPicPr>
+          <p:cNvPr id="4" name="תמונה 3">
+            <a:extLst>
+              <a:ext uri="{FF2B5EF4-FFF2-40B4-BE49-F238E27FC236}">
+                <a16:creationId xmlns:a16="http://schemas.microsoft.com/office/drawing/2014/main" id="{176C71BB-E3CB-4595-87A5-60FA846ECEC0}"/>
+              </a:ext>
+            </a:extLst>
+          </p:cNvPr>
+          <p:cNvPicPr/>
+          <p:nvPr/>
+        </p:nvPicPr>
+        <p:blipFill rotWithShape="1">
+          <a:blip r:embed="rId4"/>
+          <a:srcRect b="33053"/>
+          <a:stretch/>
+        </p:blipFill>
+        <p:spPr bwMode="auto">
+          <a:xfrm>
+            <a:off x="168501" y="3275580"/>
+            <a:ext cx="8394168" cy="3083444"/>
+          </a:xfrm>
+          <a:prstGeom prst="rect">
+            <a:avLst/>
+          </a:prstGeom>
+          <a:ln>
+            <a:noFill/>
+          </a:ln>
+          <a:extLst>
+            <a:ext uri="{53640926-AAD7-44D8-BBD7-CCE9431645EC}">
+              <a14:shadowObscured xmlns:a14="http://schemas.microsoft.com/office/drawing/2010/main"/>
+            </a:ext>
+          </a:extLst>
+        </p:spPr>
+      </p:pic>
     </p:spTree>
     <p:extLst>
       <p:ext uri="{BB962C8B-B14F-4D97-AF65-F5344CB8AC3E}">
@@ -13690,7 +16379,12 @@
             <p:ph type="title"/>
           </p:nvPr>
         </p:nvSpPr>
-        <p:spPr/>
+        <p:spPr>
+          <a:xfrm>
+            <a:off x="628650" y="-295274"/>
+            <a:ext cx="7886700" cy="1325563"/>
+          </a:xfrm>
+        </p:spPr>
         <p:txBody>
           <a:bodyPr/>
           <a:lstStyle/>
@@ -13730,7 +16424,12 @@
             <p:ph idx="1"/>
           </p:nvPr>
         </p:nvSpPr>
-        <p:spPr/>
+        <p:spPr>
+          <a:xfrm>
+            <a:off x="628650" y="644525"/>
+            <a:ext cx="7886700" cy="4351338"/>
+          </a:xfrm>
+        </p:spPr>
         <p:txBody>
           <a:bodyPr/>
           <a:lstStyle/>
@@ -13745,14 +16444,14 @@
             <a:pPr lvl="1" algn="l" rtl="0"/>
             <a:r>
               <a:rPr lang="en-US" dirty="0"/>
-              <a:t>Fill the puzzle digit by digit and not the entire puzzle at once (like human do)</a:t>
+              <a:t>Fill the puzzle digit by digit and not the entire puzzle at once (like humans do)</a:t>
             </a:r>
           </a:p>
           <a:p>
             <a:pPr lvl="1" algn="l" rtl="0"/>
             <a:r>
               <a:rPr lang="en-US" dirty="0"/>
-              <a:t>Each iteration the chosen digit to fill is the one with best confidence</a:t>
+              <a:t>In each iteration the chosen digit will be the one with highest confidence</a:t>
             </a:r>
           </a:p>
           <a:p>
@@ -13764,21 +16463,6 @@
           </a:p>
           <a:p>
             <a:pPr lvl="1" algn="l" rtl="0"/>
-            <a:r>
-              <a:rPr lang="en-US" dirty="0"/>
-              <a:t>Plug the new puzzle each iteration to the net</a:t>
-            </a:r>
-          </a:p>
-          <a:p>
-            <a:pPr lvl="1" algn="l" rtl="0"/>
-            <a:endParaRPr lang="en-US" dirty="0"/>
-          </a:p>
-          <a:p>
-            <a:pPr lvl="1" algn="l" rtl="0"/>
-            <a:r>
-              <a:rPr lang="he-IL" dirty="0"/>
-              <a:t>לשים תמונה של מעקב אחרי הלוח עם הסתברויות</a:t>
-            </a:r>
             <a:endParaRPr lang="en-US" dirty="0"/>
           </a:p>
           <a:p>
@@ -14055,6 +16739,66 @@
           </a:p>
         </p:txBody>
       </p:sp>
+      <p:pic>
+        <p:nvPicPr>
+          <p:cNvPr id="6" name="תמונה 5">
+            <a:extLst>
+              <a:ext uri="{FF2B5EF4-FFF2-40B4-BE49-F238E27FC236}">
+                <a16:creationId xmlns:a16="http://schemas.microsoft.com/office/drawing/2014/main" id="{352DD1D7-6B0E-444D-AEF4-ED7563861329}"/>
+              </a:ext>
+            </a:extLst>
+          </p:cNvPr>
+          <p:cNvPicPr>
+            <a:picLocks noChangeAspect="1"/>
+          </p:cNvPicPr>
+          <p:nvPr/>
+        </p:nvPicPr>
+        <p:blipFill>
+          <a:blip r:embed="rId4"/>
+          <a:stretch>
+            <a:fillRect/>
+          </a:stretch>
+        </p:blipFill>
+        <p:spPr>
+          <a:xfrm>
+            <a:off x="199551" y="3388017"/>
+            <a:ext cx="3995098" cy="3079555"/>
+          </a:xfrm>
+          <a:prstGeom prst="rect">
+            <a:avLst/>
+          </a:prstGeom>
+        </p:spPr>
+      </p:pic>
+      <p:pic>
+        <p:nvPicPr>
+          <p:cNvPr id="9" name="תמונה 8">
+            <a:extLst>
+              <a:ext uri="{FF2B5EF4-FFF2-40B4-BE49-F238E27FC236}">
+                <a16:creationId xmlns:a16="http://schemas.microsoft.com/office/drawing/2014/main" id="{97449353-62EE-43F5-88F6-0E0A64C529D5}"/>
+              </a:ext>
+            </a:extLst>
+          </p:cNvPr>
+          <p:cNvPicPr>
+            <a:picLocks noChangeAspect="1"/>
+          </p:cNvPicPr>
+          <p:nvPr/>
+        </p:nvPicPr>
+        <p:blipFill>
+          <a:blip r:embed="rId5"/>
+          <a:stretch>
+            <a:fillRect/>
+          </a:stretch>
+        </p:blipFill>
+        <p:spPr>
+          <a:xfrm>
+            <a:off x="4815054" y="3331884"/>
+            <a:ext cx="3995099" cy="3135688"/>
+          </a:xfrm>
+          <a:prstGeom prst="rect">
+            <a:avLst/>
+          </a:prstGeom>
+        </p:spPr>
+      </p:pic>
     </p:spTree>
     <p:extLst>
       <p:ext uri="{BB962C8B-B14F-4D97-AF65-F5344CB8AC3E}">

--- a/Presentation/final_presentation.pptx
+++ b/Presentation/final_presentation.pptx
@@ -232,7 +232,7 @@
           <a:p>
             <a:fld id="{B9B646A0-8041-4E6E-836C-EE83B35CC850}" type="datetimeFigureOut">
               <a:rPr lang="he-IL" smtClean="0"/>
-              <a:t>י"ט/אלול/תש"ף</a:t>
+              <a:t>כ"ב/אלול/תש"ף</a:t>
             </a:fld>
             <a:endParaRPr lang="he-IL"/>
           </a:p>
@@ -410,7 +410,7 @@
           <a:p>
             <a:fld id="{F6B21B3F-883B-407D-A0DF-AE028F3E9C27}" type="datetimeFigureOut">
               <a:rPr lang="he-IL" smtClean="0"/>
-              <a:t>י"ט/אלול/תש"ף</a:t>
+              <a:t>כ"ב/אלול/תש"ף</a:t>
             </a:fld>
             <a:endParaRPr lang="he-IL"/>
           </a:p>
@@ -746,7 +746,15 @@
           <a:p>
             <a:r>
               <a:rPr lang="he-IL" dirty="0"/>
-              <a:t>2. ישנם פתרונות גם בתחומי הלמידה </a:t>
+              <a:t>2. ישנם פתרונות גם בתחומי הלמידה  - התעסקו בבעיה ברמה הכי פשוטה ופחות </a:t>
+            </a:r>
+            <a:r>
+              <a:rPr lang="he-IL" dirty="0" err="1"/>
+              <a:t>בנסיונות</a:t>
+            </a:r>
+            <a:r>
+              <a:rPr lang="he-IL" dirty="0"/>
+              <a:t> להבין את הרשת ואת שיטות האימון השונות.</a:t>
             </a:r>
           </a:p>
         </p:txBody>
@@ -1463,7 +1471,18 @@
             <a:pPr marL="685800" lvl="1" indent="-228600">
               <a:buAutoNum type="arabicPeriod"/>
             </a:pPr>
-            <a:endParaRPr lang="he-IL" dirty="0"/>
+            <a:r>
+              <a:rPr lang="he-IL" dirty="0"/>
+              <a:t>אחד הדברים שלמדנו – מעבר </a:t>
+            </a:r>
+            <a:r>
+              <a:rPr lang="he-IL" dirty="0" err="1"/>
+              <a:t>לארכיטרקוטרת</a:t>
+            </a:r>
+            <a:r>
+              <a:rPr lang="he-IL" dirty="0"/>
+              <a:t> הרשת אז חשובה גם שיטת האימון חשובה מאוד.</a:t>
+            </a:r>
           </a:p>
           <a:p>
             <a:pPr marL="685800" lvl="1" indent="-228600">
@@ -2798,7 +2817,7 @@
           <a:p>
             <a:fld id="{07420D2C-25A9-4EC4-A057-9B240AACE9AC}" type="datetimeFigureOut">
               <a:rPr lang="he-IL" smtClean="0"/>
-              <a:t>י"ט/אלול/תש"ף</a:t>
+              <a:t>כ"ב/אלול/תש"ף</a:t>
             </a:fld>
             <a:endParaRPr lang="he-IL"/>
           </a:p>
@@ -2968,7 +2987,7 @@
           <a:p>
             <a:fld id="{07420D2C-25A9-4EC4-A057-9B240AACE9AC}" type="datetimeFigureOut">
               <a:rPr lang="he-IL" smtClean="0"/>
-              <a:t>י"ט/אלול/תש"ף</a:t>
+              <a:t>כ"ב/אלול/תש"ף</a:t>
             </a:fld>
             <a:endParaRPr lang="he-IL"/>
           </a:p>
@@ -3148,7 +3167,7 @@
           <a:p>
             <a:fld id="{07420D2C-25A9-4EC4-A057-9B240AACE9AC}" type="datetimeFigureOut">
               <a:rPr lang="he-IL" smtClean="0"/>
-              <a:t>י"ט/אלול/תש"ף</a:t>
+              <a:t>כ"ב/אלול/תש"ף</a:t>
             </a:fld>
             <a:endParaRPr lang="he-IL"/>
           </a:p>
@@ -3318,7 +3337,7 @@
           <a:p>
             <a:fld id="{07420D2C-25A9-4EC4-A057-9B240AACE9AC}" type="datetimeFigureOut">
               <a:rPr lang="he-IL" smtClean="0"/>
-              <a:t>י"ט/אלול/תש"ף</a:t>
+              <a:t>כ"ב/אלול/תש"ף</a:t>
             </a:fld>
             <a:endParaRPr lang="he-IL"/>
           </a:p>
@@ -3562,7 +3581,7 @@
           <a:p>
             <a:fld id="{07420D2C-25A9-4EC4-A057-9B240AACE9AC}" type="datetimeFigureOut">
               <a:rPr lang="he-IL" smtClean="0"/>
-              <a:t>י"ט/אלול/תש"ף</a:t>
+              <a:t>כ"ב/אלול/תש"ף</a:t>
             </a:fld>
             <a:endParaRPr lang="he-IL"/>
           </a:p>
@@ -3794,7 +3813,7 @@
           <a:p>
             <a:fld id="{07420D2C-25A9-4EC4-A057-9B240AACE9AC}" type="datetimeFigureOut">
               <a:rPr lang="he-IL" smtClean="0"/>
-              <a:t>י"ט/אלול/תש"ף</a:t>
+              <a:t>כ"ב/אלול/תש"ף</a:t>
             </a:fld>
             <a:endParaRPr lang="he-IL"/>
           </a:p>
@@ -4161,7 +4180,7 @@
           <a:p>
             <a:fld id="{07420D2C-25A9-4EC4-A057-9B240AACE9AC}" type="datetimeFigureOut">
               <a:rPr lang="he-IL" smtClean="0"/>
-              <a:t>י"ט/אלול/תש"ף</a:t>
+              <a:t>כ"ב/אלול/תש"ף</a:t>
             </a:fld>
             <a:endParaRPr lang="he-IL"/>
           </a:p>
@@ -4279,7 +4298,7 @@
           <a:p>
             <a:fld id="{07420D2C-25A9-4EC4-A057-9B240AACE9AC}" type="datetimeFigureOut">
               <a:rPr lang="he-IL" smtClean="0"/>
-              <a:t>י"ט/אלול/תש"ף</a:t>
+              <a:t>כ"ב/אלול/תש"ף</a:t>
             </a:fld>
             <a:endParaRPr lang="he-IL"/>
           </a:p>
@@ -4374,7 +4393,7 @@
           <a:p>
             <a:fld id="{07420D2C-25A9-4EC4-A057-9B240AACE9AC}" type="datetimeFigureOut">
               <a:rPr lang="he-IL" smtClean="0"/>
-              <a:t>י"ט/אלול/תש"ף</a:t>
+              <a:t>כ"ב/אלול/תש"ף</a:t>
             </a:fld>
             <a:endParaRPr lang="he-IL"/>
           </a:p>
@@ -4651,7 +4670,7 @@
           <a:p>
             <a:fld id="{07420D2C-25A9-4EC4-A057-9B240AACE9AC}" type="datetimeFigureOut">
               <a:rPr lang="he-IL" smtClean="0"/>
-              <a:t>י"ט/אלול/תש"ף</a:t>
+              <a:t>כ"ב/אלול/תש"ף</a:t>
             </a:fld>
             <a:endParaRPr lang="he-IL"/>
           </a:p>
@@ -4908,7 +4927,7 @@
           <a:p>
             <a:fld id="{07420D2C-25A9-4EC4-A057-9B240AACE9AC}" type="datetimeFigureOut">
               <a:rPr lang="he-IL" smtClean="0"/>
-              <a:t>י"ט/אלול/תש"ף</a:t>
+              <a:t>כ"ב/אלול/תש"ף</a:t>
             </a:fld>
             <a:endParaRPr lang="he-IL"/>
           </a:p>
@@ -5121,7 +5140,7 @@
           <a:p>
             <a:fld id="{07420D2C-25A9-4EC4-A057-9B240AACE9AC}" type="datetimeFigureOut">
               <a:rPr lang="he-IL" smtClean="0"/>
-              <a:t>י"ט/אלול/תש"ף</a:t>
+              <a:t>כ"ב/אלול/תש"ף</a:t>
             </a:fld>
             <a:endParaRPr lang="he-IL"/>
           </a:p>
@@ -15495,8 +15514,8 @@
           </a:p>
         </p:txBody>
       </p:sp>
-      <mc:AlternateContent xmlns:mc="http://schemas.openxmlformats.org/markup-compatibility/2006">
-        <mc:Choice xmlns:a14="http://schemas.microsoft.com/office/drawing/2010/main" Requires="a14">
+      <mc:AlternateContent xmlns:mc="http://schemas.openxmlformats.org/markup-compatibility/2006" xmlns:a14="http://schemas.microsoft.com/office/drawing/2010/main">
+        <mc:Choice Requires="a14">
           <p:sp>
             <p:nvSpPr>
               <p:cNvPr id="3" name="מציין מיקום תוכן 2">
@@ -15627,7 +15646,7 @@
             </p:txBody>
           </p:sp>
         </mc:Choice>
-        <mc:Fallback>
+        <mc:Fallback xmlns="">
           <p:sp>
             <p:nvSpPr>
               <p:cNvPr id="3" name="מציין מיקום תוכן 2">

--- a/Presentation/final_presentation.pptx
+++ b/Presentation/final_presentation.pptx
@@ -5,10 +5,10 @@
     <p:sldMasterId id="2147483660" r:id="rId1"/>
   </p:sldMasterIdLst>
   <p:notesMasterIdLst>
-    <p:notesMasterId r:id="rId23"/>
+    <p:notesMasterId r:id="rId24"/>
   </p:notesMasterIdLst>
   <p:handoutMasterIdLst>
-    <p:handoutMasterId r:id="rId24"/>
+    <p:handoutMasterId r:id="rId25"/>
   </p:handoutMasterIdLst>
   <p:sldIdLst>
     <p:sldId id="256" r:id="rId2"/>
@@ -16,22 +16,23 @@
     <p:sldId id="258" r:id="rId4"/>
     <p:sldId id="262" r:id="rId5"/>
     <p:sldId id="260" r:id="rId6"/>
-    <p:sldId id="272" r:id="rId7"/>
-    <p:sldId id="261" r:id="rId8"/>
-    <p:sldId id="274" r:id="rId9"/>
-    <p:sldId id="263" r:id="rId10"/>
-    <p:sldId id="264" r:id="rId11"/>
-    <p:sldId id="265" r:id="rId12"/>
-    <p:sldId id="267" r:id="rId13"/>
-    <p:sldId id="269" r:id="rId14"/>
-    <p:sldId id="275" r:id="rId15"/>
-    <p:sldId id="277" r:id="rId16"/>
-    <p:sldId id="279" r:id="rId17"/>
-    <p:sldId id="268" r:id="rId18"/>
-    <p:sldId id="271" r:id="rId19"/>
-    <p:sldId id="273" r:id="rId20"/>
-    <p:sldId id="266" r:id="rId21"/>
-    <p:sldId id="276" r:id="rId22"/>
+    <p:sldId id="280" r:id="rId7"/>
+    <p:sldId id="274" r:id="rId8"/>
+    <p:sldId id="272" r:id="rId9"/>
+    <p:sldId id="261" r:id="rId10"/>
+    <p:sldId id="263" r:id="rId11"/>
+    <p:sldId id="264" r:id="rId12"/>
+    <p:sldId id="265" r:id="rId13"/>
+    <p:sldId id="267" r:id="rId14"/>
+    <p:sldId id="269" r:id="rId15"/>
+    <p:sldId id="275" r:id="rId16"/>
+    <p:sldId id="277" r:id="rId17"/>
+    <p:sldId id="279" r:id="rId18"/>
+    <p:sldId id="268" r:id="rId19"/>
+    <p:sldId id="271" r:id="rId20"/>
+    <p:sldId id="273" r:id="rId21"/>
+    <p:sldId id="266" r:id="rId22"/>
+    <p:sldId id="276" r:id="rId23"/>
   </p:sldIdLst>
   <p:sldSz cx="9144000" cy="6858000" type="screen4x3"/>
   <p:notesSz cx="6858000" cy="9144000"/>
@@ -162,125 +163,10 @@
       </p:grpSpPr>
       <p:sp>
         <p:nvSpPr>
-          <p:cNvPr id="2" name="מציין מיקום של כותרת עליונה 1">
+          <p:cNvPr id="6" name="מציין מיקום של מספר שקופית 5">
             <a:extLst>
               <a:ext uri="{FF2B5EF4-FFF2-40B4-BE49-F238E27FC236}">
-                <a16:creationId xmlns:a16="http://schemas.microsoft.com/office/drawing/2014/main" id="{0C2B051F-9742-4BF6-A287-344DA85D53DA}"/>
-              </a:ext>
-            </a:extLst>
-          </p:cNvPr>
-          <p:cNvSpPr>
-            <a:spLocks noGrp="1"/>
-          </p:cNvSpPr>
-          <p:nvPr>
-            <p:ph type="hdr" sz="quarter"/>
-          </p:nvPr>
-        </p:nvSpPr>
-        <p:spPr>
-          <a:xfrm>
-            <a:off x="3886200" y="0"/>
-            <a:ext cx="2971800" cy="458788"/>
-          </a:xfrm>
-          <a:prstGeom prst="rect">
-            <a:avLst/>
-          </a:prstGeom>
-        </p:spPr>
-        <p:txBody>
-          <a:bodyPr vert="horz" lIns="91440" tIns="45720" rIns="91440" bIns="45720" rtlCol="1"/>
-          <a:lstStyle>
-            <a:lvl1pPr algn="r">
-              <a:defRPr sz="1200"/>
-            </a:lvl1pPr>
-          </a:lstStyle>
-          <a:p>
-            <a:endParaRPr lang="he-IL"/>
-          </a:p>
-        </p:txBody>
-      </p:sp>
-      <p:sp>
-        <p:nvSpPr>
-          <p:cNvPr id="3" name="מציין מיקום של תאריך 2">
-            <a:extLst>
-              <a:ext uri="{FF2B5EF4-FFF2-40B4-BE49-F238E27FC236}">
-                <a16:creationId xmlns:a16="http://schemas.microsoft.com/office/drawing/2014/main" id="{3196A2B2-F10A-4E1D-B6D1-DB39D5F41621}"/>
-              </a:ext>
-            </a:extLst>
-          </p:cNvPr>
-          <p:cNvSpPr>
-            <a:spLocks noGrp="1"/>
-          </p:cNvSpPr>
-          <p:nvPr>
-            <p:ph type="dt" sz="quarter" idx="1"/>
-          </p:nvPr>
-        </p:nvSpPr>
-        <p:spPr>
-          <a:xfrm>
-            <a:off x="1588" y="0"/>
-            <a:ext cx="2971800" cy="458788"/>
-          </a:xfrm>
-          <a:prstGeom prst="rect">
-            <a:avLst/>
-          </a:prstGeom>
-        </p:spPr>
-        <p:txBody>
-          <a:bodyPr vert="horz" lIns="91440" tIns="45720" rIns="91440" bIns="45720" rtlCol="1"/>
-          <a:lstStyle>
-            <a:lvl1pPr algn="l">
-              <a:defRPr sz="1200"/>
-            </a:lvl1pPr>
-          </a:lstStyle>
-          <a:p>
-            <a:fld id="{B9B646A0-8041-4E6E-836C-EE83B35CC850}" type="datetimeFigureOut">
-              <a:rPr lang="he-IL" smtClean="0"/>
-              <a:t>כ"ב/אלול/תש"ף</a:t>
-            </a:fld>
-            <a:endParaRPr lang="he-IL"/>
-          </a:p>
-        </p:txBody>
-      </p:sp>
-      <p:sp>
-        <p:nvSpPr>
-          <p:cNvPr id="4" name="מציין מיקום של כותרת תחתונה 3">
-            <a:extLst>
-              <a:ext uri="{FF2B5EF4-FFF2-40B4-BE49-F238E27FC236}">
-                <a16:creationId xmlns:a16="http://schemas.microsoft.com/office/drawing/2014/main" id="{CCA39FCC-287A-482F-8043-D294C75B9B72}"/>
-              </a:ext>
-            </a:extLst>
-          </p:cNvPr>
-          <p:cNvSpPr>
-            <a:spLocks noGrp="1"/>
-          </p:cNvSpPr>
-          <p:nvPr>
-            <p:ph type="ftr" sz="quarter" idx="2"/>
-          </p:nvPr>
-        </p:nvSpPr>
-        <p:spPr>
-          <a:xfrm>
-            <a:off x="3886200" y="8685213"/>
-            <a:ext cx="2971800" cy="458787"/>
-          </a:xfrm>
-          <a:prstGeom prst="rect">
-            <a:avLst/>
-          </a:prstGeom>
-        </p:spPr>
-        <p:txBody>
-          <a:bodyPr vert="horz" lIns="91440" tIns="45720" rIns="91440" bIns="45720" rtlCol="1" anchor="b"/>
-          <a:lstStyle>
-            <a:lvl1pPr algn="r">
-              <a:defRPr sz="1200"/>
-            </a:lvl1pPr>
-          </a:lstStyle>
-          <a:p>
-            <a:endParaRPr lang="he-IL"/>
-          </a:p>
-        </p:txBody>
-      </p:sp>
-      <p:sp>
-        <p:nvSpPr>
-          <p:cNvPr id="5" name="מציין מיקום של מספר שקופית 4">
-            <a:extLst>
-              <a:ext uri="{FF2B5EF4-FFF2-40B4-BE49-F238E27FC236}">
-                <a16:creationId xmlns:a16="http://schemas.microsoft.com/office/drawing/2014/main" id="{3771E368-A51B-4FA5-92C5-FC69D6EE5F30}"/>
+                <a16:creationId xmlns:a16="http://schemas.microsoft.com/office/drawing/2014/main" id="{D6DC43B7-4CC3-4F81-B4A0-BF93134F34D4}"/>
               </a:ext>
             </a:extLst>
           </p:cNvPr>
@@ -308,7 +194,7 @@
             </a:lvl1pPr>
           </a:lstStyle>
           <a:p>
-            <a:fld id="{BBD7351B-C393-4926-8409-BD3C11014BE1}" type="slidenum">
+            <a:fld id="{2774D078-5378-41A6-BF1B-4FFFB68D6782}" type="slidenum">
               <a:rPr lang="he-IL" smtClean="0"/>
               <a:t>‹#›</a:t>
             </a:fld>
@@ -722,40 +608,7 @@
           <a:bodyPr/>
           <a:lstStyle/>
           <a:p>
-            <a:r>
-              <a:rPr lang="he-IL" dirty="0"/>
-              <a:t>1. </a:t>
-            </a:r>
-            <a:r>
-              <a:rPr lang="he-IL" dirty="0" err="1"/>
-              <a:t>בבקטרקינג</a:t>
-            </a:r>
-            <a:r>
-              <a:rPr lang="he-IL" dirty="0"/>
-              <a:t> הזמן גדל </a:t>
-            </a:r>
-            <a:r>
-              <a:rPr lang="he-IL" dirty="0" err="1"/>
-              <a:t>אקספוננציאלית</a:t>
-            </a:r>
-            <a:r>
-              <a:rPr lang="he-IL" dirty="0"/>
-              <a:t> עם מספר האיברים המחוקים.</a:t>
-            </a:r>
-          </a:p>
-          <a:p>
-            <a:r>
-              <a:rPr lang="he-IL" dirty="0"/>
-              <a:t>2. ישנם פתרונות גם בתחומי הלמידה  - התעסקו בבעיה ברמה הכי פשוטה ופחות </a:t>
-            </a:r>
-            <a:r>
-              <a:rPr lang="he-IL" dirty="0" err="1"/>
-              <a:t>בנסיונות</a:t>
-            </a:r>
-            <a:r>
-              <a:rPr lang="he-IL" dirty="0"/>
-              <a:t> להבין את הרשת ואת שיטות האימון השונות.</a:t>
-            </a:r>
+            <a:endParaRPr lang="he-IL" dirty="0"/>
           </a:p>
         </p:txBody>
       </p:sp>
@@ -776,7 +629,7 @@
           <a:p>
             <a:fld id="{9EDA4E3B-FBC5-452B-B234-E35138224BE7}" type="slidenum">
               <a:rPr lang="he-IL" smtClean="0"/>
-              <a:t>4</a:t>
+              <a:t>1</a:t>
             </a:fld>
             <a:endParaRPr lang="he-IL"/>
           </a:p>
@@ -785,7 +638,7 @@
     </p:spTree>
     <p:extLst>
       <p:ext uri="{BB962C8B-B14F-4D97-AF65-F5344CB8AC3E}">
-        <p14:creationId xmlns:p14="http://schemas.microsoft.com/office/powerpoint/2010/main" val="1066050424"/>
+        <p14:creationId xmlns:p14="http://schemas.microsoft.com/office/powerpoint/2010/main" val="4193218958"/>
       </p:ext>
     </p:extLst>
   </p:cSld>
@@ -839,54 +692,7 @@
           <a:bodyPr/>
           <a:lstStyle/>
           <a:p>
-            <a:r>
-              <a:rPr lang="he-IL" dirty="0"/>
-              <a:t>אז מה שרואים </a:t>
-            </a:r>
-            <a:r>
-              <a:rPr lang="he-IL" dirty="0" err="1"/>
-              <a:t>בעקיבת</a:t>
-            </a:r>
-            <a:r>
-              <a:rPr lang="he-IL" dirty="0"/>
-              <a:t> לוח זה את רמות הביטחון של הרשת בכל תא בספרה </a:t>
-            </a:r>
-            <a:r>
-              <a:rPr lang="he-IL" dirty="0" err="1"/>
-              <a:t>המצויינת</a:t>
-            </a:r>
-            <a:r>
-              <a:rPr lang="he-IL" dirty="0"/>
-              <a:t> למעלה. </a:t>
-            </a:r>
-          </a:p>
-          <a:p>
-            <a:r>
-              <a:rPr lang="he-IL" dirty="0"/>
-              <a:t>ניתן לראות איך ההתלבטות בשני תאים נחרצת כאשר ממלאים תא אחר – מה שמראה על כך שהרשת למדה את חוקי הסודוקו במידה </a:t>
-            </a:r>
-            <a:r>
-              <a:rPr lang="he-IL" dirty="0" err="1"/>
-              <a:t>מסויימת</a:t>
-            </a:r>
-            <a:r>
-              <a:rPr lang="he-IL" dirty="0"/>
-              <a:t>. </a:t>
-            </a:r>
-          </a:p>
-          <a:p>
-            <a:r>
-              <a:rPr lang="he-IL" dirty="0"/>
-              <a:t>בנוסף, ניתן לראות שכשהרשת מתחילה למלא מספר מסוים היא ממשיכה </a:t>
-            </a:r>
-            <a:r>
-              <a:rPr lang="he-IL" dirty="0" err="1"/>
-              <a:t>איתו</a:t>
-            </a:r>
-            <a:r>
-              <a:rPr lang="he-IL" dirty="0"/>
-              <a:t> כמו שאדם עושה לעיתים קרובות. רואים זאת כי מילאנו 3 ועומדים למלא שוב, ורואים שהתא אחר כך שוב ימולא ב 3.</a:t>
-            </a:r>
+            <a:endParaRPr lang="he-IL" dirty="0"/>
           </a:p>
         </p:txBody>
       </p:sp>
@@ -907,7 +713,7 @@
           <a:p>
             <a:fld id="{9EDA4E3B-FBC5-452B-B234-E35138224BE7}" type="slidenum">
               <a:rPr lang="he-IL" smtClean="0"/>
-              <a:t>13</a:t>
+              <a:t>12</a:t>
             </a:fld>
             <a:endParaRPr lang="he-IL"/>
           </a:p>
@@ -916,7 +722,7 @@
     </p:spTree>
     <p:extLst>
       <p:ext uri="{BB962C8B-B14F-4D97-AF65-F5344CB8AC3E}">
-        <p14:creationId xmlns:p14="http://schemas.microsoft.com/office/powerpoint/2010/main" val="1407535228"/>
+        <p14:creationId xmlns:p14="http://schemas.microsoft.com/office/powerpoint/2010/main" val="4243151217"/>
       </p:ext>
     </p:extLst>
   </p:cSld>
@@ -970,59 +776,55 @@
           <a:bodyPr/>
           <a:lstStyle/>
           <a:p>
+            <a:pPr marL="0" marR="0" lvl="0" indent="0" algn="r" defTabSz="914400" rtl="1" eaLnBrk="1" fontAlgn="auto" latinLnBrk="0" hangingPunct="1">
+              <a:lnSpc>
+                <a:spcPct val="100000"/>
+              </a:lnSpc>
+              <a:spcBef>
+                <a:spcPts val="0"/>
+              </a:spcBef>
+              <a:spcAft>
+                <a:spcPts val="0"/>
+              </a:spcAft>
+              <a:buClrTx/>
+              <a:buSzTx/>
+              <a:buFontTx/>
+              <a:buNone/>
+              <a:tabLst/>
+              <a:defRPr/>
+            </a:pPr>
             <a:r>
               <a:rPr lang="he-IL" dirty="0"/>
-              <a:t>כאן ניתן לראות איך הרשת טועה בהצבת הספרה 1.</a:t>
-            </a:r>
-          </a:p>
-          <a:p>
+              <a:t>1. לגבי פילוג </a:t>
+            </a:r>
+            <a:r>
+              <a:rPr lang="he-IL" dirty="0" err="1"/>
+              <a:t>הדאטא</a:t>
+            </a:r>
             <a:r>
               <a:rPr lang="he-IL" dirty="0"/>
-              <a:t>יש תא סמוך עם רמת ביטחון 100 אחוז (כנראה מעט פחות)</a:t>
-            </a:r>
-            <a:r>
-              <a:rPr lang="en-US" dirty="0"/>
-              <a:t> </a:t>
+              <a:t>, להסביר שזהו פילוג המחוקים בטסט </a:t>
+            </a:r>
+            <a:r>
+              <a:rPr lang="he-IL" dirty="0" err="1"/>
+              <a:t>דאטא</a:t>
             </a:r>
             <a:r>
               <a:rPr lang="he-IL" dirty="0"/>
-              <a:t> או שזה בגלל שהאינדקס </a:t>
-            </a:r>
-            <a:r>
-              <a:rPr lang="he-IL" dirty="0" err="1"/>
-              <a:t>הארשון</a:t>
-            </a:r>
+              <a:t> שעליו הפקנו את התוצאות במטריצת הבלבול</a:t>
+            </a:r>
+          </a:p>
+          <a:p>
             <a:r>
               <a:rPr lang="he-IL" dirty="0"/>
-              <a:t> נלקח </a:t>
-            </a:r>
-            <a:r>
-              <a:rPr lang="he-IL" dirty="0" err="1"/>
-              <a:t>בארגמקס</a:t>
-            </a:r>
+              <a:t>2. לגבי מטריצת הבלבול, לדבר על הסימטריה שיש בטעויות מכיוון שיש סימטריה מבחינת ייצוג הספרות השונות. </a:t>
+            </a:r>
+          </a:p>
+          <a:p>
             <a:r>
               <a:rPr lang="he-IL" dirty="0"/>
-              <a:t>. </a:t>
-            </a:r>
-            <a:br>
-              <a:rPr lang="en-US" dirty="0"/>
-            </a:br>
-            <a:r>
-              <a:rPr lang="he-IL" dirty="0"/>
-              <a:t>רואים איך אחרי המילוי של 1 הביטחון בתא הסמוך צונח ולכן טעות מובילה לטעות..</a:t>
-            </a:r>
-          </a:p>
-          <a:p>
-            <a:endParaRPr lang="he-IL" dirty="0"/>
-          </a:p>
-          <a:p>
-            <a:r>
-              <a:rPr lang="he-IL" dirty="0"/>
-              <a:t>רואים גם שהטעות הבאה קרתה עקב הטעות הראשונה. כך למעשה הרשת יחסית שמרה על מילוי נכון למרות שהייתה לה החלטה לא נכונה.</a:t>
-            </a:r>
-          </a:p>
-          <a:p>
-            <a:endParaRPr lang="he-IL" dirty="0"/>
+              <a:t>אפשר להגיד שבדרך כלל מה שרואים במטריצה כזו היא שיש מחלקה אחת שדומה לאחרת אבל אצלנו מה שרואים הוא דווקא מה שלא רואים – יש סימטריה כמצופה.</a:t>
+            </a:r>
           </a:p>
         </p:txBody>
       </p:sp>
@@ -1043,7 +845,7 @@
           <a:p>
             <a:fld id="{9EDA4E3B-FBC5-452B-B234-E35138224BE7}" type="slidenum">
               <a:rPr lang="he-IL" smtClean="0"/>
-              <a:t>14</a:t>
+              <a:t>13</a:t>
             </a:fld>
             <a:endParaRPr lang="he-IL"/>
           </a:p>
@@ -1052,7 +854,7 @@
     </p:spTree>
     <p:extLst>
       <p:ext uri="{BB962C8B-B14F-4D97-AF65-F5344CB8AC3E}">
-        <p14:creationId xmlns:p14="http://schemas.microsoft.com/office/powerpoint/2010/main" val="54207685"/>
+        <p14:creationId xmlns:p14="http://schemas.microsoft.com/office/powerpoint/2010/main" val="1473259194"/>
       </p:ext>
     </p:extLst>
   </p:cSld>
@@ -1108,75 +910,52 @@
           <a:p>
             <a:r>
               <a:rPr lang="he-IL" dirty="0"/>
-              <a:t>סטיית התקן של זמן הריצה עבור </a:t>
+              <a:t>אז מה שרואים </a:t>
             </a:r>
             <a:r>
               <a:rPr lang="he-IL" dirty="0" err="1"/>
-              <a:t>הבקטרקינג</a:t>
+              <a:t>בעקיבת</a:t>
             </a:r>
             <a:r>
               <a:rPr lang="he-IL" dirty="0"/>
-              <a:t> הוא יחסית גדול מה שנובע מההגרלות הרנדומליות במילוי המספרים. לפעמים זה פוגע בול ולפעמים ממש בכיוון בעייתי שמתברר כבעייתי רק בסוף הרקורסיה.</a:t>
-            </a:r>
-          </a:p>
-          <a:p>
+              <a:t> לוח זה את רמות הביטחון של הרשת בכל תא בספרה </a:t>
+            </a:r>
+            <a:r>
+              <a:rPr lang="he-IL" dirty="0" err="1"/>
+              <a:t>המצויינת</a:t>
+            </a:r>
             <a:r>
               <a:rPr lang="he-IL" dirty="0"/>
-              <a:t>פתרון </a:t>
+              <a:t> למעלה. </a:t>
+            </a:r>
+          </a:p>
+          <a:p>
+            <a:r>
+              <a:rPr lang="he-IL" dirty="0"/>
+              <a:t>ניתן לראות איך ההתלבטות בשני תאים נחרצת כאשר ממלאים תא אחר – מה שמראה על כך שהרשת למדה את חוקי הסודוקו במידה </a:t>
             </a:r>
             <a:r>
               <a:rPr lang="he-IL" dirty="0" err="1"/>
-              <a:t>הבקטרקינג</a:t>
+              <a:t>מסויימת</a:t>
             </a:r>
             <a:r>
               <a:rPr lang="he-IL" dirty="0"/>
-              <a:t> אינו יציב וישנם לוחות בהם הזמן לפתרון יהיה מעל 5 דקות.</a:t>
+              <a:t>. </a:t>
             </a:r>
           </a:p>
           <a:p>
             <a:r>
               <a:rPr lang="he-IL" dirty="0"/>
-              <a:t>כמובן </a:t>
+              <a:t>בנוסף, ניתן לראות שכשהרשת מתחילה למלא מספר מסוים היא ממשיכה </a:t>
             </a:r>
             <a:r>
               <a:rPr lang="he-IL" dirty="0" err="1"/>
-              <a:t>שהבקטרקינג</a:t>
+              <a:t>איתו</a:t>
             </a:r>
             <a:r>
               <a:rPr lang="he-IL" dirty="0"/>
-              <a:t> יפתור נכונה את הלוח מכיוון שהוא מנסה את כל הפתרונות שעומדים בחוקיות המשחק.</a:t>
-            </a:r>
-          </a:p>
-          <a:p>
-            <a:endParaRPr lang="he-IL" dirty="0"/>
-          </a:p>
-          <a:p>
-            <a:r>
-              <a:rPr lang="he-IL" dirty="0"/>
-              <a:t>יש לשים לב שלרשת הכנסנו לוח </a:t>
-            </a:r>
-            <a:r>
-              <a:rPr lang="he-IL" dirty="0" err="1"/>
-              <a:t>לוח</a:t>
-            </a:r>
-            <a:r>
-              <a:rPr lang="he-IL" dirty="0"/>
-              <a:t> ולא </a:t>
-            </a:r>
-            <a:r>
-              <a:rPr lang="he-IL" dirty="0" err="1"/>
-              <a:t>באטצ</a:t>
-            </a:r>
-            <a:r>
-              <a:rPr lang="he-IL" dirty="0"/>
-              <a:t> עם כל הלוחות. אם היינו עושים זאת, הזמן הממוצע לפתרון לוח יורד פלאים ל 0.00016 שניות שזה 0.16 מילי שניות. </a:t>
-            </a:r>
-          </a:p>
-          <a:p>
-            <a:endParaRPr lang="he-IL" dirty="0"/>
-          </a:p>
-          <a:p>
-            <a:endParaRPr lang="he-IL" dirty="0"/>
+              <a:t> כמו שאדם עושה לעיתים קרובות. רואים זאת כי מילאנו 3 ועומדים למלא שוב, ורואים שהתא אחר כך שוב ימולא ב 3.</a:t>
+            </a:r>
           </a:p>
         </p:txBody>
       </p:sp>
@@ -1197,7 +976,7 @@
           <a:p>
             <a:fld id="{9EDA4E3B-FBC5-452B-B234-E35138224BE7}" type="slidenum">
               <a:rPr lang="he-IL" smtClean="0"/>
-              <a:t>17</a:t>
+              <a:t>14</a:t>
             </a:fld>
             <a:endParaRPr lang="he-IL"/>
           </a:p>
@@ -1206,7 +985,7 @@
     </p:spTree>
     <p:extLst>
       <p:ext uri="{BB962C8B-B14F-4D97-AF65-F5344CB8AC3E}">
-        <p14:creationId xmlns:p14="http://schemas.microsoft.com/office/powerpoint/2010/main" val="2131405368"/>
+        <p14:creationId xmlns:p14="http://schemas.microsoft.com/office/powerpoint/2010/main" val="1407535228"/>
       </p:ext>
     </p:extLst>
   </p:cSld>
@@ -1262,23 +1041,53 @@
           <a:p>
             <a:r>
               <a:rPr lang="he-IL" dirty="0"/>
-              <a:t>ניתן לראות שזמן הריצה של </a:t>
+              <a:t>כאן ניתן לראות איך הרשת טועה בהצבת הספרה 1.</a:t>
+            </a:r>
+          </a:p>
+          <a:p>
+            <a:r>
+              <a:rPr lang="he-IL" dirty="0"/>
+              <a:t>יש תא סמוך עם רמת ביטחון 100 אחוז (כנראה מעט פחות)</a:t>
+            </a:r>
+            <a:r>
+              <a:rPr lang="en-US" dirty="0"/>
+              <a:t> </a:t>
+            </a:r>
+            <a:r>
+              <a:rPr lang="he-IL" dirty="0"/>
+              <a:t> או שזה בגלל שהאינדקס </a:t>
             </a:r>
             <a:r>
               <a:rPr lang="he-IL" dirty="0" err="1"/>
-              <a:t>הבקטרקינג</a:t>
+              <a:t>הארשון</a:t>
             </a:r>
             <a:r>
               <a:rPr lang="he-IL" dirty="0"/>
-              <a:t> גדל </a:t>
+              <a:t> נלקח </a:t>
             </a:r>
             <a:r>
               <a:rPr lang="he-IL" dirty="0" err="1"/>
-              <a:t>אקספוננציאלית</a:t>
+              <a:t>בארגמקס</a:t>
             </a:r>
             <a:r>
               <a:rPr lang="he-IL" dirty="0"/>
-              <a:t> עם מספר המחוקים בלוח לעומת הרשת.</a:t>
+              <a:t>. </a:t>
+            </a:r>
+            <a:br>
+              <a:rPr lang="en-US" dirty="0"/>
+            </a:br>
+            <a:r>
+              <a:rPr lang="he-IL" dirty="0"/>
+              <a:t>רואים איך אחרי המילוי של 1 הביטחון בתא הסמוך צונח ולכן טעות מובילה לטעות..</a:t>
+            </a:r>
+          </a:p>
+          <a:p>
+            <a:endParaRPr lang="he-IL" dirty="0"/>
+          </a:p>
+          <a:p>
+            <a:r>
+              <a:rPr lang="he-IL" dirty="0"/>
+              <a:t>רואים גם שהטעות הבאה קרתה עקב הטעות הראשונה. כך למעשה הרשת יחסית שמרה על מילוי נכון למרות שהייתה לה החלטה לא נכונה.</a:t>
             </a:r>
           </a:p>
           <a:p>
@@ -1303,7 +1112,7 @@
           <a:p>
             <a:fld id="{9EDA4E3B-FBC5-452B-B234-E35138224BE7}" type="slidenum">
               <a:rPr lang="he-IL" smtClean="0"/>
-              <a:t>18</a:t>
+              <a:t>15</a:t>
             </a:fld>
             <a:endParaRPr lang="he-IL"/>
           </a:p>
@@ -1312,7 +1121,7 @@
     </p:spTree>
     <p:extLst>
       <p:ext uri="{BB962C8B-B14F-4D97-AF65-F5344CB8AC3E}">
-        <p14:creationId xmlns:p14="http://schemas.microsoft.com/office/powerpoint/2010/main" val="4290982572"/>
+        <p14:creationId xmlns:p14="http://schemas.microsoft.com/office/powerpoint/2010/main" val="54207685"/>
       </p:ext>
     </p:extLst>
   </p:cSld>
@@ -1366,134 +1175,73 @@
           <a:bodyPr/>
           <a:lstStyle/>
           <a:p>
-            <a:pPr marL="228600" indent="-228600">
-              <a:buAutoNum type="arabicPeriod"/>
-            </a:pPr>
             <a:r>
               <a:rPr lang="he-IL" dirty="0"/>
-              <a:t>לפי העקיבה אחרי הלוח ואחרי תא בודד</a:t>
-            </a:r>
-          </a:p>
-          <a:p>
-            <a:pPr marL="685800" lvl="1" indent="-228600">
-              <a:buAutoNum type="arabicPeriod"/>
-            </a:pPr>
+              <a:t>סטיית התקן של זמן הריצה עבור </a:t>
+            </a:r>
+            <a:r>
+              <a:rPr lang="he-IL" dirty="0" err="1"/>
+              <a:t>הבקטרקינג</a:t>
+            </a:r>
             <a:r>
               <a:rPr lang="he-IL" dirty="0"/>
-              <a:t>מהיר יותר בממוצע </a:t>
+              <a:t> הוא יחסית גדול מה שנובע מההגרלות הרנדומליות במילוי המספרים. לפעמים זה פוגע בול ולפעמים ממש בכיוון בעייתי שמתברר כבעייתי רק בסוף הרקורסיה.</a:t>
+            </a:r>
+          </a:p>
+          <a:p>
+            <a:r>
+              <a:rPr lang="he-IL" dirty="0"/>
+              <a:t>פתרון </a:t>
             </a:r>
             <a:r>
               <a:rPr lang="he-IL" dirty="0" err="1"/>
-              <a:t>מבקטרקינג</a:t>
+              <a:t>הבקטרקינג</a:t>
             </a:r>
             <a:r>
               <a:rPr lang="he-IL" dirty="0"/>
-              <a:t> ואופציות </a:t>
-            </a:r>
-            <a:r>
-              <a:rPr lang="en-US" dirty="0"/>
-              <a:t>brute-force</a:t>
-            </a:r>
+              <a:t> אינו יציב וישנם לוחות בהם הזמן לפתרון יהיה מעל 5 דקות.</a:t>
+            </a:r>
+          </a:p>
+          <a:p>
             <a:r>
               <a:rPr lang="he-IL" dirty="0"/>
-              <a:t> </a:t>
-            </a:r>
-          </a:p>
-          <a:p>
-            <a:pPr marL="685800" lvl="1" indent="-228600">
-              <a:buAutoNum type="arabicPeriod"/>
-            </a:pPr>
+              <a:t>כמובן </a:t>
+            </a:r>
+            <a:r>
+              <a:rPr lang="he-IL" dirty="0" err="1"/>
+              <a:t>שהבקטרקינג</a:t>
+            </a:r>
             <a:r>
               <a:rPr lang="he-IL" dirty="0"/>
-              <a:t>יציב מכיוון שזמן הריצה קצר וקבוע יחסית</a:t>
-            </a:r>
-          </a:p>
-          <a:p>
-            <a:pPr marL="228600" lvl="0" indent="-228600">
-              <a:buAutoNum type="arabicPeriod"/>
-            </a:pPr>
+              <a:t> יפתור נכונה את הלוח מכיוון שהוא מנסה את כל הפתרונות שעומדים בחוקיות המשחק.</a:t>
+            </a:r>
+          </a:p>
+          <a:p>
+            <a:endParaRPr lang="he-IL" dirty="0"/>
+          </a:p>
+          <a:p>
             <a:r>
               <a:rPr lang="he-IL" dirty="0"/>
-              <a:t>עבור מקרה שבו לא עשינו למידה בשלבים, ראינו שתוצאות הרשת הרבה פחות טובות. – </a:t>
+              <a:t>יש לשים לב שלרשת הכנסנו לוח </a:t>
             </a:r>
             <a:r>
               <a:rPr lang="he-IL" dirty="0" err="1"/>
-              <a:t>לעשותתתתתתתתתתתתתתתתתת</a:t>
-            </a:r>
-            <a:endParaRPr lang="he-IL" dirty="0"/>
-          </a:p>
-          <a:p>
-            <a:pPr marL="685800" lvl="1" indent="-228600">
-              <a:buAutoNum type="arabicPeriod"/>
-            </a:pPr>
+              <a:t>לוח</a:t>
+            </a:r>
             <a:r>
               <a:rPr lang="he-IL" dirty="0"/>
-              <a:t>מחיקה עם פילוג שדאגה לשמר את הזיכרון של הרשת</a:t>
-            </a:r>
-          </a:p>
-          <a:p>
-            <a:pPr marL="685800" marR="0" lvl="1" indent="-228600" algn="r" defTabSz="914400" rtl="1" eaLnBrk="1" fontAlgn="auto" latinLnBrk="0" hangingPunct="1">
-              <a:lnSpc>
-                <a:spcPct val="100000"/>
-              </a:lnSpc>
-              <a:spcBef>
-                <a:spcPts val="0"/>
-              </a:spcBef>
-              <a:spcAft>
-                <a:spcPts val="0"/>
-              </a:spcAft>
-              <a:buClrTx/>
-              <a:buSzTx/>
-              <a:buFontTx/>
-              <a:buAutoNum type="arabicPeriod"/>
-              <a:tabLst/>
-              <a:defRPr/>
-            </a:pPr>
+              <a:t> ולא </a:t>
+            </a:r>
+            <a:r>
+              <a:rPr lang="he-IL" dirty="0" err="1"/>
+              <a:t>באטצ</a:t>
+            </a:r>
             <a:r>
               <a:rPr lang="he-IL" dirty="0"/>
-              <a:t>מחיקה הולמת של איברים כך שלא נוצר מצב שבו המשחק </a:t>
-            </a:r>
-            <a:r>
-              <a:rPr lang="he-IL" dirty="0" err="1"/>
-              <a:t>מאבבד</a:t>
-            </a:r>
-            <a:r>
-              <a:rPr lang="he-IL" dirty="0"/>
-              <a:t> את אופיו ויש לו שני פתרונות למשל ואז הרשת עלולה לטעות כמו שאדם יכול לטעות בלהגיע ללוח הפתרון הידוע. אם בנאדם יפתור זה יכול אומנם להגיע לפתרון אבל לא בהכרח זה יהיה הפתרון שהרשת רצתה ולכן היא קנסה עליו. </a:t>
-            </a:r>
-            <a:r>
-              <a:rPr lang="en-US" sz="1200" dirty="0"/>
-              <a:t>Remain the game appropriate</a:t>
-            </a:r>
-            <a:endParaRPr lang="en-US" sz="1400" dirty="0"/>
-          </a:p>
-          <a:p>
-            <a:pPr marL="685800" lvl="1" indent="-228600">
-              <a:buAutoNum type="arabicPeriod"/>
-            </a:pPr>
-            <a:r>
-              <a:rPr lang="he-IL" dirty="0"/>
-              <a:t>אחד הדברים שלמדנו – מעבר </a:t>
-            </a:r>
-            <a:r>
-              <a:rPr lang="he-IL" dirty="0" err="1"/>
-              <a:t>לארכיטרקוטרת</a:t>
-            </a:r>
-            <a:r>
-              <a:rPr lang="he-IL" dirty="0"/>
-              <a:t> הרשת אז חשובה גם שיטת האימון חשובה מאוד.</a:t>
-            </a:r>
-          </a:p>
-          <a:p>
-            <a:pPr marL="685800" lvl="1" indent="-228600">
-              <a:buAutoNum type="arabicPeriod"/>
-            </a:pPr>
-            <a:endParaRPr lang="he-IL" dirty="0"/>
-          </a:p>
-          <a:p>
-            <a:pPr marL="457200" lvl="1" indent="0">
-              <a:buNone/>
-            </a:pPr>
+              <a:t> עם כל הלוחות. אם היינו עושים זאת, הזמן הממוצע לפתרון לוח יורד פלאים ל 0.00016 שניות שזה 0.16 מילי שניות. </a:t>
+            </a:r>
+          </a:p>
+          <a:p>
             <a:endParaRPr lang="he-IL" dirty="0"/>
           </a:p>
           <a:p>
@@ -1518,7 +1266,7 @@
           <a:p>
             <a:fld id="{9EDA4E3B-FBC5-452B-B234-E35138224BE7}" type="slidenum">
               <a:rPr lang="he-IL" smtClean="0"/>
-              <a:t>19</a:t>
+              <a:t>18</a:t>
             </a:fld>
             <a:endParaRPr lang="he-IL"/>
           </a:p>
@@ -1527,7 +1275,7 @@
     </p:spTree>
     <p:extLst>
       <p:ext uri="{BB962C8B-B14F-4D97-AF65-F5344CB8AC3E}">
-        <p14:creationId xmlns:p14="http://schemas.microsoft.com/office/powerpoint/2010/main" val="2263144103"/>
+        <p14:creationId xmlns:p14="http://schemas.microsoft.com/office/powerpoint/2010/main" val="2131405368"/>
       </p:ext>
     </p:extLst>
   </p:cSld>
@@ -1583,78 +1331,23 @@
           <a:p>
             <a:r>
               <a:rPr lang="he-IL" dirty="0"/>
-              <a:t>1. למשל לקנוס על איברים זהים באותה שורה/עמודה/בלוק.</a:t>
-            </a:r>
-          </a:p>
-          <a:p>
-            <a:r>
-              <a:rPr lang="en-US" dirty="0"/>
-              <a:t>2</a:t>
+              <a:t>ניתן לראות שזמן הריצה של </a:t>
+            </a:r>
+            <a:r>
+              <a:rPr lang="he-IL" dirty="0" err="1"/>
+              <a:t>הבקטרקינג</a:t>
             </a:r>
             <a:r>
               <a:rPr lang="he-IL" dirty="0"/>
-              <a:t>. להשתמש בחוכמת ההמונים כדי להגיע לפתרון. על ידי </a:t>
+              <a:t> גדל </a:t>
             </a:r>
             <a:r>
               <a:rPr lang="he-IL" dirty="0" err="1"/>
-              <a:t>סכימה</a:t>
+              <a:t>אקספוננציאלית</a:t>
             </a:r>
             <a:r>
               <a:rPr lang="he-IL" dirty="0"/>
-              <a:t> של מטריצת התלת </a:t>
-            </a:r>
-            <a:r>
-              <a:rPr lang="he-IL" dirty="0" err="1"/>
-              <a:t>מימדיות</a:t>
-            </a:r>
-            <a:r>
-              <a:rPr lang="he-IL" dirty="0"/>
-              <a:t> בסוף כל רשת ואז לקיחת האיבר המקסימאלי.</a:t>
-            </a:r>
-          </a:p>
-          <a:p>
-            <a:r>
-              <a:rPr lang="he-IL" dirty="0"/>
-              <a:t>לחפש/ליצור </a:t>
-            </a:r>
-            <a:r>
-              <a:rPr lang="he-IL" dirty="0" err="1"/>
-              <a:t>דאטא</a:t>
-            </a:r>
-            <a:r>
-              <a:rPr lang="he-IL" dirty="0"/>
-              <a:t> עם יותר מחוקים ולנסות להכליל עבור לוחות קשים יותר</a:t>
-            </a:r>
-          </a:p>
-          <a:p>
-            <a:pPr marL="0" marR="0" lvl="0" indent="0" algn="r" defTabSz="914400" rtl="1" eaLnBrk="1" fontAlgn="auto" latinLnBrk="0" hangingPunct="1">
-              <a:lnSpc>
-                <a:spcPct val="100000"/>
-              </a:lnSpc>
-              <a:spcBef>
-                <a:spcPts val="0"/>
-              </a:spcBef>
-              <a:spcAft>
-                <a:spcPts val="0"/>
-              </a:spcAft>
-              <a:buClrTx/>
-              <a:buSzTx/>
-              <a:buFontTx/>
-              <a:buNone/>
-              <a:tabLst/>
-              <a:defRPr/>
-            </a:pPr>
-            <a:r>
-              <a:rPr lang="en-US" dirty="0"/>
-              <a:t>Taking </a:t>
-            </a:r>
-            <a:r>
-              <a:rPr lang="en-US" dirty="0" err="1"/>
-              <a:t>softmax</a:t>
-            </a:r>
-            <a:r>
-              <a:rPr lang="en-US" dirty="0"/>
-              <a:t> over all the output board to the most confidence element comparing to the all guesses</a:t>
+              <a:t> עם מספר המחוקים בלוח לעומת הרשת.</a:t>
             </a:r>
           </a:p>
           <a:p>
@@ -1679,7 +1372,383 @@
           <a:p>
             <a:fld id="{9EDA4E3B-FBC5-452B-B234-E35138224BE7}" type="slidenum">
               <a:rPr lang="he-IL" smtClean="0"/>
+              <a:t>19</a:t>
+            </a:fld>
+            <a:endParaRPr lang="he-IL"/>
+          </a:p>
+        </p:txBody>
+      </p:sp>
+    </p:spTree>
+    <p:extLst>
+      <p:ext uri="{BB962C8B-B14F-4D97-AF65-F5344CB8AC3E}">
+        <p14:creationId xmlns:p14="http://schemas.microsoft.com/office/powerpoint/2010/main" val="4290982572"/>
+      </p:ext>
+    </p:extLst>
+  </p:cSld>
+  <p:clrMapOvr>
+    <a:masterClrMapping/>
+  </p:clrMapOvr>
+</p:notes>
+</file>
+
+<file path=ppt/notesSlides/notesSlide16.xml><?xml version="1.0" encoding="utf-8"?>
+<p:notes xmlns:a="http://schemas.openxmlformats.org/drawingml/2006/main" xmlns:r="http://schemas.openxmlformats.org/officeDocument/2006/relationships" xmlns:p="http://schemas.openxmlformats.org/presentationml/2006/main">
+  <p:cSld>
+    <p:spTree>
+      <p:nvGrpSpPr>
+        <p:cNvPr id="1" name=""/>
+        <p:cNvGrpSpPr/>
+        <p:nvPr/>
+      </p:nvGrpSpPr>
+      <p:grpSpPr>
+        <a:xfrm>
+          <a:off x="0" y="0"/>
+          <a:ext cx="0" cy="0"/>
+          <a:chOff x="0" y="0"/>
+          <a:chExt cx="0" cy="0"/>
+        </a:xfrm>
+      </p:grpSpPr>
+      <p:sp>
+        <p:nvSpPr>
+          <p:cNvPr id="2" name="מציין מיקום של תמונת שקופית 1"/>
+          <p:cNvSpPr>
+            <a:spLocks noGrp="1" noRot="1" noChangeAspect="1"/>
+          </p:cNvSpPr>
+          <p:nvPr>
+            <p:ph type="sldImg"/>
+          </p:nvPr>
+        </p:nvSpPr>
+        <p:spPr/>
+      </p:sp>
+      <p:sp>
+        <p:nvSpPr>
+          <p:cNvPr id="3" name="מציין מיקום של הערות 2"/>
+          <p:cNvSpPr>
+            <a:spLocks noGrp="1"/>
+          </p:cNvSpPr>
+          <p:nvPr>
+            <p:ph type="body" idx="1"/>
+          </p:nvPr>
+        </p:nvSpPr>
+        <p:spPr/>
+        <p:txBody>
+          <a:bodyPr/>
+          <a:lstStyle/>
+          <a:p>
+            <a:pPr marL="228600" indent="-228600">
+              <a:buAutoNum type="arabicPeriod"/>
+            </a:pPr>
+            <a:r>
+              <a:rPr lang="he-IL" dirty="0"/>
+              <a:t>לפי העקיבה אחרי הלוח ואחרי תא בודד</a:t>
+            </a:r>
+          </a:p>
+          <a:p>
+            <a:pPr marL="685800" lvl="1" indent="-228600">
+              <a:buAutoNum type="arabicPeriod"/>
+            </a:pPr>
+            <a:r>
+              <a:rPr lang="he-IL" dirty="0"/>
+              <a:t>מהיר יותר בממוצע </a:t>
+            </a:r>
+            <a:r>
+              <a:rPr lang="he-IL" dirty="0" err="1"/>
+              <a:t>מבקטרקינג</a:t>
+            </a:r>
+            <a:r>
+              <a:rPr lang="he-IL" dirty="0"/>
+              <a:t> ואופציות </a:t>
+            </a:r>
+            <a:r>
+              <a:rPr lang="en-US" dirty="0"/>
+              <a:t>brute-force</a:t>
+            </a:r>
+            <a:r>
+              <a:rPr lang="he-IL" dirty="0"/>
+              <a:t> </a:t>
+            </a:r>
+          </a:p>
+          <a:p>
+            <a:pPr marL="685800" lvl="1" indent="-228600">
+              <a:buAutoNum type="arabicPeriod"/>
+            </a:pPr>
+            <a:r>
+              <a:rPr lang="he-IL" dirty="0"/>
+              <a:t>יציב מכיוון שזמן הריצה קצר וקבוע יחסית</a:t>
+            </a:r>
+          </a:p>
+          <a:p>
+            <a:pPr marL="228600" lvl="0" indent="-228600">
+              <a:buAutoNum type="arabicPeriod"/>
+            </a:pPr>
+            <a:r>
+              <a:rPr lang="he-IL" dirty="0"/>
+              <a:t>עבור מקרה שבו לא עשינו למידה בשלבים, ראינו שתוצאות הרשת הרבה פחות טובות. – </a:t>
+            </a:r>
+            <a:r>
+              <a:rPr lang="he-IL" dirty="0" err="1"/>
+              <a:t>לעשותתתתתתתתתתתתתתתתתת</a:t>
+            </a:r>
+            <a:endParaRPr lang="he-IL" dirty="0"/>
+          </a:p>
+          <a:p>
+            <a:pPr marL="685800" lvl="1" indent="-228600">
+              <a:buAutoNum type="arabicPeriod"/>
+            </a:pPr>
+            <a:r>
+              <a:rPr lang="he-IL" dirty="0"/>
+              <a:t>מחיקה עם פילוג שדאגה לשמר את הזיכרון של הרשת</a:t>
+            </a:r>
+          </a:p>
+          <a:p>
+            <a:pPr marL="685800" marR="0" lvl="1" indent="-228600" algn="r" defTabSz="914400" rtl="1" eaLnBrk="1" fontAlgn="auto" latinLnBrk="0" hangingPunct="1">
+              <a:lnSpc>
+                <a:spcPct val="100000"/>
+              </a:lnSpc>
+              <a:spcBef>
+                <a:spcPts val="0"/>
+              </a:spcBef>
+              <a:spcAft>
+                <a:spcPts val="0"/>
+              </a:spcAft>
+              <a:buClrTx/>
+              <a:buSzTx/>
+              <a:buFontTx/>
+              <a:buAutoNum type="arabicPeriod"/>
+              <a:tabLst/>
+              <a:defRPr/>
+            </a:pPr>
+            <a:r>
+              <a:rPr lang="he-IL" dirty="0"/>
+              <a:t>מחיקה הולמת של איברים כך שלא נוצר מצב שבו המשחק </a:t>
+            </a:r>
+            <a:r>
+              <a:rPr lang="he-IL" dirty="0" err="1"/>
+              <a:t>מאבבד</a:t>
+            </a:r>
+            <a:r>
+              <a:rPr lang="he-IL" dirty="0"/>
+              <a:t> את אופיו ויש לו שני פתרונות למשל ואז הרשת עלולה לטעות כמו שאדם יכול לטעות בלהגיע ללוח הפתרון הידוע. אם בנאדם יפתור זה יכול אומנם להגיע לפתרון אבל לא בהכרח זה יהיה הפתרון שהרשת רצתה ולכן היא קנסה עליו. </a:t>
+            </a:r>
+            <a:r>
+              <a:rPr lang="en-US" sz="1200" dirty="0"/>
+              <a:t>Remain the game appropriate</a:t>
+            </a:r>
+            <a:endParaRPr lang="en-US" sz="1400" dirty="0"/>
+          </a:p>
+          <a:p>
+            <a:pPr marL="685800" lvl="1" indent="-228600">
+              <a:buAutoNum type="arabicPeriod"/>
+            </a:pPr>
+            <a:r>
+              <a:rPr lang="he-IL" dirty="0"/>
+              <a:t>אחד הדברים שלמדנו – מעבר </a:t>
+            </a:r>
+            <a:r>
+              <a:rPr lang="he-IL" dirty="0" err="1"/>
+              <a:t>לארכיטרקוטרת</a:t>
+            </a:r>
+            <a:r>
+              <a:rPr lang="he-IL" dirty="0"/>
+              <a:t> הרשת אז חשובה גם שיטת האימון חשובה מאוד.</a:t>
+            </a:r>
+          </a:p>
+          <a:p>
+            <a:pPr marL="685800" lvl="1" indent="-228600">
+              <a:buAutoNum type="arabicPeriod"/>
+            </a:pPr>
+            <a:endParaRPr lang="he-IL" dirty="0"/>
+          </a:p>
+          <a:p>
+            <a:pPr marL="457200" lvl="1" indent="0">
+              <a:buNone/>
+            </a:pPr>
+            <a:endParaRPr lang="he-IL" dirty="0"/>
+          </a:p>
+          <a:p>
+            <a:endParaRPr lang="he-IL" dirty="0"/>
+          </a:p>
+        </p:txBody>
+      </p:sp>
+      <p:sp>
+        <p:nvSpPr>
+          <p:cNvPr id="4" name="מציין מיקום של מספר שקופית 3"/>
+          <p:cNvSpPr>
+            <a:spLocks noGrp="1"/>
+          </p:cNvSpPr>
+          <p:nvPr>
+            <p:ph type="sldNum" sz="quarter" idx="5"/>
+          </p:nvPr>
+        </p:nvSpPr>
+        <p:spPr/>
+        <p:txBody>
+          <a:bodyPr/>
+          <a:lstStyle/>
+          <a:p>
+            <a:fld id="{9EDA4E3B-FBC5-452B-B234-E35138224BE7}" type="slidenum">
+              <a:rPr lang="he-IL" smtClean="0"/>
               <a:t>20</a:t>
+            </a:fld>
+            <a:endParaRPr lang="he-IL"/>
+          </a:p>
+        </p:txBody>
+      </p:sp>
+    </p:spTree>
+    <p:extLst>
+      <p:ext uri="{BB962C8B-B14F-4D97-AF65-F5344CB8AC3E}">
+        <p14:creationId xmlns:p14="http://schemas.microsoft.com/office/powerpoint/2010/main" val="2263144103"/>
+      </p:ext>
+    </p:extLst>
+  </p:cSld>
+  <p:clrMapOvr>
+    <a:masterClrMapping/>
+  </p:clrMapOvr>
+</p:notes>
+</file>
+
+<file path=ppt/notesSlides/notesSlide17.xml><?xml version="1.0" encoding="utf-8"?>
+<p:notes xmlns:a="http://schemas.openxmlformats.org/drawingml/2006/main" xmlns:r="http://schemas.openxmlformats.org/officeDocument/2006/relationships" xmlns:p="http://schemas.openxmlformats.org/presentationml/2006/main">
+  <p:cSld>
+    <p:spTree>
+      <p:nvGrpSpPr>
+        <p:cNvPr id="1" name=""/>
+        <p:cNvGrpSpPr/>
+        <p:nvPr/>
+      </p:nvGrpSpPr>
+      <p:grpSpPr>
+        <a:xfrm>
+          <a:off x="0" y="0"/>
+          <a:ext cx="0" cy="0"/>
+          <a:chOff x="0" y="0"/>
+          <a:chExt cx="0" cy="0"/>
+        </a:xfrm>
+      </p:grpSpPr>
+      <p:sp>
+        <p:nvSpPr>
+          <p:cNvPr id="2" name="מציין מיקום של תמונת שקופית 1"/>
+          <p:cNvSpPr>
+            <a:spLocks noGrp="1" noRot="1" noChangeAspect="1"/>
+          </p:cNvSpPr>
+          <p:nvPr>
+            <p:ph type="sldImg"/>
+          </p:nvPr>
+        </p:nvSpPr>
+        <p:spPr/>
+      </p:sp>
+      <p:sp>
+        <p:nvSpPr>
+          <p:cNvPr id="3" name="מציין מיקום של הערות 2"/>
+          <p:cNvSpPr>
+            <a:spLocks noGrp="1"/>
+          </p:cNvSpPr>
+          <p:nvPr>
+            <p:ph type="body" idx="1"/>
+          </p:nvPr>
+        </p:nvSpPr>
+        <p:spPr/>
+        <p:txBody>
+          <a:bodyPr/>
+          <a:lstStyle/>
+          <a:p>
+            <a:r>
+              <a:rPr lang="he-IL" dirty="0"/>
+              <a:t>1. למשל לקנוס על איברים זהים באותה שורה/עמודה/בלוק.</a:t>
+            </a:r>
+          </a:p>
+          <a:p>
+            <a:r>
+              <a:rPr lang="en-US" dirty="0"/>
+              <a:t>2</a:t>
+            </a:r>
+            <a:r>
+              <a:rPr lang="he-IL" dirty="0"/>
+              <a:t>. להשתמש בחוכמת ההמונים כדי להגיע לפתרון. על ידי </a:t>
+            </a:r>
+            <a:r>
+              <a:rPr lang="he-IL" dirty="0" err="1"/>
+              <a:t>סכימה</a:t>
+            </a:r>
+            <a:r>
+              <a:rPr lang="he-IL" dirty="0"/>
+              <a:t> של מטריצת התלת </a:t>
+            </a:r>
+            <a:r>
+              <a:rPr lang="he-IL" dirty="0" err="1"/>
+              <a:t>מימדיות</a:t>
+            </a:r>
+            <a:r>
+              <a:rPr lang="he-IL" dirty="0"/>
+              <a:t> בסוף כל רשת ואז לקיחת האיבר המקסימאלי.</a:t>
+            </a:r>
+          </a:p>
+          <a:p>
+            <a:r>
+              <a:rPr lang="he-IL" dirty="0"/>
+              <a:t>לחפש/ליצור </a:t>
+            </a:r>
+            <a:r>
+              <a:rPr lang="he-IL" dirty="0" err="1"/>
+              <a:t>דאטא</a:t>
+            </a:r>
+            <a:r>
+              <a:rPr lang="he-IL" dirty="0"/>
+              <a:t> עם יותר מחוקים ולנסות להכליל עבור לוחות קשים יותר</a:t>
+            </a:r>
+          </a:p>
+          <a:p>
+            <a:pPr marL="0" marR="0" lvl="0" indent="0" algn="r" defTabSz="914400" rtl="1" eaLnBrk="1" fontAlgn="auto" latinLnBrk="0" hangingPunct="1">
+              <a:lnSpc>
+                <a:spcPct val="100000"/>
+              </a:lnSpc>
+              <a:spcBef>
+                <a:spcPts val="0"/>
+              </a:spcBef>
+              <a:spcAft>
+                <a:spcPts val="0"/>
+              </a:spcAft>
+              <a:buClrTx/>
+              <a:buSzTx/>
+              <a:buFontTx/>
+              <a:buNone/>
+              <a:tabLst/>
+              <a:defRPr/>
+            </a:pPr>
+            <a:r>
+              <a:rPr lang="en-US" dirty="0"/>
+              <a:t>Taking </a:t>
+            </a:r>
+            <a:r>
+              <a:rPr lang="en-US" dirty="0" err="1"/>
+              <a:t>softmax</a:t>
+            </a:r>
+            <a:r>
+              <a:rPr lang="en-US" dirty="0"/>
+              <a:t> over all the output board to the most confidence element comparing to the all guesses</a:t>
+            </a:r>
+          </a:p>
+          <a:p>
+            <a:endParaRPr lang="he-IL" dirty="0"/>
+          </a:p>
+        </p:txBody>
+      </p:sp>
+      <p:sp>
+        <p:nvSpPr>
+          <p:cNvPr id="4" name="מציין מיקום של מספר שקופית 3"/>
+          <p:cNvSpPr>
+            <a:spLocks noGrp="1"/>
+          </p:cNvSpPr>
+          <p:nvPr>
+            <p:ph type="sldNum" sz="quarter" idx="5"/>
+          </p:nvPr>
+        </p:nvSpPr>
+        <p:spPr/>
+        <p:txBody>
+          <a:bodyPr/>
+          <a:lstStyle/>
+          <a:p>
+            <a:fld id="{9EDA4E3B-FBC5-452B-B234-E35138224BE7}" type="slidenum">
+              <a:rPr lang="he-IL" smtClean="0"/>
+              <a:t>21</a:t>
             </a:fld>
             <a:endParaRPr lang="he-IL"/>
           </a:p>
@@ -1743,17 +1812,16 @@
           <a:lstStyle/>
           <a:p>
             <a:r>
+              <a:rPr lang="en-US" dirty="0"/>
+              <a:t>Deep leaning</a:t>
+            </a:r>
+            <a:r>
               <a:rPr lang="he-IL" dirty="0"/>
-              <a:t>בדיקת כל הענפים, וכאשר מתגלה בדרך שהענף לא תקין, מסיקים </a:t>
-            </a:r>
-            <a:r>
-              <a:rPr lang="he-IL" dirty="0" err="1"/>
-              <a:t>להתתח</a:t>
-            </a:r>
-            <a:r>
-              <a:rPr lang="he-IL" dirty="0"/>
-              <a:t> בכיוון שלו וחוקרים ענף אחר עד שמגיעים לפתרון.</a:t>
-            </a:r>
+              <a:t> הרבה יותר מהיר בזמן מבחן.</a:t>
+            </a:r>
+          </a:p>
+          <a:p>
+            <a:endParaRPr lang="he-IL" dirty="0"/>
           </a:p>
         </p:txBody>
       </p:sp>
@@ -1774,7 +1842,7 @@
           <a:p>
             <a:fld id="{9EDA4E3B-FBC5-452B-B234-E35138224BE7}" type="slidenum">
               <a:rPr lang="he-IL" smtClean="0"/>
-              <a:t>5</a:t>
+              <a:t>3</a:t>
             </a:fld>
             <a:endParaRPr lang="he-IL"/>
           </a:p>
@@ -1783,7 +1851,7 @@
     </p:spTree>
     <p:extLst>
       <p:ext uri="{BB962C8B-B14F-4D97-AF65-F5344CB8AC3E}">
-        <p14:creationId xmlns:p14="http://schemas.microsoft.com/office/powerpoint/2010/main" val="2946153229"/>
+        <p14:creationId xmlns:p14="http://schemas.microsoft.com/office/powerpoint/2010/main" val="1652844816"/>
       </p:ext>
     </p:extLst>
   </p:cSld>
@@ -1837,35 +1905,40 @@
           <a:bodyPr/>
           <a:lstStyle/>
           <a:p>
-            <a:pPr marL="0" marR="0" lvl="0" indent="0" algn="r" defTabSz="914400" rtl="1" eaLnBrk="1" fontAlgn="auto" latinLnBrk="0" hangingPunct="1">
-              <a:lnSpc>
-                <a:spcPct val="100000"/>
-              </a:lnSpc>
-              <a:spcBef>
-                <a:spcPts val="0"/>
-              </a:spcBef>
-              <a:spcAft>
-                <a:spcPts val="0"/>
-              </a:spcAft>
-              <a:buClrTx/>
-              <a:buSzTx/>
-              <a:buFontTx/>
-              <a:buNone/>
-              <a:tabLst/>
-              <a:defRPr/>
-            </a:pPr>
-            <a:r>
-              <a:rPr lang="en-US" dirty="0"/>
-              <a:t>One million puzzles from Kaggle.</a:t>
-            </a:r>
             <a:r>
               <a:rPr lang="he-IL" dirty="0"/>
-              <a:t> – יש מיליון לוחות של זוגות של פאזלים חלקיים ומלאים.</a:t>
-            </a:r>
-            <a:endParaRPr lang="en-US" dirty="0"/>
-          </a:p>
-          <a:p>
-            <a:endParaRPr lang="he-IL" dirty="0"/>
+              <a:t>1. </a:t>
+            </a:r>
+            <a:r>
+              <a:rPr lang="he-IL" dirty="0" err="1"/>
+              <a:t>בבקטרקינג</a:t>
+            </a:r>
+            <a:r>
+              <a:rPr lang="he-IL" dirty="0"/>
+              <a:t> הזמן גדל </a:t>
+            </a:r>
+            <a:r>
+              <a:rPr lang="he-IL" dirty="0" err="1"/>
+              <a:t>אקספוננציאלית</a:t>
+            </a:r>
+            <a:r>
+              <a:rPr lang="he-IL" dirty="0"/>
+              <a:t> עם מספר האיברים המחוקים.</a:t>
+            </a:r>
+          </a:p>
+          <a:p>
+            <a:r>
+              <a:rPr lang="he-IL" dirty="0"/>
+              <a:t>2. ישנם פתרונות גם בתחומי הלמידה  - התעסקו בבעיה ברמה הכי פשוטה ופחות </a:t>
+            </a:r>
+            <a:r>
+              <a:rPr lang="he-IL" dirty="0" err="1"/>
+              <a:t>בנסיונות</a:t>
+            </a:r>
+            <a:r>
+              <a:rPr lang="he-IL" dirty="0"/>
+              <a:t> להבין את הרשת ואת שיטות האימון השונות.</a:t>
+            </a:r>
           </a:p>
         </p:txBody>
       </p:sp>
@@ -1886,7 +1959,7 @@
           <a:p>
             <a:fld id="{9EDA4E3B-FBC5-452B-B234-E35138224BE7}" type="slidenum">
               <a:rPr lang="he-IL" smtClean="0"/>
-              <a:t>6</a:t>
+              <a:t>4</a:t>
             </a:fld>
             <a:endParaRPr lang="he-IL"/>
           </a:p>
@@ -1895,7 +1968,7 @@
     </p:spTree>
     <p:extLst>
       <p:ext uri="{BB962C8B-B14F-4D97-AF65-F5344CB8AC3E}">
-        <p14:creationId xmlns:p14="http://schemas.microsoft.com/office/powerpoint/2010/main" val="4081712664"/>
+        <p14:creationId xmlns:p14="http://schemas.microsoft.com/office/powerpoint/2010/main" val="1066050424"/>
       </p:ext>
     </p:extLst>
   </p:cSld>
@@ -1951,84 +2024,15 @@
           <a:p>
             <a:r>
               <a:rPr lang="he-IL" dirty="0"/>
-              <a:t>רשת ה </a:t>
-            </a:r>
-            <a:r>
-              <a:rPr lang="en-US" dirty="0"/>
-              <a:t>FC</a:t>
+              <a:t>בדיקת כל הענפים, וכאשר מתגלה בדרך שהענף לא תקין, מסיקים </a:t>
+            </a:r>
+            <a:r>
+              <a:rPr lang="he-IL" dirty="0" err="1"/>
+              <a:t>להתתח</a:t>
             </a:r>
             <a:r>
               <a:rPr lang="he-IL" dirty="0"/>
-              <a:t> – רשתות יחסית קטנות שנתנו ביצועים טובים עבור </a:t>
-            </a:r>
-            <a:r>
-              <a:rPr lang="he-IL" dirty="0" err="1"/>
-              <a:t>בעית</a:t>
-            </a:r>
-            <a:r>
-              <a:rPr lang="he-IL" dirty="0"/>
-              <a:t> עם </a:t>
-            </a:r>
-            <a:r>
-              <a:rPr lang="he-IL" dirty="0" err="1"/>
-              <a:t>דאטא</a:t>
-            </a:r>
-            <a:r>
-              <a:rPr lang="he-IL" dirty="0"/>
-              <a:t> יחסית קטן </a:t>
-            </a:r>
-            <a:r>
-              <a:rPr lang="en-US" dirty="0"/>
-              <a:t>9x9</a:t>
-            </a:r>
-            <a:r>
-              <a:rPr lang="he-IL" dirty="0"/>
-              <a:t> .</a:t>
-            </a:r>
-          </a:p>
-          <a:p>
-            <a:r>
-              <a:rPr lang="he-IL" dirty="0"/>
-              <a:t>רשת </a:t>
-            </a:r>
-            <a:r>
-              <a:rPr lang="en-US" dirty="0"/>
-              <a:t>CNN</a:t>
-            </a:r>
-            <a:r>
-              <a:rPr lang="he-IL" dirty="0"/>
-              <a:t> – גרעינים המותאמים לבעיה , </a:t>
-            </a:r>
-            <a:r>
-              <a:rPr lang="en-US" dirty="0"/>
-              <a:t>1x9, 9x1, 3x3</a:t>
-            </a:r>
-            <a:r>
-              <a:rPr lang="he-IL" dirty="0"/>
-              <a:t> . </a:t>
-            </a:r>
-          </a:p>
-          <a:p>
-            <a:endParaRPr lang="he-IL" dirty="0"/>
-          </a:p>
-          <a:p>
-            <a:r>
-              <a:rPr lang="he-IL" dirty="0"/>
-              <a:t>יש לשים לב שהמידע בסודוקו הוא לא רק מקומי אלא גלובלי, מה שיכול להסביר ביצועים טובים של ה </a:t>
-            </a:r>
-            <a:r>
-              <a:rPr lang="en-US" dirty="0"/>
-              <a:t>FC</a:t>
-            </a:r>
-            <a:endParaRPr lang="he-IL" dirty="0"/>
-          </a:p>
-          <a:p>
-            <a:endParaRPr lang="he-IL" dirty="0"/>
-          </a:p>
-          <a:p>
-            <a:r>
-              <a:rPr lang="he-IL" dirty="0"/>
-              <a:t> </a:t>
+              <a:t> בכיוון שלו וחוקרים ענף אחר עד שמגיעים לפתרון.</a:t>
             </a:r>
           </a:p>
         </p:txBody>
@@ -2050,7 +2054,7 @@
           <a:p>
             <a:fld id="{9EDA4E3B-FBC5-452B-B234-E35138224BE7}" type="slidenum">
               <a:rPr lang="he-IL" smtClean="0"/>
-              <a:t>7</a:t>
+              <a:t>5</a:t>
             </a:fld>
             <a:endParaRPr lang="he-IL"/>
           </a:p>
@@ -2059,7 +2063,7 @@
     </p:spTree>
     <p:extLst>
       <p:ext uri="{BB962C8B-B14F-4D97-AF65-F5344CB8AC3E}">
-        <p14:creationId xmlns:p14="http://schemas.microsoft.com/office/powerpoint/2010/main" val="1242077536"/>
+        <p14:creationId xmlns:p14="http://schemas.microsoft.com/office/powerpoint/2010/main" val="2946153229"/>
       </p:ext>
     </p:extLst>
   </p:cSld>
@@ -2113,81 +2117,120 @@
           <a:bodyPr/>
           <a:lstStyle/>
           <a:p>
-            <a:r>
-              <a:rPr lang="he-IL" dirty="0"/>
-              <a:t>רשת ה </a:t>
-            </a:r>
+            <a:pPr marL="0" marR="0" lvl="0" indent="0" algn="r" defTabSz="914400" rtl="1" eaLnBrk="1" fontAlgn="auto" latinLnBrk="0" hangingPunct="1">
+              <a:lnSpc>
+                <a:spcPct val="100000"/>
+              </a:lnSpc>
+              <a:spcBef>
+                <a:spcPts val="0"/>
+              </a:spcBef>
+              <a:spcAft>
+                <a:spcPts val="0"/>
+              </a:spcAft>
+              <a:buClrTx/>
+              <a:buSzTx/>
+              <a:buFontTx/>
+              <a:buNone/>
+              <a:tabLst/>
+              <a:defRPr/>
+            </a:pPr>
+            <a:r>
+              <a:rPr lang="he-IL" sz="1800" dirty="0">
+                <a:effectLst/>
+                <a:latin typeface="Calibri" panose="020F0502020204030204" pitchFamily="34" charset="0"/>
+                <a:ea typeface="Calibri" panose="020F0502020204030204" pitchFamily="34" charset="0"/>
+                <a:cs typeface="David" panose="020E0502060401010101" pitchFamily="34" charset="-79"/>
+              </a:rPr>
+              <a:t>האימון עבור </a:t>
+            </a:r>
+            <a:r>
+              <a:rPr lang="en-US" sz="1800" dirty="0">
+                <a:effectLst/>
+                <a:latin typeface="David" panose="020E0502060401010101" pitchFamily="34" charset="-79"/>
+                <a:ea typeface="Calibri" panose="020F0502020204030204" pitchFamily="34" charset="0"/>
+                <a:cs typeface="Arial" panose="020B0604020202020204" pitchFamily="34" charset="0"/>
+              </a:rPr>
+              <a:t>dataset</a:t>
+            </a:r>
+            <a:r>
+              <a:rPr lang="he-IL" sz="1800" dirty="0">
+                <a:effectLst/>
+                <a:latin typeface="Calibri" panose="020F0502020204030204" pitchFamily="34" charset="0"/>
+                <a:ea typeface="Calibri" panose="020F0502020204030204" pitchFamily="34" charset="0"/>
+                <a:cs typeface="David" panose="020E0502060401010101" pitchFamily="34" charset="-79"/>
+              </a:rPr>
+              <a:t> של </a:t>
+            </a:r>
+            <a:r>
+              <a:rPr lang="en-US" sz="1800" dirty="0">
+                <a:effectLst/>
+                <a:latin typeface="David" panose="020E0502060401010101" pitchFamily="34" charset="-79"/>
+                <a:ea typeface="Calibri" panose="020F0502020204030204" pitchFamily="34" charset="0"/>
+                <a:cs typeface="Arial" panose="020B0604020202020204" pitchFamily="34" charset="0"/>
+              </a:rPr>
+              <a:t>CIFAR-100</a:t>
+            </a:r>
+            <a:r>
+              <a:rPr lang="he-IL" sz="1800" dirty="0">
+                <a:effectLst/>
+                <a:latin typeface="Calibri" panose="020F0502020204030204" pitchFamily="34" charset="0"/>
+                <a:ea typeface="Calibri" panose="020F0502020204030204" pitchFamily="34" charset="0"/>
+                <a:cs typeface="David" panose="020E0502060401010101" pitchFamily="34" charset="-79"/>
+              </a:rPr>
+              <a:t> תוך שימוש ברשת </a:t>
+            </a:r>
+            <a:r>
+              <a:rPr lang="he-IL" sz="1800" dirty="0" err="1">
+                <a:effectLst/>
+                <a:latin typeface="Calibri" panose="020F0502020204030204" pitchFamily="34" charset="0"/>
+                <a:ea typeface="Calibri" panose="020F0502020204030204" pitchFamily="34" charset="0"/>
+                <a:cs typeface="David" panose="020E0502060401010101" pitchFamily="34" charset="-79"/>
+              </a:rPr>
+              <a:t>קונבולוציה</a:t>
+            </a:r>
+            <a:r>
+              <a:rPr lang="he-IL" sz="1800" dirty="0">
+                <a:effectLst/>
+                <a:latin typeface="Calibri" panose="020F0502020204030204" pitchFamily="34" charset="0"/>
+                <a:ea typeface="Calibri" panose="020F0502020204030204" pitchFamily="34" charset="0"/>
+                <a:cs typeface="David" panose="020E0502060401010101" pitchFamily="34" charset="-79"/>
+              </a:rPr>
+              <a:t> פשוטה שהוכנה ידנית. ניתן לראות שהדיוק עבור </a:t>
+            </a:r>
+            <a:r>
+              <a:rPr lang="en-US" sz="1800" dirty="0">
+                <a:effectLst/>
+                <a:latin typeface="David" panose="020E0502060401010101" pitchFamily="34" charset="-79"/>
+                <a:ea typeface="Calibri" panose="020F0502020204030204" pitchFamily="34" charset="0"/>
+                <a:cs typeface="Arial" panose="020B0604020202020204" pitchFamily="34" charset="0"/>
+              </a:rPr>
+              <a:t>curriculum</a:t>
+            </a:r>
+            <a:r>
+              <a:rPr lang="he-IL" sz="1800" dirty="0">
+                <a:effectLst/>
+                <a:latin typeface="Calibri" panose="020F0502020204030204" pitchFamily="34" charset="0"/>
+                <a:ea typeface="Calibri" panose="020F0502020204030204" pitchFamily="34" charset="0"/>
+                <a:cs typeface="David" panose="020E0502060401010101" pitchFamily="34" charset="-79"/>
+              </a:rPr>
+              <a:t> גבוה יותר.</a:t>
+            </a:r>
+            <a:endParaRPr lang="en-US" sz="1800" dirty="0">
+              <a:effectLst/>
+              <a:latin typeface="Calibri" panose="020F0502020204030204" pitchFamily="34" charset="0"/>
+              <a:ea typeface="Calibri" panose="020F0502020204030204" pitchFamily="34" charset="0"/>
+              <a:cs typeface="Arial" panose="020B0604020202020204" pitchFamily="34" charset="0"/>
+            </a:endParaRPr>
+          </a:p>
+          <a:p>
+            <a:endParaRPr lang="he-IL" dirty="0"/>
+          </a:p>
+          <a:p>
             <a:r>
               <a:rPr lang="en-US" dirty="0"/>
-              <a:t>FC</a:t>
-            </a:r>
-            <a:r>
-              <a:rPr lang="he-IL" dirty="0"/>
-              <a:t> – רשתות יחסית קטנות שנתנו ביצועים טובים עבור </a:t>
-            </a:r>
-            <a:r>
-              <a:rPr lang="he-IL" dirty="0" err="1"/>
-              <a:t>בעית</a:t>
-            </a:r>
-            <a:r>
-              <a:rPr lang="he-IL" dirty="0"/>
-              <a:t> עם </a:t>
-            </a:r>
-            <a:r>
-              <a:rPr lang="he-IL" dirty="0" err="1"/>
-              <a:t>דאטא</a:t>
-            </a:r>
-            <a:r>
-              <a:rPr lang="he-IL" dirty="0"/>
-              <a:t> יחסית קטן </a:t>
-            </a:r>
-            <a:r>
-              <a:rPr lang="en-US" dirty="0"/>
-              <a:t>9x9</a:t>
-            </a:r>
-            <a:r>
-              <a:rPr lang="he-IL" dirty="0"/>
-              <a:t> .</a:t>
-            </a:r>
-          </a:p>
-          <a:p>
-            <a:r>
-              <a:rPr lang="he-IL" dirty="0"/>
-              <a:t>רשת </a:t>
-            </a:r>
-            <a:r>
-              <a:rPr lang="en-US" dirty="0"/>
-              <a:t>CNN</a:t>
-            </a:r>
-            <a:r>
-              <a:rPr lang="he-IL" dirty="0"/>
-              <a:t> – גרעינים המותאמים לבעיה , </a:t>
-            </a:r>
-            <a:r>
-              <a:rPr lang="en-US" dirty="0"/>
-              <a:t>1x9, 9x1, 3x3</a:t>
-            </a:r>
-            <a:r>
-              <a:rPr lang="he-IL" dirty="0"/>
-              <a:t> . </a:t>
-            </a:r>
-          </a:p>
-          <a:p>
-            <a:endParaRPr lang="he-IL" dirty="0"/>
-          </a:p>
-          <a:p>
-            <a:r>
-              <a:rPr lang="he-IL" dirty="0"/>
-              <a:t>יש לשים לב שהמידע בסודוקו הוא לא רק מקומי אלא גלובלי, מה שיכול להסביר ביצועים טובים של ה </a:t>
-            </a:r>
-            <a:r>
-              <a:rPr lang="en-US" dirty="0"/>
-              <a:t>FC</a:t>
-            </a:r>
-            <a:endParaRPr lang="he-IL" dirty="0"/>
-          </a:p>
-          <a:p>
-            <a:endParaRPr lang="he-IL" dirty="0"/>
+              <a:t>we use these features to train a classifier and use its confidence score as the scoring function for each image</a:t>
+            </a:r>
+            <a:endParaRPr lang="he-IL" i="1" u="sng" dirty="0"/>
           </a:p>
           <a:p>
             <a:r>
@@ -2214,7 +2257,7 @@
           <a:p>
             <a:fld id="{9EDA4E3B-FBC5-452B-B234-E35138224BE7}" type="slidenum">
               <a:rPr lang="he-IL" smtClean="0"/>
-              <a:t>8</a:t>
+              <a:t>7</a:t>
             </a:fld>
             <a:endParaRPr lang="he-IL"/>
           </a:p>
@@ -2277,15 +2320,6 @@
           <a:bodyPr/>
           <a:lstStyle/>
           <a:p>
-            <a:r>
-              <a:rPr lang="he-IL" dirty="0"/>
-              <a:t>ניתן לראות למשל את רמות הביטחון בספרה 7 בכל תא ותא. מימין רואים את הפתרון של אותו לוח</a:t>
-            </a:r>
-          </a:p>
-          <a:p>
-            <a:endParaRPr lang="he-IL" dirty="0"/>
-          </a:p>
-          <a:p>
             <a:pPr marL="0" marR="0" lvl="0" indent="0" algn="r" defTabSz="914400" rtl="1" eaLnBrk="1" fontAlgn="auto" latinLnBrk="0" hangingPunct="1">
               <a:lnSpc>
                 <a:spcPct val="100000"/>
@@ -2305,11 +2339,19 @@
             </a:pPr>
             <a:r>
               <a:rPr lang="en-US" dirty="0"/>
-              <a:t>Plug the new puzzle each iteration to the net</a:t>
-            </a:r>
-          </a:p>
-          <a:p>
-            <a:endParaRPr lang="he-IL" dirty="0"/>
+              <a:t>One million puzzles from Kaggle.</a:t>
+            </a:r>
+            <a:r>
+              <a:rPr lang="he-IL" dirty="0"/>
+              <a:t> – יש מיליון לוחות של זוגות של פאזלים חלקיים ומלאים.</a:t>
+            </a:r>
+            <a:endParaRPr lang="en-US" dirty="0"/>
+          </a:p>
+          <a:p>
+            <a:r>
+              <a:rPr lang="he-IL" dirty="0"/>
+              <a:t>איבר ריק הוצג באמצעות הספרה 0.</a:t>
+            </a:r>
           </a:p>
         </p:txBody>
       </p:sp>
@@ -2330,7 +2372,7 @@
           <a:p>
             <a:fld id="{9EDA4E3B-FBC5-452B-B234-E35138224BE7}" type="slidenum">
               <a:rPr lang="he-IL" smtClean="0"/>
-              <a:t>9</a:t>
+              <a:t>8</a:t>
             </a:fld>
             <a:endParaRPr lang="he-IL"/>
           </a:p>
@@ -2339,7 +2381,7 @@
     </p:spTree>
     <p:extLst>
       <p:ext uri="{BB962C8B-B14F-4D97-AF65-F5344CB8AC3E}">
-        <p14:creationId xmlns:p14="http://schemas.microsoft.com/office/powerpoint/2010/main" val="3699488054"/>
+        <p14:creationId xmlns:p14="http://schemas.microsoft.com/office/powerpoint/2010/main" val="4081712664"/>
       </p:ext>
     </p:extLst>
   </p:cSld>
@@ -2395,41 +2437,84 @@
           <a:p>
             <a:r>
               <a:rPr lang="he-IL" dirty="0"/>
-              <a:t>1. מתחילים במחיקה של איבר בודד ומאמנים, אחד כך שני איברים מחוקים ומאמנים וכך הלאה. </a:t>
-            </a:r>
-          </a:p>
-          <a:p>
+              <a:t>רשת ה </a:t>
+            </a:r>
+            <a:r>
+              <a:rPr lang="en-US" dirty="0"/>
+              <a:t>FC</a:t>
+            </a:r>
             <a:r>
               <a:rPr lang="he-IL" dirty="0"/>
-              <a:t>2. מוחקים איברים בלוח המלא שהיו מחוקים בלוח החסר כדי לשמור על חוקיות במשחק ולא לקבל מצב של כמה פתרונות שעלול לבלבל את המערכת</a:t>
-            </a:r>
-          </a:p>
-          <a:p>
+              <a:t> – רשתות יחסית קטנות שנתנו ביצועים טובים עבור </a:t>
+            </a:r>
+            <a:r>
+              <a:rPr lang="he-IL" dirty="0" err="1"/>
+              <a:t>בעית</a:t>
+            </a:r>
             <a:r>
               <a:rPr lang="he-IL" dirty="0"/>
-              <a:t>3. מכיוון שבזמן אמת מילוי האיברים הוא </a:t>
+              <a:t> עם </a:t>
             </a:r>
             <a:r>
               <a:rPr lang="he-IL" dirty="0" err="1"/>
-              <a:t>איטרטיבי</a:t>
+              <a:t>דאטא</a:t>
             </a:r>
             <a:r>
               <a:rPr lang="he-IL" dirty="0"/>
-              <a:t>, אנחנו רוצים שהרשת לא תשכח איך למלא איברים כשיש מעט מחוקים, ולכן אנחנו דואגים בכל </a:t>
-            </a:r>
-            <a:r>
-              <a:rPr lang="he-IL" dirty="0" err="1"/>
-              <a:t>באטצ</a:t>
+              <a:t> יחסית קטן </a:t>
+            </a:r>
+            <a:r>
+              <a:rPr lang="en-US" dirty="0"/>
+              <a:t>9x9</a:t>
             </a:r>
             <a:r>
               <a:rPr lang="he-IL" dirty="0"/>
-              <a:t> למחוק מספר שונה של איברים בכל לוח לפי פילוג מסוים.</a:t>
+              <a:t> .</a:t>
             </a:r>
           </a:p>
           <a:p>
             <a:r>
               <a:rPr lang="he-IL" dirty="0"/>
-              <a:t>4. להסביר שאת הלוס אנחנו לוקחים רק על האיברים החסרים.</a:t>
+              <a:t>רשת </a:t>
+            </a:r>
+            <a:r>
+              <a:rPr lang="en-US" dirty="0"/>
+              <a:t>CNN</a:t>
+            </a:r>
+            <a:r>
+              <a:rPr lang="he-IL" dirty="0"/>
+              <a:t> – גרעינים המותאמים לבעיה , </a:t>
+            </a:r>
+            <a:r>
+              <a:rPr lang="en-US" dirty="0"/>
+              <a:t>1x9, 9x1, 3x3</a:t>
+            </a:r>
+            <a:r>
+              <a:rPr lang="he-IL" dirty="0"/>
+              <a:t> . </a:t>
+            </a:r>
+          </a:p>
+          <a:p>
+            <a:endParaRPr lang="he-IL" dirty="0"/>
+          </a:p>
+          <a:p>
+            <a:r>
+              <a:rPr lang="he-IL" dirty="0"/>
+              <a:t>יש לשים לב שהמידע בסודוקו הוא לא רק מקומי אלא גלובלי, מה שיכול להסביר ביצועים טובים של ה </a:t>
+            </a:r>
+            <a:r>
+              <a:rPr lang="en-US" dirty="0"/>
+              <a:t>FC</a:t>
+            </a:r>
+            <a:endParaRPr lang="he-IL" dirty="0"/>
+          </a:p>
+          <a:p>
+            <a:endParaRPr lang="he-IL" dirty="0"/>
+          </a:p>
+          <a:p>
+            <a:r>
+              <a:rPr lang="he-IL" dirty="0"/>
+              <a:t> </a:t>
             </a:r>
           </a:p>
         </p:txBody>
@@ -2451,7 +2536,7 @@
           <a:p>
             <a:fld id="{9EDA4E3B-FBC5-452B-B234-E35138224BE7}" type="slidenum">
               <a:rPr lang="he-IL" smtClean="0"/>
-              <a:t>10</a:t>
+              <a:t>9</a:t>
             </a:fld>
             <a:endParaRPr lang="he-IL"/>
           </a:p>
@@ -2460,7 +2545,7 @@
     </p:spTree>
     <p:extLst>
       <p:ext uri="{BB962C8B-B14F-4D97-AF65-F5344CB8AC3E}">
-        <p14:creationId xmlns:p14="http://schemas.microsoft.com/office/powerpoint/2010/main" val="3105010491"/>
+        <p14:creationId xmlns:p14="http://schemas.microsoft.com/office/powerpoint/2010/main" val="1242077536"/>
       </p:ext>
     </p:extLst>
   </p:cSld>
@@ -2514,6 +2599,38 @@
           <a:bodyPr/>
           <a:lstStyle/>
           <a:p>
+            <a:r>
+              <a:rPr lang="he-IL" dirty="0"/>
+              <a:t>ניתן לראות למשל את רמות הביטחון בספרה 7 בכל תא ותא. מימין רואים את הפתרון של אותו לוח</a:t>
+            </a:r>
+          </a:p>
+          <a:p>
+            <a:endParaRPr lang="he-IL" dirty="0"/>
+          </a:p>
+          <a:p>
+            <a:pPr marL="0" marR="0" lvl="0" indent="0" algn="r" defTabSz="914400" rtl="1" eaLnBrk="1" fontAlgn="auto" latinLnBrk="0" hangingPunct="1">
+              <a:lnSpc>
+                <a:spcPct val="100000"/>
+              </a:lnSpc>
+              <a:spcBef>
+                <a:spcPts val="0"/>
+              </a:spcBef>
+              <a:spcAft>
+                <a:spcPts val="0"/>
+              </a:spcAft>
+              <a:buClrTx/>
+              <a:buSzTx/>
+              <a:buFontTx/>
+              <a:buNone/>
+              <a:tabLst/>
+              <a:defRPr/>
+            </a:pPr>
+            <a:r>
+              <a:rPr lang="en-US" dirty="0"/>
+              <a:t>Plug the new puzzle each iteration to the net</a:t>
+            </a:r>
+          </a:p>
+          <a:p>
             <a:endParaRPr lang="he-IL" dirty="0"/>
           </a:p>
         </p:txBody>
@@ -2535,7 +2652,7 @@
           <a:p>
             <a:fld id="{9EDA4E3B-FBC5-452B-B234-E35138224BE7}" type="slidenum">
               <a:rPr lang="he-IL" smtClean="0"/>
-              <a:t>11</a:t>
+              <a:t>10</a:t>
             </a:fld>
             <a:endParaRPr lang="he-IL"/>
           </a:p>
@@ -2544,7 +2661,7 @@
     </p:spTree>
     <p:extLst>
       <p:ext uri="{BB962C8B-B14F-4D97-AF65-F5344CB8AC3E}">
-        <p14:creationId xmlns:p14="http://schemas.microsoft.com/office/powerpoint/2010/main" val="4243151217"/>
+        <p14:creationId xmlns:p14="http://schemas.microsoft.com/office/powerpoint/2010/main" val="3699488054"/>
       </p:ext>
     </p:extLst>
   </p:cSld>
@@ -2598,54 +2715,43 @@
           <a:bodyPr/>
           <a:lstStyle/>
           <a:p>
-            <a:pPr marL="0" marR="0" lvl="0" indent="0" algn="r" defTabSz="914400" rtl="1" eaLnBrk="1" fontAlgn="auto" latinLnBrk="0" hangingPunct="1">
-              <a:lnSpc>
-                <a:spcPct val="100000"/>
-              </a:lnSpc>
-              <a:spcBef>
-                <a:spcPts val="0"/>
-              </a:spcBef>
-              <a:spcAft>
-                <a:spcPts val="0"/>
-              </a:spcAft>
-              <a:buClrTx/>
-              <a:buSzTx/>
-              <a:buFontTx/>
-              <a:buNone/>
-              <a:tabLst/>
-              <a:defRPr/>
-            </a:pPr>
             <a:r>
               <a:rPr lang="he-IL" dirty="0"/>
-              <a:t>1. לגבי פילוג </a:t>
+              <a:t>1. מתחילים במחיקה של איבר בודד ומאמנים, אחד כך שני איברים מחוקים ומאמנים וכך הלאה. </a:t>
+            </a:r>
+          </a:p>
+          <a:p>
+            <a:r>
+              <a:rPr lang="he-IL" dirty="0"/>
+              <a:t>2. מוחקים איברים בלוח המלא שהיו מחוקים בלוח החסר כדי לשמור על חוקיות במשחק ולא לקבל מצב של כמה פתרונות שעלול לבלבל את המערכת</a:t>
+            </a:r>
+          </a:p>
+          <a:p>
+            <a:r>
+              <a:rPr lang="he-IL" dirty="0"/>
+              <a:t>3. מכיוון שבזמן אמת מילוי האיברים הוא </a:t>
             </a:r>
             <a:r>
               <a:rPr lang="he-IL" dirty="0" err="1"/>
-              <a:t>הדאטא</a:t>
+              <a:t>איטרטיבי</a:t>
             </a:r>
             <a:r>
               <a:rPr lang="he-IL" dirty="0"/>
-              <a:t>, להסביר שזהו פילוג המחוקים בטסט </a:t>
+              <a:t>, אנחנו רוצים שהרשת לא תשכח איך למלא איברים כשיש מעט מחוקים, ולכן אנחנו דואגים בכל </a:t>
             </a:r>
             <a:r>
               <a:rPr lang="he-IL" dirty="0" err="1"/>
-              <a:t>דאטא</a:t>
+              <a:t>באטצ</a:t>
             </a:r>
             <a:r>
               <a:rPr lang="he-IL" dirty="0"/>
-              <a:t> שעליו הפקנו את התוצאות במטריצת הבלבול</a:t>
+              <a:t> למחוק מספר שונה של איברים בכל לוח לפי פילוג מסוים.</a:t>
             </a:r>
           </a:p>
           <a:p>
             <a:r>
               <a:rPr lang="he-IL" dirty="0"/>
-              <a:t>2. לגבי מטריצת הבלבול, לדבר על הסימטריה שיש בטעויות מכיוון שיש סימטריה מבחינת ייצוג הספרות השונות. </a:t>
-            </a:r>
-          </a:p>
-          <a:p>
-            <a:r>
-              <a:rPr lang="he-IL" dirty="0"/>
-              <a:t>אפשר להגיד שבדרך כלל מה שרואים במטריצה כזו היא שיש מחלקה אחת שדומה לאחרת אבל אצלנו מה שרואים הוא דווקא מה שלא רואים – יש סימטריה כמצופה.</a:t>
+              <a:t>4. להסביר שאת הלוס אנחנו לוקחים רק על האיברים החסרים.</a:t>
             </a:r>
           </a:p>
         </p:txBody>
@@ -2667,7 +2773,7 @@
           <a:p>
             <a:fld id="{9EDA4E3B-FBC5-452B-B234-E35138224BE7}" type="slidenum">
               <a:rPr lang="he-IL" smtClean="0"/>
-              <a:t>12</a:t>
+              <a:t>11</a:t>
             </a:fld>
             <a:endParaRPr lang="he-IL"/>
           </a:p>
@@ -2676,7 +2782,7 @@
     </p:spTree>
     <p:extLst>
       <p:ext uri="{BB962C8B-B14F-4D97-AF65-F5344CB8AC3E}">
-        <p14:creationId xmlns:p14="http://schemas.microsoft.com/office/powerpoint/2010/main" val="1473259194"/>
+        <p14:creationId xmlns:p14="http://schemas.microsoft.com/office/powerpoint/2010/main" val="3105010491"/>
       </p:ext>
     </p:extLst>
   </p:cSld>
@@ -5560,7 +5666,7 @@
           <p:nvPr/>
         </p:nvPicPr>
         <p:blipFill>
-          <a:blip r:embed="rId2"/>
+          <a:blip r:embed="rId3"/>
           <a:stretch>
             <a:fillRect/>
           </a:stretch>
@@ -5969,26 +6075,12 @@
                   <a:schemeClr val="tx1"/>
                 </a:solidFill>
               </a:rPr>
-              <a:t>Date</a:t>
-            </a:r>
-            <a:r>
-              <a:rPr lang="en-US" sz="2400" dirty="0">
-                <a:solidFill>
-                  <a:schemeClr val="tx1"/>
-                </a:solidFill>
-                <a:highlight>
-                  <a:srgbClr val="FFFF00"/>
-                </a:highlight>
-              </a:rPr>
-              <a:t>:  TODO</a:t>
+              <a:t>Date: 13/09/20</a:t>
             </a:r>
             <a:endParaRPr lang="he-IL" sz="2400" dirty="0">
               <a:solidFill>
                 <a:schemeClr val="tx1"/>
               </a:solidFill>
-              <a:highlight>
-                <a:srgbClr val="FFFF00"/>
-              </a:highlight>
             </a:endParaRPr>
           </a:p>
           <a:p>
@@ -6048,7 +6140,7 @@
           <p:nvPr/>
         </p:nvPicPr>
         <p:blipFill>
-          <a:blip r:embed="rId3"/>
+          <a:blip r:embed="rId4"/>
           <a:stretch>
             <a:fillRect/>
           </a:stretch>
@@ -6299,6 +6391,472 @@
 </file>
 
 <file path=ppt/slides/slide10.xml><?xml version="1.0" encoding="utf-8"?>
+<p:sld xmlns:a="http://schemas.openxmlformats.org/drawingml/2006/main" xmlns:r="http://schemas.openxmlformats.org/officeDocument/2006/relationships" xmlns:p="http://schemas.openxmlformats.org/presentationml/2006/main">
+  <p:cSld>
+    <p:spTree>
+      <p:nvGrpSpPr>
+        <p:cNvPr id="1" name=""/>
+        <p:cNvGrpSpPr/>
+        <p:nvPr/>
+      </p:nvGrpSpPr>
+      <p:grpSpPr>
+        <a:xfrm>
+          <a:off x="0" y="0"/>
+          <a:ext cx="0" cy="0"/>
+          <a:chOff x="0" y="0"/>
+          <a:chExt cx="0" cy="0"/>
+        </a:xfrm>
+      </p:grpSpPr>
+      <p:sp>
+        <p:nvSpPr>
+          <p:cNvPr id="2" name="כותרת 1">
+            <a:extLst>
+              <a:ext uri="{FF2B5EF4-FFF2-40B4-BE49-F238E27FC236}">
+                <a16:creationId xmlns:a16="http://schemas.microsoft.com/office/drawing/2014/main" id="{5480E490-6E4D-4338-BB9A-E6695C515733}"/>
+              </a:ext>
+            </a:extLst>
+          </p:cNvPr>
+          <p:cNvSpPr>
+            <a:spLocks noGrp="1"/>
+          </p:cNvSpPr>
+          <p:nvPr>
+            <p:ph type="title"/>
+          </p:nvPr>
+        </p:nvSpPr>
+        <p:spPr>
+          <a:xfrm>
+            <a:off x="628650" y="-295274"/>
+            <a:ext cx="7886700" cy="1325563"/>
+          </a:xfrm>
+        </p:spPr>
+        <p:txBody>
+          <a:bodyPr/>
+          <a:lstStyle/>
+          <a:p>
+            <a:pPr algn="ctr"/>
+            <a:r>
+              <a:rPr lang="en-US" dirty="0">
+                <a:solidFill>
+                  <a:srgbClr val="002060"/>
+                </a:solidFill>
+                <a:latin typeface="Calibri"/>
+              </a:rPr>
+              <a:t>Solving method</a:t>
+            </a:r>
+            <a:endParaRPr lang="he-IL" dirty="0">
+              <a:solidFill>
+                <a:srgbClr val="002060"/>
+              </a:solidFill>
+              <a:latin typeface="Calibri"/>
+            </a:endParaRPr>
+          </a:p>
+        </p:txBody>
+      </p:sp>
+      <p:sp>
+        <p:nvSpPr>
+          <p:cNvPr id="3" name="מציין מיקום תוכן 2">
+            <a:extLst>
+              <a:ext uri="{FF2B5EF4-FFF2-40B4-BE49-F238E27FC236}">
+                <a16:creationId xmlns:a16="http://schemas.microsoft.com/office/drawing/2014/main" id="{4E953C7B-A8C0-430E-A2AA-272B223256CE}"/>
+              </a:ext>
+            </a:extLst>
+          </p:cNvPr>
+          <p:cNvSpPr>
+            <a:spLocks noGrp="1"/>
+          </p:cNvSpPr>
+          <p:nvPr>
+            <p:ph idx="1"/>
+          </p:nvPr>
+        </p:nvSpPr>
+        <p:spPr>
+          <a:xfrm>
+            <a:off x="628650" y="644525"/>
+            <a:ext cx="7886700" cy="4351338"/>
+          </a:xfrm>
+        </p:spPr>
+        <p:txBody>
+          <a:bodyPr/>
+          <a:lstStyle/>
+          <a:p>
+            <a:pPr algn="l" rtl="0"/>
+            <a:r>
+              <a:rPr lang="en-US" dirty="0"/>
+              <a:t>Iterative method</a:t>
+            </a:r>
+          </a:p>
+          <a:p>
+            <a:pPr lvl="1" algn="l" rtl="0"/>
+            <a:r>
+              <a:rPr lang="en-US" dirty="0"/>
+              <a:t>Fill the puzzle digit by digit and not the entire puzzle at once (like humans do)</a:t>
+            </a:r>
+          </a:p>
+          <a:p>
+            <a:pPr lvl="1" algn="l" rtl="0"/>
+            <a:r>
+              <a:rPr lang="en-US" dirty="0"/>
+              <a:t>In each iteration the chosen digit will be the one with highest confidence</a:t>
+            </a:r>
+          </a:p>
+          <a:p>
+            <a:pPr lvl="1" algn="l" rtl="0"/>
+            <a:r>
+              <a:rPr lang="en-US" dirty="0"/>
+              <a:t>Calculates updated confidence for each cell</a:t>
+            </a:r>
+          </a:p>
+          <a:p>
+            <a:pPr lvl="1" algn="l" rtl="0"/>
+            <a:endParaRPr lang="en-US" dirty="0"/>
+          </a:p>
+          <a:p>
+            <a:pPr lvl="1" algn="l" rtl="0"/>
+            <a:endParaRPr lang="en-US" dirty="0"/>
+          </a:p>
+          <a:p>
+            <a:pPr lvl="1" algn="l" rtl="0"/>
+            <a:endParaRPr lang="en-US" dirty="0"/>
+          </a:p>
+          <a:p>
+            <a:pPr lvl="1" algn="l" rtl="0"/>
+            <a:endParaRPr lang="en-US" dirty="0"/>
+          </a:p>
+          <a:p>
+            <a:pPr lvl="1" algn="l" rtl="0"/>
+            <a:endParaRPr lang="en-US" dirty="0"/>
+          </a:p>
+          <a:p>
+            <a:pPr lvl="1" algn="l" rtl="0"/>
+            <a:endParaRPr lang="he-IL" dirty="0"/>
+          </a:p>
+        </p:txBody>
+      </p:sp>
+      <p:pic>
+        <p:nvPicPr>
+          <p:cNvPr id="5" name="תמונה 4">
+            <a:extLst>
+              <a:ext uri="{FF2B5EF4-FFF2-40B4-BE49-F238E27FC236}">
+                <a16:creationId xmlns:a16="http://schemas.microsoft.com/office/drawing/2014/main" id="{52A8D0A3-FE2A-4BC8-8AA0-4BEDDD2FBAF9}"/>
+              </a:ext>
+            </a:extLst>
+          </p:cNvPr>
+          <p:cNvPicPr>
+            <a:picLocks noChangeAspect="1"/>
+          </p:cNvPicPr>
+          <p:nvPr/>
+        </p:nvPicPr>
+        <p:blipFill>
+          <a:blip r:embed="rId3"/>
+          <a:stretch>
+            <a:fillRect/>
+          </a:stretch>
+        </p:blipFill>
+        <p:spPr>
+          <a:xfrm>
+            <a:off x="4081462" y="6505575"/>
+            <a:ext cx="981075" cy="352425"/>
+          </a:xfrm>
+          <a:prstGeom prst="rect">
+            <a:avLst/>
+          </a:prstGeom>
+        </p:spPr>
+      </p:pic>
+      <p:sp>
+        <p:nvSpPr>
+          <p:cNvPr id="7" name="Subtitle 2">
+            <a:extLst>
+              <a:ext uri="{FF2B5EF4-FFF2-40B4-BE49-F238E27FC236}">
+                <a16:creationId xmlns:a16="http://schemas.microsoft.com/office/drawing/2014/main" id="{5ED15823-742F-4737-B7FB-159A0E7611B0}"/>
+              </a:ext>
+            </a:extLst>
+          </p:cNvPr>
+          <p:cNvSpPr txBox="1">
+            <a:spLocks/>
+          </p:cNvSpPr>
+          <p:nvPr/>
+        </p:nvSpPr>
+        <p:spPr>
+          <a:xfrm>
+            <a:off x="8575634" y="6467572"/>
+            <a:ext cx="854924" cy="498976"/>
+          </a:xfrm>
+          <a:prstGeom prst="rect">
+            <a:avLst/>
+          </a:prstGeom>
+        </p:spPr>
+        <p:txBody>
+          <a:bodyPr vert="horz" lIns="91440" tIns="45720" rIns="91440" bIns="45720" rtlCol="1" anchor="t">
+            <a:noAutofit/>
+          </a:bodyPr>
+          <a:lstStyle>
+            <a:lvl1pPr marL="0" indent="0" algn="ctr" defTabSz="914400" rtl="1" eaLnBrk="1" latinLnBrk="0" hangingPunct="1">
+              <a:lnSpc>
+                <a:spcPct val="90000"/>
+              </a:lnSpc>
+              <a:spcBef>
+                <a:spcPct val="20000"/>
+              </a:spcBef>
+              <a:buFont typeface="Arial" panose="020B0604020202020204" pitchFamily="34" charset="0"/>
+              <a:buNone/>
+              <a:defRPr sz="3200" kern="1200">
+                <a:solidFill>
+                  <a:schemeClr val="tx1">
+                    <a:tint val="75000"/>
+                  </a:schemeClr>
+                </a:solidFill>
+                <a:latin typeface="+mn-lt"/>
+                <a:ea typeface="+mn-ea"/>
+                <a:cs typeface="+mn-cs"/>
+              </a:defRPr>
+            </a:lvl1pPr>
+            <a:lvl2pPr marL="457200" indent="0" algn="ctr" defTabSz="914400" rtl="1" eaLnBrk="1" latinLnBrk="0" hangingPunct="1">
+              <a:lnSpc>
+                <a:spcPct val="90000"/>
+              </a:lnSpc>
+              <a:spcBef>
+                <a:spcPct val="20000"/>
+              </a:spcBef>
+              <a:buFont typeface="Arial" panose="020B0604020202020204" pitchFamily="34" charset="0"/>
+              <a:buNone/>
+              <a:defRPr sz="2800" kern="1200">
+                <a:solidFill>
+                  <a:schemeClr val="tx1">
+                    <a:tint val="75000"/>
+                  </a:schemeClr>
+                </a:solidFill>
+                <a:latin typeface="+mn-lt"/>
+                <a:ea typeface="+mn-ea"/>
+                <a:cs typeface="+mn-cs"/>
+              </a:defRPr>
+            </a:lvl2pPr>
+            <a:lvl3pPr marL="914400" indent="0" algn="ctr" defTabSz="914400" rtl="1" eaLnBrk="1" latinLnBrk="0" hangingPunct="1">
+              <a:lnSpc>
+                <a:spcPct val="90000"/>
+              </a:lnSpc>
+              <a:spcBef>
+                <a:spcPct val="20000"/>
+              </a:spcBef>
+              <a:buFont typeface="Arial" panose="020B0604020202020204" pitchFamily="34" charset="0"/>
+              <a:buNone/>
+              <a:defRPr sz="2400" kern="1200">
+                <a:solidFill>
+                  <a:schemeClr val="tx1">
+                    <a:tint val="75000"/>
+                  </a:schemeClr>
+                </a:solidFill>
+                <a:latin typeface="+mn-lt"/>
+                <a:ea typeface="+mn-ea"/>
+                <a:cs typeface="+mn-cs"/>
+              </a:defRPr>
+            </a:lvl3pPr>
+            <a:lvl4pPr marL="1371600" indent="0" algn="ctr" defTabSz="914400" rtl="1" eaLnBrk="1" latinLnBrk="0" hangingPunct="1">
+              <a:lnSpc>
+                <a:spcPct val="90000"/>
+              </a:lnSpc>
+              <a:spcBef>
+                <a:spcPct val="20000"/>
+              </a:spcBef>
+              <a:buFont typeface="Arial" panose="020B0604020202020204" pitchFamily="34" charset="0"/>
+              <a:buNone/>
+              <a:defRPr sz="2000" kern="1200">
+                <a:solidFill>
+                  <a:schemeClr val="tx1">
+                    <a:tint val="75000"/>
+                  </a:schemeClr>
+                </a:solidFill>
+                <a:latin typeface="+mn-lt"/>
+                <a:ea typeface="+mn-ea"/>
+                <a:cs typeface="+mn-cs"/>
+              </a:defRPr>
+            </a:lvl4pPr>
+            <a:lvl5pPr marL="1828800" indent="0" algn="ctr" defTabSz="914400" rtl="1" eaLnBrk="1" latinLnBrk="0" hangingPunct="1">
+              <a:lnSpc>
+                <a:spcPct val="90000"/>
+              </a:lnSpc>
+              <a:spcBef>
+                <a:spcPct val="20000"/>
+              </a:spcBef>
+              <a:buFont typeface="Arial" panose="020B0604020202020204" pitchFamily="34" charset="0"/>
+              <a:buNone/>
+              <a:defRPr sz="2000" kern="1200">
+                <a:solidFill>
+                  <a:schemeClr val="tx1">
+                    <a:tint val="75000"/>
+                  </a:schemeClr>
+                </a:solidFill>
+                <a:latin typeface="+mn-lt"/>
+                <a:ea typeface="+mn-ea"/>
+                <a:cs typeface="+mn-cs"/>
+              </a:defRPr>
+            </a:lvl5pPr>
+            <a:lvl6pPr marL="2286000" indent="0" algn="ctr" defTabSz="914400" rtl="1" eaLnBrk="1" latinLnBrk="0" hangingPunct="1">
+              <a:lnSpc>
+                <a:spcPct val="90000"/>
+              </a:lnSpc>
+              <a:spcBef>
+                <a:spcPct val="20000"/>
+              </a:spcBef>
+              <a:buFont typeface="Arial" panose="020B0604020202020204" pitchFamily="34" charset="0"/>
+              <a:buNone/>
+              <a:defRPr sz="2000" kern="1200">
+                <a:solidFill>
+                  <a:schemeClr val="tx1">
+                    <a:tint val="75000"/>
+                  </a:schemeClr>
+                </a:solidFill>
+                <a:latin typeface="+mn-lt"/>
+                <a:ea typeface="+mn-ea"/>
+                <a:cs typeface="+mn-cs"/>
+              </a:defRPr>
+            </a:lvl6pPr>
+            <a:lvl7pPr marL="2743200" indent="0" algn="ctr" defTabSz="914400" rtl="1" eaLnBrk="1" latinLnBrk="0" hangingPunct="1">
+              <a:lnSpc>
+                <a:spcPct val="90000"/>
+              </a:lnSpc>
+              <a:spcBef>
+                <a:spcPct val="20000"/>
+              </a:spcBef>
+              <a:buFont typeface="Arial" panose="020B0604020202020204" pitchFamily="34" charset="0"/>
+              <a:buNone/>
+              <a:defRPr sz="2000" kern="1200">
+                <a:solidFill>
+                  <a:schemeClr val="tx1">
+                    <a:tint val="75000"/>
+                  </a:schemeClr>
+                </a:solidFill>
+                <a:latin typeface="+mn-lt"/>
+                <a:ea typeface="+mn-ea"/>
+                <a:cs typeface="+mn-cs"/>
+              </a:defRPr>
+            </a:lvl7pPr>
+            <a:lvl8pPr marL="3200400" indent="0" algn="ctr" defTabSz="914400" rtl="1" eaLnBrk="1" latinLnBrk="0" hangingPunct="1">
+              <a:lnSpc>
+                <a:spcPct val="90000"/>
+              </a:lnSpc>
+              <a:spcBef>
+                <a:spcPct val="20000"/>
+              </a:spcBef>
+              <a:buFont typeface="Arial" panose="020B0604020202020204" pitchFamily="34" charset="0"/>
+              <a:buNone/>
+              <a:defRPr sz="2000" kern="1200">
+                <a:solidFill>
+                  <a:schemeClr val="tx1">
+                    <a:tint val="75000"/>
+                  </a:schemeClr>
+                </a:solidFill>
+                <a:latin typeface="+mn-lt"/>
+                <a:ea typeface="+mn-ea"/>
+                <a:cs typeface="+mn-cs"/>
+              </a:defRPr>
+            </a:lvl8pPr>
+            <a:lvl9pPr marL="3657600" indent="0" algn="ctr" defTabSz="914400" rtl="1" eaLnBrk="1" latinLnBrk="0" hangingPunct="1">
+              <a:lnSpc>
+                <a:spcPct val="90000"/>
+              </a:lnSpc>
+              <a:spcBef>
+                <a:spcPct val="20000"/>
+              </a:spcBef>
+              <a:buFont typeface="Arial" panose="020B0604020202020204" pitchFamily="34" charset="0"/>
+              <a:buNone/>
+              <a:defRPr sz="2000" kern="1200">
+                <a:solidFill>
+                  <a:schemeClr val="tx1">
+                    <a:tint val="75000"/>
+                  </a:schemeClr>
+                </a:solidFill>
+                <a:latin typeface="+mn-lt"/>
+                <a:ea typeface="+mn-ea"/>
+                <a:cs typeface="+mn-cs"/>
+              </a:defRPr>
+            </a:lvl9pPr>
+          </a:lstStyle>
+          <a:p>
+            <a:pPr algn="l" rtl="0"/>
+            <a:r>
+              <a:rPr lang="en-US" sz="2400" dirty="0">
+                <a:solidFill>
+                  <a:schemeClr val="tx1"/>
+                </a:solidFill>
+              </a:rPr>
+              <a:t>10</a:t>
+            </a:r>
+          </a:p>
+        </p:txBody>
+      </p:sp>
+      <p:pic>
+        <p:nvPicPr>
+          <p:cNvPr id="6" name="תמונה 5">
+            <a:extLst>
+              <a:ext uri="{FF2B5EF4-FFF2-40B4-BE49-F238E27FC236}">
+                <a16:creationId xmlns:a16="http://schemas.microsoft.com/office/drawing/2014/main" id="{352DD1D7-6B0E-444D-AEF4-ED7563861329}"/>
+              </a:ext>
+            </a:extLst>
+          </p:cNvPr>
+          <p:cNvPicPr>
+            <a:picLocks noChangeAspect="1"/>
+          </p:cNvPicPr>
+          <p:nvPr/>
+        </p:nvPicPr>
+        <p:blipFill>
+          <a:blip r:embed="rId4"/>
+          <a:stretch>
+            <a:fillRect/>
+          </a:stretch>
+        </p:blipFill>
+        <p:spPr>
+          <a:xfrm>
+            <a:off x="199551" y="3388017"/>
+            <a:ext cx="3995098" cy="3079555"/>
+          </a:xfrm>
+          <a:prstGeom prst="rect">
+            <a:avLst/>
+          </a:prstGeom>
+        </p:spPr>
+      </p:pic>
+      <p:pic>
+        <p:nvPicPr>
+          <p:cNvPr id="9" name="תמונה 8">
+            <a:extLst>
+              <a:ext uri="{FF2B5EF4-FFF2-40B4-BE49-F238E27FC236}">
+                <a16:creationId xmlns:a16="http://schemas.microsoft.com/office/drawing/2014/main" id="{97449353-62EE-43F5-88F6-0E0A64C529D5}"/>
+              </a:ext>
+            </a:extLst>
+          </p:cNvPr>
+          <p:cNvPicPr>
+            <a:picLocks noChangeAspect="1"/>
+          </p:cNvPicPr>
+          <p:nvPr/>
+        </p:nvPicPr>
+        <p:blipFill>
+          <a:blip r:embed="rId5"/>
+          <a:stretch>
+            <a:fillRect/>
+          </a:stretch>
+        </p:blipFill>
+        <p:spPr>
+          <a:xfrm>
+            <a:off x="4815054" y="3331884"/>
+            <a:ext cx="3995099" cy="3135688"/>
+          </a:xfrm>
+          <a:prstGeom prst="rect">
+            <a:avLst/>
+          </a:prstGeom>
+        </p:spPr>
+      </p:pic>
+    </p:spTree>
+    <p:extLst>
+      <p:ext uri="{BB962C8B-B14F-4D97-AF65-F5344CB8AC3E}">
+        <p14:creationId xmlns:p14="http://schemas.microsoft.com/office/powerpoint/2010/main" val="595709881"/>
+      </p:ext>
+    </p:extLst>
+  </p:cSld>
+  <p:clrMapOvr>
+    <a:masterClrMapping/>
+  </p:clrMapOvr>
+</p:sld>
+</file>
+
+<file path=ppt/slides/slide11.xml><?xml version="1.0" encoding="utf-8"?>
 <p:sld xmlns:a="http://schemas.openxmlformats.org/drawingml/2006/main" xmlns:r="http://schemas.openxmlformats.org/officeDocument/2006/relationships" xmlns:p="http://schemas.openxmlformats.org/presentationml/2006/main">
   <p:cSld>
     <p:spTree>
@@ -6666,7 +7224,7 @@
                   <a:schemeClr val="tx1"/>
                 </a:solidFill>
               </a:rPr>
-              <a:t>10</a:t>
+              <a:t>11</a:t>
             </a:r>
           </a:p>
         </p:txBody>
@@ -6744,7 +7302,7 @@
 </p:sld>
 </file>
 
-<file path=ppt/slides/slide11.xml><?xml version="1.0" encoding="utf-8"?>
+<file path=ppt/slides/slide12.xml><?xml version="1.0" encoding="utf-8"?>
 <p:sld xmlns:a="http://schemas.openxmlformats.org/drawingml/2006/main" xmlns:r="http://schemas.openxmlformats.org/officeDocument/2006/relationships" xmlns:p="http://schemas.openxmlformats.org/presentationml/2006/main">
   <p:cSld>
     <p:spTree>
@@ -9279,7 +9837,7 @@
                   <a:schemeClr val="tx1"/>
                 </a:solidFill>
               </a:rPr>
-              <a:t>11</a:t>
+              <a:t>12</a:t>
             </a:r>
           </a:p>
         </p:txBody>
@@ -9297,7 +9855,7 @@
 </p:sld>
 </file>
 
-<file path=ppt/slides/slide12.xml><?xml version="1.0" encoding="utf-8"?>
+<file path=ppt/slides/slide13.xml><?xml version="1.0" encoding="utf-8"?>
 <p:sld xmlns:a="http://schemas.openxmlformats.org/drawingml/2006/main" xmlns:r="http://schemas.openxmlformats.org/officeDocument/2006/relationships" xmlns:p="http://schemas.openxmlformats.org/presentationml/2006/main">
   <p:cSld>
     <p:spTree>
@@ -9601,7 +10159,7 @@
                   <a:schemeClr val="tx1"/>
                 </a:solidFill>
               </a:rPr>
-              <a:t>12</a:t>
+              <a:t>13</a:t>
             </a:r>
           </a:p>
         </p:txBody>
@@ -9675,7 +10233,7 @@
 </p:sld>
 </file>
 
-<file path=ppt/slides/slide13.xml><?xml version="1.0" encoding="utf-8"?>
+<file path=ppt/slides/slide14.xml><?xml version="1.0" encoding="utf-8"?>
 <p:sld xmlns:a="http://schemas.openxmlformats.org/drawingml/2006/main" xmlns:r="http://schemas.openxmlformats.org/officeDocument/2006/relationships" xmlns:p="http://schemas.openxmlformats.org/presentationml/2006/main">
   <p:cSld>
     <p:spTree>
@@ -9979,7 +10537,7 @@
                   <a:schemeClr val="tx1"/>
                 </a:solidFill>
               </a:rPr>
-              <a:t>13</a:t>
+              <a:t>14</a:t>
             </a:r>
           </a:p>
         </p:txBody>
@@ -10103,7 +10661,7 @@
 </p:sld>
 </file>
 
-<file path=ppt/slides/slide14.xml><?xml version="1.0" encoding="utf-8"?>
+<file path=ppt/slides/slide15.xml><?xml version="1.0" encoding="utf-8"?>
 <p:sld xmlns:a="http://schemas.openxmlformats.org/drawingml/2006/main" xmlns:r="http://schemas.openxmlformats.org/officeDocument/2006/relationships" xmlns:p="http://schemas.openxmlformats.org/presentationml/2006/main">
   <p:cSld>
     <p:spTree>
@@ -10412,7 +10970,7 @@
                   <a:schemeClr val="tx1"/>
                 </a:solidFill>
               </a:rPr>
-              <a:t>14</a:t>
+              <a:t>15</a:t>
             </a:r>
           </a:p>
         </p:txBody>
@@ -10616,7 +11174,7 @@
 </p:sld>
 </file>
 
-<file path=ppt/slides/slide15.xml><?xml version="1.0" encoding="utf-8"?>
+<file path=ppt/slides/slide16.xml><?xml version="1.0" encoding="utf-8"?>
 <p:sld xmlns:a="http://schemas.openxmlformats.org/drawingml/2006/main" xmlns:r="http://schemas.openxmlformats.org/officeDocument/2006/relationships" xmlns:p="http://schemas.openxmlformats.org/presentationml/2006/main">
   <p:cSld>
     <p:spTree>
@@ -10935,7 +11493,7 @@
                   <a:schemeClr val="tx1"/>
                 </a:solidFill>
               </a:rPr>
-              <a:t>15</a:t>
+              <a:t>16</a:t>
             </a:r>
           </a:p>
         </p:txBody>
@@ -10953,7 +11511,7 @@
 </p:sld>
 </file>
 
-<file path=ppt/slides/slide16.xml><?xml version="1.0" encoding="utf-8"?>
+<file path=ppt/slides/slide17.xml><?xml version="1.0" encoding="utf-8"?>
 <p:sld xmlns:a="http://schemas.openxmlformats.org/drawingml/2006/main" xmlns:r="http://schemas.openxmlformats.org/officeDocument/2006/relationships" xmlns:p="http://schemas.openxmlformats.org/presentationml/2006/main">
   <p:cSld>
     <p:spTree>
@@ -11298,7 +11856,7 @@
                   <a:schemeClr val="tx1"/>
                 </a:solidFill>
               </a:rPr>
-              <a:t>16</a:t>
+              <a:t>17</a:t>
             </a:r>
           </a:p>
         </p:txBody>
@@ -11316,7 +11874,7 @@
 </p:sld>
 </file>
 
-<file path=ppt/slides/slide17.xml><?xml version="1.0" encoding="utf-8"?>
+<file path=ppt/slides/slide18.xml><?xml version="1.0" encoding="utf-8"?>
 <p:sld xmlns:a="http://schemas.openxmlformats.org/drawingml/2006/main" xmlns:r="http://schemas.openxmlformats.org/officeDocument/2006/relationships" xmlns:p="http://schemas.openxmlformats.org/presentationml/2006/main">
   <p:cSld>
     <p:spTree>
@@ -11620,7 +12178,7 @@
                   <a:schemeClr val="tx1"/>
                 </a:solidFill>
               </a:rPr>
-              <a:t>17</a:t>
+              <a:t>18</a:t>
             </a:r>
           </a:p>
         </p:txBody>
@@ -11668,7 +12226,7 @@
 </p:sld>
 </file>
 
-<file path=ppt/slides/slide18.xml><?xml version="1.0" encoding="utf-8"?>
+<file path=ppt/slides/slide19.xml><?xml version="1.0" encoding="utf-8"?>
 <p:sld xmlns:a="http://schemas.openxmlformats.org/drawingml/2006/main" xmlns:r="http://schemas.openxmlformats.org/officeDocument/2006/relationships" xmlns:p="http://schemas.openxmlformats.org/presentationml/2006/main">
   <p:cSld>
     <p:spTree>
@@ -11972,7 +12530,7 @@
                   <a:schemeClr val="tx1"/>
                 </a:solidFill>
               </a:rPr>
-              <a:t>18</a:t>
+              <a:t>19</a:t>
             </a:r>
           </a:p>
         </p:txBody>
@@ -12082,7 +12640,723 @@
 </p:sld>
 </file>
 
-<file path=ppt/slides/slide19.xml><?xml version="1.0" encoding="utf-8"?>
+<file path=ppt/slides/slide2.xml><?xml version="1.0" encoding="utf-8"?>
+<p:sld xmlns:a="http://schemas.openxmlformats.org/drawingml/2006/main" xmlns:r="http://schemas.openxmlformats.org/officeDocument/2006/relationships" xmlns:p="http://schemas.openxmlformats.org/presentationml/2006/main">
+  <p:cSld>
+    <p:spTree>
+      <p:nvGrpSpPr>
+        <p:cNvPr id="1" name=""/>
+        <p:cNvGrpSpPr/>
+        <p:nvPr/>
+      </p:nvGrpSpPr>
+      <p:grpSpPr>
+        <a:xfrm>
+          <a:off x="0" y="0"/>
+          <a:ext cx="0" cy="0"/>
+          <a:chOff x="0" y="0"/>
+          <a:chExt cx="0" cy="0"/>
+        </a:xfrm>
+      </p:grpSpPr>
+      <p:sp>
+        <p:nvSpPr>
+          <p:cNvPr id="8" name="Title 1">
+            <a:extLst>
+              <a:ext uri="{FF2B5EF4-FFF2-40B4-BE49-F238E27FC236}">
+                <a16:creationId xmlns:a16="http://schemas.microsoft.com/office/drawing/2014/main" id="{539B27DB-9B1D-4469-9BE6-3096C4731B09}"/>
+              </a:ext>
+            </a:extLst>
+          </p:cNvPr>
+          <p:cNvSpPr>
+            <a:spLocks noGrp="1"/>
+          </p:cNvSpPr>
+          <p:nvPr/>
+        </p:nvSpPr>
+        <p:spPr>
+          <a:xfrm>
+            <a:off x="457200" y="205583"/>
+            <a:ext cx="8229600" cy="1143000"/>
+          </a:xfrm>
+          <a:prstGeom prst="rect">
+            <a:avLst/>
+          </a:prstGeom>
+        </p:spPr>
+        <p:txBody>
+          <a:bodyPr vert="horz" lIns="91440" tIns="45720" rIns="91440" bIns="45720" rtlCol="1" anchor="ctr">
+            <a:normAutofit/>
+          </a:bodyPr>
+          <a:lstStyle>
+            <a:lvl1pPr algn="ctr" defTabSz="914400" rtl="0" eaLnBrk="1" latinLnBrk="0" hangingPunct="1">
+              <a:spcBef>
+                <a:spcPct val="0"/>
+              </a:spcBef>
+              <a:buNone/>
+              <a:defRPr sz="4400" kern="1200">
+                <a:solidFill>
+                  <a:schemeClr val="tx1"/>
+                </a:solidFill>
+                <a:latin typeface="+mj-lt"/>
+                <a:ea typeface="+mj-ea"/>
+                <a:cs typeface="+mj-cs"/>
+              </a:defRPr>
+            </a:lvl1pPr>
+          </a:lstStyle>
+          <a:p>
+            <a:r>
+              <a:rPr lang="en-US" dirty="0">
+                <a:solidFill>
+                  <a:srgbClr val="002060"/>
+                </a:solidFill>
+                <a:latin typeface="Calibri"/>
+              </a:rPr>
+              <a:t>Outline</a:t>
+            </a:r>
+            <a:endParaRPr lang="he-IL" dirty="0">
+              <a:solidFill>
+                <a:srgbClr val="002060"/>
+              </a:solidFill>
+              <a:latin typeface="Calibri"/>
+            </a:endParaRPr>
+          </a:p>
+        </p:txBody>
+      </p:sp>
+      <p:sp>
+        <p:nvSpPr>
+          <p:cNvPr id="10" name="Content Placeholder 2">
+            <a:extLst>
+              <a:ext uri="{FF2B5EF4-FFF2-40B4-BE49-F238E27FC236}">
+                <a16:creationId xmlns:a16="http://schemas.microsoft.com/office/drawing/2014/main" id="{DBD21293-DC2A-4265-BE88-3FC84347FDD8}"/>
+              </a:ext>
+            </a:extLst>
+          </p:cNvPr>
+          <p:cNvSpPr>
+            <a:spLocks noGrp="1"/>
+          </p:cNvSpPr>
+          <p:nvPr/>
+        </p:nvSpPr>
+        <p:spPr>
+          <a:xfrm>
+            <a:off x="457200" y="1531146"/>
+            <a:ext cx="8229600" cy="4525963"/>
+          </a:xfrm>
+          <a:prstGeom prst="rect">
+            <a:avLst/>
+          </a:prstGeom>
+        </p:spPr>
+        <p:txBody>
+          <a:bodyPr vert="horz" lIns="91440" tIns="45720" rIns="91440" bIns="45720" rtlCol="1">
+            <a:normAutofit/>
+          </a:bodyPr>
+          <a:lstStyle>
+            <a:lvl1pPr marL="342900" indent="-342900" algn="l" defTabSz="914400" rtl="0" eaLnBrk="1" latinLnBrk="0" hangingPunct="1">
+              <a:spcBef>
+                <a:spcPct val="20000"/>
+              </a:spcBef>
+              <a:buFont typeface="Arial" panose="020B0604020202020204" pitchFamily="34" charset="0"/>
+              <a:buChar char="•"/>
+              <a:defRPr sz="3200" kern="1200">
+                <a:solidFill>
+                  <a:schemeClr val="tx1"/>
+                </a:solidFill>
+                <a:latin typeface="+mn-lt"/>
+                <a:ea typeface="+mn-ea"/>
+                <a:cs typeface="+mn-cs"/>
+              </a:defRPr>
+            </a:lvl1pPr>
+            <a:lvl2pPr marL="742950" indent="-285750" algn="l" defTabSz="914400" rtl="0" eaLnBrk="1" latinLnBrk="0" hangingPunct="1">
+              <a:spcBef>
+                <a:spcPct val="20000"/>
+              </a:spcBef>
+              <a:buFont typeface="Arial" panose="020B0604020202020204" pitchFamily="34" charset="0"/>
+              <a:buChar char="–"/>
+              <a:defRPr sz="2800" kern="1200">
+                <a:solidFill>
+                  <a:schemeClr val="tx1"/>
+                </a:solidFill>
+                <a:latin typeface="+mn-lt"/>
+                <a:ea typeface="+mn-ea"/>
+                <a:cs typeface="+mn-cs"/>
+              </a:defRPr>
+            </a:lvl2pPr>
+            <a:lvl3pPr marL="1143000" indent="-228600" algn="l" defTabSz="914400" rtl="0" eaLnBrk="1" latinLnBrk="0" hangingPunct="1">
+              <a:spcBef>
+                <a:spcPct val="20000"/>
+              </a:spcBef>
+              <a:buFont typeface="Arial" panose="020B0604020202020204" pitchFamily="34" charset="0"/>
+              <a:buChar char="•"/>
+              <a:defRPr sz="2400" kern="1200">
+                <a:solidFill>
+                  <a:schemeClr val="tx1"/>
+                </a:solidFill>
+                <a:latin typeface="+mn-lt"/>
+                <a:ea typeface="+mn-ea"/>
+                <a:cs typeface="+mn-cs"/>
+              </a:defRPr>
+            </a:lvl3pPr>
+            <a:lvl4pPr marL="1600200" indent="-228600" algn="l" defTabSz="914400" rtl="0" eaLnBrk="1" latinLnBrk="0" hangingPunct="1">
+              <a:spcBef>
+                <a:spcPct val="20000"/>
+              </a:spcBef>
+              <a:buFont typeface="Arial" panose="020B0604020202020204" pitchFamily="34" charset="0"/>
+              <a:buChar char="–"/>
+              <a:defRPr sz="2000" kern="1200">
+                <a:solidFill>
+                  <a:schemeClr val="tx1"/>
+                </a:solidFill>
+                <a:latin typeface="+mn-lt"/>
+                <a:ea typeface="+mn-ea"/>
+                <a:cs typeface="+mn-cs"/>
+              </a:defRPr>
+            </a:lvl4pPr>
+            <a:lvl5pPr marL="2057400" indent="-228600" algn="l" defTabSz="914400" rtl="0" eaLnBrk="1" latinLnBrk="0" hangingPunct="1">
+              <a:spcBef>
+                <a:spcPct val="20000"/>
+              </a:spcBef>
+              <a:buFont typeface="Arial" panose="020B0604020202020204" pitchFamily="34" charset="0"/>
+              <a:buChar char="»"/>
+              <a:defRPr sz="2000" kern="1200">
+                <a:solidFill>
+                  <a:schemeClr val="tx1"/>
+                </a:solidFill>
+                <a:latin typeface="+mn-lt"/>
+                <a:ea typeface="+mn-ea"/>
+                <a:cs typeface="+mn-cs"/>
+              </a:defRPr>
+            </a:lvl5pPr>
+            <a:lvl6pPr marL="2514600" indent="-228600" algn="r" defTabSz="914400" rtl="1" eaLnBrk="1" latinLnBrk="0" hangingPunct="1">
+              <a:spcBef>
+                <a:spcPct val="20000"/>
+              </a:spcBef>
+              <a:buFont typeface="Arial" panose="020B0604020202020204" pitchFamily="34" charset="0"/>
+              <a:buChar char="•"/>
+              <a:defRPr sz="2000" kern="1200">
+                <a:solidFill>
+                  <a:schemeClr val="tx1"/>
+                </a:solidFill>
+                <a:latin typeface="+mn-lt"/>
+                <a:ea typeface="+mn-ea"/>
+                <a:cs typeface="+mn-cs"/>
+              </a:defRPr>
+            </a:lvl6pPr>
+            <a:lvl7pPr marL="2971800" indent="-228600" algn="r" defTabSz="914400" rtl="1" eaLnBrk="1" latinLnBrk="0" hangingPunct="1">
+              <a:spcBef>
+                <a:spcPct val="20000"/>
+              </a:spcBef>
+              <a:buFont typeface="Arial" panose="020B0604020202020204" pitchFamily="34" charset="0"/>
+              <a:buChar char="•"/>
+              <a:defRPr sz="2000" kern="1200">
+                <a:solidFill>
+                  <a:schemeClr val="tx1"/>
+                </a:solidFill>
+                <a:latin typeface="+mn-lt"/>
+                <a:ea typeface="+mn-ea"/>
+                <a:cs typeface="+mn-cs"/>
+              </a:defRPr>
+            </a:lvl7pPr>
+            <a:lvl8pPr marL="3429000" indent="-228600" algn="r" defTabSz="914400" rtl="1" eaLnBrk="1" latinLnBrk="0" hangingPunct="1">
+              <a:spcBef>
+                <a:spcPct val="20000"/>
+              </a:spcBef>
+              <a:buFont typeface="Arial" panose="020B0604020202020204" pitchFamily="34" charset="0"/>
+              <a:buChar char="•"/>
+              <a:defRPr sz="2000" kern="1200">
+                <a:solidFill>
+                  <a:schemeClr val="tx1"/>
+                </a:solidFill>
+                <a:latin typeface="+mn-lt"/>
+                <a:ea typeface="+mn-ea"/>
+                <a:cs typeface="+mn-cs"/>
+              </a:defRPr>
+            </a:lvl8pPr>
+            <a:lvl9pPr marL="3886200" indent="-228600" algn="r" defTabSz="914400" rtl="1" eaLnBrk="1" latinLnBrk="0" hangingPunct="1">
+              <a:spcBef>
+                <a:spcPct val="20000"/>
+              </a:spcBef>
+              <a:buFont typeface="Arial" panose="020B0604020202020204" pitchFamily="34" charset="0"/>
+              <a:buChar char="•"/>
+              <a:defRPr sz="2000" kern="1200">
+                <a:solidFill>
+                  <a:schemeClr val="tx1"/>
+                </a:solidFill>
+                <a:latin typeface="+mn-lt"/>
+                <a:ea typeface="+mn-ea"/>
+                <a:cs typeface="+mn-cs"/>
+              </a:defRPr>
+            </a:lvl9pPr>
+          </a:lstStyle>
+          <a:p>
+            <a:r>
+              <a:rPr lang="en-US" sz="2800" dirty="0">
+                <a:solidFill>
+                  <a:srgbClr val="002060"/>
+                </a:solidFill>
+              </a:rPr>
+              <a:t>Project Goal</a:t>
+            </a:r>
+          </a:p>
+          <a:p>
+            <a:r>
+              <a:rPr lang="en-US" sz="2800" dirty="0">
+                <a:solidFill>
+                  <a:srgbClr val="002060"/>
+                </a:solidFill>
+              </a:rPr>
+              <a:t>Background</a:t>
+            </a:r>
+          </a:p>
+          <a:p>
+            <a:r>
+              <a:rPr lang="en-US" sz="2800" dirty="0">
+                <a:solidFill>
+                  <a:srgbClr val="002060"/>
+                </a:solidFill>
+              </a:rPr>
+              <a:t>Our Solution</a:t>
+            </a:r>
+          </a:p>
+          <a:p>
+            <a:r>
+              <a:rPr lang="en-US" sz="2800" dirty="0">
+                <a:solidFill>
+                  <a:srgbClr val="002060"/>
+                </a:solidFill>
+              </a:rPr>
+              <a:t>Analyzing the solution </a:t>
+            </a:r>
+          </a:p>
+          <a:p>
+            <a:r>
+              <a:rPr lang="en-US" sz="2800" dirty="0">
+                <a:solidFill>
+                  <a:srgbClr val="002060"/>
+                </a:solidFill>
+              </a:rPr>
+              <a:t>Conclusions</a:t>
+            </a:r>
+          </a:p>
+          <a:p>
+            <a:r>
+              <a:rPr lang="en-US" sz="2800" dirty="0">
+                <a:solidFill>
+                  <a:srgbClr val="002060"/>
+                </a:solidFill>
+              </a:rPr>
+              <a:t>Future Work</a:t>
+            </a:r>
+          </a:p>
+          <a:p>
+            <a:endParaRPr lang="en-US" sz="2800" dirty="0">
+              <a:solidFill>
+                <a:srgbClr val="002060"/>
+              </a:solidFill>
+            </a:endParaRPr>
+          </a:p>
+          <a:p>
+            <a:endParaRPr lang="he-IL" sz="2800" dirty="0">
+              <a:solidFill>
+                <a:srgbClr val="002060"/>
+              </a:solidFill>
+            </a:endParaRPr>
+          </a:p>
+        </p:txBody>
+      </p:sp>
+      <p:sp>
+        <p:nvSpPr>
+          <p:cNvPr id="12" name="Slide Number Placeholder 4">
+            <a:extLst>
+              <a:ext uri="{FF2B5EF4-FFF2-40B4-BE49-F238E27FC236}">
+                <a16:creationId xmlns:a16="http://schemas.microsoft.com/office/drawing/2014/main" id="{B023802F-B8AD-4425-AF95-8D483ECA494C}"/>
+              </a:ext>
+            </a:extLst>
+          </p:cNvPr>
+          <p:cNvSpPr>
+            <a:spLocks noGrp="1"/>
+          </p:cNvSpPr>
+          <p:nvPr/>
+        </p:nvSpPr>
+        <p:spPr>
+          <a:xfrm>
+            <a:off x="-866273" y="6287295"/>
+            <a:ext cx="2133600" cy="365125"/>
+          </a:xfrm>
+          <a:prstGeom prst="rect">
+            <a:avLst/>
+          </a:prstGeom>
+        </p:spPr>
+        <p:txBody>
+          <a:bodyPr vert="horz" lIns="91440" tIns="45720" rIns="91440" bIns="45720" rtlCol="1" anchor="ctr"/>
+          <a:lstStyle>
+            <a:defPPr>
+              <a:defRPr lang="en-US"/>
+            </a:defPPr>
+            <a:lvl1pPr marL="0" algn="l" defTabSz="914400" rtl="0" eaLnBrk="1" latinLnBrk="0" hangingPunct="1">
+              <a:defRPr sz="1200" kern="1200">
+                <a:solidFill>
+                  <a:schemeClr val="tx1">
+                    <a:tint val="75000"/>
+                  </a:schemeClr>
+                </a:solidFill>
+                <a:latin typeface="+mn-lt"/>
+                <a:ea typeface="+mn-ea"/>
+                <a:cs typeface="+mn-cs"/>
+              </a:defRPr>
+            </a:lvl1pPr>
+            <a:lvl2pPr marL="457200" algn="l" defTabSz="914400" rtl="0" eaLnBrk="1" latinLnBrk="0" hangingPunct="1">
+              <a:defRPr sz="1800" kern="1200">
+                <a:solidFill>
+                  <a:schemeClr val="tx1"/>
+                </a:solidFill>
+                <a:latin typeface="+mn-lt"/>
+                <a:ea typeface="+mn-ea"/>
+                <a:cs typeface="+mn-cs"/>
+              </a:defRPr>
+            </a:lvl2pPr>
+            <a:lvl3pPr marL="914400" algn="l" defTabSz="914400" rtl="0" eaLnBrk="1" latinLnBrk="0" hangingPunct="1">
+              <a:defRPr sz="1800" kern="1200">
+                <a:solidFill>
+                  <a:schemeClr val="tx1"/>
+                </a:solidFill>
+                <a:latin typeface="+mn-lt"/>
+                <a:ea typeface="+mn-ea"/>
+                <a:cs typeface="+mn-cs"/>
+              </a:defRPr>
+            </a:lvl3pPr>
+            <a:lvl4pPr marL="1371600" algn="l" defTabSz="914400" rtl="0" eaLnBrk="1" latinLnBrk="0" hangingPunct="1">
+              <a:defRPr sz="1800" kern="1200">
+                <a:solidFill>
+                  <a:schemeClr val="tx1"/>
+                </a:solidFill>
+                <a:latin typeface="+mn-lt"/>
+                <a:ea typeface="+mn-ea"/>
+                <a:cs typeface="+mn-cs"/>
+              </a:defRPr>
+            </a:lvl4pPr>
+            <a:lvl5pPr marL="1828800" algn="l" defTabSz="914400" rtl="0" eaLnBrk="1" latinLnBrk="0" hangingPunct="1">
+              <a:defRPr sz="1800" kern="1200">
+                <a:solidFill>
+                  <a:schemeClr val="tx1"/>
+                </a:solidFill>
+                <a:latin typeface="+mn-lt"/>
+                <a:ea typeface="+mn-ea"/>
+                <a:cs typeface="+mn-cs"/>
+              </a:defRPr>
+            </a:lvl5pPr>
+            <a:lvl6pPr marL="2286000" algn="l" defTabSz="914400" rtl="0" eaLnBrk="1" latinLnBrk="0" hangingPunct="1">
+              <a:defRPr sz="1800" kern="1200">
+                <a:solidFill>
+                  <a:schemeClr val="tx1"/>
+                </a:solidFill>
+                <a:latin typeface="+mn-lt"/>
+                <a:ea typeface="+mn-ea"/>
+                <a:cs typeface="+mn-cs"/>
+              </a:defRPr>
+            </a:lvl6pPr>
+            <a:lvl7pPr marL="2743200" algn="l" defTabSz="914400" rtl="0" eaLnBrk="1" latinLnBrk="0" hangingPunct="1">
+              <a:defRPr sz="1800" kern="1200">
+                <a:solidFill>
+                  <a:schemeClr val="tx1"/>
+                </a:solidFill>
+                <a:latin typeface="+mn-lt"/>
+                <a:ea typeface="+mn-ea"/>
+                <a:cs typeface="+mn-cs"/>
+              </a:defRPr>
+            </a:lvl7pPr>
+            <a:lvl8pPr marL="3200400" algn="l" defTabSz="914400" rtl="0" eaLnBrk="1" latinLnBrk="0" hangingPunct="1">
+              <a:defRPr sz="1800" kern="1200">
+                <a:solidFill>
+                  <a:schemeClr val="tx1"/>
+                </a:solidFill>
+                <a:latin typeface="+mn-lt"/>
+                <a:ea typeface="+mn-ea"/>
+                <a:cs typeface="+mn-cs"/>
+              </a:defRPr>
+            </a:lvl8pPr>
+            <a:lvl9pPr marL="3657600" algn="l" defTabSz="914400" rtl="0" eaLnBrk="1" latinLnBrk="0" hangingPunct="1">
+              <a:defRPr sz="1800" kern="1200">
+                <a:solidFill>
+                  <a:schemeClr val="tx1"/>
+                </a:solidFill>
+                <a:latin typeface="+mn-lt"/>
+                <a:ea typeface="+mn-ea"/>
+                <a:cs typeface="+mn-cs"/>
+              </a:defRPr>
+            </a:lvl9pPr>
+          </a:lstStyle>
+          <a:p>
+            <a:fld id="{B01D9778-10B4-40FB-B4E4-44FA89A86639}" type="slidenum">
+              <a:rPr lang="en-US"/>
+              <a:pPr/>
+              <a:t>2</a:t>
+            </a:fld>
+            <a:endParaRPr lang="en-US"/>
+          </a:p>
+        </p:txBody>
+      </p:sp>
+      <p:pic>
+        <p:nvPicPr>
+          <p:cNvPr id="4" name="תמונה 3">
+            <a:extLst>
+              <a:ext uri="{FF2B5EF4-FFF2-40B4-BE49-F238E27FC236}">
+                <a16:creationId xmlns:a16="http://schemas.microsoft.com/office/drawing/2014/main" id="{96E68B6B-60D2-4D8F-9DC7-7F3328F9C279}"/>
+              </a:ext>
+            </a:extLst>
+          </p:cNvPr>
+          <p:cNvPicPr>
+            <a:picLocks noChangeAspect="1"/>
+          </p:cNvPicPr>
+          <p:nvPr/>
+        </p:nvPicPr>
+        <p:blipFill>
+          <a:blip r:embed="rId2"/>
+          <a:stretch>
+            <a:fillRect/>
+          </a:stretch>
+        </p:blipFill>
+        <p:spPr>
+          <a:xfrm>
+            <a:off x="4081462" y="6505575"/>
+            <a:ext cx="981075" cy="352425"/>
+          </a:xfrm>
+          <a:prstGeom prst="rect">
+            <a:avLst/>
+          </a:prstGeom>
+        </p:spPr>
+      </p:pic>
+      <p:sp>
+        <p:nvSpPr>
+          <p:cNvPr id="5" name="Subtitle 2">
+            <a:extLst>
+              <a:ext uri="{FF2B5EF4-FFF2-40B4-BE49-F238E27FC236}">
+                <a16:creationId xmlns:a16="http://schemas.microsoft.com/office/drawing/2014/main" id="{B4196659-4A84-4C3E-9873-58E0D18A5F80}"/>
+              </a:ext>
+            </a:extLst>
+          </p:cNvPr>
+          <p:cNvSpPr txBox="1">
+            <a:spLocks/>
+          </p:cNvSpPr>
+          <p:nvPr/>
+        </p:nvSpPr>
+        <p:spPr>
+          <a:xfrm>
+            <a:off x="8562669" y="6359024"/>
+            <a:ext cx="469038" cy="498976"/>
+          </a:xfrm>
+          <a:prstGeom prst="rect">
+            <a:avLst/>
+          </a:prstGeom>
+        </p:spPr>
+        <p:txBody>
+          <a:bodyPr vert="horz" lIns="91440" tIns="45720" rIns="91440" bIns="45720" rtlCol="1" anchor="t">
+            <a:noAutofit/>
+          </a:bodyPr>
+          <a:lstStyle>
+            <a:lvl1pPr marL="0" indent="0" algn="ctr" defTabSz="914400" rtl="1" eaLnBrk="1" latinLnBrk="0" hangingPunct="1">
+              <a:lnSpc>
+                <a:spcPct val="90000"/>
+              </a:lnSpc>
+              <a:spcBef>
+                <a:spcPct val="20000"/>
+              </a:spcBef>
+              <a:buFont typeface="Arial" panose="020B0604020202020204" pitchFamily="34" charset="0"/>
+              <a:buNone/>
+              <a:defRPr sz="3200" kern="1200">
+                <a:solidFill>
+                  <a:schemeClr val="tx1">
+                    <a:tint val="75000"/>
+                  </a:schemeClr>
+                </a:solidFill>
+                <a:latin typeface="+mn-lt"/>
+                <a:ea typeface="+mn-ea"/>
+                <a:cs typeface="+mn-cs"/>
+              </a:defRPr>
+            </a:lvl1pPr>
+            <a:lvl2pPr marL="457200" indent="0" algn="ctr" defTabSz="914400" rtl="1" eaLnBrk="1" latinLnBrk="0" hangingPunct="1">
+              <a:lnSpc>
+                <a:spcPct val="90000"/>
+              </a:lnSpc>
+              <a:spcBef>
+                <a:spcPct val="20000"/>
+              </a:spcBef>
+              <a:buFont typeface="Arial" panose="020B0604020202020204" pitchFamily="34" charset="0"/>
+              <a:buNone/>
+              <a:defRPr sz="2800" kern="1200">
+                <a:solidFill>
+                  <a:schemeClr val="tx1">
+                    <a:tint val="75000"/>
+                  </a:schemeClr>
+                </a:solidFill>
+                <a:latin typeface="+mn-lt"/>
+                <a:ea typeface="+mn-ea"/>
+                <a:cs typeface="+mn-cs"/>
+              </a:defRPr>
+            </a:lvl2pPr>
+            <a:lvl3pPr marL="914400" indent="0" algn="ctr" defTabSz="914400" rtl="1" eaLnBrk="1" latinLnBrk="0" hangingPunct="1">
+              <a:lnSpc>
+                <a:spcPct val="90000"/>
+              </a:lnSpc>
+              <a:spcBef>
+                <a:spcPct val="20000"/>
+              </a:spcBef>
+              <a:buFont typeface="Arial" panose="020B0604020202020204" pitchFamily="34" charset="0"/>
+              <a:buNone/>
+              <a:defRPr sz="2400" kern="1200">
+                <a:solidFill>
+                  <a:schemeClr val="tx1">
+                    <a:tint val="75000"/>
+                  </a:schemeClr>
+                </a:solidFill>
+                <a:latin typeface="+mn-lt"/>
+                <a:ea typeface="+mn-ea"/>
+                <a:cs typeface="+mn-cs"/>
+              </a:defRPr>
+            </a:lvl3pPr>
+            <a:lvl4pPr marL="1371600" indent="0" algn="ctr" defTabSz="914400" rtl="1" eaLnBrk="1" latinLnBrk="0" hangingPunct="1">
+              <a:lnSpc>
+                <a:spcPct val="90000"/>
+              </a:lnSpc>
+              <a:spcBef>
+                <a:spcPct val="20000"/>
+              </a:spcBef>
+              <a:buFont typeface="Arial" panose="020B0604020202020204" pitchFamily="34" charset="0"/>
+              <a:buNone/>
+              <a:defRPr sz="2000" kern="1200">
+                <a:solidFill>
+                  <a:schemeClr val="tx1">
+                    <a:tint val="75000"/>
+                  </a:schemeClr>
+                </a:solidFill>
+                <a:latin typeface="+mn-lt"/>
+                <a:ea typeface="+mn-ea"/>
+                <a:cs typeface="+mn-cs"/>
+              </a:defRPr>
+            </a:lvl4pPr>
+            <a:lvl5pPr marL="1828800" indent="0" algn="ctr" defTabSz="914400" rtl="1" eaLnBrk="1" latinLnBrk="0" hangingPunct="1">
+              <a:lnSpc>
+                <a:spcPct val="90000"/>
+              </a:lnSpc>
+              <a:spcBef>
+                <a:spcPct val="20000"/>
+              </a:spcBef>
+              <a:buFont typeface="Arial" panose="020B0604020202020204" pitchFamily="34" charset="0"/>
+              <a:buNone/>
+              <a:defRPr sz="2000" kern="1200">
+                <a:solidFill>
+                  <a:schemeClr val="tx1">
+                    <a:tint val="75000"/>
+                  </a:schemeClr>
+                </a:solidFill>
+                <a:latin typeface="+mn-lt"/>
+                <a:ea typeface="+mn-ea"/>
+                <a:cs typeface="+mn-cs"/>
+              </a:defRPr>
+            </a:lvl5pPr>
+            <a:lvl6pPr marL="2286000" indent="0" algn="ctr" defTabSz="914400" rtl="1" eaLnBrk="1" latinLnBrk="0" hangingPunct="1">
+              <a:lnSpc>
+                <a:spcPct val="90000"/>
+              </a:lnSpc>
+              <a:spcBef>
+                <a:spcPct val="20000"/>
+              </a:spcBef>
+              <a:buFont typeface="Arial" panose="020B0604020202020204" pitchFamily="34" charset="0"/>
+              <a:buNone/>
+              <a:defRPr sz="2000" kern="1200">
+                <a:solidFill>
+                  <a:schemeClr val="tx1">
+                    <a:tint val="75000"/>
+                  </a:schemeClr>
+                </a:solidFill>
+                <a:latin typeface="+mn-lt"/>
+                <a:ea typeface="+mn-ea"/>
+                <a:cs typeface="+mn-cs"/>
+              </a:defRPr>
+            </a:lvl6pPr>
+            <a:lvl7pPr marL="2743200" indent="0" algn="ctr" defTabSz="914400" rtl="1" eaLnBrk="1" latinLnBrk="0" hangingPunct="1">
+              <a:lnSpc>
+                <a:spcPct val="90000"/>
+              </a:lnSpc>
+              <a:spcBef>
+                <a:spcPct val="20000"/>
+              </a:spcBef>
+              <a:buFont typeface="Arial" panose="020B0604020202020204" pitchFamily="34" charset="0"/>
+              <a:buNone/>
+              <a:defRPr sz="2000" kern="1200">
+                <a:solidFill>
+                  <a:schemeClr val="tx1">
+                    <a:tint val="75000"/>
+                  </a:schemeClr>
+                </a:solidFill>
+                <a:latin typeface="+mn-lt"/>
+                <a:ea typeface="+mn-ea"/>
+                <a:cs typeface="+mn-cs"/>
+              </a:defRPr>
+            </a:lvl7pPr>
+            <a:lvl8pPr marL="3200400" indent="0" algn="ctr" defTabSz="914400" rtl="1" eaLnBrk="1" latinLnBrk="0" hangingPunct="1">
+              <a:lnSpc>
+                <a:spcPct val="90000"/>
+              </a:lnSpc>
+              <a:spcBef>
+                <a:spcPct val="20000"/>
+              </a:spcBef>
+              <a:buFont typeface="Arial" panose="020B0604020202020204" pitchFamily="34" charset="0"/>
+              <a:buNone/>
+              <a:defRPr sz="2000" kern="1200">
+                <a:solidFill>
+                  <a:schemeClr val="tx1">
+                    <a:tint val="75000"/>
+                  </a:schemeClr>
+                </a:solidFill>
+                <a:latin typeface="+mn-lt"/>
+                <a:ea typeface="+mn-ea"/>
+                <a:cs typeface="+mn-cs"/>
+              </a:defRPr>
+            </a:lvl8pPr>
+            <a:lvl9pPr marL="3657600" indent="0" algn="ctr" defTabSz="914400" rtl="1" eaLnBrk="1" latinLnBrk="0" hangingPunct="1">
+              <a:lnSpc>
+                <a:spcPct val="90000"/>
+              </a:lnSpc>
+              <a:spcBef>
+                <a:spcPct val="20000"/>
+              </a:spcBef>
+              <a:buFont typeface="Arial" panose="020B0604020202020204" pitchFamily="34" charset="0"/>
+              <a:buNone/>
+              <a:defRPr sz="2000" kern="1200">
+                <a:solidFill>
+                  <a:schemeClr val="tx1">
+                    <a:tint val="75000"/>
+                  </a:schemeClr>
+                </a:solidFill>
+                <a:latin typeface="+mn-lt"/>
+                <a:ea typeface="+mn-ea"/>
+                <a:cs typeface="+mn-cs"/>
+              </a:defRPr>
+            </a:lvl9pPr>
+          </a:lstStyle>
+          <a:p>
+            <a:pPr algn="l" rtl="0"/>
+            <a:r>
+              <a:rPr lang="en-US" sz="2400" dirty="0">
+                <a:solidFill>
+                  <a:schemeClr val="tx1"/>
+                </a:solidFill>
+              </a:rPr>
+              <a:t>2</a:t>
+            </a:r>
+          </a:p>
+        </p:txBody>
+      </p:sp>
+    </p:spTree>
+    <p:extLst>
+      <p:ext uri="{BB962C8B-B14F-4D97-AF65-F5344CB8AC3E}">
+        <p14:creationId xmlns:p14="http://schemas.microsoft.com/office/powerpoint/2010/main" val="1418172428"/>
+      </p:ext>
+    </p:extLst>
+  </p:cSld>
+  <p:clrMapOvr>
+    <a:masterClrMapping/>
+  </p:clrMapOvr>
+</p:sld>
+</file>
+
+<file path=ppt/slides/slide20.xml><?xml version="1.0" encoding="utf-8"?>
 <p:sld xmlns:a="http://schemas.openxmlformats.org/drawingml/2006/main" xmlns:r="http://schemas.openxmlformats.org/officeDocument/2006/relationships" xmlns:p="http://schemas.openxmlformats.org/presentationml/2006/main">
   <p:cSld>
     <p:spTree>
@@ -12479,7 +13753,7 @@
                   <a:schemeClr val="tx1"/>
                 </a:solidFill>
               </a:rPr>
-              <a:t>19</a:t>
+              <a:t>20</a:t>
             </a:r>
           </a:p>
         </p:txBody>
@@ -12497,723 +13771,7 @@
 </p:sld>
 </file>
 
-<file path=ppt/slides/slide2.xml><?xml version="1.0" encoding="utf-8"?>
-<p:sld xmlns:a="http://schemas.openxmlformats.org/drawingml/2006/main" xmlns:r="http://schemas.openxmlformats.org/officeDocument/2006/relationships" xmlns:p="http://schemas.openxmlformats.org/presentationml/2006/main">
-  <p:cSld>
-    <p:spTree>
-      <p:nvGrpSpPr>
-        <p:cNvPr id="1" name=""/>
-        <p:cNvGrpSpPr/>
-        <p:nvPr/>
-      </p:nvGrpSpPr>
-      <p:grpSpPr>
-        <a:xfrm>
-          <a:off x="0" y="0"/>
-          <a:ext cx="0" cy="0"/>
-          <a:chOff x="0" y="0"/>
-          <a:chExt cx="0" cy="0"/>
-        </a:xfrm>
-      </p:grpSpPr>
-      <p:sp>
-        <p:nvSpPr>
-          <p:cNvPr id="8" name="Title 1">
-            <a:extLst>
-              <a:ext uri="{FF2B5EF4-FFF2-40B4-BE49-F238E27FC236}">
-                <a16:creationId xmlns:a16="http://schemas.microsoft.com/office/drawing/2014/main" id="{539B27DB-9B1D-4469-9BE6-3096C4731B09}"/>
-              </a:ext>
-            </a:extLst>
-          </p:cNvPr>
-          <p:cNvSpPr>
-            <a:spLocks noGrp="1"/>
-          </p:cNvSpPr>
-          <p:nvPr/>
-        </p:nvSpPr>
-        <p:spPr>
-          <a:xfrm>
-            <a:off x="457200" y="205583"/>
-            <a:ext cx="8229600" cy="1143000"/>
-          </a:xfrm>
-          <a:prstGeom prst="rect">
-            <a:avLst/>
-          </a:prstGeom>
-        </p:spPr>
-        <p:txBody>
-          <a:bodyPr vert="horz" lIns="91440" tIns="45720" rIns="91440" bIns="45720" rtlCol="1" anchor="ctr">
-            <a:normAutofit/>
-          </a:bodyPr>
-          <a:lstStyle>
-            <a:lvl1pPr algn="ctr" defTabSz="914400" rtl="0" eaLnBrk="1" latinLnBrk="0" hangingPunct="1">
-              <a:spcBef>
-                <a:spcPct val="0"/>
-              </a:spcBef>
-              <a:buNone/>
-              <a:defRPr sz="4400" kern="1200">
-                <a:solidFill>
-                  <a:schemeClr val="tx1"/>
-                </a:solidFill>
-                <a:latin typeface="+mj-lt"/>
-                <a:ea typeface="+mj-ea"/>
-                <a:cs typeface="+mj-cs"/>
-              </a:defRPr>
-            </a:lvl1pPr>
-          </a:lstStyle>
-          <a:p>
-            <a:r>
-              <a:rPr lang="en-US" dirty="0">
-                <a:solidFill>
-                  <a:srgbClr val="002060"/>
-                </a:solidFill>
-                <a:latin typeface="Calibri"/>
-              </a:rPr>
-              <a:t>Outline</a:t>
-            </a:r>
-            <a:endParaRPr lang="he-IL" dirty="0">
-              <a:solidFill>
-                <a:srgbClr val="002060"/>
-              </a:solidFill>
-              <a:latin typeface="Calibri"/>
-            </a:endParaRPr>
-          </a:p>
-        </p:txBody>
-      </p:sp>
-      <p:sp>
-        <p:nvSpPr>
-          <p:cNvPr id="10" name="Content Placeholder 2">
-            <a:extLst>
-              <a:ext uri="{FF2B5EF4-FFF2-40B4-BE49-F238E27FC236}">
-                <a16:creationId xmlns:a16="http://schemas.microsoft.com/office/drawing/2014/main" id="{DBD21293-DC2A-4265-BE88-3FC84347FDD8}"/>
-              </a:ext>
-            </a:extLst>
-          </p:cNvPr>
-          <p:cNvSpPr>
-            <a:spLocks noGrp="1"/>
-          </p:cNvSpPr>
-          <p:nvPr/>
-        </p:nvSpPr>
-        <p:spPr>
-          <a:xfrm>
-            <a:off x="457200" y="1531146"/>
-            <a:ext cx="8229600" cy="4525963"/>
-          </a:xfrm>
-          <a:prstGeom prst="rect">
-            <a:avLst/>
-          </a:prstGeom>
-        </p:spPr>
-        <p:txBody>
-          <a:bodyPr vert="horz" lIns="91440" tIns="45720" rIns="91440" bIns="45720" rtlCol="1">
-            <a:normAutofit/>
-          </a:bodyPr>
-          <a:lstStyle>
-            <a:lvl1pPr marL="342900" indent="-342900" algn="l" defTabSz="914400" rtl="0" eaLnBrk="1" latinLnBrk="0" hangingPunct="1">
-              <a:spcBef>
-                <a:spcPct val="20000"/>
-              </a:spcBef>
-              <a:buFont typeface="Arial" panose="020B0604020202020204" pitchFamily="34" charset="0"/>
-              <a:buChar char="•"/>
-              <a:defRPr sz="3200" kern="1200">
-                <a:solidFill>
-                  <a:schemeClr val="tx1"/>
-                </a:solidFill>
-                <a:latin typeface="+mn-lt"/>
-                <a:ea typeface="+mn-ea"/>
-                <a:cs typeface="+mn-cs"/>
-              </a:defRPr>
-            </a:lvl1pPr>
-            <a:lvl2pPr marL="742950" indent="-285750" algn="l" defTabSz="914400" rtl="0" eaLnBrk="1" latinLnBrk="0" hangingPunct="1">
-              <a:spcBef>
-                <a:spcPct val="20000"/>
-              </a:spcBef>
-              <a:buFont typeface="Arial" panose="020B0604020202020204" pitchFamily="34" charset="0"/>
-              <a:buChar char="–"/>
-              <a:defRPr sz="2800" kern="1200">
-                <a:solidFill>
-                  <a:schemeClr val="tx1"/>
-                </a:solidFill>
-                <a:latin typeface="+mn-lt"/>
-                <a:ea typeface="+mn-ea"/>
-                <a:cs typeface="+mn-cs"/>
-              </a:defRPr>
-            </a:lvl2pPr>
-            <a:lvl3pPr marL="1143000" indent="-228600" algn="l" defTabSz="914400" rtl="0" eaLnBrk="1" latinLnBrk="0" hangingPunct="1">
-              <a:spcBef>
-                <a:spcPct val="20000"/>
-              </a:spcBef>
-              <a:buFont typeface="Arial" panose="020B0604020202020204" pitchFamily="34" charset="0"/>
-              <a:buChar char="•"/>
-              <a:defRPr sz="2400" kern="1200">
-                <a:solidFill>
-                  <a:schemeClr val="tx1"/>
-                </a:solidFill>
-                <a:latin typeface="+mn-lt"/>
-                <a:ea typeface="+mn-ea"/>
-                <a:cs typeface="+mn-cs"/>
-              </a:defRPr>
-            </a:lvl3pPr>
-            <a:lvl4pPr marL="1600200" indent="-228600" algn="l" defTabSz="914400" rtl="0" eaLnBrk="1" latinLnBrk="0" hangingPunct="1">
-              <a:spcBef>
-                <a:spcPct val="20000"/>
-              </a:spcBef>
-              <a:buFont typeface="Arial" panose="020B0604020202020204" pitchFamily="34" charset="0"/>
-              <a:buChar char="–"/>
-              <a:defRPr sz="2000" kern="1200">
-                <a:solidFill>
-                  <a:schemeClr val="tx1"/>
-                </a:solidFill>
-                <a:latin typeface="+mn-lt"/>
-                <a:ea typeface="+mn-ea"/>
-                <a:cs typeface="+mn-cs"/>
-              </a:defRPr>
-            </a:lvl4pPr>
-            <a:lvl5pPr marL="2057400" indent="-228600" algn="l" defTabSz="914400" rtl="0" eaLnBrk="1" latinLnBrk="0" hangingPunct="1">
-              <a:spcBef>
-                <a:spcPct val="20000"/>
-              </a:spcBef>
-              <a:buFont typeface="Arial" panose="020B0604020202020204" pitchFamily="34" charset="0"/>
-              <a:buChar char="»"/>
-              <a:defRPr sz="2000" kern="1200">
-                <a:solidFill>
-                  <a:schemeClr val="tx1"/>
-                </a:solidFill>
-                <a:latin typeface="+mn-lt"/>
-                <a:ea typeface="+mn-ea"/>
-                <a:cs typeface="+mn-cs"/>
-              </a:defRPr>
-            </a:lvl5pPr>
-            <a:lvl6pPr marL="2514600" indent="-228600" algn="r" defTabSz="914400" rtl="1" eaLnBrk="1" latinLnBrk="0" hangingPunct="1">
-              <a:spcBef>
-                <a:spcPct val="20000"/>
-              </a:spcBef>
-              <a:buFont typeface="Arial" panose="020B0604020202020204" pitchFamily="34" charset="0"/>
-              <a:buChar char="•"/>
-              <a:defRPr sz="2000" kern="1200">
-                <a:solidFill>
-                  <a:schemeClr val="tx1"/>
-                </a:solidFill>
-                <a:latin typeface="+mn-lt"/>
-                <a:ea typeface="+mn-ea"/>
-                <a:cs typeface="+mn-cs"/>
-              </a:defRPr>
-            </a:lvl6pPr>
-            <a:lvl7pPr marL="2971800" indent="-228600" algn="r" defTabSz="914400" rtl="1" eaLnBrk="1" latinLnBrk="0" hangingPunct="1">
-              <a:spcBef>
-                <a:spcPct val="20000"/>
-              </a:spcBef>
-              <a:buFont typeface="Arial" panose="020B0604020202020204" pitchFamily="34" charset="0"/>
-              <a:buChar char="•"/>
-              <a:defRPr sz="2000" kern="1200">
-                <a:solidFill>
-                  <a:schemeClr val="tx1"/>
-                </a:solidFill>
-                <a:latin typeface="+mn-lt"/>
-                <a:ea typeface="+mn-ea"/>
-                <a:cs typeface="+mn-cs"/>
-              </a:defRPr>
-            </a:lvl7pPr>
-            <a:lvl8pPr marL="3429000" indent="-228600" algn="r" defTabSz="914400" rtl="1" eaLnBrk="1" latinLnBrk="0" hangingPunct="1">
-              <a:spcBef>
-                <a:spcPct val="20000"/>
-              </a:spcBef>
-              <a:buFont typeface="Arial" panose="020B0604020202020204" pitchFamily="34" charset="0"/>
-              <a:buChar char="•"/>
-              <a:defRPr sz="2000" kern="1200">
-                <a:solidFill>
-                  <a:schemeClr val="tx1"/>
-                </a:solidFill>
-                <a:latin typeface="+mn-lt"/>
-                <a:ea typeface="+mn-ea"/>
-                <a:cs typeface="+mn-cs"/>
-              </a:defRPr>
-            </a:lvl8pPr>
-            <a:lvl9pPr marL="3886200" indent="-228600" algn="r" defTabSz="914400" rtl="1" eaLnBrk="1" latinLnBrk="0" hangingPunct="1">
-              <a:spcBef>
-                <a:spcPct val="20000"/>
-              </a:spcBef>
-              <a:buFont typeface="Arial" panose="020B0604020202020204" pitchFamily="34" charset="0"/>
-              <a:buChar char="•"/>
-              <a:defRPr sz="2000" kern="1200">
-                <a:solidFill>
-                  <a:schemeClr val="tx1"/>
-                </a:solidFill>
-                <a:latin typeface="+mn-lt"/>
-                <a:ea typeface="+mn-ea"/>
-                <a:cs typeface="+mn-cs"/>
-              </a:defRPr>
-            </a:lvl9pPr>
-          </a:lstStyle>
-          <a:p>
-            <a:r>
-              <a:rPr lang="en-US" sz="2800" dirty="0">
-                <a:solidFill>
-                  <a:srgbClr val="002060"/>
-                </a:solidFill>
-              </a:rPr>
-              <a:t>Project Goal</a:t>
-            </a:r>
-          </a:p>
-          <a:p>
-            <a:r>
-              <a:rPr lang="en-US" sz="2800" dirty="0">
-                <a:solidFill>
-                  <a:srgbClr val="002060"/>
-                </a:solidFill>
-              </a:rPr>
-              <a:t>Background</a:t>
-            </a:r>
-          </a:p>
-          <a:p>
-            <a:r>
-              <a:rPr lang="en-US" sz="2800" dirty="0">
-                <a:solidFill>
-                  <a:srgbClr val="002060"/>
-                </a:solidFill>
-              </a:rPr>
-              <a:t>Literature Survey</a:t>
-            </a:r>
-          </a:p>
-          <a:p>
-            <a:r>
-              <a:rPr lang="en-US" sz="2800" dirty="0">
-                <a:solidFill>
-                  <a:srgbClr val="002060"/>
-                </a:solidFill>
-              </a:rPr>
-              <a:t>Chosen Solution</a:t>
-            </a:r>
-          </a:p>
-          <a:p>
-            <a:r>
-              <a:rPr lang="en-US" sz="2800" dirty="0">
-                <a:solidFill>
-                  <a:srgbClr val="002060"/>
-                </a:solidFill>
-              </a:rPr>
-              <a:t>Conclusions</a:t>
-            </a:r>
-          </a:p>
-          <a:p>
-            <a:r>
-              <a:rPr lang="en-US" sz="2800" dirty="0">
-                <a:solidFill>
-                  <a:srgbClr val="002060"/>
-                </a:solidFill>
-              </a:rPr>
-              <a:t>Future Work</a:t>
-            </a:r>
-          </a:p>
-          <a:p>
-            <a:endParaRPr lang="en-US" sz="2800" dirty="0">
-              <a:solidFill>
-                <a:srgbClr val="002060"/>
-              </a:solidFill>
-            </a:endParaRPr>
-          </a:p>
-          <a:p>
-            <a:endParaRPr lang="he-IL" sz="2800" dirty="0">
-              <a:solidFill>
-                <a:srgbClr val="002060"/>
-              </a:solidFill>
-            </a:endParaRPr>
-          </a:p>
-        </p:txBody>
-      </p:sp>
-      <p:sp>
-        <p:nvSpPr>
-          <p:cNvPr id="12" name="Slide Number Placeholder 4">
-            <a:extLst>
-              <a:ext uri="{FF2B5EF4-FFF2-40B4-BE49-F238E27FC236}">
-                <a16:creationId xmlns:a16="http://schemas.microsoft.com/office/drawing/2014/main" id="{B023802F-B8AD-4425-AF95-8D483ECA494C}"/>
-              </a:ext>
-            </a:extLst>
-          </p:cNvPr>
-          <p:cNvSpPr>
-            <a:spLocks noGrp="1"/>
-          </p:cNvSpPr>
-          <p:nvPr/>
-        </p:nvSpPr>
-        <p:spPr>
-          <a:xfrm>
-            <a:off x="-866273" y="6287295"/>
-            <a:ext cx="2133600" cy="365125"/>
-          </a:xfrm>
-          <a:prstGeom prst="rect">
-            <a:avLst/>
-          </a:prstGeom>
-        </p:spPr>
-        <p:txBody>
-          <a:bodyPr vert="horz" lIns="91440" tIns="45720" rIns="91440" bIns="45720" rtlCol="1" anchor="ctr"/>
-          <a:lstStyle>
-            <a:defPPr>
-              <a:defRPr lang="en-US"/>
-            </a:defPPr>
-            <a:lvl1pPr marL="0" algn="l" defTabSz="914400" rtl="0" eaLnBrk="1" latinLnBrk="0" hangingPunct="1">
-              <a:defRPr sz="1200" kern="1200">
-                <a:solidFill>
-                  <a:schemeClr val="tx1">
-                    <a:tint val="75000"/>
-                  </a:schemeClr>
-                </a:solidFill>
-                <a:latin typeface="+mn-lt"/>
-                <a:ea typeface="+mn-ea"/>
-                <a:cs typeface="+mn-cs"/>
-              </a:defRPr>
-            </a:lvl1pPr>
-            <a:lvl2pPr marL="457200" algn="l" defTabSz="914400" rtl="0" eaLnBrk="1" latinLnBrk="0" hangingPunct="1">
-              <a:defRPr sz="1800" kern="1200">
-                <a:solidFill>
-                  <a:schemeClr val="tx1"/>
-                </a:solidFill>
-                <a:latin typeface="+mn-lt"/>
-                <a:ea typeface="+mn-ea"/>
-                <a:cs typeface="+mn-cs"/>
-              </a:defRPr>
-            </a:lvl2pPr>
-            <a:lvl3pPr marL="914400" algn="l" defTabSz="914400" rtl="0" eaLnBrk="1" latinLnBrk="0" hangingPunct="1">
-              <a:defRPr sz="1800" kern="1200">
-                <a:solidFill>
-                  <a:schemeClr val="tx1"/>
-                </a:solidFill>
-                <a:latin typeface="+mn-lt"/>
-                <a:ea typeface="+mn-ea"/>
-                <a:cs typeface="+mn-cs"/>
-              </a:defRPr>
-            </a:lvl3pPr>
-            <a:lvl4pPr marL="1371600" algn="l" defTabSz="914400" rtl="0" eaLnBrk="1" latinLnBrk="0" hangingPunct="1">
-              <a:defRPr sz="1800" kern="1200">
-                <a:solidFill>
-                  <a:schemeClr val="tx1"/>
-                </a:solidFill>
-                <a:latin typeface="+mn-lt"/>
-                <a:ea typeface="+mn-ea"/>
-                <a:cs typeface="+mn-cs"/>
-              </a:defRPr>
-            </a:lvl4pPr>
-            <a:lvl5pPr marL="1828800" algn="l" defTabSz="914400" rtl="0" eaLnBrk="1" latinLnBrk="0" hangingPunct="1">
-              <a:defRPr sz="1800" kern="1200">
-                <a:solidFill>
-                  <a:schemeClr val="tx1"/>
-                </a:solidFill>
-                <a:latin typeface="+mn-lt"/>
-                <a:ea typeface="+mn-ea"/>
-                <a:cs typeface="+mn-cs"/>
-              </a:defRPr>
-            </a:lvl5pPr>
-            <a:lvl6pPr marL="2286000" algn="l" defTabSz="914400" rtl="0" eaLnBrk="1" latinLnBrk="0" hangingPunct="1">
-              <a:defRPr sz="1800" kern="1200">
-                <a:solidFill>
-                  <a:schemeClr val="tx1"/>
-                </a:solidFill>
-                <a:latin typeface="+mn-lt"/>
-                <a:ea typeface="+mn-ea"/>
-                <a:cs typeface="+mn-cs"/>
-              </a:defRPr>
-            </a:lvl6pPr>
-            <a:lvl7pPr marL="2743200" algn="l" defTabSz="914400" rtl="0" eaLnBrk="1" latinLnBrk="0" hangingPunct="1">
-              <a:defRPr sz="1800" kern="1200">
-                <a:solidFill>
-                  <a:schemeClr val="tx1"/>
-                </a:solidFill>
-                <a:latin typeface="+mn-lt"/>
-                <a:ea typeface="+mn-ea"/>
-                <a:cs typeface="+mn-cs"/>
-              </a:defRPr>
-            </a:lvl7pPr>
-            <a:lvl8pPr marL="3200400" algn="l" defTabSz="914400" rtl="0" eaLnBrk="1" latinLnBrk="0" hangingPunct="1">
-              <a:defRPr sz="1800" kern="1200">
-                <a:solidFill>
-                  <a:schemeClr val="tx1"/>
-                </a:solidFill>
-                <a:latin typeface="+mn-lt"/>
-                <a:ea typeface="+mn-ea"/>
-                <a:cs typeface="+mn-cs"/>
-              </a:defRPr>
-            </a:lvl8pPr>
-            <a:lvl9pPr marL="3657600" algn="l" defTabSz="914400" rtl="0" eaLnBrk="1" latinLnBrk="0" hangingPunct="1">
-              <a:defRPr sz="1800" kern="1200">
-                <a:solidFill>
-                  <a:schemeClr val="tx1"/>
-                </a:solidFill>
-                <a:latin typeface="+mn-lt"/>
-                <a:ea typeface="+mn-ea"/>
-                <a:cs typeface="+mn-cs"/>
-              </a:defRPr>
-            </a:lvl9pPr>
-          </a:lstStyle>
-          <a:p>
-            <a:fld id="{B01D9778-10B4-40FB-B4E4-44FA89A86639}" type="slidenum">
-              <a:rPr lang="en-US"/>
-              <a:pPr/>
-              <a:t>2</a:t>
-            </a:fld>
-            <a:endParaRPr lang="en-US"/>
-          </a:p>
-        </p:txBody>
-      </p:sp>
-      <p:pic>
-        <p:nvPicPr>
-          <p:cNvPr id="4" name="תמונה 3">
-            <a:extLst>
-              <a:ext uri="{FF2B5EF4-FFF2-40B4-BE49-F238E27FC236}">
-                <a16:creationId xmlns:a16="http://schemas.microsoft.com/office/drawing/2014/main" id="{96E68B6B-60D2-4D8F-9DC7-7F3328F9C279}"/>
-              </a:ext>
-            </a:extLst>
-          </p:cNvPr>
-          <p:cNvPicPr>
-            <a:picLocks noChangeAspect="1"/>
-          </p:cNvPicPr>
-          <p:nvPr/>
-        </p:nvPicPr>
-        <p:blipFill>
-          <a:blip r:embed="rId2"/>
-          <a:stretch>
-            <a:fillRect/>
-          </a:stretch>
-        </p:blipFill>
-        <p:spPr>
-          <a:xfrm>
-            <a:off x="4081462" y="6505575"/>
-            <a:ext cx="981075" cy="352425"/>
-          </a:xfrm>
-          <a:prstGeom prst="rect">
-            <a:avLst/>
-          </a:prstGeom>
-        </p:spPr>
-      </p:pic>
-      <p:sp>
-        <p:nvSpPr>
-          <p:cNvPr id="5" name="Subtitle 2">
-            <a:extLst>
-              <a:ext uri="{FF2B5EF4-FFF2-40B4-BE49-F238E27FC236}">
-                <a16:creationId xmlns:a16="http://schemas.microsoft.com/office/drawing/2014/main" id="{B4196659-4A84-4C3E-9873-58E0D18A5F80}"/>
-              </a:ext>
-            </a:extLst>
-          </p:cNvPr>
-          <p:cNvSpPr txBox="1">
-            <a:spLocks/>
-          </p:cNvSpPr>
-          <p:nvPr/>
-        </p:nvSpPr>
-        <p:spPr>
-          <a:xfrm>
-            <a:off x="8562669" y="6359024"/>
-            <a:ext cx="469038" cy="498976"/>
-          </a:xfrm>
-          <a:prstGeom prst="rect">
-            <a:avLst/>
-          </a:prstGeom>
-        </p:spPr>
-        <p:txBody>
-          <a:bodyPr vert="horz" lIns="91440" tIns="45720" rIns="91440" bIns="45720" rtlCol="1" anchor="t">
-            <a:noAutofit/>
-          </a:bodyPr>
-          <a:lstStyle>
-            <a:lvl1pPr marL="0" indent="0" algn="ctr" defTabSz="914400" rtl="1" eaLnBrk="1" latinLnBrk="0" hangingPunct="1">
-              <a:lnSpc>
-                <a:spcPct val="90000"/>
-              </a:lnSpc>
-              <a:spcBef>
-                <a:spcPct val="20000"/>
-              </a:spcBef>
-              <a:buFont typeface="Arial" panose="020B0604020202020204" pitchFamily="34" charset="0"/>
-              <a:buNone/>
-              <a:defRPr sz="3200" kern="1200">
-                <a:solidFill>
-                  <a:schemeClr val="tx1">
-                    <a:tint val="75000"/>
-                  </a:schemeClr>
-                </a:solidFill>
-                <a:latin typeface="+mn-lt"/>
-                <a:ea typeface="+mn-ea"/>
-                <a:cs typeface="+mn-cs"/>
-              </a:defRPr>
-            </a:lvl1pPr>
-            <a:lvl2pPr marL="457200" indent="0" algn="ctr" defTabSz="914400" rtl="1" eaLnBrk="1" latinLnBrk="0" hangingPunct="1">
-              <a:lnSpc>
-                <a:spcPct val="90000"/>
-              </a:lnSpc>
-              <a:spcBef>
-                <a:spcPct val="20000"/>
-              </a:spcBef>
-              <a:buFont typeface="Arial" panose="020B0604020202020204" pitchFamily="34" charset="0"/>
-              <a:buNone/>
-              <a:defRPr sz="2800" kern="1200">
-                <a:solidFill>
-                  <a:schemeClr val="tx1">
-                    <a:tint val="75000"/>
-                  </a:schemeClr>
-                </a:solidFill>
-                <a:latin typeface="+mn-lt"/>
-                <a:ea typeface="+mn-ea"/>
-                <a:cs typeface="+mn-cs"/>
-              </a:defRPr>
-            </a:lvl2pPr>
-            <a:lvl3pPr marL="914400" indent="0" algn="ctr" defTabSz="914400" rtl="1" eaLnBrk="1" latinLnBrk="0" hangingPunct="1">
-              <a:lnSpc>
-                <a:spcPct val="90000"/>
-              </a:lnSpc>
-              <a:spcBef>
-                <a:spcPct val="20000"/>
-              </a:spcBef>
-              <a:buFont typeface="Arial" panose="020B0604020202020204" pitchFamily="34" charset="0"/>
-              <a:buNone/>
-              <a:defRPr sz="2400" kern="1200">
-                <a:solidFill>
-                  <a:schemeClr val="tx1">
-                    <a:tint val="75000"/>
-                  </a:schemeClr>
-                </a:solidFill>
-                <a:latin typeface="+mn-lt"/>
-                <a:ea typeface="+mn-ea"/>
-                <a:cs typeface="+mn-cs"/>
-              </a:defRPr>
-            </a:lvl3pPr>
-            <a:lvl4pPr marL="1371600" indent="0" algn="ctr" defTabSz="914400" rtl="1" eaLnBrk="1" latinLnBrk="0" hangingPunct="1">
-              <a:lnSpc>
-                <a:spcPct val="90000"/>
-              </a:lnSpc>
-              <a:spcBef>
-                <a:spcPct val="20000"/>
-              </a:spcBef>
-              <a:buFont typeface="Arial" panose="020B0604020202020204" pitchFamily="34" charset="0"/>
-              <a:buNone/>
-              <a:defRPr sz="2000" kern="1200">
-                <a:solidFill>
-                  <a:schemeClr val="tx1">
-                    <a:tint val="75000"/>
-                  </a:schemeClr>
-                </a:solidFill>
-                <a:latin typeface="+mn-lt"/>
-                <a:ea typeface="+mn-ea"/>
-                <a:cs typeface="+mn-cs"/>
-              </a:defRPr>
-            </a:lvl4pPr>
-            <a:lvl5pPr marL="1828800" indent="0" algn="ctr" defTabSz="914400" rtl="1" eaLnBrk="1" latinLnBrk="0" hangingPunct="1">
-              <a:lnSpc>
-                <a:spcPct val="90000"/>
-              </a:lnSpc>
-              <a:spcBef>
-                <a:spcPct val="20000"/>
-              </a:spcBef>
-              <a:buFont typeface="Arial" panose="020B0604020202020204" pitchFamily="34" charset="0"/>
-              <a:buNone/>
-              <a:defRPr sz="2000" kern="1200">
-                <a:solidFill>
-                  <a:schemeClr val="tx1">
-                    <a:tint val="75000"/>
-                  </a:schemeClr>
-                </a:solidFill>
-                <a:latin typeface="+mn-lt"/>
-                <a:ea typeface="+mn-ea"/>
-                <a:cs typeface="+mn-cs"/>
-              </a:defRPr>
-            </a:lvl5pPr>
-            <a:lvl6pPr marL="2286000" indent="0" algn="ctr" defTabSz="914400" rtl="1" eaLnBrk="1" latinLnBrk="0" hangingPunct="1">
-              <a:lnSpc>
-                <a:spcPct val="90000"/>
-              </a:lnSpc>
-              <a:spcBef>
-                <a:spcPct val="20000"/>
-              </a:spcBef>
-              <a:buFont typeface="Arial" panose="020B0604020202020204" pitchFamily="34" charset="0"/>
-              <a:buNone/>
-              <a:defRPr sz="2000" kern="1200">
-                <a:solidFill>
-                  <a:schemeClr val="tx1">
-                    <a:tint val="75000"/>
-                  </a:schemeClr>
-                </a:solidFill>
-                <a:latin typeface="+mn-lt"/>
-                <a:ea typeface="+mn-ea"/>
-                <a:cs typeface="+mn-cs"/>
-              </a:defRPr>
-            </a:lvl6pPr>
-            <a:lvl7pPr marL="2743200" indent="0" algn="ctr" defTabSz="914400" rtl="1" eaLnBrk="1" latinLnBrk="0" hangingPunct="1">
-              <a:lnSpc>
-                <a:spcPct val="90000"/>
-              </a:lnSpc>
-              <a:spcBef>
-                <a:spcPct val="20000"/>
-              </a:spcBef>
-              <a:buFont typeface="Arial" panose="020B0604020202020204" pitchFamily="34" charset="0"/>
-              <a:buNone/>
-              <a:defRPr sz="2000" kern="1200">
-                <a:solidFill>
-                  <a:schemeClr val="tx1">
-                    <a:tint val="75000"/>
-                  </a:schemeClr>
-                </a:solidFill>
-                <a:latin typeface="+mn-lt"/>
-                <a:ea typeface="+mn-ea"/>
-                <a:cs typeface="+mn-cs"/>
-              </a:defRPr>
-            </a:lvl7pPr>
-            <a:lvl8pPr marL="3200400" indent="0" algn="ctr" defTabSz="914400" rtl="1" eaLnBrk="1" latinLnBrk="0" hangingPunct="1">
-              <a:lnSpc>
-                <a:spcPct val="90000"/>
-              </a:lnSpc>
-              <a:spcBef>
-                <a:spcPct val="20000"/>
-              </a:spcBef>
-              <a:buFont typeface="Arial" panose="020B0604020202020204" pitchFamily="34" charset="0"/>
-              <a:buNone/>
-              <a:defRPr sz="2000" kern="1200">
-                <a:solidFill>
-                  <a:schemeClr val="tx1">
-                    <a:tint val="75000"/>
-                  </a:schemeClr>
-                </a:solidFill>
-                <a:latin typeface="+mn-lt"/>
-                <a:ea typeface="+mn-ea"/>
-                <a:cs typeface="+mn-cs"/>
-              </a:defRPr>
-            </a:lvl8pPr>
-            <a:lvl9pPr marL="3657600" indent="0" algn="ctr" defTabSz="914400" rtl="1" eaLnBrk="1" latinLnBrk="0" hangingPunct="1">
-              <a:lnSpc>
-                <a:spcPct val="90000"/>
-              </a:lnSpc>
-              <a:spcBef>
-                <a:spcPct val="20000"/>
-              </a:spcBef>
-              <a:buFont typeface="Arial" panose="020B0604020202020204" pitchFamily="34" charset="0"/>
-              <a:buNone/>
-              <a:defRPr sz="2000" kern="1200">
-                <a:solidFill>
-                  <a:schemeClr val="tx1">
-                    <a:tint val="75000"/>
-                  </a:schemeClr>
-                </a:solidFill>
-                <a:latin typeface="+mn-lt"/>
-                <a:ea typeface="+mn-ea"/>
-                <a:cs typeface="+mn-cs"/>
-              </a:defRPr>
-            </a:lvl9pPr>
-          </a:lstStyle>
-          <a:p>
-            <a:pPr algn="l" rtl="0"/>
-            <a:r>
-              <a:rPr lang="en-US" sz="2400" dirty="0">
-                <a:solidFill>
-                  <a:schemeClr val="tx1"/>
-                </a:solidFill>
-              </a:rPr>
-              <a:t>2</a:t>
-            </a:r>
-          </a:p>
-        </p:txBody>
-      </p:sp>
-    </p:spTree>
-    <p:extLst>
-      <p:ext uri="{BB962C8B-B14F-4D97-AF65-F5344CB8AC3E}">
-        <p14:creationId xmlns:p14="http://schemas.microsoft.com/office/powerpoint/2010/main" val="1418172428"/>
-      </p:ext>
-    </p:extLst>
-  </p:cSld>
-  <p:clrMapOvr>
-    <a:masterClrMapping/>
-  </p:clrMapOvr>
-</p:sld>
-</file>
-
-<file path=ppt/slides/slide20.xml><?xml version="1.0" encoding="utf-8"?>
+<file path=ppt/slides/slide21.xml><?xml version="1.0" encoding="utf-8"?>
 <p:sld xmlns:a="http://schemas.openxmlformats.org/drawingml/2006/main" xmlns:r="http://schemas.openxmlformats.org/officeDocument/2006/relationships" xmlns:p="http://schemas.openxmlformats.org/presentationml/2006/main">
   <p:cSld>
     <p:spTree>
@@ -13568,7 +14126,7 @@
                   <a:schemeClr val="tx1"/>
                 </a:solidFill>
               </a:rPr>
-              <a:t>20</a:t>
+              <a:t>21</a:t>
             </a:r>
           </a:p>
         </p:txBody>
@@ -13586,7 +14144,7 @@
 </p:sld>
 </file>
 
-<file path=ppt/slides/slide21.xml><?xml version="1.0" encoding="utf-8"?>
+<file path=ppt/slides/slide22.xml><?xml version="1.0" encoding="utf-8"?>
 <p:sld xmlns:a="http://schemas.openxmlformats.org/drawingml/2006/main" xmlns:r="http://schemas.openxmlformats.org/officeDocument/2006/relationships" xmlns:p="http://schemas.openxmlformats.org/presentationml/2006/main">
   <p:cSld>
     <p:bg>
@@ -13985,7 +14543,7 @@
           <p:nvPr/>
         </p:nvPicPr>
         <p:blipFill>
-          <a:blip r:embed="rId2"/>
+          <a:blip r:embed="rId3"/>
           <a:stretch>
             <a:fillRect/>
           </a:stretch>
@@ -15070,6 +15628,757 @@
           <p:cNvPr id="2" name="כותרת 1">
             <a:extLst>
               <a:ext uri="{FF2B5EF4-FFF2-40B4-BE49-F238E27FC236}">
+                <a16:creationId xmlns:a16="http://schemas.microsoft.com/office/drawing/2014/main" id="{502216E2-FCD0-4FDA-8FBC-1A0E067E71CF}"/>
+              </a:ext>
+            </a:extLst>
+          </p:cNvPr>
+          <p:cNvSpPr>
+            <a:spLocks noGrp="1"/>
+          </p:cNvSpPr>
+          <p:nvPr>
+            <p:ph type="title"/>
+          </p:nvPr>
+        </p:nvSpPr>
+        <p:spPr/>
+        <p:txBody>
+          <a:bodyPr/>
+          <a:lstStyle/>
+          <a:p>
+            <a:pPr algn="ctr"/>
+            <a:r>
+              <a:rPr lang="en-US" dirty="0">
+                <a:solidFill>
+                  <a:srgbClr val="002060"/>
+                </a:solidFill>
+                <a:latin typeface="Calibri"/>
+              </a:rPr>
+              <a:t>Our Solution</a:t>
+            </a:r>
+            <a:br>
+              <a:rPr lang="en-US" dirty="0">
+                <a:solidFill>
+                  <a:srgbClr val="002060"/>
+                </a:solidFill>
+                <a:latin typeface="Calibri"/>
+              </a:rPr>
+            </a:br>
+            <a:r>
+              <a:rPr lang="en-US" dirty="0">
+                <a:solidFill>
+                  <a:srgbClr val="002060"/>
+                </a:solidFill>
+                <a:latin typeface="Calibri"/>
+              </a:rPr>
+              <a:t>block diagram</a:t>
+            </a:r>
+            <a:endParaRPr lang="he-IL" dirty="0">
+              <a:solidFill>
+                <a:srgbClr val="002060"/>
+              </a:solidFill>
+              <a:latin typeface="Calibri"/>
+            </a:endParaRPr>
+          </a:p>
+        </p:txBody>
+      </p:sp>
+      <p:pic>
+        <p:nvPicPr>
+          <p:cNvPr id="6" name="תמונה 5">
+            <a:extLst>
+              <a:ext uri="{FF2B5EF4-FFF2-40B4-BE49-F238E27FC236}">
+                <a16:creationId xmlns:a16="http://schemas.microsoft.com/office/drawing/2014/main" id="{8B02859A-C12F-494B-A1A0-5C66A4A43698}"/>
+              </a:ext>
+            </a:extLst>
+          </p:cNvPr>
+          <p:cNvPicPr/>
+          <p:nvPr/>
+        </p:nvPicPr>
+        <p:blipFill>
+          <a:blip r:embed="rId2"/>
+          <a:stretch>
+            <a:fillRect/>
+          </a:stretch>
+        </p:blipFill>
+        <p:spPr>
+          <a:xfrm>
+            <a:off x="464391" y="1604192"/>
+            <a:ext cx="7886699" cy="5080814"/>
+          </a:xfrm>
+          <a:prstGeom prst="rect">
+            <a:avLst/>
+          </a:prstGeom>
+        </p:spPr>
+      </p:pic>
+      <p:sp>
+        <p:nvSpPr>
+          <p:cNvPr id="8" name="Subtitle 2">
+            <a:extLst>
+              <a:ext uri="{FF2B5EF4-FFF2-40B4-BE49-F238E27FC236}">
+                <a16:creationId xmlns:a16="http://schemas.microsoft.com/office/drawing/2014/main" id="{F57EC1FF-9DE3-417C-9BFA-832CC7AF438B}"/>
+              </a:ext>
+            </a:extLst>
+          </p:cNvPr>
+          <p:cNvSpPr txBox="1">
+            <a:spLocks/>
+          </p:cNvSpPr>
+          <p:nvPr/>
+        </p:nvSpPr>
+        <p:spPr>
+          <a:xfrm>
+            <a:off x="8562669" y="6359024"/>
+            <a:ext cx="469038" cy="498976"/>
+          </a:xfrm>
+          <a:prstGeom prst="rect">
+            <a:avLst/>
+          </a:prstGeom>
+        </p:spPr>
+        <p:txBody>
+          <a:bodyPr vert="horz" lIns="91440" tIns="45720" rIns="91440" bIns="45720" rtlCol="1" anchor="t">
+            <a:noAutofit/>
+          </a:bodyPr>
+          <a:lstStyle>
+            <a:lvl1pPr marL="0" indent="0" algn="ctr" defTabSz="914400" rtl="1" eaLnBrk="1" latinLnBrk="0" hangingPunct="1">
+              <a:lnSpc>
+                <a:spcPct val="90000"/>
+              </a:lnSpc>
+              <a:spcBef>
+                <a:spcPct val="20000"/>
+              </a:spcBef>
+              <a:buFont typeface="Arial" panose="020B0604020202020204" pitchFamily="34" charset="0"/>
+              <a:buNone/>
+              <a:defRPr sz="3200" kern="1200">
+                <a:solidFill>
+                  <a:schemeClr val="tx1">
+                    <a:tint val="75000"/>
+                  </a:schemeClr>
+                </a:solidFill>
+                <a:latin typeface="+mn-lt"/>
+                <a:ea typeface="+mn-ea"/>
+                <a:cs typeface="+mn-cs"/>
+              </a:defRPr>
+            </a:lvl1pPr>
+            <a:lvl2pPr marL="457200" indent="0" algn="ctr" defTabSz="914400" rtl="1" eaLnBrk="1" latinLnBrk="0" hangingPunct="1">
+              <a:lnSpc>
+                <a:spcPct val="90000"/>
+              </a:lnSpc>
+              <a:spcBef>
+                <a:spcPct val="20000"/>
+              </a:spcBef>
+              <a:buFont typeface="Arial" panose="020B0604020202020204" pitchFamily="34" charset="0"/>
+              <a:buNone/>
+              <a:defRPr sz="2800" kern="1200">
+                <a:solidFill>
+                  <a:schemeClr val="tx1">
+                    <a:tint val="75000"/>
+                  </a:schemeClr>
+                </a:solidFill>
+                <a:latin typeface="+mn-lt"/>
+                <a:ea typeface="+mn-ea"/>
+                <a:cs typeface="+mn-cs"/>
+              </a:defRPr>
+            </a:lvl2pPr>
+            <a:lvl3pPr marL="914400" indent="0" algn="ctr" defTabSz="914400" rtl="1" eaLnBrk="1" latinLnBrk="0" hangingPunct="1">
+              <a:lnSpc>
+                <a:spcPct val="90000"/>
+              </a:lnSpc>
+              <a:spcBef>
+                <a:spcPct val="20000"/>
+              </a:spcBef>
+              <a:buFont typeface="Arial" panose="020B0604020202020204" pitchFamily="34" charset="0"/>
+              <a:buNone/>
+              <a:defRPr sz="2400" kern="1200">
+                <a:solidFill>
+                  <a:schemeClr val="tx1">
+                    <a:tint val="75000"/>
+                  </a:schemeClr>
+                </a:solidFill>
+                <a:latin typeface="+mn-lt"/>
+                <a:ea typeface="+mn-ea"/>
+                <a:cs typeface="+mn-cs"/>
+              </a:defRPr>
+            </a:lvl3pPr>
+            <a:lvl4pPr marL="1371600" indent="0" algn="ctr" defTabSz="914400" rtl="1" eaLnBrk="1" latinLnBrk="0" hangingPunct="1">
+              <a:lnSpc>
+                <a:spcPct val="90000"/>
+              </a:lnSpc>
+              <a:spcBef>
+                <a:spcPct val="20000"/>
+              </a:spcBef>
+              <a:buFont typeface="Arial" panose="020B0604020202020204" pitchFamily="34" charset="0"/>
+              <a:buNone/>
+              <a:defRPr sz="2000" kern="1200">
+                <a:solidFill>
+                  <a:schemeClr val="tx1">
+                    <a:tint val="75000"/>
+                  </a:schemeClr>
+                </a:solidFill>
+                <a:latin typeface="+mn-lt"/>
+                <a:ea typeface="+mn-ea"/>
+                <a:cs typeface="+mn-cs"/>
+              </a:defRPr>
+            </a:lvl4pPr>
+            <a:lvl5pPr marL="1828800" indent="0" algn="ctr" defTabSz="914400" rtl="1" eaLnBrk="1" latinLnBrk="0" hangingPunct="1">
+              <a:lnSpc>
+                <a:spcPct val="90000"/>
+              </a:lnSpc>
+              <a:spcBef>
+                <a:spcPct val="20000"/>
+              </a:spcBef>
+              <a:buFont typeface="Arial" panose="020B0604020202020204" pitchFamily="34" charset="0"/>
+              <a:buNone/>
+              <a:defRPr sz="2000" kern="1200">
+                <a:solidFill>
+                  <a:schemeClr val="tx1">
+                    <a:tint val="75000"/>
+                  </a:schemeClr>
+                </a:solidFill>
+                <a:latin typeface="+mn-lt"/>
+                <a:ea typeface="+mn-ea"/>
+                <a:cs typeface="+mn-cs"/>
+              </a:defRPr>
+            </a:lvl5pPr>
+            <a:lvl6pPr marL="2286000" indent="0" algn="ctr" defTabSz="914400" rtl="1" eaLnBrk="1" latinLnBrk="0" hangingPunct="1">
+              <a:lnSpc>
+                <a:spcPct val="90000"/>
+              </a:lnSpc>
+              <a:spcBef>
+                <a:spcPct val="20000"/>
+              </a:spcBef>
+              <a:buFont typeface="Arial" panose="020B0604020202020204" pitchFamily="34" charset="0"/>
+              <a:buNone/>
+              <a:defRPr sz="2000" kern="1200">
+                <a:solidFill>
+                  <a:schemeClr val="tx1">
+                    <a:tint val="75000"/>
+                  </a:schemeClr>
+                </a:solidFill>
+                <a:latin typeface="+mn-lt"/>
+                <a:ea typeface="+mn-ea"/>
+                <a:cs typeface="+mn-cs"/>
+              </a:defRPr>
+            </a:lvl6pPr>
+            <a:lvl7pPr marL="2743200" indent="0" algn="ctr" defTabSz="914400" rtl="1" eaLnBrk="1" latinLnBrk="0" hangingPunct="1">
+              <a:lnSpc>
+                <a:spcPct val="90000"/>
+              </a:lnSpc>
+              <a:spcBef>
+                <a:spcPct val="20000"/>
+              </a:spcBef>
+              <a:buFont typeface="Arial" panose="020B0604020202020204" pitchFamily="34" charset="0"/>
+              <a:buNone/>
+              <a:defRPr sz="2000" kern="1200">
+                <a:solidFill>
+                  <a:schemeClr val="tx1">
+                    <a:tint val="75000"/>
+                  </a:schemeClr>
+                </a:solidFill>
+                <a:latin typeface="+mn-lt"/>
+                <a:ea typeface="+mn-ea"/>
+                <a:cs typeface="+mn-cs"/>
+              </a:defRPr>
+            </a:lvl7pPr>
+            <a:lvl8pPr marL="3200400" indent="0" algn="ctr" defTabSz="914400" rtl="1" eaLnBrk="1" latinLnBrk="0" hangingPunct="1">
+              <a:lnSpc>
+                <a:spcPct val="90000"/>
+              </a:lnSpc>
+              <a:spcBef>
+                <a:spcPct val="20000"/>
+              </a:spcBef>
+              <a:buFont typeface="Arial" panose="020B0604020202020204" pitchFamily="34" charset="0"/>
+              <a:buNone/>
+              <a:defRPr sz="2000" kern="1200">
+                <a:solidFill>
+                  <a:schemeClr val="tx1">
+                    <a:tint val="75000"/>
+                  </a:schemeClr>
+                </a:solidFill>
+                <a:latin typeface="+mn-lt"/>
+                <a:ea typeface="+mn-ea"/>
+                <a:cs typeface="+mn-cs"/>
+              </a:defRPr>
+            </a:lvl8pPr>
+            <a:lvl9pPr marL="3657600" indent="0" algn="ctr" defTabSz="914400" rtl="1" eaLnBrk="1" latinLnBrk="0" hangingPunct="1">
+              <a:lnSpc>
+                <a:spcPct val="90000"/>
+              </a:lnSpc>
+              <a:spcBef>
+                <a:spcPct val="20000"/>
+              </a:spcBef>
+              <a:buFont typeface="Arial" panose="020B0604020202020204" pitchFamily="34" charset="0"/>
+              <a:buNone/>
+              <a:defRPr sz="2000" kern="1200">
+                <a:solidFill>
+                  <a:schemeClr val="tx1">
+                    <a:tint val="75000"/>
+                  </a:schemeClr>
+                </a:solidFill>
+                <a:latin typeface="+mn-lt"/>
+                <a:ea typeface="+mn-ea"/>
+                <a:cs typeface="+mn-cs"/>
+              </a:defRPr>
+            </a:lvl9pPr>
+          </a:lstStyle>
+          <a:p>
+            <a:pPr algn="l" rtl="0"/>
+            <a:r>
+              <a:rPr lang="en-US" sz="2400" dirty="0">
+                <a:solidFill>
+                  <a:schemeClr val="tx1"/>
+                </a:solidFill>
+              </a:rPr>
+              <a:t>6</a:t>
+            </a:r>
+          </a:p>
+        </p:txBody>
+      </p:sp>
+    </p:spTree>
+    <p:extLst>
+      <p:ext uri="{BB962C8B-B14F-4D97-AF65-F5344CB8AC3E}">
+        <p14:creationId xmlns:p14="http://schemas.microsoft.com/office/powerpoint/2010/main" val="308534604"/>
+      </p:ext>
+    </p:extLst>
+  </p:cSld>
+  <p:clrMapOvr>
+    <a:masterClrMapping/>
+  </p:clrMapOvr>
+</p:sld>
+</file>
+
+<file path=ppt/slides/slide7.xml><?xml version="1.0" encoding="utf-8"?>
+<p:sld xmlns:a="http://schemas.openxmlformats.org/drawingml/2006/main" xmlns:r="http://schemas.openxmlformats.org/officeDocument/2006/relationships" xmlns:p="http://schemas.openxmlformats.org/presentationml/2006/main">
+  <p:cSld>
+    <p:spTree>
+      <p:nvGrpSpPr>
+        <p:cNvPr id="1" name=""/>
+        <p:cNvGrpSpPr/>
+        <p:nvPr/>
+      </p:nvGrpSpPr>
+      <p:grpSpPr>
+        <a:xfrm>
+          <a:off x="0" y="0"/>
+          <a:ext cx="0" cy="0"/>
+          <a:chOff x="0" y="0"/>
+          <a:chExt cx="0" cy="0"/>
+        </a:xfrm>
+      </p:grpSpPr>
+      <p:sp>
+        <p:nvSpPr>
+          <p:cNvPr id="2" name="כותרת 1">
+            <a:extLst>
+              <a:ext uri="{FF2B5EF4-FFF2-40B4-BE49-F238E27FC236}">
+                <a16:creationId xmlns:a16="http://schemas.microsoft.com/office/drawing/2014/main" id="{5480E490-6E4D-4338-BB9A-E6695C515733}"/>
+              </a:ext>
+            </a:extLst>
+          </p:cNvPr>
+          <p:cNvSpPr>
+            <a:spLocks noGrp="1"/>
+          </p:cNvSpPr>
+          <p:nvPr>
+            <p:ph type="title"/>
+          </p:nvPr>
+        </p:nvSpPr>
+        <p:spPr>
+          <a:xfrm>
+            <a:off x="628650" y="-273502"/>
+            <a:ext cx="7886700" cy="1325563"/>
+          </a:xfrm>
+        </p:spPr>
+        <p:txBody>
+          <a:bodyPr/>
+          <a:lstStyle/>
+          <a:p>
+            <a:pPr algn="ctr"/>
+            <a:r>
+              <a:rPr lang="en-US" dirty="0">
+                <a:solidFill>
+                  <a:srgbClr val="002060"/>
+                </a:solidFill>
+                <a:latin typeface="Calibri"/>
+              </a:rPr>
+              <a:t>Curriculum Learning</a:t>
+            </a:r>
+          </a:p>
+        </p:txBody>
+      </p:sp>
+      <p:sp>
+        <p:nvSpPr>
+          <p:cNvPr id="3" name="מציין מיקום תוכן 2">
+            <a:extLst>
+              <a:ext uri="{FF2B5EF4-FFF2-40B4-BE49-F238E27FC236}">
+                <a16:creationId xmlns:a16="http://schemas.microsoft.com/office/drawing/2014/main" id="{4E953C7B-A8C0-430E-A2AA-272B223256CE}"/>
+              </a:ext>
+            </a:extLst>
+          </p:cNvPr>
+          <p:cNvSpPr>
+            <a:spLocks noGrp="1"/>
+          </p:cNvSpPr>
+          <p:nvPr>
+            <p:ph idx="1"/>
+          </p:nvPr>
+        </p:nvSpPr>
+        <p:spPr>
+          <a:xfrm>
+            <a:off x="628650" y="1099911"/>
+            <a:ext cx="7886700" cy="4351338"/>
+          </a:xfrm>
+        </p:spPr>
+        <p:txBody>
+          <a:bodyPr>
+            <a:normAutofit/>
+          </a:bodyPr>
+          <a:lstStyle/>
+          <a:p>
+            <a:pPr algn="l" rtl="0"/>
+            <a:r>
+              <a:rPr lang="en-US" dirty="0"/>
+              <a:t>In Training: start with easy examples, gradually increase difficulty </a:t>
+            </a:r>
+          </a:p>
+          <a:p>
+            <a:pPr algn="l" rtl="0"/>
+            <a:r>
+              <a:rPr lang="en-US" dirty="0"/>
+              <a:t>May improve the results of the network </a:t>
+            </a:r>
+          </a:p>
+          <a:p>
+            <a:pPr lvl="1" algn="l" rtl="0"/>
+            <a:r>
+              <a:rPr lang="en-US" dirty="0"/>
+              <a:t>Paper: Guy, H. (2019). “On the power of curriculum learning in training deep networks”</a:t>
+            </a:r>
+          </a:p>
+          <a:p>
+            <a:pPr lvl="1" algn="l" rtl="0"/>
+            <a:endParaRPr lang="en-US" dirty="0"/>
+          </a:p>
+          <a:p>
+            <a:pPr algn="l" rtl="0"/>
+            <a:endParaRPr lang="en-US" dirty="0"/>
+          </a:p>
+        </p:txBody>
+      </p:sp>
+      <p:pic>
+        <p:nvPicPr>
+          <p:cNvPr id="5" name="תמונה 4">
+            <a:extLst>
+              <a:ext uri="{FF2B5EF4-FFF2-40B4-BE49-F238E27FC236}">
+                <a16:creationId xmlns:a16="http://schemas.microsoft.com/office/drawing/2014/main" id="{2FF47A54-24EA-4727-A5A5-51875A32F1B2}"/>
+              </a:ext>
+            </a:extLst>
+          </p:cNvPr>
+          <p:cNvPicPr>
+            <a:picLocks noChangeAspect="1"/>
+          </p:cNvPicPr>
+          <p:nvPr/>
+        </p:nvPicPr>
+        <p:blipFill>
+          <a:blip r:embed="rId3"/>
+          <a:stretch>
+            <a:fillRect/>
+          </a:stretch>
+        </p:blipFill>
+        <p:spPr>
+          <a:xfrm>
+            <a:off x="4081462" y="6505575"/>
+            <a:ext cx="981075" cy="352425"/>
+          </a:xfrm>
+          <a:prstGeom prst="rect">
+            <a:avLst/>
+          </a:prstGeom>
+        </p:spPr>
+      </p:pic>
+      <p:sp>
+        <p:nvSpPr>
+          <p:cNvPr id="7" name="Subtitle 2">
+            <a:extLst>
+              <a:ext uri="{FF2B5EF4-FFF2-40B4-BE49-F238E27FC236}">
+                <a16:creationId xmlns:a16="http://schemas.microsoft.com/office/drawing/2014/main" id="{01F62523-A94F-4CD7-A59D-861576E8A014}"/>
+              </a:ext>
+            </a:extLst>
+          </p:cNvPr>
+          <p:cNvSpPr txBox="1">
+            <a:spLocks/>
+          </p:cNvSpPr>
+          <p:nvPr/>
+        </p:nvSpPr>
+        <p:spPr>
+          <a:xfrm>
+            <a:off x="8562669" y="6359024"/>
+            <a:ext cx="469038" cy="498976"/>
+          </a:xfrm>
+          <a:prstGeom prst="rect">
+            <a:avLst/>
+          </a:prstGeom>
+        </p:spPr>
+        <p:txBody>
+          <a:bodyPr vert="horz" lIns="91440" tIns="45720" rIns="91440" bIns="45720" rtlCol="1" anchor="t">
+            <a:noAutofit/>
+          </a:bodyPr>
+          <a:lstStyle>
+            <a:lvl1pPr marL="0" indent="0" algn="ctr" defTabSz="914400" rtl="1" eaLnBrk="1" latinLnBrk="0" hangingPunct="1">
+              <a:lnSpc>
+                <a:spcPct val="90000"/>
+              </a:lnSpc>
+              <a:spcBef>
+                <a:spcPct val="20000"/>
+              </a:spcBef>
+              <a:buFont typeface="Arial" panose="020B0604020202020204" pitchFamily="34" charset="0"/>
+              <a:buNone/>
+              <a:defRPr sz="3200" kern="1200">
+                <a:solidFill>
+                  <a:schemeClr val="tx1">
+                    <a:tint val="75000"/>
+                  </a:schemeClr>
+                </a:solidFill>
+                <a:latin typeface="+mn-lt"/>
+                <a:ea typeface="+mn-ea"/>
+                <a:cs typeface="+mn-cs"/>
+              </a:defRPr>
+            </a:lvl1pPr>
+            <a:lvl2pPr marL="457200" indent="0" algn="ctr" defTabSz="914400" rtl="1" eaLnBrk="1" latinLnBrk="0" hangingPunct="1">
+              <a:lnSpc>
+                <a:spcPct val="90000"/>
+              </a:lnSpc>
+              <a:spcBef>
+                <a:spcPct val="20000"/>
+              </a:spcBef>
+              <a:buFont typeface="Arial" panose="020B0604020202020204" pitchFamily="34" charset="0"/>
+              <a:buNone/>
+              <a:defRPr sz="2800" kern="1200">
+                <a:solidFill>
+                  <a:schemeClr val="tx1">
+                    <a:tint val="75000"/>
+                  </a:schemeClr>
+                </a:solidFill>
+                <a:latin typeface="+mn-lt"/>
+                <a:ea typeface="+mn-ea"/>
+                <a:cs typeface="+mn-cs"/>
+              </a:defRPr>
+            </a:lvl2pPr>
+            <a:lvl3pPr marL="914400" indent="0" algn="ctr" defTabSz="914400" rtl="1" eaLnBrk="1" latinLnBrk="0" hangingPunct="1">
+              <a:lnSpc>
+                <a:spcPct val="90000"/>
+              </a:lnSpc>
+              <a:spcBef>
+                <a:spcPct val="20000"/>
+              </a:spcBef>
+              <a:buFont typeface="Arial" panose="020B0604020202020204" pitchFamily="34" charset="0"/>
+              <a:buNone/>
+              <a:defRPr sz="2400" kern="1200">
+                <a:solidFill>
+                  <a:schemeClr val="tx1">
+                    <a:tint val="75000"/>
+                  </a:schemeClr>
+                </a:solidFill>
+                <a:latin typeface="+mn-lt"/>
+                <a:ea typeface="+mn-ea"/>
+                <a:cs typeface="+mn-cs"/>
+              </a:defRPr>
+            </a:lvl3pPr>
+            <a:lvl4pPr marL="1371600" indent="0" algn="ctr" defTabSz="914400" rtl="1" eaLnBrk="1" latinLnBrk="0" hangingPunct="1">
+              <a:lnSpc>
+                <a:spcPct val="90000"/>
+              </a:lnSpc>
+              <a:spcBef>
+                <a:spcPct val="20000"/>
+              </a:spcBef>
+              <a:buFont typeface="Arial" panose="020B0604020202020204" pitchFamily="34" charset="0"/>
+              <a:buNone/>
+              <a:defRPr sz="2000" kern="1200">
+                <a:solidFill>
+                  <a:schemeClr val="tx1">
+                    <a:tint val="75000"/>
+                  </a:schemeClr>
+                </a:solidFill>
+                <a:latin typeface="+mn-lt"/>
+                <a:ea typeface="+mn-ea"/>
+                <a:cs typeface="+mn-cs"/>
+              </a:defRPr>
+            </a:lvl4pPr>
+            <a:lvl5pPr marL="1828800" indent="0" algn="ctr" defTabSz="914400" rtl="1" eaLnBrk="1" latinLnBrk="0" hangingPunct="1">
+              <a:lnSpc>
+                <a:spcPct val="90000"/>
+              </a:lnSpc>
+              <a:spcBef>
+                <a:spcPct val="20000"/>
+              </a:spcBef>
+              <a:buFont typeface="Arial" panose="020B0604020202020204" pitchFamily="34" charset="0"/>
+              <a:buNone/>
+              <a:defRPr sz="2000" kern="1200">
+                <a:solidFill>
+                  <a:schemeClr val="tx1">
+                    <a:tint val="75000"/>
+                  </a:schemeClr>
+                </a:solidFill>
+                <a:latin typeface="+mn-lt"/>
+                <a:ea typeface="+mn-ea"/>
+                <a:cs typeface="+mn-cs"/>
+              </a:defRPr>
+            </a:lvl5pPr>
+            <a:lvl6pPr marL="2286000" indent="0" algn="ctr" defTabSz="914400" rtl="1" eaLnBrk="1" latinLnBrk="0" hangingPunct="1">
+              <a:lnSpc>
+                <a:spcPct val="90000"/>
+              </a:lnSpc>
+              <a:spcBef>
+                <a:spcPct val="20000"/>
+              </a:spcBef>
+              <a:buFont typeface="Arial" panose="020B0604020202020204" pitchFamily="34" charset="0"/>
+              <a:buNone/>
+              <a:defRPr sz="2000" kern="1200">
+                <a:solidFill>
+                  <a:schemeClr val="tx1">
+                    <a:tint val="75000"/>
+                  </a:schemeClr>
+                </a:solidFill>
+                <a:latin typeface="+mn-lt"/>
+                <a:ea typeface="+mn-ea"/>
+                <a:cs typeface="+mn-cs"/>
+              </a:defRPr>
+            </a:lvl6pPr>
+            <a:lvl7pPr marL="2743200" indent="0" algn="ctr" defTabSz="914400" rtl="1" eaLnBrk="1" latinLnBrk="0" hangingPunct="1">
+              <a:lnSpc>
+                <a:spcPct val="90000"/>
+              </a:lnSpc>
+              <a:spcBef>
+                <a:spcPct val="20000"/>
+              </a:spcBef>
+              <a:buFont typeface="Arial" panose="020B0604020202020204" pitchFamily="34" charset="0"/>
+              <a:buNone/>
+              <a:defRPr sz="2000" kern="1200">
+                <a:solidFill>
+                  <a:schemeClr val="tx1">
+                    <a:tint val="75000"/>
+                  </a:schemeClr>
+                </a:solidFill>
+                <a:latin typeface="+mn-lt"/>
+                <a:ea typeface="+mn-ea"/>
+                <a:cs typeface="+mn-cs"/>
+              </a:defRPr>
+            </a:lvl7pPr>
+            <a:lvl8pPr marL="3200400" indent="0" algn="ctr" defTabSz="914400" rtl="1" eaLnBrk="1" latinLnBrk="0" hangingPunct="1">
+              <a:lnSpc>
+                <a:spcPct val="90000"/>
+              </a:lnSpc>
+              <a:spcBef>
+                <a:spcPct val="20000"/>
+              </a:spcBef>
+              <a:buFont typeface="Arial" panose="020B0604020202020204" pitchFamily="34" charset="0"/>
+              <a:buNone/>
+              <a:defRPr sz="2000" kern="1200">
+                <a:solidFill>
+                  <a:schemeClr val="tx1">
+                    <a:tint val="75000"/>
+                  </a:schemeClr>
+                </a:solidFill>
+                <a:latin typeface="+mn-lt"/>
+                <a:ea typeface="+mn-ea"/>
+                <a:cs typeface="+mn-cs"/>
+              </a:defRPr>
+            </a:lvl8pPr>
+            <a:lvl9pPr marL="3657600" indent="0" algn="ctr" defTabSz="914400" rtl="1" eaLnBrk="1" latinLnBrk="0" hangingPunct="1">
+              <a:lnSpc>
+                <a:spcPct val="90000"/>
+              </a:lnSpc>
+              <a:spcBef>
+                <a:spcPct val="20000"/>
+              </a:spcBef>
+              <a:buFont typeface="Arial" panose="020B0604020202020204" pitchFamily="34" charset="0"/>
+              <a:buNone/>
+              <a:defRPr sz="2000" kern="1200">
+                <a:solidFill>
+                  <a:schemeClr val="tx1">
+                    <a:tint val="75000"/>
+                  </a:schemeClr>
+                </a:solidFill>
+                <a:latin typeface="+mn-lt"/>
+                <a:ea typeface="+mn-ea"/>
+                <a:cs typeface="+mn-cs"/>
+              </a:defRPr>
+            </a:lvl9pPr>
+          </a:lstStyle>
+          <a:p>
+            <a:pPr algn="l" rtl="0"/>
+            <a:r>
+              <a:rPr lang="en-US" sz="2400" dirty="0">
+                <a:solidFill>
+                  <a:schemeClr val="tx1"/>
+                </a:solidFill>
+              </a:rPr>
+              <a:t>7</a:t>
+            </a:r>
+          </a:p>
+        </p:txBody>
+      </p:sp>
+      <p:pic>
+        <p:nvPicPr>
+          <p:cNvPr id="4" name="תמונה 3">
+            <a:extLst>
+              <a:ext uri="{FF2B5EF4-FFF2-40B4-BE49-F238E27FC236}">
+                <a16:creationId xmlns:a16="http://schemas.microsoft.com/office/drawing/2014/main" id="{176C71BB-E3CB-4595-87A5-60FA846ECEC0}"/>
+              </a:ext>
+            </a:extLst>
+          </p:cNvPr>
+          <p:cNvPicPr/>
+          <p:nvPr/>
+        </p:nvPicPr>
+        <p:blipFill rotWithShape="1">
+          <a:blip r:embed="rId4"/>
+          <a:srcRect b="33053"/>
+          <a:stretch/>
+        </p:blipFill>
+        <p:spPr bwMode="auto">
+          <a:xfrm>
+            <a:off x="168501" y="3275580"/>
+            <a:ext cx="8394168" cy="3083444"/>
+          </a:xfrm>
+          <a:prstGeom prst="rect">
+            <a:avLst/>
+          </a:prstGeom>
+          <a:ln>
+            <a:noFill/>
+          </a:ln>
+          <a:extLst>
+            <a:ext uri="{53640926-AAD7-44D8-BBD7-CCE9431645EC}">
+              <a14:shadowObscured xmlns:a14="http://schemas.microsoft.com/office/drawing/2010/main"/>
+            </a:ext>
+          </a:extLst>
+        </p:spPr>
+      </p:pic>
+    </p:spTree>
+    <p:extLst>
+      <p:ext uri="{BB962C8B-B14F-4D97-AF65-F5344CB8AC3E}">
+        <p14:creationId xmlns:p14="http://schemas.microsoft.com/office/powerpoint/2010/main" val="3557555891"/>
+      </p:ext>
+    </p:extLst>
+  </p:cSld>
+  <p:clrMapOvr>
+    <a:masterClrMapping/>
+  </p:clrMapOvr>
+</p:sld>
+</file>
+
+<file path=ppt/slides/slide8.xml><?xml version="1.0" encoding="utf-8"?>
+<p:sld xmlns:a="http://schemas.openxmlformats.org/drawingml/2006/main" xmlns:r="http://schemas.openxmlformats.org/officeDocument/2006/relationships" xmlns:p="http://schemas.openxmlformats.org/presentationml/2006/main">
+  <p:cSld>
+    <p:spTree>
+      <p:nvGrpSpPr>
+        <p:cNvPr id="1" name=""/>
+        <p:cNvGrpSpPr/>
+        <p:nvPr/>
+      </p:nvGrpSpPr>
+      <p:grpSpPr>
+        <a:xfrm>
+          <a:off x="0" y="0"/>
+          <a:ext cx="0" cy="0"/>
+          <a:chOff x="0" y="0"/>
+          <a:chExt cx="0" cy="0"/>
+        </a:xfrm>
+      </p:grpSpPr>
+      <p:sp>
+        <p:nvSpPr>
+          <p:cNvPr id="2" name="כותרת 1">
+            <a:extLst>
+              <a:ext uri="{FF2B5EF4-FFF2-40B4-BE49-F238E27FC236}">
                 <a16:creationId xmlns:a16="http://schemas.microsoft.com/office/drawing/2014/main" id="{CDE9948F-F55D-49AF-8364-0CD69005F0C9}"/>
               </a:ext>
             </a:extLst>
@@ -15439,7 +16748,7 @@
                   <a:schemeClr val="tx1"/>
                 </a:solidFill>
               </a:rPr>
-              <a:t>6</a:t>
+              <a:t>8</a:t>
             </a:r>
           </a:p>
         </p:txBody>
@@ -15457,7 +16766,7 @@
 </p:sld>
 </file>
 
-<file path=ppt/slides/slide7.xml><?xml version="1.0" encoding="utf-8"?>
+<file path=ppt/slides/slide9.xml><?xml version="1.0" encoding="utf-8"?>
 <p:sld xmlns:a="http://schemas.openxmlformats.org/drawingml/2006/main" xmlns:r="http://schemas.openxmlformats.org/officeDocument/2006/relationships" xmlns:p="http://schemas.openxmlformats.org/presentationml/2006/main">
   <p:cSld>
     <p:spTree>
@@ -15933,7 +17242,7 @@
                   <a:schemeClr val="tx1"/>
                 </a:solidFill>
               </a:rPr>
-              <a:t>7</a:t>
+              <a:t>9</a:t>
             </a:r>
           </a:p>
         </p:txBody>
@@ -15942,886 +17251,6 @@
     <p:extLst>
       <p:ext uri="{BB962C8B-B14F-4D97-AF65-F5344CB8AC3E}">
         <p14:creationId xmlns:p14="http://schemas.microsoft.com/office/powerpoint/2010/main" val="4056150910"/>
-      </p:ext>
-    </p:extLst>
-  </p:cSld>
-  <p:clrMapOvr>
-    <a:masterClrMapping/>
-  </p:clrMapOvr>
-</p:sld>
-</file>
-
-<file path=ppt/slides/slide8.xml><?xml version="1.0" encoding="utf-8"?>
-<p:sld xmlns:a="http://schemas.openxmlformats.org/drawingml/2006/main" xmlns:r="http://schemas.openxmlformats.org/officeDocument/2006/relationships" xmlns:p="http://schemas.openxmlformats.org/presentationml/2006/main">
-  <p:cSld>
-    <p:spTree>
-      <p:nvGrpSpPr>
-        <p:cNvPr id="1" name=""/>
-        <p:cNvGrpSpPr/>
-        <p:nvPr/>
-      </p:nvGrpSpPr>
-      <p:grpSpPr>
-        <a:xfrm>
-          <a:off x="0" y="0"/>
-          <a:ext cx="0" cy="0"/>
-          <a:chOff x="0" y="0"/>
-          <a:chExt cx="0" cy="0"/>
-        </a:xfrm>
-      </p:grpSpPr>
-      <p:sp>
-        <p:nvSpPr>
-          <p:cNvPr id="2" name="כותרת 1">
-            <a:extLst>
-              <a:ext uri="{FF2B5EF4-FFF2-40B4-BE49-F238E27FC236}">
-                <a16:creationId xmlns:a16="http://schemas.microsoft.com/office/drawing/2014/main" id="{5480E490-6E4D-4338-BB9A-E6695C515733}"/>
-              </a:ext>
-            </a:extLst>
-          </p:cNvPr>
-          <p:cNvSpPr>
-            <a:spLocks noGrp="1"/>
-          </p:cNvSpPr>
-          <p:nvPr>
-            <p:ph type="title"/>
-          </p:nvPr>
-        </p:nvSpPr>
-        <p:spPr>
-          <a:xfrm>
-            <a:off x="628650" y="-273502"/>
-            <a:ext cx="7886700" cy="1325563"/>
-          </a:xfrm>
-        </p:spPr>
-        <p:txBody>
-          <a:bodyPr/>
-          <a:lstStyle/>
-          <a:p>
-            <a:pPr algn="ctr"/>
-            <a:r>
-              <a:rPr lang="en-US" dirty="0">
-                <a:solidFill>
-                  <a:srgbClr val="002060"/>
-                </a:solidFill>
-                <a:latin typeface="Calibri"/>
-              </a:rPr>
-              <a:t>Curriculum Learning</a:t>
-            </a:r>
-          </a:p>
-        </p:txBody>
-      </p:sp>
-      <p:sp>
-        <p:nvSpPr>
-          <p:cNvPr id="3" name="מציין מיקום תוכן 2">
-            <a:extLst>
-              <a:ext uri="{FF2B5EF4-FFF2-40B4-BE49-F238E27FC236}">
-                <a16:creationId xmlns:a16="http://schemas.microsoft.com/office/drawing/2014/main" id="{4E953C7B-A8C0-430E-A2AA-272B223256CE}"/>
-              </a:ext>
-            </a:extLst>
-          </p:cNvPr>
-          <p:cNvSpPr>
-            <a:spLocks noGrp="1"/>
-          </p:cNvSpPr>
-          <p:nvPr>
-            <p:ph idx="1"/>
-          </p:nvPr>
-        </p:nvSpPr>
-        <p:spPr>
-          <a:xfrm>
-            <a:off x="628650" y="1099911"/>
-            <a:ext cx="7886700" cy="4351338"/>
-          </a:xfrm>
-        </p:spPr>
-        <p:txBody>
-          <a:bodyPr>
-            <a:normAutofit/>
-          </a:bodyPr>
-          <a:lstStyle/>
-          <a:p>
-            <a:pPr algn="l" rtl="0"/>
-            <a:r>
-              <a:rPr lang="en-US" dirty="0"/>
-              <a:t>In Training: start with easy examples, gradually increase difficulty </a:t>
-            </a:r>
-          </a:p>
-          <a:p>
-            <a:pPr algn="l" rtl="0"/>
-            <a:r>
-              <a:rPr lang="en-US" dirty="0"/>
-              <a:t>May improve the results of the network </a:t>
-            </a:r>
-          </a:p>
-          <a:p>
-            <a:pPr lvl="1" algn="l" rtl="0"/>
-            <a:r>
-              <a:rPr lang="en-US" dirty="0"/>
-              <a:t>Paper: Guy, H. (2019). “On the power of curriculum learning in training deep networks”</a:t>
-            </a:r>
-          </a:p>
-          <a:p>
-            <a:pPr lvl="1" algn="l" rtl="0"/>
-            <a:endParaRPr lang="en-US" dirty="0"/>
-          </a:p>
-          <a:p>
-            <a:pPr algn="l" rtl="0"/>
-            <a:endParaRPr lang="en-US" dirty="0"/>
-          </a:p>
-        </p:txBody>
-      </p:sp>
-      <p:pic>
-        <p:nvPicPr>
-          <p:cNvPr id="5" name="תמונה 4">
-            <a:extLst>
-              <a:ext uri="{FF2B5EF4-FFF2-40B4-BE49-F238E27FC236}">
-                <a16:creationId xmlns:a16="http://schemas.microsoft.com/office/drawing/2014/main" id="{2FF47A54-24EA-4727-A5A5-51875A32F1B2}"/>
-              </a:ext>
-            </a:extLst>
-          </p:cNvPr>
-          <p:cNvPicPr>
-            <a:picLocks noChangeAspect="1"/>
-          </p:cNvPicPr>
-          <p:nvPr/>
-        </p:nvPicPr>
-        <p:blipFill>
-          <a:blip r:embed="rId3"/>
-          <a:stretch>
-            <a:fillRect/>
-          </a:stretch>
-        </p:blipFill>
-        <p:spPr>
-          <a:xfrm>
-            <a:off x="4081462" y="6505575"/>
-            <a:ext cx="981075" cy="352425"/>
-          </a:xfrm>
-          <a:prstGeom prst="rect">
-            <a:avLst/>
-          </a:prstGeom>
-        </p:spPr>
-      </p:pic>
-      <p:sp>
-        <p:nvSpPr>
-          <p:cNvPr id="7" name="Subtitle 2">
-            <a:extLst>
-              <a:ext uri="{FF2B5EF4-FFF2-40B4-BE49-F238E27FC236}">
-                <a16:creationId xmlns:a16="http://schemas.microsoft.com/office/drawing/2014/main" id="{01F62523-A94F-4CD7-A59D-861576E8A014}"/>
-              </a:ext>
-            </a:extLst>
-          </p:cNvPr>
-          <p:cNvSpPr txBox="1">
-            <a:spLocks/>
-          </p:cNvSpPr>
-          <p:nvPr/>
-        </p:nvSpPr>
-        <p:spPr>
-          <a:xfrm>
-            <a:off x="8562669" y="6359024"/>
-            <a:ext cx="469038" cy="498976"/>
-          </a:xfrm>
-          <a:prstGeom prst="rect">
-            <a:avLst/>
-          </a:prstGeom>
-        </p:spPr>
-        <p:txBody>
-          <a:bodyPr vert="horz" lIns="91440" tIns="45720" rIns="91440" bIns="45720" rtlCol="1" anchor="t">
-            <a:noAutofit/>
-          </a:bodyPr>
-          <a:lstStyle>
-            <a:lvl1pPr marL="0" indent="0" algn="ctr" defTabSz="914400" rtl="1" eaLnBrk="1" latinLnBrk="0" hangingPunct="1">
-              <a:lnSpc>
-                <a:spcPct val="90000"/>
-              </a:lnSpc>
-              <a:spcBef>
-                <a:spcPct val="20000"/>
-              </a:spcBef>
-              <a:buFont typeface="Arial" panose="020B0604020202020204" pitchFamily="34" charset="0"/>
-              <a:buNone/>
-              <a:defRPr sz="3200" kern="1200">
-                <a:solidFill>
-                  <a:schemeClr val="tx1">
-                    <a:tint val="75000"/>
-                  </a:schemeClr>
-                </a:solidFill>
-                <a:latin typeface="+mn-lt"/>
-                <a:ea typeface="+mn-ea"/>
-                <a:cs typeface="+mn-cs"/>
-              </a:defRPr>
-            </a:lvl1pPr>
-            <a:lvl2pPr marL="457200" indent="0" algn="ctr" defTabSz="914400" rtl="1" eaLnBrk="1" latinLnBrk="0" hangingPunct="1">
-              <a:lnSpc>
-                <a:spcPct val="90000"/>
-              </a:lnSpc>
-              <a:spcBef>
-                <a:spcPct val="20000"/>
-              </a:spcBef>
-              <a:buFont typeface="Arial" panose="020B0604020202020204" pitchFamily="34" charset="0"/>
-              <a:buNone/>
-              <a:defRPr sz="2800" kern="1200">
-                <a:solidFill>
-                  <a:schemeClr val="tx1">
-                    <a:tint val="75000"/>
-                  </a:schemeClr>
-                </a:solidFill>
-                <a:latin typeface="+mn-lt"/>
-                <a:ea typeface="+mn-ea"/>
-                <a:cs typeface="+mn-cs"/>
-              </a:defRPr>
-            </a:lvl2pPr>
-            <a:lvl3pPr marL="914400" indent="0" algn="ctr" defTabSz="914400" rtl="1" eaLnBrk="1" latinLnBrk="0" hangingPunct="1">
-              <a:lnSpc>
-                <a:spcPct val="90000"/>
-              </a:lnSpc>
-              <a:spcBef>
-                <a:spcPct val="20000"/>
-              </a:spcBef>
-              <a:buFont typeface="Arial" panose="020B0604020202020204" pitchFamily="34" charset="0"/>
-              <a:buNone/>
-              <a:defRPr sz="2400" kern="1200">
-                <a:solidFill>
-                  <a:schemeClr val="tx1">
-                    <a:tint val="75000"/>
-                  </a:schemeClr>
-                </a:solidFill>
-                <a:latin typeface="+mn-lt"/>
-                <a:ea typeface="+mn-ea"/>
-                <a:cs typeface="+mn-cs"/>
-              </a:defRPr>
-            </a:lvl3pPr>
-            <a:lvl4pPr marL="1371600" indent="0" algn="ctr" defTabSz="914400" rtl="1" eaLnBrk="1" latinLnBrk="0" hangingPunct="1">
-              <a:lnSpc>
-                <a:spcPct val="90000"/>
-              </a:lnSpc>
-              <a:spcBef>
-                <a:spcPct val="20000"/>
-              </a:spcBef>
-              <a:buFont typeface="Arial" panose="020B0604020202020204" pitchFamily="34" charset="0"/>
-              <a:buNone/>
-              <a:defRPr sz="2000" kern="1200">
-                <a:solidFill>
-                  <a:schemeClr val="tx1">
-                    <a:tint val="75000"/>
-                  </a:schemeClr>
-                </a:solidFill>
-                <a:latin typeface="+mn-lt"/>
-                <a:ea typeface="+mn-ea"/>
-                <a:cs typeface="+mn-cs"/>
-              </a:defRPr>
-            </a:lvl4pPr>
-            <a:lvl5pPr marL="1828800" indent="0" algn="ctr" defTabSz="914400" rtl="1" eaLnBrk="1" latinLnBrk="0" hangingPunct="1">
-              <a:lnSpc>
-                <a:spcPct val="90000"/>
-              </a:lnSpc>
-              <a:spcBef>
-                <a:spcPct val="20000"/>
-              </a:spcBef>
-              <a:buFont typeface="Arial" panose="020B0604020202020204" pitchFamily="34" charset="0"/>
-              <a:buNone/>
-              <a:defRPr sz="2000" kern="1200">
-                <a:solidFill>
-                  <a:schemeClr val="tx1">
-                    <a:tint val="75000"/>
-                  </a:schemeClr>
-                </a:solidFill>
-                <a:latin typeface="+mn-lt"/>
-                <a:ea typeface="+mn-ea"/>
-                <a:cs typeface="+mn-cs"/>
-              </a:defRPr>
-            </a:lvl5pPr>
-            <a:lvl6pPr marL="2286000" indent="0" algn="ctr" defTabSz="914400" rtl="1" eaLnBrk="1" latinLnBrk="0" hangingPunct="1">
-              <a:lnSpc>
-                <a:spcPct val="90000"/>
-              </a:lnSpc>
-              <a:spcBef>
-                <a:spcPct val="20000"/>
-              </a:spcBef>
-              <a:buFont typeface="Arial" panose="020B0604020202020204" pitchFamily="34" charset="0"/>
-              <a:buNone/>
-              <a:defRPr sz="2000" kern="1200">
-                <a:solidFill>
-                  <a:schemeClr val="tx1">
-                    <a:tint val="75000"/>
-                  </a:schemeClr>
-                </a:solidFill>
-                <a:latin typeface="+mn-lt"/>
-                <a:ea typeface="+mn-ea"/>
-                <a:cs typeface="+mn-cs"/>
-              </a:defRPr>
-            </a:lvl6pPr>
-            <a:lvl7pPr marL="2743200" indent="0" algn="ctr" defTabSz="914400" rtl="1" eaLnBrk="1" latinLnBrk="0" hangingPunct="1">
-              <a:lnSpc>
-                <a:spcPct val="90000"/>
-              </a:lnSpc>
-              <a:spcBef>
-                <a:spcPct val="20000"/>
-              </a:spcBef>
-              <a:buFont typeface="Arial" panose="020B0604020202020204" pitchFamily="34" charset="0"/>
-              <a:buNone/>
-              <a:defRPr sz="2000" kern="1200">
-                <a:solidFill>
-                  <a:schemeClr val="tx1">
-                    <a:tint val="75000"/>
-                  </a:schemeClr>
-                </a:solidFill>
-                <a:latin typeface="+mn-lt"/>
-                <a:ea typeface="+mn-ea"/>
-                <a:cs typeface="+mn-cs"/>
-              </a:defRPr>
-            </a:lvl7pPr>
-            <a:lvl8pPr marL="3200400" indent="0" algn="ctr" defTabSz="914400" rtl="1" eaLnBrk="1" latinLnBrk="0" hangingPunct="1">
-              <a:lnSpc>
-                <a:spcPct val="90000"/>
-              </a:lnSpc>
-              <a:spcBef>
-                <a:spcPct val="20000"/>
-              </a:spcBef>
-              <a:buFont typeface="Arial" panose="020B0604020202020204" pitchFamily="34" charset="0"/>
-              <a:buNone/>
-              <a:defRPr sz="2000" kern="1200">
-                <a:solidFill>
-                  <a:schemeClr val="tx1">
-                    <a:tint val="75000"/>
-                  </a:schemeClr>
-                </a:solidFill>
-                <a:latin typeface="+mn-lt"/>
-                <a:ea typeface="+mn-ea"/>
-                <a:cs typeface="+mn-cs"/>
-              </a:defRPr>
-            </a:lvl8pPr>
-            <a:lvl9pPr marL="3657600" indent="0" algn="ctr" defTabSz="914400" rtl="1" eaLnBrk="1" latinLnBrk="0" hangingPunct="1">
-              <a:lnSpc>
-                <a:spcPct val="90000"/>
-              </a:lnSpc>
-              <a:spcBef>
-                <a:spcPct val="20000"/>
-              </a:spcBef>
-              <a:buFont typeface="Arial" panose="020B0604020202020204" pitchFamily="34" charset="0"/>
-              <a:buNone/>
-              <a:defRPr sz="2000" kern="1200">
-                <a:solidFill>
-                  <a:schemeClr val="tx1">
-                    <a:tint val="75000"/>
-                  </a:schemeClr>
-                </a:solidFill>
-                <a:latin typeface="+mn-lt"/>
-                <a:ea typeface="+mn-ea"/>
-                <a:cs typeface="+mn-cs"/>
-              </a:defRPr>
-            </a:lvl9pPr>
-          </a:lstStyle>
-          <a:p>
-            <a:pPr algn="l" rtl="0"/>
-            <a:r>
-              <a:rPr lang="en-US" sz="2400" dirty="0">
-                <a:solidFill>
-                  <a:schemeClr val="tx1"/>
-                </a:solidFill>
-              </a:rPr>
-              <a:t>8</a:t>
-            </a:r>
-          </a:p>
-        </p:txBody>
-      </p:sp>
-      <p:pic>
-        <p:nvPicPr>
-          <p:cNvPr id="4" name="תמונה 3">
-            <a:extLst>
-              <a:ext uri="{FF2B5EF4-FFF2-40B4-BE49-F238E27FC236}">
-                <a16:creationId xmlns:a16="http://schemas.microsoft.com/office/drawing/2014/main" id="{176C71BB-E3CB-4595-87A5-60FA846ECEC0}"/>
-              </a:ext>
-            </a:extLst>
-          </p:cNvPr>
-          <p:cNvPicPr/>
-          <p:nvPr/>
-        </p:nvPicPr>
-        <p:blipFill rotWithShape="1">
-          <a:blip r:embed="rId4"/>
-          <a:srcRect b="33053"/>
-          <a:stretch/>
-        </p:blipFill>
-        <p:spPr bwMode="auto">
-          <a:xfrm>
-            <a:off x="168501" y="3275580"/>
-            <a:ext cx="8394168" cy="3083444"/>
-          </a:xfrm>
-          <a:prstGeom prst="rect">
-            <a:avLst/>
-          </a:prstGeom>
-          <a:ln>
-            <a:noFill/>
-          </a:ln>
-          <a:extLst>
-            <a:ext uri="{53640926-AAD7-44D8-BBD7-CCE9431645EC}">
-              <a14:shadowObscured xmlns:a14="http://schemas.microsoft.com/office/drawing/2010/main"/>
-            </a:ext>
-          </a:extLst>
-        </p:spPr>
-      </p:pic>
-    </p:spTree>
-    <p:extLst>
-      <p:ext uri="{BB962C8B-B14F-4D97-AF65-F5344CB8AC3E}">
-        <p14:creationId xmlns:p14="http://schemas.microsoft.com/office/powerpoint/2010/main" val="3557555891"/>
-      </p:ext>
-    </p:extLst>
-  </p:cSld>
-  <p:clrMapOvr>
-    <a:masterClrMapping/>
-  </p:clrMapOvr>
-</p:sld>
-</file>
-
-<file path=ppt/slides/slide9.xml><?xml version="1.0" encoding="utf-8"?>
-<p:sld xmlns:a="http://schemas.openxmlformats.org/drawingml/2006/main" xmlns:r="http://schemas.openxmlformats.org/officeDocument/2006/relationships" xmlns:p="http://schemas.openxmlformats.org/presentationml/2006/main">
-  <p:cSld>
-    <p:spTree>
-      <p:nvGrpSpPr>
-        <p:cNvPr id="1" name=""/>
-        <p:cNvGrpSpPr/>
-        <p:nvPr/>
-      </p:nvGrpSpPr>
-      <p:grpSpPr>
-        <a:xfrm>
-          <a:off x="0" y="0"/>
-          <a:ext cx="0" cy="0"/>
-          <a:chOff x="0" y="0"/>
-          <a:chExt cx="0" cy="0"/>
-        </a:xfrm>
-      </p:grpSpPr>
-      <p:sp>
-        <p:nvSpPr>
-          <p:cNvPr id="2" name="כותרת 1">
-            <a:extLst>
-              <a:ext uri="{FF2B5EF4-FFF2-40B4-BE49-F238E27FC236}">
-                <a16:creationId xmlns:a16="http://schemas.microsoft.com/office/drawing/2014/main" id="{5480E490-6E4D-4338-BB9A-E6695C515733}"/>
-              </a:ext>
-            </a:extLst>
-          </p:cNvPr>
-          <p:cNvSpPr>
-            <a:spLocks noGrp="1"/>
-          </p:cNvSpPr>
-          <p:nvPr>
-            <p:ph type="title"/>
-          </p:nvPr>
-        </p:nvSpPr>
-        <p:spPr>
-          <a:xfrm>
-            <a:off x="628650" y="-295274"/>
-            <a:ext cx="7886700" cy="1325563"/>
-          </a:xfrm>
-        </p:spPr>
-        <p:txBody>
-          <a:bodyPr/>
-          <a:lstStyle/>
-          <a:p>
-            <a:pPr algn="ctr"/>
-            <a:r>
-              <a:rPr lang="en-US" dirty="0">
-                <a:solidFill>
-                  <a:srgbClr val="002060"/>
-                </a:solidFill>
-                <a:latin typeface="Calibri"/>
-              </a:rPr>
-              <a:t>Solving method</a:t>
-            </a:r>
-            <a:endParaRPr lang="he-IL" dirty="0">
-              <a:solidFill>
-                <a:srgbClr val="002060"/>
-              </a:solidFill>
-              <a:latin typeface="Calibri"/>
-            </a:endParaRPr>
-          </a:p>
-        </p:txBody>
-      </p:sp>
-      <p:sp>
-        <p:nvSpPr>
-          <p:cNvPr id="3" name="מציין מיקום תוכן 2">
-            <a:extLst>
-              <a:ext uri="{FF2B5EF4-FFF2-40B4-BE49-F238E27FC236}">
-                <a16:creationId xmlns:a16="http://schemas.microsoft.com/office/drawing/2014/main" id="{4E953C7B-A8C0-430E-A2AA-272B223256CE}"/>
-              </a:ext>
-            </a:extLst>
-          </p:cNvPr>
-          <p:cNvSpPr>
-            <a:spLocks noGrp="1"/>
-          </p:cNvSpPr>
-          <p:nvPr>
-            <p:ph idx="1"/>
-          </p:nvPr>
-        </p:nvSpPr>
-        <p:spPr>
-          <a:xfrm>
-            <a:off x="628650" y="644525"/>
-            <a:ext cx="7886700" cy="4351338"/>
-          </a:xfrm>
-        </p:spPr>
-        <p:txBody>
-          <a:bodyPr/>
-          <a:lstStyle/>
-          <a:p>
-            <a:pPr algn="l" rtl="0"/>
-            <a:r>
-              <a:rPr lang="en-US" dirty="0"/>
-              <a:t>Iterative method</a:t>
-            </a:r>
-          </a:p>
-          <a:p>
-            <a:pPr lvl="1" algn="l" rtl="0"/>
-            <a:r>
-              <a:rPr lang="en-US" dirty="0"/>
-              <a:t>Fill the puzzle digit by digit and not the entire puzzle at once (like humans do)</a:t>
-            </a:r>
-          </a:p>
-          <a:p>
-            <a:pPr lvl="1" algn="l" rtl="0"/>
-            <a:r>
-              <a:rPr lang="en-US" dirty="0"/>
-              <a:t>In each iteration the chosen digit will be the one with highest confidence</a:t>
-            </a:r>
-          </a:p>
-          <a:p>
-            <a:pPr lvl="1" algn="l" rtl="0"/>
-            <a:r>
-              <a:rPr lang="en-US" dirty="0"/>
-              <a:t>Calculates updated confidence for each cell</a:t>
-            </a:r>
-          </a:p>
-          <a:p>
-            <a:pPr lvl="1" algn="l" rtl="0"/>
-            <a:endParaRPr lang="en-US" dirty="0"/>
-          </a:p>
-          <a:p>
-            <a:pPr lvl="1" algn="l" rtl="0"/>
-            <a:endParaRPr lang="en-US" dirty="0"/>
-          </a:p>
-          <a:p>
-            <a:pPr lvl="1" algn="l" rtl="0"/>
-            <a:endParaRPr lang="en-US" dirty="0"/>
-          </a:p>
-          <a:p>
-            <a:pPr lvl="1" algn="l" rtl="0"/>
-            <a:endParaRPr lang="en-US" dirty="0"/>
-          </a:p>
-          <a:p>
-            <a:pPr lvl="1" algn="l" rtl="0"/>
-            <a:endParaRPr lang="en-US" dirty="0"/>
-          </a:p>
-          <a:p>
-            <a:pPr lvl="1" algn="l" rtl="0"/>
-            <a:endParaRPr lang="he-IL" dirty="0"/>
-          </a:p>
-        </p:txBody>
-      </p:sp>
-      <p:pic>
-        <p:nvPicPr>
-          <p:cNvPr id="5" name="תמונה 4">
-            <a:extLst>
-              <a:ext uri="{FF2B5EF4-FFF2-40B4-BE49-F238E27FC236}">
-                <a16:creationId xmlns:a16="http://schemas.microsoft.com/office/drawing/2014/main" id="{52A8D0A3-FE2A-4BC8-8AA0-4BEDDD2FBAF9}"/>
-              </a:ext>
-            </a:extLst>
-          </p:cNvPr>
-          <p:cNvPicPr>
-            <a:picLocks noChangeAspect="1"/>
-          </p:cNvPicPr>
-          <p:nvPr/>
-        </p:nvPicPr>
-        <p:blipFill>
-          <a:blip r:embed="rId3"/>
-          <a:stretch>
-            <a:fillRect/>
-          </a:stretch>
-        </p:blipFill>
-        <p:spPr>
-          <a:xfrm>
-            <a:off x="4081462" y="6505575"/>
-            <a:ext cx="981075" cy="352425"/>
-          </a:xfrm>
-          <a:prstGeom prst="rect">
-            <a:avLst/>
-          </a:prstGeom>
-        </p:spPr>
-      </p:pic>
-      <p:sp>
-        <p:nvSpPr>
-          <p:cNvPr id="7" name="Subtitle 2">
-            <a:extLst>
-              <a:ext uri="{FF2B5EF4-FFF2-40B4-BE49-F238E27FC236}">
-                <a16:creationId xmlns:a16="http://schemas.microsoft.com/office/drawing/2014/main" id="{5ED15823-742F-4737-B7FB-159A0E7611B0}"/>
-              </a:ext>
-            </a:extLst>
-          </p:cNvPr>
-          <p:cNvSpPr txBox="1">
-            <a:spLocks/>
-          </p:cNvSpPr>
-          <p:nvPr/>
-        </p:nvSpPr>
-        <p:spPr>
-          <a:xfrm>
-            <a:off x="8562669" y="6359024"/>
-            <a:ext cx="469038" cy="498976"/>
-          </a:xfrm>
-          <a:prstGeom prst="rect">
-            <a:avLst/>
-          </a:prstGeom>
-        </p:spPr>
-        <p:txBody>
-          <a:bodyPr vert="horz" lIns="91440" tIns="45720" rIns="91440" bIns="45720" rtlCol="1" anchor="t">
-            <a:noAutofit/>
-          </a:bodyPr>
-          <a:lstStyle>
-            <a:lvl1pPr marL="0" indent="0" algn="ctr" defTabSz="914400" rtl="1" eaLnBrk="1" latinLnBrk="0" hangingPunct="1">
-              <a:lnSpc>
-                <a:spcPct val="90000"/>
-              </a:lnSpc>
-              <a:spcBef>
-                <a:spcPct val="20000"/>
-              </a:spcBef>
-              <a:buFont typeface="Arial" panose="020B0604020202020204" pitchFamily="34" charset="0"/>
-              <a:buNone/>
-              <a:defRPr sz="3200" kern="1200">
-                <a:solidFill>
-                  <a:schemeClr val="tx1">
-                    <a:tint val="75000"/>
-                  </a:schemeClr>
-                </a:solidFill>
-                <a:latin typeface="+mn-lt"/>
-                <a:ea typeface="+mn-ea"/>
-                <a:cs typeface="+mn-cs"/>
-              </a:defRPr>
-            </a:lvl1pPr>
-            <a:lvl2pPr marL="457200" indent="0" algn="ctr" defTabSz="914400" rtl="1" eaLnBrk="1" latinLnBrk="0" hangingPunct="1">
-              <a:lnSpc>
-                <a:spcPct val="90000"/>
-              </a:lnSpc>
-              <a:spcBef>
-                <a:spcPct val="20000"/>
-              </a:spcBef>
-              <a:buFont typeface="Arial" panose="020B0604020202020204" pitchFamily="34" charset="0"/>
-              <a:buNone/>
-              <a:defRPr sz="2800" kern="1200">
-                <a:solidFill>
-                  <a:schemeClr val="tx1">
-                    <a:tint val="75000"/>
-                  </a:schemeClr>
-                </a:solidFill>
-                <a:latin typeface="+mn-lt"/>
-                <a:ea typeface="+mn-ea"/>
-                <a:cs typeface="+mn-cs"/>
-              </a:defRPr>
-            </a:lvl2pPr>
-            <a:lvl3pPr marL="914400" indent="0" algn="ctr" defTabSz="914400" rtl="1" eaLnBrk="1" latinLnBrk="0" hangingPunct="1">
-              <a:lnSpc>
-                <a:spcPct val="90000"/>
-              </a:lnSpc>
-              <a:spcBef>
-                <a:spcPct val="20000"/>
-              </a:spcBef>
-              <a:buFont typeface="Arial" panose="020B0604020202020204" pitchFamily="34" charset="0"/>
-              <a:buNone/>
-              <a:defRPr sz="2400" kern="1200">
-                <a:solidFill>
-                  <a:schemeClr val="tx1">
-                    <a:tint val="75000"/>
-                  </a:schemeClr>
-                </a:solidFill>
-                <a:latin typeface="+mn-lt"/>
-                <a:ea typeface="+mn-ea"/>
-                <a:cs typeface="+mn-cs"/>
-              </a:defRPr>
-            </a:lvl3pPr>
-            <a:lvl4pPr marL="1371600" indent="0" algn="ctr" defTabSz="914400" rtl="1" eaLnBrk="1" latinLnBrk="0" hangingPunct="1">
-              <a:lnSpc>
-                <a:spcPct val="90000"/>
-              </a:lnSpc>
-              <a:spcBef>
-                <a:spcPct val="20000"/>
-              </a:spcBef>
-              <a:buFont typeface="Arial" panose="020B0604020202020204" pitchFamily="34" charset="0"/>
-              <a:buNone/>
-              <a:defRPr sz="2000" kern="1200">
-                <a:solidFill>
-                  <a:schemeClr val="tx1">
-                    <a:tint val="75000"/>
-                  </a:schemeClr>
-                </a:solidFill>
-                <a:latin typeface="+mn-lt"/>
-                <a:ea typeface="+mn-ea"/>
-                <a:cs typeface="+mn-cs"/>
-              </a:defRPr>
-            </a:lvl4pPr>
-            <a:lvl5pPr marL="1828800" indent="0" algn="ctr" defTabSz="914400" rtl="1" eaLnBrk="1" latinLnBrk="0" hangingPunct="1">
-              <a:lnSpc>
-                <a:spcPct val="90000"/>
-              </a:lnSpc>
-              <a:spcBef>
-                <a:spcPct val="20000"/>
-              </a:spcBef>
-              <a:buFont typeface="Arial" panose="020B0604020202020204" pitchFamily="34" charset="0"/>
-              <a:buNone/>
-              <a:defRPr sz="2000" kern="1200">
-                <a:solidFill>
-                  <a:schemeClr val="tx1">
-                    <a:tint val="75000"/>
-                  </a:schemeClr>
-                </a:solidFill>
-                <a:latin typeface="+mn-lt"/>
-                <a:ea typeface="+mn-ea"/>
-                <a:cs typeface="+mn-cs"/>
-              </a:defRPr>
-            </a:lvl5pPr>
-            <a:lvl6pPr marL="2286000" indent="0" algn="ctr" defTabSz="914400" rtl="1" eaLnBrk="1" latinLnBrk="0" hangingPunct="1">
-              <a:lnSpc>
-                <a:spcPct val="90000"/>
-              </a:lnSpc>
-              <a:spcBef>
-                <a:spcPct val="20000"/>
-              </a:spcBef>
-              <a:buFont typeface="Arial" panose="020B0604020202020204" pitchFamily="34" charset="0"/>
-              <a:buNone/>
-              <a:defRPr sz="2000" kern="1200">
-                <a:solidFill>
-                  <a:schemeClr val="tx1">
-                    <a:tint val="75000"/>
-                  </a:schemeClr>
-                </a:solidFill>
-                <a:latin typeface="+mn-lt"/>
-                <a:ea typeface="+mn-ea"/>
-                <a:cs typeface="+mn-cs"/>
-              </a:defRPr>
-            </a:lvl6pPr>
-            <a:lvl7pPr marL="2743200" indent="0" algn="ctr" defTabSz="914400" rtl="1" eaLnBrk="1" latinLnBrk="0" hangingPunct="1">
-              <a:lnSpc>
-                <a:spcPct val="90000"/>
-              </a:lnSpc>
-              <a:spcBef>
-                <a:spcPct val="20000"/>
-              </a:spcBef>
-              <a:buFont typeface="Arial" panose="020B0604020202020204" pitchFamily="34" charset="0"/>
-              <a:buNone/>
-              <a:defRPr sz="2000" kern="1200">
-                <a:solidFill>
-                  <a:schemeClr val="tx1">
-                    <a:tint val="75000"/>
-                  </a:schemeClr>
-                </a:solidFill>
-                <a:latin typeface="+mn-lt"/>
-                <a:ea typeface="+mn-ea"/>
-                <a:cs typeface="+mn-cs"/>
-              </a:defRPr>
-            </a:lvl7pPr>
-            <a:lvl8pPr marL="3200400" indent="0" algn="ctr" defTabSz="914400" rtl="1" eaLnBrk="1" latinLnBrk="0" hangingPunct="1">
-              <a:lnSpc>
-                <a:spcPct val="90000"/>
-              </a:lnSpc>
-              <a:spcBef>
-                <a:spcPct val="20000"/>
-              </a:spcBef>
-              <a:buFont typeface="Arial" panose="020B0604020202020204" pitchFamily="34" charset="0"/>
-              <a:buNone/>
-              <a:defRPr sz="2000" kern="1200">
-                <a:solidFill>
-                  <a:schemeClr val="tx1">
-                    <a:tint val="75000"/>
-                  </a:schemeClr>
-                </a:solidFill>
-                <a:latin typeface="+mn-lt"/>
-                <a:ea typeface="+mn-ea"/>
-                <a:cs typeface="+mn-cs"/>
-              </a:defRPr>
-            </a:lvl8pPr>
-            <a:lvl9pPr marL="3657600" indent="0" algn="ctr" defTabSz="914400" rtl="1" eaLnBrk="1" latinLnBrk="0" hangingPunct="1">
-              <a:lnSpc>
-                <a:spcPct val="90000"/>
-              </a:lnSpc>
-              <a:spcBef>
-                <a:spcPct val="20000"/>
-              </a:spcBef>
-              <a:buFont typeface="Arial" panose="020B0604020202020204" pitchFamily="34" charset="0"/>
-              <a:buNone/>
-              <a:defRPr sz="2000" kern="1200">
-                <a:solidFill>
-                  <a:schemeClr val="tx1">
-                    <a:tint val="75000"/>
-                  </a:schemeClr>
-                </a:solidFill>
-                <a:latin typeface="+mn-lt"/>
-                <a:ea typeface="+mn-ea"/>
-                <a:cs typeface="+mn-cs"/>
-              </a:defRPr>
-            </a:lvl9pPr>
-          </a:lstStyle>
-          <a:p>
-            <a:pPr algn="l" rtl="0"/>
-            <a:r>
-              <a:rPr lang="en-US" sz="2400" dirty="0">
-                <a:solidFill>
-                  <a:schemeClr val="tx1"/>
-                </a:solidFill>
-              </a:rPr>
-              <a:t>9</a:t>
-            </a:r>
-          </a:p>
-        </p:txBody>
-      </p:sp>
-      <p:pic>
-        <p:nvPicPr>
-          <p:cNvPr id="6" name="תמונה 5">
-            <a:extLst>
-              <a:ext uri="{FF2B5EF4-FFF2-40B4-BE49-F238E27FC236}">
-                <a16:creationId xmlns:a16="http://schemas.microsoft.com/office/drawing/2014/main" id="{352DD1D7-6B0E-444D-AEF4-ED7563861329}"/>
-              </a:ext>
-            </a:extLst>
-          </p:cNvPr>
-          <p:cNvPicPr>
-            <a:picLocks noChangeAspect="1"/>
-          </p:cNvPicPr>
-          <p:nvPr/>
-        </p:nvPicPr>
-        <p:blipFill>
-          <a:blip r:embed="rId4"/>
-          <a:stretch>
-            <a:fillRect/>
-          </a:stretch>
-        </p:blipFill>
-        <p:spPr>
-          <a:xfrm>
-            <a:off x="199551" y="3388017"/>
-            <a:ext cx="3995098" cy="3079555"/>
-          </a:xfrm>
-          <a:prstGeom prst="rect">
-            <a:avLst/>
-          </a:prstGeom>
-        </p:spPr>
-      </p:pic>
-      <p:pic>
-        <p:nvPicPr>
-          <p:cNvPr id="9" name="תמונה 8">
-            <a:extLst>
-              <a:ext uri="{FF2B5EF4-FFF2-40B4-BE49-F238E27FC236}">
-                <a16:creationId xmlns:a16="http://schemas.microsoft.com/office/drawing/2014/main" id="{97449353-62EE-43F5-88F6-0E0A64C529D5}"/>
-              </a:ext>
-            </a:extLst>
-          </p:cNvPr>
-          <p:cNvPicPr>
-            <a:picLocks noChangeAspect="1"/>
-          </p:cNvPicPr>
-          <p:nvPr/>
-        </p:nvPicPr>
-        <p:blipFill>
-          <a:blip r:embed="rId5"/>
-          <a:stretch>
-            <a:fillRect/>
-          </a:stretch>
-        </p:blipFill>
-        <p:spPr>
-          <a:xfrm>
-            <a:off x="4815054" y="3331884"/>
-            <a:ext cx="3995099" cy="3135688"/>
-          </a:xfrm>
-          <a:prstGeom prst="rect">
-            <a:avLst/>
-          </a:prstGeom>
-        </p:spPr>
-      </p:pic>
-    </p:spTree>
-    <p:extLst>
-      <p:ext uri="{BB962C8B-B14F-4D97-AF65-F5344CB8AC3E}">
-        <p14:creationId xmlns:p14="http://schemas.microsoft.com/office/powerpoint/2010/main" val="595709881"/>
       </p:ext>
     </p:extLst>
   </p:cSld>

--- a/Presentation/final_presentation.pptx
+++ b/Presentation/final_presentation.pptx
@@ -134,6 +134,9 @@
   <p:extLst>
     <p:ext uri="{EFAFB233-063F-42B5-8137-9DF3F51BA10A}">
       <p15:sldGuideLst xmlns:p15="http://schemas.microsoft.com/office/powerpoint/2012/main"/>
+    </p:ext>
+    <p:ext uri="{2D200454-40CA-4A62-9FC3-DE9A4176ACB9}">
+      <p15:notesGuideLst xmlns:p15="http://schemas.microsoft.com/office/powerpoint/2012/main"/>
     </p:ext>
   </p:extLst>
 </p:presentation>
@@ -12910,6 +12913,16 @@
                   <a:srgbClr val="002060"/>
                 </a:solidFill>
               </a:rPr>
+              <a:t>Curriculum learning</a:t>
+            </a:r>
+          </a:p>
+          <a:p>
+            <a:r>
+              <a:rPr lang="en-US" sz="2800" dirty="0">
+                <a:solidFill>
+                  <a:srgbClr val="002060"/>
+                </a:solidFill>
+              </a:rPr>
               <a:t>Our Solution</a:t>
             </a:r>
           </a:p>
@@ -12920,7 +12933,7 @@
                   <a:srgbClr val="002060"/>
                 </a:solidFill>
               </a:rPr>
-              <a:t>Analyzing the solution </a:t>
+              <a:t>Analyzing the net </a:t>
             </a:r>
           </a:p>
           <a:p>

--- a/Presentation/final_presentation.pptx
+++ b/Presentation/final_presentation.pptx
@@ -695,6 +695,36 @@
           <a:bodyPr/>
           <a:lstStyle/>
           <a:p>
+            <a:r>
+              <a:rPr lang="he-IL" dirty="0"/>
+              <a:t>התוצאה הטובה ביותר היא עבור מחיקה רק מתוך איברים ידועים, ומחיקה בפילוג. רואים שזה אחד מהדברים המשפיעים ביותר ופחות משפיעה בארכיטקטורה.</a:t>
+            </a:r>
+          </a:p>
+          <a:p>
+            <a:r>
+              <a:rPr lang="he-IL" dirty="0"/>
+              <a:t>התוצאה ללא למידה בשלבים פחות טובה משמעותית.</a:t>
+            </a:r>
+          </a:p>
+          <a:p>
+            <a:r>
+              <a:rPr lang="he-IL" dirty="0"/>
+              <a:t>בכולם שיטת הפתרון היא </a:t>
+            </a:r>
+            <a:r>
+              <a:rPr lang="he-IL" dirty="0" err="1"/>
+              <a:t>איטרטיבית</a:t>
+            </a:r>
+            <a:r>
+              <a:rPr lang="he-IL"/>
+              <a:t>.</a:t>
+            </a:r>
+            <a:endParaRPr lang="he-IL" dirty="0"/>
+          </a:p>
+          <a:p>
+            <a:endParaRPr lang="he-IL" dirty="0"/>
+          </a:p>
+          <a:p>
             <a:endParaRPr lang="he-IL" dirty="0"/>
           </a:p>
         </p:txBody>
@@ -1180,74 +1210,26 @@
           <a:p>
             <a:r>
               <a:rPr lang="he-IL" dirty="0"/>
-              <a:t>סטיית התקן של זמן הריצה עבור </a:t>
+              <a:t>מצד שמאל למעלה רואים שאפשר למלא 5 כי כל שאר האופציות לא מתאימות.</a:t>
+            </a:r>
+          </a:p>
+          <a:p>
+            <a:r>
+              <a:rPr lang="he-IL" dirty="0"/>
+              <a:t>עבור התא המסומן, ניתן לראות ש 4,9 </a:t>
             </a:r>
             <a:r>
               <a:rPr lang="he-IL" dirty="0" err="1"/>
-              <a:t>הבקטרקינג</a:t>
+              <a:t>אפציונאליים</a:t>
             </a:r>
             <a:r>
               <a:rPr lang="he-IL" dirty="0"/>
-              <a:t> הוא יחסית גדול מה שנובע מההגרלות הרנדומליות במילוי המספרים. לפעמים זה פוגע בול ולפעמים ממש בכיוון בעייתי שמתברר כבעייתי רק בסוף הרקורסיה.</a:t>
-            </a:r>
-          </a:p>
-          <a:p>
-            <a:r>
-              <a:rPr lang="he-IL" dirty="0"/>
-              <a:t>פתרון </a:t>
-            </a:r>
-            <a:r>
-              <a:rPr lang="he-IL" dirty="0" err="1"/>
-              <a:t>הבקטרקינג</a:t>
-            </a:r>
-            <a:r>
-              <a:rPr lang="he-IL" dirty="0"/>
-              <a:t> אינו יציב וישנם לוחות בהם הזמן לפתרון יהיה מעל 5 דקות.</a:t>
-            </a:r>
-          </a:p>
-          <a:p>
-            <a:r>
-              <a:rPr lang="he-IL" dirty="0"/>
-              <a:t>כמובן </a:t>
-            </a:r>
-            <a:r>
-              <a:rPr lang="he-IL" dirty="0" err="1"/>
-              <a:t>שהבקטרקינג</a:t>
-            </a:r>
-            <a:r>
-              <a:rPr lang="he-IL" dirty="0"/>
-              <a:t> יפתור נכונה את הלוח מכיוון שהוא מנסה את כל הפתרונות שעומדים בחוקיות המשחק.</a:t>
-            </a:r>
-          </a:p>
-          <a:p>
-            <a:endParaRPr lang="he-IL" dirty="0"/>
-          </a:p>
-          <a:p>
-            <a:r>
-              <a:rPr lang="he-IL" dirty="0"/>
-              <a:t>יש לשים לב שלרשת הכנסנו לוח </a:t>
-            </a:r>
-            <a:r>
-              <a:rPr lang="he-IL" dirty="0" err="1"/>
-              <a:t>לוח</a:t>
-            </a:r>
-            <a:r>
-              <a:rPr lang="he-IL" dirty="0"/>
-              <a:t> ולא </a:t>
-            </a:r>
-            <a:r>
-              <a:rPr lang="he-IL" dirty="0" err="1"/>
-              <a:t>באטצ</a:t>
-            </a:r>
-            <a:r>
-              <a:rPr lang="he-IL" dirty="0"/>
-              <a:t> עם כל הלוחות. אם היינו עושים זאת, הזמן הממוצע לפתרון לוח יורד פלאים ל 0.00016 שניות שזה 0.16 מילי שניות. </a:t>
-            </a:r>
-          </a:p>
-          <a:p>
-            <a:endParaRPr lang="he-IL" dirty="0"/>
-          </a:p>
-          <a:p>
+              <a:t> (וגם 5  מעט) ועם מילוי 5 רמות הביטחון משתנות כי 5 לא יכול להיות יותר במשבת העליונה בבלוק של </a:t>
+            </a:r>
+            <a:r>
+              <a:rPr lang="he-IL"/>
+              <a:t>התא </a:t>
+            </a:r>
             <a:endParaRPr lang="he-IL" dirty="0"/>
           </a:p>
         </p:txBody>
@@ -1269,7 +1251,7 @@
           <a:p>
             <a:fld id="{9EDA4E3B-FBC5-452B-B234-E35138224BE7}" type="slidenum">
               <a:rPr lang="he-IL" smtClean="0"/>
-              <a:t>18</a:t>
+              <a:t>16</a:t>
             </a:fld>
             <a:endParaRPr lang="he-IL"/>
           </a:p>
@@ -1278,7 +1260,7 @@
     </p:spTree>
     <p:extLst>
       <p:ext uri="{BB962C8B-B14F-4D97-AF65-F5344CB8AC3E}">
-        <p14:creationId xmlns:p14="http://schemas.microsoft.com/office/powerpoint/2010/main" val="2131405368"/>
+        <p14:creationId xmlns:p14="http://schemas.microsoft.com/office/powerpoint/2010/main" val="3334658335"/>
       </p:ext>
     </p:extLst>
   </p:cSld>
@@ -1334,23 +1316,7 @@
           <a:p>
             <a:r>
               <a:rPr lang="he-IL" dirty="0"/>
-              <a:t>ניתן לראות שזמן הריצה של </a:t>
-            </a:r>
-            <a:r>
-              <a:rPr lang="he-IL" dirty="0" err="1"/>
-              <a:t>הבקטרקינג</a:t>
-            </a:r>
-            <a:r>
-              <a:rPr lang="he-IL" dirty="0"/>
-              <a:t> גדל </a:t>
-            </a:r>
-            <a:r>
-              <a:rPr lang="he-IL" dirty="0" err="1"/>
-              <a:t>אקספוננציאלית</a:t>
-            </a:r>
-            <a:r>
-              <a:rPr lang="he-IL" dirty="0"/>
-              <a:t> עם מספר המחוקים בלוח לעומת הרשת.</a:t>
+              <a:t>וברגע שרמת הביטחון היא הגבוהה ביותר, הרשת ממלאת את התא המתאים ב 5.</a:t>
             </a:r>
           </a:p>
           <a:p>
@@ -1375,7 +1341,7 @@
           <a:p>
             <a:fld id="{9EDA4E3B-FBC5-452B-B234-E35138224BE7}" type="slidenum">
               <a:rPr lang="he-IL" smtClean="0"/>
-              <a:t>19</a:t>
+              <a:t>17</a:t>
             </a:fld>
             <a:endParaRPr lang="he-IL"/>
           </a:p>
@@ -1384,7 +1350,7 @@
     </p:spTree>
     <p:extLst>
       <p:ext uri="{BB962C8B-B14F-4D97-AF65-F5344CB8AC3E}">
-        <p14:creationId xmlns:p14="http://schemas.microsoft.com/office/powerpoint/2010/main" val="4290982572"/>
+        <p14:creationId xmlns:p14="http://schemas.microsoft.com/office/powerpoint/2010/main" val="1560908991"/>
       </p:ext>
     </p:extLst>
   </p:cSld>
@@ -1438,134 +1404,73 @@
           <a:bodyPr/>
           <a:lstStyle/>
           <a:p>
-            <a:pPr marL="228600" indent="-228600">
-              <a:buAutoNum type="arabicPeriod"/>
-            </a:pPr>
             <a:r>
               <a:rPr lang="he-IL" dirty="0"/>
-              <a:t>לפי העקיבה אחרי הלוח ואחרי תא בודד</a:t>
-            </a:r>
-          </a:p>
-          <a:p>
-            <a:pPr marL="685800" lvl="1" indent="-228600">
-              <a:buAutoNum type="arabicPeriod"/>
-            </a:pPr>
+              <a:t>סטיית התקן של זמן הריצה עבור </a:t>
+            </a:r>
+            <a:r>
+              <a:rPr lang="he-IL" dirty="0" err="1"/>
+              <a:t>הבקטרקינג</a:t>
+            </a:r>
             <a:r>
               <a:rPr lang="he-IL" dirty="0"/>
-              <a:t>מהיר יותר בממוצע </a:t>
+              <a:t> הוא יחסית גדול מה שנובע מההגרלות הרנדומליות במילוי המספרים. לפעמים זה פוגע בול ולפעמים ממש בכיוון בעייתי שמתברר כבעייתי רק בסוף הרקורסיה.</a:t>
+            </a:r>
+          </a:p>
+          <a:p>
+            <a:r>
+              <a:rPr lang="he-IL" dirty="0"/>
+              <a:t>פתרון </a:t>
             </a:r>
             <a:r>
               <a:rPr lang="he-IL" dirty="0" err="1"/>
-              <a:t>מבקטרקינג</a:t>
+              <a:t>הבקטרקינג</a:t>
             </a:r>
             <a:r>
               <a:rPr lang="he-IL" dirty="0"/>
-              <a:t> ואופציות </a:t>
-            </a:r>
-            <a:r>
-              <a:rPr lang="en-US" dirty="0"/>
-              <a:t>brute-force</a:t>
-            </a:r>
+              <a:t> אינו יציב וישנם לוחות בהם הזמן לפתרון יהיה מעל 5 דקות.</a:t>
+            </a:r>
+          </a:p>
+          <a:p>
             <a:r>
               <a:rPr lang="he-IL" dirty="0"/>
-              <a:t> </a:t>
-            </a:r>
-          </a:p>
-          <a:p>
-            <a:pPr marL="685800" lvl="1" indent="-228600">
-              <a:buAutoNum type="arabicPeriod"/>
-            </a:pPr>
+              <a:t>כמובן </a:t>
+            </a:r>
+            <a:r>
+              <a:rPr lang="he-IL" dirty="0" err="1"/>
+              <a:t>שהבקטרקינג</a:t>
+            </a:r>
             <a:r>
               <a:rPr lang="he-IL" dirty="0"/>
-              <a:t>יציב מכיוון שזמן הריצה קצר וקבוע יחסית</a:t>
-            </a:r>
-          </a:p>
-          <a:p>
-            <a:pPr marL="228600" lvl="0" indent="-228600">
-              <a:buAutoNum type="arabicPeriod"/>
-            </a:pPr>
+              <a:t> יפתור נכונה את הלוח מכיוון שהוא מנסה את כל הפתרונות שעומדים בחוקיות המשחק.</a:t>
+            </a:r>
+          </a:p>
+          <a:p>
+            <a:endParaRPr lang="he-IL" dirty="0"/>
+          </a:p>
+          <a:p>
             <a:r>
               <a:rPr lang="he-IL" dirty="0"/>
-              <a:t>עבור מקרה שבו לא עשינו למידה בשלבים, ראינו שתוצאות הרשת הרבה פחות טובות. – </a:t>
+              <a:t>יש לשים לב שלרשת הכנסנו לוח </a:t>
             </a:r>
             <a:r>
               <a:rPr lang="he-IL" dirty="0" err="1"/>
-              <a:t>לעשותתתתתתתתתתתתתתתתתת</a:t>
-            </a:r>
-            <a:endParaRPr lang="he-IL" dirty="0"/>
-          </a:p>
-          <a:p>
-            <a:pPr marL="685800" lvl="1" indent="-228600">
-              <a:buAutoNum type="arabicPeriod"/>
-            </a:pPr>
+              <a:t>לוח</a:t>
+            </a:r>
             <a:r>
               <a:rPr lang="he-IL" dirty="0"/>
-              <a:t>מחיקה עם פילוג שדאגה לשמר את הזיכרון של הרשת</a:t>
-            </a:r>
-          </a:p>
-          <a:p>
-            <a:pPr marL="685800" marR="0" lvl="1" indent="-228600" algn="r" defTabSz="914400" rtl="1" eaLnBrk="1" fontAlgn="auto" latinLnBrk="0" hangingPunct="1">
-              <a:lnSpc>
-                <a:spcPct val="100000"/>
-              </a:lnSpc>
-              <a:spcBef>
-                <a:spcPts val="0"/>
-              </a:spcBef>
-              <a:spcAft>
-                <a:spcPts val="0"/>
-              </a:spcAft>
-              <a:buClrTx/>
-              <a:buSzTx/>
-              <a:buFontTx/>
-              <a:buAutoNum type="arabicPeriod"/>
-              <a:tabLst/>
-              <a:defRPr/>
-            </a:pPr>
+              <a:t> ולא </a:t>
+            </a:r>
+            <a:r>
+              <a:rPr lang="he-IL" dirty="0" err="1"/>
+              <a:t>באטצ</a:t>
+            </a:r>
             <a:r>
               <a:rPr lang="he-IL" dirty="0"/>
-              <a:t>מחיקה הולמת של איברים כך שלא נוצר מצב שבו המשחק </a:t>
-            </a:r>
-            <a:r>
-              <a:rPr lang="he-IL" dirty="0" err="1"/>
-              <a:t>מאבבד</a:t>
-            </a:r>
-            <a:r>
-              <a:rPr lang="he-IL" dirty="0"/>
-              <a:t> את אופיו ויש לו שני פתרונות למשל ואז הרשת עלולה לטעות כמו שאדם יכול לטעות בלהגיע ללוח הפתרון הידוע. אם בנאדם יפתור זה יכול אומנם להגיע לפתרון אבל לא בהכרח זה יהיה הפתרון שהרשת רצתה ולכן היא קנסה עליו. </a:t>
-            </a:r>
-            <a:r>
-              <a:rPr lang="en-US" sz="1200" dirty="0"/>
-              <a:t>Remain the game appropriate</a:t>
-            </a:r>
-            <a:endParaRPr lang="en-US" sz="1400" dirty="0"/>
-          </a:p>
-          <a:p>
-            <a:pPr marL="685800" lvl="1" indent="-228600">
-              <a:buAutoNum type="arabicPeriod"/>
-            </a:pPr>
-            <a:r>
-              <a:rPr lang="he-IL" dirty="0"/>
-              <a:t>אחד הדברים שלמדנו – מעבר </a:t>
-            </a:r>
-            <a:r>
-              <a:rPr lang="he-IL" dirty="0" err="1"/>
-              <a:t>לארכיטרקוטרת</a:t>
-            </a:r>
-            <a:r>
-              <a:rPr lang="he-IL" dirty="0"/>
-              <a:t> הרשת אז חשובה גם שיטת האימון חשובה מאוד.</a:t>
-            </a:r>
-          </a:p>
-          <a:p>
-            <a:pPr marL="685800" lvl="1" indent="-228600">
-              <a:buAutoNum type="arabicPeriod"/>
-            </a:pPr>
-            <a:endParaRPr lang="he-IL" dirty="0"/>
-          </a:p>
-          <a:p>
-            <a:pPr marL="457200" lvl="1" indent="0">
-              <a:buNone/>
-            </a:pPr>
+              <a:t> עם כל הלוחות. אם היינו עושים זאת, הזמן הממוצע לפתרון לוח יורד פלאים ל 0.00016 שניות שזה 0.16 מילי שניות. </a:t>
+            </a:r>
+          </a:p>
+          <a:p>
             <a:endParaRPr lang="he-IL" dirty="0"/>
           </a:p>
           <a:p>
@@ -1590,6 +1495,327 @@
           <a:p>
             <a:fld id="{9EDA4E3B-FBC5-452B-B234-E35138224BE7}" type="slidenum">
               <a:rPr lang="he-IL" smtClean="0"/>
+              <a:t>18</a:t>
+            </a:fld>
+            <a:endParaRPr lang="he-IL"/>
+          </a:p>
+        </p:txBody>
+      </p:sp>
+    </p:spTree>
+    <p:extLst>
+      <p:ext uri="{BB962C8B-B14F-4D97-AF65-F5344CB8AC3E}">
+        <p14:creationId xmlns:p14="http://schemas.microsoft.com/office/powerpoint/2010/main" val="2131405368"/>
+      </p:ext>
+    </p:extLst>
+  </p:cSld>
+  <p:clrMapOvr>
+    <a:masterClrMapping/>
+  </p:clrMapOvr>
+</p:notes>
+</file>
+
+<file path=ppt/notesSlides/notesSlide17.xml><?xml version="1.0" encoding="utf-8"?>
+<p:notes xmlns:a="http://schemas.openxmlformats.org/drawingml/2006/main" xmlns:r="http://schemas.openxmlformats.org/officeDocument/2006/relationships" xmlns:p="http://schemas.openxmlformats.org/presentationml/2006/main">
+  <p:cSld>
+    <p:spTree>
+      <p:nvGrpSpPr>
+        <p:cNvPr id="1" name=""/>
+        <p:cNvGrpSpPr/>
+        <p:nvPr/>
+      </p:nvGrpSpPr>
+      <p:grpSpPr>
+        <a:xfrm>
+          <a:off x="0" y="0"/>
+          <a:ext cx="0" cy="0"/>
+          <a:chOff x="0" y="0"/>
+          <a:chExt cx="0" cy="0"/>
+        </a:xfrm>
+      </p:grpSpPr>
+      <p:sp>
+        <p:nvSpPr>
+          <p:cNvPr id="2" name="מציין מיקום של תמונת שקופית 1"/>
+          <p:cNvSpPr>
+            <a:spLocks noGrp="1" noRot="1" noChangeAspect="1"/>
+          </p:cNvSpPr>
+          <p:nvPr>
+            <p:ph type="sldImg"/>
+          </p:nvPr>
+        </p:nvSpPr>
+        <p:spPr/>
+      </p:sp>
+      <p:sp>
+        <p:nvSpPr>
+          <p:cNvPr id="3" name="מציין מיקום של הערות 2"/>
+          <p:cNvSpPr>
+            <a:spLocks noGrp="1"/>
+          </p:cNvSpPr>
+          <p:nvPr>
+            <p:ph type="body" idx="1"/>
+          </p:nvPr>
+        </p:nvSpPr>
+        <p:spPr/>
+        <p:txBody>
+          <a:bodyPr/>
+          <a:lstStyle/>
+          <a:p>
+            <a:r>
+              <a:rPr lang="he-IL" dirty="0"/>
+              <a:t>ניתן לראות שזמן הריצה של </a:t>
+            </a:r>
+            <a:r>
+              <a:rPr lang="he-IL" dirty="0" err="1"/>
+              <a:t>הבקטרקינג</a:t>
+            </a:r>
+            <a:r>
+              <a:rPr lang="he-IL" dirty="0"/>
+              <a:t> גדל </a:t>
+            </a:r>
+            <a:r>
+              <a:rPr lang="he-IL" dirty="0" err="1"/>
+              <a:t>אקספוננציאלית</a:t>
+            </a:r>
+            <a:r>
+              <a:rPr lang="he-IL" dirty="0"/>
+              <a:t> עם מספר המחוקים בלוח לעומת הרשת.</a:t>
+            </a:r>
+          </a:p>
+          <a:p>
+            <a:endParaRPr lang="he-IL" dirty="0"/>
+          </a:p>
+        </p:txBody>
+      </p:sp>
+      <p:sp>
+        <p:nvSpPr>
+          <p:cNvPr id="4" name="מציין מיקום של מספר שקופית 3"/>
+          <p:cNvSpPr>
+            <a:spLocks noGrp="1"/>
+          </p:cNvSpPr>
+          <p:nvPr>
+            <p:ph type="sldNum" sz="quarter" idx="5"/>
+          </p:nvPr>
+        </p:nvSpPr>
+        <p:spPr/>
+        <p:txBody>
+          <a:bodyPr/>
+          <a:lstStyle/>
+          <a:p>
+            <a:fld id="{9EDA4E3B-FBC5-452B-B234-E35138224BE7}" type="slidenum">
+              <a:rPr lang="he-IL" smtClean="0"/>
+              <a:t>19</a:t>
+            </a:fld>
+            <a:endParaRPr lang="he-IL"/>
+          </a:p>
+        </p:txBody>
+      </p:sp>
+    </p:spTree>
+    <p:extLst>
+      <p:ext uri="{BB962C8B-B14F-4D97-AF65-F5344CB8AC3E}">
+        <p14:creationId xmlns:p14="http://schemas.microsoft.com/office/powerpoint/2010/main" val="4290982572"/>
+      </p:ext>
+    </p:extLst>
+  </p:cSld>
+  <p:clrMapOvr>
+    <a:masterClrMapping/>
+  </p:clrMapOvr>
+</p:notes>
+</file>
+
+<file path=ppt/notesSlides/notesSlide18.xml><?xml version="1.0" encoding="utf-8"?>
+<p:notes xmlns:a="http://schemas.openxmlformats.org/drawingml/2006/main" xmlns:r="http://schemas.openxmlformats.org/officeDocument/2006/relationships" xmlns:p="http://schemas.openxmlformats.org/presentationml/2006/main">
+  <p:cSld>
+    <p:spTree>
+      <p:nvGrpSpPr>
+        <p:cNvPr id="1" name=""/>
+        <p:cNvGrpSpPr/>
+        <p:nvPr/>
+      </p:nvGrpSpPr>
+      <p:grpSpPr>
+        <a:xfrm>
+          <a:off x="0" y="0"/>
+          <a:ext cx="0" cy="0"/>
+          <a:chOff x="0" y="0"/>
+          <a:chExt cx="0" cy="0"/>
+        </a:xfrm>
+      </p:grpSpPr>
+      <p:sp>
+        <p:nvSpPr>
+          <p:cNvPr id="2" name="מציין מיקום של תמונת שקופית 1"/>
+          <p:cNvSpPr>
+            <a:spLocks noGrp="1" noRot="1" noChangeAspect="1"/>
+          </p:cNvSpPr>
+          <p:nvPr>
+            <p:ph type="sldImg"/>
+          </p:nvPr>
+        </p:nvSpPr>
+        <p:spPr/>
+      </p:sp>
+      <p:sp>
+        <p:nvSpPr>
+          <p:cNvPr id="3" name="מציין מיקום של הערות 2"/>
+          <p:cNvSpPr>
+            <a:spLocks noGrp="1"/>
+          </p:cNvSpPr>
+          <p:nvPr>
+            <p:ph type="body" idx="1"/>
+          </p:nvPr>
+        </p:nvSpPr>
+        <p:spPr/>
+        <p:txBody>
+          <a:bodyPr/>
+          <a:lstStyle/>
+          <a:p>
+            <a:pPr marL="228600" indent="-228600">
+              <a:buAutoNum type="arabicPeriod"/>
+            </a:pPr>
+            <a:r>
+              <a:rPr lang="he-IL" dirty="0"/>
+              <a:t>לפי העקיבה אחרי הלוח ואחרי תא בודד</a:t>
+            </a:r>
+          </a:p>
+          <a:p>
+            <a:pPr marL="685800" lvl="1" indent="-228600">
+              <a:buAutoNum type="arabicPeriod"/>
+            </a:pPr>
+            <a:r>
+              <a:rPr lang="he-IL" dirty="0"/>
+              <a:t>מהיר יותר בממוצע </a:t>
+            </a:r>
+            <a:r>
+              <a:rPr lang="he-IL" dirty="0" err="1"/>
+              <a:t>מבקטרקינג</a:t>
+            </a:r>
+            <a:r>
+              <a:rPr lang="he-IL" dirty="0"/>
+              <a:t> ואופציות </a:t>
+            </a:r>
+            <a:r>
+              <a:rPr lang="en-US" dirty="0"/>
+              <a:t>brute-force</a:t>
+            </a:r>
+            <a:r>
+              <a:rPr lang="he-IL" dirty="0"/>
+              <a:t> </a:t>
+            </a:r>
+          </a:p>
+          <a:p>
+            <a:pPr marL="685800" lvl="1" indent="-228600">
+              <a:buAutoNum type="arabicPeriod"/>
+            </a:pPr>
+            <a:r>
+              <a:rPr lang="he-IL" dirty="0"/>
+              <a:t>יציב מכיוון שזמן הריצה קצר וקבוע יחסית</a:t>
+            </a:r>
+          </a:p>
+          <a:p>
+            <a:pPr marL="228600" lvl="0" indent="-228600">
+              <a:buAutoNum type="arabicPeriod"/>
+            </a:pPr>
+            <a:r>
+              <a:rPr lang="he-IL" dirty="0"/>
+              <a:t>עבור מקרה שבו לא עשינו למידה בשלבים, ראינו שתוצאות הרשת הרבה פחות טובות. – </a:t>
+            </a:r>
+            <a:r>
+              <a:rPr lang="he-IL" dirty="0" err="1"/>
+              <a:t>לעשותתתתתתתתתתתתתתתתתת</a:t>
+            </a:r>
+            <a:endParaRPr lang="he-IL" dirty="0"/>
+          </a:p>
+          <a:p>
+            <a:pPr marL="685800" lvl="1" indent="-228600">
+              <a:buAutoNum type="arabicPeriod"/>
+            </a:pPr>
+            <a:r>
+              <a:rPr lang="he-IL" dirty="0"/>
+              <a:t>מחיקה עם פילוג שדאגה לשמר את הזיכרון של הרשת</a:t>
+            </a:r>
+          </a:p>
+          <a:p>
+            <a:pPr marL="685800" marR="0" lvl="1" indent="-228600" algn="r" defTabSz="914400" rtl="1" eaLnBrk="1" fontAlgn="auto" latinLnBrk="0" hangingPunct="1">
+              <a:lnSpc>
+                <a:spcPct val="100000"/>
+              </a:lnSpc>
+              <a:spcBef>
+                <a:spcPts val="0"/>
+              </a:spcBef>
+              <a:spcAft>
+                <a:spcPts val="0"/>
+              </a:spcAft>
+              <a:buClrTx/>
+              <a:buSzTx/>
+              <a:buFontTx/>
+              <a:buAutoNum type="arabicPeriod"/>
+              <a:tabLst/>
+              <a:defRPr/>
+            </a:pPr>
+            <a:r>
+              <a:rPr lang="he-IL" dirty="0"/>
+              <a:t>מחיקה הולמת של איברים כך שלא נוצר מצב שבו המשחק </a:t>
+            </a:r>
+            <a:r>
+              <a:rPr lang="he-IL" dirty="0" err="1"/>
+              <a:t>מאבבד</a:t>
+            </a:r>
+            <a:r>
+              <a:rPr lang="he-IL" dirty="0"/>
+              <a:t> את אופיו ויש לו שני פתרונות למשל ואז הרשת עלולה לטעות כמו שאדם יכול לטעות בלהגיע ללוח הפתרון הידוע. אם בנאדם יפתור זה יכול אומנם להגיע לפתרון אבל לא בהכרח זה יהיה הפתרון שהרשת רצתה ולכן היא קנסה עליו. </a:t>
+            </a:r>
+            <a:r>
+              <a:rPr lang="en-US" sz="1200" dirty="0"/>
+              <a:t>Remain the game appropriate</a:t>
+            </a:r>
+            <a:endParaRPr lang="en-US" sz="1400" dirty="0"/>
+          </a:p>
+          <a:p>
+            <a:pPr marL="685800" lvl="1" indent="-228600">
+              <a:buAutoNum type="arabicPeriod"/>
+            </a:pPr>
+            <a:r>
+              <a:rPr lang="he-IL" dirty="0"/>
+              <a:t>אחד הדברים שלמדנו – מעבר </a:t>
+            </a:r>
+            <a:r>
+              <a:rPr lang="he-IL" dirty="0" err="1"/>
+              <a:t>לארכיטרקוטרת</a:t>
+            </a:r>
+            <a:r>
+              <a:rPr lang="he-IL" dirty="0"/>
+              <a:t> הרשת אז חשובה גם שיטת האימון חשובה מאוד.</a:t>
+            </a:r>
+          </a:p>
+          <a:p>
+            <a:pPr marL="685800" lvl="1" indent="-228600">
+              <a:buAutoNum type="arabicPeriod"/>
+            </a:pPr>
+            <a:endParaRPr lang="he-IL" dirty="0"/>
+          </a:p>
+          <a:p>
+            <a:pPr marL="457200" lvl="1" indent="0">
+              <a:buNone/>
+            </a:pPr>
+            <a:endParaRPr lang="he-IL" dirty="0"/>
+          </a:p>
+          <a:p>
+            <a:endParaRPr lang="he-IL" dirty="0"/>
+          </a:p>
+        </p:txBody>
+      </p:sp>
+      <p:sp>
+        <p:nvSpPr>
+          <p:cNvPr id="4" name="מציין מיקום של מספר שקופית 3"/>
+          <p:cNvSpPr>
+            <a:spLocks noGrp="1"/>
+          </p:cNvSpPr>
+          <p:nvPr>
+            <p:ph type="sldNum" sz="quarter" idx="5"/>
+          </p:nvPr>
+        </p:nvSpPr>
+        <p:spPr/>
+        <p:txBody>
+          <a:bodyPr/>
+          <a:lstStyle/>
+          <a:p>
+            <a:fld id="{9EDA4E3B-FBC5-452B-B234-E35138224BE7}" type="slidenum">
+              <a:rPr lang="he-IL" smtClean="0"/>
               <a:t>20</a:t>
             </a:fld>
             <a:endParaRPr lang="he-IL"/>
@@ -1609,7 +1835,7 @@
 </p:notes>
 </file>
 
-<file path=ppt/notesSlides/notesSlide17.xml><?xml version="1.0" encoding="utf-8"?>
+<file path=ppt/notesSlides/notesSlide19.xml><?xml version="1.0" encoding="utf-8"?>
 <p:notes xmlns:a="http://schemas.openxmlformats.org/drawingml/2006/main" xmlns:r="http://schemas.openxmlformats.org/officeDocument/2006/relationships" xmlns:p="http://schemas.openxmlformats.org/presentationml/2006/main">
   <p:cSld>
     <p:spTree>
@@ -2720,7 +2946,7 @@
           <a:p>
             <a:r>
               <a:rPr lang="he-IL" dirty="0"/>
-              <a:t>1. מתחילים במחיקה של איבר בודד ומאמנים, אחד כך שני איברים מחוקים ומאמנים וכך הלאה. </a:t>
+              <a:t>1. מתחילים במחיקה של איבר בודד ומאמנים, אחד כך שני איברים מחוקים ומאמנים וכך הלאה. ממחיקה של 10 הקפיצות היו ב 2 כל פעם.</a:t>
             </a:r>
           </a:p>
           <a:p>
@@ -7383,14 +7609,14 @@
             <p:ph idx="1"/>
             <p:extLst>
               <p:ext uri="{D42A27DB-BD31-4B8C-83A1-F6EECF244321}">
-                <p14:modId xmlns:p14="http://schemas.microsoft.com/office/powerpoint/2010/main" val="1038553628"/>
+                <p14:modId xmlns:p14="http://schemas.microsoft.com/office/powerpoint/2010/main" val="1866941619"/>
               </p:ext>
             </p:extLst>
           </p:nvPr>
         </p:nvGraphicFramePr>
         <p:xfrm>
           <a:off x="96253" y="1405288"/>
-          <a:ext cx="8970744" cy="4865146"/>
+          <a:ext cx="8970744" cy="4806826"/>
         </p:xfrm>
         <a:graphic>
           <a:graphicData uri="http://schemas.openxmlformats.org/drawingml/2006/table">
@@ -7413,21 +7639,21 @@
                     </a:ext>
                   </a:extLst>
                 </a:gridCol>
-                <a:gridCol w="1443789">
+                <a:gridCol w="1301396">
                   <a:extLst>
                     <a:ext uri="{9D8B030D-6E8A-4147-A177-3AD203B41FA5}">
                       <a16:colId xmlns:a16="http://schemas.microsoft.com/office/drawing/2014/main" val="1379176819"/>
                     </a:ext>
                   </a:extLst>
                 </a:gridCol>
-                <a:gridCol w="1607419">
+                <a:gridCol w="1567543">
                   <a:extLst>
                     <a:ext uri="{9D8B030D-6E8A-4147-A177-3AD203B41FA5}">
                       <a16:colId xmlns:a16="http://schemas.microsoft.com/office/drawing/2014/main" val="606731208"/>
                     </a:ext>
                   </a:extLst>
                 </a:gridCol>
-                <a:gridCol w="1225797">
+                <a:gridCol w="1408066">
                   <a:extLst>
                     <a:ext uri="{9D8B030D-6E8A-4147-A177-3AD203B41FA5}">
                       <a16:colId xmlns:a16="http://schemas.microsoft.com/office/drawing/2014/main" val="1202457364"/>
@@ -7442,7 +7668,7 @@
                   </a:extLst>
                 </a:gridCol>
               </a:tblGrid>
-              <a:tr h="1323282">
+              <a:tr h="1106106">
                 <a:tc>
                   <a:txBody>
                     <a:bodyPr/>
@@ -7851,7 +8077,7 @@
                   </a:ext>
                 </a:extLst>
               </a:tr>
-              <a:tr h="885466">
+              <a:tr h="740144">
                 <a:tc>
                   <a:txBody>
                     <a:bodyPr/>
@@ -8287,873 +8513,7 @@
                   </a:ext>
                 </a:extLst>
               </a:tr>
-              <a:tr h="885466">
-                <a:tc>
-                  <a:txBody>
-                    <a:bodyPr/>
-                    <a:lstStyle/>
-                    <a:p>
-                      <a:pPr algn="ctr" rtl="0" fontAlgn="t">
-                        <a:lnSpc>
-                          <a:spcPct val="107000"/>
-                        </a:lnSpc>
-                        <a:spcBef>
-                          <a:spcPts val="0"/>
-                        </a:spcBef>
-                        <a:spcAft>
-                          <a:spcPts val="800"/>
-                        </a:spcAft>
-                      </a:pPr>
-                      <a:r>
-                        <a:rPr lang="en-US" sz="2000" b="0" u="none" strike="noStrike" dirty="0">
-                          <a:effectLst/>
-                        </a:rPr>
-                        <a:t>0.06[s]</a:t>
-                      </a:r>
-                      <a:endParaRPr lang="he-IL" sz="2000" b="0" i="0" u="none" strike="noStrike" dirty="0">
-                        <a:effectLst/>
-                        <a:latin typeface="Arial" panose="020B0604020202020204" pitchFamily="34" charset="0"/>
-                      </a:endParaRPr>
-                    </a:p>
-                  </a:txBody>
-                  <a:tcPr marL="68580" marR="68580" marT="9525" marB="0" anchor="ctr">
-                    <a:lnL w="12700" cap="flat" cmpd="sng" algn="ctr">
-                      <a:solidFill>
-                        <a:schemeClr val="tx1"/>
-                      </a:solidFill>
-                      <a:prstDash val="solid"/>
-                      <a:round/>
-                      <a:headEnd type="none" w="med" len="med"/>
-                      <a:tailEnd type="none" w="med" len="med"/>
-                    </a:lnL>
-                    <a:lnR w="12700" cap="flat" cmpd="sng" algn="ctr">
-                      <a:solidFill>
-                        <a:schemeClr val="tx1"/>
-                      </a:solidFill>
-                      <a:prstDash val="solid"/>
-                      <a:round/>
-                      <a:headEnd type="none" w="med" len="med"/>
-                      <a:tailEnd type="none" w="med" len="med"/>
-                    </a:lnR>
-                    <a:lnT w="12700" cap="flat" cmpd="sng" algn="ctr">
-                      <a:solidFill>
-                        <a:schemeClr val="tx1"/>
-                      </a:solidFill>
-                      <a:prstDash val="solid"/>
-                      <a:round/>
-                      <a:headEnd type="none" w="med" len="med"/>
-                      <a:tailEnd type="none" w="med" len="med"/>
-                    </a:lnT>
-                    <a:lnB w="12700" cap="flat" cmpd="sng" algn="ctr">
-                      <a:solidFill>
-                        <a:schemeClr val="tx1"/>
-                      </a:solidFill>
-                      <a:prstDash val="solid"/>
-                      <a:round/>
-                      <a:headEnd type="none" w="med" len="med"/>
-                      <a:tailEnd type="none" w="med" len="med"/>
-                    </a:lnB>
-                  </a:tcPr>
-                </a:tc>
-                <a:tc>
-                  <a:txBody>
-                    <a:bodyPr/>
-                    <a:lstStyle/>
-                    <a:p>
-                      <a:pPr algn="ctr" rtl="0" fontAlgn="t">
-                        <a:lnSpc>
-                          <a:spcPct val="107000"/>
-                        </a:lnSpc>
-                        <a:spcBef>
-                          <a:spcPts val="0"/>
-                        </a:spcBef>
-                        <a:spcAft>
-                          <a:spcPts val="800"/>
-                        </a:spcAft>
-                      </a:pPr>
-                      <a:r>
-                        <a:rPr lang="he-IL" sz="1800" kern="1200" dirty="0">
-                          <a:solidFill>
-                            <a:schemeClr val="dk1"/>
-                          </a:solidFill>
-                          <a:effectLst/>
-                        </a:rPr>
-                        <a:t>98.9%</a:t>
-                      </a:r>
-                      <a:endParaRPr lang="he-IL" sz="2000" b="0" i="0" u="none" strike="noStrike" dirty="0">
-                        <a:effectLst/>
-                        <a:latin typeface="Arial" panose="020B0604020202020204" pitchFamily="34" charset="0"/>
-                      </a:endParaRPr>
-                    </a:p>
-                  </a:txBody>
-                  <a:tcPr marL="68580" marR="68580" marT="9525" marB="0" anchor="ctr">
-                    <a:lnL w="12700" cap="flat" cmpd="sng" algn="ctr">
-                      <a:solidFill>
-                        <a:schemeClr val="tx1"/>
-                      </a:solidFill>
-                      <a:prstDash val="solid"/>
-                      <a:round/>
-                      <a:headEnd type="none" w="med" len="med"/>
-                      <a:tailEnd type="none" w="med" len="med"/>
-                    </a:lnL>
-                    <a:lnR w="12700" cap="flat" cmpd="sng" algn="ctr">
-                      <a:solidFill>
-                        <a:schemeClr val="tx1"/>
-                      </a:solidFill>
-                      <a:prstDash val="solid"/>
-                      <a:round/>
-                      <a:headEnd type="none" w="med" len="med"/>
-                      <a:tailEnd type="none" w="med" len="med"/>
-                    </a:lnR>
-                    <a:lnT w="12700" cap="flat" cmpd="sng" algn="ctr">
-                      <a:solidFill>
-                        <a:schemeClr val="tx1"/>
-                      </a:solidFill>
-                      <a:prstDash val="solid"/>
-                      <a:round/>
-                      <a:headEnd type="none" w="med" len="med"/>
-                      <a:tailEnd type="none" w="med" len="med"/>
-                    </a:lnT>
-                    <a:lnB w="12700" cap="flat" cmpd="sng" algn="ctr">
-                      <a:solidFill>
-                        <a:schemeClr val="tx1"/>
-                      </a:solidFill>
-                      <a:prstDash val="solid"/>
-                      <a:round/>
-                      <a:headEnd type="none" w="med" len="med"/>
-                      <a:tailEnd type="none" w="med" len="med"/>
-                    </a:lnB>
-                  </a:tcPr>
-                </a:tc>
-                <a:tc>
-                  <a:txBody>
-                    <a:bodyPr/>
-                    <a:lstStyle/>
-                    <a:p>
-                      <a:pPr algn="ctr" rtl="0" fontAlgn="t">
-                        <a:lnSpc>
-                          <a:spcPct val="107000"/>
-                        </a:lnSpc>
-                        <a:spcBef>
-                          <a:spcPts val="0"/>
-                        </a:spcBef>
-                        <a:spcAft>
-                          <a:spcPts val="800"/>
-                        </a:spcAft>
-                      </a:pPr>
-                      <a:r>
-                        <a:rPr lang="he-IL" sz="1800" kern="1200" dirty="0">
-                          <a:solidFill>
-                            <a:schemeClr val="dk1"/>
-                          </a:solidFill>
-                          <a:effectLst/>
-                        </a:rPr>
-                        <a:t>91%</a:t>
-                      </a:r>
-                      <a:endParaRPr lang="he-IL" sz="2000" b="0" i="0" u="none" strike="noStrike" dirty="0">
-                        <a:effectLst/>
-                        <a:latin typeface="Arial" panose="020B0604020202020204" pitchFamily="34" charset="0"/>
-                      </a:endParaRPr>
-                    </a:p>
-                  </a:txBody>
-                  <a:tcPr marL="68580" marR="68580" marT="9525" marB="0" anchor="ctr">
-                    <a:lnL w="12700" cap="flat" cmpd="sng" algn="ctr">
-                      <a:solidFill>
-                        <a:schemeClr val="tx1"/>
-                      </a:solidFill>
-                      <a:prstDash val="solid"/>
-                      <a:round/>
-                      <a:headEnd type="none" w="med" len="med"/>
-                      <a:tailEnd type="none" w="med" len="med"/>
-                    </a:lnL>
-                    <a:lnR w="12700" cap="flat" cmpd="sng" algn="ctr">
-                      <a:solidFill>
-                        <a:schemeClr val="tx1"/>
-                      </a:solidFill>
-                      <a:prstDash val="solid"/>
-                      <a:round/>
-                      <a:headEnd type="none" w="med" len="med"/>
-                      <a:tailEnd type="none" w="med" len="med"/>
-                    </a:lnR>
-                    <a:lnT w="12700" cap="flat" cmpd="sng" algn="ctr">
-                      <a:solidFill>
-                        <a:schemeClr val="tx1"/>
-                      </a:solidFill>
-                      <a:prstDash val="solid"/>
-                      <a:round/>
-                      <a:headEnd type="none" w="med" len="med"/>
-                      <a:tailEnd type="none" w="med" len="med"/>
-                    </a:lnT>
-                    <a:lnB w="12700" cap="flat" cmpd="sng" algn="ctr">
-                      <a:solidFill>
-                        <a:schemeClr val="tx1"/>
-                      </a:solidFill>
-                      <a:prstDash val="solid"/>
-                      <a:round/>
-                      <a:headEnd type="none" w="med" len="med"/>
-                      <a:tailEnd type="none" w="med" len="med"/>
-                    </a:lnB>
-                  </a:tcPr>
-                </a:tc>
-                <a:tc>
-                  <a:txBody>
-                    <a:bodyPr/>
-                    <a:lstStyle/>
-                    <a:p>
-                      <a:pPr algn="ctr" rtl="0" fontAlgn="t">
-                        <a:lnSpc>
-                          <a:spcPct val="107000"/>
-                        </a:lnSpc>
-                        <a:spcBef>
-                          <a:spcPts val="0"/>
-                        </a:spcBef>
-                        <a:spcAft>
-                          <a:spcPts val="800"/>
-                        </a:spcAft>
-                      </a:pPr>
-                      <a:r>
-                        <a:rPr lang="en-US" sz="2000" u="none" strike="noStrike" dirty="0">
-                          <a:effectLst/>
-                        </a:rPr>
-                        <a:t>Undistributed </a:t>
-                      </a:r>
-                      <a:r>
-                        <a:rPr lang="en-US" sz="2000" b="0" dirty="0">
-                          <a:solidFill>
-                            <a:srgbClr val="333333"/>
-                          </a:solidFill>
-                          <a:effectLst/>
-                        </a:rPr>
-                        <a:t>deletion</a:t>
-                      </a:r>
-                      <a:r>
-                        <a:rPr lang="en-US" sz="2000" u="none" strike="noStrike" dirty="0">
-                          <a:effectLst/>
-                        </a:rPr>
-                        <a:t> </a:t>
-                      </a:r>
-                      <a:endParaRPr lang="he-IL" sz="2000" b="0" i="0" u="none" strike="noStrike" dirty="0">
-                        <a:effectLst/>
-                        <a:latin typeface="Arial" panose="020B0604020202020204" pitchFamily="34" charset="0"/>
-                      </a:endParaRPr>
-                    </a:p>
-                  </a:txBody>
-                  <a:tcPr marL="68580" marR="68580" marT="9525" marB="0" anchor="ctr">
-                    <a:lnL w="12700" cap="flat" cmpd="sng" algn="ctr">
-                      <a:solidFill>
-                        <a:schemeClr val="tx1"/>
-                      </a:solidFill>
-                      <a:prstDash val="solid"/>
-                      <a:round/>
-                      <a:headEnd type="none" w="med" len="med"/>
-                      <a:tailEnd type="none" w="med" len="med"/>
-                    </a:lnL>
-                    <a:lnR w="12700" cap="flat" cmpd="sng" algn="ctr">
-                      <a:solidFill>
-                        <a:schemeClr val="tx1"/>
-                      </a:solidFill>
-                      <a:prstDash val="solid"/>
-                      <a:round/>
-                      <a:headEnd type="none" w="med" len="med"/>
-                      <a:tailEnd type="none" w="med" len="med"/>
-                    </a:lnR>
-                    <a:lnT w="12700" cap="flat" cmpd="sng" algn="ctr">
-                      <a:solidFill>
-                        <a:schemeClr val="tx1"/>
-                      </a:solidFill>
-                      <a:prstDash val="solid"/>
-                      <a:round/>
-                      <a:headEnd type="none" w="med" len="med"/>
-                      <a:tailEnd type="none" w="med" len="med"/>
-                    </a:lnT>
-                    <a:lnB w="12700" cap="flat" cmpd="sng" algn="ctr">
-                      <a:solidFill>
-                        <a:schemeClr val="tx1"/>
-                      </a:solidFill>
-                      <a:prstDash val="solid"/>
-                      <a:round/>
-                      <a:headEnd type="none" w="med" len="med"/>
-                      <a:tailEnd type="none" w="med" len="med"/>
-                    </a:lnB>
-                  </a:tcPr>
-                </a:tc>
-                <a:tc>
-                  <a:txBody>
-                    <a:bodyPr/>
-                    <a:lstStyle/>
-                    <a:p>
-                      <a:pPr algn="ctr" rtl="0" fontAlgn="t">
-                        <a:lnSpc>
-                          <a:spcPct val="107000"/>
-                        </a:lnSpc>
-                        <a:spcBef>
-                          <a:spcPts val="0"/>
-                        </a:spcBef>
-                        <a:spcAft>
-                          <a:spcPts val="800"/>
-                        </a:spcAft>
-                      </a:pPr>
-                      <a:r>
-                        <a:rPr lang="en-US" sz="2000" u="none" strike="noStrike" dirty="0">
-                          <a:effectLst/>
-                        </a:rPr>
-                        <a:t>Proper</a:t>
-                      </a:r>
-                      <a:r>
-                        <a:rPr lang="he-IL" sz="2000" u="none" strike="noStrike" dirty="0">
-                          <a:effectLst/>
-                        </a:rPr>
-                        <a:t> </a:t>
-                      </a:r>
-                      <a:endParaRPr lang="he-IL" sz="2000" b="0" i="0" u="none" strike="noStrike" dirty="0">
-                        <a:effectLst/>
-                        <a:latin typeface="Arial" panose="020B0604020202020204" pitchFamily="34" charset="0"/>
-                      </a:endParaRPr>
-                    </a:p>
-                  </a:txBody>
-                  <a:tcPr marL="68580" marR="68580" marT="9525" marB="0" anchor="ctr">
-                    <a:lnL w="12700" cap="flat" cmpd="sng" algn="ctr">
-                      <a:solidFill>
-                        <a:schemeClr val="tx1"/>
-                      </a:solidFill>
-                      <a:prstDash val="solid"/>
-                      <a:round/>
-                      <a:headEnd type="none" w="med" len="med"/>
-                      <a:tailEnd type="none" w="med" len="med"/>
-                    </a:lnL>
-                    <a:lnR w="12700" cap="flat" cmpd="sng" algn="ctr">
-                      <a:solidFill>
-                        <a:schemeClr val="tx1"/>
-                      </a:solidFill>
-                      <a:prstDash val="solid"/>
-                      <a:round/>
-                      <a:headEnd type="none" w="med" len="med"/>
-                      <a:tailEnd type="none" w="med" len="med"/>
-                    </a:lnR>
-                    <a:lnT w="12700" cap="flat" cmpd="sng" algn="ctr">
-                      <a:solidFill>
-                        <a:schemeClr val="tx1"/>
-                      </a:solidFill>
-                      <a:prstDash val="solid"/>
-                      <a:round/>
-                      <a:headEnd type="none" w="med" len="med"/>
-                      <a:tailEnd type="none" w="med" len="med"/>
-                    </a:lnT>
-                    <a:lnB w="12700" cap="flat" cmpd="sng" algn="ctr">
-                      <a:solidFill>
-                        <a:schemeClr val="tx1"/>
-                      </a:solidFill>
-                      <a:prstDash val="solid"/>
-                      <a:round/>
-                      <a:headEnd type="none" w="med" len="med"/>
-                      <a:tailEnd type="none" w="med" len="med"/>
-                    </a:lnB>
-                  </a:tcPr>
-                </a:tc>
-                <a:tc>
-                  <a:txBody>
-                    <a:bodyPr/>
-                    <a:lstStyle/>
-                    <a:p>
-                      <a:pPr algn="ctr" rtl="0" fontAlgn="t">
-                        <a:lnSpc>
-                          <a:spcPct val="107000"/>
-                        </a:lnSpc>
-                        <a:spcBef>
-                          <a:spcPts val="0"/>
-                        </a:spcBef>
-                        <a:spcAft>
-                          <a:spcPts val="800"/>
-                        </a:spcAft>
-                      </a:pPr>
-                      <a:r>
-                        <a:rPr lang="en-US" sz="2000" u="none" strike="noStrike" dirty="0">
-                          <a:effectLst/>
-                        </a:rPr>
-                        <a:t>FC</a:t>
-                      </a:r>
-                      <a:endParaRPr lang="en-US" sz="2000" b="0" i="0" u="none" strike="noStrike" dirty="0">
-                        <a:effectLst/>
-                        <a:latin typeface="Arial" panose="020B0604020202020204" pitchFamily="34" charset="0"/>
-                      </a:endParaRPr>
-                    </a:p>
-                  </a:txBody>
-                  <a:tcPr marL="68580" marR="68580" marT="9525" marB="0" anchor="ctr">
-                    <a:lnL w="12700" cap="flat" cmpd="sng" algn="ctr">
-                      <a:solidFill>
-                        <a:schemeClr val="tx1"/>
-                      </a:solidFill>
-                      <a:prstDash val="solid"/>
-                      <a:round/>
-                      <a:headEnd type="none" w="med" len="med"/>
-                      <a:tailEnd type="none" w="med" len="med"/>
-                    </a:lnL>
-                    <a:lnR w="12700" cap="flat" cmpd="sng" algn="ctr">
-                      <a:solidFill>
-                        <a:schemeClr val="tx1"/>
-                      </a:solidFill>
-                      <a:prstDash val="solid"/>
-                      <a:round/>
-                      <a:headEnd type="none" w="med" len="med"/>
-                      <a:tailEnd type="none" w="med" len="med"/>
-                    </a:lnR>
-                    <a:lnT w="12700" cap="flat" cmpd="sng" algn="ctr">
-                      <a:solidFill>
-                        <a:schemeClr val="tx1"/>
-                      </a:solidFill>
-                      <a:prstDash val="solid"/>
-                      <a:round/>
-                      <a:headEnd type="none" w="med" len="med"/>
-                      <a:tailEnd type="none" w="med" len="med"/>
-                    </a:lnT>
-                    <a:lnB w="12700" cap="flat" cmpd="sng" algn="ctr">
-                      <a:solidFill>
-                        <a:schemeClr val="tx1"/>
-                      </a:solidFill>
-                      <a:prstDash val="solid"/>
-                      <a:round/>
-                      <a:headEnd type="none" w="med" len="med"/>
-                      <a:tailEnd type="none" w="med" len="med"/>
-                    </a:lnB>
-                  </a:tcPr>
-                </a:tc>
-                <a:extLst>
-                  <a:ext uri="{0D108BD9-81ED-4DB2-BD59-A6C34878D82A}">
-                    <a16:rowId xmlns:a16="http://schemas.microsoft.com/office/drawing/2014/main" val="2510404107"/>
-                  </a:ext>
-                </a:extLst>
-              </a:tr>
-              <a:tr h="885466">
-                <a:tc>
-                  <a:txBody>
-                    <a:bodyPr/>
-                    <a:lstStyle/>
-                    <a:p>
-                      <a:pPr algn="ctr" rtl="0" fontAlgn="t">
-                        <a:lnSpc>
-                          <a:spcPct val="107000"/>
-                        </a:lnSpc>
-                        <a:spcBef>
-                          <a:spcPts val="0"/>
-                        </a:spcBef>
-                        <a:spcAft>
-                          <a:spcPts val="800"/>
-                        </a:spcAft>
-                      </a:pPr>
-                      <a:r>
-                        <a:rPr lang="en-US" sz="2000" b="0" u="none" strike="noStrike" dirty="0">
-                          <a:effectLst/>
-                        </a:rPr>
-                        <a:t>0.06[s]</a:t>
-                      </a:r>
-                      <a:endParaRPr lang="he-IL" sz="2000" b="0" i="0" u="none" strike="noStrike" dirty="0">
-                        <a:effectLst/>
-                        <a:latin typeface="Arial" panose="020B0604020202020204" pitchFamily="34" charset="0"/>
-                      </a:endParaRPr>
-                    </a:p>
-                  </a:txBody>
-                  <a:tcPr marL="68580" marR="68580" marT="9525" marB="0" anchor="ctr">
-                    <a:lnL w="12700" cap="flat" cmpd="sng" algn="ctr">
-                      <a:solidFill>
-                        <a:schemeClr val="tx1"/>
-                      </a:solidFill>
-                      <a:prstDash val="solid"/>
-                      <a:round/>
-                      <a:headEnd type="none" w="med" len="med"/>
-                      <a:tailEnd type="none" w="med" len="med"/>
-                    </a:lnL>
-                    <a:lnR w="12700" cap="flat" cmpd="sng" algn="ctr">
-                      <a:solidFill>
-                        <a:schemeClr val="tx1"/>
-                      </a:solidFill>
-                      <a:prstDash val="solid"/>
-                      <a:round/>
-                      <a:headEnd type="none" w="med" len="med"/>
-                      <a:tailEnd type="none" w="med" len="med"/>
-                    </a:lnR>
-                    <a:lnT w="12700" cap="flat" cmpd="sng" algn="ctr">
-                      <a:solidFill>
-                        <a:schemeClr val="tx1"/>
-                      </a:solidFill>
-                      <a:prstDash val="solid"/>
-                      <a:round/>
-                      <a:headEnd type="none" w="med" len="med"/>
-                      <a:tailEnd type="none" w="med" len="med"/>
-                    </a:lnT>
-                    <a:lnB w="12700" cap="flat" cmpd="sng" algn="ctr">
-                      <a:solidFill>
-                        <a:schemeClr val="tx1"/>
-                      </a:solidFill>
-                      <a:prstDash val="solid"/>
-                      <a:round/>
-                      <a:headEnd type="none" w="med" len="med"/>
-                      <a:tailEnd type="none" w="med" len="med"/>
-                    </a:lnB>
-                  </a:tcPr>
-                </a:tc>
-                <a:tc>
-                  <a:txBody>
-                    <a:bodyPr/>
-                    <a:lstStyle/>
-                    <a:p>
-                      <a:pPr algn="ctr" rtl="0" fontAlgn="t">
-                        <a:lnSpc>
-                          <a:spcPct val="107000"/>
-                        </a:lnSpc>
-                        <a:spcBef>
-                          <a:spcPts val="0"/>
-                        </a:spcBef>
-                        <a:spcAft>
-                          <a:spcPts val="800"/>
-                        </a:spcAft>
-                      </a:pPr>
-                      <a:r>
-                        <a:rPr lang="he-IL" sz="1800" kern="1200" dirty="0">
-                          <a:solidFill>
-                            <a:schemeClr val="dk1"/>
-                          </a:solidFill>
-                          <a:effectLst/>
-                        </a:rPr>
-                        <a:t>99.86% </a:t>
-                      </a:r>
-                      <a:endParaRPr lang="he-IL" sz="2000" b="0" i="0" u="none" strike="noStrike" dirty="0">
-                        <a:effectLst/>
-                        <a:latin typeface="Arial" panose="020B0604020202020204" pitchFamily="34" charset="0"/>
-                      </a:endParaRPr>
-                    </a:p>
-                  </a:txBody>
-                  <a:tcPr marL="68580" marR="68580" marT="9525" marB="0" anchor="ctr">
-                    <a:lnL w="12700" cap="flat" cmpd="sng" algn="ctr">
-                      <a:solidFill>
-                        <a:schemeClr val="tx1"/>
-                      </a:solidFill>
-                      <a:prstDash val="solid"/>
-                      <a:round/>
-                      <a:headEnd type="none" w="med" len="med"/>
-                      <a:tailEnd type="none" w="med" len="med"/>
-                    </a:lnL>
-                    <a:lnR w="12700" cap="flat" cmpd="sng" algn="ctr">
-                      <a:solidFill>
-                        <a:schemeClr val="tx1"/>
-                      </a:solidFill>
-                      <a:prstDash val="solid"/>
-                      <a:round/>
-                      <a:headEnd type="none" w="med" len="med"/>
-                      <a:tailEnd type="none" w="med" len="med"/>
-                    </a:lnR>
-                    <a:lnT w="12700" cap="flat" cmpd="sng" algn="ctr">
-                      <a:solidFill>
-                        <a:schemeClr val="tx1"/>
-                      </a:solidFill>
-                      <a:prstDash val="solid"/>
-                      <a:round/>
-                      <a:headEnd type="none" w="med" len="med"/>
-                      <a:tailEnd type="none" w="med" len="med"/>
-                    </a:lnT>
-                    <a:lnB w="12700" cap="flat" cmpd="sng" algn="ctr">
-                      <a:solidFill>
-                        <a:schemeClr val="tx1"/>
-                      </a:solidFill>
-                      <a:prstDash val="solid"/>
-                      <a:round/>
-                      <a:headEnd type="none" w="med" len="med"/>
-                      <a:tailEnd type="none" w="med" len="med"/>
-                    </a:lnB>
-                  </a:tcPr>
-                </a:tc>
-                <a:tc>
-                  <a:txBody>
-                    <a:bodyPr/>
-                    <a:lstStyle/>
-                    <a:p>
-                      <a:pPr algn="ctr" rtl="0" fontAlgn="t">
-                        <a:lnSpc>
-                          <a:spcPct val="107000"/>
-                        </a:lnSpc>
-                        <a:spcBef>
-                          <a:spcPts val="0"/>
-                        </a:spcBef>
-                        <a:spcAft>
-                          <a:spcPts val="800"/>
-                        </a:spcAft>
-                      </a:pPr>
-                      <a:r>
-                        <a:rPr lang="he-IL" sz="1800" kern="1200" dirty="0">
-                          <a:solidFill>
-                            <a:schemeClr val="dk1"/>
-                          </a:solidFill>
-                          <a:effectLst/>
-                        </a:rPr>
-                        <a:t>98.8%</a:t>
-                      </a:r>
-                      <a:endParaRPr lang="he-IL" sz="2000" b="0" i="0" u="none" strike="noStrike" dirty="0">
-                        <a:effectLst/>
-                        <a:latin typeface="Arial" panose="020B0604020202020204" pitchFamily="34" charset="0"/>
-                      </a:endParaRPr>
-                    </a:p>
-                  </a:txBody>
-                  <a:tcPr marL="68580" marR="68580" marT="9525" marB="0" anchor="ctr">
-                    <a:lnL w="12700" cap="flat" cmpd="sng" algn="ctr">
-                      <a:solidFill>
-                        <a:schemeClr val="tx1"/>
-                      </a:solidFill>
-                      <a:prstDash val="solid"/>
-                      <a:round/>
-                      <a:headEnd type="none" w="med" len="med"/>
-                      <a:tailEnd type="none" w="med" len="med"/>
-                    </a:lnL>
-                    <a:lnR w="12700" cap="flat" cmpd="sng" algn="ctr">
-                      <a:solidFill>
-                        <a:schemeClr val="tx1"/>
-                      </a:solidFill>
-                      <a:prstDash val="solid"/>
-                      <a:round/>
-                      <a:headEnd type="none" w="med" len="med"/>
-                      <a:tailEnd type="none" w="med" len="med"/>
-                    </a:lnR>
-                    <a:lnT w="12700" cap="flat" cmpd="sng" algn="ctr">
-                      <a:solidFill>
-                        <a:schemeClr val="tx1"/>
-                      </a:solidFill>
-                      <a:prstDash val="solid"/>
-                      <a:round/>
-                      <a:headEnd type="none" w="med" len="med"/>
-                      <a:tailEnd type="none" w="med" len="med"/>
-                    </a:lnT>
-                    <a:lnB w="12700" cap="flat" cmpd="sng" algn="ctr">
-                      <a:solidFill>
-                        <a:schemeClr val="tx1"/>
-                      </a:solidFill>
-                      <a:prstDash val="solid"/>
-                      <a:round/>
-                      <a:headEnd type="none" w="med" len="med"/>
-                      <a:tailEnd type="none" w="med" len="med"/>
-                    </a:lnB>
-                  </a:tcPr>
-                </a:tc>
-                <a:tc>
-                  <a:txBody>
-                    <a:bodyPr/>
-                    <a:lstStyle/>
-                    <a:p>
-                      <a:pPr algn="ctr" rtl="0" fontAlgn="t">
-                        <a:lnSpc>
-                          <a:spcPct val="107000"/>
-                        </a:lnSpc>
-                        <a:spcBef>
-                          <a:spcPts val="0"/>
-                        </a:spcBef>
-                        <a:spcAft>
-                          <a:spcPts val="800"/>
-                        </a:spcAft>
-                      </a:pPr>
-                      <a:r>
-                        <a:rPr lang="en-US" sz="2000" u="none" strike="noStrike" dirty="0">
-                          <a:effectLst/>
-                        </a:rPr>
-                        <a:t>Distributed </a:t>
-                      </a:r>
-                      <a:r>
-                        <a:rPr lang="en-US" sz="2000" b="0" dirty="0">
-                          <a:solidFill>
-                            <a:srgbClr val="333333"/>
-                          </a:solidFill>
-                          <a:effectLst/>
-                        </a:rPr>
-                        <a:t>deletion</a:t>
-                      </a:r>
-                      <a:r>
-                        <a:rPr lang="en-US" sz="2000" u="none" strike="noStrike" dirty="0">
-                          <a:effectLst/>
-                        </a:rPr>
-                        <a:t> </a:t>
-                      </a:r>
-                      <a:endParaRPr lang="he-IL" sz="2000" b="0" i="0" u="none" strike="noStrike" dirty="0">
-                        <a:effectLst/>
-                        <a:latin typeface="Arial" panose="020B0604020202020204" pitchFamily="34" charset="0"/>
-                      </a:endParaRPr>
-                    </a:p>
-                  </a:txBody>
-                  <a:tcPr marL="68580" marR="68580" marT="9525" marB="0" anchor="ctr">
-                    <a:lnL w="12700" cap="flat" cmpd="sng" algn="ctr">
-                      <a:solidFill>
-                        <a:schemeClr val="tx1"/>
-                      </a:solidFill>
-                      <a:prstDash val="solid"/>
-                      <a:round/>
-                      <a:headEnd type="none" w="med" len="med"/>
-                      <a:tailEnd type="none" w="med" len="med"/>
-                    </a:lnL>
-                    <a:lnR w="12700" cap="flat" cmpd="sng" algn="ctr">
-                      <a:solidFill>
-                        <a:schemeClr val="tx1"/>
-                      </a:solidFill>
-                      <a:prstDash val="solid"/>
-                      <a:round/>
-                      <a:headEnd type="none" w="med" len="med"/>
-                      <a:tailEnd type="none" w="med" len="med"/>
-                    </a:lnR>
-                    <a:lnT w="12700" cap="flat" cmpd="sng" algn="ctr">
-                      <a:solidFill>
-                        <a:schemeClr val="tx1"/>
-                      </a:solidFill>
-                      <a:prstDash val="solid"/>
-                      <a:round/>
-                      <a:headEnd type="none" w="med" len="med"/>
-                      <a:tailEnd type="none" w="med" len="med"/>
-                    </a:lnT>
-                    <a:lnB w="12700" cap="flat" cmpd="sng" algn="ctr">
-                      <a:solidFill>
-                        <a:schemeClr val="tx1"/>
-                      </a:solidFill>
-                      <a:prstDash val="solid"/>
-                      <a:round/>
-                      <a:headEnd type="none" w="med" len="med"/>
-                      <a:tailEnd type="none" w="med" len="med"/>
-                    </a:lnB>
-                  </a:tcPr>
-                </a:tc>
-                <a:tc>
-                  <a:txBody>
-                    <a:bodyPr/>
-                    <a:lstStyle/>
-                    <a:p>
-                      <a:pPr algn="ctr" rtl="0" fontAlgn="t">
-                        <a:lnSpc>
-                          <a:spcPct val="107000"/>
-                        </a:lnSpc>
-                        <a:spcBef>
-                          <a:spcPts val="0"/>
-                        </a:spcBef>
-                        <a:spcAft>
-                          <a:spcPts val="800"/>
-                        </a:spcAft>
-                      </a:pPr>
-                      <a:r>
-                        <a:rPr lang="en-US" sz="2000" u="none" strike="noStrike" dirty="0">
-                          <a:effectLst/>
-                        </a:rPr>
-                        <a:t>Unproper</a:t>
-                      </a:r>
-                      <a:endParaRPr lang="he-IL" sz="2000" b="0" i="0" u="none" strike="noStrike" dirty="0">
-                        <a:effectLst/>
-                        <a:latin typeface="Arial" panose="020B0604020202020204" pitchFamily="34" charset="0"/>
-                      </a:endParaRPr>
-                    </a:p>
-                  </a:txBody>
-                  <a:tcPr marL="68580" marR="68580" marT="9525" marB="0" anchor="ctr">
-                    <a:lnL w="12700" cap="flat" cmpd="sng" algn="ctr">
-                      <a:solidFill>
-                        <a:schemeClr val="tx1"/>
-                      </a:solidFill>
-                      <a:prstDash val="solid"/>
-                      <a:round/>
-                      <a:headEnd type="none" w="med" len="med"/>
-                      <a:tailEnd type="none" w="med" len="med"/>
-                    </a:lnL>
-                    <a:lnR w="12700" cap="flat" cmpd="sng" algn="ctr">
-                      <a:solidFill>
-                        <a:schemeClr val="tx1"/>
-                      </a:solidFill>
-                      <a:prstDash val="solid"/>
-                      <a:round/>
-                      <a:headEnd type="none" w="med" len="med"/>
-                      <a:tailEnd type="none" w="med" len="med"/>
-                    </a:lnR>
-                    <a:lnT w="12700" cap="flat" cmpd="sng" algn="ctr">
-                      <a:solidFill>
-                        <a:schemeClr val="tx1"/>
-                      </a:solidFill>
-                      <a:prstDash val="solid"/>
-                      <a:round/>
-                      <a:headEnd type="none" w="med" len="med"/>
-                      <a:tailEnd type="none" w="med" len="med"/>
-                    </a:lnT>
-                    <a:lnB w="12700" cap="flat" cmpd="sng" algn="ctr">
-                      <a:solidFill>
-                        <a:schemeClr val="tx1"/>
-                      </a:solidFill>
-                      <a:prstDash val="solid"/>
-                      <a:round/>
-                      <a:headEnd type="none" w="med" len="med"/>
-                      <a:tailEnd type="none" w="med" len="med"/>
-                    </a:lnB>
-                  </a:tcPr>
-                </a:tc>
-                <a:tc>
-                  <a:txBody>
-                    <a:bodyPr/>
-                    <a:lstStyle/>
-                    <a:p>
-                      <a:pPr algn="ctr" rtl="0" fontAlgn="t">
-                        <a:lnSpc>
-                          <a:spcPct val="107000"/>
-                        </a:lnSpc>
-                        <a:spcBef>
-                          <a:spcPts val="0"/>
-                        </a:spcBef>
-                        <a:spcAft>
-                          <a:spcPts val="800"/>
-                        </a:spcAft>
-                      </a:pPr>
-                      <a:r>
-                        <a:rPr lang="en-US" sz="2000" u="none" strike="noStrike" dirty="0">
-                          <a:effectLst/>
-                        </a:rPr>
-                        <a:t>FC</a:t>
-                      </a:r>
-                      <a:endParaRPr lang="en-US" sz="2000" b="0" i="0" u="none" strike="noStrike" dirty="0">
-                        <a:effectLst/>
-                        <a:latin typeface="Arial" panose="020B0604020202020204" pitchFamily="34" charset="0"/>
-                      </a:endParaRPr>
-                    </a:p>
-                  </a:txBody>
-                  <a:tcPr marL="68580" marR="68580" marT="9525" marB="0" anchor="ctr">
-                    <a:lnL w="12700" cap="flat" cmpd="sng" algn="ctr">
-                      <a:solidFill>
-                        <a:schemeClr val="tx1"/>
-                      </a:solidFill>
-                      <a:prstDash val="solid"/>
-                      <a:round/>
-                      <a:headEnd type="none" w="med" len="med"/>
-                      <a:tailEnd type="none" w="med" len="med"/>
-                    </a:lnL>
-                    <a:lnR w="12700" cap="flat" cmpd="sng" algn="ctr">
-                      <a:solidFill>
-                        <a:schemeClr val="tx1"/>
-                      </a:solidFill>
-                      <a:prstDash val="solid"/>
-                      <a:round/>
-                      <a:headEnd type="none" w="med" len="med"/>
-                      <a:tailEnd type="none" w="med" len="med"/>
-                    </a:lnR>
-                    <a:lnT w="12700" cap="flat" cmpd="sng" algn="ctr">
-                      <a:solidFill>
-                        <a:schemeClr val="tx1"/>
-                      </a:solidFill>
-                      <a:prstDash val="solid"/>
-                      <a:round/>
-                      <a:headEnd type="none" w="med" len="med"/>
-                      <a:tailEnd type="none" w="med" len="med"/>
-                    </a:lnT>
-                    <a:lnB w="12700" cap="flat" cmpd="sng" algn="ctr">
-                      <a:solidFill>
-                        <a:schemeClr val="tx1"/>
-                      </a:solidFill>
-                      <a:prstDash val="solid"/>
-                      <a:round/>
-                      <a:headEnd type="none" w="med" len="med"/>
-                      <a:tailEnd type="none" w="med" len="med"/>
-                    </a:lnB>
-                  </a:tcPr>
-                </a:tc>
-                <a:extLst>
-                  <a:ext uri="{0D108BD9-81ED-4DB2-BD59-A6C34878D82A}">
-                    <a16:rowId xmlns:a16="http://schemas.microsoft.com/office/drawing/2014/main" val="2186026366"/>
-                  </a:ext>
-                </a:extLst>
-              </a:tr>
-              <a:tr h="885466">
+              <a:tr h="740144">
                 <a:tc>
                   <a:txBody>
                     <a:bodyPr/>
@@ -9585,6 +8945,1308 @@
                 </a:tc>
                 <a:extLst>
                   <a:ext uri="{0D108BD9-81ED-4DB2-BD59-A6C34878D82A}">
+                    <a16:rowId xmlns:a16="http://schemas.microsoft.com/office/drawing/2014/main" val="2510404107"/>
+                  </a:ext>
+                </a:extLst>
+              </a:tr>
+              <a:tr h="740144">
+                <a:tc>
+                  <a:txBody>
+                    <a:bodyPr/>
+                    <a:lstStyle/>
+                    <a:p>
+                      <a:pPr algn="ctr" rtl="0" fontAlgn="t">
+                        <a:lnSpc>
+                          <a:spcPct val="107000"/>
+                        </a:lnSpc>
+                        <a:spcBef>
+                          <a:spcPts val="0"/>
+                        </a:spcBef>
+                        <a:spcAft>
+                          <a:spcPts val="800"/>
+                        </a:spcAft>
+                      </a:pPr>
+                      <a:r>
+                        <a:rPr lang="en-US" sz="2000" b="0" u="none" strike="noStrike" dirty="0">
+                          <a:effectLst/>
+                        </a:rPr>
+                        <a:t>0.06[s]</a:t>
+                      </a:r>
+                      <a:endParaRPr lang="he-IL" sz="2000" b="0" i="0" u="none" strike="noStrike" dirty="0">
+                        <a:effectLst/>
+                        <a:latin typeface="Arial" panose="020B0604020202020204" pitchFamily="34" charset="0"/>
+                      </a:endParaRPr>
+                    </a:p>
+                  </a:txBody>
+                  <a:tcPr marL="68580" marR="68580" marT="9525" marB="0" anchor="ctr">
+                    <a:lnL w="12700" cap="flat" cmpd="sng" algn="ctr">
+                      <a:solidFill>
+                        <a:schemeClr val="tx1"/>
+                      </a:solidFill>
+                      <a:prstDash val="solid"/>
+                      <a:round/>
+                      <a:headEnd type="none" w="med" len="med"/>
+                      <a:tailEnd type="none" w="med" len="med"/>
+                    </a:lnL>
+                    <a:lnR w="12700" cap="flat" cmpd="sng" algn="ctr">
+                      <a:solidFill>
+                        <a:schemeClr val="tx1"/>
+                      </a:solidFill>
+                      <a:prstDash val="solid"/>
+                      <a:round/>
+                      <a:headEnd type="none" w="med" len="med"/>
+                      <a:tailEnd type="none" w="med" len="med"/>
+                    </a:lnR>
+                    <a:lnT w="12700" cap="flat" cmpd="sng" algn="ctr">
+                      <a:solidFill>
+                        <a:schemeClr val="tx1"/>
+                      </a:solidFill>
+                      <a:prstDash val="solid"/>
+                      <a:round/>
+                      <a:headEnd type="none" w="med" len="med"/>
+                      <a:tailEnd type="none" w="med" len="med"/>
+                    </a:lnT>
+                    <a:lnB w="12700" cap="flat" cmpd="sng" algn="ctr">
+                      <a:solidFill>
+                        <a:schemeClr val="tx1"/>
+                      </a:solidFill>
+                      <a:prstDash val="solid"/>
+                      <a:round/>
+                      <a:headEnd type="none" w="med" len="med"/>
+                      <a:tailEnd type="none" w="med" len="med"/>
+                    </a:lnB>
+                  </a:tcPr>
+                </a:tc>
+                <a:tc>
+                  <a:txBody>
+                    <a:bodyPr/>
+                    <a:lstStyle/>
+                    <a:p>
+                      <a:pPr algn="ctr" rtl="0" fontAlgn="t">
+                        <a:lnSpc>
+                          <a:spcPct val="107000"/>
+                        </a:lnSpc>
+                        <a:spcBef>
+                          <a:spcPts val="0"/>
+                        </a:spcBef>
+                        <a:spcAft>
+                          <a:spcPts val="800"/>
+                        </a:spcAft>
+                      </a:pPr>
+                      <a:r>
+                        <a:rPr lang="he-IL" sz="1800" kern="1200" dirty="0">
+                          <a:solidFill>
+                            <a:schemeClr val="dk1"/>
+                          </a:solidFill>
+                          <a:effectLst/>
+                        </a:rPr>
+                        <a:t>99.8% </a:t>
+                      </a:r>
+                      <a:endParaRPr lang="he-IL" sz="2000" b="0" i="0" u="none" strike="noStrike" dirty="0">
+                        <a:effectLst/>
+                        <a:latin typeface="Arial" panose="020B0604020202020204" pitchFamily="34" charset="0"/>
+                      </a:endParaRPr>
+                    </a:p>
+                  </a:txBody>
+                  <a:tcPr marL="68580" marR="68580" marT="9525" marB="0" anchor="ctr">
+                    <a:lnL w="12700" cap="flat" cmpd="sng" algn="ctr">
+                      <a:solidFill>
+                        <a:schemeClr val="tx1"/>
+                      </a:solidFill>
+                      <a:prstDash val="solid"/>
+                      <a:round/>
+                      <a:headEnd type="none" w="med" len="med"/>
+                      <a:tailEnd type="none" w="med" len="med"/>
+                    </a:lnL>
+                    <a:lnR w="12700" cap="flat" cmpd="sng" algn="ctr">
+                      <a:solidFill>
+                        <a:schemeClr val="tx1"/>
+                      </a:solidFill>
+                      <a:prstDash val="solid"/>
+                      <a:round/>
+                      <a:headEnd type="none" w="med" len="med"/>
+                      <a:tailEnd type="none" w="med" len="med"/>
+                    </a:lnR>
+                    <a:lnT w="12700" cap="flat" cmpd="sng" algn="ctr">
+                      <a:solidFill>
+                        <a:schemeClr val="tx1"/>
+                      </a:solidFill>
+                      <a:prstDash val="solid"/>
+                      <a:round/>
+                      <a:headEnd type="none" w="med" len="med"/>
+                      <a:tailEnd type="none" w="med" len="med"/>
+                    </a:lnT>
+                    <a:lnB w="12700" cap="flat" cmpd="sng" algn="ctr">
+                      <a:solidFill>
+                        <a:schemeClr val="tx1"/>
+                      </a:solidFill>
+                      <a:prstDash val="solid"/>
+                      <a:round/>
+                      <a:headEnd type="none" w="med" len="med"/>
+                      <a:tailEnd type="none" w="med" len="med"/>
+                    </a:lnB>
+                  </a:tcPr>
+                </a:tc>
+                <a:tc>
+                  <a:txBody>
+                    <a:bodyPr/>
+                    <a:lstStyle/>
+                    <a:p>
+                      <a:pPr algn="ctr" rtl="0" fontAlgn="t">
+                        <a:lnSpc>
+                          <a:spcPct val="107000"/>
+                        </a:lnSpc>
+                        <a:spcBef>
+                          <a:spcPts val="0"/>
+                        </a:spcBef>
+                        <a:spcAft>
+                          <a:spcPts val="800"/>
+                        </a:spcAft>
+                      </a:pPr>
+                      <a:r>
+                        <a:rPr lang="he-IL" sz="1800" kern="1200" dirty="0">
+                          <a:solidFill>
+                            <a:schemeClr val="dk1"/>
+                          </a:solidFill>
+                          <a:effectLst/>
+                        </a:rPr>
+                        <a:t>98.8%</a:t>
+                      </a:r>
+                      <a:endParaRPr lang="he-IL" sz="2000" b="0" i="0" u="none" strike="noStrike" dirty="0">
+                        <a:effectLst/>
+                        <a:latin typeface="Arial" panose="020B0604020202020204" pitchFamily="34" charset="0"/>
+                      </a:endParaRPr>
+                    </a:p>
+                  </a:txBody>
+                  <a:tcPr marL="68580" marR="68580" marT="9525" marB="0" anchor="ctr">
+                    <a:lnL w="12700" cap="flat" cmpd="sng" algn="ctr">
+                      <a:solidFill>
+                        <a:schemeClr val="tx1"/>
+                      </a:solidFill>
+                      <a:prstDash val="solid"/>
+                      <a:round/>
+                      <a:headEnd type="none" w="med" len="med"/>
+                      <a:tailEnd type="none" w="med" len="med"/>
+                    </a:lnL>
+                    <a:lnR w="12700" cap="flat" cmpd="sng" algn="ctr">
+                      <a:solidFill>
+                        <a:schemeClr val="tx1"/>
+                      </a:solidFill>
+                      <a:prstDash val="solid"/>
+                      <a:round/>
+                      <a:headEnd type="none" w="med" len="med"/>
+                      <a:tailEnd type="none" w="med" len="med"/>
+                    </a:lnR>
+                    <a:lnT w="12700" cap="flat" cmpd="sng" algn="ctr">
+                      <a:solidFill>
+                        <a:schemeClr val="tx1"/>
+                      </a:solidFill>
+                      <a:prstDash val="solid"/>
+                      <a:round/>
+                      <a:headEnd type="none" w="med" len="med"/>
+                      <a:tailEnd type="none" w="med" len="med"/>
+                    </a:lnT>
+                    <a:lnB w="12700" cap="flat" cmpd="sng" algn="ctr">
+                      <a:solidFill>
+                        <a:schemeClr val="tx1"/>
+                      </a:solidFill>
+                      <a:prstDash val="solid"/>
+                      <a:round/>
+                      <a:headEnd type="none" w="med" len="med"/>
+                      <a:tailEnd type="none" w="med" len="med"/>
+                    </a:lnB>
+                  </a:tcPr>
+                </a:tc>
+                <a:tc>
+                  <a:txBody>
+                    <a:bodyPr/>
+                    <a:lstStyle/>
+                    <a:p>
+                      <a:pPr algn="ctr" rtl="0" fontAlgn="t">
+                        <a:lnSpc>
+                          <a:spcPct val="107000"/>
+                        </a:lnSpc>
+                        <a:spcBef>
+                          <a:spcPts val="0"/>
+                        </a:spcBef>
+                        <a:spcAft>
+                          <a:spcPts val="800"/>
+                        </a:spcAft>
+                      </a:pPr>
+                      <a:r>
+                        <a:rPr lang="en-US" sz="2000" u="none" strike="noStrike" dirty="0">
+                          <a:effectLst/>
+                        </a:rPr>
+                        <a:t>Distributed </a:t>
+                      </a:r>
+                      <a:r>
+                        <a:rPr lang="en-US" sz="2000" b="0" dirty="0">
+                          <a:solidFill>
+                            <a:srgbClr val="333333"/>
+                          </a:solidFill>
+                          <a:effectLst/>
+                        </a:rPr>
+                        <a:t>deletion</a:t>
+                      </a:r>
+                      <a:r>
+                        <a:rPr lang="en-US" sz="2000" u="none" strike="noStrike" dirty="0">
+                          <a:effectLst/>
+                        </a:rPr>
+                        <a:t> </a:t>
+                      </a:r>
+                      <a:endParaRPr lang="he-IL" sz="2000" b="0" i="0" u="none" strike="noStrike" dirty="0">
+                        <a:effectLst/>
+                        <a:latin typeface="Arial" panose="020B0604020202020204" pitchFamily="34" charset="0"/>
+                      </a:endParaRPr>
+                    </a:p>
+                  </a:txBody>
+                  <a:tcPr marL="68580" marR="68580" marT="9525" marB="0" anchor="ctr">
+                    <a:lnL w="12700" cap="flat" cmpd="sng" algn="ctr">
+                      <a:solidFill>
+                        <a:schemeClr val="tx1"/>
+                      </a:solidFill>
+                      <a:prstDash val="solid"/>
+                      <a:round/>
+                      <a:headEnd type="none" w="med" len="med"/>
+                      <a:tailEnd type="none" w="med" len="med"/>
+                    </a:lnL>
+                    <a:lnR w="12700" cap="flat" cmpd="sng" algn="ctr">
+                      <a:solidFill>
+                        <a:schemeClr val="tx1"/>
+                      </a:solidFill>
+                      <a:prstDash val="solid"/>
+                      <a:round/>
+                      <a:headEnd type="none" w="med" len="med"/>
+                      <a:tailEnd type="none" w="med" len="med"/>
+                    </a:lnR>
+                    <a:lnT w="12700" cap="flat" cmpd="sng" algn="ctr">
+                      <a:solidFill>
+                        <a:schemeClr val="tx1"/>
+                      </a:solidFill>
+                      <a:prstDash val="solid"/>
+                      <a:round/>
+                      <a:headEnd type="none" w="med" len="med"/>
+                      <a:tailEnd type="none" w="med" len="med"/>
+                    </a:lnT>
+                    <a:lnB w="12700" cap="flat" cmpd="sng" algn="ctr">
+                      <a:solidFill>
+                        <a:schemeClr val="tx1"/>
+                      </a:solidFill>
+                      <a:prstDash val="solid"/>
+                      <a:round/>
+                      <a:headEnd type="none" w="med" len="med"/>
+                      <a:tailEnd type="none" w="med" len="med"/>
+                    </a:lnB>
+                  </a:tcPr>
+                </a:tc>
+                <a:tc>
+                  <a:txBody>
+                    <a:bodyPr/>
+                    <a:lstStyle/>
+                    <a:p>
+                      <a:pPr algn="ctr" rtl="0" fontAlgn="t">
+                        <a:lnSpc>
+                          <a:spcPct val="107000"/>
+                        </a:lnSpc>
+                        <a:spcBef>
+                          <a:spcPts val="0"/>
+                        </a:spcBef>
+                        <a:spcAft>
+                          <a:spcPts val="800"/>
+                        </a:spcAft>
+                      </a:pPr>
+                      <a:r>
+                        <a:rPr lang="en-US" sz="2000" u="none" strike="noStrike" dirty="0">
+                          <a:effectLst/>
+                        </a:rPr>
+                        <a:t>Unproper</a:t>
+                      </a:r>
+                      <a:endParaRPr lang="he-IL" sz="2000" b="0" i="0" u="none" strike="noStrike" dirty="0">
+                        <a:effectLst/>
+                        <a:latin typeface="Arial" panose="020B0604020202020204" pitchFamily="34" charset="0"/>
+                      </a:endParaRPr>
+                    </a:p>
+                  </a:txBody>
+                  <a:tcPr marL="68580" marR="68580" marT="9525" marB="0" anchor="ctr">
+                    <a:lnL w="12700" cap="flat" cmpd="sng" algn="ctr">
+                      <a:solidFill>
+                        <a:schemeClr val="tx1"/>
+                      </a:solidFill>
+                      <a:prstDash val="solid"/>
+                      <a:round/>
+                      <a:headEnd type="none" w="med" len="med"/>
+                      <a:tailEnd type="none" w="med" len="med"/>
+                    </a:lnL>
+                    <a:lnR w="12700" cap="flat" cmpd="sng" algn="ctr">
+                      <a:solidFill>
+                        <a:schemeClr val="tx1"/>
+                      </a:solidFill>
+                      <a:prstDash val="solid"/>
+                      <a:round/>
+                      <a:headEnd type="none" w="med" len="med"/>
+                      <a:tailEnd type="none" w="med" len="med"/>
+                    </a:lnR>
+                    <a:lnT w="12700" cap="flat" cmpd="sng" algn="ctr">
+                      <a:solidFill>
+                        <a:schemeClr val="tx1"/>
+                      </a:solidFill>
+                      <a:prstDash val="solid"/>
+                      <a:round/>
+                      <a:headEnd type="none" w="med" len="med"/>
+                      <a:tailEnd type="none" w="med" len="med"/>
+                    </a:lnT>
+                    <a:lnB w="12700" cap="flat" cmpd="sng" algn="ctr">
+                      <a:solidFill>
+                        <a:schemeClr val="tx1"/>
+                      </a:solidFill>
+                      <a:prstDash val="solid"/>
+                      <a:round/>
+                      <a:headEnd type="none" w="med" len="med"/>
+                      <a:tailEnd type="none" w="med" len="med"/>
+                    </a:lnB>
+                  </a:tcPr>
+                </a:tc>
+                <a:tc>
+                  <a:txBody>
+                    <a:bodyPr/>
+                    <a:lstStyle/>
+                    <a:p>
+                      <a:pPr algn="ctr" rtl="0" fontAlgn="t">
+                        <a:lnSpc>
+                          <a:spcPct val="107000"/>
+                        </a:lnSpc>
+                        <a:spcBef>
+                          <a:spcPts val="0"/>
+                        </a:spcBef>
+                        <a:spcAft>
+                          <a:spcPts val="800"/>
+                        </a:spcAft>
+                      </a:pPr>
+                      <a:r>
+                        <a:rPr lang="en-US" sz="2000" u="none" strike="noStrike" dirty="0">
+                          <a:effectLst/>
+                        </a:rPr>
+                        <a:t>FC</a:t>
+                      </a:r>
+                      <a:endParaRPr lang="en-US" sz="2000" b="0" i="0" u="none" strike="noStrike" dirty="0">
+                        <a:effectLst/>
+                        <a:latin typeface="Arial" panose="020B0604020202020204" pitchFamily="34" charset="0"/>
+                      </a:endParaRPr>
+                    </a:p>
+                  </a:txBody>
+                  <a:tcPr marL="68580" marR="68580" marT="9525" marB="0" anchor="ctr">
+                    <a:lnL w="12700" cap="flat" cmpd="sng" algn="ctr">
+                      <a:solidFill>
+                        <a:schemeClr val="tx1"/>
+                      </a:solidFill>
+                      <a:prstDash val="solid"/>
+                      <a:round/>
+                      <a:headEnd type="none" w="med" len="med"/>
+                      <a:tailEnd type="none" w="med" len="med"/>
+                    </a:lnL>
+                    <a:lnR w="12700" cap="flat" cmpd="sng" algn="ctr">
+                      <a:solidFill>
+                        <a:schemeClr val="tx1"/>
+                      </a:solidFill>
+                      <a:prstDash val="solid"/>
+                      <a:round/>
+                      <a:headEnd type="none" w="med" len="med"/>
+                      <a:tailEnd type="none" w="med" len="med"/>
+                    </a:lnR>
+                    <a:lnT w="12700" cap="flat" cmpd="sng" algn="ctr">
+                      <a:solidFill>
+                        <a:schemeClr val="tx1"/>
+                      </a:solidFill>
+                      <a:prstDash val="solid"/>
+                      <a:round/>
+                      <a:headEnd type="none" w="med" len="med"/>
+                      <a:tailEnd type="none" w="med" len="med"/>
+                    </a:lnT>
+                    <a:lnB w="12700" cap="flat" cmpd="sng" algn="ctr">
+                      <a:solidFill>
+                        <a:schemeClr val="tx1"/>
+                      </a:solidFill>
+                      <a:prstDash val="solid"/>
+                      <a:round/>
+                      <a:headEnd type="none" w="med" len="med"/>
+                      <a:tailEnd type="none" w="med" len="med"/>
+                    </a:lnB>
+                  </a:tcPr>
+                </a:tc>
+                <a:extLst>
+                  <a:ext uri="{0D108BD9-81ED-4DB2-BD59-A6C34878D82A}">
+                    <a16:rowId xmlns:a16="http://schemas.microsoft.com/office/drawing/2014/main" val="1979966030"/>
+                  </a:ext>
+                </a:extLst>
+              </a:tr>
+              <a:tr h="740144">
+                <a:tc>
+                  <a:txBody>
+                    <a:bodyPr/>
+                    <a:lstStyle/>
+                    <a:p>
+                      <a:pPr algn="ctr" rtl="0" fontAlgn="t">
+                        <a:lnSpc>
+                          <a:spcPct val="107000"/>
+                        </a:lnSpc>
+                        <a:spcBef>
+                          <a:spcPts val="0"/>
+                        </a:spcBef>
+                        <a:spcAft>
+                          <a:spcPts val="800"/>
+                        </a:spcAft>
+                      </a:pPr>
+                      <a:r>
+                        <a:rPr lang="en-US" sz="2000" b="0" u="none" strike="noStrike" dirty="0">
+                          <a:effectLst/>
+                        </a:rPr>
+                        <a:t>0.06[s]</a:t>
+                      </a:r>
+                      <a:endParaRPr lang="he-IL" sz="2000" b="0" i="0" u="none" strike="noStrike" dirty="0">
+                        <a:effectLst/>
+                        <a:latin typeface="Arial" panose="020B0604020202020204" pitchFamily="34" charset="0"/>
+                      </a:endParaRPr>
+                    </a:p>
+                  </a:txBody>
+                  <a:tcPr marL="68580" marR="68580" marT="9525" marB="0" anchor="ctr">
+                    <a:lnL w="12700" cap="flat" cmpd="sng" algn="ctr">
+                      <a:solidFill>
+                        <a:schemeClr val="tx1"/>
+                      </a:solidFill>
+                      <a:prstDash val="solid"/>
+                      <a:round/>
+                      <a:headEnd type="none" w="med" len="med"/>
+                      <a:tailEnd type="none" w="med" len="med"/>
+                    </a:lnL>
+                    <a:lnR w="12700" cap="flat" cmpd="sng" algn="ctr">
+                      <a:solidFill>
+                        <a:schemeClr val="tx1"/>
+                      </a:solidFill>
+                      <a:prstDash val="solid"/>
+                      <a:round/>
+                      <a:headEnd type="none" w="med" len="med"/>
+                      <a:tailEnd type="none" w="med" len="med"/>
+                    </a:lnR>
+                    <a:lnT w="12700" cap="flat" cmpd="sng" algn="ctr">
+                      <a:solidFill>
+                        <a:schemeClr val="tx1"/>
+                      </a:solidFill>
+                      <a:prstDash val="solid"/>
+                      <a:round/>
+                      <a:headEnd type="none" w="med" len="med"/>
+                      <a:tailEnd type="none" w="med" len="med"/>
+                    </a:lnT>
+                    <a:lnB w="12700" cap="flat" cmpd="sng" algn="ctr">
+                      <a:solidFill>
+                        <a:schemeClr val="tx1"/>
+                      </a:solidFill>
+                      <a:prstDash val="solid"/>
+                      <a:round/>
+                      <a:headEnd type="none" w="med" len="med"/>
+                      <a:tailEnd type="none" w="med" len="med"/>
+                    </a:lnB>
+                  </a:tcPr>
+                </a:tc>
+                <a:tc>
+                  <a:txBody>
+                    <a:bodyPr/>
+                    <a:lstStyle/>
+                    <a:p>
+                      <a:pPr algn="ctr" rtl="0" fontAlgn="t">
+                        <a:lnSpc>
+                          <a:spcPct val="107000"/>
+                        </a:lnSpc>
+                        <a:spcBef>
+                          <a:spcPts val="0"/>
+                        </a:spcBef>
+                        <a:spcAft>
+                          <a:spcPts val="800"/>
+                        </a:spcAft>
+                      </a:pPr>
+                      <a:r>
+                        <a:rPr lang="he-IL" sz="1800" kern="1200" dirty="0">
+                          <a:solidFill>
+                            <a:schemeClr val="dk1"/>
+                          </a:solidFill>
+                          <a:effectLst/>
+                        </a:rPr>
+                        <a:t>98.9%</a:t>
+                      </a:r>
+                      <a:endParaRPr lang="he-IL" sz="2000" b="0" i="0" u="none" strike="noStrike" dirty="0">
+                        <a:effectLst/>
+                        <a:latin typeface="Arial" panose="020B0604020202020204" pitchFamily="34" charset="0"/>
+                      </a:endParaRPr>
+                    </a:p>
+                  </a:txBody>
+                  <a:tcPr marL="68580" marR="68580" marT="9525" marB="0" anchor="ctr">
+                    <a:lnL w="12700" cap="flat" cmpd="sng" algn="ctr">
+                      <a:solidFill>
+                        <a:schemeClr val="tx1"/>
+                      </a:solidFill>
+                      <a:prstDash val="solid"/>
+                      <a:round/>
+                      <a:headEnd type="none" w="med" len="med"/>
+                      <a:tailEnd type="none" w="med" len="med"/>
+                    </a:lnL>
+                    <a:lnR w="12700" cap="flat" cmpd="sng" algn="ctr">
+                      <a:solidFill>
+                        <a:schemeClr val="tx1"/>
+                      </a:solidFill>
+                      <a:prstDash val="solid"/>
+                      <a:round/>
+                      <a:headEnd type="none" w="med" len="med"/>
+                      <a:tailEnd type="none" w="med" len="med"/>
+                    </a:lnR>
+                    <a:lnT w="12700" cap="flat" cmpd="sng" algn="ctr">
+                      <a:solidFill>
+                        <a:schemeClr val="tx1"/>
+                      </a:solidFill>
+                      <a:prstDash val="solid"/>
+                      <a:round/>
+                      <a:headEnd type="none" w="med" len="med"/>
+                      <a:tailEnd type="none" w="med" len="med"/>
+                    </a:lnT>
+                    <a:lnB w="12700" cap="flat" cmpd="sng" algn="ctr">
+                      <a:solidFill>
+                        <a:schemeClr val="tx1"/>
+                      </a:solidFill>
+                      <a:prstDash val="solid"/>
+                      <a:round/>
+                      <a:headEnd type="none" w="med" len="med"/>
+                      <a:tailEnd type="none" w="med" len="med"/>
+                    </a:lnB>
+                  </a:tcPr>
+                </a:tc>
+                <a:tc>
+                  <a:txBody>
+                    <a:bodyPr/>
+                    <a:lstStyle/>
+                    <a:p>
+                      <a:pPr algn="ctr" rtl="0" fontAlgn="t">
+                        <a:lnSpc>
+                          <a:spcPct val="107000"/>
+                        </a:lnSpc>
+                        <a:spcBef>
+                          <a:spcPts val="0"/>
+                        </a:spcBef>
+                        <a:spcAft>
+                          <a:spcPts val="800"/>
+                        </a:spcAft>
+                      </a:pPr>
+                      <a:r>
+                        <a:rPr lang="he-IL" sz="1800" kern="1200" dirty="0">
+                          <a:solidFill>
+                            <a:schemeClr val="dk1"/>
+                          </a:solidFill>
+                          <a:effectLst/>
+                        </a:rPr>
+                        <a:t>91.1%</a:t>
+                      </a:r>
+                      <a:endParaRPr lang="he-IL" sz="2000" b="0" i="0" u="none" strike="noStrike" dirty="0">
+                        <a:effectLst/>
+                        <a:latin typeface="Arial" panose="020B0604020202020204" pitchFamily="34" charset="0"/>
+                      </a:endParaRPr>
+                    </a:p>
+                  </a:txBody>
+                  <a:tcPr marL="68580" marR="68580" marT="9525" marB="0" anchor="ctr">
+                    <a:lnL w="12700" cap="flat" cmpd="sng" algn="ctr">
+                      <a:solidFill>
+                        <a:schemeClr val="tx1"/>
+                      </a:solidFill>
+                      <a:prstDash val="solid"/>
+                      <a:round/>
+                      <a:headEnd type="none" w="med" len="med"/>
+                      <a:tailEnd type="none" w="med" len="med"/>
+                    </a:lnL>
+                    <a:lnR w="12700" cap="flat" cmpd="sng" algn="ctr">
+                      <a:solidFill>
+                        <a:schemeClr val="tx1"/>
+                      </a:solidFill>
+                      <a:prstDash val="solid"/>
+                      <a:round/>
+                      <a:headEnd type="none" w="med" len="med"/>
+                      <a:tailEnd type="none" w="med" len="med"/>
+                    </a:lnR>
+                    <a:lnT w="12700" cap="flat" cmpd="sng" algn="ctr">
+                      <a:solidFill>
+                        <a:schemeClr val="tx1"/>
+                      </a:solidFill>
+                      <a:prstDash val="solid"/>
+                      <a:round/>
+                      <a:headEnd type="none" w="med" len="med"/>
+                      <a:tailEnd type="none" w="med" len="med"/>
+                    </a:lnT>
+                    <a:lnB w="12700" cap="flat" cmpd="sng" algn="ctr">
+                      <a:solidFill>
+                        <a:schemeClr val="tx1"/>
+                      </a:solidFill>
+                      <a:prstDash val="solid"/>
+                      <a:round/>
+                      <a:headEnd type="none" w="med" len="med"/>
+                      <a:tailEnd type="none" w="med" len="med"/>
+                    </a:lnB>
+                  </a:tcPr>
+                </a:tc>
+                <a:tc>
+                  <a:txBody>
+                    <a:bodyPr/>
+                    <a:lstStyle/>
+                    <a:p>
+                      <a:pPr algn="ctr" rtl="0" fontAlgn="t">
+                        <a:lnSpc>
+                          <a:spcPct val="107000"/>
+                        </a:lnSpc>
+                        <a:spcBef>
+                          <a:spcPts val="0"/>
+                        </a:spcBef>
+                        <a:spcAft>
+                          <a:spcPts val="800"/>
+                        </a:spcAft>
+                      </a:pPr>
+                      <a:r>
+                        <a:rPr lang="en-US" sz="2000" u="none" strike="noStrike" dirty="0">
+                          <a:effectLst/>
+                        </a:rPr>
+                        <a:t>Undistributed </a:t>
+                      </a:r>
+                      <a:r>
+                        <a:rPr lang="en-US" sz="2000" b="0" dirty="0">
+                          <a:solidFill>
+                            <a:srgbClr val="333333"/>
+                          </a:solidFill>
+                          <a:effectLst/>
+                        </a:rPr>
+                        <a:t>deletion</a:t>
+                      </a:r>
+                      <a:r>
+                        <a:rPr lang="en-US" sz="2000" u="none" strike="noStrike" dirty="0">
+                          <a:effectLst/>
+                        </a:rPr>
+                        <a:t> </a:t>
+                      </a:r>
+                      <a:endParaRPr lang="he-IL" sz="2000" b="0" i="0" u="none" strike="noStrike" dirty="0">
+                        <a:effectLst/>
+                        <a:latin typeface="Arial" panose="020B0604020202020204" pitchFamily="34" charset="0"/>
+                      </a:endParaRPr>
+                    </a:p>
+                  </a:txBody>
+                  <a:tcPr marL="68580" marR="68580" marT="9525" marB="0" anchor="ctr">
+                    <a:lnL w="12700" cap="flat" cmpd="sng" algn="ctr">
+                      <a:solidFill>
+                        <a:schemeClr val="tx1"/>
+                      </a:solidFill>
+                      <a:prstDash val="solid"/>
+                      <a:round/>
+                      <a:headEnd type="none" w="med" len="med"/>
+                      <a:tailEnd type="none" w="med" len="med"/>
+                    </a:lnL>
+                    <a:lnR w="12700" cap="flat" cmpd="sng" algn="ctr">
+                      <a:solidFill>
+                        <a:schemeClr val="tx1"/>
+                      </a:solidFill>
+                      <a:prstDash val="solid"/>
+                      <a:round/>
+                      <a:headEnd type="none" w="med" len="med"/>
+                      <a:tailEnd type="none" w="med" len="med"/>
+                    </a:lnR>
+                    <a:lnT w="12700" cap="flat" cmpd="sng" algn="ctr">
+                      <a:solidFill>
+                        <a:schemeClr val="tx1"/>
+                      </a:solidFill>
+                      <a:prstDash val="solid"/>
+                      <a:round/>
+                      <a:headEnd type="none" w="med" len="med"/>
+                      <a:tailEnd type="none" w="med" len="med"/>
+                    </a:lnT>
+                    <a:lnB w="12700" cap="flat" cmpd="sng" algn="ctr">
+                      <a:solidFill>
+                        <a:schemeClr val="tx1"/>
+                      </a:solidFill>
+                      <a:prstDash val="solid"/>
+                      <a:round/>
+                      <a:headEnd type="none" w="med" len="med"/>
+                      <a:tailEnd type="none" w="med" len="med"/>
+                    </a:lnB>
+                  </a:tcPr>
+                </a:tc>
+                <a:tc>
+                  <a:txBody>
+                    <a:bodyPr/>
+                    <a:lstStyle/>
+                    <a:p>
+                      <a:pPr algn="ctr" rtl="0" fontAlgn="t">
+                        <a:lnSpc>
+                          <a:spcPct val="107000"/>
+                        </a:lnSpc>
+                        <a:spcBef>
+                          <a:spcPts val="0"/>
+                        </a:spcBef>
+                        <a:spcAft>
+                          <a:spcPts val="800"/>
+                        </a:spcAft>
+                      </a:pPr>
+                      <a:r>
+                        <a:rPr lang="en-US" sz="2000" u="none" strike="noStrike" dirty="0">
+                          <a:effectLst/>
+                        </a:rPr>
+                        <a:t>Proper</a:t>
+                      </a:r>
+                      <a:r>
+                        <a:rPr lang="he-IL" sz="2000" u="none" strike="noStrike" dirty="0">
+                          <a:effectLst/>
+                        </a:rPr>
+                        <a:t> </a:t>
+                      </a:r>
+                      <a:endParaRPr lang="he-IL" sz="2000" b="0" i="0" u="none" strike="noStrike" dirty="0">
+                        <a:effectLst/>
+                        <a:latin typeface="Arial" panose="020B0604020202020204" pitchFamily="34" charset="0"/>
+                      </a:endParaRPr>
+                    </a:p>
+                  </a:txBody>
+                  <a:tcPr marL="68580" marR="68580" marT="9525" marB="0" anchor="ctr">
+                    <a:lnL w="12700" cap="flat" cmpd="sng" algn="ctr">
+                      <a:solidFill>
+                        <a:schemeClr val="tx1"/>
+                      </a:solidFill>
+                      <a:prstDash val="solid"/>
+                      <a:round/>
+                      <a:headEnd type="none" w="med" len="med"/>
+                      <a:tailEnd type="none" w="med" len="med"/>
+                    </a:lnL>
+                    <a:lnR w="12700" cap="flat" cmpd="sng" algn="ctr">
+                      <a:solidFill>
+                        <a:schemeClr val="tx1"/>
+                      </a:solidFill>
+                      <a:prstDash val="solid"/>
+                      <a:round/>
+                      <a:headEnd type="none" w="med" len="med"/>
+                      <a:tailEnd type="none" w="med" len="med"/>
+                    </a:lnR>
+                    <a:lnT w="12700" cap="flat" cmpd="sng" algn="ctr">
+                      <a:solidFill>
+                        <a:schemeClr val="tx1"/>
+                      </a:solidFill>
+                      <a:prstDash val="solid"/>
+                      <a:round/>
+                      <a:headEnd type="none" w="med" len="med"/>
+                      <a:tailEnd type="none" w="med" len="med"/>
+                    </a:lnT>
+                    <a:lnB w="12700" cap="flat" cmpd="sng" algn="ctr">
+                      <a:solidFill>
+                        <a:schemeClr val="tx1"/>
+                      </a:solidFill>
+                      <a:prstDash val="solid"/>
+                      <a:round/>
+                      <a:headEnd type="none" w="med" len="med"/>
+                      <a:tailEnd type="none" w="med" len="med"/>
+                    </a:lnB>
+                  </a:tcPr>
+                </a:tc>
+                <a:tc>
+                  <a:txBody>
+                    <a:bodyPr/>
+                    <a:lstStyle/>
+                    <a:p>
+                      <a:pPr algn="ctr" rtl="0" fontAlgn="t">
+                        <a:lnSpc>
+                          <a:spcPct val="107000"/>
+                        </a:lnSpc>
+                        <a:spcBef>
+                          <a:spcPts val="0"/>
+                        </a:spcBef>
+                        <a:spcAft>
+                          <a:spcPts val="800"/>
+                        </a:spcAft>
+                      </a:pPr>
+                      <a:r>
+                        <a:rPr lang="en-US" sz="2000" u="none" strike="noStrike" dirty="0">
+                          <a:effectLst/>
+                        </a:rPr>
+                        <a:t>FC</a:t>
+                      </a:r>
+                      <a:endParaRPr lang="en-US" sz="2000" b="0" i="0" u="none" strike="noStrike" dirty="0">
+                        <a:effectLst/>
+                        <a:latin typeface="Arial" panose="020B0604020202020204" pitchFamily="34" charset="0"/>
+                      </a:endParaRPr>
+                    </a:p>
+                  </a:txBody>
+                  <a:tcPr marL="68580" marR="68580" marT="9525" marB="0" anchor="ctr">
+                    <a:lnL w="12700" cap="flat" cmpd="sng" algn="ctr">
+                      <a:solidFill>
+                        <a:schemeClr val="tx1"/>
+                      </a:solidFill>
+                      <a:prstDash val="solid"/>
+                      <a:round/>
+                      <a:headEnd type="none" w="med" len="med"/>
+                      <a:tailEnd type="none" w="med" len="med"/>
+                    </a:lnL>
+                    <a:lnR w="12700" cap="flat" cmpd="sng" algn="ctr">
+                      <a:solidFill>
+                        <a:schemeClr val="tx1"/>
+                      </a:solidFill>
+                      <a:prstDash val="solid"/>
+                      <a:round/>
+                      <a:headEnd type="none" w="med" len="med"/>
+                      <a:tailEnd type="none" w="med" len="med"/>
+                    </a:lnR>
+                    <a:lnT w="12700" cap="flat" cmpd="sng" algn="ctr">
+                      <a:solidFill>
+                        <a:schemeClr val="tx1"/>
+                      </a:solidFill>
+                      <a:prstDash val="solid"/>
+                      <a:round/>
+                      <a:headEnd type="none" w="med" len="med"/>
+                      <a:tailEnd type="none" w="med" len="med"/>
+                    </a:lnT>
+                    <a:lnB w="12700" cap="flat" cmpd="sng" algn="ctr">
+                      <a:solidFill>
+                        <a:schemeClr val="tx1"/>
+                      </a:solidFill>
+                      <a:prstDash val="solid"/>
+                      <a:round/>
+                      <a:headEnd type="none" w="med" len="med"/>
+                      <a:tailEnd type="none" w="med" len="med"/>
+                    </a:lnB>
+                  </a:tcPr>
+                </a:tc>
+                <a:extLst>
+                  <a:ext uri="{0D108BD9-81ED-4DB2-BD59-A6C34878D82A}">
+                    <a16:rowId xmlns:a16="http://schemas.microsoft.com/office/drawing/2014/main" val="1964752943"/>
+                  </a:ext>
+                </a:extLst>
+              </a:tr>
+              <a:tr h="740144">
+                <a:tc>
+                  <a:txBody>
+                    <a:bodyPr/>
+                    <a:lstStyle/>
+                    <a:p>
+                      <a:pPr algn="ctr" rtl="0" fontAlgn="t">
+                        <a:lnSpc>
+                          <a:spcPct val="107000"/>
+                        </a:lnSpc>
+                        <a:spcBef>
+                          <a:spcPts val="0"/>
+                        </a:spcBef>
+                        <a:spcAft>
+                          <a:spcPts val="800"/>
+                        </a:spcAft>
+                      </a:pPr>
+                      <a:r>
+                        <a:rPr lang="en-US" sz="2000" b="0" u="none" strike="noStrike" dirty="0">
+                          <a:effectLst/>
+                        </a:rPr>
+                        <a:t>0.06[s]</a:t>
+                      </a:r>
+                      <a:endParaRPr lang="he-IL" sz="2000" b="0" i="0" u="none" strike="noStrike" dirty="0">
+                        <a:effectLst/>
+                        <a:latin typeface="Arial" panose="020B0604020202020204" pitchFamily="34" charset="0"/>
+                      </a:endParaRPr>
+                    </a:p>
+                  </a:txBody>
+                  <a:tcPr marL="68580" marR="68580" marT="9525" marB="0" anchor="ctr">
+                    <a:lnL w="12700" cap="flat" cmpd="sng" algn="ctr">
+                      <a:solidFill>
+                        <a:schemeClr val="tx1"/>
+                      </a:solidFill>
+                      <a:prstDash val="solid"/>
+                      <a:round/>
+                      <a:headEnd type="none" w="med" len="med"/>
+                      <a:tailEnd type="none" w="med" len="med"/>
+                    </a:lnL>
+                    <a:lnR w="12700" cap="flat" cmpd="sng" algn="ctr">
+                      <a:solidFill>
+                        <a:schemeClr val="tx1"/>
+                      </a:solidFill>
+                      <a:prstDash val="solid"/>
+                      <a:round/>
+                      <a:headEnd type="none" w="med" len="med"/>
+                      <a:tailEnd type="none" w="med" len="med"/>
+                    </a:lnR>
+                    <a:lnT w="12700" cap="flat" cmpd="sng" algn="ctr">
+                      <a:solidFill>
+                        <a:schemeClr val="tx1"/>
+                      </a:solidFill>
+                      <a:prstDash val="solid"/>
+                      <a:round/>
+                      <a:headEnd type="none" w="med" len="med"/>
+                      <a:tailEnd type="none" w="med" len="med"/>
+                    </a:lnT>
+                    <a:lnB w="12700" cap="flat" cmpd="sng" algn="ctr">
+                      <a:solidFill>
+                        <a:schemeClr val="tx1"/>
+                      </a:solidFill>
+                      <a:prstDash val="solid"/>
+                      <a:round/>
+                      <a:headEnd type="none" w="med" len="med"/>
+                      <a:tailEnd type="none" w="med" len="med"/>
+                    </a:lnB>
+                  </a:tcPr>
+                </a:tc>
+                <a:tc>
+                  <a:txBody>
+                    <a:bodyPr/>
+                    <a:lstStyle/>
+                    <a:p>
+                      <a:pPr algn="ctr" rtl="0" fontAlgn="t">
+                        <a:lnSpc>
+                          <a:spcPct val="107000"/>
+                        </a:lnSpc>
+                        <a:spcBef>
+                          <a:spcPts val="0"/>
+                        </a:spcBef>
+                        <a:spcAft>
+                          <a:spcPts val="800"/>
+                        </a:spcAft>
+                      </a:pPr>
+                      <a:r>
+                        <a:rPr lang="he-IL" sz="1800" kern="1200" dirty="0">
+                          <a:solidFill>
+                            <a:schemeClr val="dk1"/>
+                          </a:solidFill>
+                          <a:effectLst/>
+                        </a:rPr>
+                        <a:t>88.2% </a:t>
+                      </a:r>
+                      <a:endParaRPr lang="he-IL" sz="2000" b="0" i="0" u="none" strike="noStrike" dirty="0">
+                        <a:effectLst/>
+                        <a:latin typeface="Arial" panose="020B0604020202020204" pitchFamily="34" charset="0"/>
+                      </a:endParaRPr>
+                    </a:p>
+                  </a:txBody>
+                  <a:tcPr marL="68580" marR="68580" marT="9525" marB="0" anchor="ctr">
+                    <a:lnL w="12700" cap="flat" cmpd="sng" algn="ctr">
+                      <a:solidFill>
+                        <a:schemeClr val="tx1"/>
+                      </a:solidFill>
+                      <a:prstDash val="solid"/>
+                      <a:round/>
+                      <a:headEnd type="none" w="med" len="med"/>
+                      <a:tailEnd type="none" w="med" len="med"/>
+                    </a:lnL>
+                    <a:lnR w="12700" cap="flat" cmpd="sng" algn="ctr">
+                      <a:solidFill>
+                        <a:schemeClr val="tx1"/>
+                      </a:solidFill>
+                      <a:prstDash val="solid"/>
+                      <a:round/>
+                      <a:headEnd type="none" w="med" len="med"/>
+                      <a:tailEnd type="none" w="med" len="med"/>
+                    </a:lnR>
+                    <a:lnT w="12700" cap="flat" cmpd="sng" algn="ctr">
+                      <a:solidFill>
+                        <a:schemeClr val="tx1"/>
+                      </a:solidFill>
+                      <a:prstDash val="solid"/>
+                      <a:round/>
+                      <a:headEnd type="none" w="med" len="med"/>
+                      <a:tailEnd type="none" w="med" len="med"/>
+                    </a:lnT>
+                    <a:lnB w="12700" cap="flat" cmpd="sng" algn="ctr">
+                      <a:solidFill>
+                        <a:schemeClr val="tx1"/>
+                      </a:solidFill>
+                      <a:prstDash val="solid"/>
+                      <a:round/>
+                      <a:headEnd type="none" w="med" len="med"/>
+                      <a:tailEnd type="none" w="med" len="med"/>
+                    </a:lnB>
+                  </a:tcPr>
+                </a:tc>
+                <a:tc>
+                  <a:txBody>
+                    <a:bodyPr/>
+                    <a:lstStyle/>
+                    <a:p>
+                      <a:pPr marL="0" marR="0" lvl="0" indent="0" algn="ctr" defTabSz="914400" rtl="0" eaLnBrk="1" fontAlgn="t" latinLnBrk="0" hangingPunct="1">
+                        <a:lnSpc>
+                          <a:spcPct val="107000"/>
+                        </a:lnSpc>
+                        <a:spcBef>
+                          <a:spcPts val="0"/>
+                        </a:spcBef>
+                        <a:spcAft>
+                          <a:spcPts val="800"/>
+                        </a:spcAft>
+                        <a:buClrTx/>
+                        <a:buSzTx/>
+                        <a:buFontTx/>
+                        <a:buNone/>
+                        <a:tabLst/>
+                        <a:defRPr/>
+                      </a:pPr>
+                      <a:r>
+                        <a:rPr lang="he-IL" sz="1800" kern="1200" dirty="0">
+                          <a:solidFill>
+                            <a:schemeClr val="dk1"/>
+                          </a:solidFill>
+                          <a:effectLst/>
+                        </a:rPr>
+                        <a:t>27.2% </a:t>
+                      </a:r>
+                      <a:endParaRPr lang="he-IL" sz="2000" b="0" i="0" u="none" strike="noStrike" dirty="0">
+                        <a:effectLst/>
+                        <a:latin typeface="Arial" panose="020B0604020202020204" pitchFamily="34" charset="0"/>
+                      </a:endParaRPr>
+                    </a:p>
+                  </a:txBody>
+                  <a:tcPr marL="68580" marR="68580" marT="9525" marB="0" anchor="ctr">
+                    <a:lnL w="12700" cap="flat" cmpd="sng" algn="ctr">
+                      <a:solidFill>
+                        <a:schemeClr val="tx1"/>
+                      </a:solidFill>
+                      <a:prstDash val="solid"/>
+                      <a:round/>
+                      <a:headEnd type="none" w="med" len="med"/>
+                      <a:tailEnd type="none" w="med" len="med"/>
+                    </a:lnL>
+                    <a:lnR w="12700" cap="flat" cmpd="sng" algn="ctr">
+                      <a:solidFill>
+                        <a:schemeClr val="tx1"/>
+                      </a:solidFill>
+                      <a:prstDash val="solid"/>
+                      <a:round/>
+                      <a:headEnd type="none" w="med" len="med"/>
+                      <a:tailEnd type="none" w="med" len="med"/>
+                    </a:lnR>
+                    <a:lnT w="12700" cap="flat" cmpd="sng" algn="ctr">
+                      <a:solidFill>
+                        <a:schemeClr val="tx1"/>
+                      </a:solidFill>
+                      <a:prstDash val="solid"/>
+                      <a:round/>
+                      <a:headEnd type="none" w="med" len="med"/>
+                      <a:tailEnd type="none" w="med" len="med"/>
+                    </a:lnT>
+                    <a:lnB w="12700" cap="flat" cmpd="sng" algn="ctr">
+                      <a:solidFill>
+                        <a:schemeClr val="tx1"/>
+                      </a:solidFill>
+                      <a:prstDash val="solid"/>
+                      <a:round/>
+                      <a:headEnd type="none" w="med" len="med"/>
+                      <a:tailEnd type="none" w="med" len="med"/>
+                    </a:lnB>
+                  </a:tcPr>
+                </a:tc>
+                <a:tc>
+                  <a:txBody>
+                    <a:bodyPr/>
+                    <a:lstStyle/>
+                    <a:p>
+                      <a:pPr algn="ctr" rtl="0" fontAlgn="t">
+                        <a:lnSpc>
+                          <a:spcPct val="107000"/>
+                        </a:lnSpc>
+                        <a:spcBef>
+                          <a:spcPts val="0"/>
+                        </a:spcBef>
+                        <a:spcAft>
+                          <a:spcPts val="800"/>
+                        </a:spcAft>
+                      </a:pPr>
+                      <a:r>
+                        <a:rPr lang="en-US" sz="2000" u="none" strike="noStrike" dirty="0">
+                          <a:effectLst/>
+                        </a:rPr>
+                        <a:t>Distributed </a:t>
+                      </a:r>
+                      <a:r>
+                        <a:rPr lang="en-US" sz="2000" b="0" dirty="0">
+                          <a:solidFill>
+                            <a:srgbClr val="333333"/>
+                          </a:solidFill>
+                          <a:effectLst/>
+                        </a:rPr>
+                        <a:t>deletion</a:t>
+                      </a:r>
+                      <a:r>
+                        <a:rPr lang="en-US" sz="2000" u="none" strike="noStrike" dirty="0">
+                          <a:effectLst/>
+                        </a:rPr>
+                        <a:t> </a:t>
+                      </a:r>
+                      <a:endParaRPr lang="he-IL" sz="2000" b="0" i="0" u="none" strike="noStrike" dirty="0">
+                        <a:effectLst/>
+                        <a:latin typeface="Arial" panose="020B0604020202020204" pitchFamily="34" charset="0"/>
+                      </a:endParaRPr>
+                    </a:p>
+                  </a:txBody>
+                  <a:tcPr marL="68580" marR="68580" marT="9525" marB="0" anchor="ctr">
+                    <a:lnL w="12700" cap="flat" cmpd="sng" algn="ctr">
+                      <a:solidFill>
+                        <a:schemeClr val="tx1"/>
+                      </a:solidFill>
+                      <a:prstDash val="solid"/>
+                      <a:round/>
+                      <a:headEnd type="none" w="med" len="med"/>
+                      <a:tailEnd type="none" w="med" len="med"/>
+                    </a:lnL>
+                    <a:lnR w="12700" cap="flat" cmpd="sng" algn="ctr">
+                      <a:solidFill>
+                        <a:schemeClr val="tx1"/>
+                      </a:solidFill>
+                      <a:prstDash val="solid"/>
+                      <a:round/>
+                      <a:headEnd type="none" w="med" len="med"/>
+                      <a:tailEnd type="none" w="med" len="med"/>
+                    </a:lnR>
+                    <a:lnT w="12700" cap="flat" cmpd="sng" algn="ctr">
+                      <a:solidFill>
+                        <a:schemeClr val="tx1"/>
+                      </a:solidFill>
+                      <a:prstDash val="solid"/>
+                      <a:round/>
+                      <a:headEnd type="none" w="med" len="med"/>
+                      <a:tailEnd type="none" w="med" len="med"/>
+                    </a:lnT>
+                    <a:lnB w="12700" cap="flat" cmpd="sng" algn="ctr">
+                      <a:solidFill>
+                        <a:schemeClr val="tx1"/>
+                      </a:solidFill>
+                      <a:prstDash val="solid"/>
+                      <a:round/>
+                      <a:headEnd type="none" w="med" len="med"/>
+                      <a:tailEnd type="none" w="med" len="med"/>
+                    </a:lnB>
+                  </a:tcPr>
+                </a:tc>
+                <a:tc>
+                  <a:txBody>
+                    <a:bodyPr/>
+                    <a:lstStyle/>
+                    <a:p>
+                      <a:pPr algn="ctr" rtl="0" fontAlgn="t">
+                        <a:lnSpc>
+                          <a:spcPct val="107000"/>
+                        </a:lnSpc>
+                        <a:spcBef>
+                          <a:spcPts val="0"/>
+                        </a:spcBef>
+                        <a:spcAft>
+                          <a:spcPts val="800"/>
+                        </a:spcAft>
+                      </a:pPr>
+                      <a:r>
+                        <a:rPr lang="en-US" sz="2000" u="none" strike="noStrike" dirty="0">
+                          <a:effectLst/>
+                        </a:rPr>
+                        <a:t>Proper – No Curriculum</a:t>
+                      </a:r>
+                      <a:endParaRPr lang="he-IL" sz="2000" b="0" i="0" u="none" strike="noStrike" dirty="0">
+                        <a:effectLst/>
+                        <a:latin typeface="Arial" panose="020B0604020202020204" pitchFamily="34" charset="0"/>
+                      </a:endParaRPr>
+                    </a:p>
+                  </a:txBody>
+                  <a:tcPr marL="68580" marR="68580" marT="9525" marB="0" anchor="ctr">
+                    <a:lnL w="12700" cap="flat" cmpd="sng" algn="ctr">
+                      <a:solidFill>
+                        <a:schemeClr val="tx1"/>
+                      </a:solidFill>
+                      <a:prstDash val="solid"/>
+                      <a:round/>
+                      <a:headEnd type="none" w="med" len="med"/>
+                      <a:tailEnd type="none" w="med" len="med"/>
+                    </a:lnL>
+                    <a:lnR w="12700" cap="flat" cmpd="sng" algn="ctr">
+                      <a:solidFill>
+                        <a:schemeClr val="tx1"/>
+                      </a:solidFill>
+                      <a:prstDash val="solid"/>
+                      <a:round/>
+                      <a:headEnd type="none" w="med" len="med"/>
+                      <a:tailEnd type="none" w="med" len="med"/>
+                    </a:lnR>
+                    <a:lnT w="12700" cap="flat" cmpd="sng" algn="ctr">
+                      <a:solidFill>
+                        <a:schemeClr val="tx1"/>
+                      </a:solidFill>
+                      <a:prstDash val="solid"/>
+                      <a:round/>
+                      <a:headEnd type="none" w="med" len="med"/>
+                      <a:tailEnd type="none" w="med" len="med"/>
+                    </a:lnT>
+                    <a:lnB w="12700" cap="flat" cmpd="sng" algn="ctr">
+                      <a:solidFill>
+                        <a:schemeClr val="tx1"/>
+                      </a:solidFill>
+                      <a:prstDash val="solid"/>
+                      <a:round/>
+                      <a:headEnd type="none" w="med" len="med"/>
+                      <a:tailEnd type="none" w="med" len="med"/>
+                    </a:lnB>
+                  </a:tcPr>
+                </a:tc>
+                <a:tc>
+                  <a:txBody>
+                    <a:bodyPr/>
+                    <a:lstStyle/>
+                    <a:p>
+                      <a:pPr algn="ctr" rtl="0" fontAlgn="t">
+                        <a:lnSpc>
+                          <a:spcPct val="107000"/>
+                        </a:lnSpc>
+                        <a:spcBef>
+                          <a:spcPts val="0"/>
+                        </a:spcBef>
+                        <a:spcAft>
+                          <a:spcPts val="800"/>
+                        </a:spcAft>
+                      </a:pPr>
+                      <a:r>
+                        <a:rPr lang="en-US" sz="2000" u="none" strike="noStrike" dirty="0">
+                          <a:effectLst/>
+                        </a:rPr>
+                        <a:t>FC</a:t>
+                      </a:r>
+                      <a:endParaRPr lang="en-US" sz="2000" b="0" i="0" u="none" strike="noStrike" dirty="0">
+                        <a:effectLst/>
+                        <a:latin typeface="Arial" panose="020B0604020202020204" pitchFamily="34" charset="0"/>
+                      </a:endParaRPr>
+                    </a:p>
+                  </a:txBody>
+                  <a:tcPr marL="68580" marR="68580" marT="9525" marB="0" anchor="ctr">
+                    <a:lnL w="12700" cap="flat" cmpd="sng" algn="ctr">
+                      <a:solidFill>
+                        <a:schemeClr val="tx1"/>
+                      </a:solidFill>
+                      <a:prstDash val="solid"/>
+                      <a:round/>
+                      <a:headEnd type="none" w="med" len="med"/>
+                      <a:tailEnd type="none" w="med" len="med"/>
+                    </a:lnL>
+                    <a:lnR w="12700" cap="flat" cmpd="sng" algn="ctr">
+                      <a:solidFill>
+                        <a:schemeClr val="tx1"/>
+                      </a:solidFill>
+                      <a:prstDash val="solid"/>
+                      <a:round/>
+                      <a:headEnd type="none" w="med" len="med"/>
+                      <a:tailEnd type="none" w="med" len="med"/>
+                    </a:lnR>
+                    <a:lnT w="12700" cap="flat" cmpd="sng" algn="ctr">
+                      <a:solidFill>
+                        <a:schemeClr val="tx1"/>
+                      </a:solidFill>
+                      <a:prstDash val="solid"/>
+                      <a:round/>
+                      <a:headEnd type="none" w="med" len="med"/>
+                      <a:tailEnd type="none" w="med" len="med"/>
+                    </a:lnT>
+                    <a:lnB w="12700" cap="flat" cmpd="sng" algn="ctr">
+                      <a:solidFill>
+                        <a:schemeClr val="tx1"/>
+                      </a:solidFill>
+                      <a:prstDash val="solid"/>
+                      <a:round/>
+                      <a:headEnd type="none" w="med" len="med"/>
+                      <a:tailEnd type="none" w="med" len="med"/>
+                    </a:lnB>
+                  </a:tcPr>
+                </a:tc>
+                <a:extLst>
+                  <a:ext uri="{0D108BD9-81ED-4DB2-BD59-A6C34878D82A}">
                     <a16:rowId xmlns:a16="http://schemas.microsoft.com/office/drawing/2014/main" val="1203903002"/>
                   </a:ext>
                 </a:extLst>
@@ -11207,7 +11869,7 @@
           <p:nvPr/>
         </p:nvPicPr>
         <p:blipFill>
-          <a:blip r:embed="rId2"/>
+          <a:blip r:embed="rId3"/>
           <a:stretch>
             <a:fillRect/>
           </a:stretch>
@@ -11215,34 +11877,7 @@
         <p:spPr>
           <a:xfrm>
             <a:off x="0" y="0"/>
-            <a:ext cx="5630779" cy="3041584"/>
-          </a:xfrm>
-          <a:prstGeom prst="rect">
-            <a:avLst/>
-          </a:prstGeom>
-        </p:spPr>
-      </p:pic>
-      <p:pic>
-        <p:nvPicPr>
-          <p:cNvPr id="9" name="תמונה 8">
-            <a:extLst>
-              <a:ext uri="{FF2B5EF4-FFF2-40B4-BE49-F238E27FC236}">
-                <a16:creationId xmlns:a16="http://schemas.microsoft.com/office/drawing/2014/main" id="{3AE23727-9427-4A32-9875-4CA504832A24}"/>
-              </a:ext>
-            </a:extLst>
-          </p:cNvPr>
-          <p:cNvPicPr/>
-          <p:nvPr/>
-        </p:nvPicPr>
-        <p:blipFill rotWithShape="1">
-          <a:blip r:embed="rId3"/>
-          <a:srcRect l="8824" r="8324"/>
-          <a:stretch/>
-        </p:blipFill>
-        <p:spPr>
-          <a:xfrm>
-            <a:off x="3291839" y="3205214"/>
-            <a:ext cx="5216893" cy="3041584"/>
+            <a:ext cx="5732060" cy="3188134"/>
           </a:xfrm>
           <a:prstGeom prst="rect">
             <a:avLst/>
@@ -11501,6 +12136,36 @@
           </a:p>
         </p:txBody>
       </p:sp>
+      <p:pic>
+        <p:nvPicPr>
+          <p:cNvPr id="3" name="תמונה 2">
+            <a:extLst>
+              <a:ext uri="{FF2B5EF4-FFF2-40B4-BE49-F238E27FC236}">
+                <a16:creationId xmlns:a16="http://schemas.microsoft.com/office/drawing/2014/main" id="{308E0269-015F-42A1-9F6D-FEAB704C9D89}"/>
+              </a:ext>
+            </a:extLst>
+          </p:cNvPr>
+          <p:cNvPicPr>
+            <a:picLocks noChangeAspect="1"/>
+          </p:cNvPicPr>
+          <p:nvPr/>
+        </p:nvPicPr>
+        <p:blipFill>
+          <a:blip r:embed="rId5"/>
+          <a:stretch>
+            <a:fillRect/>
+          </a:stretch>
+        </p:blipFill>
+        <p:spPr>
+          <a:xfrm>
+            <a:off x="2359641" y="3065060"/>
+            <a:ext cx="6782937" cy="3293964"/>
+          </a:xfrm>
+          <a:prstGeom prst="rect">
+            <a:avLst/>
+          </a:prstGeom>
+        </p:spPr>
+      </p:pic>
     </p:spTree>
     <p:extLst>
       <p:ext uri="{BB962C8B-B14F-4D97-AF65-F5344CB8AC3E}">
@@ -11533,33 +12198,6 @@
       </p:grpSpPr>
       <p:pic>
         <p:nvPicPr>
-          <p:cNvPr id="5" name="תמונה 4">
-            <a:extLst>
-              <a:ext uri="{FF2B5EF4-FFF2-40B4-BE49-F238E27FC236}">
-                <a16:creationId xmlns:a16="http://schemas.microsoft.com/office/drawing/2014/main" id="{F43801AD-46CB-42EF-B6E0-F469BA2061CF}"/>
-              </a:ext>
-            </a:extLst>
-          </p:cNvPr>
-          <p:cNvPicPr/>
-          <p:nvPr/>
-        </p:nvPicPr>
-        <p:blipFill rotWithShape="1">
-          <a:blip r:embed="rId2"/>
-          <a:srcRect l="8759" r="8754"/>
-          <a:stretch/>
-        </p:blipFill>
-        <p:spPr>
-          <a:xfrm>
-            <a:off x="77002" y="0"/>
-            <a:ext cx="4995511" cy="3224463"/>
-          </a:xfrm>
-          <a:prstGeom prst="rect">
-            <a:avLst/>
-          </a:prstGeom>
-        </p:spPr>
-      </p:pic>
-      <p:pic>
-        <p:nvPicPr>
           <p:cNvPr id="12" name="תמונה 11">
             <a:extLst>
               <a:ext uri="{FF2B5EF4-FFF2-40B4-BE49-F238E27FC236}">
@@ -11577,7 +12215,7 @@
         </p:blipFill>
         <p:spPr>
           <a:xfrm>
-            <a:off x="3907856" y="3165508"/>
+            <a:off x="2030929" y="203944"/>
             <a:ext cx="5082140" cy="3106554"/>
           </a:xfrm>
           <a:prstGeom prst="rect">
@@ -11604,8 +12242,8 @@
         </p:blipFill>
         <p:spPr>
           <a:xfrm>
-            <a:off x="243037" y="3993280"/>
-            <a:ext cx="3287028" cy="1839629"/>
+            <a:off x="2576534" y="3385122"/>
+            <a:ext cx="3990930" cy="2973902"/>
           </a:xfrm>
           <a:prstGeom prst="rect">
             <a:avLst/>

--- a/Presentation/final_presentation.pptx
+++ b/Presentation/final_presentation.pptx
@@ -299,7 +299,7 @@
           <a:p>
             <a:fld id="{F6B21B3F-883B-407D-A0DF-AE028F3E9C27}" type="datetimeFigureOut">
               <a:rPr lang="he-IL" smtClean="0"/>
-              <a:t>כ"ב/אלול/תש"ף</a:t>
+              <a:t>כ"ג/אלול/תש"ף</a:t>
             </a:fld>
             <a:endParaRPr lang="he-IL"/>
           </a:p>
@@ -1316,6 +1316,16 @@
           <a:p>
             <a:r>
               <a:rPr lang="he-IL" dirty="0"/>
+              <a:t>ברגע מילוי ה 4 באותו בלוק ההסתברות </a:t>
+            </a:r>
+            <a:r>
+              <a:rPr lang="he-IL"/>
+              <a:t>שלו צונחת ל 0.</a:t>
+            </a:r>
+          </a:p>
+          <a:p>
+            <a:r>
+              <a:rPr lang="he-IL" dirty="0"/>
               <a:t>וברגע שרמת הביטחון היא הגבוהה ביותר, הרשת ממלאת את התא המתאים ב 5.</a:t>
             </a:r>
           </a:p>
@@ -3152,7 +3162,7 @@
           <a:p>
             <a:fld id="{07420D2C-25A9-4EC4-A057-9B240AACE9AC}" type="datetimeFigureOut">
               <a:rPr lang="he-IL" smtClean="0"/>
-              <a:t>כ"ב/אלול/תש"ף</a:t>
+              <a:t>כ"ג/אלול/תש"ף</a:t>
             </a:fld>
             <a:endParaRPr lang="he-IL"/>
           </a:p>
@@ -3322,7 +3332,7 @@
           <a:p>
             <a:fld id="{07420D2C-25A9-4EC4-A057-9B240AACE9AC}" type="datetimeFigureOut">
               <a:rPr lang="he-IL" smtClean="0"/>
-              <a:t>כ"ב/אלול/תש"ף</a:t>
+              <a:t>כ"ג/אלול/תש"ף</a:t>
             </a:fld>
             <a:endParaRPr lang="he-IL"/>
           </a:p>
@@ -3502,7 +3512,7 @@
           <a:p>
             <a:fld id="{07420D2C-25A9-4EC4-A057-9B240AACE9AC}" type="datetimeFigureOut">
               <a:rPr lang="he-IL" smtClean="0"/>
-              <a:t>כ"ב/אלול/תש"ף</a:t>
+              <a:t>כ"ג/אלול/תש"ף</a:t>
             </a:fld>
             <a:endParaRPr lang="he-IL"/>
           </a:p>
@@ -3672,7 +3682,7 @@
           <a:p>
             <a:fld id="{07420D2C-25A9-4EC4-A057-9B240AACE9AC}" type="datetimeFigureOut">
               <a:rPr lang="he-IL" smtClean="0"/>
-              <a:t>כ"ב/אלול/תש"ף</a:t>
+              <a:t>כ"ג/אלול/תש"ף</a:t>
             </a:fld>
             <a:endParaRPr lang="he-IL"/>
           </a:p>
@@ -3916,7 +3926,7 @@
           <a:p>
             <a:fld id="{07420D2C-25A9-4EC4-A057-9B240AACE9AC}" type="datetimeFigureOut">
               <a:rPr lang="he-IL" smtClean="0"/>
-              <a:t>כ"ב/אלול/תש"ף</a:t>
+              <a:t>כ"ג/אלול/תש"ף</a:t>
             </a:fld>
             <a:endParaRPr lang="he-IL"/>
           </a:p>
@@ -4148,7 +4158,7 @@
           <a:p>
             <a:fld id="{07420D2C-25A9-4EC4-A057-9B240AACE9AC}" type="datetimeFigureOut">
               <a:rPr lang="he-IL" smtClean="0"/>
-              <a:t>כ"ב/אלול/תש"ף</a:t>
+              <a:t>כ"ג/אלול/תש"ף</a:t>
             </a:fld>
             <a:endParaRPr lang="he-IL"/>
           </a:p>
@@ -4515,7 +4525,7 @@
           <a:p>
             <a:fld id="{07420D2C-25A9-4EC4-A057-9B240AACE9AC}" type="datetimeFigureOut">
               <a:rPr lang="he-IL" smtClean="0"/>
-              <a:t>כ"ב/אלול/תש"ף</a:t>
+              <a:t>כ"ג/אלול/תש"ף</a:t>
             </a:fld>
             <a:endParaRPr lang="he-IL"/>
           </a:p>
@@ -4633,7 +4643,7 @@
           <a:p>
             <a:fld id="{07420D2C-25A9-4EC4-A057-9B240AACE9AC}" type="datetimeFigureOut">
               <a:rPr lang="he-IL" smtClean="0"/>
-              <a:t>כ"ב/אלול/תש"ף</a:t>
+              <a:t>כ"ג/אלול/תש"ף</a:t>
             </a:fld>
             <a:endParaRPr lang="he-IL"/>
           </a:p>
@@ -4728,7 +4738,7 @@
           <a:p>
             <a:fld id="{07420D2C-25A9-4EC4-A057-9B240AACE9AC}" type="datetimeFigureOut">
               <a:rPr lang="he-IL" smtClean="0"/>
-              <a:t>כ"ב/אלול/תש"ף</a:t>
+              <a:t>כ"ג/אלול/תש"ף</a:t>
             </a:fld>
             <a:endParaRPr lang="he-IL"/>
           </a:p>
@@ -5005,7 +5015,7 @@
           <a:p>
             <a:fld id="{07420D2C-25A9-4EC4-A057-9B240AACE9AC}" type="datetimeFigureOut">
               <a:rPr lang="he-IL" smtClean="0"/>
-              <a:t>כ"ב/אלול/תש"ף</a:t>
+              <a:t>כ"ג/אלול/תש"ף</a:t>
             </a:fld>
             <a:endParaRPr lang="he-IL"/>
           </a:p>
@@ -5262,7 +5272,7 @@
           <a:p>
             <a:fld id="{07420D2C-25A9-4EC4-A057-9B240AACE9AC}" type="datetimeFigureOut">
               <a:rPr lang="he-IL" smtClean="0"/>
-              <a:t>כ"ב/אלול/תש"ף</a:t>
+              <a:t>כ"ג/אלול/תש"ף</a:t>
             </a:fld>
             <a:endParaRPr lang="he-IL"/>
           </a:p>
@@ -5475,7 +5485,7 @@
           <a:p>
             <a:fld id="{07420D2C-25A9-4EC4-A057-9B240AACE9AC}" type="datetimeFigureOut">
               <a:rPr lang="he-IL" smtClean="0"/>
-              <a:t>כ"ב/אלול/תש"ף</a:t>
+              <a:t>כ"ג/אלול/תש"ף</a:t>
             </a:fld>
             <a:endParaRPr lang="he-IL"/>
           </a:p>
@@ -12215,8 +12225,8 @@
         </p:blipFill>
         <p:spPr>
           <a:xfrm>
-            <a:off x="2030929" y="203944"/>
-            <a:ext cx="5082140" cy="3106554"/>
+            <a:off x="3699803" y="3193365"/>
+            <a:ext cx="5408731" cy="3151759"/>
           </a:xfrm>
           <a:prstGeom prst="rect">
             <a:avLst/>
@@ -12242,8 +12252,8 @@
         </p:blipFill>
         <p:spPr>
           <a:xfrm>
-            <a:off x="2576534" y="3385122"/>
-            <a:ext cx="3990930" cy="2973902"/>
+            <a:off x="832140" y="3923875"/>
+            <a:ext cx="2600377" cy="2223706"/>
           </a:xfrm>
           <a:prstGeom prst="rect">
             <a:avLst/>
@@ -12502,6 +12512,36 @@
           </a:p>
         </p:txBody>
       </p:sp>
+      <p:pic>
+        <p:nvPicPr>
+          <p:cNvPr id="3" name="תמונה 2">
+            <a:extLst>
+              <a:ext uri="{FF2B5EF4-FFF2-40B4-BE49-F238E27FC236}">
+                <a16:creationId xmlns:a16="http://schemas.microsoft.com/office/drawing/2014/main" id="{14F57DE2-593E-4341-B3BD-9B6671512120}"/>
+              </a:ext>
+            </a:extLst>
+          </p:cNvPr>
+          <p:cNvPicPr>
+            <a:picLocks noChangeAspect="1"/>
+          </p:cNvPicPr>
+          <p:nvPr/>
+        </p:nvPicPr>
+        <p:blipFill>
+          <a:blip r:embed="rId6"/>
+          <a:stretch>
+            <a:fillRect/>
+          </a:stretch>
+        </p:blipFill>
+        <p:spPr>
+          <a:xfrm>
+            <a:off x="0" y="57393"/>
+            <a:ext cx="6355363" cy="3122072"/>
+          </a:xfrm>
+          <a:prstGeom prst="rect">
+            <a:avLst/>
+          </a:prstGeom>
+        </p:spPr>
+      </p:pic>
     </p:spTree>
     <p:extLst>
       <p:ext uri="{BB962C8B-B14F-4D97-AF65-F5344CB8AC3E}">

--- a/Presentation/final_presentation.pptx
+++ b/Presentation/final_presentation.pptx
@@ -5,10 +5,10 @@
     <p:sldMasterId id="2147483660" r:id="rId1"/>
   </p:sldMasterIdLst>
   <p:notesMasterIdLst>
-    <p:notesMasterId r:id="rId24"/>
+    <p:notesMasterId r:id="rId23"/>
   </p:notesMasterIdLst>
   <p:handoutMasterIdLst>
-    <p:handoutMasterId r:id="rId25"/>
+    <p:handoutMasterId r:id="rId24"/>
   </p:handoutMasterIdLst>
   <p:sldIdLst>
     <p:sldId id="256" r:id="rId2"/>
@@ -20,19 +20,18 @@
     <p:sldId id="274" r:id="rId8"/>
     <p:sldId id="272" r:id="rId9"/>
     <p:sldId id="261" r:id="rId10"/>
-    <p:sldId id="263" r:id="rId11"/>
-    <p:sldId id="264" r:id="rId12"/>
+    <p:sldId id="264" r:id="rId11"/>
+    <p:sldId id="263" r:id="rId12"/>
     <p:sldId id="265" r:id="rId13"/>
     <p:sldId id="267" r:id="rId14"/>
     <p:sldId id="269" r:id="rId15"/>
-    <p:sldId id="275" r:id="rId16"/>
-    <p:sldId id="277" r:id="rId17"/>
-    <p:sldId id="279" r:id="rId18"/>
-    <p:sldId id="268" r:id="rId19"/>
-    <p:sldId id="271" r:id="rId20"/>
-    <p:sldId id="273" r:id="rId21"/>
-    <p:sldId id="266" r:id="rId22"/>
-    <p:sldId id="276" r:id="rId23"/>
+    <p:sldId id="277" r:id="rId16"/>
+    <p:sldId id="279" r:id="rId17"/>
+    <p:sldId id="268" r:id="rId18"/>
+    <p:sldId id="271" r:id="rId19"/>
+    <p:sldId id="273" r:id="rId20"/>
+    <p:sldId id="266" r:id="rId21"/>
+    <p:sldId id="276" r:id="rId22"/>
   </p:sldIdLst>
   <p:sldSz cx="9144000" cy="6858000" type="screen4x3"/>
   <p:notesSz cx="6858000" cy="9144000"/>
@@ -716,10 +715,67 @@
               <a:t>איטרטיבית</a:t>
             </a:r>
             <a:r>
-              <a:rPr lang="he-IL"/>
+              <a:rPr lang="he-IL" dirty="0"/>
               <a:t>.</a:t>
             </a:r>
+          </a:p>
+          <a:p>
             <a:endParaRPr lang="he-IL" dirty="0"/>
+          </a:p>
+          <a:p>
+            <a:pPr marL="0" marR="0" lvl="0" indent="0" algn="r" defTabSz="914400" rtl="1" eaLnBrk="1" fontAlgn="auto" latinLnBrk="0" hangingPunct="1">
+              <a:lnSpc>
+                <a:spcPct val="100000"/>
+              </a:lnSpc>
+              <a:spcBef>
+                <a:spcPts val="0"/>
+              </a:spcBef>
+              <a:spcAft>
+                <a:spcPts val="0"/>
+              </a:spcAft>
+              <a:buClrTx/>
+              <a:buSzTx/>
+              <a:buFontTx/>
+              <a:buNone/>
+              <a:tabLst/>
+              <a:defRPr/>
+            </a:pPr>
+            <a:r>
+              <a:rPr lang="he-IL" dirty="0"/>
+              <a:t>לבסוף, </a:t>
+            </a:r>
+            <a:r>
+              <a:rPr lang="en-US" dirty="0"/>
+              <a:t>FC</a:t>
+            </a:r>
+            <a:r>
+              <a:rPr lang="he-IL" dirty="0"/>
+              <a:t> הגיעה לתוצאות טובות יותר ככל הנראה בגלל שבאים למלא משבצת </a:t>
+            </a:r>
+            <a:r>
+              <a:rPr lang="he-IL" dirty="0" err="1"/>
+              <a:t>בסדוקו</a:t>
+            </a:r>
+            <a:r>
+              <a:rPr lang="he-IL" dirty="0"/>
+              <a:t> לא </a:t>
+            </a:r>
+            <a:r>
+              <a:rPr lang="he-IL" dirty="0" err="1"/>
+              <a:t>מסתכליםרק</a:t>
+            </a:r>
+            <a:r>
+              <a:rPr lang="he-IL" dirty="0"/>
+              <a:t> על </a:t>
+            </a:r>
+            <a:r>
+              <a:rPr lang="he-IL" dirty="0" err="1"/>
+              <a:t>שורה,עמודה</a:t>
+            </a:r>
+            <a:r>
+              <a:rPr lang="he-IL" dirty="0"/>
+              <a:t> ובלוק המתאימים אלא גם על משבצות אחרות.</a:t>
+            </a:r>
           </a:p>
           <a:p>
             <a:endParaRPr lang="he-IL" dirty="0"/>
@@ -1074,57 +1130,31 @@
           <a:p>
             <a:r>
               <a:rPr lang="he-IL" dirty="0"/>
-              <a:t>כאן ניתן לראות איך הרשת טועה בהצבת הספרה 1.</a:t>
-            </a:r>
+              <a:t>מה רמות הבטחון עבור כל ספרה</a:t>
+            </a:r>
+          </a:p>
+          <a:p>
+            <a:endParaRPr lang="he-IL" dirty="0"/>
           </a:p>
           <a:p>
             <a:r>
               <a:rPr lang="he-IL" dirty="0"/>
-              <a:t>יש תא סמוך עם רמת ביטחון 100 אחוז (כנראה מעט פחות)</a:t>
-            </a:r>
-            <a:r>
-              <a:rPr lang="en-US" dirty="0"/>
-              <a:t> </a:t>
-            </a:r>
+              <a:t>מצד שמאל למעלה רואים שאפשר למלא 5 כי כל שאר האופציות לא מתאימות.</a:t>
+            </a:r>
+          </a:p>
+          <a:p>
             <a:r>
               <a:rPr lang="he-IL" dirty="0"/>
-              <a:t> או שזה בגלל שהאינדקס </a:t>
+              <a:t>עבור התא המסומן, ניתן לראות ש 4,9 </a:t>
             </a:r>
             <a:r>
               <a:rPr lang="he-IL" dirty="0" err="1"/>
-              <a:t>הארשון</a:t>
+              <a:t>אפציונאליים</a:t>
             </a:r>
             <a:r>
               <a:rPr lang="he-IL" dirty="0"/>
-              <a:t> נלקח </a:t>
-            </a:r>
-            <a:r>
-              <a:rPr lang="he-IL" dirty="0" err="1"/>
-              <a:t>בארגמקס</a:t>
-            </a:r>
-            <a:r>
-              <a:rPr lang="he-IL" dirty="0"/>
-              <a:t>. </a:t>
-            </a:r>
-            <a:br>
-              <a:rPr lang="en-US" dirty="0"/>
-            </a:br>
-            <a:r>
-              <a:rPr lang="he-IL" dirty="0"/>
-              <a:t>רואים איך אחרי המילוי של 1 הביטחון בתא הסמוך צונח ולכן טעות מובילה לטעות..</a:t>
-            </a:r>
-          </a:p>
-          <a:p>
-            <a:endParaRPr lang="he-IL" dirty="0"/>
-          </a:p>
-          <a:p>
-            <a:r>
-              <a:rPr lang="he-IL" dirty="0"/>
-              <a:t>רואים גם שהטעות הבאה קרתה עקב הטעות הראשונה. כך למעשה הרשת יחסית שמרה על מילוי נכון למרות שהייתה לה החלטה לא נכונה.</a:t>
-            </a:r>
-          </a:p>
-          <a:p>
-            <a:endParaRPr lang="he-IL" dirty="0"/>
+              <a:t> (וגם 5  מעט) ועם מילוי 5 רמות הביטחון משתנות כי 5 לא יכול להיות יותר במשבת העליונה בבלוק של התא </a:t>
+            </a:r>
           </a:p>
         </p:txBody>
       </p:sp>
@@ -1154,7 +1184,7 @@
     </p:spTree>
     <p:extLst>
       <p:ext uri="{BB962C8B-B14F-4D97-AF65-F5344CB8AC3E}">
-        <p14:creationId xmlns:p14="http://schemas.microsoft.com/office/powerpoint/2010/main" val="54207685"/>
+        <p14:creationId xmlns:p14="http://schemas.microsoft.com/office/powerpoint/2010/main" val="3334658335"/>
       </p:ext>
     </p:extLst>
   </p:cSld>
@@ -1210,26 +1240,20 @@
           <a:p>
             <a:r>
               <a:rPr lang="he-IL" dirty="0"/>
-              <a:t>מצד שמאל למעלה רואים שאפשר למלא 5 כי כל שאר האופציות לא מתאימות.</a:t>
+              <a:t>ברגע מילוי ה 4 באותו בלוק ההסתברות </a:t>
+            </a:r>
+            <a:r>
+              <a:rPr lang="he-IL"/>
+              <a:t>שלו צונחת ל 0.</a:t>
             </a:r>
           </a:p>
           <a:p>
             <a:r>
               <a:rPr lang="he-IL" dirty="0"/>
-              <a:t>עבור התא המסומן, ניתן לראות ש 4,9 </a:t>
-            </a:r>
-            <a:r>
-              <a:rPr lang="he-IL" dirty="0" err="1"/>
-              <a:t>אפציונאליים</a:t>
-            </a:r>
-            <a:r>
-              <a:rPr lang="he-IL" dirty="0"/>
-              <a:t> (וגם 5  מעט) ועם מילוי 5 רמות הביטחון משתנות כי 5 לא יכול להיות יותר במשבת העליונה בבלוק של </a:t>
-            </a:r>
-            <a:r>
-              <a:rPr lang="he-IL"/>
-              <a:t>התא </a:t>
-            </a:r>
+              <a:t>וברגע שרמת הביטחון היא הגבוהה ביותר, הרשת ממלאת את התא המתאים ב 5.</a:t>
+            </a:r>
+          </a:p>
+          <a:p>
             <a:endParaRPr lang="he-IL" dirty="0"/>
           </a:p>
         </p:txBody>
@@ -1260,7 +1284,7 @@
     </p:spTree>
     <p:extLst>
       <p:ext uri="{BB962C8B-B14F-4D97-AF65-F5344CB8AC3E}">
-        <p14:creationId xmlns:p14="http://schemas.microsoft.com/office/powerpoint/2010/main" val="3334658335"/>
+        <p14:creationId xmlns:p14="http://schemas.microsoft.com/office/powerpoint/2010/main" val="1560908991"/>
       </p:ext>
     </p:extLst>
   </p:cSld>
@@ -1316,18 +1340,72 @@
           <a:p>
             <a:r>
               <a:rPr lang="he-IL" dirty="0"/>
-              <a:t>ברגע מילוי ה 4 באותו בלוק ההסתברות </a:t>
-            </a:r>
-            <a:r>
-              <a:rPr lang="he-IL"/>
-              <a:t>שלו צונחת ל 0.</a:t>
-            </a:r>
-          </a:p>
-          <a:p>
+              <a:t>סטיית התקן של זמן הריצה עבור </a:t>
+            </a:r>
+            <a:r>
+              <a:rPr lang="he-IL" dirty="0" err="1"/>
+              <a:t>הבקטרקינג</a:t>
+            </a:r>
             <a:r>
               <a:rPr lang="he-IL" dirty="0"/>
-              <a:t>וברגע שרמת הביטחון היא הגבוהה ביותר, הרשת ממלאת את התא המתאים ב 5.</a:t>
-            </a:r>
+              <a:t> הוא יחסית גדול מה שנובע מההגרלות הרנדומליות במילוי המספרים. לפעמים זה פוגע בול ולפעמים ממש בכיוון בעייתי שמתברר כבעייתי רק בסוף הרקורסיה.</a:t>
+            </a:r>
+          </a:p>
+          <a:p>
+            <a:r>
+              <a:rPr lang="he-IL" dirty="0"/>
+              <a:t>פתרון </a:t>
+            </a:r>
+            <a:r>
+              <a:rPr lang="he-IL" dirty="0" err="1"/>
+              <a:t>הבקטרקינג</a:t>
+            </a:r>
+            <a:r>
+              <a:rPr lang="he-IL" dirty="0"/>
+              <a:t> אינו יציב וישנם לוחות בהם הזמן לפתרון יהיה מעל 5 דקות.</a:t>
+            </a:r>
+          </a:p>
+          <a:p>
+            <a:r>
+              <a:rPr lang="he-IL" dirty="0"/>
+              <a:t>כמובן </a:t>
+            </a:r>
+            <a:r>
+              <a:rPr lang="he-IL" dirty="0" err="1"/>
+              <a:t>שהבקטרקינג</a:t>
+            </a:r>
+            <a:r>
+              <a:rPr lang="he-IL" dirty="0"/>
+              <a:t> יפתור נכונה את הלוח מכיוון שהוא מנסה את כל הפתרונות שעומדים בחוקיות המשחק.</a:t>
+            </a:r>
+          </a:p>
+          <a:p>
+            <a:endParaRPr lang="he-IL" dirty="0"/>
+          </a:p>
+          <a:p>
+            <a:r>
+              <a:rPr lang="he-IL" dirty="0"/>
+              <a:t>יש לשים לב שלרשת הכנסנו לוח </a:t>
+            </a:r>
+            <a:r>
+              <a:rPr lang="he-IL" dirty="0" err="1"/>
+              <a:t>לוח</a:t>
+            </a:r>
+            <a:r>
+              <a:rPr lang="he-IL" dirty="0"/>
+              <a:t> ולא </a:t>
+            </a:r>
+            <a:r>
+              <a:rPr lang="he-IL" dirty="0" err="1"/>
+              <a:t>באטצ</a:t>
+            </a:r>
+            <a:r>
+              <a:rPr lang="he-IL" dirty="0"/>
+              <a:t> עם כל הלוחות. אם היינו עושים זאת, הזמן הממוצע לפתרון לוח יורד פלאים ל 0.00016 שניות שזה 0.16 מילי שניות. </a:t>
+            </a:r>
+          </a:p>
+          <a:p>
+            <a:endParaRPr lang="he-IL" dirty="0"/>
           </a:p>
           <a:p>
             <a:endParaRPr lang="he-IL" dirty="0"/>
@@ -1360,7 +1438,7 @@
     </p:spTree>
     <p:extLst>
       <p:ext uri="{BB962C8B-B14F-4D97-AF65-F5344CB8AC3E}">
-        <p14:creationId xmlns:p14="http://schemas.microsoft.com/office/powerpoint/2010/main" val="1560908991"/>
+        <p14:creationId xmlns:p14="http://schemas.microsoft.com/office/powerpoint/2010/main" val="2131405368"/>
       </p:ext>
     </p:extLst>
   </p:cSld>
@@ -1416,7 +1494,7 @@
           <a:p>
             <a:r>
               <a:rPr lang="he-IL" dirty="0"/>
-              <a:t>סטיית התקן של זמן הריצה עבור </a:t>
+              <a:t>ניתן לראות שזמן הריצה של </a:t>
             </a:r>
             <a:r>
               <a:rPr lang="he-IL" dirty="0" err="1"/>
@@ -1424,64 +1502,16 @@
             </a:r>
             <a:r>
               <a:rPr lang="he-IL" dirty="0"/>
-              <a:t> הוא יחסית גדול מה שנובע מההגרלות הרנדומליות במילוי המספרים. לפעמים זה פוגע בול ולפעמים ממש בכיוון בעייתי שמתברר כבעייתי רק בסוף הרקורסיה.</a:t>
-            </a:r>
-          </a:p>
-          <a:p>
+              <a:t> גדל </a:t>
+            </a:r>
+            <a:r>
+              <a:rPr lang="he-IL" dirty="0" err="1"/>
+              <a:t>אקספוננציאלית</a:t>
+            </a:r>
             <a:r>
               <a:rPr lang="he-IL" dirty="0"/>
-              <a:t>פתרון </a:t>
-            </a:r>
-            <a:r>
-              <a:rPr lang="he-IL" dirty="0" err="1"/>
-              <a:t>הבקטרקינג</a:t>
-            </a:r>
-            <a:r>
-              <a:rPr lang="he-IL" dirty="0"/>
-              <a:t> אינו יציב וישנם לוחות בהם הזמן לפתרון יהיה מעל 5 דקות.</a:t>
-            </a:r>
-          </a:p>
-          <a:p>
-            <a:r>
-              <a:rPr lang="he-IL" dirty="0"/>
-              <a:t>כמובן </a:t>
-            </a:r>
-            <a:r>
-              <a:rPr lang="he-IL" dirty="0" err="1"/>
-              <a:t>שהבקטרקינג</a:t>
-            </a:r>
-            <a:r>
-              <a:rPr lang="he-IL" dirty="0"/>
-              <a:t> יפתור נכונה את הלוח מכיוון שהוא מנסה את כל הפתרונות שעומדים בחוקיות המשחק.</a:t>
-            </a:r>
-          </a:p>
-          <a:p>
-            <a:endParaRPr lang="he-IL" dirty="0"/>
-          </a:p>
-          <a:p>
-            <a:r>
-              <a:rPr lang="he-IL" dirty="0"/>
-              <a:t>יש לשים לב שלרשת הכנסנו לוח </a:t>
-            </a:r>
-            <a:r>
-              <a:rPr lang="he-IL" dirty="0" err="1"/>
-              <a:t>לוח</a:t>
-            </a:r>
-            <a:r>
-              <a:rPr lang="he-IL" dirty="0"/>
-              <a:t> ולא </a:t>
-            </a:r>
-            <a:r>
-              <a:rPr lang="he-IL" dirty="0" err="1"/>
-              <a:t>באטצ</a:t>
-            </a:r>
-            <a:r>
-              <a:rPr lang="he-IL" dirty="0"/>
-              <a:t> עם כל הלוחות. אם היינו עושים זאת, הזמן הממוצע לפתרון לוח יורד פלאים ל 0.00016 שניות שזה 0.16 מילי שניות. </a:t>
-            </a:r>
-          </a:p>
-          <a:p>
-            <a:endParaRPr lang="he-IL" dirty="0"/>
+              <a:t> עם מספר המחוקים בלוח לעומת הרשת.</a:t>
+            </a:r>
           </a:p>
           <a:p>
             <a:endParaRPr lang="he-IL" dirty="0"/>
@@ -1514,7 +1544,7 @@
     </p:spTree>
     <p:extLst>
       <p:ext uri="{BB962C8B-B14F-4D97-AF65-F5344CB8AC3E}">
-        <p14:creationId xmlns:p14="http://schemas.microsoft.com/office/powerpoint/2010/main" val="2131405368"/>
+        <p14:creationId xmlns:p14="http://schemas.microsoft.com/office/powerpoint/2010/main" val="4290982572"/>
       </p:ext>
     </p:extLst>
   </p:cSld>
@@ -1568,26 +1598,135 @@
           <a:bodyPr/>
           <a:lstStyle/>
           <a:p>
+            <a:pPr marL="228600" indent="-228600">
+              <a:buAutoNum type="arabicPeriod"/>
+            </a:pPr>
             <a:r>
               <a:rPr lang="he-IL" dirty="0"/>
-              <a:t>ניתן לראות שזמן הריצה של </a:t>
+              <a:t>לפי העקיבה אחרי הלוח ואחרי תא בודד</a:t>
+            </a:r>
+          </a:p>
+          <a:p>
+            <a:pPr marL="685800" lvl="1" indent="-228600">
+              <a:buAutoNum type="arabicPeriod"/>
+            </a:pPr>
+            <a:r>
+              <a:rPr lang="he-IL" dirty="0"/>
+              <a:t>מהיר יותר בממוצע </a:t>
             </a:r>
             <a:r>
               <a:rPr lang="he-IL" dirty="0" err="1"/>
-              <a:t>הבקטרקינג</a:t>
+              <a:t>מבקטרקינג</a:t>
             </a:r>
             <a:r>
               <a:rPr lang="he-IL" dirty="0"/>
-              <a:t> גדל </a:t>
+              <a:t> ואופציות </a:t>
+            </a:r>
+            <a:r>
+              <a:rPr lang="en-US" dirty="0"/>
+              <a:t>brute-force</a:t>
+            </a:r>
+            <a:r>
+              <a:rPr lang="he-IL" dirty="0"/>
+              <a:t> </a:t>
+            </a:r>
+          </a:p>
+          <a:p>
+            <a:pPr marL="685800" lvl="1" indent="-228600">
+              <a:buAutoNum type="arabicPeriod"/>
+            </a:pPr>
+            <a:r>
+              <a:rPr lang="he-IL" dirty="0"/>
+              <a:t>יציב מכיוון שזמן הריצה קצר וקבוע יחסית</a:t>
+            </a:r>
+          </a:p>
+          <a:p>
+            <a:pPr marL="228600" lvl="0" indent="-228600">
+              <a:buAutoNum type="arabicPeriod"/>
+            </a:pPr>
+            <a:r>
+              <a:rPr lang="he-IL" dirty="0"/>
+              <a:t>עבור מקרה שבו לא עשינו למידה בשלבים, ראינו שתוצאות הרשת הרבה פחות טובות. – </a:t>
             </a:r>
             <a:r>
               <a:rPr lang="he-IL" dirty="0" err="1"/>
-              <a:t>אקספוננציאלית</a:t>
-            </a:r>
+              <a:t>לעשותתתתתתתתתתתתתתתתתת</a:t>
+            </a:r>
+            <a:endParaRPr lang="he-IL" dirty="0"/>
+          </a:p>
+          <a:p>
+            <a:pPr marL="685800" lvl="1" indent="-228600">
+              <a:buAutoNum type="arabicPeriod"/>
+            </a:pPr>
             <a:r>
               <a:rPr lang="he-IL" dirty="0"/>
-              <a:t> עם מספר המחוקים בלוח לעומת הרשת.</a:t>
-            </a:r>
+              <a:t>מחיקה עם פילוג שדאגה לשמר את הזיכרון של הרשת</a:t>
+            </a:r>
+          </a:p>
+          <a:p>
+            <a:pPr marL="685800" marR="0" lvl="1" indent="-228600" algn="r" defTabSz="914400" rtl="1" eaLnBrk="1" fontAlgn="auto" latinLnBrk="0" hangingPunct="1">
+              <a:lnSpc>
+                <a:spcPct val="100000"/>
+              </a:lnSpc>
+              <a:spcBef>
+                <a:spcPts val="0"/>
+              </a:spcBef>
+              <a:spcAft>
+                <a:spcPts val="0"/>
+              </a:spcAft>
+              <a:buClrTx/>
+              <a:buSzTx/>
+              <a:buFontTx/>
+              <a:buAutoNum type="arabicPeriod"/>
+              <a:tabLst/>
+              <a:defRPr/>
+            </a:pPr>
+            <a:r>
+              <a:rPr lang="he-IL" dirty="0"/>
+              <a:t>מחיקה הולמת של איברים כך שלא נוצר מצב שבו המשחק </a:t>
+            </a:r>
+            <a:r>
+              <a:rPr lang="he-IL" dirty="0" err="1"/>
+              <a:t>מאבבד</a:t>
+            </a:r>
+            <a:r>
+              <a:rPr lang="he-IL" dirty="0"/>
+              <a:t> את אופיו ויש לו שני פתרונות למשל ואז הרשת עלולה לטעות כמו שאדם יכול לטעות בלהגיע ללוח הפתרון הידוע. אם בנאדם יפתור זה יכול אומנם להגיע לפתרון אבל לא בהכרח זה יהיה הפתרון שהרשת רצתה ולכן היא קנסה עליו. </a:t>
+            </a:r>
+            <a:r>
+              <a:rPr lang="en-US" sz="1200" dirty="0"/>
+              <a:t>Remain the game appropriate</a:t>
+            </a:r>
+            <a:endParaRPr lang="en-US" sz="1400" dirty="0"/>
+          </a:p>
+          <a:p>
+            <a:pPr marL="685800" lvl="1" indent="-228600">
+              <a:buAutoNum type="arabicPeriod"/>
+            </a:pPr>
+            <a:r>
+              <a:rPr lang="he-IL" dirty="0"/>
+              <a:t>אחד הדברים שלמדנו – מעבר </a:t>
+            </a:r>
+            <a:r>
+              <a:rPr lang="he-IL" dirty="0" err="1"/>
+              <a:t>לארכיטרקוטרת</a:t>
+            </a:r>
+            <a:r>
+              <a:rPr lang="he-IL" dirty="0"/>
+              <a:t> הרשת אז חשובה גם שיטת האימון חשובה מאוד.</a:t>
+            </a:r>
+          </a:p>
+          <a:p>
+            <a:pPr marL="685800" lvl="1" indent="-228600">
+              <a:buAutoNum type="arabicPeriod"/>
+            </a:pPr>
+            <a:endParaRPr lang="he-IL" dirty="0"/>
+          </a:p>
+          <a:p>
+            <a:pPr marL="457200" lvl="1" indent="0">
+              <a:buNone/>
+            </a:pPr>
+            <a:endParaRPr lang="he-IL" dirty="0"/>
           </a:p>
           <a:p>
             <a:endParaRPr lang="he-IL" dirty="0"/>
@@ -1620,7 +1759,7 @@
     </p:spTree>
     <p:extLst>
       <p:ext uri="{BB962C8B-B14F-4D97-AF65-F5344CB8AC3E}">
-        <p14:creationId xmlns:p14="http://schemas.microsoft.com/office/powerpoint/2010/main" val="4290982572"/>
+        <p14:creationId xmlns:p14="http://schemas.microsoft.com/office/powerpoint/2010/main" val="2263144103"/>
       </p:ext>
     </p:extLst>
   </p:cSld>
@@ -1674,73 +1813,53 @@
           <a:bodyPr/>
           <a:lstStyle/>
           <a:p>
-            <a:pPr marL="228600" indent="-228600">
-              <a:buAutoNum type="arabicPeriod"/>
-            </a:pPr>
             <a:r>
               <a:rPr lang="he-IL" dirty="0"/>
-              <a:t>לפי העקיבה אחרי הלוח ואחרי תא בודד</a:t>
-            </a:r>
-          </a:p>
-          <a:p>
-            <a:pPr marL="685800" lvl="1" indent="-228600">
-              <a:buAutoNum type="arabicPeriod"/>
-            </a:pPr>
+              <a:t>1. למשל לקנוס על איברים זהים באותה שורה/עמודה/בלוק.</a:t>
+            </a:r>
+          </a:p>
+          <a:p>
+            <a:r>
+              <a:rPr lang="en-US" dirty="0"/>
+              <a:t>2</a:t>
+            </a:r>
             <a:r>
               <a:rPr lang="he-IL" dirty="0"/>
-              <a:t>מהיר יותר בממוצע </a:t>
+              <a:t>. להשתמש בחוכמת ההמונים כדי להגיע לפתרון. על ידי </a:t>
             </a:r>
             <a:r>
               <a:rPr lang="he-IL" dirty="0" err="1"/>
-              <a:t>מבקטרקינג</a:t>
+              <a:t>סכימה</a:t>
             </a:r>
             <a:r>
               <a:rPr lang="he-IL" dirty="0"/>
-              <a:t> ואופציות </a:t>
-            </a:r>
-            <a:r>
-              <a:rPr lang="en-US" dirty="0"/>
-              <a:t>brute-force</a:t>
+              <a:t> של מטריצת התלת </a:t>
+            </a:r>
+            <a:r>
+              <a:rPr lang="he-IL" dirty="0" err="1"/>
+              <a:t>מימדיות</a:t>
             </a:r>
             <a:r>
               <a:rPr lang="he-IL" dirty="0"/>
-              <a:t> </a:t>
-            </a:r>
-          </a:p>
-          <a:p>
-            <a:pPr marL="685800" lvl="1" indent="-228600">
-              <a:buAutoNum type="arabicPeriod"/>
-            </a:pPr>
+              <a:t> בסוף כל רשת ואז לקיחת האיבר המקסימאלי.</a:t>
+            </a:r>
+          </a:p>
+          <a:p>
             <a:r>
               <a:rPr lang="he-IL" dirty="0"/>
-              <a:t>יציב מכיוון שזמן הריצה קצר וקבוע יחסית</a:t>
-            </a:r>
-          </a:p>
-          <a:p>
-            <a:pPr marL="228600" lvl="0" indent="-228600">
-              <a:buAutoNum type="arabicPeriod"/>
-            </a:pPr>
+              <a:t>לחפש/ליצור </a:t>
+            </a:r>
+            <a:r>
+              <a:rPr lang="he-IL" dirty="0" err="1"/>
+              <a:t>דאטא</a:t>
+            </a:r>
             <a:r>
               <a:rPr lang="he-IL" dirty="0"/>
-              <a:t>עבור מקרה שבו לא עשינו למידה בשלבים, ראינו שתוצאות הרשת הרבה פחות טובות. – </a:t>
-            </a:r>
-            <a:r>
-              <a:rPr lang="he-IL" dirty="0" err="1"/>
-              <a:t>לעשותתתתתתתתתתתתתתתתתת</a:t>
-            </a:r>
-            <a:endParaRPr lang="he-IL" dirty="0"/>
-          </a:p>
-          <a:p>
-            <a:pPr marL="685800" lvl="1" indent="-228600">
-              <a:buAutoNum type="arabicPeriod"/>
-            </a:pPr>
-            <a:r>
-              <a:rPr lang="he-IL" dirty="0"/>
-              <a:t>מחיקה עם פילוג שדאגה לשמר את הזיכרון של הרשת</a:t>
-            </a:r>
-          </a:p>
-          <a:p>
-            <a:pPr marL="685800" marR="0" lvl="1" indent="-228600" algn="r" defTabSz="914400" rtl="1" eaLnBrk="1" fontAlgn="auto" latinLnBrk="0" hangingPunct="1">
+              <a:t> עם יותר מחוקים ולנסות להכליל עבור לוחות קשים יותר</a:t>
+            </a:r>
+          </a:p>
+          <a:p>
+            <a:pPr marL="0" marR="0" lvl="0" indent="0" algn="r" defTabSz="914400" rtl="1" eaLnBrk="1" fontAlgn="auto" latinLnBrk="0" hangingPunct="1">
               <a:lnSpc>
                 <a:spcPct val="100000"/>
               </a:lnSpc>
@@ -1753,56 +1872,22 @@
               <a:buClrTx/>
               <a:buSzTx/>
               <a:buFontTx/>
-              <a:buAutoNum type="arabicPeriod"/>
+              <a:buNone/>
               <a:tabLst/>
               <a:defRPr/>
             </a:pPr>
             <a:r>
-              <a:rPr lang="he-IL" dirty="0"/>
-              <a:t>מחיקה הולמת של איברים כך שלא נוצר מצב שבו המשחק </a:t>
-            </a:r>
-            <a:r>
-              <a:rPr lang="he-IL" dirty="0" err="1"/>
-              <a:t>מאבבד</a:t>
-            </a:r>
-            <a:r>
-              <a:rPr lang="he-IL" dirty="0"/>
-              <a:t> את אופיו ויש לו שני פתרונות למשל ואז הרשת עלולה לטעות כמו שאדם יכול לטעות בלהגיע ללוח הפתרון הידוע. אם בנאדם יפתור זה יכול אומנם להגיע לפתרון אבל לא בהכרח זה יהיה הפתרון שהרשת רצתה ולכן היא קנסה עליו. </a:t>
-            </a:r>
-            <a:r>
-              <a:rPr lang="en-US" sz="1200" dirty="0"/>
-              <a:t>Remain the game appropriate</a:t>
-            </a:r>
-            <a:endParaRPr lang="en-US" sz="1400" dirty="0"/>
-          </a:p>
-          <a:p>
-            <a:pPr marL="685800" lvl="1" indent="-228600">
-              <a:buAutoNum type="arabicPeriod"/>
-            </a:pPr>
-            <a:r>
-              <a:rPr lang="he-IL" dirty="0"/>
-              <a:t>אחד הדברים שלמדנו – מעבר </a:t>
-            </a:r>
-            <a:r>
-              <a:rPr lang="he-IL" dirty="0" err="1"/>
-              <a:t>לארכיטרקוטרת</a:t>
-            </a:r>
-            <a:r>
-              <a:rPr lang="he-IL" dirty="0"/>
-              <a:t> הרשת אז חשובה גם שיטת האימון חשובה מאוד.</a:t>
-            </a:r>
-          </a:p>
-          <a:p>
-            <a:pPr marL="685800" lvl="1" indent="-228600">
-              <a:buAutoNum type="arabicPeriod"/>
-            </a:pPr>
-            <a:endParaRPr lang="he-IL" dirty="0"/>
-          </a:p>
-          <a:p>
-            <a:pPr marL="457200" lvl="1" indent="0">
-              <a:buNone/>
-            </a:pPr>
-            <a:endParaRPr lang="he-IL" dirty="0"/>
+              <a:rPr lang="en-US" dirty="0"/>
+              <a:t>Taking </a:t>
+            </a:r>
+            <a:r>
+              <a:rPr lang="en-US" dirty="0" err="1"/>
+              <a:t>softmax</a:t>
+            </a:r>
+            <a:r>
+              <a:rPr lang="en-US" dirty="0"/>
+              <a:t> over all the output board to the most confidence element comparing to the all guesses</a:t>
+            </a:r>
           </a:p>
           <a:p>
             <a:endParaRPr lang="he-IL" dirty="0"/>
@@ -1827,167 +1912,6 @@
             <a:fld id="{9EDA4E3B-FBC5-452B-B234-E35138224BE7}" type="slidenum">
               <a:rPr lang="he-IL" smtClean="0"/>
               <a:t>20</a:t>
-            </a:fld>
-            <a:endParaRPr lang="he-IL"/>
-          </a:p>
-        </p:txBody>
-      </p:sp>
-    </p:spTree>
-    <p:extLst>
-      <p:ext uri="{BB962C8B-B14F-4D97-AF65-F5344CB8AC3E}">
-        <p14:creationId xmlns:p14="http://schemas.microsoft.com/office/powerpoint/2010/main" val="2263144103"/>
-      </p:ext>
-    </p:extLst>
-  </p:cSld>
-  <p:clrMapOvr>
-    <a:masterClrMapping/>
-  </p:clrMapOvr>
-</p:notes>
-</file>
-
-<file path=ppt/notesSlides/notesSlide19.xml><?xml version="1.0" encoding="utf-8"?>
-<p:notes xmlns:a="http://schemas.openxmlformats.org/drawingml/2006/main" xmlns:r="http://schemas.openxmlformats.org/officeDocument/2006/relationships" xmlns:p="http://schemas.openxmlformats.org/presentationml/2006/main">
-  <p:cSld>
-    <p:spTree>
-      <p:nvGrpSpPr>
-        <p:cNvPr id="1" name=""/>
-        <p:cNvGrpSpPr/>
-        <p:nvPr/>
-      </p:nvGrpSpPr>
-      <p:grpSpPr>
-        <a:xfrm>
-          <a:off x="0" y="0"/>
-          <a:ext cx="0" cy="0"/>
-          <a:chOff x="0" y="0"/>
-          <a:chExt cx="0" cy="0"/>
-        </a:xfrm>
-      </p:grpSpPr>
-      <p:sp>
-        <p:nvSpPr>
-          <p:cNvPr id="2" name="מציין מיקום של תמונת שקופית 1"/>
-          <p:cNvSpPr>
-            <a:spLocks noGrp="1" noRot="1" noChangeAspect="1"/>
-          </p:cNvSpPr>
-          <p:nvPr>
-            <p:ph type="sldImg"/>
-          </p:nvPr>
-        </p:nvSpPr>
-        <p:spPr/>
-      </p:sp>
-      <p:sp>
-        <p:nvSpPr>
-          <p:cNvPr id="3" name="מציין מיקום של הערות 2"/>
-          <p:cNvSpPr>
-            <a:spLocks noGrp="1"/>
-          </p:cNvSpPr>
-          <p:nvPr>
-            <p:ph type="body" idx="1"/>
-          </p:nvPr>
-        </p:nvSpPr>
-        <p:spPr/>
-        <p:txBody>
-          <a:bodyPr/>
-          <a:lstStyle/>
-          <a:p>
-            <a:r>
-              <a:rPr lang="he-IL" dirty="0"/>
-              <a:t>1. למשל לקנוס על איברים זהים באותה שורה/עמודה/בלוק.</a:t>
-            </a:r>
-          </a:p>
-          <a:p>
-            <a:r>
-              <a:rPr lang="en-US" dirty="0"/>
-              <a:t>2</a:t>
-            </a:r>
-            <a:r>
-              <a:rPr lang="he-IL" dirty="0"/>
-              <a:t>. להשתמש בחוכמת ההמונים כדי להגיע לפתרון. על ידי </a:t>
-            </a:r>
-            <a:r>
-              <a:rPr lang="he-IL" dirty="0" err="1"/>
-              <a:t>סכימה</a:t>
-            </a:r>
-            <a:r>
-              <a:rPr lang="he-IL" dirty="0"/>
-              <a:t> של מטריצת התלת </a:t>
-            </a:r>
-            <a:r>
-              <a:rPr lang="he-IL" dirty="0" err="1"/>
-              <a:t>מימדיות</a:t>
-            </a:r>
-            <a:r>
-              <a:rPr lang="he-IL" dirty="0"/>
-              <a:t> בסוף כל רשת ואז לקיחת האיבר המקסימאלי.</a:t>
-            </a:r>
-          </a:p>
-          <a:p>
-            <a:r>
-              <a:rPr lang="he-IL" dirty="0"/>
-              <a:t>לחפש/ליצור </a:t>
-            </a:r>
-            <a:r>
-              <a:rPr lang="he-IL" dirty="0" err="1"/>
-              <a:t>דאטא</a:t>
-            </a:r>
-            <a:r>
-              <a:rPr lang="he-IL" dirty="0"/>
-              <a:t> עם יותר מחוקים ולנסות להכליל עבור לוחות קשים יותר</a:t>
-            </a:r>
-          </a:p>
-          <a:p>
-            <a:pPr marL="0" marR="0" lvl="0" indent="0" algn="r" defTabSz="914400" rtl="1" eaLnBrk="1" fontAlgn="auto" latinLnBrk="0" hangingPunct="1">
-              <a:lnSpc>
-                <a:spcPct val="100000"/>
-              </a:lnSpc>
-              <a:spcBef>
-                <a:spcPts val="0"/>
-              </a:spcBef>
-              <a:spcAft>
-                <a:spcPts val="0"/>
-              </a:spcAft>
-              <a:buClrTx/>
-              <a:buSzTx/>
-              <a:buFontTx/>
-              <a:buNone/>
-              <a:tabLst/>
-              <a:defRPr/>
-            </a:pPr>
-            <a:r>
-              <a:rPr lang="en-US" dirty="0"/>
-              <a:t>Taking </a:t>
-            </a:r>
-            <a:r>
-              <a:rPr lang="en-US" dirty="0" err="1"/>
-              <a:t>softmax</a:t>
-            </a:r>
-            <a:r>
-              <a:rPr lang="en-US" dirty="0"/>
-              <a:t> over all the output board to the most confidence element comparing to the all guesses</a:t>
-            </a:r>
-          </a:p>
-          <a:p>
-            <a:endParaRPr lang="he-IL" dirty="0"/>
-          </a:p>
-        </p:txBody>
-      </p:sp>
-      <p:sp>
-        <p:nvSpPr>
-          <p:cNvPr id="4" name="מציין מיקום של מספר שקופית 3"/>
-          <p:cNvSpPr>
-            <a:spLocks noGrp="1"/>
-          </p:cNvSpPr>
-          <p:nvPr>
-            <p:ph type="sldNum" sz="quarter" idx="5"/>
-          </p:nvPr>
-        </p:nvSpPr>
-        <p:spPr/>
-        <p:txBody>
-          <a:bodyPr/>
-          <a:lstStyle/>
-          <a:p>
-            <a:fld id="{9EDA4E3B-FBC5-452B-B234-E35138224BE7}" type="slidenum">
-              <a:rPr lang="he-IL" smtClean="0"/>
-              <a:t>21</a:t>
             </a:fld>
             <a:endParaRPr lang="he-IL"/>
           </a:p>
@@ -2356,6 +2280,62 @@
           <a:bodyPr/>
           <a:lstStyle/>
           <a:p>
+            <a:r>
+              <a:rPr lang="he-IL" sz="1800" dirty="0"/>
+              <a:t>כמו שבני-אדם לומדים בהדרגה, כך גם ניתן להשיג תוצאות טובות יותר על ידי לימוד בהדרגה של הרשת.</a:t>
+            </a:r>
+          </a:p>
+          <a:p>
+            <a:pPr marL="0" marR="0" lvl="0" indent="0" algn="r" defTabSz="914400" rtl="1" eaLnBrk="1" fontAlgn="auto" latinLnBrk="0" hangingPunct="1">
+              <a:lnSpc>
+                <a:spcPct val="100000"/>
+              </a:lnSpc>
+              <a:spcBef>
+                <a:spcPts val="0"/>
+              </a:spcBef>
+              <a:spcAft>
+                <a:spcPts val="0"/>
+              </a:spcAft>
+              <a:buClrTx/>
+              <a:buSzTx/>
+              <a:buFontTx/>
+              <a:buNone/>
+              <a:tabLst/>
+              <a:defRPr/>
+            </a:pPr>
+            <a:endParaRPr lang="he-IL" sz="1800" dirty="0">
+              <a:effectLst/>
+              <a:latin typeface="Calibri" panose="020F0502020204030204" pitchFamily="34" charset="0"/>
+              <a:ea typeface="Calibri" panose="020F0502020204030204" pitchFamily="34" charset="0"/>
+              <a:cs typeface="David" panose="020E0502060401010101" pitchFamily="34" charset="-79"/>
+            </a:endParaRPr>
+          </a:p>
+          <a:p>
+            <a:pPr marL="0" marR="0" lvl="0" indent="0" algn="r" defTabSz="914400" rtl="1" eaLnBrk="1" fontAlgn="auto" latinLnBrk="0" hangingPunct="1">
+              <a:lnSpc>
+                <a:spcPct val="100000"/>
+              </a:lnSpc>
+              <a:spcBef>
+                <a:spcPts val="0"/>
+              </a:spcBef>
+              <a:spcAft>
+                <a:spcPts val="0"/>
+              </a:spcAft>
+              <a:buClrTx/>
+              <a:buSzTx/>
+              <a:buFontTx/>
+              <a:buNone/>
+              <a:tabLst/>
+              <a:defRPr/>
+            </a:pPr>
+            <a:endParaRPr lang="he-IL" sz="1800" dirty="0">
+              <a:effectLst/>
+              <a:latin typeface="Calibri" panose="020F0502020204030204" pitchFamily="34" charset="0"/>
+              <a:ea typeface="Calibri" panose="020F0502020204030204" pitchFamily="34" charset="0"/>
+              <a:cs typeface="David" panose="020E0502060401010101" pitchFamily="34" charset="-79"/>
+            </a:endParaRPr>
+          </a:p>
+          <a:p>
             <a:pPr marL="0" marR="0" lvl="0" indent="0" algn="r" defTabSz="914400" rtl="1" eaLnBrk="1" fontAlgn="auto" latinLnBrk="0" hangingPunct="1">
               <a:lnSpc>
                 <a:spcPct val="100000"/>
@@ -2454,12 +2434,6 @@
               </a:rPr>
               <a:t> גבוה יותר.</a:t>
             </a:r>
-            <a:endParaRPr lang="en-US" sz="1800" dirty="0">
-              <a:effectLst/>
-              <a:latin typeface="Calibri" panose="020F0502020204030204" pitchFamily="34" charset="0"/>
-              <a:ea typeface="Calibri" panose="020F0502020204030204" pitchFamily="34" charset="0"/>
-              <a:cs typeface="Arial" panose="020B0604020202020204" pitchFamily="34" charset="0"/>
-            </a:endParaRPr>
           </a:p>
           <a:p>
             <a:endParaRPr lang="he-IL" dirty="0"/>
@@ -2577,6 +2551,57 @@
               <a:defRPr/>
             </a:pPr>
             <a:r>
+              <a:rPr lang="he-IL" dirty="0"/>
+              <a:t>אנחנו מוחקים מספרים מהלוחות המלאים ומה שנשאר אנחנו מכניסים לרשת בתוך מטריצה תלת-</a:t>
+            </a:r>
+            <a:r>
+              <a:rPr lang="he-IL" dirty="0" err="1"/>
+              <a:t>מימדית</a:t>
+            </a:r>
+            <a:r>
+              <a:rPr lang="he-IL" dirty="0"/>
+              <a:t>.</a:t>
+            </a:r>
+          </a:p>
+          <a:p>
+            <a:pPr marL="0" marR="0" lvl="0" indent="0" algn="r" defTabSz="914400" rtl="1" eaLnBrk="1" fontAlgn="auto" latinLnBrk="0" hangingPunct="1">
+              <a:lnSpc>
+                <a:spcPct val="100000"/>
+              </a:lnSpc>
+              <a:spcBef>
+                <a:spcPts val="0"/>
+              </a:spcBef>
+              <a:spcAft>
+                <a:spcPts val="0"/>
+              </a:spcAft>
+              <a:buClrTx/>
+              <a:buSzTx/>
+              <a:buFontTx/>
+              <a:buNone/>
+              <a:tabLst/>
+              <a:defRPr/>
+            </a:pPr>
+            <a:endParaRPr lang="he-IL" dirty="0"/>
+          </a:p>
+          <a:p>
+            <a:pPr marL="0" marR="0" lvl="0" indent="0" algn="r" defTabSz="914400" rtl="1" eaLnBrk="1" fontAlgn="auto" latinLnBrk="0" hangingPunct="1">
+              <a:lnSpc>
+                <a:spcPct val="100000"/>
+              </a:lnSpc>
+              <a:spcBef>
+                <a:spcPts val="0"/>
+              </a:spcBef>
+              <a:spcAft>
+                <a:spcPts val="0"/>
+              </a:spcAft>
+              <a:buClrTx/>
+              <a:buSzTx/>
+              <a:buFontTx/>
+              <a:buNone/>
+              <a:tabLst/>
+              <a:defRPr/>
+            </a:pPr>
+            <a:r>
               <a:rPr lang="en-US" dirty="0"/>
               <a:t>One million puzzles from Kaggle.</a:t>
             </a:r>
@@ -2676,6 +2701,15 @@
           <a:p>
             <a:r>
               <a:rPr lang="he-IL" dirty="0"/>
+              <a:t>המסננים מותאמים לחוקי המשחק.</a:t>
+            </a:r>
+          </a:p>
+          <a:p>
+            <a:endParaRPr lang="he-IL" dirty="0"/>
+          </a:p>
+          <a:p>
+            <a:r>
+              <a:rPr lang="he-IL" dirty="0"/>
               <a:t>רשת ה </a:t>
             </a:r>
             <a:r>
@@ -2732,20 +2766,6 @@
               <a:rPr lang="he-IL" dirty="0"/>
               <a:t> . </a:t>
             </a:r>
-          </a:p>
-          <a:p>
-            <a:endParaRPr lang="he-IL" dirty="0"/>
-          </a:p>
-          <a:p>
-            <a:r>
-              <a:rPr lang="he-IL" dirty="0"/>
-              <a:t>יש לשים לב שהמידע בסודוקו הוא לא רק מקומי אלא גלובלי, מה שיכול להסביר ביצועים טובים של ה </a:t>
-            </a:r>
-            <a:r>
-              <a:rPr lang="en-US" dirty="0"/>
-              <a:t>FC</a:t>
-            </a:r>
-            <a:endParaRPr lang="he-IL" dirty="0"/>
           </a:p>
           <a:p>
             <a:endParaRPr lang="he-IL" dirty="0"/>
@@ -2840,37 +2860,42 @@
           <a:p>
             <a:r>
               <a:rPr lang="he-IL" dirty="0"/>
-              <a:t>ניתן לראות למשל את רמות הביטחון בספרה 7 בכל תא ותא. מימין רואים את הפתרון של אותו לוח</a:t>
-            </a:r>
-          </a:p>
-          <a:p>
-            <a:endParaRPr lang="he-IL" dirty="0"/>
-          </a:p>
-          <a:p>
-            <a:pPr marL="0" marR="0" lvl="0" indent="0" algn="r" defTabSz="914400" rtl="1" eaLnBrk="1" fontAlgn="auto" latinLnBrk="0" hangingPunct="1">
-              <a:lnSpc>
-                <a:spcPct val="100000"/>
-              </a:lnSpc>
-              <a:spcBef>
-                <a:spcPts val="0"/>
-              </a:spcBef>
-              <a:spcAft>
-                <a:spcPts val="0"/>
-              </a:spcAft>
-              <a:buClrTx/>
-              <a:buSzTx/>
-              <a:buFontTx/>
-              <a:buNone/>
-              <a:tabLst/>
-              <a:defRPr/>
-            </a:pPr>
-            <a:r>
-              <a:rPr lang="en-US" dirty="0"/>
-              <a:t>Plug the new puzzle each iteration to the net</a:t>
-            </a:r>
-          </a:p>
-          <a:p>
-            <a:endParaRPr lang="he-IL" dirty="0"/>
+              <a:t>1. מתחילים במחיקה של איבר בודד ומאמנים, אחד כך שני איברים מחוקים ומאמנים וכך הלאה. ממחיקה של 10 הקפיצות היו ב 2 כל פעם. כך מגדילים את רמת הקושי בהדרגה.</a:t>
+            </a:r>
+          </a:p>
+          <a:p>
+            <a:r>
+              <a:rPr lang="he-IL" dirty="0"/>
+              <a:t>2. מוחקים איברים בלוח המלא שהיו מחוקים בלוח החסר כדי לשמור על חוקיות במשחק ולא לקבל מצב של כמה פתרונות שעלול לבלבל את המערכת</a:t>
+            </a:r>
+          </a:p>
+          <a:p>
+            <a:r>
+              <a:rPr lang="he-IL" dirty="0"/>
+              <a:t>3. מכיוון שבזמן אמת מילוי האיברים הוא </a:t>
+            </a:r>
+            <a:r>
+              <a:rPr lang="he-IL" dirty="0" err="1"/>
+              <a:t>איטרטיבי</a:t>
+            </a:r>
+            <a:r>
+              <a:rPr lang="he-IL" dirty="0"/>
+              <a:t>, אנחנו רוצים שהרשת לא תשכח איך למלא איברים כשיש מעט מחוקים, ולכן אנחנו דואגים בכל </a:t>
+            </a:r>
+            <a:r>
+              <a:rPr lang="he-IL" dirty="0" err="1"/>
+              <a:t>באטצ</a:t>
+            </a:r>
+            <a:r>
+              <a:rPr lang="he-IL" dirty="0"/>
+              <a:t> למחוק מספר שונה של איברים בכל לוח לפי פילוג מסוים.</a:t>
+            </a:r>
+          </a:p>
+          <a:p>
+            <a:r>
+              <a:rPr lang="he-IL" dirty="0"/>
+              <a:t>4. להסביר שאת הלוס אנחנו לוקחים רק על האיברים החסרים.</a:t>
+            </a:r>
           </a:p>
         </p:txBody>
       </p:sp>
@@ -2900,7 +2925,7 @@
     </p:spTree>
     <p:extLst>
       <p:ext uri="{BB962C8B-B14F-4D97-AF65-F5344CB8AC3E}">
-        <p14:creationId xmlns:p14="http://schemas.microsoft.com/office/powerpoint/2010/main" val="3699488054"/>
+        <p14:creationId xmlns:p14="http://schemas.microsoft.com/office/powerpoint/2010/main" val="3105010491"/>
       </p:ext>
     </p:extLst>
   </p:cSld>
@@ -2956,42 +2981,37 @@
           <a:p>
             <a:r>
               <a:rPr lang="he-IL" dirty="0"/>
-              <a:t>1. מתחילים במחיקה של איבר בודד ומאמנים, אחד כך שני איברים מחוקים ומאמנים וכך הלאה. ממחיקה של 10 הקפיצות היו ב 2 כל פעם.</a:t>
-            </a:r>
-          </a:p>
-          <a:p>
-            <a:r>
-              <a:rPr lang="he-IL" dirty="0"/>
-              <a:t>2. מוחקים איברים בלוח המלא שהיו מחוקים בלוח החסר כדי לשמור על חוקיות במשחק ולא לקבל מצב של כמה פתרונות שעלול לבלבל את המערכת</a:t>
-            </a:r>
-          </a:p>
-          <a:p>
-            <a:r>
-              <a:rPr lang="he-IL" dirty="0"/>
-              <a:t>3. מכיוון שבזמן אמת מילוי האיברים הוא </a:t>
-            </a:r>
-            <a:r>
-              <a:rPr lang="he-IL" dirty="0" err="1"/>
-              <a:t>איטרטיבי</a:t>
-            </a:r>
-            <a:r>
-              <a:rPr lang="he-IL" dirty="0"/>
-              <a:t>, אנחנו רוצים שהרשת לא תשכח איך למלא איברים כשיש מעט מחוקים, ולכן אנחנו דואגים בכל </a:t>
-            </a:r>
-            <a:r>
-              <a:rPr lang="he-IL" dirty="0" err="1"/>
-              <a:t>באטצ</a:t>
-            </a:r>
-            <a:r>
-              <a:rPr lang="he-IL" dirty="0"/>
-              <a:t> למחוק מספר שונה של איברים בכל לוח לפי פילוג מסוים.</a:t>
-            </a:r>
-          </a:p>
-          <a:p>
-            <a:r>
-              <a:rPr lang="he-IL" dirty="0"/>
-              <a:t>4. להסביר שאת הלוס אנחנו לוקחים רק על האיברים החסרים.</a:t>
-            </a:r>
+              <a:t>ניתן לראות למשל את רמות הביטחון בספרה 7 בכל תא ותא. מימין רואים את הפתרון של אותו לוח</a:t>
+            </a:r>
+          </a:p>
+          <a:p>
+            <a:endParaRPr lang="he-IL" dirty="0"/>
+          </a:p>
+          <a:p>
+            <a:pPr marL="0" marR="0" lvl="0" indent="0" algn="r" defTabSz="914400" rtl="1" eaLnBrk="1" fontAlgn="auto" latinLnBrk="0" hangingPunct="1">
+              <a:lnSpc>
+                <a:spcPct val="100000"/>
+              </a:lnSpc>
+              <a:spcBef>
+                <a:spcPts val="0"/>
+              </a:spcBef>
+              <a:spcAft>
+                <a:spcPts val="0"/>
+              </a:spcAft>
+              <a:buClrTx/>
+              <a:buSzTx/>
+              <a:buFontTx/>
+              <a:buNone/>
+              <a:tabLst/>
+              <a:defRPr/>
+            </a:pPr>
+            <a:r>
+              <a:rPr lang="en-US" dirty="0"/>
+              <a:t>Plug the new puzzle each iteration to the net</a:t>
+            </a:r>
+          </a:p>
+          <a:p>
+            <a:endParaRPr lang="he-IL" dirty="0"/>
           </a:p>
         </p:txBody>
       </p:sp>
@@ -3021,7 +3041,7 @@
     </p:spTree>
     <p:extLst>
       <p:ext uri="{BB962C8B-B14F-4D97-AF65-F5344CB8AC3E}">
-        <p14:creationId xmlns:p14="http://schemas.microsoft.com/office/powerpoint/2010/main" val="3105010491"/>
+        <p14:creationId xmlns:p14="http://schemas.microsoft.com/office/powerpoint/2010/main" val="3699488054"/>
       </p:ext>
     </p:extLst>
   </p:cSld>
@@ -6664,6 +6684,452 @@
         </p:nvSpPr>
         <p:spPr>
           <a:xfrm>
+            <a:off x="675968" y="0"/>
+            <a:ext cx="7886700" cy="1325563"/>
+          </a:xfrm>
+        </p:spPr>
+        <p:txBody>
+          <a:bodyPr/>
+          <a:lstStyle/>
+          <a:p>
+            <a:pPr algn="ctr"/>
+            <a:r>
+              <a:rPr lang="en-US" dirty="0">
+                <a:solidFill>
+                  <a:srgbClr val="002060"/>
+                </a:solidFill>
+                <a:latin typeface="Calibri"/>
+              </a:rPr>
+              <a:t>Training method </a:t>
+            </a:r>
+            <a:endParaRPr lang="he-IL" dirty="0">
+              <a:solidFill>
+                <a:srgbClr val="002060"/>
+              </a:solidFill>
+              <a:latin typeface="Calibri"/>
+            </a:endParaRPr>
+          </a:p>
+        </p:txBody>
+      </p:sp>
+      <p:sp>
+        <p:nvSpPr>
+          <p:cNvPr id="3" name="מציין מיקום תוכן 2">
+            <a:extLst>
+              <a:ext uri="{FF2B5EF4-FFF2-40B4-BE49-F238E27FC236}">
+                <a16:creationId xmlns:a16="http://schemas.microsoft.com/office/drawing/2014/main" id="{4E953C7B-A8C0-430E-A2AA-272B223256CE}"/>
+              </a:ext>
+            </a:extLst>
+          </p:cNvPr>
+          <p:cNvSpPr>
+            <a:spLocks noGrp="1"/>
+          </p:cNvSpPr>
+          <p:nvPr>
+            <p:ph idx="1"/>
+          </p:nvPr>
+        </p:nvSpPr>
+        <p:spPr>
+          <a:xfrm>
+            <a:off x="628649" y="979170"/>
+            <a:ext cx="7886700" cy="4351338"/>
+          </a:xfrm>
+        </p:spPr>
+        <p:txBody>
+          <a:bodyPr/>
+          <a:lstStyle/>
+          <a:p>
+            <a:pPr algn="l" rtl="0"/>
+            <a:r>
+              <a:rPr lang="en-US" sz="2400" dirty="0"/>
+              <a:t>Train on solutions with deleted elements</a:t>
+            </a:r>
+          </a:p>
+          <a:p>
+            <a:pPr lvl="1" algn="l" rtl="0"/>
+            <a:r>
+              <a:rPr lang="en-US" dirty="0"/>
+              <a:t>Curriculum learning - Increasing number of deleted digits in the puzzle</a:t>
+            </a:r>
+          </a:p>
+          <a:p>
+            <a:pPr lvl="1" algn="l" rtl="0"/>
+            <a:r>
+              <a:rPr lang="en-US" dirty="0"/>
+              <a:t>Deleting elements properly from the original board to avoid more than one possible solution</a:t>
+            </a:r>
+          </a:p>
+          <a:p>
+            <a:pPr lvl="1" algn="l" rtl="0"/>
+            <a:r>
+              <a:rPr lang="en-US" dirty="0"/>
+              <a:t>Distributed number of deleted elements so the net will “remember” how to solve easy puzzles</a:t>
+            </a:r>
+          </a:p>
+          <a:p>
+            <a:pPr lvl="1" algn="l" rtl="0"/>
+            <a:endParaRPr lang="he-IL" dirty="0"/>
+          </a:p>
+        </p:txBody>
+      </p:sp>
+      <p:pic>
+        <p:nvPicPr>
+          <p:cNvPr id="5" name="תמונה 4">
+            <a:extLst>
+              <a:ext uri="{FF2B5EF4-FFF2-40B4-BE49-F238E27FC236}">
+                <a16:creationId xmlns:a16="http://schemas.microsoft.com/office/drawing/2014/main" id="{DA5FE6A8-6025-4122-911E-BC724BF08A20}"/>
+              </a:ext>
+            </a:extLst>
+          </p:cNvPr>
+          <p:cNvPicPr>
+            <a:picLocks noChangeAspect="1"/>
+          </p:cNvPicPr>
+          <p:nvPr/>
+        </p:nvPicPr>
+        <p:blipFill>
+          <a:blip r:embed="rId3"/>
+          <a:stretch>
+            <a:fillRect/>
+          </a:stretch>
+        </p:blipFill>
+        <p:spPr>
+          <a:xfrm>
+            <a:off x="4081462" y="6505575"/>
+            <a:ext cx="981075" cy="352425"/>
+          </a:xfrm>
+          <a:prstGeom prst="rect">
+            <a:avLst/>
+          </a:prstGeom>
+        </p:spPr>
+      </p:pic>
+      <p:sp>
+        <p:nvSpPr>
+          <p:cNvPr id="7" name="Subtitle 2">
+            <a:extLst>
+              <a:ext uri="{FF2B5EF4-FFF2-40B4-BE49-F238E27FC236}">
+                <a16:creationId xmlns:a16="http://schemas.microsoft.com/office/drawing/2014/main" id="{FBDA790D-6DDF-423C-B545-72996A09B388}"/>
+              </a:ext>
+            </a:extLst>
+          </p:cNvPr>
+          <p:cNvSpPr txBox="1">
+            <a:spLocks/>
+          </p:cNvSpPr>
+          <p:nvPr/>
+        </p:nvSpPr>
+        <p:spPr>
+          <a:xfrm>
+            <a:off x="8562668" y="6359024"/>
+            <a:ext cx="581331" cy="498976"/>
+          </a:xfrm>
+          <a:prstGeom prst="rect">
+            <a:avLst/>
+          </a:prstGeom>
+        </p:spPr>
+        <p:txBody>
+          <a:bodyPr vert="horz" lIns="91440" tIns="45720" rIns="91440" bIns="45720" rtlCol="1" anchor="t">
+            <a:noAutofit/>
+          </a:bodyPr>
+          <a:lstStyle>
+            <a:lvl1pPr marL="0" indent="0" algn="ctr" defTabSz="914400" rtl="1" eaLnBrk="1" latinLnBrk="0" hangingPunct="1">
+              <a:lnSpc>
+                <a:spcPct val="90000"/>
+              </a:lnSpc>
+              <a:spcBef>
+                <a:spcPct val="20000"/>
+              </a:spcBef>
+              <a:buFont typeface="Arial" panose="020B0604020202020204" pitchFamily="34" charset="0"/>
+              <a:buNone/>
+              <a:defRPr sz="3200" kern="1200">
+                <a:solidFill>
+                  <a:schemeClr val="tx1">
+                    <a:tint val="75000"/>
+                  </a:schemeClr>
+                </a:solidFill>
+                <a:latin typeface="+mn-lt"/>
+                <a:ea typeface="+mn-ea"/>
+                <a:cs typeface="+mn-cs"/>
+              </a:defRPr>
+            </a:lvl1pPr>
+            <a:lvl2pPr marL="457200" indent="0" algn="ctr" defTabSz="914400" rtl="1" eaLnBrk="1" latinLnBrk="0" hangingPunct="1">
+              <a:lnSpc>
+                <a:spcPct val="90000"/>
+              </a:lnSpc>
+              <a:spcBef>
+                <a:spcPct val="20000"/>
+              </a:spcBef>
+              <a:buFont typeface="Arial" panose="020B0604020202020204" pitchFamily="34" charset="0"/>
+              <a:buNone/>
+              <a:defRPr sz="2800" kern="1200">
+                <a:solidFill>
+                  <a:schemeClr val="tx1">
+                    <a:tint val="75000"/>
+                  </a:schemeClr>
+                </a:solidFill>
+                <a:latin typeface="+mn-lt"/>
+                <a:ea typeface="+mn-ea"/>
+                <a:cs typeface="+mn-cs"/>
+              </a:defRPr>
+            </a:lvl2pPr>
+            <a:lvl3pPr marL="914400" indent="0" algn="ctr" defTabSz="914400" rtl="1" eaLnBrk="1" latinLnBrk="0" hangingPunct="1">
+              <a:lnSpc>
+                <a:spcPct val="90000"/>
+              </a:lnSpc>
+              <a:spcBef>
+                <a:spcPct val="20000"/>
+              </a:spcBef>
+              <a:buFont typeface="Arial" panose="020B0604020202020204" pitchFamily="34" charset="0"/>
+              <a:buNone/>
+              <a:defRPr sz="2400" kern="1200">
+                <a:solidFill>
+                  <a:schemeClr val="tx1">
+                    <a:tint val="75000"/>
+                  </a:schemeClr>
+                </a:solidFill>
+                <a:latin typeface="+mn-lt"/>
+                <a:ea typeface="+mn-ea"/>
+                <a:cs typeface="+mn-cs"/>
+              </a:defRPr>
+            </a:lvl3pPr>
+            <a:lvl4pPr marL="1371600" indent="0" algn="ctr" defTabSz="914400" rtl="1" eaLnBrk="1" latinLnBrk="0" hangingPunct="1">
+              <a:lnSpc>
+                <a:spcPct val="90000"/>
+              </a:lnSpc>
+              <a:spcBef>
+                <a:spcPct val="20000"/>
+              </a:spcBef>
+              <a:buFont typeface="Arial" panose="020B0604020202020204" pitchFamily="34" charset="0"/>
+              <a:buNone/>
+              <a:defRPr sz="2000" kern="1200">
+                <a:solidFill>
+                  <a:schemeClr val="tx1">
+                    <a:tint val="75000"/>
+                  </a:schemeClr>
+                </a:solidFill>
+                <a:latin typeface="+mn-lt"/>
+                <a:ea typeface="+mn-ea"/>
+                <a:cs typeface="+mn-cs"/>
+              </a:defRPr>
+            </a:lvl4pPr>
+            <a:lvl5pPr marL="1828800" indent="0" algn="ctr" defTabSz="914400" rtl="1" eaLnBrk="1" latinLnBrk="0" hangingPunct="1">
+              <a:lnSpc>
+                <a:spcPct val="90000"/>
+              </a:lnSpc>
+              <a:spcBef>
+                <a:spcPct val="20000"/>
+              </a:spcBef>
+              <a:buFont typeface="Arial" panose="020B0604020202020204" pitchFamily="34" charset="0"/>
+              <a:buNone/>
+              <a:defRPr sz="2000" kern="1200">
+                <a:solidFill>
+                  <a:schemeClr val="tx1">
+                    <a:tint val="75000"/>
+                  </a:schemeClr>
+                </a:solidFill>
+                <a:latin typeface="+mn-lt"/>
+                <a:ea typeface="+mn-ea"/>
+                <a:cs typeface="+mn-cs"/>
+              </a:defRPr>
+            </a:lvl5pPr>
+            <a:lvl6pPr marL="2286000" indent="0" algn="ctr" defTabSz="914400" rtl="1" eaLnBrk="1" latinLnBrk="0" hangingPunct="1">
+              <a:lnSpc>
+                <a:spcPct val="90000"/>
+              </a:lnSpc>
+              <a:spcBef>
+                <a:spcPct val="20000"/>
+              </a:spcBef>
+              <a:buFont typeface="Arial" panose="020B0604020202020204" pitchFamily="34" charset="0"/>
+              <a:buNone/>
+              <a:defRPr sz="2000" kern="1200">
+                <a:solidFill>
+                  <a:schemeClr val="tx1">
+                    <a:tint val="75000"/>
+                  </a:schemeClr>
+                </a:solidFill>
+                <a:latin typeface="+mn-lt"/>
+                <a:ea typeface="+mn-ea"/>
+                <a:cs typeface="+mn-cs"/>
+              </a:defRPr>
+            </a:lvl6pPr>
+            <a:lvl7pPr marL="2743200" indent="0" algn="ctr" defTabSz="914400" rtl="1" eaLnBrk="1" latinLnBrk="0" hangingPunct="1">
+              <a:lnSpc>
+                <a:spcPct val="90000"/>
+              </a:lnSpc>
+              <a:spcBef>
+                <a:spcPct val="20000"/>
+              </a:spcBef>
+              <a:buFont typeface="Arial" panose="020B0604020202020204" pitchFamily="34" charset="0"/>
+              <a:buNone/>
+              <a:defRPr sz="2000" kern="1200">
+                <a:solidFill>
+                  <a:schemeClr val="tx1">
+                    <a:tint val="75000"/>
+                  </a:schemeClr>
+                </a:solidFill>
+                <a:latin typeface="+mn-lt"/>
+                <a:ea typeface="+mn-ea"/>
+                <a:cs typeface="+mn-cs"/>
+              </a:defRPr>
+            </a:lvl7pPr>
+            <a:lvl8pPr marL="3200400" indent="0" algn="ctr" defTabSz="914400" rtl="1" eaLnBrk="1" latinLnBrk="0" hangingPunct="1">
+              <a:lnSpc>
+                <a:spcPct val="90000"/>
+              </a:lnSpc>
+              <a:spcBef>
+                <a:spcPct val="20000"/>
+              </a:spcBef>
+              <a:buFont typeface="Arial" panose="020B0604020202020204" pitchFamily="34" charset="0"/>
+              <a:buNone/>
+              <a:defRPr sz="2000" kern="1200">
+                <a:solidFill>
+                  <a:schemeClr val="tx1">
+                    <a:tint val="75000"/>
+                  </a:schemeClr>
+                </a:solidFill>
+                <a:latin typeface="+mn-lt"/>
+                <a:ea typeface="+mn-ea"/>
+                <a:cs typeface="+mn-cs"/>
+              </a:defRPr>
+            </a:lvl8pPr>
+            <a:lvl9pPr marL="3657600" indent="0" algn="ctr" defTabSz="914400" rtl="1" eaLnBrk="1" latinLnBrk="0" hangingPunct="1">
+              <a:lnSpc>
+                <a:spcPct val="90000"/>
+              </a:lnSpc>
+              <a:spcBef>
+                <a:spcPct val="20000"/>
+              </a:spcBef>
+              <a:buFont typeface="Arial" panose="020B0604020202020204" pitchFamily="34" charset="0"/>
+              <a:buNone/>
+              <a:defRPr sz="2000" kern="1200">
+                <a:solidFill>
+                  <a:schemeClr val="tx1">
+                    <a:tint val="75000"/>
+                  </a:schemeClr>
+                </a:solidFill>
+                <a:latin typeface="+mn-lt"/>
+                <a:ea typeface="+mn-ea"/>
+                <a:cs typeface="+mn-cs"/>
+              </a:defRPr>
+            </a:lvl9pPr>
+          </a:lstStyle>
+          <a:p>
+            <a:pPr algn="l" rtl="0"/>
+            <a:r>
+              <a:rPr lang="en-US" sz="2400" dirty="0">
+                <a:solidFill>
+                  <a:schemeClr val="tx1"/>
+                </a:solidFill>
+              </a:rPr>
+              <a:t>10</a:t>
+            </a:r>
+          </a:p>
+        </p:txBody>
+      </p:sp>
+      <p:pic>
+        <p:nvPicPr>
+          <p:cNvPr id="10" name="תמונה 9">
+            <a:extLst>
+              <a:ext uri="{FF2B5EF4-FFF2-40B4-BE49-F238E27FC236}">
+                <a16:creationId xmlns:a16="http://schemas.microsoft.com/office/drawing/2014/main" id="{BF577A2E-78BA-42D5-85F7-5DC4DFE751A3}"/>
+              </a:ext>
+            </a:extLst>
+          </p:cNvPr>
+          <p:cNvPicPr>
+            <a:picLocks noChangeAspect="1"/>
+          </p:cNvPicPr>
+          <p:nvPr/>
+        </p:nvPicPr>
+        <p:blipFill>
+          <a:blip r:embed="rId4"/>
+          <a:stretch>
+            <a:fillRect/>
+          </a:stretch>
+        </p:blipFill>
+        <p:spPr>
+          <a:xfrm>
+            <a:off x="0" y="3750666"/>
+            <a:ext cx="4884267" cy="2754909"/>
+          </a:xfrm>
+          <a:prstGeom prst="rect">
+            <a:avLst/>
+          </a:prstGeom>
+        </p:spPr>
+      </p:pic>
+      <p:pic>
+        <p:nvPicPr>
+          <p:cNvPr id="12" name="תמונה 11">
+            <a:extLst>
+              <a:ext uri="{FF2B5EF4-FFF2-40B4-BE49-F238E27FC236}">
+                <a16:creationId xmlns:a16="http://schemas.microsoft.com/office/drawing/2014/main" id="{F27A1511-C66A-406E-A252-1A097B9BB8AC}"/>
+              </a:ext>
+            </a:extLst>
+          </p:cNvPr>
+          <p:cNvPicPr>
+            <a:picLocks noChangeAspect="1"/>
+          </p:cNvPicPr>
+          <p:nvPr/>
+        </p:nvPicPr>
+        <p:blipFill>
+          <a:blip r:embed="rId5"/>
+          <a:stretch>
+            <a:fillRect/>
+          </a:stretch>
+        </p:blipFill>
+        <p:spPr>
+          <a:xfrm>
+            <a:off x="5222568" y="3750666"/>
+            <a:ext cx="3340100" cy="2638615"/>
+          </a:xfrm>
+          <a:prstGeom prst="rect">
+            <a:avLst/>
+          </a:prstGeom>
+        </p:spPr>
+      </p:pic>
+    </p:spTree>
+    <p:extLst>
+      <p:ext uri="{BB962C8B-B14F-4D97-AF65-F5344CB8AC3E}">
+        <p14:creationId xmlns:p14="http://schemas.microsoft.com/office/powerpoint/2010/main" val="3456874906"/>
+      </p:ext>
+    </p:extLst>
+  </p:cSld>
+  <p:clrMapOvr>
+    <a:masterClrMapping/>
+  </p:clrMapOvr>
+</p:sld>
+</file>
+
+<file path=ppt/slides/slide11.xml><?xml version="1.0" encoding="utf-8"?>
+<p:sld xmlns:a="http://schemas.openxmlformats.org/drawingml/2006/main" xmlns:r="http://schemas.openxmlformats.org/officeDocument/2006/relationships" xmlns:p="http://schemas.openxmlformats.org/presentationml/2006/main">
+  <p:cSld>
+    <p:spTree>
+      <p:nvGrpSpPr>
+        <p:cNvPr id="1" name=""/>
+        <p:cNvGrpSpPr/>
+        <p:nvPr/>
+      </p:nvGrpSpPr>
+      <p:grpSpPr>
+        <a:xfrm>
+          <a:off x="0" y="0"/>
+          <a:ext cx="0" cy="0"/>
+          <a:chOff x="0" y="0"/>
+          <a:chExt cx="0" cy="0"/>
+        </a:xfrm>
+      </p:grpSpPr>
+      <p:sp>
+        <p:nvSpPr>
+          <p:cNvPr id="2" name="כותרת 1">
+            <a:extLst>
+              <a:ext uri="{FF2B5EF4-FFF2-40B4-BE49-F238E27FC236}">
+                <a16:creationId xmlns:a16="http://schemas.microsoft.com/office/drawing/2014/main" id="{5480E490-6E4D-4338-BB9A-E6695C515733}"/>
+              </a:ext>
+            </a:extLst>
+          </p:cNvPr>
+          <p:cNvSpPr>
+            <a:spLocks noGrp="1"/>
+          </p:cNvSpPr>
+          <p:nvPr>
+            <p:ph type="title"/>
+          </p:nvPr>
+        </p:nvSpPr>
+        <p:spPr>
+          <a:xfrm>
             <a:off x="628650" y="-295274"/>
             <a:ext cx="7886700" cy="1325563"/>
           </a:xfrm>
@@ -7017,7 +7483,7 @@
                   <a:schemeClr val="tx1"/>
                 </a:solidFill>
               </a:rPr>
-              <a:t>10</a:t>
+              <a:t>11</a:t>
             </a:r>
           </a:p>
         </p:txBody>
@@ -7086,452 +7552,6 @@
     <p:extLst>
       <p:ext uri="{BB962C8B-B14F-4D97-AF65-F5344CB8AC3E}">
         <p14:creationId xmlns:p14="http://schemas.microsoft.com/office/powerpoint/2010/main" val="595709881"/>
-      </p:ext>
-    </p:extLst>
-  </p:cSld>
-  <p:clrMapOvr>
-    <a:masterClrMapping/>
-  </p:clrMapOvr>
-</p:sld>
-</file>
-
-<file path=ppt/slides/slide11.xml><?xml version="1.0" encoding="utf-8"?>
-<p:sld xmlns:a="http://schemas.openxmlformats.org/drawingml/2006/main" xmlns:r="http://schemas.openxmlformats.org/officeDocument/2006/relationships" xmlns:p="http://schemas.openxmlformats.org/presentationml/2006/main">
-  <p:cSld>
-    <p:spTree>
-      <p:nvGrpSpPr>
-        <p:cNvPr id="1" name=""/>
-        <p:cNvGrpSpPr/>
-        <p:nvPr/>
-      </p:nvGrpSpPr>
-      <p:grpSpPr>
-        <a:xfrm>
-          <a:off x="0" y="0"/>
-          <a:ext cx="0" cy="0"/>
-          <a:chOff x="0" y="0"/>
-          <a:chExt cx="0" cy="0"/>
-        </a:xfrm>
-      </p:grpSpPr>
-      <p:sp>
-        <p:nvSpPr>
-          <p:cNvPr id="2" name="כותרת 1">
-            <a:extLst>
-              <a:ext uri="{FF2B5EF4-FFF2-40B4-BE49-F238E27FC236}">
-                <a16:creationId xmlns:a16="http://schemas.microsoft.com/office/drawing/2014/main" id="{5480E490-6E4D-4338-BB9A-E6695C515733}"/>
-              </a:ext>
-            </a:extLst>
-          </p:cNvPr>
-          <p:cNvSpPr>
-            <a:spLocks noGrp="1"/>
-          </p:cNvSpPr>
-          <p:nvPr>
-            <p:ph type="title"/>
-          </p:nvPr>
-        </p:nvSpPr>
-        <p:spPr>
-          <a:xfrm>
-            <a:off x="675968" y="0"/>
-            <a:ext cx="7886700" cy="1325563"/>
-          </a:xfrm>
-        </p:spPr>
-        <p:txBody>
-          <a:bodyPr/>
-          <a:lstStyle/>
-          <a:p>
-            <a:pPr algn="ctr"/>
-            <a:r>
-              <a:rPr lang="en-US" dirty="0">
-                <a:solidFill>
-                  <a:srgbClr val="002060"/>
-                </a:solidFill>
-                <a:latin typeface="Calibri"/>
-              </a:rPr>
-              <a:t>Training method </a:t>
-            </a:r>
-            <a:endParaRPr lang="he-IL" dirty="0">
-              <a:solidFill>
-                <a:srgbClr val="002060"/>
-              </a:solidFill>
-              <a:latin typeface="Calibri"/>
-            </a:endParaRPr>
-          </a:p>
-        </p:txBody>
-      </p:sp>
-      <p:sp>
-        <p:nvSpPr>
-          <p:cNvPr id="3" name="מציין מיקום תוכן 2">
-            <a:extLst>
-              <a:ext uri="{FF2B5EF4-FFF2-40B4-BE49-F238E27FC236}">
-                <a16:creationId xmlns:a16="http://schemas.microsoft.com/office/drawing/2014/main" id="{4E953C7B-A8C0-430E-A2AA-272B223256CE}"/>
-              </a:ext>
-            </a:extLst>
-          </p:cNvPr>
-          <p:cNvSpPr>
-            <a:spLocks noGrp="1"/>
-          </p:cNvSpPr>
-          <p:nvPr>
-            <p:ph idx="1"/>
-          </p:nvPr>
-        </p:nvSpPr>
-        <p:spPr>
-          <a:xfrm>
-            <a:off x="628649" y="979170"/>
-            <a:ext cx="7886700" cy="4351338"/>
-          </a:xfrm>
-        </p:spPr>
-        <p:txBody>
-          <a:bodyPr/>
-          <a:lstStyle/>
-          <a:p>
-            <a:pPr algn="l" rtl="0"/>
-            <a:r>
-              <a:rPr lang="en-US" sz="2400" dirty="0"/>
-              <a:t>Train on solutions with deleted elements</a:t>
-            </a:r>
-          </a:p>
-          <a:p>
-            <a:pPr lvl="1" algn="l" rtl="0"/>
-            <a:r>
-              <a:rPr lang="en-US" dirty="0"/>
-              <a:t>Increasing number of deleted digits in the puzzle to increase the level of difficulty</a:t>
-            </a:r>
-          </a:p>
-          <a:p>
-            <a:pPr lvl="1" algn="l" rtl="0"/>
-            <a:r>
-              <a:rPr lang="en-US" dirty="0"/>
-              <a:t>Deleting elements properly from the original board to avoid more than one possible solution</a:t>
-            </a:r>
-          </a:p>
-          <a:p>
-            <a:pPr lvl="1" algn="l" rtl="0"/>
-            <a:r>
-              <a:rPr lang="en-US" dirty="0"/>
-              <a:t>Distributed number of deleted elements so the net will “remember” how to solve easy puzzles</a:t>
-            </a:r>
-          </a:p>
-          <a:p>
-            <a:pPr lvl="1" algn="l" rtl="0"/>
-            <a:endParaRPr lang="he-IL" dirty="0"/>
-          </a:p>
-        </p:txBody>
-      </p:sp>
-      <p:pic>
-        <p:nvPicPr>
-          <p:cNvPr id="5" name="תמונה 4">
-            <a:extLst>
-              <a:ext uri="{FF2B5EF4-FFF2-40B4-BE49-F238E27FC236}">
-                <a16:creationId xmlns:a16="http://schemas.microsoft.com/office/drawing/2014/main" id="{DA5FE6A8-6025-4122-911E-BC724BF08A20}"/>
-              </a:ext>
-            </a:extLst>
-          </p:cNvPr>
-          <p:cNvPicPr>
-            <a:picLocks noChangeAspect="1"/>
-          </p:cNvPicPr>
-          <p:nvPr/>
-        </p:nvPicPr>
-        <p:blipFill>
-          <a:blip r:embed="rId3"/>
-          <a:stretch>
-            <a:fillRect/>
-          </a:stretch>
-        </p:blipFill>
-        <p:spPr>
-          <a:xfrm>
-            <a:off x="4081462" y="6505575"/>
-            <a:ext cx="981075" cy="352425"/>
-          </a:xfrm>
-          <a:prstGeom prst="rect">
-            <a:avLst/>
-          </a:prstGeom>
-        </p:spPr>
-      </p:pic>
-      <p:sp>
-        <p:nvSpPr>
-          <p:cNvPr id="7" name="Subtitle 2">
-            <a:extLst>
-              <a:ext uri="{FF2B5EF4-FFF2-40B4-BE49-F238E27FC236}">
-                <a16:creationId xmlns:a16="http://schemas.microsoft.com/office/drawing/2014/main" id="{FBDA790D-6DDF-423C-B545-72996A09B388}"/>
-              </a:ext>
-            </a:extLst>
-          </p:cNvPr>
-          <p:cNvSpPr txBox="1">
-            <a:spLocks/>
-          </p:cNvSpPr>
-          <p:nvPr/>
-        </p:nvSpPr>
-        <p:spPr>
-          <a:xfrm>
-            <a:off x="8562668" y="6359024"/>
-            <a:ext cx="581331" cy="498976"/>
-          </a:xfrm>
-          <a:prstGeom prst="rect">
-            <a:avLst/>
-          </a:prstGeom>
-        </p:spPr>
-        <p:txBody>
-          <a:bodyPr vert="horz" lIns="91440" tIns="45720" rIns="91440" bIns="45720" rtlCol="1" anchor="t">
-            <a:noAutofit/>
-          </a:bodyPr>
-          <a:lstStyle>
-            <a:lvl1pPr marL="0" indent="0" algn="ctr" defTabSz="914400" rtl="1" eaLnBrk="1" latinLnBrk="0" hangingPunct="1">
-              <a:lnSpc>
-                <a:spcPct val="90000"/>
-              </a:lnSpc>
-              <a:spcBef>
-                <a:spcPct val="20000"/>
-              </a:spcBef>
-              <a:buFont typeface="Arial" panose="020B0604020202020204" pitchFamily="34" charset="0"/>
-              <a:buNone/>
-              <a:defRPr sz="3200" kern="1200">
-                <a:solidFill>
-                  <a:schemeClr val="tx1">
-                    <a:tint val="75000"/>
-                  </a:schemeClr>
-                </a:solidFill>
-                <a:latin typeface="+mn-lt"/>
-                <a:ea typeface="+mn-ea"/>
-                <a:cs typeface="+mn-cs"/>
-              </a:defRPr>
-            </a:lvl1pPr>
-            <a:lvl2pPr marL="457200" indent="0" algn="ctr" defTabSz="914400" rtl="1" eaLnBrk="1" latinLnBrk="0" hangingPunct="1">
-              <a:lnSpc>
-                <a:spcPct val="90000"/>
-              </a:lnSpc>
-              <a:spcBef>
-                <a:spcPct val="20000"/>
-              </a:spcBef>
-              <a:buFont typeface="Arial" panose="020B0604020202020204" pitchFamily="34" charset="0"/>
-              <a:buNone/>
-              <a:defRPr sz="2800" kern="1200">
-                <a:solidFill>
-                  <a:schemeClr val="tx1">
-                    <a:tint val="75000"/>
-                  </a:schemeClr>
-                </a:solidFill>
-                <a:latin typeface="+mn-lt"/>
-                <a:ea typeface="+mn-ea"/>
-                <a:cs typeface="+mn-cs"/>
-              </a:defRPr>
-            </a:lvl2pPr>
-            <a:lvl3pPr marL="914400" indent="0" algn="ctr" defTabSz="914400" rtl="1" eaLnBrk="1" latinLnBrk="0" hangingPunct="1">
-              <a:lnSpc>
-                <a:spcPct val="90000"/>
-              </a:lnSpc>
-              <a:spcBef>
-                <a:spcPct val="20000"/>
-              </a:spcBef>
-              <a:buFont typeface="Arial" panose="020B0604020202020204" pitchFamily="34" charset="0"/>
-              <a:buNone/>
-              <a:defRPr sz="2400" kern="1200">
-                <a:solidFill>
-                  <a:schemeClr val="tx1">
-                    <a:tint val="75000"/>
-                  </a:schemeClr>
-                </a:solidFill>
-                <a:latin typeface="+mn-lt"/>
-                <a:ea typeface="+mn-ea"/>
-                <a:cs typeface="+mn-cs"/>
-              </a:defRPr>
-            </a:lvl3pPr>
-            <a:lvl4pPr marL="1371600" indent="0" algn="ctr" defTabSz="914400" rtl="1" eaLnBrk="1" latinLnBrk="0" hangingPunct="1">
-              <a:lnSpc>
-                <a:spcPct val="90000"/>
-              </a:lnSpc>
-              <a:spcBef>
-                <a:spcPct val="20000"/>
-              </a:spcBef>
-              <a:buFont typeface="Arial" panose="020B0604020202020204" pitchFamily="34" charset="0"/>
-              <a:buNone/>
-              <a:defRPr sz="2000" kern="1200">
-                <a:solidFill>
-                  <a:schemeClr val="tx1">
-                    <a:tint val="75000"/>
-                  </a:schemeClr>
-                </a:solidFill>
-                <a:latin typeface="+mn-lt"/>
-                <a:ea typeface="+mn-ea"/>
-                <a:cs typeface="+mn-cs"/>
-              </a:defRPr>
-            </a:lvl4pPr>
-            <a:lvl5pPr marL="1828800" indent="0" algn="ctr" defTabSz="914400" rtl="1" eaLnBrk="1" latinLnBrk="0" hangingPunct="1">
-              <a:lnSpc>
-                <a:spcPct val="90000"/>
-              </a:lnSpc>
-              <a:spcBef>
-                <a:spcPct val="20000"/>
-              </a:spcBef>
-              <a:buFont typeface="Arial" panose="020B0604020202020204" pitchFamily="34" charset="0"/>
-              <a:buNone/>
-              <a:defRPr sz="2000" kern="1200">
-                <a:solidFill>
-                  <a:schemeClr val="tx1">
-                    <a:tint val="75000"/>
-                  </a:schemeClr>
-                </a:solidFill>
-                <a:latin typeface="+mn-lt"/>
-                <a:ea typeface="+mn-ea"/>
-                <a:cs typeface="+mn-cs"/>
-              </a:defRPr>
-            </a:lvl5pPr>
-            <a:lvl6pPr marL="2286000" indent="0" algn="ctr" defTabSz="914400" rtl="1" eaLnBrk="1" latinLnBrk="0" hangingPunct="1">
-              <a:lnSpc>
-                <a:spcPct val="90000"/>
-              </a:lnSpc>
-              <a:spcBef>
-                <a:spcPct val="20000"/>
-              </a:spcBef>
-              <a:buFont typeface="Arial" panose="020B0604020202020204" pitchFamily="34" charset="0"/>
-              <a:buNone/>
-              <a:defRPr sz="2000" kern="1200">
-                <a:solidFill>
-                  <a:schemeClr val="tx1">
-                    <a:tint val="75000"/>
-                  </a:schemeClr>
-                </a:solidFill>
-                <a:latin typeface="+mn-lt"/>
-                <a:ea typeface="+mn-ea"/>
-                <a:cs typeface="+mn-cs"/>
-              </a:defRPr>
-            </a:lvl6pPr>
-            <a:lvl7pPr marL="2743200" indent="0" algn="ctr" defTabSz="914400" rtl="1" eaLnBrk="1" latinLnBrk="0" hangingPunct="1">
-              <a:lnSpc>
-                <a:spcPct val="90000"/>
-              </a:lnSpc>
-              <a:spcBef>
-                <a:spcPct val="20000"/>
-              </a:spcBef>
-              <a:buFont typeface="Arial" panose="020B0604020202020204" pitchFamily="34" charset="0"/>
-              <a:buNone/>
-              <a:defRPr sz="2000" kern="1200">
-                <a:solidFill>
-                  <a:schemeClr val="tx1">
-                    <a:tint val="75000"/>
-                  </a:schemeClr>
-                </a:solidFill>
-                <a:latin typeface="+mn-lt"/>
-                <a:ea typeface="+mn-ea"/>
-                <a:cs typeface="+mn-cs"/>
-              </a:defRPr>
-            </a:lvl7pPr>
-            <a:lvl8pPr marL="3200400" indent="0" algn="ctr" defTabSz="914400" rtl="1" eaLnBrk="1" latinLnBrk="0" hangingPunct="1">
-              <a:lnSpc>
-                <a:spcPct val="90000"/>
-              </a:lnSpc>
-              <a:spcBef>
-                <a:spcPct val="20000"/>
-              </a:spcBef>
-              <a:buFont typeface="Arial" panose="020B0604020202020204" pitchFamily="34" charset="0"/>
-              <a:buNone/>
-              <a:defRPr sz="2000" kern="1200">
-                <a:solidFill>
-                  <a:schemeClr val="tx1">
-                    <a:tint val="75000"/>
-                  </a:schemeClr>
-                </a:solidFill>
-                <a:latin typeface="+mn-lt"/>
-                <a:ea typeface="+mn-ea"/>
-                <a:cs typeface="+mn-cs"/>
-              </a:defRPr>
-            </a:lvl8pPr>
-            <a:lvl9pPr marL="3657600" indent="0" algn="ctr" defTabSz="914400" rtl="1" eaLnBrk="1" latinLnBrk="0" hangingPunct="1">
-              <a:lnSpc>
-                <a:spcPct val="90000"/>
-              </a:lnSpc>
-              <a:spcBef>
-                <a:spcPct val="20000"/>
-              </a:spcBef>
-              <a:buFont typeface="Arial" panose="020B0604020202020204" pitchFamily="34" charset="0"/>
-              <a:buNone/>
-              <a:defRPr sz="2000" kern="1200">
-                <a:solidFill>
-                  <a:schemeClr val="tx1">
-                    <a:tint val="75000"/>
-                  </a:schemeClr>
-                </a:solidFill>
-                <a:latin typeface="+mn-lt"/>
-                <a:ea typeface="+mn-ea"/>
-                <a:cs typeface="+mn-cs"/>
-              </a:defRPr>
-            </a:lvl9pPr>
-          </a:lstStyle>
-          <a:p>
-            <a:pPr algn="l" rtl="0"/>
-            <a:r>
-              <a:rPr lang="en-US" sz="2400" dirty="0">
-                <a:solidFill>
-                  <a:schemeClr val="tx1"/>
-                </a:solidFill>
-              </a:rPr>
-              <a:t>11</a:t>
-            </a:r>
-          </a:p>
-        </p:txBody>
-      </p:sp>
-      <p:pic>
-        <p:nvPicPr>
-          <p:cNvPr id="10" name="תמונה 9">
-            <a:extLst>
-              <a:ext uri="{FF2B5EF4-FFF2-40B4-BE49-F238E27FC236}">
-                <a16:creationId xmlns:a16="http://schemas.microsoft.com/office/drawing/2014/main" id="{BF577A2E-78BA-42D5-85F7-5DC4DFE751A3}"/>
-              </a:ext>
-            </a:extLst>
-          </p:cNvPr>
-          <p:cNvPicPr>
-            <a:picLocks noChangeAspect="1"/>
-          </p:cNvPicPr>
-          <p:nvPr/>
-        </p:nvPicPr>
-        <p:blipFill>
-          <a:blip r:embed="rId4"/>
-          <a:stretch>
-            <a:fillRect/>
-          </a:stretch>
-        </p:blipFill>
-        <p:spPr>
-          <a:xfrm>
-            <a:off x="0" y="3750666"/>
-            <a:ext cx="4884267" cy="2754909"/>
-          </a:xfrm>
-          <a:prstGeom prst="rect">
-            <a:avLst/>
-          </a:prstGeom>
-        </p:spPr>
-      </p:pic>
-      <p:pic>
-        <p:nvPicPr>
-          <p:cNvPr id="12" name="תמונה 11">
-            <a:extLst>
-              <a:ext uri="{FF2B5EF4-FFF2-40B4-BE49-F238E27FC236}">
-                <a16:creationId xmlns:a16="http://schemas.microsoft.com/office/drawing/2014/main" id="{F27A1511-C66A-406E-A252-1A097B9BB8AC}"/>
-              </a:ext>
-            </a:extLst>
-          </p:cNvPr>
-          <p:cNvPicPr>
-            <a:picLocks noChangeAspect="1"/>
-          </p:cNvPicPr>
-          <p:nvPr/>
-        </p:nvPicPr>
-        <p:blipFill>
-          <a:blip r:embed="rId5"/>
-          <a:stretch>
-            <a:fillRect/>
-          </a:stretch>
-        </p:blipFill>
-        <p:spPr>
-          <a:xfrm>
-            <a:off x="5222568" y="3750666"/>
-            <a:ext cx="3340100" cy="2638615"/>
-          </a:xfrm>
-          <a:prstGeom prst="rect">
-            <a:avLst/>
-          </a:prstGeom>
-        </p:spPr>
-      </p:pic>
-    </p:spTree>
-    <p:extLst>
-      <p:ext uri="{BB962C8B-B14F-4D97-AF65-F5344CB8AC3E}">
-        <p14:creationId xmlns:p14="http://schemas.microsoft.com/office/powerpoint/2010/main" val="3456874906"/>
       </p:ext>
     </p:extLst>
   </p:cSld>
@@ -11353,519 +11373,6 @@
           <a:chExt cx="0" cy="0"/>
         </a:xfrm>
       </p:grpSpPr>
-      <p:sp>
-        <p:nvSpPr>
-          <p:cNvPr id="2" name="כותרת 1">
-            <a:extLst>
-              <a:ext uri="{FF2B5EF4-FFF2-40B4-BE49-F238E27FC236}">
-                <a16:creationId xmlns:a16="http://schemas.microsoft.com/office/drawing/2014/main" id="{5480E490-6E4D-4338-BB9A-E6695C515733}"/>
-              </a:ext>
-            </a:extLst>
-          </p:cNvPr>
-          <p:cNvSpPr>
-            <a:spLocks noGrp="1"/>
-          </p:cNvSpPr>
-          <p:nvPr>
-            <p:ph type="title"/>
-          </p:nvPr>
-        </p:nvSpPr>
-        <p:spPr>
-          <a:xfrm>
-            <a:off x="628650" y="-282574"/>
-            <a:ext cx="7886700" cy="1325563"/>
-          </a:xfrm>
-        </p:spPr>
-        <p:txBody>
-          <a:bodyPr/>
-          <a:lstStyle/>
-          <a:p>
-            <a:pPr algn="ctr"/>
-            <a:r>
-              <a:rPr lang="en-US" dirty="0">
-                <a:solidFill>
-                  <a:srgbClr val="002060"/>
-                </a:solidFill>
-                <a:latin typeface="Calibri"/>
-              </a:rPr>
-              <a:t>Analyzing the net</a:t>
-            </a:r>
-            <a:endParaRPr lang="he-IL" dirty="0">
-              <a:solidFill>
-                <a:srgbClr val="002060"/>
-              </a:solidFill>
-              <a:latin typeface="Calibri"/>
-            </a:endParaRPr>
-          </a:p>
-        </p:txBody>
-      </p:sp>
-      <p:pic>
-        <p:nvPicPr>
-          <p:cNvPr id="5" name="תמונה 4">
-            <a:extLst>
-              <a:ext uri="{FF2B5EF4-FFF2-40B4-BE49-F238E27FC236}">
-                <a16:creationId xmlns:a16="http://schemas.microsoft.com/office/drawing/2014/main" id="{3BBA6E83-B34B-4B02-827B-4578FC7C439B}"/>
-              </a:ext>
-            </a:extLst>
-          </p:cNvPr>
-          <p:cNvPicPr>
-            <a:picLocks noChangeAspect="1"/>
-          </p:cNvPicPr>
-          <p:nvPr/>
-        </p:nvPicPr>
-        <p:blipFill>
-          <a:blip r:embed="rId3"/>
-          <a:stretch>
-            <a:fillRect/>
-          </a:stretch>
-        </p:blipFill>
-        <p:spPr>
-          <a:xfrm>
-            <a:off x="4081462" y="6505575"/>
-            <a:ext cx="981075" cy="352425"/>
-          </a:xfrm>
-          <a:prstGeom prst="rect">
-            <a:avLst/>
-          </a:prstGeom>
-        </p:spPr>
-      </p:pic>
-      <p:sp>
-        <p:nvSpPr>
-          <p:cNvPr id="7" name="Subtitle 2">
-            <a:extLst>
-              <a:ext uri="{FF2B5EF4-FFF2-40B4-BE49-F238E27FC236}">
-                <a16:creationId xmlns:a16="http://schemas.microsoft.com/office/drawing/2014/main" id="{16A69E19-8EE1-420B-A24B-A295453DDAB3}"/>
-              </a:ext>
-            </a:extLst>
-          </p:cNvPr>
-          <p:cNvSpPr txBox="1">
-            <a:spLocks/>
-          </p:cNvSpPr>
-          <p:nvPr/>
-        </p:nvSpPr>
-        <p:spPr>
-          <a:xfrm>
-            <a:off x="8562668" y="6359024"/>
-            <a:ext cx="581331" cy="498976"/>
-          </a:xfrm>
-          <a:prstGeom prst="rect">
-            <a:avLst/>
-          </a:prstGeom>
-        </p:spPr>
-        <p:txBody>
-          <a:bodyPr vert="horz" lIns="91440" tIns="45720" rIns="91440" bIns="45720" rtlCol="1" anchor="t">
-            <a:noAutofit/>
-          </a:bodyPr>
-          <a:lstStyle>
-            <a:lvl1pPr marL="0" indent="0" algn="ctr" defTabSz="914400" rtl="1" eaLnBrk="1" latinLnBrk="0" hangingPunct="1">
-              <a:lnSpc>
-                <a:spcPct val="90000"/>
-              </a:lnSpc>
-              <a:spcBef>
-                <a:spcPct val="20000"/>
-              </a:spcBef>
-              <a:buFont typeface="Arial" panose="020B0604020202020204" pitchFamily="34" charset="0"/>
-              <a:buNone/>
-              <a:defRPr sz="3200" kern="1200">
-                <a:solidFill>
-                  <a:schemeClr val="tx1">
-                    <a:tint val="75000"/>
-                  </a:schemeClr>
-                </a:solidFill>
-                <a:latin typeface="+mn-lt"/>
-                <a:ea typeface="+mn-ea"/>
-                <a:cs typeface="+mn-cs"/>
-              </a:defRPr>
-            </a:lvl1pPr>
-            <a:lvl2pPr marL="457200" indent="0" algn="ctr" defTabSz="914400" rtl="1" eaLnBrk="1" latinLnBrk="0" hangingPunct="1">
-              <a:lnSpc>
-                <a:spcPct val="90000"/>
-              </a:lnSpc>
-              <a:spcBef>
-                <a:spcPct val="20000"/>
-              </a:spcBef>
-              <a:buFont typeface="Arial" panose="020B0604020202020204" pitchFamily="34" charset="0"/>
-              <a:buNone/>
-              <a:defRPr sz="2800" kern="1200">
-                <a:solidFill>
-                  <a:schemeClr val="tx1">
-                    <a:tint val="75000"/>
-                  </a:schemeClr>
-                </a:solidFill>
-                <a:latin typeface="+mn-lt"/>
-                <a:ea typeface="+mn-ea"/>
-                <a:cs typeface="+mn-cs"/>
-              </a:defRPr>
-            </a:lvl2pPr>
-            <a:lvl3pPr marL="914400" indent="0" algn="ctr" defTabSz="914400" rtl="1" eaLnBrk="1" latinLnBrk="0" hangingPunct="1">
-              <a:lnSpc>
-                <a:spcPct val="90000"/>
-              </a:lnSpc>
-              <a:spcBef>
-                <a:spcPct val="20000"/>
-              </a:spcBef>
-              <a:buFont typeface="Arial" panose="020B0604020202020204" pitchFamily="34" charset="0"/>
-              <a:buNone/>
-              <a:defRPr sz="2400" kern="1200">
-                <a:solidFill>
-                  <a:schemeClr val="tx1">
-                    <a:tint val="75000"/>
-                  </a:schemeClr>
-                </a:solidFill>
-                <a:latin typeface="+mn-lt"/>
-                <a:ea typeface="+mn-ea"/>
-                <a:cs typeface="+mn-cs"/>
-              </a:defRPr>
-            </a:lvl3pPr>
-            <a:lvl4pPr marL="1371600" indent="0" algn="ctr" defTabSz="914400" rtl="1" eaLnBrk="1" latinLnBrk="0" hangingPunct="1">
-              <a:lnSpc>
-                <a:spcPct val="90000"/>
-              </a:lnSpc>
-              <a:spcBef>
-                <a:spcPct val="20000"/>
-              </a:spcBef>
-              <a:buFont typeface="Arial" panose="020B0604020202020204" pitchFamily="34" charset="0"/>
-              <a:buNone/>
-              <a:defRPr sz="2000" kern="1200">
-                <a:solidFill>
-                  <a:schemeClr val="tx1">
-                    <a:tint val="75000"/>
-                  </a:schemeClr>
-                </a:solidFill>
-                <a:latin typeface="+mn-lt"/>
-                <a:ea typeface="+mn-ea"/>
-                <a:cs typeface="+mn-cs"/>
-              </a:defRPr>
-            </a:lvl4pPr>
-            <a:lvl5pPr marL="1828800" indent="0" algn="ctr" defTabSz="914400" rtl="1" eaLnBrk="1" latinLnBrk="0" hangingPunct="1">
-              <a:lnSpc>
-                <a:spcPct val="90000"/>
-              </a:lnSpc>
-              <a:spcBef>
-                <a:spcPct val="20000"/>
-              </a:spcBef>
-              <a:buFont typeface="Arial" panose="020B0604020202020204" pitchFamily="34" charset="0"/>
-              <a:buNone/>
-              <a:defRPr sz="2000" kern="1200">
-                <a:solidFill>
-                  <a:schemeClr val="tx1">
-                    <a:tint val="75000"/>
-                  </a:schemeClr>
-                </a:solidFill>
-                <a:latin typeface="+mn-lt"/>
-                <a:ea typeface="+mn-ea"/>
-                <a:cs typeface="+mn-cs"/>
-              </a:defRPr>
-            </a:lvl5pPr>
-            <a:lvl6pPr marL="2286000" indent="0" algn="ctr" defTabSz="914400" rtl="1" eaLnBrk="1" latinLnBrk="0" hangingPunct="1">
-              <a:lnSpc>
-                <a:spcPct val="90000"/>
-              </a:lnSpc>
-              <a:spcBef>
-                <a:spcPct val="20000"/>
-              </a:spcBef>
-              <a:buFont typeface="Arial" panose="020B0604020202020204" pitchFamily="34" charset="0"/>
-              <a:buNone/>
-              <a:defRPr sz="2000" kern="1200">
-                <a:solidFill>
-                  <a:schemeClr val="tx1">
-                    <a:tint val="75000"/>
-                  </a:schemeClr>
-                </a:solidFill>
-                <a:latin typeface="+mn-lt"/>
-                <a:ea typeface="+mn-ea"/>
-                <a:cs typeface="+mn-cs"/>
-              </a:defRPr>
-            </a:lvl6pPr>
-            <a:lvl7pPr marL="2743200" indent="0" algn="ctr" defTabSz="914400" rtl="1" eaLnBrk="1" latinLnBrk="0" hangingPunct="1">
-              <a:lnSpc>
-                <a:spcPct val="90000"/>
-              </a:lnSpc>
-              <a:spcBef>
-                <a:spcPct val="20000"/>
-              </a:spcBef>
-              <a:buFont typeface="Arial" panose="020B0604020202020204" pitchFamily="34" charset="0"/>
-              <a:buNone/>
-              <a:defRPr sz="2000" kern="1200">
-                <a:solidFill>
-                  <a:schemeClr val="tx1">
-                    <a:tint val="75000"/>
-                  </a:schemeClr>
-                </a:solidFill>
-                <a:latin typeface="+mn-lt"/>
-                <a:ea typeface="+mn-ea"/>
-                <a:cs typeface="+mn-cs"/>
-              </a:defRPr>
-            </a:lvl7pPr>
-            <a:lvl8pPr marL="3200400" indent="0" algn="ctr" defTabSz="914400" rtl="1" eaLnBrk="1" latinLnBrk="0" hangingPunct="1">
-              <a:lnSpc>
-                <a:spcPct val="90000"/>
-              </a:lnSpc>
-              <a:spcBef>
-                <a:spcPct val="20000"/>
-              </a:spcBef>
-              <a:buFont typeface="Arial" panose="020B0604020202020204" pitchFamily="34" charset="0"/>
-              <a:buNone/>
-              <a:defRPr sz="2000" kern="1200">
-                <a:solidFill>
-                  <a:schemeClr val="tx1">
-                    <a:tint val="75000"/>
-                  </a:schemeClr>
-                </a:solidFill>
-                <a:latin typeface="+mn-lt"/>
-                <a:ea typeface="+mn-ea"/>
-                <a:cs typeface="+mn-cs"/>
-              </a:defRPr>
-            </a:lvl8pPr>
-            <a:lvl9pPr marL="3657600" indent="0" algn="ctr" defTabSz="914400" rtl="1" eaLnBrk="1" latinLnBrk="0" hangingPunct="1">
-              <a:lnSpc>
-                <a:spcPct val="90000"/>
-              </a:lnSpc>
-              <a:spcBef>
-                <a:spcPct val="20000"/>
-              </a:spcBef>
-              <a:buFont typeface="Arial" panose="020B0604020202020204" pitchFamily="34" charset="0"/>
-              <a:buNone/>
-              <a:defRPr sz="2000" kern="1200">
-                <a:solidFill>
-                  <a:schemeClr val="tx1">
-                    <a:tint val="75000"/>
-                  </a:schemeClr>
-                </a:solidFill>
-                <a:latin typeface="+mn-lt"/>
-                <a:ea typeface="+mn-ea"/>
-                <a:cs typeface="+mn-cs"/>
-              </a:defRPr>
-            </a:lvl9pPr>
-          </a:lstStyle>
-          <a:p>
-            <a:pPr algn="l" rtl="0"/>
-            <a:r>
-              <a:rPr lang="en-US" sz="2400" dirty="0">
-                <a:solidFill>
-                  <a:schemeClr val="tx1"/>
-                </a:solidFill>
-              </a:rPr>
-              <a:t>15</a:t>
-            </a:r>
-          </a:p>
-        </p:txBody>
-      </p:sp>
-      <p:pic>
-        <p:nvPicPr>
-          <p:cNvPr id="13" name="תמונה 12">
-            <a:extLst>
-              <a:ext uri="{FF2B5EF4-FFF2-40B4-BE49-F238E27FC236}">
-                <a16:creationId xmlns:a16="http://schemas.microsoft.com/office/drawing/2014/main" id="{233E4795-F8ED-4527-A29C-A1DC08138055}"/>
-              </a:ext>
-            </a:extLst>
-          </p:cNvPr>
-          <p:cNvPicPr>
-            <a:picLocks noChangeAspect="1"/>
-          </p:cNvPicPr>
-          <p:nvPr/>
-        </p:nvPicPr>
-        <p:blipFill>
-          <a:blip r:embed="rId4"/>
-          <a:stretch>
-            <a:fillRect/>
-          </a:stretch>
-        </p:blipFill>
-        <p:spPr>
-          <a:xfrm>
-            <a:off x="0" y="776104"/>
-            <a:ext cx="4039692" cy="3096602"/>
-          </a:xfrm>
-          <a:prstGeom prst="rect">
-            <a:avLst/>
-          </a:prstGeom>
-        </p:spPr>
-      </p:pic>
-      <p:pic>
-        <p:nvPicPr>
-          <p:cNvPr id="15" name="תמונה 14">
-            <a:extLst>
-              <a:ext uri="{FF2B5EF4-FFF2-40B4-BE49-F238E27FC236}">
-                <a16:creationId xmlns:a16="http://schemas.microsoft.com/office/drawing/2014/main" id="{4F46B4C0-5FB8-4228-A13C-2EC2C725E65C}"/>
-              </a:ext>
-            </a:extLst>
-          </p:cNvPr>
-          <p:cNvPicPr>
-            <a:picLocks noChangeAspect="1"/>
-          </p:cNvPicPr>
-          <p:nvPr/>
-        </p:nvPicPr>
-        <p:blipFill>
-          <a:blip r:embed="rId5"/>
-          <a:stretch>
-            <a:fillRect/>
-          </a:stretch>
-        </p:blipFill>
-        <p:spPr>
-          <a:xfrm>
-            <a:off x="4986337" y="750705"/>
-            <a:ext cx="4144962" cy="3133259"/>
-          </a:xfrm>
-          <a:prstGeom prst="rect">
-            <a:avLst/>
-          </a:prstGeom>
-        </p:spPr>
-      </p:pic>
-      <p:sp>
-        <p:nvSpPr>
-          <p:cNvPr id="16" name="חץ: ימינה 15">
-            <a:extLst>
-              <a:ext uri="{FF2B5EF4-FFF2-40B4-BE49-F238E27FC236}">
-                <a16:creationId xmlns:a16="http://schemas.microsoft.com/office/drawing/2014/main" id="{CAC1AB34-3775-4F65-BC80-7E0EF20B5DC9}"/>
-              </a:ext>
-            </a:extLst>
-          </p:cNvPr>
-          <p:cNvSpPr/>
-          <p:nvPr/>
-        </p:nvSpPr>
-        <p:spPr>
-          <a:xfrm>
-            <a:off x="4178299" y="1758158"/>
-            <a:ext cx="808038" cy="812800"/>
-          </a:xfrm>
-          <a:prstGeom prst="rightArrow">
-            <a:avLst/>
-          </a:prstGeom>
-        </p:spPr>
-        <p:style>
-          <a:lnRef idx="2">
-            <a:schemeClr val="accent1">
-              <a:shade val="50000"/>
-            </a:schemeClr>
-          </a:lnRef>
-          <a:fillRef idx="1">
-            <a:schemeClr val="accent1"/>
-          </a:fillRef>
-          <a:effectRef idx="0">
-            <a:schemeClr val="accent1"/>
-          </a:effectRef>
-          <a:fontRef idx="minor">
-            <a:schemeClr val="lt1"/>
-          </a:fontRef>
-        </p:style>
-        <p:txBody>
-          <a:bodyPr rtlCol="1" anchor="ctr"/>
-          <a:lstStyle/>
-          <a:p>
-            <a:pPr algn="ctr"/>
-            <a:endParaRPr lang="he-IL"/>
-          </a:p>
-        </p:txBody>
-      </p:sp>
-      <p:pic>
-        <p:nvPicPr>
-          <p:cNvPr id="18" name="תמונה 17">
-            <a:extLst>
-              <a:ext uri="{FF2B5EF4-FFF2-40B4-BE49-F238E27FC236}">
-                <a16:creationId xmlns:a16="http://schemas.microsoft.com/office/drawing/2014/main" id="{F8DFDE64-5EF9-4774-A9F7-621152E4DF9E}"/>
-              </a:ext>
-            </a:extLst>
-          </p:cNvPr>
-          <p:cNvPicPr>
-            <a:picLocks noChangeAspect="1"/>
-          </p:cNvPicPr>
-          <p:nvPr/>
-        </p:nvPicPr>
-        <p:blipFill>
-          <a:blip r:embed="rId6"/>
-          <a:stretch>
-            <a:fillRect/>
-          </a:stretch>
-        </p:blipFill>
-        <p:spPr>
-          <a:xfrm>
-            <a:off x="5181600" y="3919672"/>
-            <a:ext cx="3333750" cy="2560173"/>
-          </a:xfrm>
-          <a:prstGeom prst="rect">
-            <a:avLst/>
-          </a:prstGeom>
-        </p:spPr>
-      </p:pic>
-      <p:sp>
-        <p:nvSpPr>
-          <p:cNvPr id="20" name="חץ: ימינה 19">
-            <a:extLst>
-              <a:ext uri="{FF2B5EF4-FFF2-40B4-BE49-F238E27FC236}">
-                <a16:creationId xmlns:a16="http://schemas.microsoft.com/office/drawing/2014/main" id="{D41B2607-0223-4966-8B31-1799E6247195}"/>
-              </a:ext>
-            </a:extLst>
-          </p:cNvPr>
-          <p:cNvSpPr/>
-          <p:nvPr/>
-        </p:nvSpPr>
-        <p:spPr>
-          <a:xfrm>
-            <a:off x="1854198" y="4524984"/>
-            <a:ext cx="3022601" cy="812800"/>
-          </a:xfrm>
-          <a:prstGeom prst="rightArrow">
-            <a:avLst/>
-          </a:prstGeom>
-        </p:spPr>
-        <p:style>
-          <a:lnRef idx="2">
-            <a:schemeClr val="accent1">
-              <a:shade val="50000"/>
-            </a:schemeClr>
-          </a:lnRef>
-          <a:fillRef idx="1">
-            <a:schemeClr val="accent1"/>
-          </a:fillRef>
-          <a:effectRef idx="0">
-            <a:schemeClr val="accent1"/>
-          </a:effectRef>
-          <a:fontRef idx="minor">
-            <a:schemeClr val="lt1"/>
-          </a:fontRef>
-        </p:style>
-        <p:txBody>
-          <a:bodyPr rtlCol="1" anchor="ctr"/>
-          <a:lstStyle/>
-          <a:p>
-            <a:pPr algn="ctr"/>
-            <a:r>
-              <a:rPr lang="en-US" dirty="0"/>
-              <a:t>After 9 correct iterations</a:t>
-            </a:r>
-            <a:endParaRPr lang="he-IL" dirty="0"/>
-          </a:p>
-        </p:txBody>
-      </p:sp>
-    </p:spTree>
-    <p:extLst>
-      <p:ext uri="{BB962C8B-B14F-4D97-AF65-F5344CB8AC3E}">
-        <p14:creationId xmlns:p14="http://schemas.microsoft.com/office/powerpoint/2010/main" val="3214462957"/>
-      </p:ext>
-    </p:extLst>
-  </p:cSld>
-  <p:clrMapOvr>
-    <a:masterClrMapping/>
-  </p:clrMapOvr>
-</p:sld>
-</file>
-
-<file path=ppt/slides/slide16.xml><?xml version="1.0" encoding="utf-8"?>
-<p:sld xmlns:a="http://schemas.openxmlformats.org/drawingml/2006/main" xmlns:r="http://schemas.openxmlformats.org/officeDocument/2006/relationships" xmlns:p="http://schemas.openxmlformats.org/presentationml/2006/main">
-  <p:cSld>
-    <p:spTree>
-      <p:nvGrpSpPr>
-        <p:cNvPr id="1" name=""/>
-        <p:cNvGrpSpPr/>
-        <p:nvPr/>
-      </p:nvGrpSpPr>
-      <p:grpSpPr>
-        <a:xfrm>
-          <a:off x="0" y="0"/>
-          <a:ext cx="0" cy="0"/>
-          <a:chOff x="0" y="0"/>
-          <a:chExt cx="0" cy="0"/>
-        </a:xfrm>
-      </p:grpSpPr>
       <p:pic>
         <p:nvPicPr>
           <p:cNvPr id="6" name="תמונה 5">
@@ -12141,7 +11648,7 @@
                   <a:schemeClr val="tx1"/>
                 </a:solidFill>
               </a:rPr>
-              <a:t>16</a:t>
+              <a:t>15</a:t>
             </a:r>
           </a:p>
         </p:txBody>
@@ -12189,7 +11696,7 @@
 </p:sld>
 </file>
 
-<file path=ppt/slides/slide17.xml><?xml version="1.0" encoding="utf-8"?>
+<file path=ppt/slides/slide16.xml><?xml version="1.0" encoding="utf-8"?>
 <p:sld xmlns:a="http://schemas.openxmlformats.org/drawingml/2006/main" xmlns:r="http://schemas.openxmlformats.org/officeDocument/2006/relationships" xmlns:p="http://schemas.openxmlformats.org/presentationml/2006/main">
   <p:cSld>
     <p:spTree>
@@ -12507,7 +12014,7 @@
                   <a:schemeClr val="tx1"/>
                 </a:solidFill>
               </a:rPr>
-              <a:t>17</a:t>
+              <a:t>16</a:t>
             </a:r>
           </a:p>
         </p:txBody>
@@ -12555,7 +12062,7 @@
 </p:sld>
 </file>
 
-<file path=ppt/slides/slide18.xml><?xml version="1.0" encoding="utf-8"?>
+<file path=ppt/slides/slide17.xml><?xml version="1.0" encoding="utf-8"?>
 <p:sld xmlns:a="http://schemas.openxmlformats.org/drawingml/2006/main" xmlns:r="http://schemas.openxmlformats.org/officeDocument/2006/relationships" xmlns:p="http://schemas.openxmlformats.org/presentationml/2006/main">
   <p:cSld>
     <p:spTree>
@@ -12859,7 +12366,7 @@
                   <a:schemeClr val="tx1"/>
                 </a:solidFill>
               </a:rPr>
-              <a:t>18</a:t>
+              <a:t>17</a:t>
             </a:r>
           </a:p>
         </p:txBody>
@@ -12907,7 +12414,7 @@
 </p:sld>
 </file>
 
-<file path=ppt/slides/slide19.xml><?xml version="1.0" encoding="utf-8"?>
+<file path=ppt/slides/slide18.xml><?xml version="1.0" encoding="utf-8"?>
 <p:sld xmlns:a="http://schemas.openxmlformats.org/drawingml/2006/main" xmlns:r="http://schemas.openxmlformats.org/officeDocument/2006/relationships" xmlns:p="http://schemas.openxmlformats.org/presentationml/2006/main">
   <p:cSld>
     <p:spTree>
@@ -13211,7 +12718,7 @@
                   <a:schemeClr val="tx1"/>
                 </a:solidFill>
               </a:rPr>
-              <a:t>19</a:t>
+              <a:t>18</a:t>
             </a:r>
           </a:p>
         </p:txBody>
@@ -13321,6 +12828,414 @@
 </p:sld>
 </file>
 
+<file path=ppt/slides/slide19.xml><?xml version="1.0" encoding="utf-8"?>
+<p:sld xmlns:a="http://schemas.openxmlformats.org/drawingml/2006/main" xmlns:r="http://schemas.openxmlformats.org/officeDocument/2006/relationships" xmlns:p="http://schemas.openxmlformats.org/presentationml/2006/main">
+  <p:cSld>
+    <p:spTree>
+      <p:nvGrpSpPr>
+        <p:cNvPr id="1" name=""/>
+        <p:cNvGrpSpPr/>
+        <p:nvPr/>
+      </p:nvGrpSpPr>
+      <p:grpSpPr>
+        <a:xfrm>
+          <a:off x="0" y="0"/>
+          <a:ext cx="0" cy="0"/>
+          <a:chOff x="0" y="0"/>
+          <a:chExt cx="0" cy="0"/>
+        </a:xfrm>
+      </p:grpSpPr>
+      <p:sp>
+        <p:nvSpPr>
+          <p:cNvPr id="2" name="כותרת 1">
+            <a:extLst>
+              <a:ext uri="{FF2B5EF4-FFF2-40B4-BE49-F238E27FC236}">
+                <a16:creationId xmlns:a16="http://schemas.microsoft.com/office/drawing/2014/main" id="{5480E490-6E4D-4338-BB9A-E6695C515733}"/>
+              </a:ext>
+            </a:extLst>
+          </p:cNvPr>
+          <p:cNvSpPr>
+            <a:spLocks noGrp="1"/>
+          </p:cNvSpPr>
+          <p:nvPr>
+            <p:ph type="title"/>
+          </p:nvPr>
+        </p:nvSpPr>
+        <p:spPr/>
+        <p:txBody>
+          <a:bodyPr/>
+          <a:lstStyle/>
+          <a:p>
+            <a:pPr algn="ctr"/>
+            <a:r>
+              <a:rPr lang="en-US" dirty="0">
+                <a:solidFill>
+                  <a:srgbClr val="002060"/>
+                </a:solidFill>
+                <a:latin typeface="Calibri"/>
+              </a:rPr>
+              <a:t>Conclusions</a:t>
+            </a:r>
+            <a:endParaRPr lang="he-IL" dirty="0">
+              <a:solidFill>
+                <a:srgbClr val="002060"/>
+              </a:solidFill>
+              <a:latin typeface="Calibri"/>
+            </a:endParaRPr>
+          </a:p>
+        </p:txBody>
+      </p:sp>
+      <p:sp>
+        <p:nvSpPr>
+          <p:cNvPr id="3" name="מציין מיקום תוכן 2">
+            <a:extLst>
+              <a:ext uri="{FF2B5EF4-FFF2-40B4-BE49-F238E27FC236}">
+                <a16:creationId xmlns:a16="http://schemas.microsoft.com/office/drawing/2014/main" id="{4E953C7B-A8C0-430E-A2AA-272B223256CE}"/>
+              </a:ext>
+            </a:extLst>
+          </p:cNvPr>
+          <p:cNvSpPr>
+            <a:spLocks noGrp="1"/>
+          </p:cNvSpPr>
+          <p:nvPr>
+            <p:ph idx="1"/>
+          </p:nvPr>
+        </p:nvSpPr>
+        <p:spPr>
+          <a:xfrm>
+            <a:off x="628650" y="1550504"/>
+            <a:ext cx="7886700" cy="4626459"/>
+          </a:xfrm>
+        </p:spPr>
+        <p:txBody>
+          <a:bodyPr>
+            <a:normAutofit/>
+          </a:bodyPr>
+          <a:lstStyle/>
+          <a:p>
+            <a:pPr lvl="1" algn="l" rtl="0"/>
+            <a:r>
+              <a:rPr lang="en-US" sz="2800" dirty="0"/>
+              <a:t>Neural nets can “learn” the Sudoku rules and play successfully</a:t>
+            </a:r>
+          </a:p>
+          <a:p>
+            <a:pPr lvl="2" algn="l" rtl="0"/>
+            <a:r>
+              <a:rPr lang="en-US" sz="2600" dirty="0"/>
+              <a:t>Faster than brute-force solution</a:t>
+            </a:r>
+          </a:p>
+          <a:p>
+            <a:pPr lvl="2" algn="l" rtl="0"/>
+            <a:r>
+              <a:rPr lang="en-US" sz="2600" dirty="0"/>
+              <a:t>Stable running time</a:t>
+            </a:r>
+          </a:p>
+          <a:p>
+            <a:pPr lvl="1" algn="l" rtl="0"/>
+            <a:r>
+              <a:rPr lang="en-US" sz="2800" dirty="0"/>
+              <a:t>Curriculum learning may be able to perform better on suitable problems like Sudoku</a:t>
+            </a:r>
+          </a:p>
+          <a:p>
+            <a:pPr lvl="1" algn="l" rtl="0"/>
+            <a:r>
+              <a:rPr lang="en-US" sz="3000" dirty="0"/>
+              <a:t>Iterative solution may perform better </a:t>
+            </a:r>
+          </a:p>
+          <a:p>
+            <a:pPr lvl="2" algn="l" rtl="0"/>
+            <a:r>
+              <a:rPr lang="en-US" sz="2600" dirty="0"/>
+              <a:t>Fill elements one by one</a:t>
+            </a:r>
+          </a:p>
+          <a:p>
+            <a:pPr lvl="1" algn="l" rtl="0"/>
+            <a:r>
+              <a:rPr lang="en-US" sz="3000" dirty="0"/>
+              <a:t>The best deletion method in training for this problem is: proper distributed deletion.</a:t>
+            </a:r>
+          </a:p>
+          <a:p>
+            <a:pPr lvl="2" algn="l" rtl="0"/>
+            <a:endParaRPr lang="en-US" dirty="0"/>
+          </a:p>
+          <a:p>
+            <a:pPr lvl="1" algn="l" rtl="0"/>
+            <a:endParaRPr lang="he-IL" dirty="0"/>
+          </a:p>
+        </p:txBody>
+      </p:sp>
+      <p:pic>
+        <p:nvPicPr>
+          <p:cNvPr id="5" name="תמונה 4">
+            <a:extLst>
+              <a:ext uri="{FF2B5EF4-FFF2-40B4-BE49-F238E27FC236}">
+                <a16:creationId xmlns:a16="http://schemas.microsoft.com/office/drawing/2014/main" id="{35635F69-AC6A-467E-95A2-358558D63670}"/>
+              </a:ext>
+            </a:extLst>
+          </p:cNvPr>
+          <p:cNvPicPr>
+            <a:picLocks noChangeAspect="1"/>
+          </p:cNvPicPr>
+          <p:nvPr/>
+        </p:nvPicPr>
+        <p:blipFill>
+          <a:blip r:embed="rId3"/>
+          <a:stretch>
+            <a:fillRect/>
+          </a:stretch>
+        </p:blipFill>
+        <p:spPr>
+          <a:xfrm>
+            <a:off x="4081462" y="6505575"/>
+            <a:ext cx="981075" cy="352425"/>
+          </a:xfrm>
+          <a:prstGeom prst="rect">
+            <a:avLst/>
+          </a:prstGeom>
+        </p:spPr>
+      </p:pic>
+      <p:sp>
+        <p:nvSpPr>
+          <p:cNvPr id="7" name="Subtitle 2">
+            <a:extLst>
+              <a:ext uri="{FF2B5EF4-FFF2-40B4-BE49-F238E27FC236}">
+                <a16:creationId xmlns:a16="http://schemas.microsoft.com/office/drawing/2014/main" id="{44827E34-5CA1-4A69-BBD3-2C6696016193}"/>
+              </a:ext>
+            </a:extLst>
+          </p:cNvPr>
+          <p:cNvSpPr txBox="1">
+            <a:spLocks/>
+          </p:cNvSpPr>
+          <p:nvPr/>
+        </p:nvSpPr>
+        <p:spPr>
+          <a:xfrm>
+            <a:off x="8562668" y="6359024"/>
+            <a:ext cx="581331" cy="498976"/>
+          </a:xfrm>
+          <a:prstGeom prst="rect">
+            <a:avLst/>
+          </a:prstGeom>
+        </p:spPr>
+        <p:txBody>
+          <a:bodyPr vert="horz" lIns="91440" tIns="45720" rIns="91440" bIns="45720" rtlCol="1" anchor="t">
+            <a:noAutofit/>
+          </a:bodyPr>
+          <a:lstStyle>
+            <a:lvl1pPr marL="0" indent="0" algn="ctr" defTabSz="914400" rtl="1" eaLnBrk="1" latinLnBrk="0" hangingPunct="1">
+              <a:lnSpc>
+                <a:spcPct val="90000"/>
+              </a:lnSpc>
+              <a:spcBef>
+                <a:spcPct val="20000"/>
+              </a:spcBef>
+              <a:buFont typeface="Arial" panose="020B0604020202020204" pitchFamily="34" charset="0"/>
+              <a:buNone/>
+              <a:defRPr sz="3200" kern="1200">
+                <a:solidFill>
+                  <a:schemeClr val="tx1">
+                    <a:tint val="75000"/>
+                  </a:schemeClr>
+                </a:solidFill>
+                <a:latin typeface="+mn-lt"/>
+                <a:ea typeface="+mn-ea"/>
+                <a:cs typeface="+mn-cs"/>
+              </a:defRPr>
+            </a:lvl1pPr>
+            <a:lvl2pPr marL="457200" indent="0" algn="ctr" defTabSz="914400" rtl="1" eaLnBrk="1" latinLnBrk="0" hangingPunct="1">
+              <a:lnSpc>
+                <a:spcPct val="90000"/>
+              </a:lnSpc>
+              <a:spcBef>
+                <a:spcPct val="20000"/>
+              </a:spcBef>
+              <a:buFont typeface="Arial" panose="020B0604020202020204" pitchFamily="34" charset="0"/>
+              <a:buNone/>
+              <a:defRPr sz="2800" kern="1200">
+                <a:solidFill>
+                  <a:schemeClr val="tx1">
+                    <a:tint val="75000"/>
+                  </a:schemeClr>
+                </a:solidFill>
+                <a:latin typeface="+mn-lt"/>
+                <a:ea typeface="+mn-ea"/>
+                <a:cs typeface="+mn-cs"/>
+              </a:defRPr>
+            </a:lvl2pPr>
+            <a:lvl3pPr marL="914400" indent="0" algn="ctr" defTabSz="914400" rtl="1" eaLnBrk="1" latinLnBrk="0" hangingPunct="1">
+              <a:lnSpc>
+                <a:spcPct val="90000"/>
+              </a:lnSpc>
+              <a:spcBef>
+                <a:spcPct val="20000"/>
+              </a:spcBef>
+              <a:buFont typeface="Arial" panose="020B0604020202020204" pitchFamily="34" charset="0"/>
+              <a:buNone/>
+              <a:defRPr sz="2400" kern="1200">
+                <a:solidFill>
+                  <a:schemeClr val="tx1">
+                    <a:tint val="75000"/>
+                  </a:schemeClr>
+                </a:solidFill>
+                <a:latin typeface="+mn-lt"/>
+                <a:ea typeface="+mn-ea"/>
+                <a:cs typeface="+mn-cs"/>
+              </a:defRPr>
+            </a:lvl3pPr>
+            <a:lvl4pPr marL="1371600" indent="0" algn="ctr" defTabSz="914400" rtl="1" eaLnBrk="1" latinLnBrk="0" hangingPunct="1">
+              <a:lnSpc>
+                <a:spcPct val="90000"/>
+              </a:lnSpc>
+              <a:spcBef>
+                <a:spcPct val="20000"/>
+              </a:spcBef>
+              <a:buFont typeface="Arial" panose="020B0604020202020204" pitchFamily="34" charset="0"/>
+              <a:buNone/>
+              <a:defRPr sz="2000" kern="1200">
+                <a:solidFill>
+                  <a:schemeClr val="tx1">
+                    <a:tint val="75000"/>
+                  </a:schemeClr>
+                </a:solidFill>
+                <a:latin typeface="+mn-lt"/>
+                <a:ea typeface="+mn-ea"/>
+                <a:cs typeface="+mn-cs"/>
+              </a:defRPr>
+            </a:lvl4pPr>
+            <a:lvl5pPr marL="1828800" indent="0" algn="ctr" defTabSz="914400" rtl="1" eaLnBrk="1" latinLnBrk="0" hangingPunct="1">
+              <a:lnSpc>
+                <a:spcPct val="90000"/>
+              </a:lnSpc>
+              <a:spcBef>
+                <a:spcPct val="20000"/>
+              </a:spcBef>
+              <a:buFont typeface="Arial" panose="020B0604020202020204" pitchFamily="34" charset="0"/>
+              <a:buNone/>
+              <a:defRPr sz="2000" kern="1200">
+                <a:solidFill>
+                  <a:schemeClr val="tx1">
+                    <a:tint val="75000"/>
+                  </a:schemeClr>
+                </a:solidFill>
+                <a:latin typeface="+mn-lt"/>
+                <a:ea typeface="+mn-ea"/>
+                <a:cs typeface="+mn-cs"/>
+              </a:defRPr>
+            </a:lvl5pPr>
+            <a:lvl6pPr marL="2286000" indent="0" algn="ctr" defTabSz="914400" rtl="1" eaLnBrk="1" latinLnBrk="0" hangingPunct="1">
+              <a:lnSpc>
+                <a:spcPct val="90000"/>
+              </a:lnSpc>
+              <a:spcBef>
+                <a:spcPct val="20000"/>
+              </a:spcBef>
+              <a:buFont typeface="Arial" panose="020B0604020202020204" pitchFamily="34" charset="0"/>
+              <a:buNone/>
+              <a:defRPr sz="2000" kern="1200">
+                <a:solidFill>
+                  <a:schemeClr val="tx1">
+                    <a:tint val="75000"/>
+                  </a:schemeClr>
+                </a:solidFill>
+                <a:latin typeface="+mn-lt"/>
+                <a:ea typeface="+mn-ea"/>
+                <a:cs typeface="+mn-cs"/>
+              </a:defRPr>
+            </a:lvl6pPr>
+            <a:lvl7pPr marL="2743200" indent="0" algn="ctr" defTabSz="914400" rtl="1" eaLnBrk="1" latinLnBrk="0" hangingPunct="1">
+              <a:lnSpc>
+                <a:spcPct val="90000"/>
+              </a:lnSpc>
+              <a:spcBef>
+                <a:spcPct val="20000"/>
+              </a:spcBef>
+              <a:buFont typeface="Arial" panose="020B0604020202020204" pitchFamily="34" charset="0"/>
+              <a:buNone/>
+              <a:defRPr sz="2000" kern="1200">
+                <a:solidFill>
+                  <a:schemeClr val="tx1">
+                    <a:tint val="75000"/>
+                  </a:schemeClr>
+                </a:solidFill>
+                <a:latin typeface="+mn-lt"/>
+                <a:ea typeface="+mn-ea"/>
+                <a:cs typeface="+mn-cs"/>
+              </a:defRPr>
+            </a:lvl7pPr>
+            <a:lvl8pPr marL="3200400" indent="0" algn="ctr" defTabSz="914400" rtl="1" eaLnBrk="1" latinLnBrk="0" hangingPunct="1">
+              <a:lnSpc>
+                <a:spcPct val="90000"/>
+              </a:lnSpc>
+              <a:spcBef>
+                <a:spcPct val="20000"/>
+              </a:spcBef>
+              <a:buFont typeface="Arial" panose="020B0604020202020204" pitchFamily="34" charset="0"/>
+              <a:buNone/>
+              <a:defRPr sz="2000" kern="1200">
+                <a:solidFill>
+                  <a:schemeClr val="tx1">
+                    <a:tint val="75000"/>
+                  </a:schemeClr>
+                </a:solidFill>
+                <a:latin typeface="+mn-lt"/>
+                <a:ea typeface="+mn-ea"/>
+                <a:cs typeface="+mn-cs"/>
+              </a:defRPr>
+            </a:lvl8pPr>
+            <a:lvl9pPr marL="3657600" indent="0" algn="ctr" defTabSz="914400" rtl="1" eaLnBrk="1" latinLnBrk="0" hangingPunct="1">
+              <a:lnSpc>
+                <a:spcPct val="90000"/>
+              </a:lnSpc>
+              <a:spcBef>
+                <a:spcPct val="20000"/>
+              </a:spcBef>
+              <a:buFont typeface="Arial" panose="020B0604020202020204" pitchFamily="34" charset="0"/>
+              <a:buNone/>
+              <a:defRPr sz="2000" kern="1200">
+                <a:solidFill>
+                  <a:schemeClr val="tx1">
+                    <a:tint val="75000"/>
+                  </a:schemeClr>
+                </a:solidFill>
+                <a:latin typeface="+mn-lt"/>
+                <a:ea typeface="+mn-ea"/>
+                <a:cs typeface="+mn-cs"/>
+              </a:defRPr>
+            </a:lvl9pPr>
+          </a:lstStyle>
+          <a:p>
+            <a:pPr algn="l" rtl="0"/>
+            <a:r>
+              <a:rPr lang="en-US" sz="2400" dirty="0">
+                <a:solidFill>
+                  <a:schemeClr val="tx1"/>
+                </a:solidFill>
+              </a:rPr>
+              <a:t>19</a:t>
+            </a:r>
+          </a:p>
+        </p:txBody>
+      </p:sp>
+    </p:spTree>
+    <p:extLst>
+      <p:ext uri="{BB962C8B-B14F-4D97-AF65-F5344CB8AC3E}">
+        <p14:creationId xmlns:p14="http://schemas.microsoft.com/office/powerpoint/2010/main" val="1489653441"/>
+      </p:ext>
+    </p:extLst>
+  </p:cSld>
+  <p:clrMapOvr>
+    <a:masterClrMapping/>
+  </p:clrMapOvr>
+</p:sld>
+</file>
+
 <file path=ppt/slides/slide2.xml><?xml version="1.0" encoding="utf-8"?>
 <p:sld xmlns:a="http://schemas.openxmlformats.org/drawingml/2006/main" xmlns:r="http://schemas.openxmlformats.org/officeDocument/2006/relationships" xmlns:p="http://schemas.openxmlformats.org/presentationml/2006/main">
   <p:cSld>
@@ -14093,421 +14008,6 @@
                 </a:solidFill>
                 <a:latin typeface="Calibri"/>
               </a:rPr>
-              <a:t>Conclusions</a:t>
-            </a:r>
-            <a:endParaRPr lang="he-IL" dirty="0">
-              <a:solidFill>
-                <a:srgbClr val="002060"/>
-              </a:solidFill>
-              <a:latin typeface="Calibri"/>
-            </a:endParaRPr>
-          </a:p>
-        </p:txBody>
-      </p:sp>
-      <p:sp>
-        <p:nvSpPr>
-          <p:cNvPr id="3" name="מציין מיקום תוכן 2">
-            <a:extLst>
-              <a:ext uri="{FF2B5EF4-FFF2-40B4-BE49-F238E27FC236}">
-                <a16:creationId xmlns:a16="http://schemas.microsoft.com/office/drawing/2014/main" id="{4E953C7B-A8C0-430E-A2AA-272B223256CE}"/>
-              </a:ext>
-            </a:extLst>
-          </p:cNvPr>
-          <p:cNvSpPr>
-            <a:spLocks noGrp="1"/>
-          </p:cNvSpPr>
-          <p:nvPr>
-            <p:ph idx="1"/>
-          </p:nvPr>
-        </p:nvSpPr>
-        <p:spPr>
-          <a:xfrm>
-            <a:off x="628650" y="1550504"/>
-            <a:ext cx="7886700" cy="4626459"/>
-          </a:xfrm>
-        </p:spPr>
-        <p:txBody>
-          <a:bodyPr>
-            <a:normAutofit lnSpcReduction="10000"/>
-          </a:bodyPr>
-          <a:lstStyle/>
-          <a:p>
-            <a:pPr lvl="1" algn="l" rtl="0"/>
-            <a:r>
-              <a:rPr lang="en-US" sz="2800" dirty="0"/>
-              <a:t>Neural nets can “learn” the Sudoku rules and play successfully</a:t>
-            </a:r>
-          </a:p>
-          <a:p>
-            <a:pPr lvl="2" algn="l" rtl="0"/>
-            <a:r>
-              <a:rPr lang="en-US" sz="2600" dirty="0"/>
-              <a:t>Faster than brute-force solution</a:t>
-            </a:r>
-          </a:p>
-          <a:p>
-            <a:pPr lvl="2" algn="l" rtl="0"/>
-            <a:r>
-              <a:rPr lang="en-US" sz="2600" dirty="0"/>
-              <a:t>Stable running time</a:t>
-            </a:r>
-          </a:p>
-          <a:p>
-            <a:pPr lvl="1" algn="l" rtl="0"/>
-            <a:r>
-              <a:rPr lang="en-US" sz="2800" dirty="0"/>
-              <a:t>Curriculum learning may be able to perform better on suitable problems like Sudoku</a:t>
-            </a:r>
-          </a:p>
-          <a:p>
-            <a:pPr lvl="2" algn="l" rtl="0"/>
-            <a:r>
-              <a:rPr lang="en-US" sz="2600" dirty="0"/>
-              <a:t>The network “remembers” how to solve easy puzzles</a:t>
-            </a:r>
-          </a:p>
-          <a:p>
-            <a:pPr lvl="1" algn="l" rtl="0"/>
-            <a:r>
-              <a:rPr lang="en-US" sz="3000" dirty="0"/>
-              <a:t>Iterative solution may perform better </a:t>
-            </a:r>
-          </a:p>
-          <a:p>
-            <a:pPr lvl="2" algn="l" rtl="0"/>
-            <a:r>
-              <a:rPr lang="en-US" sz="2600" dirty="0"/>
-              <a:t>Fill elements one by one</a:t>
-            </a:r>
-          </a:p>
-          <a:p>
-            <a:pPr lvl="1" algn="l" rtl="0"/>
-            <a:r>
-              <a:rPr lang="en-US" sz="3000" dirty="0"/>
-              <a:t>The best deletion method in training for this problem is: proper distributed deletion.</a:t>
-            </a:r>
-          </a:p>
-          <a:p>
-            <a:pPr lvl="2" algn="l" rtl="0"/>
-            <a:endParaRPr lang="en-US" dirty="0"/>
-          </a:p>
-          <a:p>
-            <a:pPr lvl="1" algn="l" rtl="0"/>
-            <a:endParaRPr lang="he-IL" dirty="0"/>
-          </a:p>
-        </p:txBody>
-      </p:sp>
-      <p:pic>
-        <p:nvPicPr>
-          <p:cNvPr id="5" name="תמונה 4">
-            <a:extLst>
-              <a:ext uri="{FF2B5EF4-FFF2-40B4-BE49-F238E27FC236}">
-                <a16:creationId xmlns:a16="http://schemas.microsoft.com/office/drawing/2014/main" id="{35635F69-AC6A-467E-95A2-358558D63670}"/>
-              </a:ext>
-            </a:extLst>
-          </p:cNvPr>
-          <p:cNvPicPr>
-            <a:picLocks noChangeAspect="1"/>
-          </p:cNvPicPr>
-          <p:nvPr/>
-        </p:nvPicPr>
-        <p:blipFill>
-          <a:blip r:embed="rId3"/>
-          <a:stretch>
-            <a:fillRect/>
-          </a:stretch>
-        </p:blipFill>
-        <p:spPr>
-          <a:xfrm>
-            <a:off x="4081462" y="6505575"/>
-            <a:ext cx="981075" cy="352425"/>
-          </a:xfrm>
-          <a:prstGeom prst="rect">
-            <a:avLst/>
-          </a:prstGeom>
-        </p:spPr>
-      </p:pic>
-      <p:sp>
-        <p:nvSpPr>
-          <p:cNvPr id="7" name="Subtitle 2">
-            <a:extLst>
-              <a:ext uri="{FF2B5EF4-FFF2-40B4-BE49-F238E27FC236}">
-                <a16:creationId xmlns:a16="http://schemas.microsoft.com/office/drawing/2014/main" id="{44827E34-5CA1-4A69-BBD3-2C6696016193}"/>
-              </a:ext>
-            </a:extLst>
-          </p:cNvPr>
-          <p:cNvSpPr txBox="1">
-            <a:spLocks/>
-          </p:cNvSpPr>
-          <p:nvPr/>
-        </p:nvSpPr>
-        <p:spPr>
-          <a:xfrm>
-            <a:off x="8562668" y="6359024"/>
-            <a:ext cx="581331" cy="498976"/>
-          </a:xfrm>
-          <a:prstGeom prst="rect">
-            <a:avLst/>
-          </a:prstGeom>
-        </p:spPr>
-        <p:txBody>
-          <a:bodyPr vert="horz" lIns="91440" tIns="45720" rIns="91440" bIns="45720" rtlCol="1" anchor="t">
-            <a:noAutofit/>
-          </a:bodyPr>
-          <a:lstStyle>
-            <a:lvl1pPr marL="0" indent="0" algn="ctr" defTabSz="914400" rtl="1" eaLnBrk="1" latinLnBrk="0" hangingPunct="1">
-              <a:lnSpc>
-                <a:spcPct val="90000"/>
-              </a:lnSpc>
-              <a:spcBef>
-                <a:spcPct val="20000"/>
-              </a:spcBef>
-              <a:buFont typeface="Arial" panose="020B0604020202020204" pitchFamily="34" charset="0"/>
-              <a:buNone/>
-              <a:defRPr sz="3200" kern="1200">
-                <a:solidFill>
-                  <a:schemeClr val="tx1">
-                    <a:tint val="75000"/>
-                  </a:schemeClr>
-                </a:solidFill>
-                <a:latin typeface="+mn-lt"/>
-                <a:ea typeface="+mn-ea"/>
-                <a:cs typeface="+mn-cs"/>
-              </a:defRPr>
-            </a:lvl1pPr>
-            <a:lvl2pPr marL="457200" indent="0" algn="ctr" defTabSz="914400" rtl="1" eaLnBrk="1" latinLnBrk="0" hangingPunct="1">
-              <a:lnSpc>
-                <a:spcPct val="90000"/>
-              </a:lnSpc>
-              <a:spcBef>
-                <a:spcPct val="20000"/>
-              </a:spcBef>
-              <a:buFont typeface="Arial" panose="020B0604020202020204" pitchFamily="34" charset="0"/>
-              <a:buNone/>
-              <a:defRPr sz="2800" kern="1200">
-                <a:solidFill>
-                  <a:schemeClr val="tx1">
-                    <a:tint val="75000"/>
-                  </a:schemeClr>
-                </a:solidFill>
-                <a:latin typeface="+mn-lt"/>
-                <a:ea typeface="+mn-ea"/>
-                <a:cs typeface="+mn-cs"/>
-              </a:defRPr>
-            </a:lvl2pPr>
-            <a:lvl3pPr marL="914400" indent="0" algn="ctr" defTabSz="914400" rtl="1" eaLnBrk="1" latinLnBrk="0" hangingPunct="1">
-              <a:lnSpc>
-                <a:spcPct val="90000"/>
-              </a:lnSpc>
-              <a:spcBef>
-                <a:spcPct val="20000"/>
-              </a:spcBef>
-              <a:buFont typeface="Arial" panose="020B0604020202020204" pitchFamily="34" charset="0"/>
-              <a:buNone/>
-              <a:defRPr sz="2400" kern="1200">
-                <a:solidFill>
-                  <a:schemeClr val="tx1">
-                    <a:tint val="75000"/>
-                  </a:schemeClr>
-                </a:solidFill>
-                <a:latin typeface="+mn-lt"/>
-                <a:ea typeface="+mn-ea"/>
-                <a:cs typeface="+mn-cs"/>
-              </a:defRPr>
-            </a:lvl3pPr>
-            <a:lvl4pPr marL="1371600" indent="0" algn="ctr" defTabSz="914400" rtl="1" eaLnBrk="1" latinLnBrk="0" hangingPunct="1">
-              <a:lnSpc>
-                <a:spcPct val="90000"/>
-              </a:lnSpc>
-              <a:spcBef>
-                <a:spcPct val="20000"/>
-              </a:spcBef>
-              <a:buFont typeface="Arial" panose="020B0604020202020204" pitchFamily="34" charset="0"/>
-              <a:buNone/>
-              <a:defRPr sz="2000" kern="1200">
-                <a:solidFill>
-                  <a:schemeClr val="tx1">
-                    <a:tint val="75000"/>
-                  </a:schemeClr>
-                </a:solidFill>
-                <a:latin typeface="+mn-lt"/>
-                <a:ea typeface="+mn-ea"/>
-                <a:cs typeface="+mn-cs"/>
-              </a:defRPr>
-            </a:lvl4pPr>
-            <a:lvl5pPr marL="1828800" indent="0" algn="ctr" defTabSz="914400" rtl="1" eaLnBrk="1" latinLnBrk="0" hangingPunct="1">
-              <a:lnSpc>
-                <a:spcPct val="90000"/>
-              </a:lnSpc>
-              <a:spcBef>
-                <a:spcPct val="20000"/>
-              </a:spcBef>
-              <a:buFont typeface="Arial" panose="020B0604020202020204" pitchFamily="34" charset="0"/>
-              <a:buNone/>
-              <a:defRPr sz="2000" kern="1200">
-                <a:solidFill>
-                  <a:schemeClr val="tx1">
-                    <a:tint val="75000"/>
-                  </a:schemeClr>
-                </a:solidFill>
-                <a:latin typeface="+mn-lt"/>
-                <a:ea typeface="+mn-ea"/>
-                <a:cs typeface="+mn-cs"/>
-              </a:defRPr>
-            </a:lvl5pPr>
-            <a:lvl6pPr marL="2286000" indent="0" algn="ctr" defTabSz="914400" rtl="1" eaLnBrk="1" latinLnBrk="0" hangingPunct="1">
-              <a:lnSpc>
-                <a:spcPct val="90000"/>
-              </a:lnSpc>
-              <a:spcBef>
-                <a:spcPct val="20000"/>
-              </a:spcBef>
-              <a:buFont typeface="Arial" panose="020B0604020202020204" pitchFamily="34" charset="0"/>
-              <a:buNone/>
-              <a:defRPr sz="2000" kern="1200">
-                <a:solidFill>
-                  <a:schemeClr val="tx1">
-                    <a:tint val="75000"/>
-                  </a:schemeClr>
-                </a:solidFill>
-                <a:latin typeface="+mn-lt"/>
-                <a:ea typeface="+mn-ea"/>
-                <a:cs typeface="+mn-cs"/>
-              </a:defRPr>
-            </a:lvl6pPr>
-            <a:lvl7pPr marL="2743200" indent="0" algn="ctr" defTabSz="914400" rtl="1" eaLnBrk="1" latinLnBrk="0" hangingPunct="1">
-              <a:lnSpc>
-                <a:spcPct val="90000"/>
-              </a:lnSpc>
-              <a:spcBef>
-                <a:spcPct val="20000"/>
-              </a:spcBef>
-              <a:buFont typeface="Arial" panose="020B0604020202020204" pitchFamily="34" charset="0"/>
-              <a:buNone/>
-              <a:defRPr sz="2000" kern="1200">
-                <a:solidFill>
-                  <a:schemeClr val="tx1">
-                    <a:tint val="75000"/>
-                  </a:schemeClr>
-                </a:solidFill>
-                <a:latin typeface="+mn-lt"/>
-                <a:ea typeface="+mn-ea"/>
-                <a:cs typeface="+mn-cs"/>
-              </a:defRPr>
-            </a:lvl7pPr>
-            <a:lvl8pPr marL="3200400" indent="0" algn="ctr" defTabSz="914400" rtl="1" eaLnBrk="1" latinLnBrk="0" hangingPunct="1">
-              <a:lnSpc>
-                <a:spcPct val="90000"/>
-              </a:lnSpc>
-              <a:spcBef>
-                <a:spcPct val="20000"/>
-              </a:spcBef>
-              <a:buFont typeface="Arial" panose="020B0604020202020204" pitchFamily="34" charset="0"/>
-              <a:buNone/>
-              <a:defRPr sz="2000" kern="1200">
-                <a:solidFill>
-                  <a:schemeClr val="tx1">
-                    <a:tint val="75000"/>
-                  </a:schemeClr>
-                </a:solidFill>
-                <a:latin typeface="+mn-lt"/>
-                <a:ea typeface="+mn-ea"/>
-                <a:cs typeface="+mn-cs"/>
-              </a:defRPr>
-            </a:lvl8pPr>
-            <a:lvl9pPr marL="3657600" indent="0" algn="ctr" defTabSz="914400" rtl="1" eaLnBrk="1" latinLnBrk="0" hangingPunct="1">
-              <a:lnSpc>
-                <a:spcPct val="90000"/>
-              </a:lnSpc>
-              <a:spcBef>
-                <a:spcPct val="20000"/>
-              </a:spcBef>
-              <a:buFont typeface="Arial" panose="020B0604020202020204" pitchFamily="34" charset="0"/>
-              <a:buNone/>
-              <a:defRPr sz="2000" kern="1200">
-                <a:solidFill>
-                  <a:schemeClr val="tx1">
-                    <a:tint val="75000"/>
-                  </a:schemeClr>
-                </a:solidFill>
-                <a:latin typeface="+mn-lt"/>
-                <a:ea typeface="+mn-ea"/>
-                <a:cs typeface="+mn-cs"/>
-              </a:defRPr>
-            </a:lvl9pPr>
-          </a:lstStyle>
-          <a:p>
-            <a:pPr algn="l" rtl="0"/>
-            <a:r>
-              <a:rPr lang="en-US" sz="2400" dirty="0">
-                <a:solidFill>
-                  <a:schemeClr val="tx1"/>
-                </a:solidFill>
-              </a:rPr>
-              <a:t>20</a:t>
-            </a:r>
-          </a:p>
-        </p:txBody>
-      </p:sp>
-    </p:spTree>
-    <p:extLst>
-      <p:ext uri="{BB962C8B-B14F-4D97-AF65-F5344CB8AC3E}">
-        <p14:creationId xmlns:p14="http://schemas.microsoft.com/office/powerpoint/2010/main" val="1489653441"/>
-      </p:ext>
-    </p:extLst>
-  </p:cSld>
-  <p:clrMapOvr>
-    <a:masterClrMapping/>
-  </p:clrMapOvr>
-</p:sld>
-</file>
-
-<file path=ppt/slides/slide21.xml><?xml version="1.0" encoding="utf-8"?>
-<p:sld xmlns:a="http://schemas.openxmlformats.org/drawingml/2006/main" xmlns:r="http://schemas.openxmlformats.org/officeDocument/2006/relationships" xmlns:p="http://schemas.openxmlformats.org/presentationml/2006/main">
-  <p:cSld>
-    <p:spTree>
-      <p:nvGrpSpPr>
-        <p:cNvPr id="1" name=""/>
-        <p:cNvGrpSpPr/>
-        <p:nvPr/>
-      </p:nvGrpSpPr>
-      <p:grpSpPr>
-        <a:xfrm>
-          <a:off x="0" y="0"/>
-          <a:ext cx="0" cy="0"/>
-          <a:chOff x="0" y="0"/>
-          <a:chExt cx="0" cy="0"/>
-        </a:xfrm>
-      </p:grpSpPr>
-      <p:sp>
-        <p:nvSpPr>
-          <p:cNvPr id="2" name="כותרת 1">
-            <a:extLst>
-              <a:ext uri="{FF2B5EF4-FFF2-40B4-BE49-F238E27FC236}">
-                <a16:creationId xmlns:a16="http://schemas.microsoft.com/office/drawing/2014/main" id="{5480E490-6E4D-4338-BB9A-E6695C515733}"/>
-              </a:ext>
-            </a:extLst>
-          </p:cNvPr>
-          <p:cNvSpPr>
-            <a:spLocks noGrp="1"/>
-          </p:cNvSpPr>
-          <p:nvPr>
-            <p:ph type="title"/>
-          </p:nvPr>
-        </p:nvSpPr>
-        <p:spPr/>
-        <p:txBody>
-          <a:bodyPr/>
-          <a:lstStyle/>
-          <a:p>
-            <a:pPr algn="ctr"/>
-            <a:r>
-              <a:rPr lang="en-US" dirty="0">
-                <a:solidFill>
-                  <a:srgbClr val="002060"/>
-                </a:solidFill>
-                <a:latin typeface="Calibri"/>
-              </a:rPr>
               <a:t>Future work</a:t>
             </a:r>
             <a:endParaRPr lang="he-IL" dirty="0">
@@ -14817,7 +14317,7 @@
                   <a:schemeClr val="tx1"/>
                 </a:solidFill>
               </a:rPr>
-              <a:t>21</a:t>
+              <a:t>20</a:t>
             </a:r>
           </a:p>
         </p:txBody>
@@ -14835,7 +14335,7 @@
 </p:sld>
 </file>
 
-<file path=ppt/slides/slide22.xml><?xml version="1.0" encoding="utf-8"?>
+<file path=ppt/slides/slide21.xml><?xml version="1.0" encoding="utf-8"?>
 <p:sld xmlns:a="http://schemas.openxmlformats.org/drawingml/2006/main" xmlns:r="http://schemas.openxmlformats.org/officeDocument/2006/relationships" xmlns:p="http://schemas.openxmlformats.org/presentationml/2006/main">
   <p:cSld>
     <p:bg>

--- a/Presentation/final_presentation.pptx
+++ b/Presentation/final_presentation.pptx
@@ -27,8 +27,8 @@
     <p:sldId id="269" r:id="rId15"/>
     <p:sldId id="277" r:id="rId16"/>
     <p:sldId id="279" r:id="rId17"/>
-    <p:sldId id="268" r:id="rId18"/>
-    <p:sldId id="271" r:id="rId19"/>
+    <p:sldId id="271" r:id="rId18"/>
+    <p:sldId id="268" r:id="rId19"/>
     <p:sldId id="273" r:id="rId20"/>
     <p:sldId id="266" r:id="rId21"/>
     <p:sldId id="276" r:id="rId22"/>
@@ -1340,7 +1340,7 @@
           <a:p>
             <a:r>
               <a:rPr lang="he-IL" dirty="0"/>
-              <a:t>סטיית התקן של זמן הריצה עבור </a:t>
+              <a:t>ניתן לראות שזמן הריצה של </a:t>
             </a:r>
             <a:r>
               <a:rPr lang="he-IL" dirty="0" err="1"/>
@@ -1348,64 +1348,16 @@
             </a:r>
             <a:r>
               <a:rPr lang="he-IL" dirty="0"/>
-              <a:t> הוא יחסית גדול מה שנובע מההגרלות הרנדומליות במילוי המספרים. לפעמים זה פוגע בול ולפעמים ממש בכיוון בעייתי שמתברר כבעייתי רק בסוף הרקורסיה.</a:t>
-            </a:r>
-          </a:p>
-          <a:p>
+              <a:t> גדל </a:t>
+            </a:r>
+            <a:r>
+              <a:rPr lang="he-IL" dirty="0" err="1"/>
+              <a:t>אקספוננציאלית</a:t>
+            </a:r>
             <a:r>
               <a:rPr lang="he-IL" dirty="0"/>
-              <a:t>פתרון </a:t>
-            </a:r>
-            <a:r>
-              <a:rPr lang="he-IL" dirty="0" err="1"/>
-              <a:t>הבקטרקינג</a:t>
-            </a:r>
-            <a:r>
-              <a:rPr lang="he-IL" dirty="0"/>
-              <a:t> אינו יציב וישנם לוחות בהם הזמן לפתרון יהיה מעל 5 דקות.</a:t>
-            </a:r>
-          </a:p>
-          <a:p>
-            <a:r>
-              <a:rPr lang="he-IL" dirty="0"/>
-              <a:t>כמובן </a:t>
-            </a:r>
-            <a:r>
-              <a:rPr lang="he-IL" dirty="0" err="1"/>
-              <a:t>שהבקטרקינג</a:t>
-            </a:r>
-            <a:r>
-              <a:rPr lang="he-IL" dirty="0"/>
-              <a:t> יפתור נכונה את הלוח מכיוון שהוא מנסה את כל הפתרונות שעומדים בחוקיות המשחק.</a:t>
-            </a:r>
-          </a:p>
-          <a:p>
-            <a:endParaRPr lang="he-IL" dirty="0"/>
-          </a:p>
-          <a:p>
-            <a:r>
-              <a:rPr lang="he-IL" dirty="0"/>
-              <a:t>יש לשים לב שלרשת הכנסנו לוח </a:t>
-            </a:r>
-            <a:r>
-              <a:rPr lang="he-IL" dirty="0" err="1"/>
-              <a:t>לוח</a:t>
-            </a:r>
-            <a:r>
-              <a:rPr lang="he-IL" dirty="0"/>
-              <a:t> ולא </a:t>
-            </a:r>
-            <a:r>
-              <a:rPr lang="he-IL" dirty="0" err="1"/>
-              <a:t>באטצ</a:t>
-            </a:r>
-            <a:r>
-              <a:rPr lang="he-IL" dirty="0"/>
-              <a:t> עם כל הלוחות. אם היינו עושים זאת, הזמן הממוצע לפתרון לוח יורד פלאים ל 0.00016 שניות שזה 0.16 מילי שניות. </a:t>
-            </a:r>
-          </a:p>
-          <a:p>
-            <a:endParaRPr lang="he-IL" dirty="0"/>
+              <a:t> עם מספר המחוקים בלוח לעומת הרשת.</a:t>
+            </a:r>
           </a:p>
           <a:p>
             <a:endParaRPr lang="he-IL" dirty="0"/>
@@ -1438,7 +1390,7 @@
     </p:spTree>
     <p:extLst>
       <p:ext uri="{BB962C8B-B14F-4D97-AF65-F5344CB8AC3E}">
-        <p14:creationId xmlns:p14="http://schemas.microsoft.com/office/powerpoint/2010/main" val="2131405368"/>
+        <p14:creationId xmlns:p14="http://schemas.microsoft.com/office/powerpoint/2010/main" val="4290982572"/>
       </p:ext>
     </p:extLst>
   </p:cSld>
@@ -1494,7 +1446,7 @@
           <a:p>
             <a:r>
               <a:rPr lang="he-IL" dirty="0"/>
-              <a:t>ניתן לראות שזמן הריצה של </a:t>
+              <a:t>סטיית התקן של זמן הריצה עבור </a:t>
             </a:r>
             <a:r>
               <a:rPr lang="he-IL" dirty="0" err="1"/>
@@ -1502,16 +1454,64 @@
             </a:r>
             <a:r>
               <a:rPr lang="he-IL" dirty="0"/>
-              <a:t> גדל </a:t>
+              <a:t> הוא יחסית גדול מה שנובע מההגרלות הרנדומליות במילוי המספרים. לפעמים זה פוגע בול ולפעמים ממש בכיוון בעייתי שמתברר כבעייתי רק בסוף הרקורסיה.</a:t>
+            </a:r>
+          </a:p>
+          <a:p>
+            <a:r>
+              <a:rPr lang="he-IL" dirty="0"/>
+              <a:t>פתרון </a:t>
             </a:r>
             <a:r>
               <a:rPr lang="he-IL" dirty="0" err="1"/>
-              <a:t>אקספוננציאלית</a:t>
+              <a:t>הבקטרקינג</a:t>
             </a:r>
             <a:r>
               <a:rPr lang="he-IL" dirty="0"/>
-              <a:t> עם מספר המחוקים בלוח לעומת הרשת.</a:t>
-            </a:r>
+              <a:t> אינו יציב וישנם לוחות בהם הזמן לפתרון יהיה מעל 5 דקות.</a:t>
+            </a:r>
+          </a:p>
+          <a:p>
+            <a:r>
+              <a:rPr lang="he-IL" dirty="0"/>
+              <a:t>כמובן </a:t>
+            </a:r>
+            <a:r>
+              <a:rPr lang="he-IL" dirty="0" err="1"/>
+              <a:t>שהבקטרקינג</a:t>
+            </a:r>
+            <a:r>
+              <a:rPr lang="he-IL" dirty="0"/>
+              <a:t> יפתור נכונה את הלוח מכיוון שהוא מנסה את כל הפתרונות שעומדים בחוקיות המשחק.</a:t>
+            </a:r>
+          </a:p>
+          <a:p>
+            <a:endParaRPr lang="he-IL" dirty="0"/>
+          </a:p>
+          <a:p>
+            <a:r>
+              <a:rPr lang="he-IL" dirty="0"/>
+              <a:t>יש לשים לב שלרשת הכנסנו לוח </a:t>
+            </a:r>
+            <a:r>
+              <a:rPr lang="he-IL" dirty="0" err="1"/>
+              <a:t>לוח</a:t>
+            </a:r>
+            <a:r>
+              <a:rPr lang="he-IL" dirty="0"/>
+              <a:t> ולא </a:t>
+            </a:r>
+            <a:r>
+              <a:rPr lang="he-IL" dirty="0" err="1"/>
+              <a:t>באטצ</a:t>
+            </a:r>
+            <a:r>
+              <a:rPr lang="he-IL" dirty="0"/>
+              <a:t> עם כל הלוחות. אם היינו עושים זאת, הזמן הממוצע לפתרון לוח יורד פלאים ל 0.00016 שניות שזה 0.16 מילי שניות. </a:t>
+            </a:r>
+          </a:p>
+          <a:p>
+            <a:endParaRPr lang="he-IL" dirty="0"/>
           </a:p>
           <a:p>
             <a:endParaRPr lang="he-IL" dirty="0"/>
@@ -1544,7 +1544,7 @@
     </p:spTree>
     <p:extLst>
       <p:ext uri="{BB962C8B-B14F-4D97-AF65-F5344CB8AC3E}">
-        <p14:creationId xmlns:p14="http://schemas.microsoft.com/office/powerpoint/2010/main" val="4290982572"/>
+        <p14:creationId xmlns:p14="http://schemas.microsoft.com/office/powerpoint/2010/main" val="2131405368"/>
       </p:ext>
     </p:extLst>
   </p:cSld>
@@ -12124,358 +12124,6 @@
           <p:cNvPr id="5" name="תמונה 4">
             <a:extLst>
               <a:ext uri="{FF2B5EF4-FFF2-40B4-BE49-F238E27FC236}">
-                <a16:creationId xmlns:a16="http://schemas.microsoft.com/office/drawing/2014/main" id="{0C3325BF-A584-4686-9884-1D9EA10D7335}"/>
-              </a:ext>
-            </a:extLst>
-          </p:cNvPr>
-          <p:cNvPicPr>
-            <a:picLocks noChangeAspect="1"/>
-          </p:cNvPicPr>
-          <p:nvPr/>
-        </p:nvPicPr>
-        <p:blipFill>
-          <a:blip r:embed="rId3"/>
-          <a:stretch>
-            <a:fillRect/>
-          </a:stretch>
-        </p:blipFill>
-        <p:spPr>
-          <a:xfrm>
-            <a:off x="4081462" y="6505575"/>
-            <a:ext cx="981075" cy="352425"/>
-          </a:xfrm>
-          <a:prstGeom prst="rect">
-            <a:avLst/>
-          </a:prstGeom>
-        </p:spPr>
-      </p:pic>
-      <p:sp>
-        <p:nvSpPr>
-          <p:cNvPr id="7" name="Subtitle 2">
-            <a:extLst>
-              <a:ext uri="{FF2B5EF4-FFF2-40B4-BE49-F238E27FC236}">
-                <a16:creationId xmlns:a16="http://schemas.microsoft.com/office/drawing/2014/main" id="{F7714581-1D62-4B26-B56B-3F6259196CA0}"/>
-              </a:ext>
-            </a:extLst>
-          </p:cNvPr>
-          <p:cNvSpPr txBox="1">
-            <a:spLocks/>
-          </p:cNvSpPr>
-          <p:nvPr/>
-        </p:nvSpPr>
-        <p:spPr>
-          <a:xfrm>
-            <a:off x="8562668" y="6359024"/>
-            <a:ext cx="581331" cy="498976"/>
-          </a:xfrm>
-          <a:prstGeom prst="rect">
-            <a:avLst/>
-          </a:prstGeom>
-        </p:spPr>
-        <p:txBody>
-          <a:bodyPr vert="horz" lIns="91440" tIns="45720" rIns="91440" bIns="45720" rtlCol="1" anchor="t">
-            <a:noAutofit/>
-          </a:bodyPr>
-          <a:lstStyle>
-            <a:lvl1pPr marL="0" indent="0" algn="ctr" defTabSz="914400" rtl="1" eaLnBrk="1" latinLnBrk="0" hangingPunct="1">
-              <a:lnSpc>
-                <a:spcPct val="90000"/>
-              </a:lnSpc>
-              <a:spcBef>
-                <a:spcPct val="20000"/>
-              </a:spcBef>
-              <a:buFont typeface="Arial" panose="020B0604020202020204" pitchFamily="34" charset="0"/>
-              <a:buNone/>
-              <a:defRPr sz="3200" kern="1200">
-                <a:solidFill>
-                  <a:schemeClr val="tx1">
-                    <a:tint val="75000"/>
-                  </a:schemeClr>
-                </a:solidFill>
-                <a:latin typeface="+mn-lt"/>
-                <a:ea typeface="+mn-ea"/>
-                <a:cs typeface="+mn-cs"/>
-              </a:defRPr>
-            </a:lvl1pPr>
-            <a:lvl2pPr marL="457200" indent="0" algn="ctr" defTabSz="914400" rtl="1" eaLnBrk="1" latinLnBrk="0" hangingPunct="1">
-              <a:lnSpc>
-                <a:spcPct val="90000"/>
-              </a:lnSpc>
-              <a:spcBef>
-                <a:spcPct val="20000"/>
-              </a:spcBef>
-              <a:buFont typeface="Arial" panose="020B0604020202020204" pitchFamily="34" charset="0"/>
-              <a:buNone/>
-              <a:defRPr sz="2800" kern="1200">
-                <a:solidFill>
-                  <a:schemeClr val="tx1">
-                    <a:tint val="75000"/>
-                  </a:schemeClr>
-                </a:solidFill>
-                <a:latin typeface="+mn-lt"/>
-                <a:ea typeface="+mn-ea"/>
-                <a:cs typeface="+mn-cs"/>
-              </a:defRPr>
-            </a:lvl2pPr>
-            <a:lvl3pPr marL="914400" indent="0" algn="ctr" defTabSz="914400" rtl="1" eaLnBrk="1" latinLnBrk="0" hangingPunct="1">
-              <a:lnSpc>
-                <a:spcPct val="90000"/>
-              </a:lnSpc>
-              <a:spcBef>
-                <a:spcPct val="20000"/>
-              </a:spcBef>
-              <a:buFont typeface="Arial" panose="020B0604020202020204" pitchFamily="34" charset="0"/>
-              <a:buNone/>
-              <a:defRPr sz="2400" kern="1200">
-                <a:solidFill>
-                  <a:schemeClr val="tx1">
-                    <a:tint val="75000"/>
-                  </a:schemeClr>
-                </a:solidFill>
-                <a:latin typeface="+mn-lt"/>
-                <a:ea typeface="+mn-ea"/>
-                <a:cs typeface="+mn-cs"/>
-              </a:defRPr>
-            </a:lvl3pPr>
-            <a:lvl4pPr marL="1371600" indent="0" algn="ctr" defTabSz="914400" rtl="1" eaLnBrk="1" latinLnBrk="0" hangingPunct="1">
-              <a:lnSpc>
-                <a:spcPct val="90000"/>
-              </a:lnSpc>
-              <a:spcBef>
-                <a:spcPct val="20000"/>
-              </a:spcBef>
-              <a:buFont typeface="Arial" panose="020B0604020202020204" pitchFamily="34" charset="0"/>
-              <a:buNone/>
-              <a:defRPr sz="2000" kern="1200">
-                <a:solidFill>
-                  <a:schemeClr val="tx1">
-                    <a:tint val="75000"/>
-                  </a:schemeClr>
-                </a:solidFill>
-                <a:latin typeface="+mn-lt"/>
-                <a:ea typeface="+mn-ea"/>
-                <a:cs typeface="+mn-cs"/>
-              </a:defRPr>
-            </a:lvl4pPr>
-            <a:lvl5pPr marL="1828800" indent="0" algn="ctr" defTabSz="914400" rtl="1" eaLnBrk="1" latinLnBrk="0" hangingPunct="1">
-              <a:lnSpc>
-                <a:spcPct val="90000"/>
-              </a:lnSpc>
-              <a:spcBef>
-                <a:spcPct val="20000"/>
-              </a:spcBef>
-              <a:buFont typeface="Arial" panose="020B0604020202020204" pitchFamily="34" charset="0"/>
-              <a:buNone/>
-              <a:defRPr sz="2000" kern="1200">
-                <a:solidFill>
-                  <a:schemeClr val="tx1">
-                    <a:tint val="75000"/>
-                  </a:schemeClr>
-                </a:solidFill>
-                <a:latin typeface="+mn-lt"/>
-                <a:ea typeface="+mn-ea"/>
-                <a:cs typeface="+mn-cs"/>
-              </a:defRPr>
-            </a:lvl5pPr>
-            <a:lvl6pPr marL="2286000" indent="0" algn="ctr" defTabSz="914400" rtl="1" eaLnBrk="1" latinLnBrk="0" hangingPunct="1">
-              <a:lnSpc>
-                <a:spcPct val="90000"/>
-              </a:lnSpc>
-              <a:spcBef>
-                <a:spcPct val="20000"/>
-              </a:spcBef>
-              <a:buFont typeface="Arial" panose="020B0604020202020204" pitchFamily="34" charset="0"/>
-              <a:buNone/>
-              <a:defRPr sz="2000" kern="1200">
-                <a:solidFill>
-                  <a:schemeClr val="tx1">
-                    <a:tint val="75000"/>
-                  </a:schemeClr>
-                </a:solidFill>
-                <a:latin typeface="+mn-lt"/>
-                <a:ea typeface="+mn-ea"/>
-                <a:cs typeface="+mn-cs"/>
-              </a:defRPr>
-            </a:lvl6pPr>
-            <a:lvl7pPr marL="2743200" indent="0" algn="ctr" defTabSz="914400" rtl="1" eaLnBrk="1" latinLnBrk="0" hangingPunct="1">
-              <a:lnSpc>
-                <a:spcPct val="90000"/>
-              </a:lnSpc>
-              <a:spcBef>
-                <a:spcPct val="20000"/>
-              </a:spcBef>
-              <a:buFont typeface="Arial" panose="020B0604020202020204" pitchFamily="34" charset="0"/>
-              <a:buNone/>
-              <a:defRPr sz="2000" kern="1200">
-                <a:solidFill>
-                  <a:schemeClr val="tx1">
-                    <a:tint val="75000"/>
-                  </a:schemeClr>
-                </a:solidFill>
-                <a:latin typeface="+mn-lt"/>
-                <a:ea typeface="+mn-ea"/>
-                <a:cs typeface="+mn-cs"/>
-              </a:defRPr>
-            </a:lvl7pPr>
-            <a:lvl8pPr marL="3200400" indent="0" algn="ctr" defTabSz="914400" rtl="1" eaLnBrk="1" latinLnBrk="0" hangingPunct="1">
-              <a:lnSpc>
-                <a:spcPct val="90000"/>
-              </a:lnSpc>
-              <a:spcBef>
-                <a:spcPct val="20000"/>
-              </a:spcBef>
-              <a:buFont typeface="Arial" panose="020B0604020202020204" pitchFamily="34" charset="0"/>
-              <a:buNone/>
-              <a:defRPr sz="2000" kern="1200">
-                <a:solidFill>
-                  <a:schemeClr val="tx1">
-                    <a:tint val="75000"/>
-                  </a:schemeClr>
-                </a:solidFill>
-                <a:latin typeface="+mn-lt"/>
-                <a:ea typeface="+mn-ea"/>
-                <a:cs typeface="+mn-cs"/>
-              </a:defRPr>
-            </a:lvl8pPr>
-            <a:lvl9pPr marL="3657600" indent="0" algn="ctr" defTabSz="914400" rtl="1" eaLnBrk="1" latinLnBrk="0" hangingPunct="1">
-              <a:lnSpc>
-                <a:spcPct val="90000"/>
-              </a:lnSpc>
-              <a:spcBef>
-                <a:spcPct val="20000"/>
-              </a:spcBef>
-              <a:buFont typeface="Arial" panose="020B0604020202020204" pitchFamily="34" charset="0"/>
-              <a:buNone/>
-              <a:defRPr sz="2000" kern="1200">
-                <a:solidFill>
-                  <a:schemeClr val="tx1">
-                    <a:tint val="75000"/>
-                  </a:schemeClr>
-                </a:solidFill>
-                <a:latin typeface="+mn-lt"/>
-                <a:ea typeface="+mn-ea"/>
-                <a:cs typeface="+mn-cs"/>
-              </a:defRPr>
-            </a:lvl9pPr>
-          </a:lstStyle>
-          <a:p>
-            <a:pPr algn="l" rtl="0"/>
-            <a:r>
-              <a:rPr lang="en-US" sz="2400" dirty="0">
-                <a:solidFill>
-                  <a:schemeClr val="tx1"/>
-                </a:solidFill>
-              </a:rPr>
-              <a:t>17</a:t>
-            </a:r>
-          </a:p>
-        </p:txBody>
-      </p:sp>
-      <p:pic>
-        <p:nvPicPr>
-          <p:cNvPr id="11" name="תמונה 10">
-            <a:extLst>
-              <a:ext uri="{FF2B5EF4-FFF2-40B4-BE49-F238E27FC236}">
-                <a16:creationId xmlns:a16="http://schemas.microsoft.com/office/drawing/2014/main" id="{3CEBA141-5622-4349-B557-7D87D01D5969}"/>
-              </a:ext>
-            </a:extLst>
-          </p:cNvPr>
-          <p:cNvPicPr>
-            <a:picLocks noChangeAspect="1"/>
-          </p:cNvPicPr>
-          <p:nvPr/>
-        </p:nvPicPr>
-        <p:blipFill>
-          <a:blip r:embed="rId4"/>
-          <a:stretch>
-            <a:fillRect/>
-          </a:stretch>
-        </p:blipFill>
-        <p:spPr>
-          <a:xfrm>
-            <a:off x="0" y="1310481"/>
-            <a:ext cx="9144000" cy="4897438"/>
-          </a:xfrm>
-          <a:prstGeom prst="rect">
-            <a:avLst/>
-          </a:prstGeom>
-        </p:spPr>
-      </p:pic>
-    </p:spTree>
-    <p:extLst>
-      <p:ext uri="{BB962C8B-B14F-4D97-AF65-F5344CB8AC3E}">
-        <p14:creationId xmlns:p14="http://schemas.microsoft.com/office/powerpoint/2010/main" val="929190005"/>
-      </p:ext>
-    </p:extLst>
-  </p:cSld>
-  <p:clrMapOvr>
-    <a:masterClrMapping/>
-  </p:clrMapOvr>
-</p:sld>
-</file>
-
-<file path=ppt/slides/slide18.xml><?xml version="1.0" encoding="utf-8"?>
-<p:sld xmlns:a="http://schemas.openxmlformats.org/drawingml/2006/main" xmlns:r="http://schemas.openxmlformats.org/officeDocument/2006/relationships" xmlns:p="http://schemas.openxmlformats.org/presentationml/2006/main">
-  <p:cSld>
-    <p:spTree>
-      <p:nvGrpSpPr>
-        <p:cNvPr id="1" name=""/>
-        <p:cNvGrpSpPr/>
-        <p:nvPr/>
-      </p:nvGrpSpPr>
-      <p:grpSpPr>
-        <a:xfrm>
-          <a:off x="0" y="0"/>
-          <a:ext cx="0" cy="0"/>
-          <a:chOff x="0" y="0"/>
-          <a:chExt cx="0" cy="0"/>
-        </a:xfrm>
-      </p:grpSpPr>
-      <p:sp>
-        <p:nvSpPr>
-          <p:cNvPr id="2" name="כותרת 1">
-            <a:extLst>
-              <a:ext uri="{FF2B5EF4-FFF2-40B4-BE49-F238E27FC236}">
-                <a16:creationId xmlns:a16="http://schemas.microsoft.com/office/drawing/2014/main" id="{5480E490-6E4D-4338-BB9A-E6695C515733}"/>
-              </a:ext>
-            </a:extLst>
-          </p:cNvPr>
-          <p:cNvSpPr>
-            <a:spLocks noGrp="1"/>
-          </p:cNvSpPr>
-          <p:nvPr>
-            <p:ph type="title"/>
-          </p:nvPr>
-        </p:nvSpPr>
-        <p:spPr/>
-        <p:txBody>
-          <a:bodyPr/>
-          <a:lstStyle/>
-          <a:p>
-            <a:pPr algn="ctr"/>
-            <a:r>
-              <a:rPr lang="en-US" dirty="0">
-                <a:solidFill>
-                  <a:srgbClr val="002060"/>
-                </a:solidFill>
-                <a:latin typeface="Calibri"/>
-              </a:rPr>
-              <a:t>Comparison to backtracking</a:t>
-            </a:r>
-            <a:endParaRPr lang="he-IL" dirty="0">
-              <a:solidFill>
-                <a:srgbClr val="002060"/>
-              </a:solidFill>
-              <a:latin typeface="Calibri"/>
-            </a:endParaRPr>
-          </a:p>
-        </p:txBody>
-      </p:sp>
-      <p:pic>
-        <p:nvPicPr>
-          <p:cNvPr id="5" name="תמונה 4">
-            <a:extLst>
-              <a:ext uri="{FF2B5EF4-FFF2-40B4-BE49-F238E27FC236}">
                 <a16:creationId xmlns:a16="http://schemas.microsoft.com/office/drawing/2014/main" id="{F84D26A7-6C87-4286-A0F2-A544786F8399}"/>
               </a:ext>
             </a:extLst>
@@ -12819,6 +12467,358 @@
     <p:extLst>
       <p:ext uri="{BB962C8B-B14F-4D97-AF65-F5344CB8AC3E}">
         <p14:creationId xmlns:p14="http://schemas.microsoft.com/office/powerpoint/2010/main" val="4241248835"/>
+      </p:ext>
+    </p:extLst>
+  </p:cSld>
+  <p:clrMapOvr>
+    <a:masterClrMapping/>
+  </p:clrMapOvr>
+</p:sld>
+</file>
+
+<file path=ppt/slides/slide18.xml><?xml version="1.0" encoding="utf-8"?>
+<p:sld xmlns:a="http://schemas.openxmlformats.org/drawingml/2006/main" xmlns:r="http://schemas.openxmlformats.org/officeDocument/2006/relationships" xmlns:p="http://schemas.openxmlformats.org/presentationml/2006/main">
+  <p:cSld>
+    <p:spTree>
+      <p:nvGrpSpPr>
+        <p:cNvPr id="1" name=""/>
+        <p:cNvGrpSpPr/>
+        <p:nvPr/>
+      </p:nvGrpSpPr>
+      <p:grpSpPr>
+        <a:xfrm>
+          <a:off x="0" y="0"/>
+          <a:ext cx="0" cy="0"/>
+          <a:chOff x="0" y="0"/>
+          <a:chExt cx="0" cy="0"/>
+        </a:xfrm>
+      </p:grpSpPr>
+      <p:sp>
+        <p:nvSpPr>
+          <p:cNvPr id="2" name="כותרת 1">
+            <a:extLst>
+              <a:ext uri="{FF2B5EF4-FFF2-40B4-BE49-F238E27FC236}">
+                <a16:creationId xmlns:a16="http://schemas.microsoft.com/office/drawing/2014/main" id="{5480E490-6E4D-4338-BB9A-E6695C515733}"/>
+              </a:ext>
+            </a:extLst>
+          </p:cNvPr>
+          <p:cNvSpPr>
+            <a:spLocks noGrp="1"/>
+          </p:cNvSpPr>
+          <p:nvPr>
+            <p:ph type="title"/>
+          </p:nvPr>
+        </p:nvSpPr>
+        <p:spPr/>
+        <p:txBody>
+          <a:bodyPr/>
+          <a:lstStyle/>
+          <a:p>
+            <a:pPr algn="ctr"/>
+            <a:r>
+              <a:rPr lang="en-US" dirty="0">
+                <a:solidFill>
+                  <a:srgbClr val="002060"/>
+                </a:solidFill>
+                <a:latin typeface="Calibri"/>
+              </a:rPr>
+              <a:t>Comparison to backtracking</a:t>
+            </a:r>
+            <a:endParaRPr lang="he-IL" dirty="0">
+              <a:solidFill>
+                <a:srgbClr val="002060"/>
+              </a:solidFill>
+              <a:latin typeface="Calibri"/>
+            </a:endParaRPr>
+          </a:p>
+        </p:txBody>
+      </p:sp>
+      <p:pic>
+        <p:nvPicPr>
+          <p:cNvPr id="5" name="תמונה 4">
+            <a:extLst>
+              <a:ext uri="{FF2B5EF4-FFF2-40B4-BE49-F238E27FC236}">
+                <a16:creationId xmlns:a16="http://schemas.microsoft.com/office/drawing/2014/main" id="{0C3325BF-A584-4686-9884-1D9EA10D7335}"/>
+              </a:ext>
+            </a:extLst>
+          </p:cNvPr>
+          <p:cNvPicPr>
+            <a:picLocks noChangeAspect="1"/>
+          </p:cNvPicPr>
+          <p:nvPr/>
+        </p:nvPicPr>
+        <p:blipFill>
+          <a:blip r:embed="rId3"/>
+          <a:stretch>
+            <a:fillRect/>
+          </a:stretch>
+        </p:blipFill>
+        <p:spPr>
+          <a:xfrm>
+            <a:off x="4081462" y="6505575"/>
+            <a:ext cx="981075" cy="352425"/>
+          </a:xfrm>
+          <a:prstGeom prst="rect">
+            <a:avLst/>
+          </a:prstGeom>
+        </p:spPr>
+      </p:pic>
+      <p:sp>
+        <p:nvSpPr>
+          <p:cNvPr id="7" name="Subtitle 2">
+            <a:extLst>
+              <a:ext uri="{FF2B5EF4-FFF2-40B4-BE49-F238E27FC236}">
+                <a16:creationId xmlns:a16="http://schemas.microsoft.com/office/drawing/2014/main" id="{F7714581-1D62-4B26-B56B-3F6259196CA0}"/>
+              </a:ext>
+            </a:extLst>
+          </p:cNvPr>
+          <p:cNvSpPr txBox="1">
+            <a:spLocks/>
+          </p:cNvSpPr>
+          <p:nvPr/>
+        </p:nvSpPr>
+        <p:spPr>
+          <a:xfrm>
+            <a:off x="8562668" y="6359024"/>
+            <a:ext cx="581331" cy="498976"/>
+          </a:xfrm>
+          <a:prstGeom prst="rect">
+            <a:avLst/>
+          </a:prstGeom>
+        </p:spPr>
+        <p:txBody>
+          <a:bodyPr vert="horz" lIns="91440" tIns="45720" rIns="91440" bIns="45720" rtlCol="1" anchor="t">
+            <a:noAutofit/>
+          </a:bodyPr>
+          <a:lstStyle>
+            <a:lvl1pPr marL="0" indent="0" algn="ctr" defTabSz="914400" rtl="1" eaLnBrk="1" latinLnBrk="0" hangingPunct="1">
+              <a:lnSpc>
+                <a:spcPct val="90000"/>
+              </a:lnSpc>
+              <a:spcBef>
+                <a:spcPct val="20000"/>
+              </a:spcBef>
+              <a:buFont typeface="Arial" panose="020B0604020202020204" pitchFamily="34" charset="0"/>
+              <a:buNone/>
+              <a:defRPr sz="3200" kern="1200">
+                <a:solidFill>
+                  <a:schemeClr val="tx1">
+                    <a:tint val="75000"/>
+                  </a:schemeClr>
+                </a:solidFill>
+                <a:latin typeface="+mn-lt"/>
+                <a:ea typeface="+mn-ea"/>
+                <a:cs typeface="+mn-cs"/>
+              </a:defRPr>
+            </a:lvl1pPr>
+            <a:lvl2pPr marL="457200" indent="0" algn="ctr" defTabSz="914400" rtl="1" eaLnBrk="1" latinLnBrk="0" hangingPunct="1">
+              <a:lnSpc>
+                <a:spcPct val="90000"/>
+              </a:lnSpc>
+              <a:spcBef>
+                <a:spcPct val="20000"/>
+              </a:spcBef>
+              <a:buFont typeface="Arial" panose="020B0604020202020204" pitchFamily="34" charset="0"/>
+              <a:buNone/>
+              <a:defRPr sz="2800" kern="1200">
+                <a:solidFill>
+                  <a:schemeClr val="tx1">
+                    <a:tint val="75000"/>
+                  </a:schemeClr>
+                </a:solidFill>
+                <a:latin typeface="+mn-lt"/>
+                <a:ea typeface="+mn-ea"/>
+                <a:cs typeface="+mn-cs"/>
+              </a:defRPr>
+            </a:lvl2pPr>
+            <a:lvl3pPr marL="914400" indent="0" algn="ctr" defTabSz="914400" rtl="1" eaLnBrk="1" latinLnBrk="0" hangingPunct="1">
+              <a:lnSpc>
+                <a:spcPct val="90000"/>
+              </a:lnSpc>
+              <a:spcBef>
+                <a:spcPct val="20000"/>
+              </a:spcBef>
+              <a:buFont typeface="Arial" panose="020B0604020202020204" pitchFamily="34" charset="0"/>
+              <a:buNone/>
+              <a:defRPr sz="2400" kern="1200">
+                <a:solidFill>
+                  <a:schemeClr val="tx1">
+                    <a:tint val="75000"/>
+                  </a:schemeClr>
+                </a:solidFill>
+                <a:latin typeface="+mn-lt"/>
+                <a:ea typeface="+mn-ea"/>
+                <a:cs typeface="+mn-cs"/>
+              </a:defRPr>
+            </a:lvl3pPr>
+            <a:lvl4pPr marL="1371600" indent="0" algn="ctr" defTabSz="914400" rtl="1" eaLnBrk="1" latinLnBrk="0" hangingPunct="1">
+              <a:lnSpc>
+                <a:spcPct val="90000"/>
+              </a:lnSpc>
+              <a:spcBef>
+                <a:spcPct val="20000"/>
+              </a:spcBef>
+              <a:buFont typeface="Arial" panose="020B0604020202020204" pitchFamily="34" charset="0"/>
+              <a:buNone/>
+              <a:defRPr sz="2000" kern="1200">
+                <a:solidFill>
+                  <a:schemeClr val="tx1">
+                    <a:tint val="75000"/>
+                  </a:schemeClr>
+                </a:solidFill>
+                <a:latin typeface="+mn-lt"/>
+                <a:ea typeface="+mn-ea"/>
+                <a:cs typeface="+mn-cs"/>
+              </a:defRPr>
+            </a:lvl4pPr>
+            <a:lvl5pPr marL="1828800" indent="0" algn="ctr" defTabSz="914400" rtl="1" eaLnBrk="1" latinLnBrk="0" hangingPunct="1">
+              <a:lnSpc>
+                <a:spcPct val="90000"/>
+              </a:lnSpc>
+              <a:spcBef>
+                <a:spcPct val="20000"/>
+              </a:spcBef>
+              <a:buFont typeface="Arial" panose="020B0604020202020204" pitchFamily="34" charset="0"/>
+              <a:buNone/>
+              <a:defRPr sz="2000" kern="1200">
+                <a:solidFill>
+                  <a:schemeClr val="tx1">
+                    <a:tint val="75000"/>
+                  </a:schemeClr>
+                </a:solidFill>
+                <a:latin typeface="+mn-lt"/>
+                <a:ea typeface="+mn-ea"/>
+                <a:cs typeface="+mn-cs"/>
+              </a:defRPr>
+            </a:lvl5pPr>
+            <a:lvl6pPr marL="2286000" indent="0" algn="ctr" defTabSz="914400" rtl="1" eaLnBrk="1" latinLnBrk="0" hangingPunct="1">
+              <a:lnSpc>
+                <a:spcPct val="90000"/>
+              </a:lnSpc>
+              <a:spcBef>
+                <a:spcPct val="20000"/>
+              </a:spcBef>
+              <a:buFont typeface="Arial" panose="020B0604020202020204" pitchFamily="34" charset="0"/>
+              <a:buNone/>
+              <a:defRPr sz="2000" kern="1200">
+                <a:solidFill>
+                  <a:schemeClr val="tx1">
+                    <a:tint val="75000"/>
+                  </a:schemeClr>
+                </a:solidFill>
+                <a:latin typeface="+mn-lt"/>
+                <a:ea typeface="+mn-ea"/>
+                <a:cs typeface="+mn-cs"/>
+              </a:defRPr>
+            </a:lvl6pPr>
+            <a:lvl7pPr marL="2743200" indent="0" algn="ctr" defTabSz="914400" rtl="1" eaLnBrk="1" latinLnBrk="0" hangingPunct="1">
+              <a:lnSpc>
+                <a:spcPct val="90000"/>
+              </a:lnSpc>
+              <a:spcBef>
+                <a:spcPct val="20000"/>
+              </a:spcBef>
+              <a:buFont typeface="Arial" panose="020B0604020202020204" pitchFamily="34" charset="0"/>
+              <a:buNone/>
+              <a:defRPr sz="2000" kern="1200">
+                <a:solidFill>
+                  <a:schemeClr val="tx1">
+                    <a:tint val="75000"/>
+                  </a:schemeClr>
+                </a:solidFill>
+                <a:latin typeface="+mn-lt"/>
+                <a:ea typeface="+mn-ea"/>
+                <a:cs typeface="+mn-cs"/>
+              </a:defRPr>
+            </a:lvl7pPr>
+            <a:lvl8pPr marL="3200400" indent="0" algn="ctr" defTabSz="914400" rtl="1" eaLnBrk="1" latinLnBrk="0" hangingPunct="1">
+              <a:lnSpc>
+                <a:spcPct val="90000"/>
+              </a:lnSpc>
+              <a:spcBef>
+                <a:spcPct val="20000"/>
+              </a:spcBef>
+              <a:buFont typeface="Arial" panose="020B0604020202020204" pitchFamily="34" charset="0"/>
+              <a:buNone/>
+              <a:defRPr sz="2000" kern="1200">
+                <a:solidFill>
+                  <a:schemeClr val="tx1">
+                    <a:tint val="75000"/>
+                  </a:schemeClr>
+                </a:solidFill>
+                <a:latin typeface="+mn-lt"/>
+                <a:ea typeface="+mn-ea"/>
+                <a:cs typeface="+mn-cs"/>
+              </a:defRPr>
+            </a:lvl8pPr>
+            <a:lvl9pPr marL="3657600" indent="0" algn="ctr" defTabSz="914400" rtl="1" eaLnBrk="1" latinLnBrk="0" hangingPunct="1">
+              <a:lnSpc>
+                <a:spcPct val="90000"/>
+              </a:lnSpc>
+              <a:spcBef>
+                <a:spcPct val="20000"/>
+              </a:spcBef>
+              <a:buFont typeface="Arial" panose="020B0604020202020204" pitchFamily="34" charset="0"/>
+              <a:buNone/>
+              <a:defRPr sz="2000" kern="1200">
+                <a:solidFill>
+                  <a:schemeClr val="tx1">
+                    <a:tint val="75000"/>
+                  </a:schemeClr>
+                </a:solidFill>
+                <a:latin typeface="+mn-lt"/>
+                <a:ea typeface="+mn-ea"/>
+                <a:cs typeface="+mn-cs"/>
+              </a:defRPr>
+            </a:lvl9pPr>
+          </a:lstStyle>
+          <a:p>
+            <a:pPr algn="l" rtl="0"/>
+            <a:r>
+              <a:rPr lang="en-US" sz="2400" dirty="0">
+                <a:solidFill>
+                  <a:schemeClr val="tx1"/>
+                </a:solidFill>
+              </a:rPr>
+              <a:t>17</a:t>
+            </a:r>
+          </a:p>
+        </p:txBody>
+      </p:sp>
+      <p:pic>
+        <p:nvPicPr>
+          <p:cNvPr id="11" name="תמונה 10">
+            <a:extLst>
+              <a:ext uri="{FF2B5EF4-FFF2-40B4-BE49-F238E27FC236}">
+                <a16:creationId xmlns:a16="http://schemas.microsoft.com/office/drawing/2014/main" id="{3CEBA141-5622-4349-B557-7D87D01D5969}"/>
+              </a:ext>
+            </a:extLst>
+          </p:cNvPr>
+          <p:cNvPicPr>
+            <a:picLocks noChangeAspect="1"/>
+          </p:cNvPicPr>
+          <p:nvPr/>
+        </p:nvPicPr>
+        <p:blipFill>
+          <a:blip r:embed="rId4"/>
+          <a:stretch>
+            <a:fillRect/>
+          </a:stretch>
+        </p:blipFill>
+        <p:spPr>
+          <a:xfrm>
+            <a:off x="0" y="1310481"/>
+            <a:ext cx="9144000" cy="4897438"/>
+          </a:xfrm>
+          <a:prstGeom prst="rect">
+            <a:avLst/>
+          </a:prstGeom>
+        </p:spPr>
+      </p:pic>
+    </p:spTree>
+    <p:extLst>
+      <p:ext uri="{BB962C8B-B14F-4D97-AF65-F5344CB8AC3E}">
+        <p14:creationId xmlns:p14="http://schemas.microsoft.com/office/powerpoint/2010/main" val="929190005"/>
       </p:ext>
     </p:extLst>
   </p:cSld>

--- a/Presentation/final_presentation.pptx
+++ b/Presentation/final_presentation.pptx
@@ -1132,6 +1132,20 @@
               <a:rPr lang="he-IL" dirty="0"/>
               <a:t>מה רמות הבטחון עבור כל ספרה</a:t>
             </a:r>
+          </a:p>
+          <a:p>
+            <a:endParaRPr lang="en-US" dirty="0"/>
+          </a:p>
+          <a:p>
+            <a:r>
+              <a:rPr lang="he-IL" dirty="0"/>
+              <a:t>-לא יכול להיות 5 באותה שורה ולכן ההסתברות </a:t>
+            </a:r>
+            <a:r>
+              <a:rPr lang="he-IL"/>
+              <a:t>ל-5 עולה</a:t>
+            </a:r>
+            <a:endParaRPr lang="en-US"/>
           </a:p>
           <a:p>
             <a:endParaRPr lang="he-IL" dirty="0"/>
@@ -6253,23 +6267,7 @@
                   <a:schemeClr val="tx1"/>
                 </a:solidFill>
               </a:rPr>
-              <a:t> Chen </a:t>
-            </a:r>
-            <a:r>
-              <a:rPr lang="en-US" sz="2400" dirty="0" err="1">
-                <a:solidFill>
-                  <a:schemeClr val="tx1"/>
-                </a:solidFill>
-              </a:rPr>
-              <a:t>Dudai</a:t>
-            </a:r>
-            <a:r>
-              <a:rPr lang="en-US" sz="2400" dirty="0">
-                <a:solidFill>
-                  <a:schemeClr val="tx1"/>
-                </a:solidFill>
-              </a:rPr>
-              <a:t>, Barak Mamistvalov</a:t>
+              <a:t> Chen Dudai, Barak Mamistvalov</a:t>
             </a:r>
           </a:p>
           <a:p>
@@ -12366,7 +12364,7 @@
                   <a:schemeClr val="tx1"/>
                 </a:solidFill>
               </a:rPr>
-              <a:t>18</a:t>
+              <a:t>17</a:t>
             </a:r>
           </a:p>
         </p:txBody>
@@ -12780,7 +12778,7 @@
                   <a:schemeClr val="tx1"/>
                 </a:solidFill>
               </a:rPr>
-              <a:t>17</a:t>
+              <a:t>18</a:t>
             </a:r>
           </a:p>
         </p:txBody>
